--- a/ProgettoRESM.pptx
+++ b/ProgettoRESM.pptx
@@ -6,11 +6,26 @@
   </p:sldMasterIdLst>
   <p:sldIdLst>
     <p:sldId id="256" r:id="rId2"/>
-    <p:sldId id="260" r:id="rId3"/>
+    <p:sldId id="265" r:id="rId3"/>
     <p:sldId id="257" r:id="rId4"/>
-    <p:sldId id="258" r:id="rId5"/>
-    <p:sldId id="259" r:id="rId6"/>
-    <p:sldId id="261" r:id="rId7"/>
+    <p:sldId id="260" r:id="rId5"/>
+    <p:sldId id="266" r:id="rId6"/>
+    <p:sldId id="258" r:id="rId7"/>
+    <p:sldId id="268" r:id="rId8"/>
+    <p:sldId id="269" r:id="rId9"/>
+    <p:sldId id="270" r:id="rId10"/>
+    <p:sldId id="271" r:id="rId11"/>
+    <p:sldId id="272" r:id="rId12"/>
+    <p:sldId id="273" r:id="rId13"/>
+    <p:sldId id="274" r:id="rId14"/>
+    <p:sldId id="262" r:id="rId15"/>
+    <p:sldId id="263" r:id="rId16"/>
+    <p:sldId id="264" r:id="rId17"/>
+    <p:sldId id="275" r:id="rId18"/>
+    <p:sldId id="276" r:id="rId19"/>
+    <p:sldId id="277" r:id="rId20"/>
+    <p:sldId id="259" r:id="rId21"/>
+    <p:sldId id="261" r:id="rId22"/>
   </p:sldIdLst>
   <p:sldSz cx="12192000" cy="6858000"/>
   <p:notesSz cx="6858000" cy="9144000"/>
@@ -109,7 +124,3902 @@
       </a:defRPr>
     </a:lvl9pPr>
   </p:defaultTextStyle>
+  <p:extLst>
+    <p:ext uri="{EFAFB233-063F-42B5-8137-9DF3F51BA10A}">
+      <p15:sldGuideLst xmlns:p15="http://schemas.microsoft.com/office/powerpoint/2012/main"/>
+    </p:ext>
+  </p:extLst>
 </p:presentation>
+</file>
+
+<file path=ppt/diagrams/colors1.xml><?xml version="1.0" encoding="utf-8"?>
+<dgm:colorsDef xmlns:dgm="http://schemas.openxmlformats.org/drawingml/2006/diagram" xmlns:a="http://schemas.openxmlformats.org/drawingml/2006/main" uniqueId="urn:microsoft.com/office/officeart/2005/8/colors/accent1_2">
+  <dgm:title val=""/>
+  <dgm:desc val=""/>
+  <dgm:catLst>
+    <dgm:cat type="accent1" pri="11200"/>
+  </dgm:catLst>
+  <dgm:styleLbl name="node0">
+    <dgm:fillClrLst meth="repeat">
+      <a:schemeClr val="accent1"/>
+    </dgm:fillClrLst>
+    <dgm:linClrLst meth="repeat">
+      <a:schemeClr val="lt1"/>
+    </dgm:linClrLst>
+    <dgm:effectClrLst/>
+    <dgm:txLinClrLst/>
+    <dgm:txFillClrLst/>
+    <dgm:txEffectClrLst/>
+  </dgm:styleLbl>
+  <dgm:styleLbl name="alignNode1">
+    <dgm:fillClrLst meth="repeat">
+      <a:schemeClr val="accent1"/>
+    </dgm:fillClrLst>
+    <dgm:linClrLst meth="repeat">
+      <a:schemeClr val="accent1"/>
+    </dgm:linClrLst>
+    <dgm:effectClrLst/>
+    <dgm:txLinClrLst/>
+    <dgm:txFillClrLst/>
+    <dgm:txEffectClrLst/>
+  </dgm:styleLbl>
+  <dgm:styleLbl name="node1">
+    <dgm:fillClrLst meth="repeat">
+      <a:schemeClr val="accent1"/>
+    </dgm:fillClrLst>
+    <dgm:linClrLst meth="repeat">
+      <a:schemeClr val="lt1"/>
+    </dgm:linClrLst>
+    <dgm:effectClrLst/>
+    <dgm:txLinClrLst/>
+    <dgm:txFillClrLst/>
+    <dgm:txEffectClrLst/>
+  </dgm:styleLbl>
+  <dgm:styleLbl name="lnNode1">
+    <dgm:fillClrLst meth="repeat">
+      <a:schemeClr val="accent1"/>
+    </dgm:fillClrLst>
+    <dgm:linClrLst meth="repeat">
+      <a:schemeClr val="lt1"/>
+    </dgm:linClrLst>
+    <dgm:effectClrLst/>
+    <dgm:txLinClrLst/>
+    <dgm:txFillClrLst/>
+    <dgm:txEffectClrLst/>
+  </dgm:styleLbl>
+  <dgm:styleLbl name="vennNode1">
+    <dgm:fillClrLst meth="repeat">
+      <a:schemeClr val="accent1">
+        <a:alpha val="50000"/>
+      </a:schemeClr>
+    </dgm:fillClrLst>
+    <dgm:linClrLst meth="repeat">
+      <a:schemeClr val="lt1"/>
+    </dgm:linClrLst>
+    <dgm:effectClrLst/>
+    <dgm:txLinClrLst/>
+    <dgm:txFillClrLst/>
+    <dgm:txEffectClrLst/>
+  </dgm:styleLbl>
+  <dgm:styleLbl name="node2">
+    <dgm:fillClrLst meth="repeat">
+      <a:schemeClr val="accent1"/>
+    </dgm:fillClrLst>
+    <dgm:linClrLst meth="repeat">
+      <a:schemeClr val="lt1"/>
+    </dgm:linClrLst>
+    <dgm:effectClrLst/>
+    <dgm:txLinClrLst/>
+    <dgm:txFillClrLst/>
+    <dgm:txEffectClrLst/>
+  </dgm:styleLbl>
+  <dgm:styleLbl name="node3">
+    <dgm:fillClrLst meth="repeat">
+      <a:schemeClr val="accent1"/>
+    </dgm:fillClrLst>
+    <dgm:linClrLst meth="repeat">
+      <a:schemeClr val="lt1"/>
+    </dgm:linClrLst>
+    <dgm:effectClrLst/>
+    <dgm:txLinClrLst/>
+    <dgm:txFillClrLst/>
+    <dgm:txEffectClrLst/>
+  </dgm:styleLbl>
+  <dgm:styleLbl name="node4">
+    <dgm:fillClrLst meth="repeat">
+      <a:schemeClr val="accent1"/>
+    </dgm:fillClrLst>
+    <dgm:linClrLst meth="repeat">
+      <a:schemeClr val="lt1"/>
+    </dgm:linClrLst>
+    <dgm:effectClrLst/>
+    <dgm:txLinClrLst/>
+    <dgm:txFillClrLst/>
+    <dgm:txEffectClrLst/>
+  </dgm:styleLbl>
+  <dgm:styleLbl name="fgImgPlace1">
+    <dgm:fillClrLst meth="repeat">
+      <a:schemeClr val="accent1">
+        <a:tint val="50000"/>
+      </a:schemeClr>
+    </dgm:fillClrLst>
+    <dgm:linClrLst meth="repeat">
+      <a:schemeClr val="lt1"/>
+    </dgm:linClrLst>
+    <dgm:effectClrLst/>
+    <dgm:txLinClrLst/>
+    <dgm:txFillClrLst meth="repeat">
+      <a:schemeClr val="lt1"/>
+    </dgm:txFillClrLst>
+    <dgm:txEffectClrLst/>
+  </dgm:styleLbl>
+  <dgm:styleLbl name="alignImgPlace1">
+    <dgm:fillClrLst meth="repeat">
+      <a:schemeClr val="accent1">
+        <a:tint val="50000"/>
+      </a:schemeClr>
+    </dgm:fillClrLst>
+    <dgm:linClrLst meth="repeat">
+      <a:schemeClr val="lt1"/>
+    </dgm:linClrLst>
+    <dgm:effectClrLst/>
+    <dgm:txLinClrLst/>
+    <dgm:txFillClrLst meth="repeat">
+      <a:schemeClr val="lt1"/>
+    </dgm:txFillClrLst>
+    <dgm:txEffectClrLst/>
+  </dgm:styleLbl>
+  <dgm:styleLbl name="bgImgPlace1">
+    <dgm:fillClrLst meth="repeat">
+      <a:schemeClr val="accent1">
+        <a:tint val="50000"/>
+      </a:schemeClr>
+    </dgm:fillClrLst>
+    <dgm:linClrLst meth="repeat">
+      <a:schemeClr val="lt1"/>
+    </dgm:linClrLst>
+    <dgm:effectClrLst/>
+    <dgm:txLinClrLst/>
+    <dgm:txFillClrLst meth="repeat">
+      <a:schemeClr val="lt1"/>
+    </dgm:txFillClrLst>
+    <dgm:txEffectClrLst/>
+  </dgm:styleLbl>
+  <dgm:styleLbl name="sibTrans2D1">
+    <dgm:fillClrLst meth="repeat">
+      <a:schemeClr val="accent1">
+        <a:tint val="60000"/>
+      </a:schemeClr>
+    </dgm:fillClrLst>
+    <dgm:linClrLst meth="repeat">
+      <a:schemeClr val="accent1">
+        <a:tint val="60000"/>
+      </a:schemeClr>
+    </dgm:linClrLst>
+    <dgm:effectClrLst/>
+    <dgm:txLinClrLst/>
+    <dgm:txFillClrLst/>
+    <dgm:txEffectClrLst/>
+  </dgm:styleLbl>
+  <dgm:styleLbl name="fgSibTrans2D1">
+    <dgm:fillClrLst meth="repeat">
+      <a:schemeClr val="accent1">
+        <a:tint val="60000"/>
+      </a:schemeClr>
+    </dgm:fillClrLst>
+    <dgm:linClrLst meth="repeat">
+      <a:schemeClr val="accent1">
+        <a:tint val="60000"/>
+      </a:schemeClr>
+    </dgm:linClrLst>
+    <dgm:effectClrLst/>
+    <dgm:txLinClrLst/>
+    <dgm:txFillClrLst/>
+    <dgm:txEffectClrLst/>
+  </dgm:styleLbl>
+  <dgm:styleLbl name="bgSibTrans2D1">
+    <dgm:fillClrLst meth="repeat">
+      <a:schemeClr val="accent1">
+        <a:tint val="60000"/>
+      </a:schemeClr>
+    </dgm:fillClrLst>
+    <dgm:linClrLst meth="repeat">
+      <a:schemeClr val="accent1">
+        <a:tint val="60000"/>
+      </a:schemeClr>
+    </dgm:linClrLst>
+    <dgm:effectClrLst/>
+    <dgm:txLinClrLst/>
+    <dgm:txFillClrLst/>
+    <dgm:txEffectClrLst/>
+  </dgm:styleLbl>
+  <dgm:styleLbl name="sibTrans1D1">
+    <dgm:fillClrLst meth="repeat">
+      <a:schemeClr val="accent1"/>
+    </dgm:fillClrLst>
+    <dgm:linClrLst meth="repeat">
+      <a:schemeClr val="accent1"/>
+    </dgm:linClrLst>
+    <dgm:effectClrLst/>
+    <dgm:txLinClrLst/>
+    <dgm:txFillClrLst meth="repeat">
+      <a:schemeClr val="tx1"/>
+    </dgm:txFillClrLst>
+    <dgm:txEffectClrLst/>
+  </dgm:styleLbl>
+  <dgm:styleLbl name="callout">
+    <dgm:fillClrLst meth="repeat">
+      <a:schemeClr val="accent1"/>
+    </dgm:fillClrLst>
+    <dgm:linClrLst meth="repeat">
+      <a:schemeClr val="accent1">
+        <a:tint val="50000"/>
+      </a:schemeClr>
+    </dgm:linClrLst>
+    <dgm:effectClrLst/>
+    <dgm:txLinClrLst/>
+    <dgm:txFillClrLst meth="repeat">
+      <a:schemeClr val="tx1"/>
+    </dgm:txFillClrLst>
+    <dgm:txEffectClrLst/>
+  </dgm:styleLbl>
+  <dgm:styleLbl name="asst0">
+    <dgm:fillClrLst meth="repeat">
+      <a:schemeClr val="accent1"/>
+    </dgm:fillClrLst>
+    <dgm:linClrLst meth="repeat">
+      <a:schemeClr val="lt1"/>
+    </dgm:linClrLst>
+    <dgm:effectClrLst/>
+    <dgm:txLinClrLst/>
+    <dgm:txFillClrLst/>
+    <dgm:txEffectClrLst/>
+  </dgm:styleLbl>
+  <dgm:styleLbl name="asst1">
+    <dgm:fillClrLst meth="repeat">
+      <a:schemeClr val="accent1"/>
+    </dgm:fillClrLst>
+    <dgm:linClrLst meth="repeat">
+      <a:schemeClr val="lt1"/>
+    </dgm:linClrLst>
+    <dgm:effectClrLst/>
+    <dgm:txLinClrLst/>
+    <dgm:txFillClrLst/>
+    <dgm:txEffectClrLst/>
+  </dgm:styleLbl>
+  <dgm:styleLbl name="asst2">
+    <dgm:fillClrLst meth="repeat">
+      <a:schemeClr val="accent1"/>
+    </dgm:fillClrLst>
+    <dgm:linClrLst meth="repeat">
+      <a:schemeClr val="lt1"/>
+    </dgm:linClrLst>
+    <dgm:effectClrLst/>
+    <dgm:txLinClrLst/>
+    <dgm:txFillClrLst/>
+    <dgm:txEffectClrLst/>
+  </dgm:styleLbl>
+  <dgm:styleLbl name="asst3">
+    <dgm:fillClrLst meth="repeat">
+      <a:schemeClr val="accent1"/>
+    </dgm:fillClrLst>
+    <dgm:linClrLst meth="repeat">
+      <a:schemeClr val="lt1"/>
+    </dgm:linClrLst>
+    <dgm:effectClrLst/>
+    <dgm:txLinClrLst/>
+    <dgm:txFillClrLst/>
+    <dgm:txEffectClrLst/>
+  </dgm:styleLbl>
+  <dgm:styleLbl name="asst4">
+    <dgm:fillClrLst meth="repeat">
+      <a:schemeClr val="accent1"/>
+    </dgm:fillClrLst>
+    <dgm:linClrLst meth="repeat">
+      <a:schemeClr val="lt1"/>
+    </dgm:linClrLst>
+    <dgm:effectClrLst/>
+    <dgm:txLinClrLst/>
+    <dgm:txFillClrLst/>
+    <dgm:txEffectClrLst/>
+  </dgm:styleLbl>
+  <dgm:styleLbl name="parChTrans2D1">
+    <dgm:fillClrLst meth="repeat">
+      <a:schemeClr val="accent1">
+        <a:tint val="60000"/>
+      </a:schemeClr>
+    </dgm:fillClrLst>
+    <dgm:linClrLst meth="repeat">
+      <a:schemeClr val="accent1">
+        <a:tint val="60000"/>
+      </a:schemeClr>
+    </dgm:linClrLst>
+    <dgm:effectClrLst/>
+    <dgm:txLinClrLst/>
+    <dgm:txFillClrLst meth="repeat">
+      <a:schemeClr val="lt1"/>
+    </dgm:txFillClrLst>
+    <dgm:txEffectClrLst/>
+  </dgm:styleLbl>
+  <dgm:styleLbl name="parChTrans2D2">
+    <dgm:fillClrLst meth="repeat">
+      <a:schemeClr val="accent1"/>
+    </dgm:fillClrLst>
+    <dgm:linClrLst meth="repeat">
+      <a:schemeClr val="accent1"/>
+    </dgm:linClrLst>
+    <dgm:effectClrLst/>
+    <dgm:txLinClrLst/>
+    <dgm:txFillClrLst meth="repeat">
+      <a:schemeClr val="lt1"/>
+    </dgm:txFillClrLst>
+    <dgm:txEffectClrLst/>
+  </dgm:styleLbl>
+  <dgm:styleLbl name="parChTrans2D3">
+    <dgm:fillClrLst meth="repeat">
+      <a:schemeClr val="accent1"/>
+    </dgm:fillClrLst>
+    <dgm:linClrLst meth="repeat">
+      <a:schemeClr val="accent1"/>
+    </dgm:linClrLst>
+    <dgm:effectClrLst/>
+    <dgm:txLinClrLst/>
+    <dgm:txFillClrLst meth="repeat">
+      <a:schemeClr val="lt1"/>
+    </dgm:txFillClrLst>
+    <dgm:txEffectClrLst/>
+  </dgm:styleLbl>
+  <dgm:styleLbl name="parChTrans2D4">
+    <dgm:fillClrLst meth="repeat">
+      <a:schemeClr val="accent1"/>
+    </dgm:fillClrLst>
+    <dgm:linClrLst meth="repeat">
+      <a:schemeClr val="accent1"/>
+    </dgm:linClrLst>
+    <dgm:effectClrLst/>
+    <dgm:txLinClrLst/>
+    <dgm:txFillClrLst meth="repeat">
+      <a:schemeClr val="lt1"/>
+    </dgm:txFillClrLst>
+    <dgm:txEffectClrLst/>
+  </dgm:styleLbl>
+  <dgm:styleLbl name="parChTrans1D1">
+    <dgm:fillClrLst meth="repeat">
+      <a:schemeClr val="accent1"/>
+    </dgm:fillClrLst>
+    <dgm:linClrLst meth="repeat">
+      <a:schemeClr val="accent1">
+        <a:shade val="60000"/>
+      </a:schemeClr>
+    </dgm:linClrLst>
+    <dgm:effectClrLst/>
+    <dgm:txLinClrLst/>
+    <dgm:txFillClrLst meth="repeat">
+      <a:schemeClr val="tx1"/>
+    </dgm:txFillClrLst>
+    <dgm:txEffectClrLst/>
+  </dgm:styleLbl>
+  <dgm:styleLbl name="parChTrans1D2">
+    <dgm:fillClrLst meth="repeat">
+      <a:schemeClr val="accent1"/>
+    </dgm:fillClrLst>
+    <dgm:linClrLst meth="repeat">
+      <a:schemeClr val="accent1">
+        <a:shade val="60000"/>
+      </a:schemeClr>
+    </dgm:linClrLst>
+    <dgm:effectClrLst/>
+    <dgm:txLinClrLst/>
+    <dgm:txFillClrLst meth="repeat">
+      <a:schemeClr val="tx1"/>
+    </dgm:txFillClrLst>
+    <dgm:txEffectClrLst/>
+  </dgm:styleLbl>
+  <dgm:styleLbl name="parChTrans1D3">
+    <dgm:fillClrLst meth="repeat">
+      <a:schemeClr val="accent1"/>
+    </dgm:fillClrLst>
+    <dgm:linClrLst meth="repeat">
+      <a:schemeClr val="accent1">
+        <a:shade val="80000"/>
+      </a:schemeClr>
+    </dgm:linClrLst>
+    <dgm:effectClrLst/>
+    <dgm:txLinClrLst/>
+    <dgm:txFillClrLst meth="repeat">
+      <a:schemeClr val="tx1"/>
+    </dgm:txFillClrLst>
+    <dgm:txEffectClrLst/>
+  </dgm:styleLbl>
+  <dgm:styleLbl name="parChTrans1D4">
+    <dgm:fillClrLst meth="repeat">
+      <a:schemeClr val="accent1"/>
+    </dgm:fillClrLst>
+    <dgm:linClrLst meth="repeat">
+      <a:schemeClr val="accent1">
+        <a:shade val="80000"/>
+      </a:schemeClr>
+    </dgm:linClrLst>
+    <dgm:effectClrLst/>
+    <dgm:txLinClrLst/>
+    <dgm:txFillClrLst meth="repeat">
+      <a:schemeClr val="tx1"/>
+    </dgm:txFillClrLst>
+    <dgm:txEffectClrLst/>
+  </dgm:styleLbl>
+  <dgm:styleLbl name="fgAcc1">
+    <dgm:fillClrLst meth="repeat">
+      <a:schemeClr val="lt1">
+        <a:alpha val="90000"/>
+      </a:schemeClr>
+    </dgm:fillClrLst>
+    <dgm:linClrLst meth="repeat">
+      <a:schemeClr val="accent1"/>
+    </dgm:linClrLst>
+    <dgm:effectClrLst/>
+    <dgm:txLinClrLst/>
+    <dgm:txFillClrLst meth="repeat">
+      <a:schemeClr val="dk1"/>
+    </dgm:txFillClrLst>
+    <dgm:txEffectClrLst/>
+  </dgm:styleLbl>
+  <dgm:styleLbl name="conFgAcc1">
+    <dgm:fillClrLst meth="repeat">
+      <a:schemeClr val="lt1">
+        <a:alpha val="90000"/>
+      </a:schemeClr>
+    </dgm:fillClrLst>
+    <dgm:linClrLst meth="repeat">
+      <a:schemeClr val="accent1"/>
+    </dgm:linClrLst>
+    <dgm:effectClrLst/>
+    <dgm:txLinClrLst/>
+    <dgm:txFillClrLst meth="repeat">
+      <a:schemeClr val="dk1"/>
+    </dgm:txFillClrLst>
+    <dgm:txEffectClrLst/>
+  </dgm:styleLbl>
+  <dgm:styleLbl name="alignAcc1">
+    <dgm:fillClrLst meth="repeat">
+      <a:schemeClr val="lt1">
+        <a:alpha val="90000"/>
+      </a:schemeClr>
+    </dgm:fillClrLst>
+    <dgm:linClrLst meth="repeat">
+      <a:schemeClr val="accent1"/>
+    </dgm:linClrLst>
+    <dgm:effectClrLst/>
+    <dgm:txLinClrLst/>
+    <dgm:txFillClrLst meth="repeat">
+      <a:schemeClr val="dk1"/>
+    </dgm:txFillClrLst>
+    <dgm:txEffectClrLst/>
+  </dgm:styleLbl>
+  <dgm:styleLbl name="trAlignAcc1">
+    <dgm:fillClrLst meth="repeat">
+      <a:schemeClr val="lt1">
+        <a:alpha val="40000"/>
+      </a:schemeClr>
+    </dgm:fillClrLst>
+    <dgm:linClrLst meth="repeat">
+      <a:schemeClr val="accent1"/>
+    </dgm:linClrLst>
+    <dgm:effectClrLst/>
+    <dgm:txLinClrLst/>
+    <dgm:txFillClrLst meth="repeat">
+      <a:schemeClr val="dk1"/>
+    </dgm:txFillClrLst>
+    <dgm:txEffectClrLst/>
+  </dgm:styleLbl>
+  <dgm:styleLbl name="bgAcc1">
+    <dgm:fillClrLst meth="repeat">
+      <a:schemeClr val="lt1">
+        <a:alpha val="90000"/>
+      </a:schemeClr>
+    </dgm:fillClrLst>
+    <dgm:linClrLst meth="repeat">
+      <a:schemeClr val="accent1"/>
+    </dgm:linClrLst>
+    <dgm:effectClrLst/>
+    <dgm:txLinClrLst/>
+    <dgm:txFillClrLst meth="repeat">
+      <a:schemeClr val="dk1"/>
+    </dgm:txFillClrLst>
+    <dgm:txEffectClrLst/>
+  </dgm:styleLbl>
+  <dgm:styleLbl name="solidFgAcc1">
+    <dgm:fillClrLst meth="repeat">
+      <a:schemeClr val="lt1"/>
+    </dgm:fillClrLst>
+    <dgm:linClrLst meth="repeat">
+      <a:schemeClr val="accent1"/>
+    </dgm:linClrLst>
+    <dgm:effectClrLst/>
+    <dgm:txLinClrLst/>
+    <dgm:txFillClrLst meth="repeat">
+      <a:schemeClr val="dk1"/>
+    </dgm:txFillClrLst>
+    <dgm:txEffectClrLst/>
+  </dgm:styleLbl>
+  <dgm:styleLbl name="solidAlignAcc1">
+    <dgm:fillClrLst meth="repeat">
+      <a:schemeClr val="lt1"/>
+    </dgm:fillClrLst>
+    <dgm:linClrLst meth="repeat">
+      <a:schemeClr val="accent1"/>
+    </dgm:linClrLst>
+    <dgm:effectClrLst/>
+    <dgm:txLinClrLst/>
+    <dgm:txFillClrLst meth="repeat">
+      <a:schemeClr val="dk1"/>
+    </dgm:txFillClrLst>
+    <dgm:txEffectClrLst/>
+  </dgm:styleLbl>
+  <dgm:styleLbl name="solidBgAcc1">
+    <dgm:fillClrLst meth="repeat">
+      <a:schemeClr val="lt1"/>
+    </dgm:fillClrLst>
+    <dgm:linClrLst meth="repeat">
+      <a:schemeClr val="accent1"/>
+    </dgm:linClrLst>
+    <dgm:effectClrLst/>
+    <dgm:txLinClrLst/>
+    <dgm:txFillClrLst meth="repeat">
+      <a:schemeClr val="dk1"/>
+    </dgm:txFillClrLst>
+    <dgm:txEffectClrLst/>
+  </dgm:styleLbl>
+  <dgm:styleLbl name="fgAccFollowNode1">
+    <dgm:fillClrLst meth="repeat">
+      <a:schemeClr val="accent1">
+        <a:alpha val="90000"/>
+        <a:tint val="40000"/>
+      </a:schemeClr>
+    </dgm:fillClrLst>
+    <dgm:linClrLst meth="repeat">
+      <a:schemeClr val="accent1">
+        <a:alpha val="90000"/>
+        <a:tint val="40000"/>
+      </a:schemeClr>
+    </dgm:linClrLst>
+    <dgm:effectClrLst/>
+    <dgm:txLinClrLst/>
+    <dgm:txFillClrLst meth="repeat">
+      <a:schemeClr val="dk1"/>
+    </dgm:txFillClrLst>
+    <dgm:txEffectClrLst/>
+  </dgm:styleLbl>
+  <dgm:styleLbl name="alignAccFollowNode1">
+    <dgm:fillClrLst meth="repeat">
+      <a:schemeClr val="accent1">
+        <a:alpha val="90000"/>
+        <a:tint val="40000"/>
+      </a:schemeClr>
+    </dgm:fillClrLst>
+    <dgm:linClrLst meth="repeat">
+      <a:schemeClr val="accent1">
+        <a:alpha val="90000"/>
+        <a:tint val="40000"/>
+      </a:schemeClr>
+    </dgm:linClrLst>
+    <dgm:effectClrLst/>
+    <dgm:txLinClrLst/>
+    <dgm:txFillClrLst meth="repeat">
+      <a:schemeClr val="dk1"/>
+    </dgm:txFillClrLst>
+    <dgm:txEffectClrLst/>
+  </dgm:styleLbl>
+  <dgm:styleLbl name="bgAccFollowNode1">
+    <dgm:fillClrLst meth="repeat">
+      <a:schemeClr val="accent1">
+        <a:alpha val="90000"/>
+        <a:tint val="40000"/>
+      </a:schemeClr>
+    </dgm:fillClrLst>
+    <dgm:linClrLst meth="repeat">
+      <a:schemeClr val="accent1">
+        <a:alpha val="90000"/>
+        <a:tint val="40000"/>
+      </a:schemeClr>
+    </dgm:linClrLst>
+    <dgm:effectClrLst/>
+    <dgm:txLinClrLst/>
+    <dgm:txFillClrLst meth="repeat">
+      <a:schemeClr val="dk1"/>
+    </dgm:txFillClrLst>
+    <dgm:txEffectClrLst/>
+  </dgm:styleLbl>
+  <dgm:styleLbl name="fgAcc0">
+    <dgm:fillClrLst meth="repeat">
+      <a:schemeClr val="lt1">
+        <a:alpha val="90000"/>
+      </a:schemeClr>
+    </dgm:fillClrLst>
+    <dgm:linClrLst meth="repeat">
+      <a:schemeClr val="accent1"/>
+    </dgm:linClrLst>
+    <dgm:effectClrLst/>
+    <dgm:txLinClrLst/>
+    <dgm:txFillClrLst meth="repeat">
+      <a:schemeClr val="dk1"/>
+    </dgm:txFillClrLst>
+    <dgm:txEffectClrLst/>
+  </dgm:styleLbl>
+  <dgm:styleLbl name="fgAcc2">
+    <dgm:fillClrLst meth="repeat">
+      <a:schemeClr val="lt1">
+        <a:alpha val="90000"/>
+      </a:schemeClr>
+    </dgm:fillClrLst>
+    <dgm:linClrLst meth="repeat">
+      <a:schemeClr val="accent1"/>
+    </dgm:linClrLst>
+    <dgm:effectClrLst/>
+    <dgm:txLinClrLst/>
+    <dgm:txFillClrLst meth="repeat">
+      <a:schemeClr val="dk1"/>
+    </dgm:txFillClrLst>
+    <dgm:txEffectClrLst/>
+  </dgm:styleLbl>
+  <dgm:styleLbl name="fgAcc3">
+    <dgm:fillClrLst meth="repeat">
+      <a:schemeClr val="lt1">
+        <a:alpha val="90000"/>
+      </a:schemeClr>
+    </dgm:fillClrLst>
+    <dgm:linClrLst meth="repeat">
+      <a:schemeClr val="accent1"/>
+    </dgm:linClrLst>
+    <dgm:effectClrLst/>
+    <dgm:txLinClrLst/>
+    <dgm:txFillClrLst meth="repeat">
+      <a:schemeClr val="dk1"/>
+    </dgm:txFillClrLst>
+    <dgm:txEffectClrLst/>
+  </dgm:styleLbl>
+  <dgm:styleLbl name="fgAcc4">
+    <dgm:fillClrLst meth="repeat">
+      <a:schemeClr val="lt1">
+        <a:alpha val="90000"/>
+      </a:schemeClr>
+    </dgm:fillClrLst>
+    <dgm:linClrLst meth="repeat">
+      <a:schemeClr val="accent1"/>
+    </dgm:linClrLst>
+    <dgm:effectClrLst/>
+    <dgm:txLinClrLst/>
+    <dgm:txFillClrLst meth="repeat">
+      <a:schemeClr val="dk1"/>
+    </dgm:txFillClrLst>
+    <dgm:txEffectClrLst/>
+  </dgm:styleLbl>
+  <dgm:styleLbl name="bgShp">
+    <dgm:fillClrLst meth="repeat">
+      <a:schemeClr val="accent1">
+        <a:tint val="40000"/>
+      </a:schemeClr>
+    </dgm:fillClrLst>
+    <dgm:linClrLst meth="repeat">
+      <a:schemeClr val="accent1"/>
+    </dgm:linClrLst>
+    <dgm:effectClrLst/>
+    <dgm:txLinClrLst/>
+    <dgm:txFillClrLst meth="repeat">
+      <a:schemeClr val="dk1"/>
+    </dgm:txFillClrLst>
+    <dgm:txEffectClrLst/>
+  </dgm:styleLbl>
+  <dgm:styleLbl name="dkBgShp">
+    <dgm:fillClrLst meth="repeat">
+      <a:schemeClr val="accent1">
+        <a:shade val="80000"/>
+      </a:schemeClr>
+    </dgm:fillClrLst>
+    <dgm:linClrLst meth="repeat">
+      <a:schemeClr val="accent1"/>
+    </dgm:linClrLst>
+    <dgm:effectClrLst/>
+    <dgm:txLinClrLst/>
+    <dgm:txFillClrLst meth="repeat">
+      <a:schemeClr val="lt1"/>
+    </dgm:txFillClrLst>
+    <dgm:txEffectClrLst/>
+  </dgm:styleLbl>
+  <dgm:styleLbl name="trBgShp">
+    <dgm:fillClrLst meth="repeat">
+      <a:schemeClr val="accent1">
+        <a:tint val="50000"/>
+        <a:alpha val="40000"/>
+      </a:schemeClr>
+    </dgm:fillClrLst>
+    <dgm:linClrLst meth="repeat">
+      <a:schemeClr val="accent1"/>
+    </dgm:linClrLst>
+    <dgm:effectClrLst/>
+    <dgm:txLinClrLst/>
+    <dgm:txFillClrLst meth="repeat">
+      <a:schemeClr val="lt1"/>
+    </dgm:txFillClrLst>
+    <dgm:txEffectClrLst/>
+  </dgm:styleLbl>
+  <dgm:styleLbl name="fgShp">
+    <dgm:fillClrLst meth="repeat">
+      <a:schemeClr val="accent1">
+        <a:tint val="60000"/>
+      </a:schemeClr>
+    </dgm:fillClrLst>
+    <dgm:linClrLst meth="repeat">
+      <a:schemeClr val="lt1"/>
+    </dgm:linClrLst>
+    <dgm:effectClrLst/>
+    <dgm:txLinClrLst/>
+    <dgm:txFillClrLst meth="repeat">
+      <a:schemeClr val="dk1"/>
+    </dgm:txFillClrLst>
+    <dgm:txEffectClrLst/>
+  </dgm:styleLbl>
+  <dgm:styleLbl name="revTx">
+    <dgm:fillClrLst meth="repeat">
+      <a:schemeClr val="lt1">
+        <a:alpha val="0"/>
+      </a:schemeClr>
+    </dgm:fillClrLst>
+    <dgm:linClrLst meth="repeat">
+      <a:schemeClr val="dk1">
+        <a:alpha val="0"/>
+      </a:schemeClr>
+    </dgm:linClrLst>
+    <dgm:effectClrLst/>
+    <dgm:txLinClrLst/>
+    <dgm:txFillClrLst meth="repeat">
+      <a:schemeClr val="tx1"/>
+    </dgm:txFillClrLst>
+    <dgm:txEffectClrLst/>
+  </dgm:styleLbl>
+</dgm:colorsDef>
+</file>
+
+<file path=ppt/diagrams/data1.xml><?xml version="1.0" encoding="utf-8"?>
+<dgm:dataModel xmlns:dgm="http://schemas.openxmlformats.org/drawingml/2006/diagram" xmlns:a="http://schemas.openxmlformats.org/drawingml/2006/main">
+  <dgm:ptLst>
+    <dgm:pt modelId="{4486A2CC-AB56-4A7B-ACC8-4824292CB299}" type="doc">
+      <dgm:prSet loTypeId="urn:microsoft.com/office/officeart/2005/8/layout/vProcess5" loCatId="process" qsTypeId="urn:microsoft.com/office/officeart/2005/8/quickstyle/simple1" qsCatId="simple" csTypeId="urn:microsoft.com/office/officeart/2005/8/colors/accent1_2" csCatId="accent1"/>
+      <dgm:spPr/>
+      <dgm:t>
+        <a:bodyPr/>
+        <a:lstStyle/>
+        <a:p>
+          <a:endParaRPr lang="en-US"/>
+        </a:p>
+      </dgm:t>
+    </dgm:pt>
+    <dgm:pt modelId="{87A7C26F-AE80-4DDE-A748-BF465D4B0FB1}">
+      <dgm:prSet/>
+      <dgm:spPr/>
+      <dgm:t>
+        <a:bodyPr/>
+        <a:lstStyle/>
+        <a:p>
+          <a:r>
+            <a:rPr lang="it-IT"/>
+            <a:t>Mesure the I-V curve for each panel</a:t>
+          </a:r>
+          <a:endParaRPr lang="en-US"/>
+        </a:p>
+      </dgm:t>
+    </dgm:pt>
+    <dgm:pt modelId="{6A83A77D-953D-4B1A-B0CC-64B512BB8526}" type="parTrans" cxnId="{2E7CB206-F6F6-4A29-9131-3C89783BEB16}">
+      <dgm:prSet/>
+      <dgm:spPr/>
+      <dgm:t>
+        <a:bodyPr/>
+        <a:lstStyle/>
+        <a:p>
+          <a:endParaRPr lang="en-US"/>
+        </a:p>
+      </dgm:t>
+    </dgm:pt>
+    <dgm:pt modelId="{56E84405-5DEF-417B-975E-8AB6BFEB0B5A}" type="sibTrans" cxnId="{2E7CB206-F6F6-4A29-9131-3C89783BEB16}">
+      <dgm:prSet/>
+      <dgm:spPr/>
+      <dgm:t>
+        <a:bodyPr/>
+        <a:lstStyle/>
+        <a:p>
+          <a:endParaRPr lang="en-US"/>
+        </a:p>
+      </dgm:t>
+    </dgm:pt>
+    <dgm:pt modelId="{1B948020-E423-4324-97CA-2E801AB5EEBB}">
+      <dgm:prSet/>
+      <dgm:spPr/>
+      <dgm:t>
+        <a:bodyPr/>
+        <a:lstStyle/>
+        <a:p>
+          <a:r>
+            <a:rPr lang="it-IT"/>
+            <a:t>Make a I-V curve for a string of panel</a:t>
+          </a:r>
+          <a:endParaRPr lang="en-US"/>
+        </a:p>
+      </dgm:t>
+    </dgm:pt>
+    <dgm:pt modelId="{EBD1DA88-8823-44A5-AB23-FD49F1FDA5D1}" type="parTrans" cxnId="{6079BA05-5C09-41FF-B37B-5A029A23777E}">
+      <dgm:prSet/>
+      <dgm:spPr/>
+      <dgm:t>
+        <a:bodyPr/>
+        <a:lstStyle/>
+        <a:p>
+          <a:endParaRPr lang="en-US"/>
+        </a:p>
+      </dgm:t>
+    </dgm:pt>
+    <dgm:pt modelId="{6684AB14-89EF-4FB7-802A-D9429C530133}" type="sibTrans" cxnId="{6079BA05-5C09-41FF-B37B-5A029A23777E}">
+      <dgm:prSet/>
+      <dgm:spPr/>
+      <dgm:t>
+        <a:bodyPr/>
+        <a:lstStyle/>
+        <a:p>
+          <a:endParaRPr lang="en-US"/>
+        </a:p>
+      </dgm:t>
+    </dgm:pt>
+    <dgm:pt modelId="{DBC4CACD-F9D6-495F-A7E1-472309B5BCD8}">
+      <dgm:prSet/>
+      <dgm:spPr/>
+      <dgm:t>
+        <a:bodyPr/>
+        <a:lstStyle/>
+        <a:p>
+          <a:r>
+            <a:rPr lang="it-IT"/>
+            <a:t>Make an optimization for the parallel of N strings</a:t>
+          </a:r>
+          <a:endParaRPr lang="en-US"/>
+        </a:p>
+      </dgm:t>
+    </dgm:pt>
+    <dgm:pt modelId="{1612B6A9-31CF-48AE-B054-E7CE8CA5B9F7}" type="parTrans" cxnId="{726F19E6-4607-4EED-91B1-2E1AC15991AA}">
+      <dgm:prSet/>
+      <dgm:spPr/>
+      <dgm:t>
+        <a:bodyPr/>
+        <a:lstStyle/>
+        <a:p>
+          <a:endParaRPr lang="en-US"/>
+        </a:p>
+      </dgm:t>
+    </dgm:pt>
+    <dgm:pt modelId="{EF18E2B4-F562-4F5A-B5B6-41DD5E674151}" type="sibTrans" cxnId="{726F19E6-4607-4EED-91B1-2E1AC15991AA}">
+      <dgm:prSet/>
+      <dgm:spPr/>
+      <dgm:t>
+        <a:bodyPr/>
+        <a:lstStyle/>
+        <a:p>
+          <a:endParaRPr lang="en-US"/>
+        </a:p>
+      </dgm:t>
+    </dgm:pt>
+    <dgm:pt modelId="{E3595F89-CE94-4926-87D2-34FF6A3B81FD}">
+      <dgm:prSet/>
+      <dgm:spPr/>
+      <dgm:t>
+        <a:bodyPr/>
+        <a:lstStyle/>
+        <a:p>
+          <a:r>
+            <a:rPr lang="it-IT"/>
+            <a:t>Plot the results starting from the single I-V curve to the optimized power result.</a:t>
+          </a:r>
+          <a:endParaRPr lang="en-US"/>
+        </a:p>
+      </dgm:t>
+    </dgm:pt>
+    <dgm:pt modelId="{57E0F583-ED83-4527-BBCB-AD9E223D5AC6}" type="parTrans" cxnId="{D0E5AD15-6971-480B-9DD8-B6DF9F250C64}">
+      <dgm:prSet/>
+      <dgm:spPr/>
+      <dgm:t>
+        <a:bodyPr/>
+        <a:lstStyle/>
+        <a:p>
+          <a:endParaRPr lang="en-US"/>
+        </a:p>
+      </dgm:t>
+    </dgm:pt>
+    <dgm:pt modelId="{146CFCBF-99BA-4106-9377-093D355B1B02}" type="sibTrans" cxnId="{D0E5AD15-6971-480B-9DD8-B6DF9F250C64}">
+      <dgm:prSet/>
+      <dgm:spPr/>
+      <dgm:t>
+        <a:bodyPr/>
+        <a:lstStyle/>
+        <a:p>
+          <a:endParaRPr lang="en-US"/>
+        </a:p>
+      </dgm:t>
+    </dgm:pt>
+    <dgm:pt modelId="{3F25500C-8050-44E9-896A-27CD08B3AC8C}" type="pres">
+      <dgm:prSet presAssocID="{4486A2CC-AB56-4A7B-ACC8-4824292CB299}" presName="outerComposite" presStyleCnt="0">
+        <dgm:presLayoutVars>
+          <dgm:chMax val="5"/>
+          <dgm:dir/>
+          <dgm:resizeHandles val="exact"/>
+        </dgm:presLayoutVars>
+      </dgm:prSet>
+      <dgm:spPr/>
+    </dgm:pt>
+    <dgm:pt modelId="{41064083-0EFB-4EA3-9CE3-D291C7D50A75}" type="pres">
+      <dgm:prSet presAssocID="{4486A2CC-AB56-4A7B-ACC8-4824292CB299}" presName="dummyMaxCanvas" presStyleCnt="0">
+        <dgm:presLayoutVars/>
+      </dgm:prSet>
+      <dgm:spPr/>
+    </dgm:pt>
+    <dgm:pt modelId="{E36103DF-1C2E-464A-848A-230D4641FACE}" type="pres">
+      <dgm:prSet presAssocID="{4486A2CC-AB56-4A7B-ACC8-4824292CB299}" presName="FourNodes_1" presStyleLbl="node1" presStyleIdx="0" presStyleCnt="4">
+        <dgm:presLayoutVars>
+          <dgm:bulletEnabled val="1"/>
+        </dgm:presLayoutVars>
+      </dgm:prSet>
+      <dgm:spPr/>
+    </dgm:pt>
+    <dgm:pt modelId="{A6E40F10-3E81-42D8-A857-71AE591161DA}" type="pres">
+      <dgm:prSet presAssocID="{4486A2CC-AB56-4A7B-ACC8-4824292CB299}" presName="FourNodes_2" presStyleLbl="node1" presStyleIdx="1" presStyleCnt="4">
+        <dgm:presLayoutVars>
+          <dgm:bulletEnabled val="1"/>
+        </dgm:presLayoutVars>
+      </dgm:prSet>
+      <dgm:spPr/>
+    </dgm:pt>
+    <dgm:pt modelId="{DF54321F-D378-4D7F-9A3E-C4D07641D684}" type="pres">
+      <dgm:prSet presAssocID="{4486A2CC-AB56-4A7B-ACC8-4824292CB299}" presName="FourNodes_3" presStyleLbl="node1" presStyleIdx="2" presStyleCnt="4">
+        <dgm:presLayoutVars>
+          <dgm:bulletEnabled val="1"/>
+        </dgm:presLayoutVars>
+      </dgm:prSet>
+      <dgm:spPr/>
+    </dgm:pt>
+    <dgm:pt modelId="{88549785-B562-4E08-A77C-DF83698C2487}" type="pres">
+      <dgm:prSet presAssocID="{4486A2CC-AB56-4A7B-ACC8-4824292CB299}" presName="FourNodes_4" presStyleLbl="node1" presStyleIdx="3" presStyleCnt="4">
+        <dgm:presLayoutVars>
+          <dgm:bulletEnabled val="1"/>
+        </dgm:presLayoutVars>
+      </dgm:prSet>
+      <dgm:spPr/>
+    </dgm:pt>
+    <dgm:pt modelId="{30401E51-AD13-44DF-901D-21B9DBF45215}" type="pres">
+      <dgm:prSet presAssocID="{4486A2CC-AB56-4A7B-ACC8-4824292CB299}" presName="FourConn_1-2" presStyleLbl="fgAccFollowNode1" presStyleIdx="0" presStyleCnt="3">
+        <dgm:presLayoutVars>
+          <dgm:bulletEnabled val="1"/>
+        </dgm:presLayoutVars>
+      </dgm:prSet>
+      <dgm:spPr/>
+    </dgm:pt>
+    <dgm:pt modelId="{EAD784AA-6D48-4A9F-8DE3-13753D31E7F6}" type="pres">
+      <dgm:prSet presAssocID="{4486A2CC-AB56-4A7B-ACC8-4824292CB299}" presName="FourConn_2-3" presStyleLbl="fgAccFollowNode1" presStyleIdx="1" presStyleCnt="3">
+        <dgm:presLayoutVars>
+          <dgm:bulletEnabled val="1"/>
+        </dgm:presLayoutVars>
+      </dgm:prSet>
+      <dgm:spPr/>
+    </dgm:pt>
+    <dgm:pt modelId="{861F507C-91B0-45FA-93CF-2DF06BFC8797}" type="pres">
+      <dgm:prSet presAssocID="{4486A2CC-AB56-4A7B-ACC8-4824292CB299}" presName="FourConn_3-4" presStyleLbl="fgAccFollowNode1" presStyleIdx="2" presStyleCnt="3">
+        <dgm:presLayoutVars>
+          <dgm:bulletEnabled val="1"/>
+        </dgm:presLayoutVars>
+      </dgm:prSet>
+      <dgm:spPr/>
+    </dgm:pt>
+    <dgm:pt modelId="{5D7245CF-F104-4B02-9FCF-80FFC1A81CAE}" type="pres">
+      <dgm:prSet presAssocID="{4486A2CC-AB56-4A7B-ACC8-4824292CB299}" presName="FourNodes_1_text" presStyleLbl="node1" presStyleIdx="3" presStyleCnt="4">
+        <dgm:presLayoutVars>
+          <dgm:bulletEnabled val="1"/>
+        </dgm:presLayoutVars>
+      </dgm:prSet>
+      <dgm:spPr/>
+    </dgm:pt>
+    <dgm:pt modelId="{0782DC34-D60F-4803-864C-745B1AF9F645}" type="pres">
+      <dgm:prSet presAssocID="{4486A2CC-AB56-4A7B-ACC8-4824292CB299}" presName="FourNodes_2_text" presStyleLbl="node1" presStyleIdx="3" presStyleCnt="4">
+        <dgm:presLayoutVars>
+          <dgm:bulletEnabled val="1"/>
+        </dgm:presLayoutVars>
+      </dgm:prSet>
+      <dgm:spPr/>
+    </dgm:pt>
+    <dgm:pt modelId="{1B77D0D8-96EA-4949-BA74-E215039BFA38}" type="pres">
+      <dgm:prSet presAssocID="{4486A2CC-AB56-4A7B-ACC8-4824292CB299}" presName="FourNodes_3_text" presStyleLbl="node1" presStyleIdx="3" presStyleCnt="4">
+        <dgm:presLayoutVars>
+          <dgm:bulletEnabled val="1"/>
+        </dgm:presLayoutVars>
+      </dgm:prSet>
+      <dgm:spPr/>
+    </dgm:pt>
+    <dgm:pt modelId="{B765DF65-D2E5-420B-96B4-8474E2AC054C}" type="pres">
+      <dgm:prSet presAssocID="{4486A2CC-AB56-4A7B-ACC8-4824292CB299}" presName="FourNodes_4_text" presStyleLbl="node1" presStyleIdx="3" presStyleCnt="4">
+        <dgm:presLayoutVars>
+          <dgm:bulletEnabled val="1"/>
+        </dgm:presLayoutVars>
+      </dgm:prSet>
+      <dgm:spPr/>
+    </dgm:pt>
+  </dgm:ptLst>
+  <dgm:cxnLst>
+    <dgm:cxn modelId="{6079BA05-5C09-41FF-B37B-5A029A23777E}" srcId="{4486A2CC-AB56-4A7B-ACC8-4824292CB299}" destId="{1B948020-E423-4324-97CA-2E801AB5EEBB}" srcOrd="1" destOrd="0" parTransId="{EBD1DA88-8823-44A5-AB23-FD49F1FDA5D1}" sibTransId="{6684AB14-89EF-4FB7-802A-D9429C530133}"/>
+    <dgm:cxn modelId="{2E7CB206-F6F6-4A29-9131-3C89783BEB16}" srcId="{4486A2CC-AB56-4A7B-ACC8-4824292CB299}" destId="{87A7C26F-AE80-4DDE-A748-BF465D4B0FB1}" srcOrd="0" destOrd="0" parTransId="{6A83A77D-953D-4B1A-B0CC-64B512BB8526}" sibTransId="{56E84405-5DEF-417B-975E-8AB6BFEB0B5A}"/>
+    <dgm:cxn modelId="{51687811-77C9-4F4E-9AD7-8F202A9CFAFF}" type="presOf" srcId="{EF18E2B4-F562-4F5A-B5B6-41DD5E674151}" destId="{861F507C-91B0-45FA-93CF-2DF06BFC8797}" srcOrd="0" destOrd="0" presId="urn:microsoft.com/office/officeart/2005/8/layout/vProcess5"/>
+    <dgm:cxn modelId="{D0E5AD15-6971-480B-9DD8-B6DF9F250C64}" srcId="{4486A2CC-AB56-4A7B-ACC8-4824292CB299}" destId="{E3595F89-CE94-4926-87D2-34FF6A3B81FD}" srcOrd="3" destOrd="0" parTransId="{57E0F583-ED83-4527-BBCB-AD9E223D5AC6}" sibTransId="{146CFCBF-99BA-4106-9377-093D355B1B02}"/>
+    <dgm:cxn modelId="{8F797E23-029D-42EB-98B0-3C2B5967F95A}" type="presOf" srcId="{6684AB14-89EF-4FB7-802A-D9429C530133}" destId="{EAD784AA-6D48-4A9F-8DE3-13753D31E7F6}" srcOrd="0" destOrd="0" presId="urn:microsoft.com/office/officeart/2005/8/layout/vProcess5"/>
+    <dgm:cxn modelId="{DB9D4B31-CB35-4293-9754-FE21C38737D4}" type="presOf" srcId="{1B948020-E423-4324-97CA-2E801AB5EEBB}" destId="{A6E40F10-3E81-42D8-A857-71AE591161DA}" srcOrd="0" destOrd="0" presId="urn:microsoft.com/office/officeart/2005/8/layout/vProcess5"/>
+    <dgm:cxn modelId="{83F9E832-A47A-4C93-8C87-3B28839ADC18}" type="presOf" srcId="{87A7C26F-AE80-4DDE-A748-BF465D4B0FB1}" destId="{E36103DF-1C2E-464A-848A-230D4641FACE}" srcOrd="0" destOrd="0" presId="urn:microsoft.com/office/officeart/2005/8/layout/vProcess5"/>
+    <dgm:cxn modelId="{CF21BD44-446D-45DA-8D4A-9AEFC62A8E57}" type="presOf" srcId="{E3595F89-CE94-4926-87D2-34FF6A3B81FD}" destId="{B765DF65-D2E5-420B-96B4-8474E2AC054C}" srcOrd="1" destOrd="0" presId="urn:microsoft.com/office/officeart/2005/8/layout/vProcess5"/>
+    <dgm:cxn modelId="{999AC766-AA15-4183-AD87-24D9753370A7}" type="presOf" srcId="{87A7C26F-AE80-4DDE-A748-BF465D4B0FB1}" destId="{5D7245CF-F104-4B02-9FCF-80FFC1A81CAE}" srcOrd="1" destOrd="0" presId="urn:microsoft.com/office/officeart/2005/8/layout/vProcess5"/>
+    <dgm:cxn modelId="{A116216A-2BA2-4E90-8E36-4FEFAE8243ED}" type="presOf" srcId="{E3595F89-CE94-4926-87D2-34FF6A3B81FD}" destId="{88549785-B562-4E08-A77C-DF83698C2487}" srcOrd="0" destOrd="0" presId="urn:microsoft.com/office/officeart/2005/8/layout/vProcess5"/>
+    <dgm:cxn modelId="{12EAFD6B-046E-4331-9D2E-DF91E8B5C110}" type="presOf" srcId="{1B948020-E423-4324-97CA-2E801AB5EEBB}" destId="{0782DC34-D60F-4803-864C-745B1AF9F645}" srcOrd="1" destOrd="0" presId="urn:microsoft.com/office/officeart/2005/8/layout/vProcess5"/>
+    <dgm:cxn modelId="{81B5A3D0-3D94-4667-AD34-9DB3DE83D332}" type="presOf" srcId="{DBC4CACD-F9D6-495F-A7E1-472309B5BCD8}" destId="{1B77D0D8-96EA-4949-BA74-E215039BFA38}" srcOrd="1" destOrd="0" presId="urn:microsoft.com/office/officeart/2005/8/layout/vProcess5"/>
+    <dgm:cxn modelId="{FF05DBE0-B4B0-420D-A220-DF5272242E56}" type="presOf" srcId="{DBC4CACD-F9D6-495F-A7E1-472309B5BCD8}" destId="{DF54321F-D378-4D7F-9A3E-C4D07641D684}" srcOrd="0" destOrd="0" presId="urn:microsoft.com/office/officeart/2005/8/layout/vProcess5"/>
+    <dgm:cxn modelId="{726F19E6-4607-4EED-91B1-2E1AC15991AA}" srcId="{4486A2CC-AB56-4A7B-ACC8-4824292CB299}" destId="{DBC4CACD-F9D6-495F-A7E1-472309B5BCD8}" srcOrd="2" destOrd="0" parTransId="{1612B6A9-31CF-48AE-B054-E7CE8CA5B9F7}" sibTransId="{EF18E2B4-F562-4F5A-B5B6-41DD5E674151}"/>
+    <dgm:cxn modelId="{A456F0F7-6840-43B4-8F5F-7166BD7954CC}" type="presOf" srcId="{4486A2CC-AB56-4A7B-ACC8-4824292CB299}" destId="{3F25500C-8050-44E9-896A-27CD08B3AC8C}" srcOrd="0" destOrd="0" presId="urn:microsoft.com/office/officeart/2005/8/layout/vProcess5"/>
+    <dgm:cxn modelId="{7F367FFC-C4E3-49EA-80C9-D15125B75930}" type="presOf" srcId="{56E84405-5DEF-417B-975E-8AB6BFEB0B5A}" destId="{30401E51-AD13-44DF-901D-21B9DBF45215}" srcOrd="0" destOrd="0" presId="urn:microsoft.com/office/officeart/2005/8/layout/vProcess5"/>
+    <dgm:cxn modelId="{B5652B5E-2E67-48F1-A3A5-9343D4C97008}" type="presParOf" srcId="{3F25500C-8050-44E9-896A-27CD08B3AC8C}" destId="{41064083-0EFB-4EA3-9CE3-D291C7D50A75}" srcOrd="0" destOrd="0" presId="urn:microsoft.com/office/officeart/2005/8/layout/vProcess5"/>
+    <dgm:cxn modelId="{2FB21B8A-CCC0-4601-ADE1-2EB019F14E89}" type="presParOf" srcId="{3F25500C-8050-44E9-896A-27CD08B3AC8C}" destId="{E36103DF-1C2E-464A-848A-230D4641FACE}" srcOrd="1" destOrd="0" presId="urn:microsoft.com/office/officeart/2005/8/layout/vProcess5"/>
+    <dgm:cxn modelId="{A27CADFD-D405-4EFD-A744-AF7E7218E1C4}" type="presParOf" srcId="{3F25500C-8050-44E9-896A-27CD08B3AC8C}" destId="{A6E40F10-3E81-42D8-A857-71AE591161DA}" srcOrd="2" destOrd="0" presId="urn:microsoft.com/office/officeart/2005/8/layout/vProcess5"/>
+    <dgm:cxn modelId="{2907407B-B70F-4D1E-9711-857C87919564}" type="presParOf" srcId="{3F25500C-8050-44E9-896A-27CD08B3AC8C}" destId="{DF54321F-D378-4D7F-9A3E-C4D07641D684}" srcOrd="3" destOrd="0" presId="urn:microsoft.com/office/officeart/2005/8/layout/vProcess5"/>
+    <dgm:cxn modelId="{084106A0-9D7B-4C9B-995E-AC4B173A633D}" type="presParOf" srcId="{3F25500C-8050-44E9-896A-27CD08B3AC8C}" destId="{88549785-B562-4E08-A77C-DF83698C2487}" srcOrd="4" destOrd="0" presId="urn:microsoft.com/office/officeart/2005/8/layout/vProcess5"/>
+    <dgm:cxn modelId="{397645D8-B58F-4B0C-9E3E-400A2360FF8F}" type="presParOf" srcId="{3F25500C-8050-44E9-896A-27CD08B3AC8C}" destId="{30401E51-AD13-44DF-901D-21B9DBF45215}" srcOrd="5" destOrd="0" presId="urn:microsoft.com/office/officeart/2005/8/layout/vProcess5"/>
+    <dgm:cxn modelId="{08D08D37-8D2C-4558-B069-2513FF669473}" type="presParOf" srcId="{3F25500C-8050-44E9-896A-27CD08B3AC8C}" destId="{EAD784AA-6D48-4A9F-8DE3-13753D31E7F6}" srcOrd="6" destOrd="0" presId="urn:microsoft.com/office/officeart/2005/8/layout/vProcess5"/>
+    <dgm:cxn modelId="{CECCCAF5-14BA-467C-9166-812339F0874F}" type="presParOf" srcId="{3F25500C-8050-44E9-896A-27CD08B3AC8C}" destId="{861F507C-91B0-45FA-93CF-2DF06BFC8797}" srcOrd="7" destOrd="0" presId="urn:microsoft.com/office/officeart/2005/8/layout/vProcess5"/>
+    <dgm:cxn modelId="{1914BD5B-DD12-40A4-AF2F-87AC75A3042C}" type="presParOf" srcId="{3F25500C-8050-44E9-896A-27CD08B3AC8C}" destId="{5D7245CF-F104-4B02-9FCF-80FFC1A81CAE}" srcOrd="8" destOrd="0" presId="urn:microsoft.com/office/officeart/2005/8/layout/vProcess5"/>
+    <dgm:cxn modelId="{1519F220-FADD-4006-A22E-A8CCD5B3A4F3}" type="presParOf" srcId="{3F25500C-8050-44E9-896A-27CD08B3AC8C}" destId="{0782DC34-D60F-4803-864C-745B1AF9F645}" srcOrd="9" destOrd="0" presId="urn:microsoft.com/office/officeart/2005/8/layout/vProcess5"/>
+    <dgm:cxn modelId="{0C0D9CA0-06FE-4923-BE14-C3B4ADB8FA3C}" type="presParOf" srcId="{3F25500C-8050-44E9-896A-27CD08B3AC8C}" destId="{1B77D0D8-96EA-4949-BA74-E215039BFA38}" srcOrd="10" destOrd="0" presId="urn:microsoft.com/office/officeart/2005/8/layout/vProcess5"/>
+    <dgm:cxn modelId="{40C3EB68-9ECB-4B13-BE0D-30537F829DAD}" type="presParOf" srcId="{3F25500C-8050-44E9-896A-27CD08B3AC8C}" destId="{B765DF65-D2E5-420B-96B4-8474E2AC054C}" srcOrd="11" destOrd="0" presId="urn:microsoft.com/office/officeart/2005/8/layout/vProcess5"/>
+  </dgm:cxnLst>
+  <dgm:bg/>
+  <dgm:whole/>
+  <dgm:extLst>
+    <a:ext uri="http://schemas.microsoft.com/office/drawing/2008/diagram">
+      <dsp:dataModelExt xmlns:dsp="http://schemas.microsoft.com/office/drawing/2008/diagram" relId="rId6" minVer="http://schemas.openxmlformats.org/drawingml/2006/diagram"/>
+    </a:ext>
+  </dgm:extLst>
+</dgm:dataModel>
+</file>
+
+<file path=ppt/diagrams/drawing1.xml><?xml version="1.0" encoding="utf-8"?>
+<dsp:drawing xmlns:dgm="http://schemas.openxmlformats.org/drawingml/2006/diagram" xmlns:dsp="http://schemas.microsoft.com/office/drawing/2008/diagram" xmlns:a="http://schemas.openxmlformats.org/drawingml/2006/main">
+  <dsp:spTree>
+    <dsp:nvGrpSpPr>
+      <dsp:cNvPr id="0" name=""/>
+      <dsp:cNvGrpSpPr/>
+    </dsp:nvGrpSpPr>
+    <dsp:grpSpPr/>
+    <dsp:sp modelId="{E36103DF-1C2E-464A-848A-230D4641FACE}">
+      <dsp:nvSpPr>
+        <dsp:cNvPr id="0" name=""/>
+        <dsp:cNvSpPr/>
+      </dsp:nvSpPr>
+      <dsp:spPr>
+        <a:xfrm>
+          <a:off x="0" y="0"/>
+          <a:ext cx="8134502" cy="812718"/>
+        </a:xfrm>
+        <a:prstGeom prst="roundRect">
+          <a:avLst>
+            <a:gd name="adj" fmla="val 10000"/>
+          </a:avLst>
+        </a:prstGeom>
+        <a:solidFill>
+          <a:schemeClr val="accent1">
+            <a:hueOff val="0"/>
+            <a:satOff val="0"/>
+            <a:lumOff val="0"/>
+            <a:alphaOff val="0"/>
+          </a:schemeClr>
+        </a:solidFill>
+        <a:ln w="12700" cap="flat" cmpd="sng" algn="ctr">
+          <a:solidFill>
+            <a:schemeClr val="lt1">
+              <a:hueOff val="0"/>
+              <a:satOff val="0"/>
+              <a:lumOff val="0"/>
+              <a:alphaOff val="0"/>
+            </a:schemeClr>
+          </a:solidFill>
+          <a:prstDash val="solid"/>
+          <a:miter lim="800000"/>
+        </a:ln>
+        <a:effectLst/>
+      </dsp:spPr>
+      <dsp:style>
+        <a:lnRef idx="2">
+          <a:scrgbClr r="0" g="0" b="0"/>
+        </a:lnRef>
+        <a:fillRef idx="1">
+          <a:scrgbClr r="0" g="0" b="0"/>
+        </a:fillRef>
+        <a:effectRef idx="0">
+          <a:scrgbClr r="0" g="0" b="0"/>
+        </a:effectRef>
+        <a:fontRef idx="minor">
+          <a:schemeClr val="lt1"/>
+        </a:fontRef>
+      </dsp:style>
+      <dsp:txBody>
+        <a:bodyPr spcFirstLastPara="0" vert="horz" wrap="square" lIns="83820" tIns="83820" rIns="83820" bIns="83820" numCol="1" spcCol="1270" anchor="ctr" anchorCtr="0">
+          <a:noAutofit/>
+        </a:bodyPr>
+        <a:lstStyle/>
+        <a:p>
+          <a:pPr marL="0" lvl="0" indent="0" algn="l" defTabSz="977900">
+            <a:lnSpc>
+              <a:spcPct val="90000"/>
+            </a:lnSpc>
+            <a:spcBef>
+              <a:spcPct val="0"/>
+            </a:spcBef>
+            <a:spcAft>
+              <a:spcPct val="35000"/>
+            </a:spcAft>
+            <a:buNone/>
+          </a:pPr>
+          <a:r>
+            <a:rPr lang="it-IT" sz="2200" kern="1200"/>
+            <a:t>Mesure the I-V curve for each panel</a:t>
+          </a:r>
+          <a:endParaRPr lang="en-US" sz="2200" kern="1200"/>
+        </a:p>
+      </dsp:txBody>
+      <dsp:txXfrm>
+        <a:off x="23804" y="23804"/>
+        <a:ext cx="7188840" cy="765110"/>
+      </dsp:txXfrm>
+    </dsp:sp>
+    <dsp:sp modelId="{A6E40F10-3E81-42D8-A857-71AE591161DA}">
+      <dsp:nvSpPr>
+        <dsp:cNvPr id="0" name=""/>
+        <dsp:cNvSpPr/>
+      </dsp:nvSpPr>
+      <dsp:spPr>
+        <a:xfrm>
+          <a:off x="681264" y="960485"/>
+          <a:ext cx="8134502" cy="812718"/>
+        </a:xfrm>
+        <a:prstGeom prst="roundRect">
+          <a:avLst>
+            <a:gd name="adj" fmla="val 10000"/>
+          </a:avLst>
+        </a:prstGeom>
+        <a:solidFill>
+          <a:schemeClr val="accent1">
+            <a:hueOff val="0"/>
+            <a:satOff val="0"/>
+            <a:lumOff val="0"/>
+            <a:alphaOff val="0"/>
+          </a:schemeClr>
+        </a:solidFill>
+        <a:ln w="12700" cap="flat" cmpd="sng" algn="ctr">
+          <a:solidFill>
+            <a:schemeClr val="lt1">
+              <a:hueOff val="0"/>
+              <a:satOff val="0"/>
+              <a:lumOff val="0"/>
+              <a:alphaOff val="0"/>
+            </a:schemeClr>
+          </a:solidFill>
+          <a:prstDash val="solid"/>
+          <a:miter lim="800000"/>
+        </a:ln>
+        <a:effectLst/>
+      </dsp:spPr>
+      <dsp:style>
+        <a:lnRef idx="2">
+          <a:scrgbClr r="0" g="0" b="0"/>
+        </a:lnRef>
+        <a:fillRef idx="1">
+          <a:scrgbClr r="0" g="0" b="0"/>
+        </a:fillRef>
+        <a:effectRef idx="0">
+          <a:scrgbClr r="0" g="0" b="0"/>
+        </a:effectRef>
+        <a:fontRef idx="minor">
+          <a:schemeClr val="lt1"/>
+        </a:fontRef>
+      </dsp:style>
+      <dsp:txBody>
+        <a:bodyPr spcFirstLastPara="0" vert="horz" wrap="square" lIns="83820" tIns="83820" rIns="83820" bIns="83820" numCol="1" spcCol="1270" anchor="ctr" anchorCtr="0">
+          <a:noAutofit/>
+        </a:bodyPr>
+        <a:lstStyle/>
+        <a:p>
+          <a:pPr marL="0" lvl="0" indent="0" algn="l" defTabSz="977900">
+            <a:lnSpc>
+              <a:spcPct val="90000"/>
+            </a:lnSpc>
+            <a:spcBef>
+              <a:spcPct val="0"/>
+            </a:spcBef>
+            <a:spcAft>
+              <a:spcPct val="35000"/>
+            </a:spcAft>
+            <a:buNone/>
+          </a:pPr>
+          <a:r>
+            <a:rPr lang="it-IT" sz="2200" kern="1200"/>
+            <a:t>Make a I-V curve for a string of panel</a:t>
+          </a:r>
+          <a:endParaRPr lang="en-US" sz="2200" kern="1200"/>
+        </a:p>
+      </dsp:txBody>
+      <dsp:txXfrm>
+        <a:off x="705068" y="984289"/>
+        <a:ext cx="6877362" cy="765110"/>
+      </dsp:txXfrm>
+    </dsp:sp>
+    <dsp:sp modelId="{DF54321F-D378-4D7F-9A3E-C4D07641D684}">
+      <dsp:nvSpPr>
+        <dsp:cNvPr id="0" name=""/>
+        <dsp:cNvSpPr/>
+      </dsp:nvSpPr>
+      <dsp:spPr>
+        <a:xfrm>
+          <a:off x="1352361" y="1920971"/>
+          <a:ext cx="8134502" cy="812718"/>
+        </a:xfrm>
+        <a:prstGeom prst="roundRect">
+          <a:avLst>
+            <a:gd name="adj" fmla="val 10000"/>
+          </a:avLst>
+        </a:prstGeom>
+        <a:solidFill>
+          <a:schemeClr val="accent1">
+            <a:hueOff val="0"/>
+            <a:satOff val="0"/>
+            <a:lumOff val="0"/>
+            <a:alphaOff val="0"/>
+          </a:schemeClr>
+        </a:solidFill>
+        <a:ln w="12700" cap="flat" cmpd="sng" algn="ctr">
+          <a:solidFill>
+            <a:schemeClr val="lt1">
+              <a:hueOff val="0"/>
+              <a:satOff val="0"/>
+              <a:lumOff val="0"/>
+              <a:alphaOff val="0"/>
+            </a:schemeClr>
+          </a:solidFill>
+          <a:prstDash val="solid"/>
+          <a:miter lim="800000"/>
+        </a:ln>
+        <a:effectLst/>
+      </dsp:spPr>
+      <dsp:style>
+        <a:lnRef idx="2">
+          <a:scrgbClr r="0" g="0" b="0"/>
+        </a:lnRef>
+        <a:fillRef idx="1">
+          <a:scrgbClr r="0" g="0" b="0"/>
+        </a:fillRef>
+        <a:effectRef idx="0">
+          <a:scrgbClr r="0" g="0" b="0"/>
+        </a:effectRef>
+        <a:fontRef idx="minor">
+          <a:schemeClr val="lt1"/>
+        </a:fontRef>
+      </dsp:style>
+      <dsp:txBody>
+        <a:bodyPr spcFirstLastPara="0" vert="horz" wrap="square" lIns="83820" tIns="83820" rIns="83820" bIns="83820" numCol="1" spcCol="1270" anchor="ctr" anchorCtr="0">
+          <a:noAutofit/>
+        </a:bodyPr>
+        <a:lstStyle/>
+        <a:p>
+          <a:pPr marL="0" lvl="0" indent="0" algn="l" defTabSz="977900">
+            <a:lnSpc>
+              <a:spcPct val="90000"/>
+            </a:lnSpc>
+            <a:spcBef>
+              <a:spcPct val="0"/>
+            </a:spcBef>
+            <a:spcAft>
+              <a:spcPct val="35000"/>
+            </a:spcAft>
+            <a:buNone/>
+          </a:pPr>
+          <a:r>
+            <a:rPr lang="it-IT" sz="2200" kern="1200"/>
+            <a:t>Make an optimization for the parallel of N strings</a:t>
+          </a:r>
+          <a:endParaRPr lang="en-US" sz="2200" kern="1200"/>
+        </a:p>
+      </dsp:txBody>
+      <dsp:txXfrm>
+        <a:off x="1376165" y="1944775"/>
+        <a:ext cx="6887530" cy="765110"/>
+      </dsp:txXfrm>
+    </dsp:sp>
+    <dsp:sp modelId="{88549785-B562-4E08-A77C-DF83698C2487}">
+      <dsp:nvSpPr>
+        <dsp:cNvPr id="0" name=""/>
+        <dsp:cNvSpPr/>
+      </dsp:nvSpPr>
+      <dsp:spPr>
+        <a:xfrm>
+          <a:off x="2033625" y="2881457"/>
+          <a:ext cx="8134502" cy="812718"/>
+        </a:xfrm>
+        <a:prstGeom prst="roundRect">
+          <a:avLst>
+            <a:gd name="adj" fmla="val 10000"/>
+          </a:avLst>
+        </a:prstGeom>
+        <a:solidFill>
+          <a:schemeClr val="accent1">
+            <a:hueOff val="0"/>
+            <a:satOff val="0"/>
+            <a:lumOff val="0"/>
+            <a:alphaOff val="0"/>
+          </a:schemeClr>
+        </a:solidFill>
+        <a:ln w="12700" cap="flat" cmpd="sng" algn="ctr">
+          <a:solidFill>
+            <a:schemeClr val="lt1">
+              <a:hueOff val="0"/>
+              <a:satOff val="0"/>
+              <a:lumOff val="0"/>
+              <a:alphaOff val="0"/>
+            </a:schemeClr>
+          </a:solidFill>
+          <a:prstDash val="solid"/>
+          <a:miter lim="800000"/>
+        </a:ln>
+        <a:effectLst/>
+      </dsp:spPr>
+      <dsp:style>
+        <a:lnRef idx="2">
+          <a:scrgbClr r="0" g="0" b="0"/>
+        </a:lnRef>
+        <a:fillRef idx="1">
+          <a:scrgbClr r="0" g="0" b="0"/>
+        </a:fillRef>
+        <a:effectRef idx="0">
+          <a:scrgbClr r="0" g="0" b="0"/>
+        </a:effectRef>
+        <a:fontRef idx="minor">
+          <a:schemeClr val="lt1"/>
+        </a:fontRef>
+      </dsp:style>
+      <dsp:txBody>
+        <a:bodyPr spcFirstLastPara="0" vert="horz" wrap="square" lIns="83820" tIns="83820" rIns="83820" bIns="83820" numCol="1" spcCol="1270" anchor="ctr" anchorCtr="0">
+          <a:noAutofit/>
+        </a:bodyPr>
+        <a:lstStyle/>
+        <a:p>
+          <a:pPr marL="0" lvl="0" indent="0" algn="l" defTabSz="977900">
+            <a:lnSpc>
+              <a:spcPct val="90000"/>
+            </a:lnSpc>
+            <a:spcBef>
+              <a:spcPct val="0"/>
+            </a:spcBef>
+            <a:spcAft>
+              <a:spcPct val="35000"/>
+            </a:spcAft>
+            <a:buNone/>
+          </a:pPr>
+          <a:r>
+            <a:rPr lang="it-IT" sz="2200" kern="1200"/>
+            <a:t>Plot the results starting from the single I-V curve to the optimized power result.</a:t>
+          </a:r>
+          <a:endParaRPr lang="en-US" sz="2200" kern="1200"/>
+        </a:p>
+      </dsp:txBody>
+      <dsp:txXfrm>
+        <a:off x="2057429" y="2905261"/>
+        <a:ext cx="6877362" cy="765110"/>
+      </dsp:txXfrm>
+    </dsp:sp>
+    <dsp:sp modelId="{30401E51-AD13-44DF-901D-21B9DBF45215}">
+      <dsp:nvSpPr>
+        <dsp:cNvPr id="0" name=""/>
+        <dsp:cNvSpPr/>
+      </dsp:nvSpPr>
+      <dsp:spPr>
+        <a:xfrm>
+          <a:off x="7606235" y="622468"/>
+          <a:ext cx="528267" cy="528267"/>
+        </a:xfrm>
+        <a:prstGeom prst="downArrow">
+          <a:avLst>
+            <a:gd name="adj1" fmla="val 55000"/>
+            <a:gd name="adj2" fmla="val 45000"/>
+          </a:avLst>
+        </a:prstGeom>
+        <a:solidFill>
+          <a:schemeClr val="accent1">
+            <a:alpha val="90000"/>
+            <a:tint val="40000"/>
+            <a:hueOff val="0"/>
+            <a:satOff val="0"/>
+            <a:lumOff val="0"/>
+            <a:alphaOff val="0"/>
+          </a:schemeClr>
+        </a:solidFill>
+        <a:ln w="12700" cap="flat" cmpd="sng" algn="ctr">
+          <a:solidFill>
+            <a:schemeClr val="accent1">
+              <a:alpha val="90000"/>
+              <a:tint val="40000"/>
+              <a:hueOff val="0"/>
+              <a:satOff val="0"/>
+              <a:lumOff val="0"/>
+              <a:alphaOff val="0"/>
+            </a:schemeClr>
+          </a:solidFill>
+          <a:prstDash val="solid"/>
+          <a:miter lim="800000"/>
+        </a:ln>
+        <a:effectLst/>
+      </dsp:spPr>
+      <dsp:style>
+        <a:lnRef idx="2">
+          <a:scrgbClr r="0" g="0" b="0"/>
+        </a:lnRef>
+        <a:fillRef idx="1">
+          <a:scrgbClr r="0" g="0" b="0"/>
+        </a:fillRef>
+        <a:effectRef idx="0">
+          <a:scrgbClr r="0" g="0" b="0"/>
+        </a:effectRef>
+        <a:fontRef idx="minor"/>
+      </dsp:style>
+      <dsp:txBody>
+        <a:bodyPr spcFirstLastPara="0" vert="horz" wrap="square" lIns="31750" tIns="31750" rIns="31750" bIns="31750" numCol="1" spcCol="1270" anchor="ctr" anchorCtr="0">
+          <a:noAutofit/>
+        </a:bodyPr>
+        <a:lstStyle/>
+        <a:p>
+          <a:pPr marL="0" lvl="0" indent="0" algn="ctr" defTabSz="1111250">
+            <a:lnSpc>
+              <a:spcPct val="90000"/>
+            </a:lnSpc>
+            <a:spcBef>
+              <a:spcPct val="0"/>
+            </a:spcBef>
+            <a:spcAft>
+              <a:spcPct val="35000"/>
+            </a:spcAft>
+            <a:buNone/>
+          </a:pPr>
+          <a:endParaRPr lang="en-US" sz="2500" kern="1200"/>
+        </a:p>
+      </dsp:txBody>
+      <dsp:txXfrm>
+        <a:off x="7725095" y="622468"/>
+        <a:ext cx="290547" cy="397521"/>
+      </dsp:txXfrm>
+    </dsp:sp>
+    <dsp:sp modelId="{EAD784AA-6D48-4A9F-8DE3-13753D31E7F6}">
+      <dsp:nvSpPr>
+        <dsp:cNvPr id="0" name=""/>
+        <dsp:cNvSpPr/>
+      </dsp:nvSpPr>
+      <dsp:spPr>
+        <a:xfrm>
+          <a:off x="8287499" y="1582954"/>
+          <a:ext cx="528267" cy="528267"/>
+        </a:xfrm>
+        <a:prstGeom prst="downArrow">
+          <a:avLst>
+            <a:gd name="adj1" fmla="val 55000"/>
+            <a:gd name="adj2" fmla="val 45000"/>
+          </a:avLst>
+        </a:prstGeom>
+        <a:solidFill>
+          <a:schemeClr val="accent1">
+            <a:alpha val="90000"/>
+            <a:tint val="40000"/>
+            <a:hueOff val="0"/>
+            <a:satOff val="0"/>
+            <a:lumOff val="0"/>
+            <a:alphaOff val="0"/>
+          </a:schemeClr>
+        </a:solidFill>
+        <a:ln w="12700" cap="flat" cmpd="sng" algn="ctr">
+          <a:solidFill>
+            <a:schemeClr val="accent1">
+              <a:alpha val="90000"/>
+              <a:tint val="40000"/>
+              <a:hueOff val="0"/>
+              <a:satOff val="0"/>
+              <a:lumOff val="0"/>
+              <a:alphaOff val="0"/>
+            </a:schemeClr>
+          </a:solidFill>
+          <a:prstDash val="solid"/>
+          <a:miter lim="800000"/>
+        </a:ln>
+        <a:effectLst/>
+      </dsp:spPr>
+      <dsp:style>
+        <a:lnRef idx="2">
+          <a:scrgbClr r="0" g="0" b="0"/>
+        </a:lnRef>
+        <a:fillRef idx="1">
+          <a:scrgbClr r="0" g="0" b="0"/>
+        </a:fillRef>
+        <a:effectRef idx="0">
+          <a:scrgbClr r="0" g="0" b="0"/>
+        </a:effectRef>
+        <a:fontRef idx="minor"/>
+      </dsp:style>
+      <dsp:txBody>
+        <a:bodyPr spcFirstLastPara="0" vert="horz" wrap="square" lIns="31750" tIns="31750" rIns="31750" bIns="31750" numCol="1" spcCol="1270" anchor="ctr" anchorCtr="0">
+          <a:noAutofit/>
+        </a:bodyPr>
+        <a:lstStyle/>
+        <a:p>
+          <a:pPr marL="0" lvl="0" indent="0" algn="ctr" defTabSz="1111250">
+            <a:lnSpc>
+              <a:spcPct val="90000"/>
+            </a:lnSpc>
+            <a:spcBef>
+              <a:spcPct val="0"/>
+            </a:spcBef>
+            <a:spcAft>
+              <a:spcPct val="35000"/>
+            </a:spcAft>
+            <a:buNone/>
+          </a:pPr>
+          <a:endParaRPr lang="en-US" sz="2500" kern="1200"/>
+        </a:p>
+      </dsp:txBody>
+      <dsp:txXfrm>
+        <a:off x="8406359" y="1582954"/>
+        <a:ext cx="290547" cy="397521"/>
+      </dsp:txXfrm>
+    </dsp:sp>
+    <dsp:sp modelId="{861F507C-91B0-45FA-93CF-2DF06BFC8797}">
+      <dsp:nvSpPr>
+        <dsp:cNvPr id="0" name=""/>
+        <dsp:cNvSpPr/>
+      </dsp:nvSpPr>
+      <dsp:spPr>
+        <a:xfrm>
+          <a:off x="8958596" y="2543440"/>
+          <a:ext cx="528267" cy="528267"/>
+        </a:xfrm>
+        <a:prstGeom prst="downArrow">
+          <a:avLst>
+            <a:gd name="adj1" fmla="val 55000"/>
+            <a:gd name="adj2" fmla="val 45000"/>
+          </a:avLst>
+        </a:prstGeom>
+        <a:solidFill>
+          <a:schemeClr val="accent1">
+            <a:alpha val="90000"/>
+            <a:tint val="40000"/>
+            <a:hueOff val="0"/>
+            <a:satOff val="0"/>
+            <a:lumOff val="0"/>
+            <a:alphaOff val="0"/>
+          </a:schemeClr>
+        </a:solidFill>
+        <a:ln w="12700" cap="flat" cmpd="sng" algn="ctr">
+          <a:solidFill>
+            <a:schemeClr val="accent1">
+              <a:alpha val="90000"/>
+              <a:tint val="40000"/>
+              <a:hueOff val="0"/>
+              <a:satOff val="0"/>
+              <a:lumOff val="0"/>
+              <a:alphaOff val="0"/>
+            </a:schemeClr>
+          </a:solidFill>
+          <a:prstDash val="solid"/>
+          <a:miter lim="800000"/>
+        </a:ln>
+        <a:effectLst/>
+      </dsp:spPr>
+      <dsp:style>
+        <a:lnRef idx="2">
+          <a:scrgbClr r="0" g="0" b="0"/>
+        </a:lnRef>
+        <a:fillRef idx="1">
+          <a:scrgbClr r="0" g="0" b="0"/>
+        </a:fillRef>
+        <a:effectRef idx="0">
+          <a:scrgbClr r="0" g="0" b="0"/>
+        </a:effectRef>
+        <a:fontRef idx="minor"/>
+      </dsp:style>
+      <dsp:txBody>
+        <a:bodyPr spcFirstLastPara="0" vert="horz" wrap="square" lIns="31750" tIns="31750" rIns="31750" bIns="31750" numCol="1" spcCol="1270" anchor="ctr" anchorCtr="0">
+          <a:noAutofit/>
+        </a:bodyPr>
+        <a:lstStyle/>
+        <a:p>
+          <a:pPr marL="0" lvl="0" indent="0" algn="ctr" defTabSz="1111250">
+            <a:lnSpc>
+              <a:spcPct val="90000"/>
+            </a:lnSpc>
+            <a:spcBef>
+              <a:spcPct val="0"/>
+            </a:spcBef>
+            <a:spcAft>
+              <a:spcPct val="35000"/>
+            </a:spcAft>
+            <a:buNone/>
+          </a:pPr>
+          <a:endParaRPr lang="en-US" sz="2500" kern="1200"/>
+        </a:p>
+      </dsp:txBody>
+      <dsp:txXfrm>
+        <a:off x="9077456" y="2543440"/>
+        <a:ext cx="290547" cy="397521"/>
+      </dsp:txXfrm>
+    </dsp:sp>
+  </dsp:spTree>
+</dsp:drawing>
+</file>
+
+<file path=ppt/diagrams/layout1.xml><?xml version="1.0" encoding="utf-8"?>
+<dgm:layoutDef xmlns:dgm="http://schemas.openxmlformats.org/drawingml/2006/diagram" xmlns:a="http://schemas.openxmlformats.org/drawingml/2006/main" uniqueId="urn:microsoft.com/office/officeart/2005/8/layout/vProcess5">
+  <dgm:title val=""/>
+  <dgm:desc val=""/>
+  <dgm:catLst>
+    <dgm:cat type="process" pri="14000"/>
+  </dgm:catLst>
+  <dgm:sampData>
+    <dgm:dataModel>
+      <dgm:ptLst>
+        <dgm:pt modelId="0" type="doc"/>
+        <dgm:pt modelId="1">
+          <dgm:prSet phldr="1"/>
+        </dgm:pt>
+        <dgm:pt modelId="2">
+          <dgm:prSet phldr="1"/>
+        </dgm:pt>
+        <dgm:pt modelId="3">
+          <dgm:prSet phldr="1"/>
+        </dgm:pt>
+      </dgm:ptLst>
+      <dgm:cxnLst>
+        <dgm:cxn modelId="5" srcId="0" destId="1" srcOrd="0" destOrd="0"/>
+        <dgm:cxn modelId="6" srcId="0" destId="2" srcOrd="1" destOrd="0"/>
+        <dgm:cxn modelId="7" srcId="0" destId="3" srcOrd="2" destOrd="0"/>
+      </dgm:cxnLst>
+      <dgm:bg/>
+      <dgm:whole/>
+    </dgm:dataModel>
+  </dgm:sampData>
+  <dgm:styleData>
+    <dgm:dataModel>
+      <dgm:ptLst>
+        <dgm:pt modelId="0" type="doc"/>
+        <dgm:pt modelId="1"/>
+        <dgm:pt modelId="2"/>
+      </dgm:ptLst>
+      <dgm:cxnLst>
+        <dgm:cxn modelId="3" srcId="0" destId="1" srcOrd="0" destOrd="0"/>
+        <dgm:cxn modelId="4" srcId="0" destId="2" srcOrd="1" destOrd="0"/>
+      </dgm:cxnLst>
+      <dgm:bg/>
+      <dgm:whole/>
+    </dgm:dataModel>
+  </dgm:styleData>
+  <dgm:clrData>
+    <dgm:dataModel>
+      <dgm:ptLst>
+        <dgm:pt modelId="0" type="doc"/>
+        <dgm:pt modelId="1"/>
+        <dgm:pt modelId="2"/>
+        <dgm:pt modelId="3"/>
+        <dgm:pt modelId="4"/>
+      </dgm:ptLst>
+      <dgm:cxnLst>
+        <dgm:cxn modelId="6" srcId="0" destId="1" srcOrd="0" destOrd="0"/>
+        <dgm:cxn modelId="7" srcId="0" destId="2" srcOrd="1" destOrd="0"/>
+        <dgm:cxn modelId="8" srcId="0" destId="3" srcOrd="2" destOrd="0"/>
+        <dgm:cxn modelId="9" srcId="0" destId="4" srcOrd="3" destOrd="0"/>
+      </dgm:cxnLst>
+      <dgm:bg/>
+      <dgm:whole/>
+    </dgm:dataModel>
+  </dgm:clrData>
+  <dgm:layoutNode name="outerComposite">
+    <dgm:varLst>
+      <dgm:chMax val="5"/>
+      <dgm:dir/>
+      <dgm:resizeHandles val="exact"/>
+    </dgm:varLst>
+    <dgm:alg type="composite"/>
+    <dgm:shape xmlns:r="http://schemas.openxmlformats.org/officeDocument/2006/relationships" r:blip="">
+      <dgm:adjLst/>
+    </dgm:shape>
+    <dgm:presOf/>
+    <dgm:choose name="Name0">
+      <dgm:if name="Name1" func="var" arg="dir" op="equ" val="norm">
+        <dgm:constrLst>
+          <dgm:constr type="primFontSz" for="ch" ptType="node" op="equ" val="65"/>
+          <dgm:constr type="w" for="ch" forName="dummyMaxCanvas" refType="w"/>
+          <dgm:constr type="h" for="ch" forName="dummyMaxCanvas" refType="h"/>
+          <dgm:constr type="w" for="ch" forName="OneNode_1" refType="w"/>
+          <dgm:constr type="h" for="ch" forName="OneNode_1" refType="h" fact="0.5"/>
+          <dgm:constr type="ctrY" for="ch" forName="OneNode_1" refType="h" fact="0.5"/>
+          <dgm:constr type="w" for="ch" forName="TwoNodes_1" refType="w" fact="0.85"/>
+          <dgm:constr type="h" for="ch" forName="TwoNodes_1" refType="h" fact="0.45"/>
+          <dgm:constr type="t" for="ch" forName="TwoNodes_1"/>
+          <dgm:constr type="l" for="ch" forName="TwoNodes_1"/>
+          <dgm:constr type="w" for="ch" forName="TwoNodes_2" refType="w" fact="0.85"/>
+          <dgm:constr type="h" for="ch" forName="TwoNodes_2" refType="h" fact="0.45"/>
+          <dgm:constr type="b" for="ch" forName="TwoNodes_2" refType="h"/>
+          <dgm:constr type="r" for="ch" forName="TwoNodes_2" refType="w"/>
+          <dgm:constr type="w" for="ch" forName="TwoConn_1-2" refType="h" refFor="ch" refForName="TwoNodes_1" fact="0.65"/>
+          <dgm:constr type="h" for="ch" forName="TwoConn_1-2" refType="h" refFor="ch" refForName="TwoNodes_1" fact="0.65"/>
+          <dgm:constr type="ctrY" for="ch" forName="TwoConn_1-2" refType="h" fact="0.5"/>
+          <dgm:constr type="r" for="ch" forName="TwoConn_1-2" refType="r" refFor="ch" refForName="TwoNodes_1"/>
+          <dgm:constr type="r" for="ch" forName="TwoNodes_1_text" refType="l" refFor="ch" refForName="TwoConn_1-2"/>
+          <dgm:constr type="rOff" for="ch" forName="TwoNodes_1_text" refType="w" refFor="ch" refForName="TwoConn_1-2" fact="-0.5"/>
+          <dgm:constr type="t" for="ch" forName="TwoNodes_1_text" refType="t" refFor="ch" refForName="TwoNodes_1"/>
+          <dgm:constr type="b" for="ch" forName="TwoNodes_1_text" refType="b" refFor="ch" refForName="TwoNodes_1"/>
+          <dgm:constr type="l" for="ch" forName="TwoNodes_1_text" refType="l" refFor="ch" refForName="TwoNodes_1"/>
+          <dgm:constr type="r" for="ch" forName="TwoNodes_2_text" refType="l" refFor="ch" refForName="TwoConn_1-2"/>
+          <dgm:constr type="t" for="ch" forName="TwoNodes_2_text" refType="t" refFor="ch" refForName="TwoNodes_2"/>
+          <dgm:constr type="b" for="ch" forName="TwoNodes_2_text" refType="b" refFor="ch" refForName="TwoNodes_2"/>
+          <dgm:constr type="l" for="ch" forName="TwoNodes_2_text" refType="l" refFor="ch" refForName="TwoNodes_2"/>
+          <dgm:constr type="w" for="ch" forName="ThreeNodes_1" refType="w" fact="0.85"/>
+          <dgm:constr type="h" for="ch" forName="ThreeNodes_1" refType="h" fact="0.3"/>
+          <dgm:constr type="t" for="ch" forName="ThreeNodes_1"/>
+          <dgm:constr type="l" for="ch" forName="ThreeNodes_1"/>
+          <dgm:constr type="w" for="ch" forName="ThreeNodes_2" refType="w" fact="0.85"/>
+          <dgm:constr type="h" for="ch" forName="ThreeNodes_2" refType="h" fact="0.3"/>
+          <dgm:constr type="ctrY" for="ch" forName="ThreeNodes_2" refType="h" fact="0.5"/>
+          <dgm:constr type="ctrX" for="ch" forName="ThreeNodes_2" refType="w" fact="0.5"/>
+          <dgm:constr type="w" for="ch" forName="ThreeNodes_3" refType="w" fact="0.85"/>
+          <dgm:constr type="h" for="ch" forName="ThreeNodes_3" refType="h" fact="0.3"/>
+          <dgm:constr type="b" for="ch" forName="ThreeNodes_3" refType="h"/>
+          <dgm:constr type="r" for="ch" forName="ThreeNodes_3" refType="w"/>
+          <dgm:constr type="w" for="ch" forName="ThreeConn_1-2" refType="h" refFor="ch" refForName="ThreeNodes_1" fact="0.65"/>
+          <dgm:constr type="h" for="ch" forName="ThreeConn_1-2" refType="h" refFor="ch" refForName="ThreeNodes_1" fact="0.65"/>
+          <dgm:constr type="ctrY" for="ch" forName="ThreeConn_1-2" refType="h" fact="0.325"/>
+          <dgm:constr type="r" for="ch" forName="ThreeConn_1-2" refType="r" refFor="ch" refForName="ThreeNodes_1"/>
+          <dgm:constr type="w" for="ch" forName="ThreeConn_2-3" refType="h" refFor="ch" refForName="ThreeNodes_2" fact="0.65"/>
+          <dgm:constr type="h" for="ch" forName="ThreeConn_2-3" refType="h" refFor="ch" refForName="ThreeNodes_2" fact="0.65"/>
+          <dgm:constr type="ctrY" for="ch" forName="ThreeConn_2-3" refType="h" fact="0.673"/>
+          <dgm:constr type="r" for="ch" forName="ThreeConn_2-3" refType="r" refFor="ch" refForName="ThreeNodes_2"/>
+          <dgm:constr type="r" for="ch" forName="ThreeNodes_1_text" refType="l" refFor="ch" refForName="ThreeConn_1-2"/>
+          <dgm:constr type="rOff" for="ch" forName="ThreeNodes_1_text" refType="w" refFor="ch" refForName="ThreeConn_1-2" fact="-0.57"/>
+          <dgm:constr type="t" for="ch" forName="ThreeNodes_1_text" refType="t" refFor="ch" refForName="ThreeNodes_1"/>
+          <dgm:constr type="b" for="ch" forName="ThreeNodes_1_text" refType="b" refFor="ch" refForName="ThreeNodes_1"/>
+          <dgm:constr type="l" for="ch" forName="ThreeNodes_1_text" refType="l" refFor="ch" refForName="ThreeNodes_1"/>
+          <dgm:constr type="r" for="ch" forName="ThreeNodes_2_text" refType="l" refFor="ch" refForName="ThreeConn_1-2"/>
+          <dgm:constr type="t" for="ch" forName="ThreeNodes_2_text" refType="t" refFor="ch" refForName="ThreeNodes_2"/>
+          <dgm:constr type="b" for="ch" forName="ThreeNodes_2_text" refType="b" refFor="ch" refForName="ThreeNodes_2"/>
+          <dgm:constr type="l" for="ch" forName="ThreeNodes_2_text" refType="l" refFor="ch" refForName="ThreeNodes_2"/>
+          <dgm:constr type="r" for="ch" forName="ThreeNodes_3_text" refType="l" refFor="ch" refForName="ThreeConn_2-3"/>
+          <dgm:constr type="t" for="ch" forName="ThreeNodes_3_text" refType="t" refFor="ch" refForName="ThreeNodes_3"/>
+          <dgm:constr type="b" for="ch" forName="ThreeNodes_3_text" refType="b" refFor="ch" refForName="ThreeNodes_3"/>
+          <dgm:constr type="l" for="ch" forName="ThreeNodes_3_text" refType="l" refFor="ch" refForName="ThreeNodes_3"/>
+          <dgm:constr type="w" for="ch" forName="FourNodes_1" refType="w" fact="0.8"/>
+          <dgm:constr type="h" for="ch" forName="FourNodes_1" refType="h" fact="0.22"/>
+          <dgm:constr type="t" for="ch" forName="FourNodes_1"/>
+          <dgm:constr type="l" for="ch" forName="FourNodes_1"/>
+          <dgm:constr type="w" for="ch" forName="FourNodes_2" refType="w" fact="0.8"/>
+          <dgm:constr type="h" for="ch" forName="FourNodes_2" refType="h" fact="0.22"/>
+          <dgm:constr type="ctrY" for="ch" forName="FourNodes_2" refType="h" fact="0.37"/>
+          <dgm:constr type="ctrX" for="ch" forName="FourNodes_2" refType="w" fact="0.467"/>
+          <dgm:constr type="w" for="ch" forName="FourNodes_3" refType="w" fact="0.8"/>
+          <dgm:constr type="h" for="ch" forName="FourNodes_3" refType="h" fact="0.22"/>
+          <dgm:constr type="ctrY" for="ch" forName="FourNodes_3" refType="h" fact="0.63"/>
+          <dgm:constr type="ctrX" for="ch" forName="FourNodes_3" refType="w" fact="0.533"/>
+          <dgm:constr type="w" for="ch" forName="FourNodes_4" refType="w" fact="0.8"/>
+          <dgm:constr type="h" for="ch" forName="FourNodes_4" refType="h" fact="0.22"/>
+          <dgm:constr type="b" for="ch" forName="FourNodes_4" refType="h"/>
+          <dgm:constr type="r" for="ch" forName="FourNodes_4" refType="w"/>
+          <dgm:constr type="w" for="ch" forName="FourConn_1-2" refType="h" refFor="ch" refForName="FourNodes_1" fact="0.65"/>
+          <dgm:constr type="h" for="ch" forName="FourConn_1-2" refType="h" refFor="ch" refForName="FourNodes_1" fact="0.65"/>
+          <dgm:constr type="ctrY" for="ch" forName="FourConn_1-2" refType="h" fact="0.24"/>
+          <dgm:constr type="r" for="ch" forName="FourConn_1-2" refType="r" refFor="ch" refForName="FourNodes_1"/>
+          <dgm:constr type="w" for="ch" forName="FourConn_2-3" refType="h" refFor="ch" refForName="FourNodes_2" fact="0.65"/>
+          <dgm:constr type="h" for="ch" forName="FourConn_2-3" refType="h" refFor="ch" refForName="FourNodes_2" fact="0.65"/>
+          <dgm:constr type="ctrY" for="ch" forName="FourConn_2-3" refType="h" fact="0.5"/>
+          <dgm:constr type="r" for="ch" forName="FourConn_2-3" refType="r" refFor="ch" refForName="FourNodes_2"/>
+          <dgm:constr type="w" for="ch" forName="FourConn_3-4" refType="h" refFor="ch" refForName="FourNodes_3" fact="0.65"/>
+          <dgm:constr type="h" for="ch" forName="FourConn_3-4" refType="h" refFor="ch" refForName="FourNodes_3" fact="0.65"/>
+          <dgm:constr type="ctrY" for="ch" forName="FourConn_3-4" refType="h" fact="0.76"/>
+          <dgm:constr type="r" for="ch" forName="FourConn_3-4" refType="r" refFor="ch" refForName="FourNodes_3"/>
+          <dgm:constr type="r" for="ch" forName="FourNodes_1_text" refType="l" refFor="ch" refForName="FourConn_1-2"/>
+          <dgm:constr type="rOff" for="ch" forName="FourNodes_1_text" refType="w" refFor="ch" refForName="FourConn_1-2" fact="-0.7"/>
+          <dgm:constr type="t" for="ch" forName="FourNodes_1_text" refType="t" refFor="ch" refForName="FourNodes_1"/>
+          <dgm:constr type="b" for="ch" forName="FourNodes_1_text" refType="b" refFor="ch" refForName="FourNodes_1"/>
+          <dgm:constr type="l" for="ch" forName="FourNodes_1_text" refType="l" refFor="ch" refForName="FourNodes_1"/>
+          <dgm:constr type="r" for="ch" forName="FourNodes_2_text" refType="l" refFor="ch" refForName="FourConn_1-2"/>
+          <dgm:constr type="t" for="ch" forName="FourNodes_2_text" refType="t" refFor="ch" refForName="FourNodes_2"/>
+          <dgm:constr type="b" for="ch" forName="FourNodes_2_text" refType="b" refFor="ch" refForName="FourNodes_2"/>
+          <dgm:constr type="l" for="ch" forName="FourNodes_2_text" refType="l" refFor="ch" refForName="FourNodes_2"/>
+          <dgm:constr type="r" for="ch" forName="FourNodes_3_text" refType="l" refFor="ch" refForName="FourConn_2-3"/>
+          <dgm:constr type="t" for="ch" forName="FourNodes_3_text" refType="t" refFor="ch" refForName="FourNodes_3"/>
+          <dgm:constr type="b" for="ch" forName="FourNodes_3_text" refType="b" refFor="ch" refForName="FourNodes_3"/>
+          <dgm:constr type="l" for="ch" forName="FourNodes_3_text" refType="l" refFor="ch" refForName="FourNodes_3"/>
+          <dgm:constr type="r" for="ch" forName="FourNodes_4_text" refType="l" refFor="ch" refForName="FourConn_3-4"/>
+          <dgm:constr type="t" for="ch" forName="FourNodes_4_text" refType="t" refFor="ch" refForName="FourNodes_4"/>
+          <dgm:constr type="b" for="ch" forName="FourNodes_4_text" refType="b" refFor="ch" refForName="FourNodes_4"/>
+          <dgm:constr type="l" for="ch" forName="FourNodes_4_text" refType="l" refFor="ch" refForName="FourNodes_4"/>
+          <dgm:constr type="w" for="ch" forName="FiveNodes_1" refType="w" fact="0.77"/>
+          <dgm:constr type="h" for="ch" forName="FiveNodes_1" refType="h" fact="0.18"/>
+          <dgm:constr type="t" for="ch" forName="FiveNodes_1"/>
+          <dgm:constr type="l" for="ch" forName="FiveNodes_1"/>
+          <dgm:constr type="w" for="ch" forName="FiveNodes_2" refType="w" fact="0.77"/>
+          <dgm:constr type="h" for="ch" forName="FiveNodes_2" refType="h" fact="0.18"/>
+          <dgm:constr type="ctrY" for="ch" forName="FiveNodes_2" refType="h" fact="0.295"/>
+          <dgm:constr type="ctrX" for="ch" forName="FiveNodes_2" refType="w" fact="0.4425"/>
+          <dgm:constr type="w" for="ch" forName="FiveNodes_3" refType="w" fact="0.77"/>
+          <dgm:constr type="h" for="ch" forName="FiveNodes_3" refType="h" fact="0.18"/>
+          <dgm:constr type="ctrY" for="ch" forName="FiveNodes_3" refType="h" fact="0.5"/>
+          <dgm:constr type="ctrX" for="ch" forName="FiveNodes_3" refType="w" fact="0.5"/>
+          <dgm:constr type="w" for="ch" forName="FiveNodes_4" refType="w" fact="0.77"/>
+          <dgm:constr type="h" for="ch" forName="FiveNodes_4" refType="h" fact="0.18"/>
+          <dgm:constr type="ctrY" for="ch" forName="FiveNodes_4" refType="h" fact="0.705"/>
+          <dgm:constr type="ctrX" for="ch" forName="FiveNodes_4" refType="w" fact="0.5575"/>
+          <dgm:constr type="w" for="ch" forName="FiveNodes_5" refType="w" fact="0.77"/>
+          <dgm:constr type="h" for="ch" forName="FiveNodes_5" refType="h" fact="0.18"/>
+          <dgm:constr type="b" for="ch" forName="FiveNodes_5" refType="h"/>
+          <dgm:constr type="r" for="ch" forName="FiveNodes_5" refType="w"/>
+          <dgm:constr type="w" for="ch" forName="FiveConn_1-2" refType="h" refFor="ch" refForName="FiveNodes_1" fact="0.65"/>
+          <dgm:constr type="h" for="ch" forName="FiveConn_1-2" refType="h" refFor="ch" refForName="FiveNodes_1" fact="0.65"/>
+          <dgm:constr type="ctrY" for="ch" forName="FiveConn_1-2" refType="h" fact="0.19"/>
+          <dgm:constr type="r" for="ch" forName="FiveConn_1-2" refType="r" refFor="ch" refForName="FiveNodes_1"/>
+          <dgm:constr type="w" for="ch" forName="FiveConn_2-3" refType="h" refFor="ch" refForName="FiveNodes_2" fact="0.65"/>
+          <dgm:constr type="h" for="ch" forName="FiveConn_2-3" refType="h" refFor="ch" refForName="FiveNodes_2" fact="0.65"/>
+          <dgm:constr type="ctrY" for="ch" forName="FiveConn_2-3" refType="h" fact="0.395"/>
+          <dgm:constr type="r" for="ch" forName="FiveConn_2-3" refType="r" refFor="ch" refForName="FiveNodes_2"/>
+          <dgm:constr type="w" for="ch" forName="FiveConn_3-4" refType="h" refFor="ch" refForName="FiveNodes_3" fact="0.65"/>
+          <dgm:constr type="h" for="ch" forName="FiveConn_3-4" refType="h" refFor="ch" refForName="FiveNodes_3" fact="0.65"/>
+          <dgm:constr type="ctrY" for="ch" forName="FiveConn_3-4" refType="h" fact="0.597"/>
+          <dgm:constr type="r" for="ch" forName="FiveConn_3-4" refType="r" refFor="ch" refForName="FiveNodes_3"/>
+          <dgm:constr type="w" for="ch" forName="FiveConn_4-5" refType="h" refFor="ch" refForName="FiveNodes_4" fact="0.65"/>
+          <dgm:constr type="h" for="ch" forName="FiveConn_4-5" refType="h" refFor="ch" refForName="FiveNodes_4" fact="0.65"/>
+          <dgm:constr type="ctrY" for="ch" forName="FiveConn_4-5" refType="h" fact="0.804"/>
+          <dgm:constr type="r" for="ch" forName="FiveConn_4-5" refType="r" refFor="ch" refForName="FiveNodes_4"/>
+          <dgm:constr type="r" for="ch" forName="FiveNodes_1_text" refType="l" refFor="ch" refForName="FiveConn_1-2"/>
+          <dgm:constr type="rOff" for="ch" forName="FiveNodes_1_text" refType="w" refFor="ch" refForName="FiveConn_1-2" fact="-0.75"/>
+          <dgm:constr type="t" for="ch" forName="FiveNodes_1_text" refType="t" refFor="ch" refForName="FiveNodes_1"/>
+          <dgm:constr type="b" for="ch" forName="FiveNodes_1_text" refType="b" refFor="ch" refForName="FiveNodes_1"/>
+          <dgm:constr type="l" for="ch" forName="FiveNodes_1_text" refType="l" refFor="ch" refForName="FiveNodes_1"/>
+          <dgm:constr type="r" for="ch" forName="FiveNodes_2_text" refType="l" refFor="ch" refForName="FiveConn_1-2"/>
+          <dgm:constr type="t" for="ch" forName="FiveNodes_2_text" refType="t" refFor="ch" refForName="FiveNodes_2"/>
+          <dgm:constr type="b" for="ch" forName="FiveNodes_2_text" refType="b" refFor="ch" refForName="FiveNodes_2"/>
+          <dgm:constr type="l" for="ch" forName="FiveNodes_2_text" refType="l" refFor="ch" refForName="FiveNodes_2"/>
+          <dgm:constr type="r" for="ch" forName="FiveNodes_3_text" refType="l" refFor="ch" refForName="FiveConn_2-3"/>
+          <dgm:constr type="t" for="ch" forName="FiveNodes_3_text" refType="t" refFor="ch" refForName="FiveNodes_3"/>
+          <dgm:constr type="b" for="ch" forName="FiveNodes_3_text" refType="b" refFor="ch" refForName="FiveNodes_3"/>
+          <dgm:constr type="l" for="ch" forName="FiveNodes_3_text" refType="l" refFor="ch" refForName="FiveNodes_3"/>
+          <dgm:constr type="r" for="ch" forName="FiveNodes_4_text" refType="l" refFor="ch" refForName="FiveConn_3-4"/>
+          <dgm:constr type="t" for="ch" forName="FiveNodes_4_text" refType="t" refFor="ch" refForName="FiveNodes_4"/>
+          <dgm:constr type="b" for="ch" forName="FiveNodes_4_text" refType="b" refFor="ch" refForName="FiveNodes_4"/>
+          <dgm:constr type="l" for="ch" forName="FiveNodes_4_text" refType="l" refFor="ch" refForName="FiveNodes_4"/>
+          <dgm:constr type="r" for="ch" forName="FiveNodes_5_text" refType="l" refFor="ch" refForName="FiveConn_4-5"/>
+          <dgm:constr type="t" for="ch" forName="FiveNodes_5_text" refType="t" refFor="ch" refForName="FiveNodes_5"/>
+          <dgm:constr type="b" for="ch" forName="FiveNodes_5_text" refType="b" refFor="ch" refForName="FiveNodes_5"/>
+          <dgm:constr type="l" for="ch" forName="FiveNodes_5_text" refType="l" refFor="ch" refForName="FiveNodes_5"/>
+        </dgm:constrLst>
+      </dgm:if>
+      <dgm:else name="Name2">
+        <dgm:constrLst>
+          <dgm:constr type="primFontSz" for="ch" ptType="node" op="equ" val="65"/>
+          <dgm:constr type="w" for="ch" forName="dummyMaxCanvas" refType="w"/>
+          <dgm:constr type="h" for="ch" forName="dummyMaxCanvas" refType="h"/>
+          <dgm:constr type="w" for="ch" forName="OneNode_1" refType="w"/>
+          <dgm:constr type="h" for="ch" forName="OneNode_1" refType="h" fact="0.5"/>
+          <dgm:constr type="ctrY" for="ch" forName="OneNode_1" refType="h" fact="0.5"/>
+          <dgm:constr type="w" for="ch" forName="TwoNodes_1" refType="w" fact="0.85"/>
+          <dgm:constr type="h" for="ch" forName="TwoNodes_1" refType="h" fact="0.45"/>
+          <dgm:constr type="t" for="ch" forName="TwoNodes_1"/>
+          <dgm:constr type="r" for="ch" forName="TwoNodes_1" refType="w"/>
+          <dgm:constr type="w" for="ch" forName="TwoNodes_2" refType="w" fact="0.85"/>
+          <dgm:constr type="h" for="ch" forName="TwoNodes_2" refType="h" fact="0.45"/>
+          <dgm:constr type="b" for="ch" forName="TwoNodes_2" refType="h"/>
+          <dgm:constr type="l" for="ch" forName="TwoNodes_2"/>
+          <dgm:constr type="w" for="ch" forName="TwoConn_1-2" refType="h" refFor="ch" refForName="TwoNodes_1" fact="0.65"/>
+          <dgm:constr type="h" for="ch" forName="TwoConn_1-2" refType="h" refFor="ch" refForName="TwoNodes_1" fact="0.65"/>
+          <dgm:constr type="ctrY" for="ch" forName="TwoConn_1-2" refType="h" fact="0.5"/>
+          <dgm:constr type="l" for="ch" forName="TwoConn_1-2" refType="l" refFor="ch" refForName="TwoNodes_1"/>
+          <dgm:constr type="l" for="ch" forName="TwoNodes_1_text" refType="r" refFor="ch" refForName="TwoConn_1-2"/>
+          <dgm:constr type="lOff" for="ch" forName="TwoNodes_1_text" refType="w" refFor="ch" refForName="TwoConn_1-2" fact="0.5"/>
+          <dgm:constr type="t" for="ch" forName="TwoNodes_1_text" refType="t" refFor="ch" refForName="TwoNodes_1"/>
+          <dgm:constr type="b" for="ch" forName="TwoNodes_1_text" refType="b" refFor="ch" refForName="TwoNodes_1"/>
+          <dgm:constr type="r" for="ch" forName="TwoNodes_1_text" refType="r" refFor="ch" refForName="TwoNodes_1"/>
+          <dgm:constr type="l" for="ch" forName="TwoNodes_2_text" refType="r" refFor="ch" refForName="TwoConn_1-2"/>
+          <dgm:constr type="t" for="ch" forName="TwoNodes_2_text" refType="t" refFor="ch" refForName="TwoNodes_2"/>
+          <dgm:constr type="b" for="ch" forName="TwoNodes_2_text" refType="b" refFor="ch" refForName="TwoNodes_2"/>
+          <dgm:constr type="r" for="ch" forName="TwoNodes_2_text" refType="r" refFor="ch" refForName="TwoNodes_2"/>
+          <dgm:constr type="w" for="ch" forName="ThreeNodes_1" refType="w" fact="0.85"/>
+          <dgm:constr type="h" for="ch" forName="ThreeNodes_1" refType="h" fact="0.3"/>
+          <dgm:constr type="t" for="ch" forName="ThreeNodes_1"/>
+          <dgm:constr type="r" for="ch" forName="ThreeNodes_1" refType="w"/>
+          <dgm:constr type="w" for="ch" forName="ThreeNodes_2" refType="w" fact="0.85"/>
+          <dgm:constr type="h" for="ch" forName="ThreeNodes_2" refType="h" fact="0.3"/>
+          <dgm:constr type="ctrY" for="ch" forName="ThreeNodes_2" refType="h" fact="0.5"/>
+          <dgm:constr type="ctrX" for="ch" forName="ThreeNodes_2" refType="w" fact="0.5"/>
+          <dgm:constr type="w" for="ch" forName="ThreeNodes_3" refType="w" fact="0.85"/>
+          <dgm:constr type="h" for="ch" forName="ThreeNodes_3" refType="h" fact="0.3"/>
+          <dgm:constr type="b" for="ch" forName="ThreeNodes_3" refType="h"/>
+          <dgm:constr type="l" for="ch" forName="ThreeNodes_3"/>
+          <dgm:constr type="w" for="ch" forName="ThreeConn_1-2" refType="h" refFor="ch" refForName="ThreeNodes_1" fact="0.65"/>
+          <dgm:constr type="h" for="ch" forName="ThreeConn_1-2" refType="h" refFor="ch" refForName="ThreeNodes_1" fact="0.65"/>
+          <dgm:constr type="ctrY" for="ch" forName="ThreeConn_1-2" refType="h" fact="0.325"/>
+          <dgm:constr type="l" for="ch" forName="ThreeConn_1-2" refType="l" refFor="ch" refForName="ThreeNodes_1"/>
+          <dgm:constr type="w" for="ch" forName="ThreeConn_2-3" refType="h" refFor="ch" refForName="ThreeNodes_2" fact="0.65"/>
+          <dgm:constr type="h" for="ch" forName="ThreeConn_2-3" refType="h" refFor="ch" refForName="ThreeNodes_2" fact="0.65"/>
+          <dgm:constr type="ctrY" for="ch" forName="ThreeConn_2-3" refType="h" fact="0.673"/>
+          <dgm:constr type="l" for="ch" forName="ThreeConn_2-3" refType="l" refFor="ch" refForName="ThreeNodes_2"/>
+          <dgm:constr type="l" for="ch" forName="ThreeNodes_1_text" refType="r" refFor="ch" refForName="ThreeConn_1-2"/>
+          <dgm:constr type="lOff" for="ch" forName="ThreeNodes_1_text" refType="w" refFor="ch" refForName="ThreeConn_1-2" fact="0.55"/>
+          <dgm:constr type="t" for="ch" forName="ThreeNodes_1_text" refType="t" refFor="ch" refForName="ThreeNodes_1"/>
+          <dgm:constr type="b" for="ch" forName="ThreeNodes_1_text" refType="b" refFor="ch" refForName="ThreeNodes_1"/>
+          <dgm:constr type="r" for="ch" forName="ThreeNodes_1_text" refType="r" refFor="ch" refForName="ThreeNodes_1"/>
+          <dgm:constr type="l" for="ch" forName="ThreeNodes_2_text" refType="r" refFor="ch" refForName="ThreeConn_1-2"/>
+          <dgm:constr type="t" for="ch" forName="ThreeNodes_2_text" refType="t" refFor="ch" refForName="ThreeNodes_2"/>
+          <dgm:constr type="b" for="ch" forName="ThreeNodes_2_text" refType="b" refFor="ch" refForName="ThreeNodes_2"/>
+          <dgm:constr type="r" for="ch" forName="ThreeNodes_2_text" refType="r" refFor="ch" refForName="ThreeNodes_2"/>
+          <dgm:constr type="l" for="ch" forName="ThreeNodes_3_text" refType="r" refFor="ch" refForName="ThreeConn_2-3"/>
+          <dgm:constr type="t" for="ch" forName="ThreeNodes_3_text" refType="t" refFor="ch" refForName="ThreeNodes_3"/>
+          <dgm:constr type="b" for="ch" forName="ThreeNodes_3_text" refType="b" refFor="ch" refForName="ThreeNodes_3"/>
+          <dgm:constr type="r" for="ch" forName="ThreeNodes_3_text" refType="r" refFor="ch" refForName="ThreeNodes_3"/>
+          <dgm:constr type="w" for="ch" forName="FourNodes_1" refType="w" fact="0.8"/>
+          <dgm:constr type="h" for="ch" forName="FourNodes_1" refType="h" fact="0.22"/>
+          <dgm:constr type="t" for="ch" forName="FourNodes_1"/>
+          <dgm:constr type="r" for="ch" forName="FourNodes_1" refType="w"/>
+          <dgm:constr type="w" for="ch" forName="FourNodes_2" refType="w" fact="0.8"/>
+          <dgm:constr type="h" for="ch" forName="FourNodes_2" refType="h" fact="0.22"/>
+          <dgm:constr type="ctrY" for="ch" forName="FourNodes_2" refType="h" fact="0.37"/>
+          <dgm:constr type="ctrX" for="ch" forName="FourNodes_2" refType="w" fact="0.533"/>
+          <dgm:constr type="w" for="ch" forName="FourNodes_3" refType="w" fact="0.8"/>
+          <dgm:constr type="h" for="ch" forName="FourNodes_3" refType="h" fact="0.22"/>
+          <dgm:constr type="ctrY" for="ch" forName="FourNodes_3" refType="h" fact="0.63"/>
+          <dgm:constr type="ctrX" for="ch" forName="FourNodes_3" refType="w" fact="0.467"/>
+          <dgm:constr type="w" for="ch" forName="FourNodes_4" refType="w" fact="0.8"/>
+          <dgm:constr type="h" for="ch" forName="FourNodes_4" refType="h" fact="0.22"/>
+          <dgm:constr type="b" for="ch" forName="FourNodes_4" refType="h"/>
+          <dgm:constr type="l" for="ch" forName="FourNodes_4"/>
+          <dgm:constr type="w" for="ch" forName="FourConn_1-2" refType="h" refFor="ch" refForName="FourNodes_1" fact="0.65"/>
+          <dgm:constr type="h" for="ch" forName="FourConn_1-2" refType="h" refFor="ch" refForName="FourNodes_1" fact="0.65"/>
+          <dgm:constr type="ctrY" for="ch" forName="FourConn_1-2" refType="h" fact="0.24"/>
+          <dgm:constr type="l" for="ch" forName="FourConn_1-2" refType="l" refFor="ch" refForName="FourNodes_1"/>
+          <dgm:constr type="w" for="ch" forName="FourConn_2-3" refType="h" refFor="ch" refForName="FourNodes_2" fact="0.65"/>
+          <dgm:constr type="h" for="ch" forName="FourConn_2-3" refType="h" refFor="ch" refForName="FourNodes_2" fact="0.65"/>
+          <dgm:constr type="ctrY" for="ch" forName="FourConn_2-3" refType="h" fact="0.5"/>
+          <dgm:constr type="l" for="ch" forName="FourConn_2-3" refType="l" refFor="ch" refForName="FourNodes_2"/>
+          <dgm:constr type="w" for="ch" forName="FourConn_3-4" refType="h" refFor="ch" refForName="FourNodes_3" fact="0.65"/>
+          <dgm:constr type="h" for="ch" forName="FourConn_3-4" refType="h" refFor="ch" refForName="FourNodes_3" fact="0.65"/>
+          <dgm:constr type="ctrY" for="ch" forName="FourConn_3-4" refType="h" fact="0.76"/>
+          <dgm:constr type="l" for="ch" forName="FourConn_3-4" refType="l" refFor="ch" refForName="FourNodes_3"/>
+          <dgm:constr type="l" for="ch" forName="FourNodes_1_text" refType="r" refFor="ch" refForName="FourConn_1-2"/>
+          <dgm:constr type="lOff" for="ch" forName="FourNodes_1_text" refType="w" refFor="ch" refForName="FourConn_1-2" fact="0.69"/>
+          <dgm:constr type="t" for="ch" forName="FourNodes_1_text" refType="t" refFor="ch" refForName="FourNodes_1"/>
+          <dgm:constr type="b" for="ch" forName="FourNodes_1_text" refType="b" refFor="ch" refForName="FourNodes_1"/>
+          <dgm:constr type="r" for="ch" forName="FourNodes_1_text" refType="r" refFor="ch" refForName="FourNodes_1"/>
+          <dgm:constr type="l" for="ch" forName="FourNodes_2_text" refType="r" refFor="ch" refForName="FourConn_1-2"/>
+          <dgm:constr type="t" for="ch" forName="FourNodes_2_text" refType="t" refFor="ch" refForName="FourNodes_2"/>
+          <dgm:constr type="b" for="ch" forName="FourNodes_2_text" refType="b" refFor="ch" refForName="FourNodes_2"/>
+          <dgm:constr type="r" for="ch" forName="FourNodes_2_text" refType="r" refFor="ch" refForName="FourNodes_2"/>
+          <dgm:constr type="l" for="ch" forName="FourNodes_3_text" refType="r" refFor="ch" refForName="FourConn_2-3"/>
+          <dgm:constr type="t" for="ch" forName="FourNodes_3_text" refType="t" refFor="ch" refForName="FourNodes_3"/>
+          <dgm:constr type="b" for="ch" forName="FourNodes_3_text" refType="b" refFor="ch" refForName="FourNodes_3"/>
+          <dgm:constr type="r" for="ch" forName="FourNodes_3_text" refType="r" refFor="ch" refForName="FourNodes_3"/>
+          <dgm:constr type="l" for="ch" forName="FourNodes_4_text" refType="r" refFor="ch" refForName="FourConn_3-4"/>
+          <dgm:constr type="t" for="ch" forName="FourNodes_4_text" refType="t" refFor="ch" refForName="FourNodes_4"/>
+          <dgm:constr type="b" for="ch" forName="FourNodes_4_text" refType="b" refFor="ch" refForName="FourNodes_4"/>
+          <dgm:constr type="r" for="ch" forName="FourNodes_4_text" refType="r" refFor="ch" refForName="FourNodes_4"/>
+          <dgm:constr type="w" for="ch" forName="FiveNodes_1" refType="w" fact="0.77"/>
+          <dgm:constr type="h" for="ch" forName="FiveNodes_1" refType="h" fact="0.18"/>
+          <dgm:constr type="t" for="ch" forName="FiveNodes_1"/>
+          <dgm:constr type="r" for="ch" forName="FiveNodes_1" refType="w"/>
+          <dgm:constr type="w" for="ch" forName="FiveNodes_2" refType="w" fact="0.77"/>
+          <dgm:constr type="h" for="ch" forName="FiveNodes_2" refType="h" fact="0.18"/>
+          <dgm:constr type="ctrY" for="ch" forName="FiveNodes_2" refType="h" fact="0.295"/>
+          <dgm:constr type="ctrX" for="ch" forName="FiveNodes_2" refType="w" fact="0.5575"/>
+          <dgm:constr type="w" for="ch" forName="FiveNodes_3" refType="w" fact="0.77"/>
+          <dgm:constr type="h" for="ch" forName="FiveNodes_3" refType="h" fact="0.18"/>
+          <dgm:constr type="ctrY" for="ch" forName="FiveNodes_3" refType="h" fact="0.5"/>
+          <dgm:constr type="ctrX" for="ch" forName="FiveNodes_3" refType="w" fact="0.5"/>
+          <dgm:constr type="w" for="ch" forName="FiveNodes_4" refType="w" fact="0.77"/>
+          <dgm:constr type="h" for="ch" forName="FiveNodes_4" refType="h" fact="0.18"/>
+          <dgm:constr type="ctrY" for="ch" forName="FiveNodes_4" refType="h" fact="0.705"/>
+          <dgm:constr type="ctrX" for="ch" forName="FiveNodes_4" refType="w" fact="0.4425"/>
+          <dgm:constr type="w" for="ch" forName="FiveNodes_5" refType="w" fact="0.77"/>
+          <dgm:constr type="h" for="ch" forName="FiveNodes_5" refType="h" fact="0.18"/>
+          <dgm:constr type="b" for="ch" forName="FiveNodes_5" refType="h"/>
+          <dgm:constr type="l" for="ch" forName="FiveNodes_5"/>
+          <dgm:constr type="w" for="ch" forName="FiveConn_1-2" refType="h" refFor="ch" refForName="FiveNodes_1" fact="0.65"/>
+          <dgm:constr type="h" for="ch" forName="FiveConn_1-2" refType="h" refFor="ch" refForName="FiveNodes_1" fact="0.65"/>
+          <dgm:constr type="ctrY" for="ch" forName="FiveConn_1-2" refType="h" fact="0.19"/>
+          <dgm:constr type="l" for="ch" forName="FiveConn_1-2" refType="l" refFor="ch" refForName="FiveNodes_1"/>
+          <dgm:constr type="w" for="ch" forName="FiveConn_2-3" refType="h" refFor="ch" refForName="FiveNodes_2" fact="0.65"/>
+          <dgm:constr type="h" for="ch" forName="FiveConn_2-3" refType="h" refFor="ch" refForName="FiveNodes_2" fact="0.65"/>
+          <dgm:constr type="ctrY" for="ch" forName="FiveConn_2-3" refType="h" fact="0.395"/>
+          <dgm:constr type="l" for="ch" forName="FiveConn_2-3" refType="l" refFor="ch" refForName="FiveNodes_2"/>
+          <dgm:constr type="w" for="ch" forName="FiveConn_3-4" refType="h" refFor="ch" refForName="FiveNodes_3" fact="0.65"/>
+          <dgm:constr type="h" for="ch" forName="FiveConn_3-4" refType="h" refFor="ch" refForName="FiveNodes_3" fact="0.65"/>
+          <dgm:constr type="ctrY" for="ch" forName="FiveConn_3-4" refType="h" fact="0.597"/>
+          <dgm:constr type="l" for="ch" forName="FiveConn_3-4" refType="l" refFor="ch" refForName="FiveNodes_3"/>
+          <dgm:constr type="w" for="ch" forName="FiveConn_4-5" refType="h" refFor="ch" refForName="FiveNodes_4" fact="0.65"/>
+          <dgm:constr type="h" for="ch" forName="FiveConn_4-5" refType="h" refFor="ch" refForName="FiveNodes_4" fact="0.65"/>
+          <dgm:constr type="ctrY" for="ch" forName="FiveConn_4-5" refType="h" fact="0.804"/>
+          <dgm:constr type="l" for="ch" forName="FiveConn_4-5" refType="l" refFor="ch" refForName="FiveNodes_4"/>
+          <dgm:constr type="l" for="ch" forName="FiveNodes_1_text" refType="r" refFor="ch" refForName="FiveConn_1-2"/>
+          <dgm:constr type="lOff" for="ch" forName="FiveNodes_1_text" refType="w" refFor="ch" refForName="FiveConn_1-2" fact="0.73"/>
+          <dgm:constr type="t" for="ch" forName="FiveNodes_1_text" refType="t" refFor="ch" refForName="FiveNodes_1"/>
+          <dgm:constr type="b" for="ch" forName="FiveNodes_1_text" refType="b" refFor="ch" refForName="FiveNodes_1"/>
+          <dgm:constr type="r" for="ch" forName="FiveNodes_1_text" refType="r" refFor="ch" refForName="FiveNodes_1"/>
+          <dgm:constr type="l" for="ch" forName="FiveNodes_2_text" refType="r" refFor="ch" refForName="FiveConn_1-2"/>
+          <dgm:constr type="t" for="ch" forName="FiveNodes_2_text" refType="t" refFor="ch" refForName="FiveNodes_2"/>
+          <dgm:constr type="b" for="ch" forName="FiveNodes_2_text" refType="b" refFor="ch" refForName="FiveNodes_2"/>
+          <dgm:constr type="r" for="ch" forName="FiveNodes_2_text" refType="r" refFor="ch" refForName="FiveNodes_2"/>
+          <dgm:constr type="l" for="ch" forName="FiveNodes_3_text" refType="r" refFor="ch" refForName="FiveConn_2-3"/>
+          <dgm:constr type="t" for="ch" forName="FiveNodes_3_text" refType="t" refFor="ch" refForName="FiveNodes_3"/>
+          <dgm:constr type="b" for="ch" forName="FiveNodes_3_text" refType="b" refFor="ch" refForName="FiveNodes_3"/>
+          <dgm:constr type="r" for="ch" forName="FiveNodes_3_text" refType="r" refFor="ch" refForName="FiveNodes_3"/>
+          <dgm:constr type="l" for="ch" forName="FiveNodes_4_text" refType="r" refFor="ch" refForName="FiveConn_3-4"/>
+          <dgm:constr type="t" for="ch" forName="FiveNodes_4_text" refType="t" refFor="ch" refForName="FiveNodes_4"/>
+          <dgm:constr type="b" for="ch" forName="FiveNodes_4_text" refType="b" refFor="ch" refForName="FiveNodes_4"/>
+          <dgm:constr type="r" for="ch" forName="FiveNodes_4_text" refType="r" refFor="ch" refForName="FiveNodes_4"/>
+          <dgm:constr type="l" for="ch" forName="FiveNodes_5_text" refType="r" refFor="ch" refForName="FiveConn_4-5"/>
+          <dgm:constr type="t" for="ch" forName="FiveNodes_5_text" refType="t" refFor="ch" refForName="FiveNodes_5"/>
+          <dgm:constr type="b" for="ch" forName="FiveNodes_5_text" refType="b" refFor="ch" refForName="FiveNodes_5"/>
+          <dgm:constr type="r" for="ch" forName="FiveNodes_5_text" refType="r" refFor="ch" refForName="FiveNodes_5"/>
+        </dgm:constrLst>
+      </dgm:else>
+    </dgm:choose>
+    <dgm:ruleLst/>
+    <dgm:layoutNode name="dummyMaxCanvas">
+      <dgm:varLst/>
+      <dgm:alg type="sp"/>
+      <dgm:shape xmlns:r="http://schemas.openxmlformats.org/officeDocument/2006/relationships" r:blip="">
+        <dgm:adjLst/>
+      </dgm:shape>
+      <dgm:presOf/>
+      <dgm:constrLst/>
+      <dgm:ruleLst/>
+    </dgm:layoutNode>
+    <dgm:choose name="Name3">
+      <dgm:if name="Name4" axis="ch" ptType="node" func="cnt" op="equ" val="1">
+        <dgm:layoutNode name="OneNode_1">
+          <dgm:varLst>
+            <dgm:bulletEnabled val="1"/>
+          </dgm:varLst>
+          <dgm:alg type="tx"/>
+          <dgm:shape xmlns:r="http://schemas.openxmlformats.org/officeDocument/2006/relationships" type="roundRect" r:blip="">
+            <dgm:adjLst>
+              <dgm:adj idx="1" val="0.1"/>
+            </dgm:adjLst>
+          </dgm:shape>
+          <dgm:presOf axis="ch desOrSelf" ptType="node node" st="1 1" cnt="1 0"/>
+          <dgm:constrLst>
+            <dgm:constr type="lMarg" refType="primFontSz" fact="0.3"/>
+            <dgm:constr type="rMarg" refType="primFontSz" fact="0.3"/>
+            <dgm:constr type="tMarg" refType="primFontSz" fact="0.3"/>
+            <dgm:constr type="bMarg" refType="primFontSz" fact="0.3"/>
+          </dgm:constrLst>
+          <dgm:ruleLst>
+            <dgm:rule type="primFontSz" val="5" fact="NaN" max="NaN"/>
+          </dgm:ruleLst>
+        </dgm:layoutNode>
+      </dgm:if>
+      <dgm:else name="Name5">
+        <dgm:choose name="Name6">
+          <dgm:if name="Name7" axis="ch" ptType="node" func="cnt" op="equ" val="2">
+            <dgm:layoutNode name="TwoNodes_1">
+              <dgm:varLst>
+                <dgm:bulletEnabled val="1"/>
+              </dgm:varLst>
+              <dgm:alg type="sp"/>
+              <dgm:shape xmlns:r="http://schemas.openxmlformats.org/officeDocument/2006/relationships" type="roundRect" r:blip="">
+                <dgm:adjLst>
+                  <dgm:adj idx="1" val="0.1"/>
+                </dgm:adjLst>
+              </dgm:shape>
+              <dgm:presOf axis="ch desOrSelf" ptType="node node" st="1 1" cnt="1 0"/>
+              <dgm:constrLst/>
+              <dgm:ruleLst/>
+            </dgm:layoutNode>
+            <dgm:layoutNode name="TwoNodes_2">
+              <dgm:varLst>
+                <dgm:bulletEnabled val="1"/>
+              </dgm:varLst>
+              <dgm:alg type="sp"/>
+              <dgm:shape xmlns:r="http://schemas.openxmlformats.org/officeDocument/2006/relationships" type="roundRect" r:blip="">
+                <dgm:adjLst>
+                  <dgm:adj idx="1" val="0.1"/>
+                </dgm:adjLst>
+              </dgm:shape>
+              <dgm:presOf axis="ch desOrSelf" ptType="node node" st="2 1" cnt="1 0"/>
+              <dgm:constrLst/>
+              <dgm:ruleLst/>
+            </dgm:layoutNode>
+            <dgm:layoutNode name="TwoConn_1-2" styleLbl="fgAccFollowNode1">
+              <dgm:varLst>
+                <dgm:bulletEnabled val="1"/>
+              </dgm:varLst>
+              <dgm:alg type="tx"/>
+              <dgm:shape xmlns:r="http://schemas.openxmlformats.org/officeDocument/2006/relationships" type="downArrow" r:blip="">
+                <dgm:adjLst>
+                  <dgm:adj idx="1" val="0.55"/>
+                  <dgm:adj idx="2" val="0.45"/>
+                </dgm:adjLst>
+              </dgm:shape>
+              <dgm:presOf axis="ch" ptType="sibTrans" cnt="1"/>
+              <dgm:constrLst>
+                <dgm:constr type="lMarg" refType="primFontSz" fact="0.1"/>
+                <dgm:constr type="rMarg" refType="primFontSz" fact="0.1"/>
+                <dgm:constr type="tMarg" refType="primFontSz" fact="0.1"/>
+                <dgm:constr type="bMarg" refType="primFontSz" fact="0.1"/>
+              </dgm:constrLst>
+              <dgm:ruleLst>
+                <dgm:rule type="primFontSz" val="5" fact="NaN" max="NaN"/>
+              </dgm:ruleLst>
+            </dgm:layoutNode>
+            <dgm:layoutNode name="TwoNodes_1_text">
+              <dgm:varLst>
+                <dgm:bulletEnabled val="1"/>
+              </dgm:varLst>
+              <dgm:alg type="tx">
+                <dgm:param type="parTxLTRAlign" val="l"/>
+                <dgm:param type="txAnchorVertCh" val="mid"/>
+              </dgm:alg>
+              <dgm:shape xmlns:r="http://schemas.openxmlformats.org/officeDocument/2006/relationships" type="roundRect" r:blip="" hideGeom="1">
+                <dgm:adjLst>
+                  <dgm:adj idx="1" val="0.1"/>
+                </dgm:adjLst>
+              </dgm:shape>
+              <dgm:presOf axis="ch desOrSelf" ptType="node node" st="1 1" cnt="1 0"/>
+              <dgm:constrLst>
+                <dgm:constr type="lMarg" refType="primFontSz" fact="0.3"/>
+                <dgm:constr type="rMarg" refType="primFontSz" fact="0.3"/>
+                <dgm:constr type="tMarg" refType="primFontSz" fact="0.3"/>
+                <dgm:constr type="bMarg" refType="primFontSz" fact="0.3"/>
+              </dgm:constrLst>
+              <dgm:ruleLst>
+                <dgm:rule type="primFontSz" val="5" fact="NaN" max="NaN"/>
+              </dgm:ruleLst>
+            </dgm:layoutNode>
+            <dgm:layoutNode name="TwoNodes_2_text">
+              <dgm:varLst>
+                <dgm:bulletEnabled val="1"/>
+              </dgm:varLst>
+              <dgm:alg type="tx">
+                <dgm:param type="parTxLTRAlign" val="l"/>
+                <dgm:param type="txAnchorVertCh" val="mid"/>
+              </dgm:alg>
+              <dgm:shape xmlns:r="http://schemas.openxmlformats.org/officeDocument/2006/relationships" type="roundRect" r:blip="" hideGeom="1">
+                <dgm:adjLst>
+                  <dgm:adj idx="1" val="0.1"/>
+                </dgm:adjLst>
+              </dgm:shape>
+              <dgm:presOf axis="ch desOrSelf" ptType="node node" st="2 1" cnt="1 0"/>
+              <dgm:constrLst>
+                <dgm:constr type="lMarg" refType="primFontSz" fact="0.3"/>
+                <dgm:constr type="rMarg" refType="primFontSz" fact="0.3"/>
+                <dgm:constr type="tMarg" refType="primFontSz" fact="0.3"/>
+                <dgm:constr type="bMarg" refType="primFontSz" fact="0.3"/>
+              </dgm:constrLst>
+              <dgm:ruleLst>
+                <dgm:rule type="primFontSz" val="5" fact="NaN" max="NaN"/>
+              </dgm:ruleLst>
+            </dgm:layoutNode>
+          </dgm:if>
+          <dgm:else name="Name8">
+            <dgm:choose name="Name9">
+              <dgm:if name="Name10" axis="ch" ptType="node" func="cnt" op="equ" val="3">
+                <dgm:layoutNode name="ThreeNodes_1">
+                  <dgm:varLst>
+                    <dgm:bulletEnabled val="1"/>
+                  </dgm:varLst>
+                  <dgm:alg type="sp"/>
+                  <dgm:shape xmlns:r="http://schemas.openxmlformats.org/officeDocument/2006/relationships" type="roundRect" r:blip="">
+                    <dgm:adjLst>
+                      <dgm:adj idx="1" val="0.1"/>
+                    </dgm:adjLst>
+                  </dgm:shape>
+                  <dgm:presOf axis="ch desOrSelf" ptType="node node" st="1 1" cnt="1 0"/>
+                  <dgm:constrLst/>
+                  <dgm:ruleLst/>
+                </dgm:layoutNode>
+                <dgm:layoutNode name="ThreeNodes_2">
+                  <dgm:varLst>
+                    <dgm:bulletEnabled val="1"/>
+                  </dgm:varLst>
+                  <dgm:alg type="sp"/>
+                  <dgm:shape xmlns:r="http://schemas.openxmlformats.org/officeDocument/2006/relationships" type="roundRect" r:blip="">
+                    <dgm:adjLst>
+                      <dgm:adj idx="1" val="0.1"/>
+                    </dgm:adjLst>
+                  </dgm:shape>
+                  <dgm:presOf axis="ch desOrSelf" ptType="node node" st="2 1" cnt="1 0"/>
+                  <dgm:constrLst/>
+                  <dgm:ruleLst/>
+                </dgm:layoutNode>
+                <dgm:layoutNode name="ThreeNodes_3">
+                  <dgm:varLst>
+                    <dgm:bulletEnabled val="1"/>
+                  </dgm:varLst>
+                  <dgm:alg type="sp"/>
+                  <dgm:shape xmlns:r="http://schemas.openxmlformats.org/officeDocument/2006/relationships" type="roundRect" r:blip="">
+                    <dgm:adjLst>
+                      <dgm:adj idx="1" val="0.1"/>
+                    </dgm:adjLst>
+                  </dgm:shape>
+                  <dgm:presOf axis="ch desOrSelf" ptType="node node" st="3 1" cnt="1 0"/>
+                  <dgm:constrLst/>
+                  <dgm:ruleLst/>
+                </dgm:layoutNode>
+                <dgm:layoutNode name="ThreeConn_1-2" styleLbl="fgAccFollowNode1">
+                  <dgm:varLst>
+                    <dgm:bulletEnabled val="1"/>
+                  </dgm:varLst>
+                  <dgm:alg type="tx"/>
+                  <dgm:shape xmlns:r="http://schemas.openxmlformats.org/officeDocument/2006/relationships" type="downArrow" r:blip="">
+                    <dgm:adjLst>
+                      <dgm:adj idx="1" val="0.55"/>
+                      <dgm:adj idx="2" val="0.45"/>
+                    </dgm:adjLst>
+                  </dgm:shape>
+                  <dgm:presOf axis="ch" ptType="sibTrans" cnt="1"/>
+                  <dgm:constrLst>
+                    <dgm:constr type="lMarg" refType="primFontSz" fact="0.1"/>
+                    <dgm:constr type="rMarg" refType="primFontSz" fact="0.1"/>
+                    <dgm:constr type="tMarg" refType="primFontSz" fact="0.1"/>
+                    <dgm:constr type="bMarg" refType="primFontSz" fact="0.1"/>
+                  </dgm:constrLst>
+                  <dgm:ruleLst>
+                    <dgm:rule type="primFontSz" val="5" fact="NaN" max="NaN"/>
+                  </dgm:ruleLst>
+                </dgm:layoutNode>
+                <dgm:layoutNode name="ThreeConn_2-3" styleLbl="fgAccFollowNode1">
+                  <dgm:varLst>
+                    <dgm:bulletEnabled val="1"/>
+                  </dgm:varLst>
+                  <dgm:alg type="tx"/>
+                  <dgm:shape xmlns:r="http://schemas.openxmlformats.org/officeDocument/2006/relationships" type="downArrow" r:blip="">
+                    <dgm:adjLst>
+                      <dgm:adj idx="1" val="0.55"/>
+                      <dgm:adj idx="2" val="0.45"/>
+                    </dgm:adjLst>
+                  </dgm:shape>
+                  <dgm:presOf axis="ch" ptType="sibTrans" st="2" cnt="1"/>
+                  <dgm:constrLst>
+                    <dgm:constr type="lMarg" refType="primFontSz" fact="0.1"/>
+                    <dgm:constr type="rMarg" refType="primFontSz" fact="0.1"/>
+                    <dgm:constr type="tMarg" refType="primFontSz" fact="0.1"/>
+                    <dgm:constr type="bMarg" refType="primFontSz" fact="0.1"/>
+                  </dgm:constrLst>
+                  <dgm:ruleLst>
+                    <dgm:rule type="primFontSz" val="5" fact="NaN" max="NaN"/>
+                  </dgm:ruleLst>
+                </dgm:layoutNode>
+                <dgm:layoutNode name="ThreeNodes_1_text">
+                  <dgm:varLst>
+                    <dgm:bulletEnabled val="1"/>
+                  </dgm:varLst>
+                  <dgm:alg type="tx">
+                    <dgm:param type="parTxLTRAlign" val="l"/>
+                    <dgm:param type="txAnchorVertCh" val="mid"/>
+                  </dgm:alg>
+                  <dgm:shape xmlns:r="http://schemas.openxmlformats.org/officeDocument/2006/relationships" type="roundRect" r:blip="" hideGeom="1">
+                    <dgm:adjLst>
+                      <dgm:adj idx="1" val="0.1"/>
+                    </dgm:adjLst>
+                  </dgm:shape>
+                  <dgm:presOf axis="ch desOrSelf" ptType="node node" st="1 1" cnt="1 0"/>
+                  <dgm:constrLst>
+                    <dgm:constr type="lMarg" refType="primFontSz" fact="0.3"/>
+                    <dgm:constr type="rMarg" refType="primFontSz" fact="0.3"/>
+                    <dgm:constr type="tMarg" refType="primFontSz" fact="0.3"/>
+                    <dgm:constr type="bMarg" refType="primFontSz" fact="0.3"/>
+                  </dgm:constrLst>
+                  <dgm:ruleLst>
+                    <dgm:rule type="primFontSz" val="5" fact="NaN" max="NaN"/>
+                  </dgm:ruleLst>
+                </dgm:layoutNode>
+                <dgm:layoutNode name="ThreeNodes_2_text">
+                  <dgm:varLst>
+                    <dgm:bulletEnabled val="1"/>
+                  </dgm:varLst>
+                  <dgm:alg type="tx">
+                    <dgm:param type="parTxLTRAlign" val="l"/>
+                    <dgm:param type="txAnchorVertCh" val="mid"/>
+                  </dgm:alg>
+                  <dgm:shape xmlns:r="http://schemas.openxmlformats.org/officeDocument/2006/relationships" type="roundRect" r:blip="" hideGeom="1">
+                    <dgm:adjLst>
+                      <dgm:adj idx="1" val="0.1"/>
+                    </dgm:adjLst>
+                  </dgm:shape>
+                  <dgm:presOf axis="ch desOrSelf" ptType="node node" st="2 1" cnt="1 0"/>
+                  <dgm:constrLst>
+                    <dgm:constr type="lMarg" refType="primFontSz" fact="0.3"/>
+                    <dgm:constr type="rMarg" refType="primFontSz" fact="0.3"/>
+                    <dgm:constr type="tMarg" refType="primFontSz" fact="0.3"/>
+                    <dgm:constr type="bMarg" refType="primFontSz" fact="0.3"/>
+                  </dgm:constrLst>
+                  <dgm:ruleLst>
+                    <dgm:rule type="primFontSz" val="5" fact="NaN" max="NaN"/>
+                  </dgm:ruleLst>
+                </dgm:layoutNode>
+                <dgm:layoutNode name="ThreeNodes_3_text">
+                  <dgm:varLst>
+                    <dgm:bulletEnabled val="1"/>
+                  </dgm:varLst>
+                  <dgm:alg type="tx">
+                    <dgm:param type="parTxLTRAlign" val="l"/>
+                    <dgm:param type="txAnchorVertCh" val="mid"/>
+                  </dgm:alg>
+                  <dgm:shape xmlns:r="http://schemas.openxmlformats.org/officeDocument/2006/relationships" type="roundRect" r:blip="" hideGeom="1">
+                    <dgm:adjLst>
+                      <dgm:adj idx="1" val="0.1"/>
+                    </dgm:adjLst>
+                  </dgm:shape>
+                  <dgm:presOf axis="ch desOrSelf" ptType="node node" st="3 1" cnt="1 0"/>
+                  <dgm:constrLst>
+                    <dgm:constr type="lMarg" refType="primFontSz" fact="0.3"/>
+                    <dgm:constr type="rMarg" refType="primFontSz" fact="0.3"/>
+                    <dgm:constr type="tMarg" refType="primFontSz" fact="0.3"/>
+                    <dgm:constr type="bMarg" refType="primFontSz" fact="0.3"/>
+                  </dgm:constrLst>
+                  <dgm:ruleLst>
+                    <dgm:rule type="primFontSz" val="5" fact="NaN" max="NaN"/>
+                  </dgm:ruleLst>
+                </dgm:layoutNode>
+              </dgm:if>
+              <dgm:else name="Name11">
+                <dgm:choose name="Name12">
+                  <dgm:if name="Name13" axis="ch" ptType="node" func="cnt" op="equ" val="4">
+                    <dgm:layoutNode name="FourNodes_1">
+                      <dgm:varLst>
+                        <dgm:bulletEnabled val="1"/>
+                      </dgm:varLst>
+                      <dgm:alg type="sp"/>
+                      <dgm:shape xmlns:r="http://schemas.openxmlformats.org/officeDocument/2006/relationships" type="roundRect" r:blip="">
+                        <dgm:adjLst>
+                          <dgm:adj idx="1" val="0.1"/>
+                        </dgm:adjLst>
+                      </dgm:shape>
+                      <dgm:presOf axis="ch desOrSelf" ptType="node node" st="1 1" cnt="1 0"/>
+                      <dgm:constrLst/>
+                      <dgm:ruleLst/>
+                    </dgm:layoutNode>
+                    <dgm:layoutNode name="FourNodes_2">
+                      <dgm:varLst>
+                        <dgm:bulletEnabled val="1"/>
+                      </dgm:varLst>
+                      <dgm:alg type="sp"/>
+                      <dgm:shape xmlns:r="http://schemas.openxmlformats.org/officeDocument/2006/relationships" type="roundRect" r:blip="">
+                        <dgm:adjLst>
+                          <dgm:adj idx="1" val="0.1"/>
+                        </dgm:adjLst>
+                      </dgm:shape>
+                      <dgm:presOf axis="ch desOrSelf" ptType="node node" st="2 1" cnt="1 0"/>
+                      <dgm:constrLst/>
+                      <dgm:ruleLst/>
+                    </dgm:layoutNode>
+                    <dgm:layoutNode name="FourNodes_3">
+                      <dgm:varLst>
+                        <dgm:bulletEnabled val="1"/>
+                      </dgm:varLst>
+                      <dgm:alg type="sp"/>
+                      <dgm:shape xmlns:r="http://schemas.openxmlformats.org/officeDocument/2006/relationships" type="roundRect" r:blip="">
+                        <dgm:adjLst>
+                          <dgm:adj idx="1" val="0.1"/>
+                        </dgm:adjLst>
+                      </dgm:shape>
+                      <dgm:presOf axis="ch desOrSelf" ptType="node node" st="3 1" cnt="1 0"/>
+                      <dgm:constrLst/>
+                      <dgm:ruleLst/>
+                    </dgm:layoutNode>
+                    <dgm:layoutNode name="FourNodes_4">
+                      <dgm:varLst>
+                        <dgm:bulletEnabled val="1"/>
+                      </dgm:varLst>
+                      <dgm:alg type="sp"/>
+                      <dgm:shape xmlns:r="http://schemas.openxmlformats.org/officeDocument/2006/relationships" type="roundRect" r:blip="">
+                        <dgm:adjLst>
+                          <dgm:adj idx="1" val="0.1"/>
+                        </dgm:adjLst>
+                      </dgm:shape>
+                      <dgm:presOf axis="ch desOrSelf" ptType="node node" st="4 1" cnt="1 0"/>
+                      <dgm:constrLst/>
+                      <dgm:ruleLst/>
+                    </dgm:layoutNode>
+                    <dgm:layoutNode name="FourConn_1-2" styleLbl="fgAccFollowNode1">
+                      <dgm:varLst>
+                        <dgm:bulletEnabled val="1"/>
+                      </dgm:varLst>
+                      <dgm:alg type="tx"/>
+                      <dgm:shape xmlns:r="http://schemas.openxmlformats.org/officeDocument/2006/relationships" type="downArrow" r:blip="">
+                        <dgm:adjLst>
+                          <dgm:adj idx="1" val="0.55"/>
+                          <dgm:adj idx="2" val="0.45"/>
+                        </dgm:adjLst>
+                      </dgm:shape>
+                      <dgm:presOf axis="ch" ptType="sibTrans" cnt="1"/>
+                      <dgm:constrLst>
+                        <dgm:constr type="lMarg" refType="primFontSz" fact="0.1"/>
+                        <dgm:constr type="rMarg" refType="primFontSz" fact="0.1"/>
+                        <dgm:constr type="tMarg" refType="primFontSz" fact="0.1"/>
+                        <dgm:constr type="bMarg" refType="primFontSz" fact="0.1"/>
+                      </dgm:constrLst>
+                      <dgm:ruleLst>
+                        <dgm:rule type="primFontSz" val="5" fact="NaN" max="NaN"/>
+                      </dgm:ruleLst>
+                    </dgm:layoutNode>
+                    <dgm:layoutNode name="FourConn_2-3" styleLbl="fgAccFollowNode1">
+                      <dgm:varLst>
+                        <dgm:bulletEnabled val="1"/>
+                      </dgm:varLst>
+                      <dgm:alg type="tx"/>
+                      <dgm:shape xmlns:r="http://schemas.openxmlformats.org/officeDocument/2006/relationships" type="downArrow" r:blip="">
+                        <dgm:adjLst>
+                          <dgm:adj idx="1" val="0.55"/>
+                          <dgm:adj idx="2" val="0.45"/>
+                        </dgm:adjLst>
+                      </dgm:shape>
+                      <dgm:presOf axis="ch" ptType="sibTrans" st="2" cnt="1"/>
+                      <dgm:constrLst>
+                        <dgm:constr type="lMarg" refType="primFontSz" fact="0.1"/>
+                        <dgm:constr type="rMarg" refType="primFontSz" fact="0.1"/>
+                        <dgm:constr type="tMarg" refType="primFontSz" fact="0.1"/>
+                        <dgm:constr type="bMarg" refType="primFontSz" fact="0.1"/>
+                      </dgm:constrLst>
+                      <dgm:ruleLst>
+                        <dgm:rule type="primFontSz" val="5" fact="NaN" max="NaN"/>
+                      </dgm:ruleLst>
+                    </dgm:layoutNode>
+                    <dgm:layoutNode name="FourConn_3-4" styleLbl="fgAccFollowNode1">
+                      <dgm:varLst>
+                        <dgm:bulletEnabled val="1"/>
+                      </dgm:varLst>
+                      <dgm:alg type="tx"/>
+                      <dgm:shape xmlns:r="http://schemas.openxmlformats.org/officeDocument/2006/relationships" type="downArrow" r:blip="">
+                        <dgm:adjLst>
+                          <dgm:adj idx="1" val="0.55"/>
+                          <dgm:adj idx="2" val="0.45"/>
+                        </dgm:adjLst>
+                      </dgm:shape>
+                      <dgm:presOf axis="ch" ptType="sibTrans" st="3" cnt="1"/>
+                      <dgm:constrLst>
+                        <dgm:constr type="lMarg" refType="primFontSz" fact="0.1"/>
+                        <dgm:constr type="rMarg" refType="primFontSz" fact="0.1"/>
+                        <dgm:constr type="tMarg" refType="primFontSz" fact="0.1"/>
+                        <dgm:constr type="bMarg" refType="primFontSz" fact="0.1"/>
+                      </dgm:constrLst>
+                      <dgm:ruleLst>
+                        <dgm:rule type="primFontSz" val="5" fact="NaN" max="NaN"/>
+                      </dgm:ruleLst>
+                    </dgm:layoutNode>
+                    <dgm:layoutNode name="FourNodes_1_text">
+                      <dgm:varLst>
+                        <dgm:bulletEnabled val="1"/>
+                      </dgm:varLst>
+                      <dgm:alg type="tx">
+                        <dgm:param type="parTxLTRAlign" val="l"/>
+                        <dgm:param type="txAnchorVertCh" val="mid"/>
+                      </dgm:alg>
+                      <dgm:shape xmlns:r="http://schemas.openxmlformats.org/officeDocument/2006/relationships" type="roundRect" r:blip="" hideGeom="1">
+                        <dgm:adjLst>
+                          <dgm:adj idx="1" val="0.1"/>
+                        </dgm:adjLst>
+                      </dgm:shape>
+                      <dgm:presOf axis="ch desOrSelf" ptType="node node" st="1 1" cnt="1 0"/>
+                      <dgm:constrLst>
+                        <dgm:constr type="lMarg" refType="primFontSz" fact="0.3"/>
+                        <dgm:constr type="rMarg" refType="primFontSz" fact="0.3"/>
+                        <dgm:constr type="tMarg" refType="primFontSz" fact="0.3"/>
+                        <dgm:constr type="bMarg" refType="primFontSz" fact="0.3"/>
+                      </dgm:constrLst>
+                      <dgm:ruleLst>
+                        <dgm:rule type="primFontSz" val="5" fact="NaN" max="NaN"/>
+                      </dgm:ruleLst>
+                    </dgm:layoutNode>
+                    <dgm:layoutNode name="FourNodes_2_text">
+                      <dgm:varLst>
+                        <dgm:bulletEnabled val="1"/>
+                      </dgm:varLst>
+                      <dgm:alg type="tx">
+                        <dgm:param type="parTxLTRAlign" val="l"/>
+                        <dgm:param type="txAnchorVertCh" val="mid"/>
+                      </dgm:alg>
+                      <dgm:shape xmlns:r="http://schemas.openxmlformats.org/officeDocument/2006/relationships" type="roundRect" r:blip="" hideGeom="1">
+                        <dgm:adjLst>
+                          <dgm:adj idx="1" val="0.1"/>
+                        </dgm:adjLst>
+                      </dgm:shape>
+                      <dgm:presOf axis="ch desOrSelf" ptType="node node" st="2 1" cnt="1 0"/>
+                      <dgm:constrLst>
+                        <dgm:constr type="lMarg" refType="primFontSz" fact="0.3"/>
+                        <dgm:constr type="rMarg" refType="primFontSz" fact="0.3"/>
+                        <dgm:constr type="tMarg" refType="primFontSz" fact="0.3"/>
+                        <dgm:constr type="bMarg" refType="primFontSz" fact="0.3"/>
+                      </dgm:constrLst>
+                      <dgm:ruleLst>
+                        <dgm:rule type="primFontSz" val="5" fact="NaN" max="NaN"/>
+                      </dgm:ruleLst>
+                    </dgm:layoutNode>
+                    <dgm:layoutNode name="FourNodes_3_text">
+                      <dgm:varLst>
+                        <dgm:bulletEnabled val="1"/>
+                      </dgm:varLst>
+                      <dgm:alg type="tx">
+                        <dgm:param type="parTxLTRAlign" val="l"/>
+                        <dgm:param type="txAnchorVertCh" val="mid"/>
+                      </dgm:alg>
+                      <dgm:shape xmlns:r="http://schemas.openxmlformats.org/officeDocument/2006/relationships" type="roundRect" r:blip="" hideGeom="1">
+                        <dgm:adjLst>
+                          <dgm:adj idx="1" val="0.1"/>
+                        </dgm:adjLst>
+                      </dgm:shape>
+                      <dgm:presOf axis="ch desOrSelf" ptType="node node" st="3 1" cnt="1 0"/>
+                      <dgm:constrLst>
+                        <dgm:constr type="lMarg" refType="primFontSz" fact="0.3"/>
+                        <dgm:constr type="rMarg" refType="primFontSz" fact="0.3"/>
+                        <dgm:constr type="tMarg" refType="primFontSz" fact="0.3"/>
+                        <dgm:constr type="bMarg" refType="primFontSz" fact="0.3"/>
+                      </dgm:constrLst>
+                      <dgm:ruleLst>
+                        <dgm:rule type="primFontSz" val="5" fact="NaN" max="NaN"/>
+                      </dgm:ruleLst>
+                    </dgm:layoutNode>
+                    <dgm:layoutNode name="FourNodes_4_text">
+                      <dgm:varLst>
+                        <dgm:bulletEnabled val="1"/>
+                      </dgm:varLst>
+                      <dgm:alg type="tx">
+                        <dgm:param type="parTxLTRAlign" val="l"/>
+                        <dgm:param type="txAnchorVertCh" val="mid"/>
+                      </dgm:alg>
+                      <dgm:shape xmlns:r="http://schemas.openxmlformats.org/officeDocument/2006/relationships" type="roundRect" r:blip="" hideGeom="1">
+                        <dgm:adjLst>
+                          <dgm:adj idx="1" val="0.1"/>
+                        </dgm:adjLst>
+                      </dgm:shape>
+                      <dgm:presOf axis="ch desOrSelf" ptType="node node" st="4 1" cnt="1 0"/>
+                      <dgm:constrLst>
+                        <dgm:constr type="lMarg" refType="primFontSz" fact="0.3"/>
+                        <dgm:constr type="rMarg" refType="primFontSz" fact="0.3"/>
+                        <dgm:constr type="tMarg" refType="primFontSz" fact="0.3"/>
+                        <dgm:constr type="bMarg" refType="primFontSz" fact="0.3"/>
+                      </dgm:constrLst>
+                      <dgm:ruleLst>
+                        <dgm:rule type="primFontSz" val="5" fact="NaN" max="NaN"/>
+                      </dgm:ruleLst>
+                    </dgm:layoutNode>
+                  </dgm:if>
+                  <dgm:else name="Name14">
+                    <dgm:choose name="Name15">
+                      <dgm:if name="Name16" axis="ch" ptType="node" func="cnt" op="gte" val="5">
+                        <dgm:layoutNode name="FiveNodes_1">
+                          <dgm:varLst>
+                            <dgm:bulletEnabled val="1"/>
+                          </dgm:varLst>
+                          <dgm:alg type="sp"/>
+                          <dgm:shape xmlns:r="http://schemas.openxmlformats.org/officeDocument/2006/relationships" type="roundRect" r:blip="">
+                            <dgm:adjLst>
+                              <dgm:adj idx="1" val="0.1"/>
+                            </dgm:adjLst>
+                          </dgm:shape>
+                          <dgm:presOf axis="ch desOrSelf" ptType="node node" st="1 1" cnt="1 0"/>
+                          <dgm:constrLst/>
+                          <dgm:ruleLst/>
+                        </dgm:layoutNode>
+                        <dgm:layoutNode name="FiveNodes_2">
+                          <dgm:varLst>
+                            <dgm:bulletEnabled val="1"/>
+                          </dgm:varLst>
+                          <dgm:alg type="sp"/>
+                          <dgm:shape xmlns:r="http://schemas.openxmlformats.org/officeDocument/2006/relationships" type="roundRect" r:blip="">
+                            <dgm:adjLst>
+                              <dgm:adj idx="1" val="0.1"/>
+                            </dgm:adjLst>
+                          </dgm:shape>
+                          <dgm:presOf axis="ch desOrSelf" ptType="node node" st="2 1" cnt="1 0"/>
+                          <dgm:constrLst/>
+                          <dgm:ruleLst/>
+                        </dgm:layoutNode>
+                        <dgm:layoutNode name="FiveNodes_3">
+                          <dgm:varLst>
+                            <dgm:bulletEnabled val="1"/>
+                          </dgm:varLst>
+                          <dgm:alg type="sp"/>
+                          <dgm:shape xmlns:r="http://schemas.openxmlformats.org/officeDocument/2006/relationships" type="roundRect" r:blip="">
+                            <dgm:adjLst>
+                              <dgm:adj idx="1" val="0.1"/>
+                            </dgm:adjLst>
+                          </dgm:shape>
+                          <dgm:presOf axis="ch desOrSelf" ptType="node node" st="3 1" cnt="1 0"/>
+                          <dgm:constrLst/>
+                          <dgm:ruleLst/>
+                        </dgm:layoutNode>
+                        <dgm:layoutNode name="FiveNodes_4">
+                          <dgm:varLst>
+                            <dgm:bulletEnabled val="1"/>
+                          </dgm:varLst>
+                          <dgm:alg type="sp"/>
+                          <dgm:shape xmlns:r="http://schemas.openxmlformats.org/officeDocument/2006/relationships" type="roundRect" r:blip="">
+                            <dgm:adjLst>
+                              <dgm:adj idx="1" val="0.1"/>
+                            </dgm:adjLst>
+                          </dgm:shape>
+                          <dgm:presOf axis="ch desOrSelf" ptType="node node" st="4 1" cnt="1 0"/>
+                          <dgm:constrLst/>
+                          <dgm:ruleLst/>
+                        </dgm:layoutNode>
+                        <dgm:layoutNode name="FiveNodes_5">
+                          <dgm:varLst>
+                            <dgm:bulletEnabled val="1"/>
+                          </dgm:varLst>
+                          <dgm:alg type="sp"/>
+                          <dgm:shape xmlns:r="http://schemas.openxmlformats.org/officeDocument/2006/relationships" type="roundRect" r:blip="">
+                            <dgm:adjLst>
+                              <dgm:adj idx="1" val="0.1"/>
+                            </dgm:adjLst>
+                          </dgm:shape>
+                          <dgm:presOf axis="ch desOrSelf" ptType="node node" st="5 1" cnt="1 0"/>
+                          <dgm:constrLst/>
+                          <dgm:ruleLst/>
+                        </dgm:layoutNode>
+                        <dgm:layoutNode name="FiveConn_1-2" styleLbl="fgAccFollowNode1">
+                          <dgm:varLst>
+                            <dgm:bulletEnabled val="1"/>
+                          </dgm:varLst>
+                          <dgm:alg type="tx"/>
+                          <dgm:shape xmlns:r="http://schemas.openxmlformats.org/officeDocument/2006/relationships" type="downArrow" r:blip="">
+                            <dgm:adjLst>
+                              <dgm:adj idx="1" val="0.55"/>
+                              <dgm:adj idx="2" val="0.45"/>
+                            </dgm:adjLst>
+                          </dgm:shape>
+                          <dgm:presOf axis="ch" ptType="sibTrans" cnt="1"/>
+                          <dgm:constrLst>
+                            <dgm:constr type="lMarg" refType="primFontSz" fact="0.1"/>
+                            <dgm:constr type="rMarg" refType="primFontSz" fact="0.1"/>
+                            <dgm:constr type="tMarg" refType="primFontSz" fact="0.1"/>
+                            <dgm:constr type="bMarg" refType="primFontSz" fact="0.1"/>
+                          </dgm:constrLst>
+                          <dgm:ruleLst>
+                            <dgm:rule type="primFontSz" val="5" fact="NaN" max="NaN"/>
+                          </dgm:ruleLst>
+                        </dgm:layoutNode>
+                        <dgm:layoutNode name="FiveConn_2-3" styleLbl="fgAccFollowNode1">
+                          <dgm:varLst>
+                            <dgm:bulletEnabled val="1"/>
+                          </dgm:varLst>
+                          <dgm:alg type="tx"/>
+                          <dgm:shape xmlns:r="http://schemas.openxmlformats.org/officeDocument/2006/relationships" type="downArrow" r:blip="">
+                            <dgm:adjLst>
+                              <dgm:adj idx="1" val="0.55"/>
+                              <dgm:adj idx="2" val="0.45"/>
+                            </dgm:adjLst>
+                          </dgm:shape>
+                          <dgm:presOf axis="ch" ptType="sibTrans" st="2" cnt="1"/>
+                          <dgm:constrLst>
+                            <dgm:constr type="lMarg" refType="primFontSz" fact="0.1"/>
+                            <dgm:constr type="rMarg" refType="primFontSz" fact="0.1"/>
+                            <dgm:constr type="tMarg" refType="primFontSz" fact="0.1"/>
+                            <dgm:constr type="bMarg" refType="primFontSz" fact="0.1"/>
+                          </dgm:constrLst>
+                          <dgm:ruleLst>
+                            <dgm:rule type="primFontSz" val="5" fact="NaN" max="NaN"/>
+                          </dgm:ruleLst>
+                        </dgm:layoutNode>
+                        <dgm:layoutNode name="FiveConn_3-4" styleLbl="fgAccFollowNode1">
+                          <dgm:varLst>
+                            <dgm:bulletEnabled val="1"/>
+                          </dgm:varLst>
+                          <dgm:alg type="tx"/>
+                          <dgm:shape xmlns:r="http://schemas.openxmlformats.org/officeDocument/2006/relationships" type="downArrow" r:blip="">
+                            <dgm:adjLst>
+                              <dgm:adj idx="1" val="0.55"/>
+                              <dgm:adj idx="2" val="0.45"/>
+                            </dgm:adjLst>
+                          </dgm:shape>
+                          <dgm:presOf axis="ch" ptType="sibTrans" st="3" cnt="1"/>
+                          <dgm:constrLst>
+                            <dgm:constr type="lMarg" refType="primFontSz" fact="0.1"/>
+                            <dgm:constr type="rMarg" refType="primFontSz" fact="0.1"/>
+                            <dgm:constr type="tMarg" refType="primFontSz" fact="0.1"/>
+                            <dgm:constr type="bMarg" refType="primFontSz" fact="0.1"/>
+                          </dgm:constrLst>
+                          <dgm:ruleLst>
+                            <dgm:rule type="primFontSz" val="5" fact="NaN" max="NaN"/>
+                          </dgm:ruleLst>
+                        </dgm:layoutNode>
+                        <dgm:layoutNode name="FiveConn_4-5" styleLbl="fgAccFollowNode1">
+                          <dgm:varLst>
+                            <dgm:bulletEnabled val="1"/>
+                          </dgm:varLst>
+                          <dgm:alg type="tx"/>
+                          <dgm:shape xmlns:r="http://schemas.openxmlformats.org/officeDocument/2006/relationships" type="downArrow" r:blip="">
+                            <dgm:adjLst>
+                              <dgm:adj idx="1" val="0.55"/>
+                              <dgm:adj idx="2" val="0.45"/>
+                            </dgm:adjLst>
+                          </dgm:shape>
+                          <dgm:presOf axis="ch" ptType="sibTrans" st="4" cnt="1"/>
+                          <dgm:constrLst>
+                            <dgm:constr type="lMarg" refType="primFontSz" fact="0.1"/>
+                            <dgm:constr type="rMarg" refType="primFontSz" fact="0.1"/>
+                            <dgm:constr type="tMarg" refType="primFontSz" fact="0.1"/>
+                            <dgm:constr type="bMarg" refType="primFontSz" fact="0.1"/>
+                          </dgm:constrLst>
+                          <dgm:ruleLst>
+                            <dgm:rule type="primFontSz" val="5" fact="NaN" max="NaN"/>
+                          </dgm:ruleLst>
+                        </dgm:layoutNode>
+                        <dgm:layoutNode name="FiveNodes_1_text">
+                          <dgm:varLst>
+                            <dgm:bulletEnabled val="1"/>
+                          </dgm:varLst>
+                          <dgm:alg type="tx">
+                            <dgm:param type="parTxLTRAlign" val="l"/>
+                            <dgm:param type="txAnchorVertCh" val="mid"/>
+                          </dgm:alg>
+                          <dgm:shape xmlns:r="http://schemas.openxmlformats.org/officeDocument/2006/relationships" type="roundRect" r:blip="" hideGeom="1">
+                            <dgm:adjLst>
+                              <dgm:adj idx="1" val="0.1"/>
+                            </dgm:adjLst>
+                          </dgm:shape>
+                          <dgm:presOf axis="ch desOrSelf" ptType="node node" st="1 1" cnt="1 0"/>
+                          <dgm:constrLst>
+                            <dgm:constr type="lMarg" refType="primFontSz" fact="0.3"/>
+                            <dgm:constr type="rMarg" refType="primFontSz" fact="0.3"/>
+                            <dgm:constr type="tMarg" refType="primFontSz" fact="0.3"/>
+                            <dgm:constr type="bMarg" refType="primFontSz" fact="0.3"/>
+                          </dgm:constrLst>
+                          <dgm:ruleLst>
+                            <dgm:rule type="primFontSz" val="5" fact="NaN" max="NaN"/>
+                          </dgm:ruleLst>
+                        </dgm:layoutNode>
+                        <dgm:layoutNode name="FiveNodes_2_text">
+                          <dgm:varLst>
+                            <dgm:bulletEnabled val="1"/>
+                          </dgm:varLst>
+                          <dgm:alg type="tx">
+                            <dgm:param type="parTxLTRAlign" val="l"/>
+                            <dgm:param type="txAnchorVertCh" val="mid"/>
+                          </dgm:alg>
+                          <dgm:shape xmlns:r="http://schemas.openxmlformats.org/officeDocument/2006/relationships" type="roundRect" r:blip="" hideGeom="1">
+                            <dgm:adjLst>
+                              <dgm:adj idx="1" val="0.1"/>
+                            </dgm:adjLst>
+                          </dgm:shape>
+                          <dgm:presOf axis="ch desOrSelf" ptType="node node" st="2 1" cnt="1 0"/>
+                          <dgm:constrLst>
+                            <dgm:constr type="lMarg" refType="primFontSz" fact="0.3"/>
+                            <dgm:constr type="rMarg" refType="primFontSz" fact="0.3"/>
+                            <dgm:constr type="tMarg" refType="primFontSz" fact="0.3"/>
+                            <dgm:constr type="bMarg" refType="primFontSz" fact="0.3"/>
+                          </dgm:constrLst>
+                          <dgm:ruleLst>
+                            <dgm:rule type="primFontSz" val="5" fact="NaN" max="NaN"/>
+                          </dgm:ruleLst>
+                        </dgm:layoutNode>
+                        <dgm:layoutNode name="FiveNodes_3_text">
+                          <dgm:varLst>
+                            <dgm:bulletEnabled val="1"/>
+                          </dgm:varLst>
+                          <dgm:alg type="tx">
+                            <dgm:param type="parTxLTRAlign" val="l"/>
+                            <dgm:param type="txAnchorVertCh" val="mid"/>
+                          </dgm:alg>
+                          <dgm:shape xmlns:r="http://schemas.openxmlformats.org/officeDocument/2006/relationships" type="roundRect" r:blip="" hideGeom="1">
+                            <dgm:adjLst>
+                              <dgm:adj idx="1" val="0.1"/>
+                            </dgm:adjLst>
+                          </dgm:shape>
+                          <dgm:presOf axis="ch desOrSelf" ptType="node node" st="3 1" cnt="1 0"/>
+                          <dgm:constrLst>
+                            <dgm:constr type="lMarg" refType="primFontSz" fact="0.3"/>
+                            <dgm:constr type="rMarg" refType="primFontSz" fact="0.3"/>
+                            <dgm:constr type="tMarg" refType="primFontSz" fact="0.3"/>
+                            <dgm:constr type="bMarg" refType="primFontSz" fact="0.3"/>
+                          </dgm:constrLst>
+                          <dgm:ruleLst>
+                            <dgm:rule type="primFontSz" val="5" fact="NaN" max="NaN"/>
+                          </dgm:ruleLst>
+                        </dgm:layoutNode>
+                        <dgm:layoutNode name="FiveNodes_4_text">
+                          <dgm:varLst>
+                            <dgm:bulletEnabled val="1"/>
+                          </dgm:varLst>
+                          <dgm:alg type="tx">
+                            <dgm:param type="parTxLTRAlign" val="l"/>
+                            <dgm:param type="txAnchorVertCh" val="mid"/>
+                          </dgm:alg>
+                          <dgm:shape xmlns:r="http://schemas.openxmlformats.org/officeDocument/2006/relationships" type="roundRect" r:blip="" hideGeom="1">
+                            <dgm:adjLst>
+                              <dgm:adj idx="1" val="0.1"/>
+                            </dgm:adjLst>
+                          </dgm:shape>
+                          <dgm:presOf axis="ch desOrSelf" ptType="node node" st="4 1" cnt="1 0"/>
+                          <dgm:constrLst>
+                            <dgm:constr type="lMarg" refType="primFontSz" fact="0.3"/>
+                            <dgm:constr type="rMarg" refType="primFontSz" fact="0.3"/>
+                            <dgm:constr type="tMarg" refType="primFontSz" fact="0.3"/>
+                            <dgm:constr type="bMarg" refType="primFontSz" fact="0.3"/>
+                          </dgm:constrLst>
+                          <dgm:ruleLst>
+                            <dgm:rule type="primFontSz" val="5" fact="NaN" max="NaN"/>
+                          </dgm:ruleLst>
+                        </dgm:layoutNode>
+                        <dgm:layoutNode name="FiveNodes_5_text">
+                          <dgm:varLst>
+                            <dgm:bulletEnabled val="1"/>
+                          </dgm:varLst>
+                          <dgm:alg type="tx">
+                            <dgm:param type="parTxLTRAlign" val="l"/>
+                            <dgm:param type="txAnchorVertCh" val="mid"/>
+                          </dgm:alg>
+                          <dgm:shape xmlns:r="http://schemas.openxmlformats.org/officeDocument/2006/relationships" type="roundRect" r:blip="" hideGeom="1">
+                            <dgm:adjLst>
+                              <dgm:adj idx="1" val="0.1"/>
+                            </dgm:adjLst>
+                          </dgm:shape>
+                          <dgm:presOf axis="ch desOrSelf" ptType="node node" st="5 1" cnt="1 0"/>
+                          <dgm:constrLst>
+                            <dgm:constr type="lMarg" refType="primFontSz" fact="0.3"/>
+                            <dgm:constr type="rMarg" refType="primFontSz" fact="0.3"/>
+                            <dgm:constr type="tMarg" refType="primFontSz" fact="0.3"/>
+                            <dgm:constr type="bMarg" refType="primFontSz" fact="0.3"/>
+                          </dgm:constrLst>
+                          <dgm:ruleLst>
+                            <dgm:rule type="primFontSz" val="5" fact="NaN" max="NaN"/>
+                          </dgm:ruleLst>
+                        </dgm:layoutNode>
+                      </dgm:if>
+                      <dgm:else name="Name17"/>
+                    </dgm:choose>
+                  </dgm:else>
+                </dgm:choose>
+              </dgm:else>
+            </dgm:choose>
+          </dgm:else>
+        </dgm:choose>
+      </dgm:else>
+    </dgm:choose>
+  </dgm:layoutNode>
+</dgm:layoutDef>
+</file>
+
+<file path=ppt/diagrams/quickStyle1.xml><?xml version="1.0" encoding="utf-8"?>
+<dgm:styleDef xmlns:dgm="http://schemas.openxmlformats.org/drawingml/2006/diagram" xmlns:a="http://schemas.openxmlformats.org/drawingml/2006/main" uniqueId="urn:microsoft.com/office/officeart/2005/8/quickstyle/simple1">
+  <dgm:title val=""/>
+  <dgm:desc val=""/>
+  <dgm:catLst>
+    <dgm:cat type="simple" pri="10100"/>
+  </dgm:catLst>
+  <dgm:scene3d>
+    <a:camera prst="orthographicFront"/>
+    <a:lightRig rig="threePt" dir="t"/>
+  </dgm:scene3d>
+  <dgm:styleLbl name="node0">
+    <dgm:scene3d>
+      <a:camera prst="orthographicFront"/>
+      <a:lightRig rig="threePt" dir="t"/>
+    </dgm:scene3d>
+    <dgm:sp3d/>
+    <dgm:txPr/>
+    <dgm:style>
+      <a:lnRef idx="2">
+        <a:scrgbClr r="0" g="0" b="0"/>
+      </a:lnRef>
+      <a:fillRef idx="1">
+        <a:scrgbClr r="0" g="0" b="0"/>
+      </a:fillRef>
+      <a:effectRef idx="0">
+        <a:scrgbClr r="0" g="0" b="0"/>
+      </a:effectRef>
+      <a:fontRef idx="minor">
+        <a:schemeClr val="lt1"/>
+      </a:fontRef>
+    </dgm:style>
+  </dgm:styleLbl>
+  <dgm:styleLbl name="lnNode1">
+    <dgm:scene3d>
+      <a:camera prst="orthographicFront"/>
+      <a:lightRig rig="threePt" dir="t"/>
+    </dgm:scene3d>
+    <dgm:sp3d/>
+    <dgm:txPr/>
+    <dgm:style>
+      <a:lnRef idx="2">
+        <a:scrgbClr r="0" g="0" b="0"/>
+      </a:lnRef>
+      <a:fillRef idx="1">
+        <a:scrgbClr r="0" g="0" b="0"/>
+      </a:fillRef>
+      <a:effectRef idx="0">
+        <a:scrgbClr r="0" g="0" b="0"/>
+      </a:effectRef>
+      <a:fontRef idx="minor">
+        <a:schemeClr val="lt1"/>
+      </a:fontRef>
+    </dgm:style>
+  </dgm:styleLbl>
+  <dgm:styleLbl name="vennNode1">
+    <dgm:scene3d>
+      <a:camera prst="orthographicFront"/>
+      <a:lightRig rig="threePt" dir="t"/>
+    </dgm:scene3d>
+    <dgm:sp3d/>
+    <dgm:txPr/>
+    <dgm:style>
+      <a:lnRef idx="2">
+        <a:scrgbClr r="0" g="0" b="0"/>
+      </a:lnRef>
+      <a:fillRef idx="1">
+        <a:scrgbClr r="0" g="0" b="0"/>
+      </a:fillRef>
+      <a:effectRef idx="0">
+        <a:scrgbClr r="0" g="0" b="0"/>
+      </a:effectRef>
+      <a:fontRef idx="minor">
+        <a:schemeClr val="tx1"/>
+      </a:fontRef>
+    </dgm:style>
+  </dgm:styleLbl>
+  <dgm:styleLbl name="alignNode1">
+    <dgm:scene3d>
+      <a:camera prst="orthographicFront"/>
+      <a:lightRig rig="threePt" dir="t"/>
+    </dgm:scene3d>
+    <dgm:sp3d/>
+    <dgm:txPr/>
+    <dgm:style>
+      <a:lnRef idx="2">
+        <a:scrgbClr r="0" g="0" b="0"/>
+      </a:lnRef>
+      <a:fillRef idx="1">
+        <a:scrgbClr r="0" g="0" b="0"/>
+      </a:fillRef>
+      <a:effectRef idx="0">
+        <a:scrgbClr r="0" g="0" b="0"/>
+      </a:effectRef>
+      <a:fontRef idx="minor">
+        <a:schemeClr val="lt1"/>
+      </a:fontRef>
+    </dgm:style>
+  </dgm:styleLbl>
+  <dgm:styleLbl name="node1">
+    <dgm:scene3d>
+      <a:camera prst="orthographicFront"/>
+      <a:lightRig rig="threePt" dir="t"/>
+    </dgm:scene3d>
+    <dgm:sp3d/>
+    <dgm:txPr/>
+    <dgm:style>
+      <a:lnRef idx="2">
+        <a:scrgbClr r="0" g="0" b="0"/>
+      </a:lnRef>
+      <a:fillRef idx="1">
+        <a:scrgbClr r="0" g="0" b="0"/>
+      </a:fillRef>
+      <a:effectRef idx="0">
+        <a:scrgbClr r="0" g="0" b="0"/>
+      </a:effectRef>
+      <a:fontRef idx="minor">
+        <a:schemeClr val="lt1"/>
+      </a:fontRef>
+    </dgm:style>
+  </dgm:styleLbl>
+  <dgm:styleLbl name="node2">
+    <dgm:scene3d>
+      <a:camera prst="orthographicFront"/>
+      <a:lightRig rig="threePt" dir="t"/>
+    </dgm:scene3d>
+    <dgm:sp3d/>
+    <dgm:txPr/>
+    <dgm:style>
+      <a:lnRef idx="2">
+        <a:scrgbClr r="0" g="0" b="0"/>
+      </a:lnRef>
+      <a:fillRef idx="1">
+        <a:scrgbClr r="0" g="0" b="0"/>
+      </a:fillRef>
+      <a:effectRef idx="0">
+        <a:scrgbClr r="0" g="0" b="0"/>
+      </a:effectRef>
+      <a:fontRef idx="minor">
+        <a:schemeClr val="lt1"/>
+      </a:fontRef>
+    </dgm:style>
+  </dgm:styleLbl>
+  <dgm:styleLbl name="node3">
+    <dgm:scene3d>
+      <a:camera prst="orthographicFront"/>
+      <a:lightRig rig="threePt" dir="t"/>
+    </dgm:scene3d>
+    <dgm:sp3d/>
+    <dgm:txPr/>
+    <dgm:style>
+      <a:lnRef idx="2">
+        <a:scrgbClr r="0" g="0" b="0"/>
+      </a:lnRef>
+      <a:fillRef idx="1">
+        <a:scrgbClr r="0" g="0" b="0"/>
+      </a:fillRef>
+      <a:effectRef idx="0">
+        <a:scrgbClr r="0" g="0" b="0"/>
+      </a:effectRef>
+      <a:fontRef idx="minor">
+        <a:schemeClr val="lt1"/>
+      </a:fontRef>
+    </dgm:style>
+  </dgm:styleLbl>
+  <dgm:styleLbl name="node4">
+    <dgm:scene3d>
+      <a:camera prst="orthographicFront"/>
+      <a:lightRig rig="threePt" dir="t"/>
+    </dgm:scene3d>
+    <dgm:sp3d/>
+    <dgm:txPr/>
+    <dgm:style>
+      <a:lnRef idx="2">
+        <a:scrgbClr r="0" g="0" b="0"/>
+      </a:lnRef>
+      <a:fillRef idx="1">
+        <a:scrgbClr r="0" g="0" b="0"/>
+      </a:fillRef>
+      <a:effectRef idx="0">
+        <a:scrgbClr r="0" g="0" b="0"/>
+      </a:effectRef>
+      <a:fontRef idx="minor">
+        <a:schemeClr val="lt1"/>
+      </a:fontRef>
+    </dgm:style>
+  </dgm:styleLbl>
+  <dgm:styleLbl name="fgImgPlace1">
+    <dgm:scene3d>
+      <a:camera prst="orthographicFront"/>
+      <a:lightRig rig="threePt" dir="t"/>
+    </dgm:scene3d>
+    <dgm:sp3d/>
+    <dgm:txPr/>
+    <dgm:style>
+      <a:lnRef idx="2">
+        <a:scrgbClr r="0" g="0" b="0"/>
+      </a:lnRef>
+      <a:fillRef idx="1">
+        <a:scrgbClr r="0" g="0" b="0"/>
+      </a:fillRef>
+      <a:effectRef idx="0">
+        <a:scrgbClr r="0" g="0" b="0"/>
+      </a:effectRef>
+      <a:fontRef idx="minor"/>
+    </dgm:style>
+  </dgm:styleLbl>
+  <dgm:styleLbl name="alignImgPlace1">
+    <dgm:scene3d>
+      <a:camera prst="orthographicFront"/>
+      <a:lightRig rig="threePt" dir="t"/>
+    </dgm:scene3d>
+    <dgm:sp3d/>
+    <dgm:txPr/>
+    <dgm:style>
+      <a:lnRef idx="2">
+        <a:scrgbClr r="0" g="0" b="0"/>
+      </a:lnRef>
+      <a:fillRef idx="1">
+        <a:scrgbClr r="0" g="0" b="0"/>
+      </a:fillRef>
+      <a:effectRef idx="0">
+        <a:scrgbClr r="0" g="0" b="0"/>
+      </a:effectRef>
+      <a:fontRef idx="minor"/>
+    </dgm:style>
+  </dgm:styleLbl>
+  <dgm:styleLbl name="bgImgPlace1">
+    <dgm:scene3d>
+      <a:camera prst="orthographicFront"/>
+      <a:lightRig rig="threePt" dir="t"/>
+    </dgm:scene3d>
+    <dgm:sp3d/>
+    <dgm:txPr/>
+    <dgm:style>
+      <a:lnRef idx="2">
+        <a:scrgbClr r="0" g="0" b="0"/>
+      </a:lnRef>
+      <a:fillRef idx="1">
+        <a:scrgbClr r="0" g="0" b="0"/>
+      </a:fillRef>
+      <a:effectRef idx="0">
+        <a:scrgbClr r="0" g="0" b="0"/>
+      </a:effectRef>
+      <a:fontRef idx="minor"/>
+    </dgm:style>
+  </dgm:styleLbl>
+  <dgm:styleLbl name="sibTrans2D1">
+    <dgm:scene3d>
+      <a:camera prst="orthographicFront"/>
+      <a:lightRig rig="threePt" dir="t"/>
+    </dgm:scene3d>
+    <dgm:sp3d/>
+    <dgm:txPr/>
+    <dgm:style>
+      <a:lnRef idx="0">
+        <a:scrgbClr r="0" g="0" b="0"/>
+      </a:lnRef>
+      <a:fillRef idx="1">
+        <a:scrgbClr r="0" g="0" b="0"/>
+      </a:fillRef>
+      <a:effectRef idx="0">
+        <a:scrgbClr r="0" g="0" b="0"/>
+      </a:effectRef>
+      <a:fontRef idx="minor">
+        <a:schemeClr val="lt1"/>
+      </a:fontRef>
+    </dgm:style>
+  </dgm:styleLbl>
+  <dgm:styleLbl name="fgSibTrans2D1">
+    <dgm:scene3d>
+      <a:camera prst="orthographicFront"/>
+      <a:lightRig rig="threePt" dir="t"/>
+    </dgm:scene3d>
+    <dgm:sp3d/>
+    <dgm:txPr/>
+    <dgm:style>
+      <a:lnRef idx="0">
+        <a:scrgbClr r="0" g="0" b="0"/>
+      </a:lnRef>
+      <a:fillRef idx="1">
+        <a:scrgbClr r="0" g="0" b="0"/>
+      </a:fillRef>
+      <a:effectRef idx="0">
+        <a:scrgbClr r="0" g="0" b="0"/>
+      </a:effectRef>
+      <a:fontRef idx="minor">
+        <a:schemeClr val="lt1"/>
+      </a:fontRef>
+    </dgm:style>
+  </dgm:styleLbl>
+  <dgm:styleLbl name="bgSibTrans2D1">
+    <dgm:scene3d>
+      <a:camera prst="orthographicFront"/>
+      <a:lightRig rig="threePt" dir="t"/>
+    </dgm:scene3d>
+    <dgm:sp3d/>
+    <dgm:txPr/>
+    <dgm:style>
+      <a:lnRef idx="0">
+        <a:scrgbClr r="0" g="0" b="0"/>
+      </a:lnRef>
+      <a:fillRef idx="1">
+        <a:scrgbClr r="0" g="0" b="0"/>
+      </a:fillRef>
+      <a:effectRef idx="0">
+        <a:scrgbClr r="0" g="0" b="0"/>
+      </a:effectRef>
+      <a:fontRef idx="minor">
+        <a:schemeClr val="lt1"/>
+      </a:fontRef>
+    </dgm:style>
+  </dgm:styleLbl>
+  <dgm:styleLbl name="sibTrans1D1">
+    <dgm:scene3d>
+      <a:camera prst="orthographicFront"/>
+      <a:lightRig rig="threePt" dir="t"/>
+    </dgm:scene3d>
+    <dgm:sp3d/>
+    <dgm:txPr/>
+    <dgm:style>
+      <a:lnRef idx="1">
+        <a:scrgbClr r="0" g="0" b="0"/>
+      </a:lnRef>
+      <a:fillRef idx="0">
+        <a:scrgbClr r="0" g="0" b="0"/>
+      </a:fillRef>
+      <a:effectRef idx="0">
+        <a:scrgbClr r="0" g="0" b="0"/>
+      </a:effectRef>
+      <a:fontRef idx="minor"/>
+    </dgm:style>
+  </dgm:styleLbl>
+  <dgm:styleLbl name="callout">
+    <dgm:scene3d>
+      <a:camera prst="orthographicFront"/>
+      <a:lightRig rig="threePt" dir="t"/>
+    </dgm:scene3d>
+    <dgm:sp3d/>
+    <dgm:txPr/>
+    <dgm:style>
+      <a:lnRef idx="2">
+        <a:scrgbClr r="0" g="0" b="0"/>
+      </a:lnRef>
+      <a:fillRef idx="1">
+        <a:scrgbClr r="0" g="0" b="0"/>
+      </a:fillRef>
+      <a:effectRef idx="0">
+        <a:scrgbClr r="0" g="0" b="0"/>
+      </a:effectRef>
+      <a:fontRef idx="minor"/>
+    </dgm:style>
+  </dgm:styleLbl>
+  <dgm:styleLbl name="asst0">
+    <dgm:scene3d>
+      <a:camera prst="orthographicFront"/>
+      <a:lightRig rig="threePt" dir="t"/>
+    </dgm:scene3d>
+    <dgm:sp3d/>
+    <dgm:txPr/>
+    <dgm:style>
+      <a:lnRef idx="2">
+        <a:scrgbClr r="0" g="0" b="0"/>
+      </a:lnRef>
+      <a:fillRef idx="1">
+        <a:scrgbClr r="0" g="0" b="0"/>
+      </a:fillRef>
+      <a:effectRef idx="0">
+        <a:scrgbClr r="0" g="0" b="0"/>
+      </a:effectRef>
+      <a:fontRef idx="minor">
+        <a:schemeClr val="lt1"/>
+      </a:fontRef>
+    </dgm:style>
+  </dgm:styleLbl>
+  <dgm:styleLbl name="asst1">
+    <dgm:scene3d>
+      <a:camera prst="orthographicFront"/>
+      <a:lightRig rig="threePt" dir="t"/>
+    </dgm:scene3d>
+    <dgm:sp3d/>
+    <dgm:txPr/>
+    <dgm:style>
+      <a:lnRef idx="2">
+        <a:scrgbClr r="0" g="0" b="0"/>
+      </a:lnRef>
+      <a:fillRef idx="1">
+        <a:scrgbClr r="0" g="0" b="0"/>
+      </a:fillRef>
+      <a:effectRef idx="0">
+        <a:scrgbClr r="0" g="0" b="0"/>
+      </a:effectRef>
+      <a:fontRef idx="minor">
+        <a:schemeClr val="lt1"/>
+      </a:fontRef>
+    </dgm:style>
+  </dgm:styleLbl>
+  <dgm:styleLbl name="asst2">
+    <dgm:scene3d>
+      <a:camera prst="orthographicFront"/>
+      <a:lightRig rig="threePt" dir="t"/>
+    </dgm:scene3d>
+    <dgm:sp3d/>
+    <dgm:txPr/>
+    <dgm:style>
+      <a:lnRef idx="2">
+        <a:scrgbClr r="0" g="0" b="0"/>
+      </a:lnRef>
+      <a:fillRef idx="1">
+        <a:scrgbClr r="0" g="0" b="0"/>
+      </a:fillRef>
+      <a:effectRef idx="0">
+        <a:scrgbClr r="0" g="0" b="0"/>
+      </a:effectRef>
+      <a:fontRef idx="minor">
+        <a:schemeClr val="lt1"/>
+      </a:fontRef>
+    </dgm:style>
+  </dgm:styleLbl>
+  <dgm:styleLbl name="asst3">
+    <dgm:scene3d>
+      <a:camera prst="orthographicFront"/>
+      <a:lightRig rig="threePt" dir="t"/>
+    </dgm:scene3d>
+    <dgm:sp3d/>
+    <dgm:txPr/>
+    <dgm:style>
+      <a:lnRef idx="2">
+        <a:scrgbClr r="0" g="0" b="0"/>
+      </a:lnRef>
+      <a:fillRef idx="1">
+        <a:scrgbClr r="0" g="0" b="0"/>
+      </a:fillRef>
+      <a:effectRef idx="0">
+        <a:scrgbClr r="0" g="0" b="0"/>
+      </a:effectRef>
+      <a:fontRef idx="minor">
+        <a:schemeClr val="lt1"/>
+      </a:fontRef>
+    </dgm:style>
+  </dgm:styleLbl>
+  <dgm:styleLbl name="asst4">
+    <dgm:scene3d>
+      <a:camera prst="orthographicFront"/>
+      <a:lightRig rig="threePt" dir="t"/>
+    </dgm:scene3d>
+    <dgm:sp3d/>
+    <dgm:txPr/>
+    <dgm:style>
+      <a:lnRef idx="2">
+        <a:scrgbClr r="0" g="0" b="0"/>
+      </a:lnRef>
+      <a:fillRef idx="1">
+        <a:scrgbClr r="0" g="0" b="0"/>
+      </a:fillRef>
+      <a:effectRef idx="0">
+        <a:scrgbClr r="0" g="0" b="0"/>
+      </a:effectRef>
+      <a:fontRef idx="minor">
+        <a:schemeClr val="lt1"/>
+      </a:fontRef>
+    </dgm:style>
+  </dgm:styleLbl>
+  <dgm:styleLbl name="parChTrans2D1">
+    <dgm:scene3d>
+      <a:camera prst="orthographicFront"/>
+      <a:lightRig rig="threePt" dir="t"/>
+    </dgm:scene3d>
+    <dgm:sp3d/>
+    <dgm:txPr/>
+    <dgm:style>
+      <a:lnRef idx="2">
+        <a:scrgbClr r="0" g="0" b="0"/>
+      </a:lnRef>
+      <a:fillRef idx="1">
+        <a:scrgbClr r="0" g="0" b="0"/>
+      </a:fillRef>
+      <a:effectRef idx="0">
+        <a:scrgbClr r="0" g="0" b="0"/>
+      </a:effectRef>
+      <a:fontRef idx="minor">
+        <a:schemeClr val="lt1"/>
+      </a:fontRef>
+    </dgm:style>
+  </dgm:styleLbl>
+  <dgm:styleLbl name="parChTrans2D2">
+    <dgm:scene3d>
+      <a:camera prst="orthographicFront"/>
+      <a:lightRig rig="threePt" dir="t"/>
+    </dgm:scene3d>
+    <dgm:sp3d/>
+    <dgm:txPr/>
+    <dgm:style>
+      <a:lnRef idx="2">
+        <a:scrgbClr r="0" g="0" b="0"/>
+      </a:lnRef>
+      <a:fillRef idx="1">
+        <a:scrgbClr r="0" g="0" b="0"/>
+      </a:fillRef>
+      <a:effectRef idx="0">
+        <a:scrgbClr r="0" g="0" b="0"/>
+      </a:effectRef>
+      <a:fontRef idx="minor">
+        <a:schemeClr val="lt1"/>
+      </a:fontRef>
+    </dgm:style>
+  </dgm:styleLbl>
+  <dgm:styleLbl name="parChTrans2D3">
+    <dgm:scene3d>
+      <a:camera prst="orthographicFront"/>
+      <a:lightRig rig="threePt" dir="t"/>
+    </dgm:scene3d>
+    <dgm:sp3d/>
+    <dgm:txPr/>
+    <dgm:style>
+      <a:lnRef idx="2">
+        <a:scrgbClr r="0" g="0" b="0"/>
+      </a:lnRef>
+      <a:fillRef idx="1">
+        <a:scrgbClr r="0" g="0" b="0"/>
+      </a:fillRef>
+      <a:effectRef idx="0">
+        <a:scrgbClr r="0" g="0" b="0"/>
+      </a:effectRef>
+      <a:fontRef idx="minor">
+        <a:schemeClr val="lt1"/>
+      </a:fontRef>
+    </dgm:style>
+  </dgm:styleLbl>
+  <dgm:styleLbl name="parChTrans2D4">
+    <dgm:scene3d>
+      <a:camera prst="orthographicFront"/>
+      <a:lightRig rig="threePt" dir="t"/>
+    </dgm:scene3d>
+    <dgm:sp3d/>
+    <dgm:txPr/>
+    <dgm:style>
+      <a:lnRef idx="2">
+        <a:scrgbClr r="0" g="0" b="0"/>
+      </a:lnRef>
+      <a:fillRef idx="1">
+        <a:scrgbClr r="0" g="0" b="0"/>
+      </a:fillRef>
+      <a:effectRef idx="0">
+        <a:scrgbClr r="0" g="0" b="0"/>
+      </a:effectRef>
+      <a:fontRef idx="minor">
+        <a:schemeClr val="lt1"/>
+      </a:fontRef>
+    </dgm:style>
+  </dgm:styleLbl>
+  <dgm:styleLbl name="parChTrans1D1">
+    <dgm:scene3d>
+      <a:camera prst="orthographicFront"/>
+      <a:lightRig rig="threePt" dir="t"/>
+    </dgm:scene3d>
+    <dgm:sp3d/>
+    <dgm:txPr/>
+    <dgm:style>
+      <a:lnRef idx="2">
+        <a:scrgbClr r="0" g="0" b="0"/>
+      </a:lnRef>
+      <a:fillRef idx="0">
+        <a:scrgbClr r="0" g="0" b="0"/>
+      </a:fillRef>
+      <a:effectRef idx="0">
+        <a:scrgbClr r="0" g="0" b="0"/>
+      </a:effectRef>
+      <a:fontRef idx="minor"/>
+    </dgm:style>
+  </dgm:styleLbl>
+  <dgm:styleLbl name="parChTrans1D2">
+    <dgm:scene3d>
+      <a:camera prst="orthographicFront"/>
+      <a:lightRig rig="threePt" dir="t"/>
+    </dgm:scene3d>
+    <dgm:sp3d/>
+    <dgm:txPr/>
+    <dgm:style>
+      <a:lnRef idx="2">
+        <a:scrgbClr r="0" g="0" b="0"/>
+      </a:lnRef>
+      <a:fillRef idx="0">
+        <a:scrgbClr r="0" g="0" b="0"/>
+      </a:fillRef>
+      <a:effectRef idx="0">
+        <a:scrgbClr r="0" g="0" b="0"/>
+      </a:effectRef>
+      <a:fontRef idx="minor"/>
+    </dgm:style>
+  </dgm:styleLbl>
+  <dgm:styleLbl name="parChTrans1D3">
+    <dgm:scene3d>
+      <a:camera prst="orthographicFront"/>
+      <a:lightRig rig="threePt" dir="t"/>
+    </dgm:scene3d>
+    <dgm:sp3d/>
+    <dgm:txPr/>
+    <dgm:style>
+      <a:lnRef idx="2">
+        <a:scrgbClr r="0" g="0" b="0"/>
+      </a:lnRef>
+      <a:fillRef idx="0">
+        <a:scrgbClr r="0" g="0" b="0"/>
+      </a:fillRef>
+      <a:effectRef idx="0">
+        <a:scrgbClr r="0" g="0" b="0"/>
+      </a:effectRef>
+      <a:fontRef idx="minor"/>
+    </dgm:style>
+  </dgm:styleLbl>
+  <dgm:styleLbl name="parChTrans1D4">
+    <dgm:scene3d>
+      <a:camera prst="orthographicFront"/>
+      <a:lightRig rig="threePt" dir="t"/>
+    </dgm:scene3d>
+    <dgm:sp3d/>
+    <dgm:txPr/>
+    <dgm:style>
+      <a:lnRef idx="2">
+        <a:scrgbClr r="0" g="0" b="0"/>
+      </a:lnRef>
+      <a:fillRef idx="0">
+        <a:scrgbClr r="0" g="0" b="0"/>
+      </a:fillRef>
+      <a:effectRef idx="0">
+        <a:scrgbClr r="0" g="0" b="0"/>
+      </a:effectRef>
+      <a:fontRef idx="minor"/>
+    </dgm:style>
+  </dgm:styleLbl>
+  <dgm:styleLbl name="fgAcc1">
+    <dgm:scene3d>
+      <a:camera prst="orthographicFront"/>
+      <a:lightRig rig="threePt" dir="t"/>
+    </dgm:scene3d>
+    <dgm:sp3d/>
+    <dgm:txPr/>
+    <dgm:style>
+      <a:lnRef idx="2">
+        <a:scrgbClr r="0" g="0" b="0"/>
+      </a:lnRef>
+      <a:fillRef idx="1">
+        <a:scrgbClr r="0" g="0" b="0"/>
+      </a:fillRef>
+      <a:effectRef idx="0">
+        <a:scrgbClr r="0" g="0" b="0"/>
+      </a:effectRef>
+      <a:fontRef idx="minor"/>
+    </dgm:style>
+  </dgm:styleLbl>
+  <dgm:styleLbl name="conFgAcc1">
+    <dgm:scene3d>
+      <a:camera prst="orthographicFront"/>
+      <a:lightRig rig="threePt" dir="t"/>
+    </dgm:scene3d>
+    <dgm:sp3d/>
+    <dgm:txPr/>
+    <dgm:style>
+      <a:lnRef idx="2">
+        <a:scrgbClr r="0" g="0" b="0"/>
+      </a:lnRef>
+      <a:fillRef idx="1">
+        <a:scrgbClr r="0" g="0" b="0"/>
+      </a:fillRef>
+      <a:effectRef idx="0">
+        <a:scrgbClr r="0" g="0" b="0"/>
+      </a:effectRef>
+      <a:fontRef idx="minor"/>
+    </dgm:style>
+  </dgm:styleLbl>
+  <dgm:styleLbl name="alignAcc1">
+    <dgm:scene3d>
+      <a:camera prst="orthographicFront"/>
+      <a:lightRig rig="threePt" dir="t"/>
+    </dgm:scene3d>
+    <dgm:sp3d/>
+    <dgm:txPr/>
+    <dgm:style>
+      <a:lnRef idx="2">
+        <a:scrgbClr r="0" g="0" b="0"/>
+      </a:lnRef>
+      <a:fillRef idx="1">
+        <a:scrgbClr r="0" g="0" b="0"/>
+      </a:fillRef>
+      <a:effectRef idx="0">
+        <a:scrgbClr r="0" g="0" b="0"/>
+      </a:effectRef>
+      <a:fontRef idx="minor"/>
+    </dgm:style>
+  </dgm:styleLbl>
+  <dgm:styleLbl name="trAlignAcc1">
+    <dgm:scene3d>
+      <a:camera prst="orthographicFront"/>
+      <a:lightRig rig="threePt" dir="t"/>
+    </dgm:scene3d>
+    <dgm:sp3d/>
+    <dgm:txPr/>
+    <dgm:style>
+      <a:lnRef idx="1">
+        <a:scrgbClr r="0" g="0" b="0"/>
+      </a:lnRef>
+      <a:fillRef idx="1">
+        <a:scrgbClr r="0" g="0" b="0"/>
+      </a:fillRef>
+      <a:effectRef idx="0">
+        <a:scrgbClr r="0" g="0" b="0"/>
+      </a:effectRef>
+      <a:fontRef idx="minor"/>
+    </dgm:style>
+  </dgm:styleLbl>
+  <dgm:styleLbl name="bgAcc1">
+    <dgm:scene3d>
+      <a:camera prst="orthographicFront"/>
+      <a:lightRig rig="threePt" dir="t"/>
+    </dgm:scene3d>
+    <dgm:sp3d/>
+    <dgm:txPr/>
+    <dgm:style>
+      <a:lnRef idx="2">
+        <a:scrgbClr r="0" g="0" b="0"/>
+      </a:lnRef>
+      <a:fillRef idx="1">
+        <a:scrgbClr r="0" g="0" b="0"/>
+      </a:fillRef>
+      <a:effectRef idx="0">
+        <a:scrgbClr r="0" g="0" b="0"/>
+      </a:effectRef>
+      <a:fontRef idx="minor"/>
+    </dgm:style>
+  </dgm:styleLbl>
+  <dgm:styleLbl name="solidFgAcc1">
+    <dgm:scene3d>
+      <a:camera prst="orthographicFront"/>
+      <a:lightRig rig="threePt" dir="t"/>
+    </dgm:scene3d>
+    <dgm:sp3d/>
+    <dgm:txPr/>
+    <dgm:style>
+      <a:lnRef idx="2">
+        <a:scrgbClr r="0" g="0" b="0"/>
+      </a:lnRef>
+      <a:fillRef idx="1">
+        <a:scrgbClr r="0" g="0" b="0"/>
+      </a:fillRef>
+      <a:effectRef idx="0">
+        <a:scrgbClr r="0" g="0" b="0"/>
+      </a:effectRef>
+      <a:fontRef idx="minor"/>
+    </dgm:style>
+  </dgm:styleLbl>
+  <dgm:styleLbl name="solidAlignAcc1">
+    <dgm:scene3d>
+      <a:camera prst="orthographicFront"/>
+      <a:lightRig rig="threePt" dir="t"/>
+    </dgm:scene3d>
+    <dgm:sp3d/>
+    <dgm:txPr/>
+    <dgm:style>
+      <a:lnRef idx="2">
+        <a:scrgbClr r="0" g="0" b="0"/>
+      </a:lnRef>
+      <a:fillRef idx="1">
+        <a:scrgbClr r="0" g="0" b="0"/>
+      </a:fillRef>
+      <a:effectRef idx="0">
+        <a:scrgbClr r="0" g="0" b="0"/>
+      </a:effectRef>
+      <a:fontRef idx="minor"/>
+    </dgm:style>
+  </dgm:styleLbl>
+  <dgm:styleLbl name="solidBgAcc1">
+    <dgm:scene3d>
+      <a:camera prst="orthographicFront"/>
+      <a:lightRig rig="threePt" dir="t"/>
+    </dgm:scene3d>
+    <dgm:sp3d/>
+    <dgm:txPr/>
+    <dgm:style>
+      <a:lnRef idx="2">
+        <a:scrgbClr r="0" g="0" b="0"/>
+      </a:lnRef>
+      <a:fillRef idx="1">
+        <a:scrgbClr r="0" g="0" b="0"/>
+      </a:fillRef>
+      <a:effectRef idx="0">
+        <a:scrgbClr r="0" g="0" b="0"/>
+      </a:effectRef>
+      <a:fontRef idx="minor"/>
+    </dgm:style>
+  </dgm:styleLbl>
+  <dgm:styleLbl name="fgAccFollowNode1">
+    <dgm:scene3d>
+      <a:camera prst="orthographicFront"/>
+      <a:lightRig rig="threePt" dir="t"/>
+    </dgm:scene3d>
+    <dgm:sp3d/>
+    <dgm:txPr/>
+    <dgm:style>
+      <a:lnRef idx="2">
+        <a:scrgbClr r="0" g="0" b="0"/>
+      </a:lnRef>
+      <a:fillRef idx="1">
+        <a:scrgbClr r="0" g="0" b="0"/>
+      </a:fillRef>
+      <a:effectRef idx="0">
+        <a:scrgbClr r="0" g="0" b="0"/>
+      </a:effectRef>
+      <a:fontRef idx="minor"/>
+    </dgm:style>
+  </dgm:styleLbl>
+  <dgm:styleLbl name="alignAccFollowNode1">
+    <dgm:scene3d>
+      <a:camera prst="orthographicFront"/>
+      <a:lightRig rig="threePt" dir="t"/>
+    </dgm:scene3d>
+    <dgm:sp3d/>
+    <dgm:txPr/>
+    <dgm:style>
+      <a:lnRef idx="2">
+        <a:scrgbClr r="0" g="0" b="0"/>
+      </a:lnRef>
+      <a:fillRef idx="1">
+        <a:scrgbClr r="0" g="0" b="0"/>
+      </a:fillRef>
+      <a:effectRef idx="0">
+        <a:scrgbClr r="0" g="0" b="0"/>
+      </a:effectRef>
+      <a:fontRef idx="minor"/>
+    </dgm:style>
+  </dgm:styleLbl>
+  <dgm:styleLbl name="bgAccFollowNode1">
+    <dgm:scene3d>
+      <a:camera prst="orthographicFront"/>
+      <a:lightRig rig="threePt" dir="t"/>
+    </dgm:scene3d>
+    <dgm:sp3d/>
+    <dgm:txPr/>
+    <dgm:style>
+      <a:lnRef idx="2">
+        <a:scrgbClr r="0" g="0" b="0"/>
+      </a:lnRef>
+      <a:fillRef idx="1">
+        <a:scrgbClr r="0" g="0" b="0"/>
+      </a:fillRef>
+      <a:effectRef idx="0">
+        <a:scrgbClr r="0" g="0" b="0"/>
+      </a:effectRef>
+      <a:fontRef idx="minor"/>
+    </dgm:style>
+  </dgm:styleLbl>
+  <dgm:styleLbl name="fgAcc0">
+    <dgm:scene3d>
+      <a:camera prst="orthographicFront"/>
+      <a:lightRig rig="threePt" dir="t"/>
+    </dgm:scene3d>
+    <dgm:sp3d/>
+    <dgm:txPr/>
+    <dgm:style>
+      <a:lnRef idx="2">
+        <a:scrgbClr r="0" g="0" b="0"/>
+      </a:lnRef>
+      <a:fillRef idx="1">
+        <a:scrgbClr r="0" g="0" b="0"/>
+      </a:fillRef>
+      <a:effectRef idx="0">
+        <a:scrgbClr r="0" g="0" b="0"/>
+      </a:effectRef>
+      <a:fontRef idx="minor"/>
+    </dgm:style>
+  </dgm:styleLbl>
+  <dgm:styleLbl name="fgAcc2">
+    <dgm:scene3d>
+      <a:camera prst="orthographicFront"/>
+      <a:lightRig rig="threePt" dir="t"/>
+    </dgm:scene3d>
+    <dgm:sp3d/>
+    <dgm:txPr/>
+    <dgm:style>
+      <a:lnRef idx="2">
+        <a:scrgbClr r="0" g="0" b="0"/>
+      </a:lnRef>
+      <a:fillRef idx="1">
+        <a:scrgbClr r="0" g="0" b="0"/>
+      </a:fillRef>
+      <a:effectRef idx="0">
+        <a:scrgbClr r="0" g="0" b="0"/>
+      </a:effectRef>
+      <a:fontRef idx="minor"/>
+    </dgm:style>
+  </dgm:styleLbl>
+  <dgm:styleLbl name="fgAcc3">
+    <dgm:scene3d>
+      <a:camera prst="orthographicFront"/>
+      <a:lightRig rig="threePt" dir="t"/>
+    </dgm:scene3d>
+    <dgm:sp3d/>
+    <dgm:txPr/>
+    <dgm:style>
+      <a:lnRef idx="2">
+        <a:scrgbClr r="0" g="0" b="0"/>
+      </a:lnRef>
+      <a:fillRef idx="1">
+        <a:scrgbClr r="0" g="0" b="0"/>
+      </a:fillRef>
+      <a:effectRef idx="0">
+        <a:scrgbClr r="0" g="0" b="0"/>
+      </a:effectRef>
+      <a:fontRef idx="minor"/>
+    </dgm:style>
+  </dgm:styleLbl>
+  <dgm:styleLbl name="fgAcc4">
+    <dgm:scene3d>
+      <a:camera prst="orthographicFront"/>
+      <a:lightRig rig="threePt" dir="t"/>
+    </dgm:scene3d>
+    <dgm:sp3d/>
+    <dgm:txPr/>
+    <dgm:style>
+      <a:lnRef idx="2">
+        <a:scrgbClr r="0" g="0" b="0"/>
+      </a:lnRef>
+      <a:fillRef idx="1">
+        <a:scrgbClr r="0" g="0" b="0"/>
+      </a:fillRef>
+      <a:effectRef idx="0">
+        <a:scrgbClr r="0" g="0" b="0"/>
+      </a:effectRef>
+      <a:fontRef idx="minor"/>
+    </dgm:style>
+  </dgm:styleLbl>
+  <dgm:styleLbl name="bgShp">
+    <dgm:scene3d>
+      <a:camera prst="orthographicFront"/>
+      <a:lightRig rig="threePt" dir="t"/>
+    </dgm:scene3d>
+    <dgm:sp3d/>
+    <dgm:txPr/>
+    <dgm:style>
+      <a:lnRef idx="0">
+        <a:scrgbClr r="0" g="0" b="0"/>
+      </a:lnRef>
+      <a:fillRef idx="1">
+        <a:scrgbClr r="0" g="0" b="0"/>
+      </a:fillRef>
+      <a:effectRef idx="0">
+        <a:scrgbClr r="0" g="0" b="0"/>
+      </a:effectRef>
+      <a:fontRef idx="minor"/>
+    </dgm:style>
+  </dgm:styleLbl>
+  <dgm:styleLbl name="dkBgShp">
+    <dgm:scene3d>
+      <a:camera prst="orthographicFront"/>
+      <a:lightRig rig="threePt" dir="t"/>
+    </dgm:scene3d>
+    <dgm:sp3d/>
+    <dgm:txPr/>
+    <dgm:style>
+      <a:lnRef idx="0">
+        <a:scrgbClr r="0" g="0" b="0"/>
+      </a:lnRef>
+      <a:fillRef idx="1">
+        <a:scrgbClr r="0" g="0" b="0"/>
+      </a:fillRef>
+      <a:effectRef idx="0">
+        <a:scrgbClr r="0" g="0" b="0"/>
+      </a:effectRef>
+      <a:fontRef idx="minor"/>
+    </dgm:style>
+  </dgm:styleLbl>
+  <dgm:styleLbl name="trBgShp">
+    <dgm:scene3d>
+      <a:camera prst="orthographicFront"/>
+      <a:lightRig rig="threePt" dir="t"/>
+    </dgm:scene3d>
+    <dgm:sp3d/>
+    <dgm:txPr/>
+    <dgm:style>
+      <a:lnRef idx="0">
+        <a:scrgbClr r="0" g="0" b="0"/>
+      </a:lnRef>
+      <a:fillRef idx="1">
+        <a:scrgbClr r="0" g="0" b="0"/>
+      </a:fillRef>
+      <a:effectRef idx="0">
+        <a:scrgbClr r="0" g="0" b="0"/>
+      </a:effectRef>
+      <a:fontRef idx="minor"/>
+    </dgm:style>
+  </dgm:styleLbl>
+  <dgm:styleLbl name="fgShp">
+    <dgm:scene3d>
+      <a:camera prst="orthographicFront"/>
+      <a:lightRig rig="threePt" dir="t"/>
+    </dgm:scene3d>
+    <dgm:sp3d/>
+    <dgm:txPr/>
+    <dgm:style>
+      <a:lnRef idx="2">
+        <a:scrgbClr r="0" g="0" b="0"/>
+      </a:lnRef>
+      <a:fillRef idx="1">
+        <a:scrgbClr r="0" g="0" b="0"/>
+      </a:fillRef>
+      <a:effectRef idx="0">
+        <a:scrgbClr r="0" g="0" b="0"/>
+      </a:effectRef>
+      <a:fontRef idx="minor"/>
+    </dgm:style>
+  </dgm:styleLbl>
+  <dgm:styleLbl name="revTx">
+    <dgm:scene3d>
+      <a:camera prst="orthographicFront"/>
+      <a:lightRig rig="threePt" dir="t"/>
+    </dgm:scene3d>
+    <dgm:sp3d/>
+    <dgm:txPr/>
+    <dgm:style>
+      <a:lnRef idx="0">
+        <a:scrgbClr r="0" g="0" b="0"/>
+      </a:lnRef>
+      <a:fillRef idx="0">
+        <a:scrgbClr r="0" g="0" b="0"/>
+      </a:fillRef>
+      <a:effectRef idx="0">
+        <a:scrgbClr r="0" g="0" b="0"/>
+      </a:effectRef>
+      <a:fontRef idx="minor"/>
+    </dgm:style>
+  </dgm:styleLbl>
+</dgm:styleDef>
 </file>
 
 <file path=ppt/slideLayouts/slideLayout1.xml><?xml version="1.0" encoding="utf-8"?>
@@ -266,7 +4176,7 @@
           <a:p>
             <a:fld id="{02AC24A9-CCB6-4F8D-B8DB-C2F3692CFA5A}" type="datetimeFigureOut">
               <a:rPr lang="en-US" smtClean="0"/>
-              <a:t>5/18/2023</a:t>
+              <a:t>5/21/2023</a:t>
             </a:fld>
             <a:endParaRPr lang="en-US" dirty="0"/>
           </a:p>
@@ -325,7 +4235,7 @@
           <a:p>
             <a:fld id="{B2DC25EE-239B-4C5F-AAD1-255A7D5F1EE2}" type="slidenum">
               <a:rPr lang="en-US" smtClean="0"/>
-              <a:t>‹N›</a:t>
+              <a:t>‹#›</a:t>
             </a:fld>
             <a:endParaRPr lang="en-US" dirty="0"/>
           </a:p>
@@ -636,7 +4546,7 @@
           <a:p>
             <a:fld id="{02AC24A9-CCB6-4F8D-B8DB-C2F3692CFA5A}" type="datetimeFigureOut">
               <a:rPr lang="en-US" smtClean="0"/>
-              <a:t>5/18/2023</a:t>
+              <a:t>5/21/2023</a:t>
             </a:fld>
             <a:endParaRPr lang="en-US"/>
           </a:p>
@@ -690,7 +4600,7 @@
           <a:p>
             <a:fld id="{B2DC25EE-239B-4C5F-AAD1-255A7D5F1EE2}" type="slidenum">
               <a:rPr lang="en-US" smtClean="0"/>
-              <a:t>‹N›</a:t>
+              <a:t>‹#›</a:t>
             </a:fld>
             <a:endParaRPr lang="en-US"/>
           </a:p>
@@ -845,7 +4755,7 @@
           <a:p>
             <a:fld id="{02AC24A9-CCB6-4F8D-B8DB-C2F3692CFA5A}" type="datetimeFigureOut">
               <a:rPr lang="en-US" smtClean="0"/>
-              <a:t>5/18/2023</a:t>
+              <a:t>5/21/2023</a:t>
             </a:fld>
             <a:endParaRPr lang="en-US"/>
           </a:p>
@@ -899,7 +4809,7 @@
           <a:p>
             <a:fld id="{B2DC25EE-239B-4C5F-AAD1-255A7D5F1EE2}" type="slidenum">
               <a:rPr lang="en-US" smtClean="0"/>
-              <a:t>‹N›</a:t>
+              <a:t>‹#›</a:t>
             </a:fld>
             <a:endParaRPr lang="en-US"/>
           </a:p>
@@ -1315,7 +5225,7 @@
           <a:p>
             <a:fld id="{02AC24A9-CCB6-4F8D-B8DB-C2F3692CFA5A}" type="datetimeFigureOut">
               <a:rPr lang="en-US" smtClean="0"/>
-              <a:t>5/18/2023</a:t>
+              <a:t>5/21/2023</a:t>
             </a:fld>
             <a:endParaRPr lang="en-US"/>
           </a:p>
@@ -1374,7 +5284,7 @@
           <a:p>
             <a:fld id="{B2DC25EE-239B-4C5F-AAD1-255A7D5F1EE2}" type="slidenum">
               <a:rPr lang="en-US" smtClean="0"/>
-              <a:t>‹N›</a:t>
+              <a:t>‹#›</a:t>
             </a:fld>
             <a:endParaRPr lang="en-US"/>
           </a:p>
@@ -1769,7 +5679,7 @@
           <a:p>
             <a:fld id="{02AC24A9-CCB6-4F8D-B8DB-C2F3692CFA5A}" type="datetimeFigureOut">
               <a:rPr lang="en-US" smtClean="0"/>
-              <a:t>5/18/2023</a:t>
+              <a:t>5/21/2023</a:t>
             </a:fld>
             <a:endParaRPr lang="en-US"/>
           </a:p>
@@ -1823,7 +5733,7 @@
           <a:p>
             <a:fld id="{B2DC25EE-239B-4C5F-AAD1-255A7D5F1EE2}" type="slidenum">
               <a:rPr lang="en-US" smtClean="0"/>
-              <a:t>‹N›</a:t>
+              <a:t>‹#›</a:t>
             </a:fld>
             <a:endParaRPr lang="en-US"/>
           </a:p>
@@ -2301,7 +6211,7 @@
           <a:p>
             <a:fld id="{02AC24A9-CCB6-4F8D-B8DB-C2F3692CFA5A}" type="datetimeFigureOut">
               <a:rPr lang="en-US" smtClean="0"/>
-              <a:t>5/18/2023</a:t>
+              <a:t>5/21/2023</a:t>
             </a:fld>
             <a:endParaRPr lang="en-US"/>
           </a:p>
@@ -2360,7 +6270,7 @@
           <a:p>
             <a:fld id="{B2DC25EE-239B-4C5F-AAD1-255A7D5F1EE2}" type="slidenum">
               <a:rPr lang="en-US" smtClean="0"/>
-              <a:t>‹N›</a:t>
+              <a:t>‹#›</a:t>
             </a:fld>
             <a:endParaRPr lang="en-US"/>
           </a:p>
@@ -3000,7 +6910,7 @@
           <a:p>
             <a:fld id="{02AC24A9-CCB6-4F8D-B8DB-C2F3692CFA5A}" type="datetimeFigureOut">
               <a:rPr lang="en-US" smtClean="0"/>
-              <a:t>5/18/2023</a:t>
+              <a:t>5/21/2023</a:t>
             </a:fld>
             <a:endParaRPr lang="en-US"/>
           </a:p>
@@ -3059,7 +6969,7 @@
           <a:p>
             <a:fld id="{B2DC25EE-239B-4C5F-AAD1-255A7D5F1EE2}" type="slidenum">
               <a:rPr lang="en-US" smtClean="0"/>
-              <a:t>‹N›</a:t>
+              <a:t>‹#›</a:t>
             </a:fld>
             <a:endParaRPr lang="en-US"/>
           </a:p>
@@ -3329,7 +7239,7 @@
           <a:p>
             <a:fld id="{02AC24A9-CCB6-4F8D-B8DB-C2F3692CFA5A}" type="datetimeFigureOut">
               <a:rPr lang="en-US" smtClean="0"/>
-              <a:t>5/18/2023</a:t>
+              <a:t>5/21/2023</a:t>
             </a:fld>
             <a:endParaRPr lang="en-US"/>
           </a:p>
@@ -3383,7 +7293,7 @@
           <a:p>
             <a:fld id="{B2DC25EE-239B-4C5F-AAD1-255A7D5F1EE2}" type="slidenum">
               <a:rPr lang="en-US" smtClean="0"/>
-              <a:t>‹N›</a:t>
+              <a:t>‹#›</a:t>
             </a:fld>
             <a:endParaRPr lang="en-US"/>
           </a:p>
@@ -3442,7 +7352,7 @@
           <a:p>
             <a:fld id="{02AC24A9-CCB6-4F8D-B8DB-C2F3692CFA5A}" type="datetimeFigureOut">
               <a:rPr lang="en-US" smtClean="0"/>
-              <a:t>5/18/2023</a:t>
+              <a:t>5/21/2023</a:t>
             </a:fld>
             <a:endParaRPr lang="en-US"/>
           </a:p>
@@ -3496,7 +7406,7 @@
           <a:p>
             <a:fld id="{B2DC25EE-239B-4C5F-AAD1-255A7D5F1EE2}" type="slidenum">
               <a:rPr lang="en-US" smtClean="0"/>
-              <a:t>‹N›</a:t>
+              <a:t>‹#›</a:t>
             </a:fld>
             <a:endParaRPr lang="en-US"/>
           </a:p>
@@ -3937,7 +7847,7 @@
           <a:p>
             <a:fld id="{02AC24A9-CCB6-4F8D-B8DB-C2F3692CFA5A}" type="datetimeFigureOut">
               <a:rPr lang="en-US" smtClean="0"/>
-              <a:t>5/18/2023</a:t>
+              <a:t>5/21/2023</a:t>
             </a:fld>
             <a:endParaRPr lang="en-US" dirty="0"/>
           </a:p>
@@ -3991,7 +7901,7 @@
           <a:p>
             <a:fld id="{B2DC25EE-239B-4C5F-AAD1-255A7D5F1EE2}" type="slidenum">
               <a:rPr lang="en-US" smtClean="0"/>
-              <a:t>‹N›</a:t>
+              <a:t>‹#›</a:t>
             </a:fld>
             <a:endParaRPr lang="en-US"/>
           </a:p>
@@ -4414,7 +8324,7 @@
           <a:p>
             <a:fld id="{02AC24A9-CCB6-4F8D-B8DB-C2F3692CFA5A}" type="datetimeFigureOut">
               <a:rPr lang="en-US" smtClean="0"/>
-              <a:t>5/18/2023</a:t>
+              <a:t>5/21/2023</a:t>
             </a:fld>
             <a:endParaRPr lang="en-US"/>
           </a:p>
@@ -4468,7 +8378,7 @@
           <a:p>
             <a:fld id="{B2DC25EE-239B-4C5F-AAD1-255A7D5F1EE2}" type="slidenum">
               <a:rPr lang="en-US" smtClean="0"/>
-              <a:t>‹N›</a:t>
+              <a:t>‹#›</a:t>
             </a:fld>
             <a:endParaRPr lang="en-US"/>
           </a:p>
@@ -4653,7 +8563,7 @@
           <a:p>
             <a:fld id="{02AC24A9-CCB6-4F8D-B8DB-C2F3692CFA5A}" type="datetimeFigureOut">
               <a:rPr lang="en-US" smtClean="0"/>
-              <a:t>5/18/2023</a:t>
+              <a:t>5/21/2023</a:t>
             </a:fld>
             <a:endParaRPr lang="en-US"/>
           </a:p>
@@ -4743,7 +8653,7 @@
           <a:p>
             <a:fld id="{B2DC25EE-239B-4C5F-AAD1-255A7D5F1EE2}" type="slidenum">
               <a:rPr lang="en-US" smtClean="0"/>
-              <a:t>‹N›</a:t>
+              <a:t>‹#›</a:t>
             </a:fld>
             <a:endParaRPr lang="en-US"/>
           </a:p>
@@ -5580,10 +9490,22 @@
   <p:clrMapOvr>
     <a:masterClrMapping/>
   </p:clrMapOvr>
+  <mc:AlternateContent xmlns:mc="http://schemas.openxmlformats.org/markup-compatibility/2006">
+    <mc:Choice xmlns:p159="http://schemas.microsoft.com/office/powerpoint/2015/09/main" Requires="p159">
+      <p:transition xmlns:p14="http://schemas.microsoft.com/office/powerpoint/2010/main" spd="slow" p14:dur="2000">
+        <p159:morph option="byObject"/>
+      </p:transition>
+    </mc:Choice>
+    <mc:Fallback>
+      <p:transition spd="slow">
+        <p:fade/>
+      </p:transition>
+    </mc:Fallback>
+  </mc:AlternateContent>
 </p:sld>
 </file>
 
-<file path=ppt/slides/slide2.xml><?xml version="1.0" encoding="utf-8"?>
+<file path=ppt/slides/slide10.xml><?xml version="1.0" encoding="utf-8"?>
 <p:sld xmlns:a="http://schemas.openxmlformats.org/drawingml/2006/main" xmlns:r="http://schemas.openxmlformats.org/officeDocument/2006/relationships" xmlns:p="http://schemas.openxmlformats.org/presentationml/2006/main">
   <p:cSld>
     <p:spTree>
@@ -5605,7 +9527,7 @@
           <p:cNvPr id="2" name="Titolo 1">
             <a:extLst>
               <a:ext uri="{FF2B5EF4-FFF2-40B4-BE49-F238E27FC236}">
-                <a16:creationId xmlns:a16="http://schemas.microsoft.com/office/drawing/2014/main" id="{154454CD-4916-8E1F-2D56-52B0118C0DEE}"/>
+                <a16:creationId xmlns:a16="http://schemas.microsoft.com/office/drawing/2014/main" id="{FA74FA27-809E-FA42-4923-899507F85FF8}"/>
               </a:ext>
             </a:extLst>
           </p:cNvPr>
@@ -5622,18 +9544,2314 @@
           <a:lstStyle/>
           <a:p>
             <a:r>
-              <a:rPr lang="it-IT" dirty="0" err="1"/>
-              <a:t>Theoretical</a:t>
+              <a:rPr lang="it-IT" dirty="0"/>
+              <a:t>PVsimulator class </a:t>
             </a:r>
+          </a:p>
+        </p:txBody>
+      </p:sp>
+      <p:sp>
+        <p:nvSpPr>
+          <p:cNvPr id="3" name="Rectangle: Rounded Corners 2">
+            <a:extLst>
+              <a:ext uri="{FF2B5EF4-FFF2-40B4-BE49-F238E27FC236}">
+                <a16:creationId xmlns:a16="http://schemas.microsoft.com/office/drawing/2014/main" id="{54D67E87-275C-12E7-B95E-F8958F9EE690}"/>
+              </a:ext>
+            </a:extLst>
+          </p:cNvPr>
+          <p:cNvSpPr/>
+          <p:nvPr/>
+        </p:nvSpPr>
+        <p:spPr>
+          <a:xfrm>
+            <a:off x="590204" y="2635135"/>
+            <a:ext cx="4746567" cy="3607723"/>
+          </a:xfrm>
+          <a:prstGeom prst="roundRect">
+            <a:avLst/>
+          </a:prstGeom>
+        </p:spPr>
+        <p:style>
+          <a:lnRef idx="2">
+            <a:schemeClr val="accent1">
+              <a:shade val="50000"/>
+            </a:schemeClr>
+          </a:lnRef>
+          <a:fillRef idx="1">
+            <a:schemeClr val="accent1"/>
+          </a:fillRef>
+          <a:effectRef idx="0">
+            <a:schemeClr val="accent1"/>
+          </a:effectRef>
+          <a:fontRef idx="minor">
+            <a:schemeClr val="lt1"/>
+          </a:fontRef>
+        </p:style>
+        <p:txBody>
+          <a:bodyPr rtlCol="0" anchor="ctr"/>
+          <a:lstStyle/>
+          <a:p>
+            <a:pPr algn="ctr"/>
+            <a:endParaRPr lang="it-IT" dirty="0"/>
+          </a:p>
+        </p:txBody>
+      </p:sp>
+      <p:sp>
+        <p:nvSpPr>
+          <p:cNvPr id="4" name="Rectangle: Rounded Corners 3">
+            <a:extLst>
+              <a:ext uri="{FF2B5EF4-FFF2-40B4-BE49-F238E27FC236}">
+                <a16:creationId xmlns:a16="http://schemas.microsoft.com/office/drawing/2014/main" id="{199BE6D5-8E78-4DD9-CC2D-391E5BDEF584}"/>
+              </a:ext>
+            </a:extLst>
+          </p:cNvPr>
+          <p:cNvSpPr/>
+          <p:nvPr/>
+        </p:nvSpPr>
+        <p:spPr>
+          <a:xfrm>
+            <a:off x="6855231" y="2635134"/>
+            <a:ext cx="4746567" cy="3607723"/>
+          </a:xfrm>
+          <a:prstGeom prst="roundRect">
+            <a:avLst/>
+          </a:prstGeom>
+        </p:spPr>
+        <p:style>
+          <a:lnRef idx="2">
+            <a:schemeClr val="accent1">
+              <a:shade val="50000"/>
+            </a:schemeClr>
+          </a:lnRef>
+          <a:fillRef idx="1">
+            <a:schemeClr val="accent1"/>
+          </a:fillRef>
+          <a:effectRef idx="0">
+            <a:schemeClr val="accent1"/>
+          </a:effectRef>
+          <a:fontRef idx="minor">
+            <a:schemeClr val="lt1"/>
+          </a:fontRef>
+        </p:style>
+        <p:txBody>
+          <a:bodyPr rtlCol="0" anchor="ctr"/>
+          <a:lstStyle/>
+          <a:p>
+            <a:pPr algn="ctr"/>
+            <a:endParaRPr lang="it-IT"/>
+          </a:p>
+        </p:txBody>
+      </p:sp>
+      <p:sp>
+        <p:nvSpPr>
+          <p:cNvPr id="5" name="Arrow: Right 4">
+            <a:extLst>
+              <a:ext uri="{FF2B5EF4-FFF2-40B4-BE49-F238E27FC236}">
+                <a16:creationId xmlns:a16="http://schemas.microsoft.com/office/drawing/2014/main" id="{4B471671-866F-77EF-3CC3-D41AC284B594}"/>
+              </a:ext>
+            </a:extLst>
+          </p:cNvPr>
+          <p:cNvSpPr/>
+          <p:nvPr/>
+        </p:nvSpPr>
+        <p:spPr>
+          <a:xfrm>
+            <a:off x="5519651" y="4181302"/>
+            <a:ext cx="1163782" cy="523702"/>
+          </a:xfrm>
+          <a:prstGeom prst="rightArrow">
+            <a:avLst/>
+          </a:prstGeom>
+        </p:spPr>
+        <p:style>
+          <a:lnRef idx="2">
+            <a:schemeClr val="dk1">
+              <a:shade val="50000"/>
+            </a:schemeClr>
+          </a:lnRef>
+          <a:fillRef idx="1">
+            <a:schemeClr val="dk1"/>
+          </a:fillRef>
+          <a:effectRef idx="0">
+            <a:schemeClr val="dk1"/>
+          </a:effectRef>
+          <a:fontRef idx="minor">
+            <a:schemeClr val="lt1"/>
+          </a:fontRef>
+        </p:style>
+        <p:txBody>
+          <a:bodyPr rtlCol="0" anchor="ctr"/>
+          <a:lstStyle/>
+          <a:p>
+            <a:pPr algn="ctr"/>
+            <a:endParaRPr lang="it-IT"/>
+          </a:p>
+        </p:txBody>
+      </p:sp>
+      <p:sp>
+        <p:nvSpPr>
+          <p:cNvPr id="6" name="TextBox 5">
+            <a:extLst>
+              <a:ext uri="{FF2B5EF4-FFF2-40B4-BE49-F238E27FC236}">
+                <a16:creationId xmlns:a16="http://schemas.microsoft.com/office/drawing/2014/main" id="{DAC31680-9613-2C0F-3B17-82D3FAAD4627}"/>
+              </a:ext>
+            </a:extLst>
+          </p:cNvPr>
+          <p:cNvSpPr txBox="1"/>
+          <p:nvPr/>
+        </p:nvSpPr>
+        <p:spPr>
+          <a:xfrm>
+            <a:off x="1022465" y="2851265"/>
+            <a:ext cx="3948546" cy="382386"/>
+          </a:xfrm>
+          <a:prstGeom prst="rect">
+            <a:avLst/>
+          </a:prstGeom>
+          <a:noFill/>
+        </p:spPr>
+        <p:txBody>
+          <a:bodyPr wrap="square" rtlCol="0">
+            <a:spAutoFit/>
+          </a:bodyPr>
+          <a:lstStyle/>
+          <a:p>
+            <a:pPr algn="ctr"/>
             <a:r>
               <a:rPr lang="it-IT" dirty="0"/>
-              <a:t> </a:t>
+              <a:t>Input</a:t>
             </a:r>
+          </a:p>
+        </p:txBody>
+      </p:sp>
+      <p:sp>
+        <p:nvSpPr>
+          <p:cNvPr id="7" name="TextBox 6">
+            <a:extLst>
+              <a:ext uri="{FF2B5EF4-FFF2-40B4-BE49-F238E27FC236}">
+                <a16:creationId xmlns:a16="http://schemas.microsoft.com/office/drawing/2014/main" id="{845CD37C-B9D6-D0DA-1ACC-0BF09685DA0F}"/>
+              </a:ext>
+            </a:extLst>
+          </p:cNvPr>
+          <p:cNvSpPr txBox="1"/>
+          <p:nvPr/>
+        </p:nvSpPr>
+        <p:spPr>
+          <a:xfrm>
+            <a:off x="7254241" y="2851265"/>
+            <a:ext cx="3948546" cy="382386"/>
+          </a:xfrm>
+          <a:prstGeom prst="rect">
+            <a:avLst/>
+          </a:prstGeom>
+          <a:noFill/>
+        </p:spPr>
+        <p:txBody>
+          <a:bodyPr wrap="square" rtlCol="0">
+            <a:spAutoFit/>
+          </a:bodyPr>
+          <a:lstStyle/>
+          <a:p>
+            <a:pPr algn="ctr"/>
             <a:r>
-              <a:rPr lang="it-IT" dirty="0" err="1"/>
-              <a:t>outlines</a:t>
+              <a:rPr lang="it-IT" dirty="0"/>
+              <a:t>Output</a:t>
+            </a:r>
+          </a:p>
+        </p:txBody>
+      </p:sp>
+      <p:sp>
+        <p:nvSpPr>
+          <p:cNvPr id="8" name="Arrow: Right 7">
+            <a:extLst>
+              <a:ext uri="{FF2B5EF4-FFF2-40B4-BE49-F238E27FC236}">
+                <a16:creationId xmlns:a16="http://schemas.microsoft.com/office/drawing/2014/main" id="{F5F79632-4F35-EF39-7927-2F5CD10BD189}"/>
+              </a:ext>
+            </a:extLst>
+          </p:cNvPr>
+          <p:cNvSpPr/>
+          <p:nvPr/>
+        </p:nvSpPr>
+        <p:spPr>
+          <a:xfrm>
+            <a:off x="-681643" y="4177144"/>
+            <a:ext cx="1163782" cy="523702"/>
+          </a:xfrm>
+          <a:prstGeom prst="rightArrow">
+            <a:avLst/>
+          </a:prstGeom>
+        </p:spPr>
+        <p:style>
+          <a:lnRef idx="2">
+            <a:schemeClr val="dk1">
+              <a:shade val="50000"/>
+            </a:schemeClr>
+          </a:lnRef>
+          <a:fillRef idx="1">
+            <a:schemeClr val="dk1"/>
+          </a:fillRef>
+          <a:effectRef idx="0">
+            <a:schemeClr val="dk1"/>
+          </a:effectRef>
+          <a:fontRef idx="minor">
+            <a:schemeClr val="lt1"/>
+          </a:fontRef>
+        </p:style>
+        <p:txBody>
+          <a:bodyPr rtlCol="0" anchor="ctr"/>
+          <a:lstStyle/>
+          <a:p>
+            <a:pPr algn="ctr"/>
+            <a:endParaRPr lang="it-IT"/>
+          </a:p>
+        </p:txBody>
+      </p:sp>
+    </p:spTree>
+    <p:extLst>
+      <p:ext uri="{BB962C8B-B14F-4D97-AF65-F5344CB8AC3E}">
+        <p14:creationId xmlns:p14="http://schemas.microsoft.com/office/powerpoint/2010/main" val="3459628496"/>
+      </p:ext>
+    </p:extLst>
+  </p:cSld>
+  <p:clrMapOvr>
+    <a:masterClrMapping/>
+  </p:clrMapOvr>
+</p:sld>
+</file>
+
+<file path=ppt/slides/slide11.xml><?xml version="1.0" encoding="utf-8"?>
+<p:sld xmlns:a="http://schemas.openxmlformats.org/drawingml/2006/main" xmlns:r="http://schemas.openxmlformats.org/officeDocument/2006/relationships" xmlns:p="http://schemas.openxmlformats.org/presentationml/2006/main">
+  <p:cSld>
+    <p:spTree>
+      <p:nvGrpSpPr>
+        <p:cNvPr id="1" name=""/>
+        <p:cNvGrpSpPr/>
+        <p:nvPr/>
+      </p:nvGrpSpPr>
+      <p:grpSpPr>
+        <a:xfrm>
+          <a:off x="0" y="0"/>
+          <a:ext cx="0" cy="0"/>
+          <a:chOff x="0" y="0"/>
+          <a:chExt cx="0" cy="0"/>
+        </a:xfrm>
+      </p:grpSpPr>
+      <p:sp>
+        <p:nvSpPr>
+          <p:cNvPr id="2" name="Title 1">
+            <a:extLst>
+              <a:ext uri="{FF2B5EF4-FFF2-40B4-BE49-F238E27FC236}">
+                <a16:creationId xmlns:a16="http://schemas.microsoft.com/office/drawing/2014/main" id="{C0C1A6D4-E0E2-258F-B5D2-BEFCEA4BFE29}"/>
+              </a:ext>
+            </a:extLst>
+          </p:cNvPr>
+          <p:cNvSpPr>
+            <a:spLocks noGrp="1"/>
+          </p:cNvSpPr>
+          <p:nvPr>
+            <p:ph type="title"/>
+          </p:nvPr>
+        </p:nvSpPr>
+        <p:spPr/>
+        <p:txBody>
+          <a:bodyPr/>
+          <a:lstStyle/>
+          <a:p>
+            <a:r>
+              <a:rPr lang="it-IT" dirty="0"/>
+              <a:t>I-V Curve for the PV</a:t>
+            </a:r>
+          </a:p>
+        </p:txBody>
+      </p:sp>
+      <p:sp>
+        <p:nvSpPr>
+          <p:cNvPr id="5" name="Text Placeholder 4">
+            <a:extLst>
+              <a:ext uri="{FF2B5EF4-FFF2-40B4-BE49-F238E27FC236}">
+                <a16:creationId xmlns:a16="http://schemas.microsoft.com/office/drawing/2014/main" id="{16145E4B-3CF8-D0D0-7C49-97AB03DF10D3}"/>
+              </a:ext>
+            </a:extLst>
+          </p:cNvPr>
+          <p:cNvSpPr>
+            <a:spLocks noGrp="1"/>
+          </p:cNvSpPr>
+          <p:nvPr>
+            <p:ph type="body" sz="half" idx="2"/>
+          </p:nvPr>
+        </p:nvSpPr>
+        <p:spPr/>
+        <p:txBody>
+          <a:bodyPr>
+            <a:normAutofit fontScale="85000" lnSpcReduction="20000"/>
+          </a:bodyPr>
+          <a:lstStyle/>
+          <a:p>
+            <a:r>
+              <a:rPr lang="en-US" dirty="0"/>
+              <a:t>The I-V (current-voltage) curve is a graphical representation that shows the relationship between the current and voltage outputs of a solar panel or any electronic device. It provides valuable information about the panel's performance, efficiency, and power generation capabilities.</a:t>
             </a:r>
             <a:endParaRPr lang="it-IT" dirty="0"/>
+          </a:p>
+        </p:txBody>
+      </p:sp>
+      <p:pic>
+        <p:nvPicPr>
+          <p:cNvPr id="13" name="Picture 12" descr="A picture containing text, screenshot, line, diagram&#10;&#10;Description automatically generated">
+            <a:extLst>
+              <a:ext uri="{FF2B5EF4-FFF2-40B4-BE49-F238E27FC236}">
+                <a16:creationId xmlns:a16="http://schemas.microsoft.com/office/drawing/2014/main" id="{5804D2A8-4A8E-9406-BA2D-B40A64A51AEA}"/>
+              </a:ext>
+            </a:extLst>
+          </p:cNvPr>
+          <p:cNvPicPr>
+            <a:picLocks noChangeAspect="1"/>
+          </p:cNvPicPr>
+          <p:nvPr/>
+        </p:nvPicPr>
+        <p:blipFill rotWithShape="1">
+          <a:blip r:embed="rId2">
+            <a:extLst>
+              <a:ext uri="{28A0092B-C50C-407E-A947-70E740481C1C}">
+                <a14:useLocalDpi xmlns:a14="http://schemas.microsoft.com/office/drawing/2010/main" val="0"/>
+              </a:ext>
+            </a:extLst>
+          </a:blip>
+          <a:srcRect r="13681" b="1025"/>
+          <a:stretch/>
+        </p:blipFill>
+        <p:spPr>
+          <a:xfrm>
+            <a:off x="4391584" y="1006671"/>
+            <a:ext cx="7663844" cy="4862945"/>
+          </a:xfrm>
+          <a:prstGeom prst="rect">
+            <a:avLst/>
+          </a:prstGeom>
+        </p:spPr>
+      </p:pic>
+      <p:sp>
+        <p:nvSpPr>
+          <p:cNvPr id="14" name="Titolo 1">
+            <a:extLst>
+              <a:ext uri="{FF2B5EF4-FFF2-40B4-BE49-F238E27FC236}">
+                <a16:creationId xmlns:a16="http://schemas.microsoft.com/office/drawing/2014/main" id="{7FDBCCB5-F0AF-580B-2F09-898B232B7B66}"/>
+              </a:ext>
+            </a:extLst>
+          </p:cNvPr>
+          <p:cNvSpPr txBox="1">
+            <a:spLocks/>
+          </p:cNvSpPr>
+          <p:nvPr/>
+        </p:nvSpPr>
+        <p:spPr>
+          <a:xfrm>
+            <a:off x="616804" y="249382"/>
+            <a:ext cx="10996076" cy="623454"/>
+          </a:xfrm>
+          <a:prstGeom prst="rect">
+            <a:avLst/>
+          </a:prstGeom>
+        </p:spPr>
+        <p:txBody>
+          <a:bodyPr lIns="91440" tIns="45720" rIns="91440" bIns="45720" anchor="t">
+            <a:normAutofit/>
+          </a:bodyPr>
+          <a:lstStyle>
+            <a:lvl1pPr algn="l" defTabSz="914400" rtl="0" eaLnBrk="1" latinLnBrk="0" hangingPunct="1">
+              <a:lnSpc>
+                <a:spcPct val="100000"/>
+              </a:lnSpc>
+              <a:spcBef>
+                <a:spcPct val="0"/>
+              </a:spcBef>
+              <a:buNone/>
+              <a:defRPr sz="3400" b="1" kern="1200">
+                <a:solidFill>
+                  <a:schemeClr val="tx1"/>
+                </a:solidFill>
+                <a:latin typeface="+mj-lt"/>
+                <a:ea typeface="+mj-ea"/>
+                <a:cs typeface="+mj-cs"/>
+              </a:defRPr>
+            </a:lvl1pPr>
+          </a:lstStyle>
+          <a:p>
+            <a:r>
+              <a:rPr lang="it-IT" dirty="0"/>
+              <a:t>Results without Shadow</a:t>
+            </a:r>
+          </a:p>
+        </p:txBody>
+      </p:sp>
+    </p:spTree>
+    <p:extLst>
+      <p:ext uri="{BB962C8B-B14F-4D97-AF65-F5344CB8AC3E}">
+        <p14:creationId xmlns:p14="http://schemas.microsoft.com/office/powerpoint/2010/main" val="1539801563"/>
+      </p:ext>
+    </p:extLst>
+  </p:cSld>
+  <p:clrMapOvr>
+    <a:masterClrMapping/>
+  </p:clrMapOvr>
+  <mc:AlternateContent xmlns:mc="http://schemas.openxmlformats.org/markup-compatibility/2006">
+    <mc:Choice xmlns:p159="http://schemas.microsoft.com/office/powerpoint/2015/09/main" Requires="p159">
+      <p:transition xmlns:p14="http://schemas.microsoft.com/office/powerpoint/2010/main" spd="slow" p14:dur="2000">
+        <p159:morph option="byObject"/>
+      </p:transition>
+    </mc:Choice>
+    <mc:Fallback>
+      <p:transition spd="slow">
+        <p:fade/>
+      </p:transition>
+    </mc:Fallback>
+  </mc:AlternateContent>
+</p:sld>
+</file>
+
+<file path=ppt/slides/slide12.xml><?xml version="1.0" encoding="utf-8"?>
+<p:sld xmlns:a="http://schemas.openxmlformats.org/drawingml/2006/main" xmlns:r="http://schemas.openxmlformats.org/officeDocument/2006/relationships" xmlns:p="http://schemas.openxmlformats.org/presentationml/2006/main">
+  <p:cSld>
+    <p:spTree>
+      <p:nvGrpSpPr>
+        <p:cNvPr id="1" name=""/>
+        <p:cNvGrpSpPr/>
+        <p:nvPr/>
+      </p:nvGrpSpPr>
+      <p:grpSpPr>
+        <a:xfrm>
+          <a:off x="0" y="0"/>
+          <a:ext cx="0" cy="0"/>
+          <a:chOff x="0" y="0"/>
+          <a:chExt cx="0" cy="0"/>
+        </a:xfrm>
+      </p:grpSpPr>
+      <p:sp>
+        <p:nvSpPr>
+          <p:cNvPr id="2" name="Title 1">
+            <a:extLst>
+              <a:ext uri="{FF2B5EF4-FFF2-40B4-BE49-F238E27FC236}">
+                <a16:creationId xmlns:a16="http://schemas.microsoft.com/office/drawing/2014/main" id="{D76A055C-76FC-6350-F961-8BD0E9393EA8}"/>
+              </a:ext>
+            </a:extLst>
+          </p:cNvPr>
+          <p:cNvSpPr>
+            <a:spLocks noGrp="1"/>
+          </p:cNvSpPr>
+          <p:nvPr>
+            <p:ph type="title"/>
+          </p:nvPr>
+        </p:nvSpPr>
+        <p:spPr/>
+        <p:txBody>
+          <a:bodyPr/>
+          <a:lstStyle/>
+          <a:p>
+            <a:r>
+              <a:rPr lang="it-IT" dirty="0"/>
+              <a:t>The Series </a:t>
+            </a:r>
+            <a:br>
+              <a:rPr lang="it-IT" dirty="0"/>
+            </a:br>
+            <a:r>
+              <a:rPr lang="it-IT" dirty="0"/>
+              <a:t>I-V Curve</a:t>
+            </a:r>
+          </a:p>
+        </p:txBody>
+      </p:sp>
+      <p:sp>
+        <p:nvSpPr>
+          <p:cNvPr id="11" name="Text Placeholder 10">
+            <a:extLst>
+              <a:ext uri="{FF2B5EF4-FFF2-40B4-BE49-F238E27FC236}">
+                <a16:creationId xmlns:a16="http://schemas.microsoft.com/office/drawing/2014/main" id="{0498C140-7BC8-AB23-BB2A-D69FE20058B4}"/>
+              </a:ext>
+            </a:extLst>
+          </p:cNvPr>
+          <p:cNvSpPr>
+            <a:spLocks noGrp="1"/>
+          </p:cNvSpPr>
+          <p:nvPr>
+            <p:ph type="body" sz="half" idx="2"/>
+          </p:nvPr>
+        </p:nvSpPr>
+        <p:spPr/>
+        <p:txBody>
+          <a:bodyPr>
+            <a:normAutofit fontScale="77500" lnSpcReduction="20000"/>
+          </a:bodyPr>
+          <a:lstStyle/>
+          <a:p>
+            <a:r>
+              <a:rPr lang="en-US" dirty="0"/>
+              <a:t>The I-V (current-voltage) curve for a series of PV (photovoltaic) panels represents the relationship between the current and voltage outputs when multiple panels are connected in a series configuration. It helps assess the combined performance and power generation of the interconnected panels.</a:t>
+            </a:r>
+            <a:endParaRPr lang="it-IT" dirty="0"/>
+          </a:p>
+        </p:txBody>
+      </p:sp>
+      <p:pic>
+        <p:nvPicPr>
+          <p:cNvPr id="16" name="Picture Placeholder 15" descr="A picture containing text, diagram, line, parallel&#10;&#10;Description automatically generated">
+            <a:extLst>
+              <a:ext uri="{FF2B5EF4-FFF2-40B4-BE49-F238E27FC236}">
+                <a16:creationId xmlns:a16="http://schemas.microsoft.com/office/drawing/2014/main" id="{657F0810-455A-B29A-AE7B-75DBEA8819E6}"/>
+              </a:ext>
+            </a:extLst>
+          </p:cNvPr>
+          <p:cNvPicPr>
+            <a:picLocks noGrp="1" noChangeAspect="1"/>
+          </p:cNvPicPr>
+          <p:nvPr>
+            <p:ph type="pic" idx="1"/>
+          </p:nvPr>
+        </p:nvPicPr>
+        <p:blipFill>
+          <a:blip r:embed="rId2">
+            <a:extLst>
+              <a:ext uri="{28A0092B-C50C-407E-A947-70E740481C1C}">
+                <a14:useLocalDpi xmlns:a14="http://schemas.microsoft.com/office/drawing/2010/main" val="0"/>
+              </a:ext>
+            </a:extLst>
+          </a:blip>
+          <a:srcRect t="2545" b="2545"/>
+          <a:stretch>
+            <a:fillRect/>
+          </a:stretch>
+        </p:blipFill>
+        <p:spPr/>
+      </p:pic>
+      <p:sp>
+        <p:nvSpPr>
+          <p:cNvPr id="4" name="Titolo 1">
+            <a:extLst>
+              <a:ext uri="{FF2B5EF4-FFF2-40B4-BE49-F238E27FC236}">
+                <a16:creationId xmlns:a16="http://schemas.microsoft.com/office/drawing/2014/main" id="{FFA46C98-8E79-DAFE-EFEA-761E6D599A44}"/>
+              </a:ext>
+            </a:extLst>
+          </p:cNvPr>
+          <p:cNvSpPr txBox="1">
+            <a:spLocks/>
+          </p:cNvSpPr>
+          <p:nvPr/>
+        </p:nvSpPr>
+        <p:spPr>
+          <a:xfrm>
+            <a:off x="616804" y="249382"/>
+            <a:ext cx="10996076" cy="623454"/>
+          </a:xfrm>
+          <a:prstGeom prst="rect">
+            <a:avLst/>
+          </a:prstGeom>
+        </p:spPr>
+        <p:txBody>
+          <a:bodyPr lIns="91440" tIns="45720" rIns="91440" bIns="45720" anchor="t">
+            <a:normAutofit/>
+          </a:bodyPr>
+          <a:lstStyle>
+            <a:lvl1pPr algn="l" defTabSz="914400" rtl="0" eaLnBrk="1" latinLnBrk="0" hangingPunct="1">
+              <a:lnSpc>
+                <a:spcPct val="100000"/>
+              </a:lnSpc>
+              <a:spcBef>
+                <a:spcPct val="0"/>
+              </a:spcBef>
+              <a:buNone/>
+              <a:defRPr sz="3400" b="1" kern="1200">
+                <a:solidFill>
+                  <a:schemeClr val="tx1"/>
+                </a:solidFill>
+                <a:latin typeface="+mj-lt"/>
+                <a:ea typeface="+mj-ea"/>
+                <a:cs typeface="+mj-cs"/>
+              </a:defRPr>
+            </a:lvl1pPr>
+          </a:lstStyle>
+          <a:p>
+            <a:r>
+              <a:rPr lang="it-IT" dirty="0"/>
+              <a:t>Results without Shadow</a:t>
+            </a:r>
+          </a:p>
+        </p:txBody>
+      </p:sp>
+    </p:spTree>
+    <p:extLst>
+      <p:ext uri="{BB962C8B-B14F-4D97-AF65-F5344CB8AC3E}">
+        <p14:creationId xmlns:p14="http://schemas.microsoft.com/office/powerpoint/2010/main" val="935037914"/>
+      </p:ext>
+    </p:extLst>
+  </p:cSld>
+  <p:clrMapOvr>
+    <a:masterClrMapping/>
+  </p:clrMapOvr>
+  <mc:AlternateContent xmlns:mc="http://schemas.openxmlformats.org/markup-compatibility/2006">
+    <mc:Choice xmlns:p159="http://schemas.microsoft.com/office/powerpoint/2015/09/main" Requires="p159">
+      <p:transition xmlns:p14="http://schemas.microsoft.com/office/powerpoint/2010/main" spd="slow" p14:dur="2000">
+        <p159:morph option="byObject"/>
+      </p:transition>
+    </mc:Choice>
+    <mc:Fallback>
+      <p:transition spd="slow">
+        <p:fade/>
+      </p:transition>
+    </mc:Fallback>
+  </mc:AlternateContent>
+</p:sld>
+</file>
+
+<file path=ppt/slides/slide13.xml><?xml version="1.0" encoding="utf-8"?>
+<p:sld xmlns:a="http://schemas.openxmlformats.org/drawingml/2006/main" xmlns:r="http://schemas.openxmlformats.org/officeDocument/2006/relationships" xmlns:p="http://schemas.openxmlformats.org/presentationml/2006/main">
+  <p:cSld>
+    <p:spTree>
+      <p:nvGrpSpPr>
+        <p:cNvPr id="1" name=""/>
+        <p:cNvGrpSpPr/>
+        <p:nvPr/>
+      </p:nvGrpSpPr>
+      <p:grpSpPr>
+        <a:xfrm>
+          <a:off x="0" y="0"/>
+          <a:ext cx="0" cy="0"/>
+          <a:chOff x="0" y="0"/>
+          <a:chExt cx="0" cy="0"/>
+        </a:xfrm>
+      </p:grpSpPr>
+      <p:sp>
+        <p:nvSpPr>
+          <p:cNvPr id="2" name="Title 1">
+            <a:extLst>
+              <a:ext uri="{FF2B5EF4-FFF2-40B4-BE49-F238E27FC236}">
+                <a16:creationId xmlns:a16="http://schemas.microsoft.com/office/drawing/2014/main" id="{D76A055C-76FC-6350-F961-8BD0E9393EA8}"/>
+              </a:ext>
+            </a:extLst>
+          </p:cNvPr>
+          <p:cNvSpPr>
+            <a:spLocks noGrp="1"/>
+          </p:cNvSpPr>
+          <p:nvPr>
+            <p:ph type="title"/>
+          </p:nvPr>
+        </p:nvSpPr>
+        <p:spPr/>
+        <p:txBody>
+          <a:bodyPr/>
+          <a:lstStyle/>
+          <a:p>
+            <a:r>
+              <a:rPr lang="it-IT" dirty="0"/>
+              <a:t>The Parallel </a:t>
+            </a:r>
+            <a:br>
+              <a:rPr lang="it-IT" dirty="0"/>
+            </a:br>
+            <a:r>
+              <a:rPr lang="it-IT" dirty="0"/>
+              <a:t>Power curve</a:t>
+            </a:r>
+          </a:p>
+        </p:txBody>
+      </p:sp>
+      <p:sp>
+        <p:nvSpPr>
+          <p:cNvPr id="11" name="Text Placeholder 10">
+            <a:extLst>
+              <a:ext uri="{FF2B5EF4-FFF2-40B4-BE49-F238E27FC236}">
+                <a16:creationId xmlns:a16="http://schemas.microsoft.com/office/drawing/2014/main" id="{0498C140-7BC8-AB23-BB2A-D69FE20058B4}"/>
+              </a:ext>
+            </a:extLst>
+          </p:cNvPr>
+          <p:cNvSpPr>
+            <a:spLocks noGrp="1"/>
+          </p:cNvSpPr>
+          <p:nvPr>
+            <p:ph type="body" sz="half" idx="2"/>
+          </p:nvPr>
+        </p:nvSpPr>
+        <p:spPr/>
+        <p:txBody>
+          <a:bodyPr>
+            <a:normAutofit fontScale="77500" lnSpcReduction="20000"/>
+          </a:bodyPr>
+          <a:lstStyle/>
+          <a:p>
+            <a:r>
+              <a:rPr lang="en-US" dirty="0"/>
+              <a:t>A parallel configuration of PV (photovoltaic) panels involves connecting multiple panels side by side, with their positive terminals connected together and negative terminals connected together. This setup increases the overall current output while maintaining the same voltage level, resulting in higher power generation capacity.</a:t>
+            </a:r>
+            <a:endParaRPr lang="it-IT" dirty="0"/>
+          </a:p>
+        </p:txBody>
+      </p:sp>
+      <p:pic>
+        <p:nvPicPr>
+          <p:cNvPr id="7" name="Picture Placeholder 6" descr="A picture containing diagram, text, plot, line&#10;&#10;Description automatically generated">
+            <a:extLst>
+              <a:ext uri="{FF2B5EF4-FFF2-40B4-BE49-F238E27FC236}">
+                <a16:creationId xmlns:a16="http://schemas.microsoft.com/office/drawing/2014/main" id="{DC9040EC-9B0D-F20A-1EE2-897E9466E517}"/>
+              </a:ext>
+            </a:extLst>
+          </p:cNvPr>
+          <p:cNvPicPr>
+            <a:picLocks noGrp="1" noChangeAspect="1"/>
+          </p:cNvPicPr>
+          <p:nvPr>
+            <p:ph type="pic" idx="1"/>
+          </p:nvPr>
+        </p:nvPicPr>
+        <p:blipFill>
+          <a:blip r:embed="rId2">
+            <a:extLst>
+              <a:ext uri="{28A0092B-C50C-407E-A947-70E740481C1C}">
+                <a14:useLocalDpi xmlns:a14="http://schemas.microsoft.com/office/drawing/2010/main" val="0"/>
+              </a:ext>
+            </a:extLst>
+          </a:blip>
+          <a:srcRect t="4742" b="4742"/>
+          <a:stretch>
+            <a:fillRect/>
+          </a:stretch>
+        </p:blipFill>
+        <p:spPr/>
+      </p:pic>
+      <p:sp>
+        <p:nvSpPr>
+          <p:cNvPr id="3" name="Titolo 1">
+            <a:extLst>
+              <a:ext uri="{FF2B5EF4-FFF2-40B4-BE49-F238E27FC236}">
+                <a16:creationId xmlns:a16="http://schemas.microsoft.com/office/drawing/2014/main" id="{894DEC22-82C4-39CE-2ED7-76DCA11066CA}"/>
+              </a:ext>
+            </a:extLst>
+          </p:cNvPr>
+          <p:cNvSpPr txBox="1">
+            <a:spLocks/>
+          </p:cNvSpPr>
+          <p:nvPr/>
+        </p:nvSpPr>
+        <p:spPr>
+          <a:xfrm>
+            <a:off x="616804" y="249382"/>
+            <a:ext cx="10996076" cy="623454"/>
+          </a:xfrm>
+          <a:prstGeom prst="rect">
+            <a:avLst/>
+          </a:prstGeom>
+        </p:spPr>
+        <p:txBody>
+          <a:bodyPr lIns="91440" tIns="45720" rIns="91440" bIns="45720" anchor="t">
+            <a:normAutofit/>
+          </a:bodyPr>
+          <a:lstStyle>
+            <a:lvl1pPr algn="l" defTabSz="914400" rtl="0" eaLnBrk="1" latinLnBrk="0" hangingPunct="1">
+              <a:lnSpc>
+                <a:spcPct val="100000"/>
+              </a:lnSpc>
+              <a:spcBef>
+                <a:spcPct val="0"/>
+              </a:spcBef>
+              <a:buNone/>
+              <a:defRPr sz="3400" b="1" kern="1200">
+                <a:solidFill>
+                  <a:schemeClr val="tx1"/>
+                </a:solidFill>
+                <a:latin typeface="+mj-lt"/>
+                <a:ea typeface="+mj-ea"/>
+                <a:cs typeface="+mj-cs"/>
+              </a:defRPr>
+            </a:lvl1pPr>
+          </a:lstStyle>
+          <a:p>
+            <a:r>
+              <a:rPr lang="it-IT" dirty="0"/>
+              <a:t>Results without Shadow</a:t>
+            </a:r>
+          </a:p>
+        </p:txBody>
+      </p:sp>
+    </p:spTree>
+    <p:extLst>
+      <p:ext uri="{BB962C8B-B14F-4D97-AF65-F5344CB8AC3E}">
+        <p14:creationId xmlns:p14="http://schemas.microsoft.com/office/powerpoint/2010/main" val="2065435327"/>
+      </p:ext>
+    </p:extLst>
+  </p:cSld>
+  <p:clrMapOvr>
+    <a:masterClrMapping/>
+  </p:clrMapOvr>
+  <mc:AlternateContent xmlns:mc="http://schemas.openxmlformats.org/markup-compatibility/2006">
+    <mc:Choice xmlns:p159="http://schemas.microsoft.com/office/powerpoint/2015/09/main" Requires="p159">
+      <p:transition xmlns:p14="http://schemas.microsoft.com/office/powerpoint/2010/main" spd="slow" p14:dur="2000">
+        <p159:morph option="byObject"/>
+      </p:transition>
+    </mc:Choice>
+    <mc:Fallback>
+      <p:transition spd="slow">
+        <p:fade/>
+      </p:transition>
+    </mc:Fallback>
+  </mc:AlternateContent>
+</p:sld>
+</file>
+
+<file path=ppt/slides/slide14.xml><?xml version="1.0" encoding="utf-8"?>
+<p:sld xmlns:a="http://schemas.openxmlformats.org/drawingml/2006/main" xmlns:r="http://schemas.openxmlformats.org/officeDocument/2006/relationships" xmlns:p="http://schemas.openxmlformats.org/presentationml/2006/main">
+  <p:cSld>
+    <p:spTree>
+      <p:nvGrpSpPr>
+        <p:cNvPr id="1" name=""/>
+        <p:cNvGrpSpPr/>
+        <p:nvPr/>
+      </p:nvGrpSpPr>
+      <p:grpSpPr>
+        <a:xfrm>
+          <a:off x="0" y="0"/>
+          <a:ext cx="0" cy="0"/>
+          <a:chOff x="0" y="0"/>
+          <a:chExt cx="0" cy="0"/>
+        </a:xfrm>
+      </p:grpSpPr>
+      <p:sp>
+        <p:nvSpPr>
+          <p:cNvPr id="2" name="Title 1">
+            <a:extLst>
+              <a:ext uri="{FF2B5EF4-FFF2-40B4-BE49-F238E27FC236}">
+                <a16:creationId xmlns:a16="http://schemas.microsoft.com/office/drawing/2014/main" id="{C0C1A6D4-E0E2-258F-B5D2-BEFCEA4BFE29}"/>
+              </a:ext>
+            </a:extLst>
+          </p:cNvPr>
+          <p:cNvSpPr>
+            <a:spLocks noGrp="1"/>
+          </p:cNvSpPr>
+          <p:nvPr>
+            <p:ph type="title"/>
+          </p:nvPr>
+        </p:nvSpPr>
+        <p:spPr/>
+        <p:txBody>
+          <a:bodyPr/>
+          <a:lstStyle/>
+          <a:p>
+            <a:r>
+              <a:rPr lang="it-IT" dirty="0"/>
+              <a:t>I-V Curve for the PV</a:t>
+            </a:r>
+          </a:p>
+        </p:txBody>
+      </p:sp>
+      <p:sp>
+        <p:nvSpPr>
+          <p:cNvPr id="5" name="Text Placeholder 4">
+            <a:extLst>
+              <a:ext uri="{FF2B5EF4-FFF2-40B4-BE49-F238E27FC236}">
+                <a16:creationId xmlns:a16="http://schemas.microsoft.com/office/drawing/2014/main" id="{16145E4B-3CF8-D0D0-7C49-97AB03DF10D3}"/>
+              </a:ext>
+            </a:extLst>
+          </p:cNvPr>
+          <p:cNvSpPr>
+            <a:spLocks noGrp="1"/>
+          </p:cNvSpPr>
+          <p:nvPr>
+            <p:ph type="body" sz="half" idx="2"/>
+          </p:nvPr>
+        </p:nvSpPr>
+        <p:spPr/>
+        <p:txBody>
+          <a:bodyPr>
+            <a:normAutofit fontScale="85000" lnSpcReduction="20000"/>
+          </a:bodyPr>
+          <a:lstStyle/>
+          <a:p>
+            <a:r>
+              <a:rPr lang="en-US" dirty="0"/>
+              <a:t>The I-V (current-voltage) curve is a graphical representation that shows the relationship between the current and voltage outputs of a solar panel or any electronic device. It provides valuable information about the panel's performance, efficiency, and power generation capabilities.</a:t>
+            </a:r>
+            <a:endParaRPr lang="it-IT" dirty="0"/>
+          </a:p>
+        </p:txBody>
+      </p:sp>
+      <p:pic>
+        <p:nvPicPr>
+          <p:cNvPr id="13" name="Picture 12" descr="A picture containing text, screenshot, line, diagram&#10;&#10;Description automatically generated">
+            <a:extLst>
+              <a:ext uri="{FF2B5EF4-FFF2-40B4-BE49-F238E27FC236}">
+                <a16:creationId xmlns:a16="http://schemas.microsoft.com/office/drawing/2014/main" id="{5804D2A8-4A8E-9406-BA2D-B40A64A51AEA}"/>
+              </a:ext>
+            </a:extLst>
+          </p:cNvPr>
+          <p:cNvPicPr>
+            <a:picLocks noChangeAspect="1"/>
+          </p:cNvPicPr>
+          <p:nvPr/>
+        </p:nvPicPr>
+        <p:blipFill rotWithShape="1">
+          <a:blip r:embed="rId2">
+            <a:extLst>
+              <a:ext uri="{28A0092B-C50C-407E-A947-70E740481C1C}">
+                <a14:useLocalDpi xmlns:a14="http://schemas.microsoft.com/office/drawing/2010/main" val="0"/>
+              </a:ext>
+            </a:extLst>
+          </a:blip>
+          <a:srcRect r="13681" b="1025"/>
+          <a:stretch/>
+        </p:blipFill>
+        <p:spPr>
+          <a:xfrm>
+            <a:off x="4391584" y="1006671"/>
+            <a:ext cx="7663844" cy="4862945"/>
+          </a:xfrm>
+          <a:prstGeom prst="rect">
+            <a:avLst/>
+          </a:prstGeom>
+        </p:spPr>
+      </p:pic>
+      <p:sp>
+        <p:nvSpPr>
+          <p:cNvPr id="14" name="Titolo 1">
+            <a:extLst>
+              <a:ext uri="{FF2B5EF4-FFF2-40B4-BE49-F238E27FC236}">
+                <a16:creationId xmlns:a16="http://schemas.microsoft.com/office/drawing/2014/main" id="{7FDBCCB5-F0AF-580B-2F09-898B232B7B66}"/>
+              </a:ext>
+            </a:extLst>
+          </p:cNvPr>
+          <p:cNvSpPr txBox="1">
+            <a:spLocks/>
+          </p:cNvSpPr>
+          <p:nvPr/>
+        </p:nvSpPr>
+        <p:spPr>
+          <a:xfrm>
+            <a:off x="616804" y="249382"/>
+            <a:ext cx="10996076" cy="623454"/>
+          </a:xfrm>
+          <a:prstGeom prst="rect">
+            <a:avLst/>
+          </a:prstGeom>
+        </p:spPr>
+        <p:txBody>
+          <a:bodyPr lIns="91440" tIns="45720" rIns="91440" bIns="45720" anchor="t">
+            <a:normAutofit/>
+          </a:bodyPr>
+          <a:lstStyle>
+            <a:lvl1pPr algn="l" defTabSz="914400" rtl="0" eaLnBrk="1" latinLnBrk="0" hangingPunct="1">
+              <a:lnSpc>
+                <a:spcPct val="100000"/>
+              </a:lnSpc>
+              <a:spcBef>
+                <a:spcPct val="0"/>
+              </a:spcBef>
+              <a:buNone/>
+              <a:defRPr sz="3400" b="1" kern="1200">
+                <a:solidFill>
+                  <a:schemeClr val="tx1"/>
+                </a:solidFill>
+                <a:latin typeface="+mj-lt"/>
+                <a:ea typeface="+mj-ea"/>
+                <a:cs typeface="+mj-cs"/>
+              </a:defRPr>
+            </a:lvl1pPr>
+          </a:lstStyle>
+          <a:p>
+            <a:r>
+              <a:rPr lang="it-IT" dirty="0"/>
+              <a:t>Results with Shadow on a single String</a:t>
+            </a:r>
+          </a:p>
+        </p:txBody>
+      </p:sp>
+    </p:spTree>
+    <p:extLst>
+      <p:ext uri="{BB962C8B-B14F-4D97-AF65-F5344CB8AC3E}">
+        <p14:creationId xmlns:p14="http://schemas.microsoft.com/office/powerpoint/2010/main" val="4073231250"/>
+      </p:ext>
+    </p:extLst>
+  </p:cSld>
+  <p:clrMapOvr>
+    <a:masterClrMapping/>
+  </p:clrMapOvr>
+  <mc:AlternateContent xmlns:mc="http://schemas.openxmlformats.org/markup-compatibility/2006">
+    <mc:Choice xmlns:p159="http://schemas.microsoft.com/office/powerpoint/2015/09/main" Requires="p159">
+      <p:transition xmlns:p14="http://schemas.microsoft.com/office/powerpoint/2010/main" spd="slow" p14:dur="2000">
+        <p159:morph option="byObject"/>
+      </p:transition>
+    </mc:Choice>
+    <mc:Fallback>
+      <p:transition spd="slow">
+        <p:fade/>
+      </p:transition>
+    </mc:Fallback>
+  </mc:AlternateContent>
+</p:sld>
+</file>
+
+<file path=ppt/slides/slide15.xml><?xml version="1.0" encoding="utf-8"?>
+<p:sld xmlns:a="http://schemas.openxmlformats.org/drawingml/2006/main" xmlns:r="http://schemas.openxmlformats.org/officeDocument/2006/relationships" xmlns:p="http://schemas.openxmlformats.org/presentationml/2006/main">
+  <p:cSld>
+    <p:spTree>
+      <p:nvGrpSpPr>
+        <p:cNvPr id="1" name=""/>
+        <p:cNvGrpSpPr/>
+        <p:nvPr/>
+      </p:nvGrpSpPr>
+      <p:grpSpPr>
+        <a:xfrm>
+          <a:off x="0" y="0"/>
+          <a:ext cx="0" cy="0"/>
+          <a:chOff x="0" y="0"/>
+          <a:chExt cx="0" cy="0"/>
+        </a:xfrm>
+      </p:grpSpPr>
+      <p:sp>
+        <p:nvSpPr>
+          <p:cNvPr id="2" name="Title 1">
+            <a:extLst>
+              <a:ext uri="{FF2B5EF4-FFF2-40B4-BE49-F238E27FC236}">
+                <a16:creationId xmlns:a16="http://schemas.microsoft.com/office/drawing/2014/main" id="{D76A055C-76FC-6350-F961-8BD0E9393EA8}"/>
+              </a:ext>
+            </a:extLst>
+          </p:cNvPr>
+          <p:cNvSpPr>
+            <a:spLocks noGrp="1"/>
+          </p:cNvSpPr>
+          <p:nvPr>
+            <p:ph type="title"/>
+          </p:nvPr>
+        </p:nvSpPr>
+        <p:spPr/>
+        <p:txBody>
+          <a:bodyPr/>
+          <a:lstStyle/>
+          <a:p>
+            <a:r>
+              <a:rPr lang="it-IT" dirty="0"/>
+              <a:t>The Series </a:t>
+            </a:r>
+            <a:br>
+              <a:rPr lang="it-IT" dirty="0"/>
+            </a:br>
+            <a:r>
+              <a:rPr lang="it-IT" dirty="0"/>
+              <a:t>I-V Curve</a:t>
+            </a:r>
+          </a:p>
+        </p:txBody>
+      </p:sp>
+      <p:sp>
+        <p:nvSpPr>
+          <p:cNvPr id="11" name="Text Placeholder 10">
+            <a:extLst>
+              <a:ext uri="{FF2B5EF4-FFF2-40B4-BE49-F238E27FC236}">
+                <a16:creationId xmlns:a16="http://schemas.microsoft.com/office/drawing/2014/main" id="{0498C140-7BC8-AB23-BB2A-D69FE20058B4}"/>
+              </a:ext>
+            </a:extLst>
+          </p:cNvPr>
+          <p:cNvSpPr>
+            <a:spLocks noGrp="1"/>
+          </p:cNvSpPr>
+          <p:nvPr>
+            <p:ph type="body" sz="half" idx="2"/>
+          </p:nvPr>
+        </p:nvSpPr>
+        <p:spPr/>
+        <p:txBody>
+          <a:bodyPr>
+            <a:normAutofit fontScale="77500" lnSpcReduction="20000"/>
+          </a:bodyPr>
+          <a:lstStyle/>
+          <a:p>
+            <a:r>
+              <a:rPr lang="en-US" dirty="0"/>
+              <a:t>The I-V (current-voltage) curve for a series of PV (photovoltaic) panels represents the relationship between the current and voltage outputs when multiple panels are connected in a series configuration. It helps assess the combined performance and power generation of the interconnected panels.</a:t>
+            </a:r>
+            <a:endParaRPr lang="it-IT" dirty="0"/>
+          </a:p>
+        </p:txBody>
+      </p:sp>
+      <p:pic>
+        <p:nvPicPr>
+          <p:cNvPr id="16" name="Picture Placeholder 15" descr="A picture containing text, diagram, line, parallel&#10;&#10;Description automatically generated">
+            <a:extLst>
+              <a:ext uri="{FF2B5EF4-FFF2-40B4-BE49-F238E27FC236}">
+                <a16:creationId xmlns:a16="http://schemas.microsoft.com/office/drawing/2014/main" id="{657F0810-455A-B29A-AE7B-75DBEA8819E6}"/>
+              </a:ext>
+            </a:extLst>
+          </p:cNvPr>
+          <p:cNvPicPr>
+            <a:picLocks noGrp="1" noChangeAspect="1"/>
+          </p:cNvPicPr>
+          <p:nvPr>
+            <p:ph type="pic" idx="1"/>
+          </p:nvPr>
+        </p:nvPicPr>
+        <p:blipFill>
+          <a:blip r:embed="rId2">
+            <a:extLst>
+              <a:ext uri="{28A0092B-C50C-407E-A947-70E740481C1C}">
+                <a14:useLocalDpi xmlns:a14="http://schemas.microsoft.com/office/drawing/2010/main" val="0"/>
+              </a:ext>
+            </a:extLst>
+          </a:blip>
+          <a:srcRect t="2545" b="2545"/>
+          <a:stretch>
+            <a:fillRect/>
+          </a:stretch>
+        </p:blipFill>
+        <p:spPr/>
+      </p:pic>
+      <p:sp>
+        <p:nvSpPr>
+          <p:cNvPr id="18" name="Titolo 1">
+            <a:extLst>
+              <a:ext uri="{FF2B5EF4-FFF2-40B4-BE49-F238E27FC236}">
+                <a16:creationId xmlns:a16="http://schemas.microsoft.com/office/drawing/2014/main" id="{6C9844C5-77BF-0274-9F47-9E1AB948A139}"/>
+              </a:ext>
+            </a:extLst>
+          </p:cNvPr>
+          <p:cNvSpPr txBox="1">
+            <a:spLocks/>
+          </p:cNvSpPr>
+          <p:nvPr/>
+        </p:nvSpPr>
+        <p:spPr>
+          <a:xfrm>
+            <a:off x="616804" y="249382"/>
+            <a:ext cx="10996076" cy="623454"/>
+          </a:xfrm>
+          <a:prstGeom prst="rect">
+            <a:avLst/>
+          </a:prstGeom>
+        </p:spPr>
+        <p:txBody>
+          <a:bodyPr lIns="91440" tIns="45720" rIns="91440" bIns="45720" anchor="t">
+            <a:normAutofit/>
+          </a:bodyPr>
+          <a:lstStyle>
+            <a:lvl1pPr algn="l" defTabSz="914400" rtl="0" eaLnBrk="1" latinLnBrk="0" hangingPunct="1">
+              <a:lnSpc>
+                <a:spcPct val="100000"/>
+              </a:lnSpc>
+              <a:spcBef>
+                <a:spcPct val="0"/>
+              </a:spcBef>
+              <a:buNone/>
+              <a:defRPr sz="3400" b="1" kern="1200">
+                <a:solidFill>
+                  <a:schemeClr val="tx1"/>
+                </a:solidFill>
+                <a:latin typeface="+mj-lt"/>
+                <a:ea typeface="+mj-ea"/>
+                <a:cs typeface="+mj-cs"/>
+              </a:defRPr>
+            </a:lvl1pPr>
+          </a:lstStyle>
+          <a:p>
+            <a:r>
+              <a:rPr lang="it-IT" dirty="0"/>
+              <a:t>Results with Shadow on a single String</a:t>
+            </a:r>
+          </a:p>
+        </p:txBody>
+      </p:sp>
+    </p:spTree>
+    <p:extLst>
+      <p:ext uri="{BB962C8B-B14F-4D97-AF65-F5344CB8AC3E}">
+        <p14:creationId xmlns:p14="http://schemas.microsoft.com/office/powerpoint/2010/main" val="3877085674"/>
+      </p:ext>
+    </p:extLst>
+  </p:cSld>
+  <p:clrMapOvr>
+    <a:masterClrMapping/>
+  </p:clrMapOvr>
+  <mc:AlternateContent xmlns:mc="http://schemas.openxmlformats.org/markup-compatibility/2006">
+    <mc:Choice xmlns:p159="http://schemas.microsoft.com/office/powerpoint/2015/09/main" Requires="p159">
+      <p:transition xmlns:p14="http://schemas.microsoft.com/office/powerpoint/2010/main" spd="slow" p14:dur="2000">
+        <p159:morph option="byObject"/>
+      </p:transition>
+    </mc:Choice>
+    <mc:Fallback>
+      <p:transition spd="slow">
+        <p:fade/>
+      </p:transition>
+    </mc:Fallback>
+  </mc:AlternateContent>
+</p:sld>
+</file>
+
+<file path=ppt/slides/slide16.xml><?xml version="1.0" encoding="utf-8"?>
+<p:sld xmlns:a="http://schemas.openxmlformats.org/drawingml/2006/main" xmlns:r="http://schemas.openxmlformats.org/officeDocument/2006/relationships" xmlns:p="http://schemas.openxmlformats.org/presentationml/2006/main">
+  <p:cSld>
+    <p:spTree>
+      <p:nvGrpSpPr>
+        <p:cNvPr id="1" name=""/>
+        <p:cNvGrpSpPr/>
+        <p:nvPr/>
+      </p:nvGrpSpPr>
+      <p:grpSpPr>
+        <a:xfrm>
+          <a:off x="0" y="0"/>
+          <a:ext cx="0" cy="0"/>
+          <a:chOff x="0" y="0"/>
+          <a:chExt cx="0" cy="0"/>
+        </a:xfrm>
+      </p:grpSpPr>
+      <p:sp>
+        <p:nvSpPr>
+          <p:cNvPr id="2" name="Title 1">
+            <a:extLst>
+              <a:ext uri="{FF2B5EF4-FFF2-40B4-BE49-F238E27FC236}">
+                <a16:creationId xmlns:a16="http://schemas.microsoft.com/office/drawing/2014/main" id="{D76A055C-76FC-6350-F961-8BD0E9393EA8}"/>
+              </a:ext>
+            </a:extLst>
+          </p:cNvPr>
+          <p:cNvSpPr>
+            <a:spLocks noGrp="1"/>
+          </p:cNvSpPr>
+          <p:nvPr>
+            <p:ph type="title"/>
+          </p:nvPr>
+        </p:nvSpPr>
+        <p:spPr/>
+        <p:txBody>
+          <a:bodyPr/>
+          <a:lstStyle/>
+          <a:p>
+            <a:r>
+              <a:rPr lang="it-IT" dirty="0"/>
+              <a:t>The Parallel </a:t>
+            </a:r>
+            <a:br>
+              <a:rPr lang="it-IT" dirty="0"/>
+            </a:br>
+            <a:r>
+              <a:rPr lang="it-IT" dirty="0"/>
+              <a:t>Power curve</a:t>
+            </a:r>
+          </a:p>
+        </p:txBody>
+      </p:sp>
+      <p:sp>
+        <p:nvSpPr>
+          <p:cNvPr id="11" name="Text Placeholder 10">
+            <a:extLst>
+              <a:ext uri="{FF2B5EF4-FFF2-40B4-BE49-F238E27FC236}">
+                <a16:creationId xmlns:a16="http://schemas.microsoft.com/office/drawing/2014/main" id="{0498C140-7BC8-AB23-BB2A-D69FE20058B4}"/>
+              </a:ext>
+            </a:extLst>
+          </p:cNvPr>
+          <p:cNvSpPr>
+            <a:spLocks noGrp="1"/>
+          </p:cNvSpPr>
+          <p:nvPr>
+            <p:ph type="body" sz="half" idx="2"/>
+          </p:nvPr>
+        </p:nvSpPr>
+        <p:spPr/>
+        <p:txBody>
+          <a:bodyPr>
+            <a:normAutofit fontScale="77500" lnSpcReduction="20000"/>
+          </a:bodyPr>
+          <a:lstStyle/>
+          <a:p>
+            <a:r>
+              <a:rPr lang="en-US" dirty="0"/>
+              <a:t>A parallel configuration of PV (photovoltaic) panels involves connecting multiple panels side by side, with their positive terminals connected together and negative terminals connected together. This setup increases the overall current output while maintaining the same voltage level, resulting in higher power generation capacity.</a:t>
+            </a:r>
+            <a:endParaRPr lang="it-IT" dirty="0"/>
+          </a:p>
+        </p:txBody>
+      </p:sp>
+      <p:pic>
+        <p:nvPicPr>
+          <p:cNvPr id="7" name="Picture Placeholder 6" descr="A picture containing diagram, text, plot, line&#10;&#10;Description automatically generated">
+            <a:extLst>
+              <a:ext uri="{FF2B5EF4-FFF2-40B4-BE49-F238E27FC236}">
+                <a16:creationId xmlns:a16="http://schemas.microsoft.com/office/drawing/2014/main" id="{DC9040EC-9B0D-F20A-1EE2-897E9466E517}"/>
+              </a:ext>
+            </a:extLst>
+          </p:cNvPr>
+          <p:cNvPicPr>
+            <a:picLocks noGrp="1" noChangeAspect="1"/>
+          </p:cNvPicPr>
+          <p:nvPr>
+            <p:ph type="pic" idx="1"/>
+          </p:nvPr>
+        </p:nvPicPr>
+        <p:blipFill>
+          <a:blip r:embed="rId2">
+            <a:extLst>
+              <a:ext uri="{28A0092B-C50C-407E-A947-70E740481C1C}">
+                <a14:useLocalDpi xmlns:a14="http://schemas.microsoft.com/office/drawing/2010/main" val="0"/>
+              </a:ext>
+            </a:extLst>
+          </a:blip>
+          <a:srcRect t="4742" b="4742"/>
+          <a:stretch>
+            <a:fillRect/>
+          </a:stretch>
+        </p:blipFill>
+        <p:spPr/>
+      </p:pic>
+      <p:sp>
+        <p:nvSpPr>
+          <p:cNvPr id="9" name="Titolo 1">
+            <a:extLst>
+              <a:ext uri="{FF2B5EF4-FFF2-40B4-BE49-F238E27FC236}">
+                <a16:creationId xmlns:a16="http://schemas.microsoft.com/office/drawing/2014/main" id="{4C307A12-FEAC-C0EB-E9D0-974926DCD98D}"/>
+              </a:ext>
+            </a:extLst>
+          </p:cNvPr>
+          <p:cNvSpPr txBox="1">
+            <a:spLocks/>
+          </p:cNvSpPr>
+          <p:nvPr/>
+        </p:nvSpPr>
+        <p:spPr>
+          <a:xfrm>
+            <a:off x="616804" y="249382"/>
+            <a:ext cx="10996076" cy="623454"/>
+          </a:xfrm>
+          <a:prstGeom prst="rect">
+            <a:avLst/>
+          </a:prstGeom>
+        </p:spPr>
+        <p:txBody>
+          <a:bodyPr lIns="91440" tIns="45720" rIns="91440" bIns="45720" anchor="t">
+            <a:normAutofit/>
+          </a:bodyPr>
+          <a:lstStyle>
+            <a:lvl1pPr algn="l" defTabSz="914400" rtl="0" eaLnBrk="1" latinLnBrk="0" hangingPunct="1">
+              <a:lnSpc>
+                <a:spcPct val="100000"/>
+              </a:lnSpc>
+              <a:spcBef>
+                <a:spcPct val="0"/>
+              </a:spcBef>
+              <a:buNone/>
+              <a:defRPr sz="3400" b="1" kern="1200">
+                <a:solidFill>
+                  <a:schemeClr val="tx1"/>
+                </a:solidFill>
+                <a:latin typeface="+mj-lt"/>
+                <a:ea typeface="+mj-ea"/>
+                <a:cs typeface="+mj-cs"/>
+              </a:defRPr>
+            </a:lvl1pPr>
+          </a:lstStyle>
+          <a:p>
+            <a:r>
+              <a:rPr lang="it-IT" dirty="0"/>
+              <a:t>Results with Shadow on a single String</a:t>
+            </a:r>
+          </a:p>
+        </p:txBody>
+      </p:sp>
+    </p:spTree>
+    <p:extLst>
+      <p:ext uri="{BB962C8B-B14F-4D97-AF65-F5344CB8AC3E}">
+        <p14:creationId xmlns:p14="http://schemas.microsoft.com/office/powerpoint/2010/main" val="3340515337"/>
+      </p:ext>
+    </p:extLst>
+  </p:cSld>
+  <p:clrMapOvr>
+    <a:masterClrMapping/>
+  </p:clrMapOvr>
+  <mc:AlternateContent xmlns:mc="http://schemas.openxmlformats.org/markup-compatibility/2006">
+    <mc:Choice xmlns:p159="http://schemas.microsoft.com/office/powerpoint/2015/09/main" Requires="p159">
+      <p:transition xmlns:p14="http://schemas.microsoft.com/office/powerpoint/2010/main" spd="slow" p14:dur="2000">
+        <p159:morph option="byObject"/>
+      </p:transition>
+    </mc:Choice>
+    <mc:Fallback>
+      <p:transition spd="slow">
+        <p:fade/>
+      </p:transition>
+    </mc:Fallback>
+  </mc:AlternateContent>
+</p:sld>
+</file>
+
+<file path=ppt/slides/slide17.xml><?xml version="1.0" encoding="utf-8"?>
+<p:sld xmlns:a="http://schemas.openxmlformats.org/drawingml/2006/main" xmlns:r="http://schemas.openxmlformats.org/officeDocument/2006/relationships" xmlns:p="http://schemas.openxmlformats.org/presentationml/2006/main">
+  <p:cSld>
+    <p:spTree>
+      <p:nvGrpSpPr>
+        <p:cNvPr id="1" name=""/>
+        <p:cNvGrpSpPr/>
+        <p:nvPr/>
+      </p:nvGrpSpPr>
+      <p:grpSpPr>
+        <a:xfrm>
+          <a:off x="0" y="0"/>
+          <a:ext cx="0" cy="0"/>
+          <a:chOff x="0" y="0"/>
+          <a:chExt cx="0" cy="0"/>
+        </a:xfrm>
+      </p:grpSpPr>
+      <p:sp>
+        <p:nvSpPr>
+          <p:cNvPr id="2" name="Title 1">
+            <a:extLst>
+              <a:ext uri="{FF2B5EF4-FFF2-40B4-BE49-F238E27FC236}">
+                <a16:creationId xmlns:a16="http://schemas.microsoft.com/office/drawing/2014/main" id="{C0C1A6D4-E0E2-258F-B5D2-BEFCEA4BFE29}"/>
+              </a:ext>
+            </a:extLst>
+          </p:cNvPr>
+          <p:cNvSpPr>
+            <a:spLocks noGrp="1"/>
+          </p:cNvSpPr>
+          <p:nvPr>
+            <p:ph type="title"/>
+          </p:nvPr>
+        </p:nvSpPr>
+        <p:spPr/>
+        <p:txBody>
+          <a:bodyPr/>
+          <a:lstStyle/>
+          <a:p>
+            <a:r>
+              <a:rPr lang="it-IT" dirty="0"/>
+              <a:t>I-V Curve for the PV</a:t>
+            </a:r>
+          </a:p>
+        </p:txBody>
+      </p:sp>
+      <p:sp>
+        <p:nvSpPr>
+          <p:cNvPr id="5" name="Text Placeholder 4">
+            <a:extLst>
+              <a:ext uri="{FF2B5EF4-FFF2-40B4-BE49-F238E27FC236}">
+                <a16:creationId xmlns:a16="http://schemas.microsoft.com/office/drawing/2014/main" id="{16145E4B-3CF8-D0D0-7C49-97AB03DF10D3}"/>
+              </a:ext>
+            </a:extLst>
+          </p:cNvPr>
+          <p:cNvSpPr>
+            <a:spLocks noGrp="1"/>
+          </p:cNvSpPr>
+          <p:nvPr>
+            <p:ph type="body" sz="half" idx="2"/>
+          </p:nvPr>
+        </p:nvSpPr>
+        <p:spPr/>
+        <p:txBody>
+          <a:bodyPr>
+            <a:normAutofit fontScale="85000" lnSpcReduction="20000"/>
+          </a:bodyPr>
+          <a:lstStyle/>
+          <a:p>
+            <a:r>
+              <a:rPr lang="en-US" dirty="0"/>
+              <a:t>The I-V (current-voltage) curve is a graphical representation that shows the relationship between the current and voltage outputs of a solar panel or any electronic device. It provides valuable information about the panel's performance, efficiency, and power generation capabilities.</a:t>
+            </a:r>
+            <a:endParaRPr lang="it-IT" dirty="0"/>
+          </a:p>
+        </p:txBody>
+      </p:sp>
+      <p:pic>
+        <p:nvPicPr>
+          <p:cNvPr id="13" name="Picture 12" descr="A picture containing text, screenshot, line, diagram&#10;&#10;Description automatically generated">
+            <a:extLst>
+              <a:ext uri="{FF2B5EF4-FFF2-40B4-BE49-F238E27FC236}">
+                <a16:creationId xmlns:a16="http://schemas.microsoft.com/office/drawing/2014/main" id="{5804D2A8-4A8E-9406-BA2D-B40A64A51AEA}"/>
+              </a:ext>
+            </a:extLst>
+          </p:cNvPr>
+          <p:cNvPicPr>
+            <a:picLocks noChangeAspect="1"/>
+          </p:cNvPicPr>
+          <p:nvPr/>
+        </p:nvPicPr>
+        <p:blipFill rotWithShape="1">
+          <a:blip r:embed="rId2">
+            <a:extLst>
+              <a:ext uri="{28A0092B-C50C-407E-A947-70E740481C1C}">
+                <a14:useLocalDpi xmlns:a14="http://schemas.microsoft.com/office/drawing/2010/main" val="0"/>
+              </a:ext>
+            </a:extLst>
+          </a:blip>
+          <a:srcRect r="13681" b="1025"/>
+          <a:stretch/>
+        </p:blipFill>
+        <p:spPr>
+          <a:xfrm>
+            <a:off x="4391584" y="1006671"/>
+            <a:ext cx="7663844" cy="4862945"/>
+          </a:xfrm>
+          <a:prstGeom prst="rect">
+            <a:avLst/>
+          </a:prstGeom>
+        </p:spPr>
+      </p:pic>
+      <p:sp>
+        <p:nvSpPr>
+          <p:cNvPr id="14" name="Titolo 1">
+            <a:extLst>
+              <a:ext uri="{FF2B5EF4-FFF2-40B4-BE49-F238E27FC236}">
+                <a16:creationId xmlns:a16="http://schemas.microsoft.com/office/drawing/2014/main" id="{7FDBCCB5-F0AF-580B-2F09-898B232B7B66}"/>
+              </a:ext>
+            </a:extLst>
+          </p:cNvPr>
+          <p:cNvSpPr txBox="1">
+            <a:spLocks/>
+          </p:cNvSpPr>
+          <p:nvPr/>
+        </p:nvSpPr>
+        <p:spPr>
+          <a:xfrm>
+            <a:off x="616804" y="249382"/>
+            <a:ext cx="10996076" cy="623454"/>
+          </a:xfrm>
+          <a:prstGeom prst="rect">
+            <a:avLst/>
+          </a:prstGeom>
+        </p:spPr>
+        <p:txBody>
+          <a:bodyPr lIns="91440" tIns="45720" rIns="91440" bIns="45720" anchor="t">
+            <a:normAutofit fontScale="92500"/>
+          </a:bodyPr>
+          <a:lstStyle>
+            <a:lvl1pPr algn="l" defTabSz="914400" rtl="0" eaLnBrk="1" latinLnBrk="0" hangingPunct="1">
+              <a:lnSpc>
+                <a:spcPct val="100000"/>
+              </a:lnSpc>
+              <a:spcBef>
+                <a:spcPct val="0"/>
+              </a:spcBef>
+              <a:buNone/>
+              <a:defRPr sz="3400" b="1" kern="1200">
+                <a:solidFill>
+                  <a:schemeClr val="tx1"/>
+                </a:solidFill>
+                <a:latin typeface="+mj-lt"/>
+                <a:ea typeface="+mj-ea"/>
+                <a:cs typeface="+mj-cs"/>
+              </a:defRPr>
+            </a:lvl1pPr>
+          </a:lstStyle>
+          <a:p>
+            <a:r>
+              <a:rPr lang="it-IT" dirty="0"/>
+              <a:t>Results with Shadow on a single panel but entire parallel</a:t>
+            </a:r>
+          </a:p>
+        </p:txBody>
+      </p:sp>
+    </p:spTree>
+    <p:extLst>
+      <p:ext uri="{BB962C8B-B14F-4D97-AF65-F5344CB8AC3E}">
+        <p14:creationId xmlns:p14="http://schemas.microsoft.com/office/powerpoint/2010/main" val="3188956564"/>
+      </p:ext>
+    </p:extLst>
+  </p:cSld>
+  <p:clrMapOvr>
+    <a:masterClrMapping/>
+  </p:clrMapOvr>
+  <mc:AlternateContent xmlns:mc="http://schemas.openxmlformats.org/markup-compatibility/2006">
+    <mc:Choice xmlns:p159="http://schemas.microsoft.com/office/powerpoint/2015/09/main" Requires="p159">
+      <p:transition xmlns:p14="http://schemas.microsoft.com/office/powerpoint/2010/main" spd="slow" p14:dur="2000">
+        <p159:morph option="byObject"/>
+      </p:transition>
+    </mc:Choice>
+    <mc:Fallback>
+      <p:transition spd="slow">
+        <p:fade/>
+      </p:transition>
+    </mc:Fallback>
+  </mc:AlternateContent>
+</p:sld>
+</file>
+
+<file path=ppt/slides/slide18.xml><?xml version="1.0" encoding="utf-8"?>
+<p:sld xmlns:a="http://schemas.openxmlformats.org/drawingml/2006/main" xmlns:r="http://schemas.openxmlformats.org/officeDocument/2006/relationships" xmlns:p="http://schemas.openxmlformats.org/presentationml/2006/main">
+  <p:cSld>
+    <p:spTree>
+      <p:nvGrpSpPr>
+        <p:cNvPr id="1" name=""/>
+        <p:cNvGrpSpPr/>
+        <p:nvPr/>
+      </p:nvGrpSpPr>
+      <p:grpSpPr>
+        <a:xfrm>
+          <a:off x="0" y="0"/>
+          <a:ext cx="0" cy="0"/>
+          <a:chOff x="0" y="0"/>
+          <a:chExt cx="0" cy="0"/>
+        </a:xfrm>
+      </p:grpSpPr>
+      <p:sp>
+        <p:nvSpPr>
+          <p:cNvPr id="2" name="Title 1">
+            <a:extLst>
+              <a:ext uri="{FF2B5EF4-FFF2-40B4-BE49-F238E27FC236}">
+                <a16:creationId xmlns:a16="http://schemas.microsoft.com/office/drawing/2014/main" id="{D76A055C-76FC-6350-F961-8BD0E9393EA8}"/>
+              </a:ext>
+            </a:extLst>
+          </p:cNvPr>
+          <p:cNvSpPr>
+            <a:spLocks noGrp="1"/>
+          </p:cNvSpPr>
+          <p:nvPr>
+            <p:ph type="title"/>
+          </p:nvPr>
+        </p:nvSpPr>
+        <p:spPr/>
+        <p:txBody>
+          <a:bodyPr/>
+          <a:lstStyle/>
+          <a:p>
+            <a:r>
+              <a:rPr lang="it-IT" dirty="0"/>
+              <a:t>The Series </a:t>
+            </a:r>
+            <a:br>
+              <a:rPr lang="it-IT" dirty="0"/>
+            </a:br>
+            <a:r>
+              <a:rPr lang="it-IT" dirty="0"/>
+              <a:t>I-V Curve</a:t>
+            </a:r>
+          </a:p>
+        </p:txBody>
+      </p:sp>
+      <p:sp>
+        <p:nvSpPr>
+          <p:cNvPr id="11" name="Text Placeholder 10">
+            <a:extLst>
+              <a:ext uri="{FF2B5EF4-FFF2-40B4-BE49-F238E27FC236}">
+                <a16:creationId xmlns:a16="http://schemas.microsoft.com/office/drawing/2014/main" id="{0498C140-7BC8-AB23-BB2A-D69FE20058B4}"/>
+              </a:ext>
+            </a:extLst>
+          </p:cNvPr>
+          <p:cNvSpPr>
+            <a:spLocks noGrp="1"/>
+          </p:cNvSpPr>
+          <p:nvPr>
+            <p:ph type="body" sz="half" idx="2"/>
+          </p:nvPr>
+        </p:nvSpPr>
+        <p:spPr/>
+        <p:txBody>
+          <a:bodyPr>
+            <a:normAutofit fontScale="77500" lnSpcReduction="20000"/>
+          </a:bodyPr>
+          <a:lstStyle/>
+          <a:p>
+            <a:r>
+              <a:rPr lang="en-US" dirty="0"/>
+              <a:t>The I-V (current-voltage) curve for a series of PV (photovoltaic) panels represents the relationship between the current and voltage outputs when multiple panels are connected in a series configuration. It helps assess the combined performance and power generation of the interconnected panels.</a:t>
+            </a:r>
+            <a:endParaRPr lang="it-IT" dirty="0"/>
+          </a:p>
+        </p:txBody>
+      </p:sp>
+      <p:pic>
+        <p:nvPicPr>
+          <p:cNvPr id="16" name="Picture Placeholder 15" descr="A picture containing text, diagram, line, parallel&#10;&#10;Description automatically generated">
+            <a:extLst>
+              <a:ext uri="{FF2B5EF4-FFF2-40B4-BE49-F238E27FC236}">
+                <a16:creationId xmlns:a16="http://schemas.microsoft.com/office/drawing/2014/main" id="{657F0810-455A-B29A-AE7B-75DBEA8819E6}"/>
+              </a:ext>
+            </a:extLst>
+          </p:cNvPr>
+          <p:cNvPicPr>
+            <a:picLocks noGrp="1" noChangeAspect="1"/>
+          </p:cNvPicPr>
+          <p:nvPr>
+            <p:ph type="pic" idx="1"/>
+          </p:nvPr>
+        </p:nvPicPr>
+        <p:blipFill>
+          <a:blip r:embed="rId2">
+            <a:extLst>
+              <a:ext uri="{28A0092B-C50C-407E-A947-70E740481C1C}">
+                <a14:useLocalDpi xmlns:a14="http://schemas.microsoft.com/office/drawing/2010/main" val="0"/>
+              </a:ext>
+            </a:extLst>
+          </a:blip>
+          <a:srcRect t="2545" b="2545"/>
+          <a:stretch>
+            <a:fillRect/>
+          </a:stretch>
+        </p:blipFill>
+        <p:spPr/>
+      </p:pic>
+      <p:sp>
+        <p:nvSpPr>
+          <p:cNvPr id="3" name="Titolo 1">
+            <a:extLst>
+              <a:ext uri="{FF2B5EF4-FFF2-40B4-BE49-F238E27FC236}">
+                <a16:creationId xmlns:a16="http://schemas.microsoft.com/office/drawing/2014/main" id="{9F91D9E8-722D-59F5-7E52-BDBC82EC07FF}"/>
+              </a:ext>
+            </a:extLst>
+          </p:cNvPr>
+          <p:cNvSpPr txBox="1">
+            <a:spLocks/>
+          </p:cNvSpPr>
+          <p:nvPr/>
+        </p:nvSpPr>
+        <p:spPr>
+          <a:xfrm>
+            <a:off x="616804" y="249382"/>
+            <a:ext cx="10996076" cy="623454"/>
+          </a:xfrm>
+          <a:prstGeom prst="rect">
+            <a:avLst/>
+          </a:prstGeom>
+        </p:spPr>
+        <p:txBody>
+          <a:bodyPr lIns="91440" tIns="45720" rIns="91440" bIns="45720" anchor="t">
+            <a:normAutofit fontScale="92500"/>
+          </a:bodyPr>
+          <a:lstStyle>
+            <a:lvl1pPr algn="l" defTabSz="914400" rtl="0" eaLnBrk="1" latinLnBrk="0" hangingPunct="1">
+              <a:lnSpc>
+                <a:spcPct val="100000"/>
+              </a:lnSpc>
+              <a:spcBef>
+                <a:spcPct val="0"/>
+              </a:spcBef>
+              <a:buNone/>
+              <a:defRPr sz="3400" b="1" kern="1200">
+                <a:solidFill>
+                  <a:schemeClr val="tx1"/>
+                </a:solidFill>
+                <a:latin typeface="+mj-lt"/>
+                <a:ea typeface="+mj-ea"/>
+                <a:cs typeface="+mj-cs"/>
+              </a:defRPr>
+            </a:lvl1pPr>
+          </a:lstStyle>
+          <a:p>
+            <a:r>
+              <a:rPr lang="it-IT" dirty="0"/>
+              <a:t>Results with Shadow on a single panel but entire parallel</a:t>
+            </a:r>
+          </a:p>
+        </p:txBody>
+      </p:sp>
+    </p:spTree>
+    <p:extLst>
+      <p:ext uri="{BB962C8B-B14F-4D97-AF65-F5344CB8AC3E}">
+        <p14:creationId xmlns:p14="http://schemas.microsoft.com/office/powerpoint/2010/main" val="3756749587"/>
+      </p:ext>
+    </p:extLst>
+  </p:cSld>
+  <p:clrMapOvr>
+    <a:masterClrMapping/>
+  </p:clrMapOvr>
+  <mc:AlternateContent xmlns:mc="http://schemas.openxmlformats.org/markup-compatibility/2006">
+    <mc:Choice xmlns:p159="http://schemas.microsoft.com/office/powerpoint/2015/09/main" Requires="p159">
+      <p:transition xmlns:p14="http://schemas.microsoft.com/office/powerpoint/2010/main" spd="slow" p14:dur="2000">
+        <p159:morph option="byObject"/>
+      </p:transition>
+    </mc:Choice>
+    <mc:Fallback>
+      <p:transition spd="slow">
+        <p:fade/>
+      </p:transition>
+    </mc:Fallback>
+  </mc:AlternateContent>
+</p:sld>
+</file>
+
+<file path=ppt/slides/slide19.xml><?xml version="1.0" encoding="utf-8"?>
+<p:sld xmlns:a="http://schemas.openxmlformats.org/drawingml/2006/main" xmlns:r="http://schemas.openxmlformats.org/officeDocument/2006/relationships" xmlns:p="http://schemas.openxmlformats.org/presentationml/2006/main">
+  <p:cSld>
+    <p:spTree>
+      <p:nvGrpSpPr>
+        <p:cNvPr id="1" name=""/>
+        <p:cNvGrpSpPr/>
+        <p:nvPr/>
+      </p:nvGrpSpPr>
+      <p:grpSpPr>
+        <a:xfrm>
+          <a:off x="0" y="0"/>
+          <a:ext cx="0" cy="0"/>
+          <a:chOff x="0" y="0"/>
+          <a:chExt cx="0" cy="0"/>
+        </a:xfrm>
+      </p:grpSpPr>
+      <p:sp>
+        <p:nvSpPr>
+          <p:cNvPr id="2" name="Title 1">
+            <a:extLst>
+              <a:ext uri="{FF2B5EF4-FFF2-40B4-BE49-F238E27FC236}">
+                <a16:creationId xmlns:a16="http://schemas.microsoft.com/office/drawing/2014/main" id="{D76A055C-76FC-6350-F961-8BD0E9393EA8}"/>
+              </a:ext>
+            </a:extLst>
+          </p:cNvPr>
+          <p:cNvSpPr>
+            <a:spLocks noGrp="1"/>
+          </p:cNvSpPr>
+          <p:nvPr>
+            <p:ph type="title"/>
+          </p:nvPr>
+        </p:nvSpPr>
+        <p:spPr/>
+        <p:txBody>
+          <a:bodyPr/>
+          <a:lstStyle/>
+          <a:p>
+            <a:r>
+              <a:rPr lang="it-IT" dirty="0"/>
+              <a:t>The Parallel </a:t>
+            </a:r>
+            <a:br>
+              <a:rPr lang="it-IT" dirty="0"/>
+            </a:br>
+            <a:r>
+              <a:rPr lang="it-IT" dirty="0"/>
+              <a:t>Power curve</a:t>
+            </a:r>
+          </a:p>
+        </p:txBody>
+      </p:sp>
+      <p:sp>
+        <p:nvSpPr>
+          <p:cNvPr id="11" name="Text Placeholder 10">
+            <a:extLst>
+              <a:ext uri="{FF2B5EF4-FFF2-40B4-BE49-F238E27FC236}">
+                <a16:creationId xmlns:a16="http://schemas.microsoft.com/office/drawing/2014/main" id="{0498C140-7BC8-AB23-BB2A-D69FE20058B4}"/>
+              </a:ext>
+            </a:extLst>
+          </p:cNvPr>
+          <p:cNvSpPr>
+            <a:spLocks noGrp="1"/>
+          </p:cNvSpPr>
+          <p:nvPr>
+            <p:ph type="body" sz="half" idx="2"/>
+          </p:nvPr>
+        </p:nvSpPr>
+        <p:spPr/>
+        <p:txBody>
+          <a:bodyPr>
+            <a:normAutofit fontScale="77500" lnSpcReduction="20000"/>
+          </a:bodyPr>
+          <a:lstStyle/>
+          <a:p>
+            <a:r>
+              <a:rPr lang="en-US" dirty="0"/>
+              <a:t>A parallel configuration of PV (photovoltaic) panels involves connecting multiple panels side by side, with their positive terminals connected together and negative terminals connected together. This setup increases the overall current output while maintaining the same voltage level, resulting in higher power generation capacity.</a:t>
+            </a:r>
+            <a:endParaRPr lang="it-IT" dirty="0"/>
+          </a:p>
+        </p:txBody>
+      </p:sp>
+      <p:pic>
+        <p:nvPicPr>
+          <p:cNvPr id="7" name="Picture Placeholder 6" descr="A picture containing diagram, text, plot, line&#10;&#10;Description automatically generated">
+            <a:extLst>
+              <a:ext uri="{FF2B5EF4-FFF2-40B4-BE49-F238E27FC236}">
+                <a16:creationId xmlns:a16="http://schemas.microsoft.com/office/drawing/2014/main" id="{DC9040EC-9B0D-F20A-1EE2-897E9466E517}"/>
+              </a:ext>
+            </a:extLst>
+          </p:cNvPr>
+          <p:cNvPicPr>
+            <a:picLocks noGrp="1" noChangeAspect="1"/>
+          </p:cNvPicPr>
+          <p:nvPr>
+            <p:ph type="pic" idx="1"/>
+          </p:nvPr>
+        </p:nvPicPr>
+        <p:blipFill>
+          <a:blip r:embed="rId2">
+            <a:extLst>
+              <a:ext uri="{28A0092B-C50C-407E-A947-70E740481C1C}">
+                <a14:useLocalDpi xmlns:a14="http://schemas.microsoft.com/office/drawing/2010/main" val="0"/>
+              </a:ext>
+            </a:extLst>
+          </a:blip>
+          <a:srcRect t="4742" b="4742"/>
+          <a:stretch>
+            <a:fillRect/>
+          </a:stretch>
+        </p:blipFill>
+        <p:spPr/>
+      </p:pic>
+      <p:sp>
+        <p:nvSpPr>
+          <p:cNvPr id="3" name="Titolo 1">
+            <a:extLst>
+              <a:ext uri="{FF2B5EF4-FFF2-40B4-BE49-F238E27FC236}">
+                <a16:creationId xmlns:a16="http://schemas.microsoft.com/office/drawing/2014/main" id="{0661E834-F30F-3237-8EAF-80E2BA72E40B}"/>
+              </a:ext>
+            </a:extLst>
+          </p:cNvPr>
+          <p:cNvSpPr txBox="1">
+            <a:spLocks/>
+          </p:cNvSpPr>
+          <p:nvPr/>
+        </p:nvSpPr>
+        <p:spPr>
+          <a:xfrm>
+            <a:off x="616804" y="249382"/>
+            <a:ext cx="10996076" cy="623454"/>
+          </a:xfrm>
+          <a:prstGeom prst="rect">
+            <a:avLst/>
+          </a:prstGeom>
+        </p:spPr>
+        <p:txBody>
+          <a:bodyPr lIns="91440" tIns="45720" rIns="91440" bIns="45720" anchor="t">
+            <a:normAutofit fontScale="92500"/>
+          </a:bodyPr>
+          <a:lstStyle>
+            <a:lvl1pPr algn="l" defTabSz="914400" rtl="0" eaLnBrk="1" latinLnBrk="0" hangingPunct="1">
+              <a:lnSpc>
+                <a:spcPct val="100000"/>
+              </a:lnSpc>
+              <a:spcBef>
+                <a:spcPct val="0"/>
+              </a:spcBef>
+              <a:buNone/>
+              <a:defRPr sz="3400" b="1" kern="1200">
+                <a:solidFill>
+                  <a:schemeClr val="tx1"/>
+                </a:solidFill>
+                <a:latin typeface="+mj-lt"/>
+                <a:ea typeface="+mj-ea"/>
+                <a:cs typeface="+mj-cs"/>
+              </a:defRPr>
+            </a:lvl1pPr>
+          </a:lstStyle>
+          <a:p>
+            <a:r>
+              <a:rPr lang="it-IT" dirty="0"/>
+              <a:t>Results with Shadow on a single panel but entire parallel</a:t>
+            </a:r>
+          </a:p>
+        </p:txBody>
+      </p:sp>
+    </p:spTree>
+    <p:extLst>
+      <p:ext uri="{BB962C8B-B14F-4D97-AF65-F5344CB8AC3E}">
+        <p14:creationId xmlns:p14="http://schemas.microsoft.com/office/powerpoint/2010/main" val="3852231215"/>
+      </p:ext>
+    </p:extLst>
+  </p:cSld>
+  <p:clrMapOvr>
+    <a:masterClrMapping/>
+  </p:clrMapOvr>
+  <mc:AlternateContent xmlns:mc="http://schemas.openxmlformats.org/markup-compatibility/2006">
+    <mc:Choice xmlns:p159="http://schemas.microsoft.com/office/powerpoint/2015/09/main" Requires="p159">
+      <p:transition xmlns:p14="http://schemas.microsoft.com/office/powerpoint/2010/main" spd="slow" p14:dur="2000">
+        <p159:morph option="byObject"/>
+      </p:transition>
+    </mc:Choice>
+    <mc:Fallback>
+      <p:transition spd="slow">
+        <p:fade/>
+      </p:transition>
+    </mc:Fallback>
+  </mc:AlternateContent>
+</p:sld>
+</file>
+
+<file path=ppt/slides/slide2.xml><?xml version="1.0" encoding="utf-8"?>
+<p:sld xmlns:a="http://schemas.openxmlformats.org/drawingml/2006/main" xmlns:r="http://schemas.openxmlformats.org/officeDocument/2006/relationships" xmlns:p="http://schemas.openxmlformats.org/presentationml/2006/main">
+  <p:cSld>
+    <p:bg>
+      <p:bgPr>
+        <a:solidFill>
+          <a:schemeClr val="bg1"/>
+        </a:solidFill>
+        <a:effectLst/>
+      </p:bgPr>
+    </p:bg>
+    <p:spTree>
+      <p:nvGrpSpPr>
+        <p:cNvPr id="1" name=""/>
+        <p:cNvGrpSpPr/>
+        <p:nvPr/>
+      </p:nvGrpSpPr>
+      <p:grpSpPr>
+        <a:xfrm>
+          <a:off x="0" y="0"/>
+          <a:ext cx="0" cy="0"/>
+          <a:chOff x="0" y="0"/>
+          <a:chExt cx="0" cy="0"/>
+        </a:xfrm>
+      </p:grpSpPr>
+      <p:sp useBgFill="1">
+        <p:nvSpPr>
+          <p:cNvPr id="9" name="Rectangle 8">
+            <a:extLst>
+              <a:ext uri="{FF2B5EF4-FFF2-40B4-BE49-F238E27FC236}">
+                <a16:creationId xmlns:a16="http://schemas.microsoft.com/office/drawing/2014/main" id="{79477870-C64A-4E35-8F2F-05B7114F3C74}"/>
+              </a:ext>
+              <a:ext uri="{C183D7F6-B498-43B3-948B-1728B52AA6E4}">
+                <adec:decorative xmlns:adec="http://schemas.microsoft.com/office/drawing/2017/decorative" val="1"/>
+              </a:ext>
+            </a:extLst>
+          </p:cNvPr>
+          <p:cNvSpPr>
+            <a:spLocks noGrp="1" noRot="1" noChangeAspect="1" noMove="1" noResize="1" noEditPoints="1" noAdjustHandles="1" noChangeArrowheads="1" noChangeShapeType="1" noTextEdit="1"/>
+          </p:cNvSpPr>
+          <p:nvPr>
+            <p:extLst>
+              <p:ext uri="{386F3935-93C4-4BCD-93E2-E3B085C9AB24}">
+                <p16:designElem xmlns:p16="http://schemas.microsoft.com/office/powerpoint/2015/main" val="1"/>
+              </p:ext>
+            </p:extLst>
+          </p:nvPr>
+        </p:nvSpPr>
+        <p:spPr>
+          <a:xfrm>
+            <a:off x="0" y="0"/>
+            <a:ext cx="12192000" cy="6858000"/>
+          </a:xfrm>
+          <a:prstGeom prst="rect">
+            <a:avLst/>
+          </a:prstGeom>
+          <a:ln>
+            <a:noFill/>
+          </a:ln>
+        </p:spPr>
+        <p:style>
+          <a:lnRef idx="2">
+            <a:schemeClr val="accent1">
+              <a:shade val="50000"/>
+            </a:schemeClr>
+          </a:lnRef>
+          <a:fillRef idx="1">
+            <a:schemeClr val="accent1"/>
+          </a:fillRef>
+          <a:effectRef idx="0">
+            <a:schemeClr val="accent1"/>
+          </a:effectRef>
+          <a:fontRef idx="minor">
+            <a:schemeClr val="lt1"/>
+          </a:fontRef>
+        </p:style>
+        <p:txBody>
+          <a:bodyPr rtlCol="0" anchor="ctr"/>
+          <a:lstStyle/>
+          <a:p>
+            <a:pPr algn="ctr"/>
+            <a:endParaRPr lang="en-US"/>
+          </a:p>
+        </p:txBody>
+      </p:sp>
+      <p:sp>
+        <p:nvSpPr>
+          <p:cNvPr id="2" name="Titolo 1">
+            <a:extLst>
+              <a:ext uri="{FF2B5EF4-FFF2-40B4-BE49-F238E27FC236}">
+                <a16:creationId xmlns:a16="http://schemas.microsoft.com/office/drawing/2014/main" id="{154454CD-4916-8E1F-2D56-52B0118C0DEE}"/>
+              </a:ext>
+            </a:extLst>
+          </p:cNvPr>
+          <p:cNvSpPr>
+            <a:spLocks noGrp="1"/>
+          </p:cNvSpPr>
+          <p:nvPr>
+            <p:ph type="title"/>
+          </p:nvPr>
+        </p:nvSpPr>
+        <p:spPr>
+          <a:xfrm>
+            <a:off x="612648" y="1078992"/>
+            <a:ext cx="6268770" cy="1536192"/>
+          </a:xfrm>
+        </p:spPr>
+        <p:txBody>
+          <a:bodyPr anchor="b">
+            <a:normAutofit/>
+          </a:bodyPr>
+          <a:lstStyle/>
+          <a:p>
+            <a:r>
+              <a:rPr lang="it-IT" sz="5200"/>
+              <a:t>Problem description</a:t>
+            </a:r>
+          </a:p>
+        </p:txBody>
+      </p:sp>
+      <p:sp>
+        <p:nvSpPr>
+          <p:cNvPr id="11" name="Rectangle 10">
+            <a:extLst>
+              <a:ext uri="{FF2B5EF4-FFF2-40B4-BE49-F238E27FC236}">
+                <a16:creationId xmlns:a16="http://schemas.microsoft.com/office/drawing/2014/main" id="{8AEA628B-C8FF-4D0B-B111-F101F580B15D}"/>
+              </a:ext>
+              <a:ext uri="{C183D7F6-B498-43B3-948B-1728B52AA6E4}">
+                <adec:decorative xmlns:adec="http://schemas.microsoft.com/office/drawing/2017/decorative" val="1"/>
+              </a:ext>
+            </a:extLst>
+          </p:cNvPr>
+          <p:cNvSpPr>
+            <a:spLocks noGrp="1" noRot="1" noChangeAspect="1" noMove="1" noResize="1" noEditPoints="1" noAdjustHandles="1" noChangeArrowheads="1" noChangeShapeType="1" noTextEdit="1"/>
+          </p:cNvSpPr>
+          <p:nvPr>
+            <p:extLst>
+              <p:ext uri="{386F3935-93C4-4BCD-93E2-E3B085C9AB24}">
+                <p16:designElem xmlns:p16="http://schemas.microsoft.com/office/powerpoint/2015/main" val="1"/>
+              </p:ext>
+            </p:extLst>
+          </p:nvPr>
+        </p:nvSpPr>
+        <p:spPr>
+          <a:xfrm rot="5400000">
+            <a:off x="853202" y="363389"/>
+            <a:ext cx="73152" cy="548640"/>
+          </a:xfrm>
+          <a:prstGeom prst="rect">
+            <a:avLst/>
+          </a:prstGeom>
+          <a:solidFill>
+            <a:schemeClr val="accent1"/>
+          </a:solidFill>
+          <a:ln>
+            <a:noFill/>
+          </a:ln>
+        </p:spPr>
+        <p:style>
+          <a:lnRef idx="2">
+            <a:schemeClr val="accent1">
+              <a:shade val="50000"/>
+            </a:schemeClr>
+          </a:lnRef>
+          <a:fillRef idx="1">
+            <a:schemeClr val="accent1"/>
+          </a:fillRef>
+          <a:effectRef idx="0">
+            <a:schemeClr val="accent1"/>
+          </a:effectRef>
+          <a:fontRef idx="minor">
+            <a:schemeClr val="lt1"/>
+          </a:fontRef>
+        </p:style>
+        <p:txBody>
+          <a:bodyPr rtlCol="0" anchor="ctr"/>
+          <a:lstStyle/>
+          <a:p>
+            <a:pPr marL="0" marR="0" lvl="0" indent="0" algn="ctr" defTabSz="914400" rtl="0" eaLnBrk="1" fontAlgn="auto" latinLnBrk="0" hangingPunct="1">
+              <a:lnSpc>
+                <a:spcPct val="100000"/>
+              </a:lnSpc>
+              <a:spcBef>
+                <a:spcPts val="0"/>
+              </a:spcBef>
+              <a:spcAft>
+                <a:spcPts val="0"/>
+              </a:spcAft>
+              <a:buClrTx/>
+              <a:buSzTx/>
+              <a:buFontTx/>
+              <a:buNone/>
+              <a:tabLst/>
+              <a:defRPr/>
+            </a:pPr>
+            <a:endParaRPr kumimoji="0" lang="en-US" sz="1800" b="0" i="0" u="none" strike="noStrike" kern="1200" cap="none" spc="0" normalizeH="0" baseline="0" noProof="0">
+              <a:ln>
+                <a:noFill/>
+              </a:ln>
+              <a:solidFill>
+                <a:prstClr val="white"/>
+              </a:solidFill>
+              <a:effectLst/>
+              <a:uLnTx/>
+              <a:uFillTx/>
+              <a:latin typeface="Calibri" panose="020F0502020204030204"/>
+              <a:ea typeface="+mn-ea"/>
+              <a:cs typeface="+mn-cs"/>
+            </a:endParaRPr>
+          </a:p>
+        </p:txBody>
+      </p:sp>
+      <p:sp>
+        <p:nvSpPr>
+          <p:cNvPr id="13" name="Rectangle 12">
+            <a:extLst>
+              <a:ext uri="{FF2B5EF4-FFF2-40B4-BE49-F238E27FC236}">
+                <a16:creationId xmlns:a16="http://schemas.microsoft.com/office/drawing/2014/main" id="{42663BD0-064C-40FC-A331-F49FCA9536AA}"/>
+              </a:ext>
+              <a:ext uri="{C183D7F6-B498-43B3-948B-1728B52AA6E4}">
+                <adec:decorative xmlns:adec="http://schemas.microsoft.com/office/drawing/2017/decorative" val="1"/>
+              </a:ext>
+            </a:extLst>
+          </p:cNvPr>
+          <p:cNvSpPr>
+            <a:spLocks noGrp="1" noRot="1" noChangeAspect="1" noMove="1" noResize="1" noEditPoints="1" noAdjustHandles="1" noChangeArrowheads="1" noChangeShapeType="1" noTextEdit="1"/>
+          </p:cNvSpPr>
+          <p:nvPr>
+            <p:extLst>
+              <p:ext uri="{386F3935-93C4-4BCD-93E2-E3B085C9AB24}">
+                <p16:designElem xmlns:p16="http://schemas.microsoft.com/office/powerpoint/2015/main" val="1"/>
+              </p:ext>
+            </p:extLst>
+          </p:nvPr>
+        </p:nvSpPr>
+        <p:spPr>
+          <a:xfrm>
+            <a:off x="618506" y="2935541"/>
+            <a:ext cx="6217920" cy="18288"/>
+          </a:xfrm>
+          <a:prstGeom prst="rect">
+            <a:avLst/>
+          </a:prstGeom>
+          <a:solidFill>
+            <a:schemeClr val="tx2">
+              <a:lumMod val="25000"/>
+              <a:lumOff val="75000"/>
+            </a:schemeClr>
+          </a:solidFill>
+          <a:ln w="3175">
+            <a:noFill/>
+          </a:ln>
+          <a:effectLst/>
+        </p:spPr>
+        <p:style>
+          <a:lnRef idx="2">
+            <a:schemeClr val="accent1">
+              <a:shade val="50000"/>
+            </a:schemeClr>
+          </a:lnRef>
+          <a:fillRef idx="1">
+            <a:schemeClr val="accent1"/>
+          </a:fillRef>
+          <a:effectRef idx="0">
+            <a:schemeClr val="accent1"/>
+          </a:effectRef>
+          <a:fontRef idx="minor">
+            <a:schemeClr val="lt1"/>
+          </a:fontRef>
+        </p:style>
+        <p:txBody>
+          <a:bodyPr rtlCol="0" anchor="ctr"/>
+          <a:lstStyle/>
+          <a:p>
+            <a:pPr marL="0" marR="0" lvl="0" indent="0" algn="ctr" defTabSz="914400" rtl="0" eaLnBrk="1" fontAlgn="auto" latinLnBrk="0" hangingPunct="1">
+              <a:lnSpc>
+                <a:spcPct val="100000"/>
+              </a:lnSpc>
+              <a:spcBef>
+                <a:spcPts val="0"/>
+              </a:spcBef>
+              <a:spcAft>
+                <a:spcPts val="0"/>
+              </a:spcAft>
+              <a:buClrTx/>
+              <a:buSzTx/>
+              <a:buFontTx/>
+              <a:buNone/>
+              <a:tabLst/>
+              <a:defRPr/>
+            </a:pPr>
+            <a:endParaRPr kumimoji="0" lang="en-US" sz="1800" b="0" i="0" u="none" strike="noStrike" kern="1200" cap="none" spc="0" normalizeH="0" baseline="0" noProof="0">
+              <a:ln>
+                <a:noFill/>
+              </a:ln>
+              <a:solidFill>
+                <a:prstClr val="white"/>
+              </a:solidFill>
+              <a:effectLst/>
+              <a:uLnTx/>
+              <a:uFillTx/>
+              <a:latin typeface="Calibri" panose="020F0502020204030204"/>
+              <a:ea typeface="+mn-ea"/>
+              <a:cs typeface="+mn-cs"/>
+            </a:endParaRPr>
           </a:p>
         </p:txBody>
       </p:sp>
@@ -5653,35 +11871,245 @@
             <p:ph idx="1"/>
           </p:nvPr>
         </p:nvSpPr>
-        <p:spPr/>
-        <p:txBody>
-          <a:bodyPr/>
+        <p:spPr>
+          <a:xfrm>
+            <a:off x="615458" y="3355848"/>
+            <a:ext cx="6268770" cy="2825496"/>
+          </a:xfrm>
+        </p:spPr>
+        <p:txBody>
+          <a:bodyPr>
+            <a:normAutofit/>
+          </a:bodyPr>
           <a:lstStyle/>
           <a:p>
+            <a:pPr marL="0" indent="0">
+              <a:lnSpc>
+                <a:spcPct val="100000"/>
+              </a:lnSpc>
+              <a:buNone/>
+            </a:pPr>
             <a:r>
-              <a:rPr lang="it-IT" dirty="0"/>
-              <a:t>Accenni sui pannelli </a:t>
+              <a:rPr lang="en-US" sz="1500" dirty="0"/>
+              <a:t>This presentation focuses on solving an optimization problem related to a parallel-series configuration of photovoltaic (PV) panels to maximize power generation. The objective is to identify the optimal voltage value that achieves maximum power output. Throughout the presentation, the techniques employed and the results obtained will be analyzed, highlighting the advantages of this solution and potential applications in the field of solar energy. The focus will be on the approach used to optimize the performance of photovoltaic systems and the potential benefits that arise from it.</a:t>
             </a:r>
-          </a:p>
-          <a:p>
-            <a:r>
-              <a:rPr lang="it-IT" dirty="0"/>
-              <a:t>Come funziona MPPT </a:t>
-            </a:r>
-            <a:r>
-              <a:rPr lang="it-IT"/>
-              <a:t>in generale</a:t>
-            </a:r>
-          </a:p>
-          <a:p>
-            <a:endParaRPr lang="it-IT" dirty="0"/>
-          </a:p>
-        </p:txBody>
-      </p:sp>
+            <a:endParaRPr lang="it-IT" sz="1500" dirty="0"/>
+          </a:p>
+        </p:txBody>
+      </p:sp>
+      <p:pic>
+        <p:nvPicPr>
+          <p:cNvPr id="5" name="Picture 4" descr="Lampadina su sfondo giallo con cavo e fasci di luce disegnati">
+            <a:extLst>
+              <a:ext uri="{FF2B5EF4-FFF2-40B4-BE49-F238E27FC236}">
+                <a16:creationId xmlns:a16="http://schemas.microsoft.com/office/drawing/2014/main" id="{7B8D5584-A3B1-A6E2-2DBA-B3977BC6F742}"/>
+              </a:ext>
+            </a:extLst>
+          </p:cNvPr>
+          <p:cNvPicPr>
+            <a:picLocks noChangeAspect="1"/>
+          </p:cNvPicPr>
+          <p:nvPr/>
+        </p:nvPicPr>
+        <p:blipFill rotWithShape="1">
+          <a:blip r:embed="rId2"/>
+          <a:srcRect l="51916" r="7658"/>
+          <a:stretch/>
+        </p:blipFill>
+        <p:spPr>
+          <a:xfrm>
+            <a:off x="7684006" y="10"/>
+            <a:ext cx="4507993" cy="6857990"/>
+          </a:xfrm>
+          <a:prstGeom prst="rect">
+            <a:avLst/>
+          </a:prstGeom>
+        </p:spPr>
+      </p:pic>
     </p:spTree>
     <p:extLst>
       <p:ext uri="{BB962C8B-B14F-4D97-AF65-F5344CB8AC3E}">
-        <p14:creationId xmlns:p14="http://schemas.microsoft.com/office/powerpoint/2010/main" val="3146612451"/>
+        <p14:creationId xmlns:p14="http://schemas.microsoft.com/office/powerpoint/2010/main" val="1300032028"/>
+      </p:ext>
+    </p:extLst>
+  </p:cSld>
+  <p:clrMapOvr>
+    <a:masterClrMapping/>
+  </p:clrMapOvr>
+  <mc:AlternateContent xmlns:mc="http://schemas.openxmlformats.org/markup-compatibility/2006">
+    <mc:Choice xmlns:p159="http://schemas.microsoft.com/office/powerpoint/2015/09/main" Requires="p159">
+      <p:transition xmlns:p14="http://schemas.microsoft.com/office/powerpoint/2010/main" spd="slow" p14:dur="2000">
+        <p159:morph option="byObject"/>
+      </p:transition>
+    </mc:Choice>
+    <mc:Fallback>
+      <p:transition spd="slow">
+        <p:fade/>
+      </p:transition>
+    </mc:Fallback>
+  </mc:AlternateContent>
+</p:sld>
+</file>
+
+<file path=ppt/slides/slide20.xml><?xml version="1.0" encoding="utf-8"?>
+<p:sld xmlns:a="http://schemas.openxmlformats.org/drawingml/2006/main" xmlns:r="http://schemas.openxmlformats.org/officeDocument/2006/relationships" xmlns:p="http://schemas.openxmlformats.org/presentationml/2006/main">
+  <p:cSld>
+    <p:spTree>
+      <p:nvGrpSpPr>
+        <p:cNvPr id="1" name=""/>
+        <p:cNvGrpSpPr/>
+        <p:nvPr/>
+      </p:nvGrpSpPr>
+      <p:grpSpPr>
+        <a:xfrm>
+          <a:off x="0" y="0"/>
+          <a:ext cx="0" cy="0"/>
+          <a:chOff x="0" y="0"/>
+          <a:chExt cx="0" cy="0"/>
+        </a:xfrm>
+      </p:grpSpPr>
+      <p:sp>
+        <p:nvSpPr>
+          <p:cNvPr id="2" name="Titolo 1">
+            <a:extLst>
+              <a:ext uri="{FF2B5EF4-FFF2-40B4-BE49-F238E27FC236}">
+                <a16:creationId xmlns:a16="http://schemas.microsoft.com/office/drawing/2014/main" id="{2FFC5C31-5ED2-31C2-846F-1AB54EC8859B}"/>
+              </a:ext>
+            </a:extLst>
+          </p:cNvPr>
+          <p:cNvSpPr>
+            <a:spLocks noGrp="1"/>
+          </p:cNvSpPr>
+          <p:nvPr>
+            <p:ph type="title"/>
+          </p:nvPr>
+        </p:nvSpPr>
+        <p:spPr/>
+        <p:txBody>
+          <a:bodyPr/>
+          <a:lstStyle/>
+          <a:p>
+            <a:r>
+              <a:rPr lang="it-IT" dirty="0" err="1"/>
+              <a:t>Conclusions</a:t>
+            </a:r>
+            <a:endParaRPr lang="it-IT" dirty="0"/>
+          </a:p>
+        </p:txBody>
+      </p:sp>
+      <p:sp>
+        <p:nvSpPr>
+          <p:cNvPr id="3" name="Segnaposto contenuto 2">
+            <a:extLst>
+              <a:ext uri="{FF2B5EF4-FFF2-40B4-BE49-F238E27FC236}">
+                <a16:creationId xmlns:a16="http://schemas.microsoft.com/office/drawing/2014/main" id="{E21B3A5A-CA0F-B86E-F7D9-D90ABD1B6726}"/>
+              </a:ext>
+            </a:extLst>
+          </p:cNvPr>
+          <p:cNvSpPr>
+            <a:spLocks noGrp="1"/>
+          </p:cNvSpPr>
+          <p:nvPr>
+            <p:ph idx="1"/>
+          </p:nvPr>
+        </p:nvSpPr>
+        <p:spPr/>
+        <p:txBody>
+          <a:bodyPr/>
+          <a:lstStyle/>
+          <a:p>
+            <a:endParaRPr lang="it-IT"/>
+          </a:p>
+        </p:txBody>
+      </p:sp>
+    </p:spTree>
+    <p:extLst>
+      <p:ext uri="{BB962C8B-B14F-4D97-AF65-F5344CB8AC3E}">
+        <p14:creationId xmlns:p14="http://schemas.microsoft.com/office/powerpoint/2010/main" val="3003280789"/>
+      </p:ext>
+    </p:extLst>
+  </p:cSld>
+  <p:clrMapOvr>
+    <a:masterClrMapping/>
+  </p:clrMapOvr>
+</p:sld>
+</file>
+
+<file path=ppt/slides/slide21.xml><?xml version="1.0" encoding="utf-8"?>
+<p:sld xmlns:a="http://schemas.openxmlformats.org/drawingml/2006/main" xmlns:r="http://schemas.openxmlformats.org/officeDocument/2006/relationships" xmlns:p="http://schemas.openxmlformats.org/presentationml/2006/main">
+  <p:cSld>
+    <p:spTree>
+      <p:nvGrpSpPr>
+        <p:cNvPr id="1" name=""/>
+        <p:cNvGrpSpPr/>
+        <p:nvPr/>
+      </p:nvGrpSpPr>
+      <p:grpSpPr>
+        <a:xfrm>
+          <a:off x="0" y="0"/>
+          <a:ext cx="0" cy="0"/>
+          <a:chOff x="0" y="0"/>
+          <a:chExt cx="0" cy="0"/>
+        </a:xfrm>
+      </p:grpSpPr>
+      <p:sp>
+        <p:nvSpPr>
+          <p:cNvPr id="2" name="Titolo 1">
+            <a:extLst>
+              <a:ext uri="{FF2B5EF4-FFF2-40B4-BE49-F238E27FC236}">
+                <a16:creationId xmlns:a16="http://schemas.microsoft.com/office/drawing/2014/main" id="{D4603B4C-A6C4-E1EB-52AC-2F0F3BFCACA5}"/>
+              </a:ext>
+            </a:extLst>
+          </p:cNvPr>
+          <p:cNvSpPr>
+            <a:spLocks noGrp="1"/>
+          </p:cNvSpPr>
+          <p:nvPr>
+            <p:ph type="title"/>
+          </p:nvPr>
+        </p:nvSpPr>
+        <p:spPr/>
+        <p:txBody>
+          <a:bodyPr/>
+          <a:lstStyle/>
+          <a:p>
+            <a:r>
+              <a:rPr lang="it-IT" dirty="0" err="1"/>
+              <a:t>Bibliography</a:t>
+            </a:r>
+            <a:endParaRPr lang="it-IT" dirty="0"/>
+          </a:p>
+        </p:txBody>
+      </p:sp>
+      <p:sp>
+        <p:nvSpPr>
+          <p:cNvPr id="3" name="Segnaposto contenuto 2">
+            <a:extLst>
+              <a:ext uri="{FF2B5EF4-FFF2-40B4-BE49-F238E27FC236}">
+                <a16:creationId xmlns:a16="http://schemas.microsoft.com/office/drawing/2014/main" id="{280F83CB-D664-BE40-4315-5A23FD3DB8B8}"/>
+              </a:ext>
+            </a:extLst>
+          </p:cNvPr>
+          <p:cNvSpPr>
+            <a:spLocks noGrp="1"/>
+          </p:cNvSpPr>
+          <p:nvPr>
+            <p:ph idx="1"/>
+          </p:nvPr>
+        </p:nvSpPr>
+        <p:spPr/>
+        <p:txBody>
+          <a:bodyPr/>
+          <a:lstStyle/>
+          <a:p>
+            <a:endParaRPr lang="it-IT"/>
+          </a:p>
+        </p:txBody>
+      </p:sp>
+    </p:spTree>
+    <p:extLst>
+      <p:ext uri="{BB962C8B-B14F-4D97-AF65-F5344CB8AC3E}">
+        <p14:creationId xmlns:p14="http://schemas.microsoft.com/office/powerpoint/2010/main" val="995637246"/>
       </p:ext>
     </p:extLst>
   </p:cSld>
@@ -5730,46 +12158,38 @@
           <a:lstStyle/>
           <a:p>
             <a:r>
-              <a:rPr lang="it-IT" dirty="0" err="1"/>
-              <a:t>Problem</a:t>
+              <a:rPr lang="it-IT" dirty="0"/>
+              <a:t>Problem outline</a:t>
             </a:r>
-            <a:r>
-              <a:rPr lang="it-IT" dirty="0"/>
-              <a:t> </a:t>
-            </a:r>
-            <a:r>
-              <a:rPr lang="it-IT" dirty="0" err="1"/>
-              <a:t>description</a:t>
-            </a:r>
-            <a:endParaRPr lang="it-IT" dirty="0"/>
-          </a:p>
-        </p:txBody>
-      </p:sp>
-      <p:sp>
-        <p:nvSpPr>
-          <p:cNvPr id="3" name="Segnaposto contenuto 2">
-            <a:extLst>
-              <a:ext uri="{FF2B5EF4-FFF2-40B4-BE49-F238E27FC236}">
-                <a16:creationId xmlns:a16="http://schemas.microsoft.com/office/drawing/2014/main" id="{0E1D9650-4973-6336-94EB-D0E0EF5F0F64}"/>
-              </a:ext>
-            </a:extLst>
-          </p:cNvPr>
-          <p:cNvSpPr>
-            <a:spLocks noGrp="1"/>
-          </p:cNvSpPr>
+          </a:p>
+        </p:txBody>
+      </p:sp>
+      <p:graphicFrame>
+        <p:nvGraphicFramePr>
+          <p:cNvPr id="15" name="Segnaposto contenuto 2">
+            <a:extLst>
+              <a:ext uri="{FF2B5EF4-FFF2-40B4-BE49-F238E27FC236}">
+                <a16:creationId xmlns:a16="http://schemas.microsoft.com/office/drawing/2014/main" id="{D883F46A-73F6-4C01-914E-7369A8B104F2}"/>
+              </a:ext>
+            </a:extLst>
+          </p:cNvPr>
+          <p:cNvGraphicFramePr>
+            <a:graphicFrameLocks noGrp="1"/>
+          </p:cNvGraphicFramePr>
           <p:nvPr>
             <p:ph idx="1"/>
           </p:nvPr>
-        </p:nvSpPr>
-        <p:spPr/>
-        <p:txBody>
-          <a:bodyPr/>
-          <a:lstStyle/>
-          <a:p>
-            <a:endParaRPr lang="it-IT"/>
-          </a:p>
-        </p:txBody>
-      </p:sp>
+        </p:nvGraphicFramePr>
+        <p:xfrm>
+          <a:off x="1115568" y="2478024"/>
+          <a:ext cx="10168128" cy="3694176"/>
+        </p:xfrm>
+        <a:graphic>
+          <a:graphicData uri="http://schemas.openxmlformats.org/drawingml/2006/diagram">
+            <dgm:relIds xmlns:dgm="http://schemas.openxmlformats.org/drawingml/2006/diagram" xmlns:r="http://schemas.openxmlformats.org/officeDocument/2006/relationships" r:dm="rId2" r:lo="rId3" r:qs="rId4" r:cs="rId5"/>
+          </a:graphicData>
+        </a:graphic>
+      </p:graphicFrame>
     </p:spTree>
     <p:extLst>
       <p:ext uri="{BB962C8B-B14F-4D97-AF65-F5344CB8AC3E}">
@@ -5780,6 +12200,18 @@
   <p:clrMapOvr>
     <a:masterClrMapping/>
   </p:clrMapOvr>
+  <mc:AlternateContent xmlns:mc="http://schemas.openxmlformats.org/markup-compatibility/2006">
+    <mc:Choice xmlns:p159="http://schemas.microsoft.com/office/powerpoint/2015/09/main" Requires="p159">
+      <p:transition xmlns:p14="http://schemas.microsoft.com/office/powerpoint/2010/main" spd="slow" p14:dur="2000">
+        <p159:morph option="byObject"/>
+      </p:transition>
+    </mc:Choice>
+    <mc:Fallback>
+      <p:transition spd="slow">
+        <p:fade/>
+      </p:transition>
+    </mc:Fallback>
+  </mc:AlternateContent>
 </p:sld>
 </file>
 
@@ -5805,7 +12237,7 @@
           <p:cNvPr id="2" name="Titolo 1">
             <a:extLst>
               <a:ext uri="{FF2B5EF4-FFF2-40B4-BE49-F238E27FC236}">
-                <a16:creationId xmlns:a16="http://schemas.microsoft.com/office/drawing/2014/main" id="{FA74FA27-809E-FA42-4923-899507F85FF8}"/>
+                <a16:creationId xmlns:a16="http://schemas.microsoft.com/office/drawing/2014/main" id="{154454CD-4916-8E1F-2D56-52B0118C0DEE}"/>
               </a:ext>
             </a:extLst>
           </p:cNvPr>
@@ -5823,7 +12255,7 @@
           <a:p>
             <a:r>
               <a:rPr lang="it-IT" dirty="0" err="1"/>
-              <a:t>Problem</a:t>
+              <a:t>Theoretical</a:t>
             </a:r>
             <a:r>
               <a:rPr lang="it-IT" dirty="0"/>
@@ -5831,7 +12263,7 @@
             </a:r>
             <a:r>
               <a:rPr lang="it-IT" dirty="0" err="1"/>
-              <a:t>resolution</a:t>
+              <a:t>outlines</a:t>
             </a:r>
             <a:endParaRPr lang="it-IT" dirty="0"/>
           </a:p>
@@ -5842,7 +12274,7 @@
           <p:cNvPr id="3" name="Segnaposto contenuto 2">
             <a:extLst>
               <a:ext uri="{FF2B5EF4-FFF2-40B4-BE49-F238E27FC236}">
-                <a16:creationId xmlns:a16="http://schemas.microsoft.com/office/drawing/2014/main" id="{13E2FBE0-9D95-0E20-7D3B-B6B2152DDD60}"/>
+                <a16:creationId xmlns:a16="http://schemas.microsoft.com/office/drawing/2014/main" id="{2484187F-7A4E-4444-413F-BEC1589BC1AB}"/>
               </a:ext>
             </a:extLst>
           </p:cNvPr>
@@ -5858,26 +12290,62 @@
           <a:bodyPr/>
           <a:lstStyle/>
           <a:p>
-            <a:endParaRPr lang="it-IT"/>
+            <a:r>
+              <a:rPr lang="it-IT" dirty="0"/>
+              <a:t>Accenni sui pannelli </a:t>
+            </a:r>
+          </a:p>
+          <a:p>
+            <a:r>
+              <a:rPr lang="it-IT" dirty="0"/>
+              <a:t>Come funziona MPPT </a:t>
+            </a:r>
+            <a:r>
+              <a:rPr lang="it-IT"/>
+              <a:t>in generale</a:t>
+            </a:r>
+          </a:p>
+          <a:p>
+            <a:endParaRPr lang="it-IT" dirty="0"/>
           </a:p>
         </p:txBody>
       </p:sp>
     </p:spTree>
     <p:extLst>
       <p:ext uri="{BB962C8B-B14F-4D97-AF65-F5344CB8AC3E}">
-        <p14:creationId xmlns:p14="http://schemas.microsoft.com/office/powerpoint/2010/main" val="2960758482"/>
+        <p14:creationId xmlns:p14="http://schemas.microsoft.com/office/powerpoint/2010/main" val="3146612451"/>
       </p:ext>
     </p:extLst>
   </p:cSld>
   <p:clrMapOvr>
     <a:masterClrMapping/>
   </p:clrMapOvr>
+  <mc:AlternateContent xmlns:mc="http://schemas.openxmlformats.org/markup-compatibility/2006">
+    <mc:Choice xmlns:p159="http://schemas.microsoft.com/office/powerpoint/2015/09/main" Requires="p159">
+      <p:transition xmlns:p14="http://schemas.microsoft.com/office/powerpoint/2010/main" spd="slow" p14:dur="2000">
+        <p159:morph option="byObject"/>
+      </p:transition>
+    </mc:Choice>
+    <mc:Fallback>
+      <p:transition spd="slow">
+        <p:fade/>
+      </p:transition>
+    </mc:Fallback>
+  </mc:AlternateContent>
 </p:sld>
 </file>
 
 <file path=ppt/slides/slide5.xml><?xml version="1.0" encoding="utf-8"?>
 <p:sld xmlns:a="http://schemas.openxmlformats.org/drawingml/2006/main" xmlns:r="http://schemas.openxmlformats.org/officeDocument/2006/relationships" xmlns:p="http://schemas.openxmlformats.org/presentationml/2006/main">
   <p:cSld>
+    <p:bg>
+      <p:bgPr>
+        <a:solidFill>
+          <a:schemeClr val="bg1"/>
+        </a:solidFill>
+        <a:effectLst/>
+      </p:bgPr>
+    </p:bg>
     <p:spTree>
       <p:nvGrpSpPr>
         <p:cNvPr id="1" name=""/>
@@ -5892,12 +12360,410 @@
           <a:chExt cx="0" cy="0"/>
         </a:xfrm>
       </p:grpSpPr>
-      <p:sp>
-        <p:nvSpPr>
-          <p:cNvPr id="2" name="Titolo 1">
-            <a:extLst>
-              <a:ext uri="{FF2B5EF4-FFF2-40B4-BE49-F238E27FC236}">
-                <a16:creationId xmlns:a16="http://schemas.microsoft.com/office/drawing/2014/main" id="{2FFC5C31-5ED2-31C2-846F-1AB54EC8859B}"/>
+      <p:sp useBgFill="1">
+        <p:nvSpPr>
+          <p:cNvPr id="26" name="Rectangle 10">
+            <a:extLst>
+              <a:ext uri="{FF2B5EF4-FFF2-40B4-BE49-F238E27FC236}">
+                <a16:creationId xmlns:a16="http://schemas.microsoft.com/office/drawing/2014/main" id="{0288C6B4-AFC3-407F-A595-EFFD38D4CCAF}"/>
+              </a:ext>
+              <a:ext uri="{C183D7F6-B498-43B3-948B-1728B52AA6E4}">
+                <adec:decorative xmlns:adec="http://schemas.microsoft.com/office/drawing/2017/decorative" val="1"/>
+              </a:ext>
+            </a:extLst>
+          </p:cNvPr>
+          <p:cNvSpPr>
+            <a:spLocks noGrp="1" noRot="1" noChangeAspect="1" noMove="1" noResize="1" noEditPoints="1" noAdjustHandles="1" noChangeArrowheads="1" noChangeShapeType="1" noTextEdit="1"/>
+          </p:cNvSpPr>
+          <p:nvPr>
+            <p:extLst>
+              <p:ext uri="{386F3935-93C4-4BCD-93E2-E3B085C9AB24}">
+                <p16:designElem xmlns:p16="http://schemas.microsoft.com/office/powerpoint/2015/main" val="1"/>
+              </p:ext>
+            </p:extLst>
+          </p:nvPr>
+        </p:nvSpPr>
+        <p:spPr>
+          <a:xfrm>
+            <a:off x="0" y="0"/>
+            <a:ext cx="12192000" cy="6858000"/>
+          </a:xfrm>
+          <a:prstGeom prst="rect">
+            <a:avLst/>
+          </a:prstGeom>
+          <a:ln>
+            <a:noFill/>
+          </a:ln>
+        </p:spPr>
+        <p:style>
+          <a:lnRef idx="2">
+            <a:schemeClr val="accent1">
+              <a:shade val="50000"/>
+            </a:schemeClr>
+          </a:lnRef>
+          <a:fillRef idx="1">
+            <a:schemeClr val="accent1"/>
+          </a:fillRef>
+          <a:effectRef idx="0">
+            <a:schemeClr val="accent1"/>
+          </a:effectRef>
+          <a:fontRef idx="minor">
+            <a:schemeClr val="lt1"/>
+          </a:fontRef>
+        </p:style>
+        <p:txBody>
+          <a:bodyPr rtlCol="0" anchor="ctr"/>
+          <a:lstStyle/>
+          <a:p>
+            <a:pPr algn="ctr"/>
+            <a:endParaRPr lang="en-US"/>
+          </a:p>
+        </p:txBody>
+      </p:sp>
+      <p:sp useBgFill="1">
+        <p:nvSpPr>
+          <p:cNvPr id="27" name="Freeform: Shape 12">
+            <a:extLst>
+              <a:ext uri="{FF2B5EF4-FFF2-40B4-BE49-F238E27FC236}">
+                <a16:creationId xmlns:a16="http://schemas.microsoft.com/office/drawing/2014/main" id="{CF236821-17FE-429B-8D2C-08E13A64EA40}"/>
+              </a:ext>
+              <a:ext uri="{C183D7F6-B498-43B3-948B-1728B52AA6E4}">
+                <adec:decorative xmlns:adec="http://schemas.microsoft.com/office/drawing/2017/decorative" val="1"/>
+              </a:ext>
+            </a:extLst>
+          </p:cNvPr>
+          <p:cNvSpPr>
+            <a:spLocks noGrp="1" noRot="1" noChangeAspect="1" noMove="1" noResize="1" noEditPoints="1" noAdjustHandles="1" noChangeArrowheads="1" noChangeShapeType="1" noTextEdit="1"/>
+          </p:cNvSpPr>
+          <p:nvPr>
+            <p:extLst>
+              <p:ext uri="{386F3935-93C4-4BCD-93E2-E3B085C9AB24}">
+                <p16:designElem xmlns:p16="http://schemas.microsoft.com/office/powerpoint/2015/main" val="1"/>
+              </p:ext>
+            </p:extLst>
+          </p:nvPr>
+        </p:nvSpPr>
+        <p:spPr>
+          <a:xfrm>
+            <a:off x="-1" y="0"/>
+            <a:ext cx="4455673" cy="6858000"/>
+          </a:xfrm>
+          <a:custGeom>
+            <a:avLst/>
+            <a:gdLst>
+              <a:gd name="connsiteX0" fmla="*/ 0 w 4455673"/>
+              <a:gd name="connsiteY0" fmla="*/ 0 h 6858000"/>
+              <a:gd name="connsiteX1" fmla="*/ 3242695 w 4455673"/>
+              <a:gd name="connsiteY1" fmla="*/ 0 h 6858000"/>
+              <a:gd name="connsiteX2" fmla="*/ 3305678 w 4455673"/>
+              <a:gd name="connsiteY2" fmla="*/ 69271 h 6858000"/>
+              <a:gd name="connsiteX3" fmla="*/ 4455673 w 4455673"/>
+              <a:gd name="connsiteY3" fmla="*/ 3429000 h 6858000"/>
+              <a:gd name="connsiteX4" fmla="*/ 3305678 w 4455673"/>
+              <a:gd name="connsiteY4" fmla="*/ 6788730 h 6858000"/>
+              <a:gd name="connsiteX5" fmla="*/ 3242695 w 4455673"/>
+              <a:gd name="connsiteY5" fmla="*/ 6858000 h 6858000"/>
+              <a:gd name="connsiteX6" fmla="*/ 0 w 4455673"/>
+              <a:gd name="connsiteY6" fmla="*/ 6858000 h 6858000"/>
+            </a:gdLst>
+            <a:ahLst/>
+            <a:cxnLst>
+              <a:cxn ang="0">
+                <a:pos x="connsiteX0" y="connsiteY0"/>
+              </a:cxn>
+              <a:cxn ang="0">
+                <a:pos x="connsiteX1" y="connsiteY1"/>
+              </a:cxn>
+              <a:cxn ang="0">
+                <a:pos x="connsiteX2" y="connsiteY2"/>
+              </a:cxn>
+              <a:cxn ang="0">
+                <a:pos x="connsiteX3" y="connsiteY3"/>
+              </a:cxn>
+              <a:cxn ang="0">
+                <a:pos x="connsiteX4" y="connsiteY4"/>
+              </a:cxn>
+              <a:cxn ang="0">
+                <a:pos x="connsiteX5" y="connsiteY5"/>
+              </a:cxn>
+              <a:cxn ang="0">
+                <a:pos x="connsiteX6" y="connsiteY6"/>
+              </a:cxn>
+            </a:cxnLst>
+            <a:rect l="l" t="t" r="r" b="b"/>
+            <a:pathLst>
+              <a:path w="4455673" h="6858000">
+                <a:moveTo>
+                  <a:pt x="0" y="0"/>
+                </a:moveTo>
+                <a:lnTo>
+                  <a:pt x="3242695" y="0"/>
+                </a:lnTo>
+                <a:lnTo>
+                  <a:pt x="3305678" y="69271"/>
+                </a:lnTo>
+                <a:cubicBezTo>
+                  <a:pt x="4016204" y="929100"/>
+                  <a:pt x="4455673" y="2116944"/>
+                  <a:pt x="4455673" y="3429000"/>
+                </a:cubicBezTo>
+                <a:cubicBezTo>
+                  <a:pt x="4455673" y="4741056"/>
+                  <a:pt x="4016204" y="5928900"/>
+                  <a:pt x="3305678" y="6788730"/>
+                </a:cubicBezTo>
+                <a:lnTo>
+                  <a:pt x="3242695" y="6858000"/>
+                </a:lnTo>
+                <a:lnTo>
+                  <a:pt x="0" y="6858000"/>
+                </a:lnTo>
+                <a:close/>
+              </a:path>
+            </a:pathLst>
+          </a:custGeom>
+          <a:ln w="9525">
+            <a:solidFill>
+              <a:schemeClr val="tx2">
+                <a:lumMod val="10000"/>
+                <a:lumOff val="90000"/>
+              </a:schemeClr>
+            </a:solidFill>
+          </a:ln>
+          <a:effectLst>
+            <a:outerShdw blurRad="50800" dist="38100" algn="l" rotWithShape="0">
+              <a:schemeClr val="bg1">
+                <a:lumMod val="85000"/>
+                <a:alpha val="30000"/>
+              </a:schemeClr>
+            </a:outerShdw>
+          </a:effectLst>
+        </p:spPr>
+        <p:style>
+          <a:lnRef idx="2">
+            <a:schemeClr val="accent1">
+              <a:shade val="50000"/>
+            </a:schemeClr>
+          </a:lnRef>
+          <a:fillRef idx="1">
+            <a:schemeClr val="accent1"/>
+          </a:fillRef>
+          <a:effectRef idx="0">
+            <a:schemeClr val="accent1"/>
+          </a:effectRef>
+          <a:fontRef idx="minor">
+            <a:schemeClr val="lt1"/>
+          </a:fontRef>
+        </p:style>
+        <p:txBody>
+          <a:bodyPr wrap="square" rtlCol="0" anchor="ctr">
+            <a:noAutofit/>
+          </a:bodyPr>
+          <a:lstStyle/>
+          <a:p>
+            <a:pPr marL="0" marR="0" lvl="0" indent="0" algn="ctr" defTabSz="914400" rtl="0" eaLnBrk="1" fontAlgn="auto" latinLnBrk="0" hangingPunct="1">
+              <a:lnSpc>
+                <a:spcPct val="100000"/>
+              </a:lnSpc>
+              <a:spcBef>
+                <a:spcPts val="0"/>
+              </a:spcBef>
+              <a:spcAft>
+                <a:spcPts val="0"/>
+              </a:spcAft>
+              <a:buClrTx/>
+              <a:buSzTx/>
+              <a:buFontTx/>
+              <a:buNone/>
+              <a:tabLst/>
+              <a:defRPr/>
+            </a:pPr>
+            <a:endParaRPr kumimoji="0" lang="en-US" sz="1800" b="0" i="0" u="none" strike="noStrike" kern="1200" cap="none" spc="0" normalizeH="0" baseline="0" noProof="0">
+              <a:ln>
+                <a:noFill/>
+              </a:ln>
+              <a:solidFill>
+                <a:prstClr val="white"/>
+              </a:solidFill>
+              <a:effectLst/>
+              <a:uLnTx/>
+              <a:uFillTx/>
+              <a:latin typeface="Calibri" panose="020F0502020204030204"/>
+              <a:ea typeface="+mn-ea"/>
+              <a:cs typeface="+mn-cs"/>
+            </a:endParaRPr>
+          </a:p>
+        </p:txBody>
+      </p:sp>
+      <p:sp useBgFill="1">
+        <p:nvSpPr>
+          <p:cNvPr id="28" name="Freeform: Shape 14">
+            <a:extLst>
+              <a:ext uri="{FF2B5EF4-FFF2-40B4-BE49-F238E27FC236}">
+                <a16:creationId xmlns:a16="http://schemas.microsoft.com/office/drawing/2014/main" id="{C0BDBCD2-E081-43AB-9119-C55465E59757}"/>
+              </a:ext>
+              <a:ext uri="{C183D7F6-B498-43B3-948B-1728B52AA6E4}">
+                <adec:decorative xmlns:adec="http://schemas.microsoft.com/office/drawing/2017/decorative" val="1"/>
+              </a:ext>
+            </a:extLst>
+          </p:cNvPr>
+          <p:cNvSpPr>
+            <a:spLocks noGrp="1" noRot="1" noChangeAspect="1" noMove="1" noResize="1" noEditPoints="1" noAdjustHandles="1" noChangeArrowheads="1" noChangeShapeType="1" noTextEdit="1"/>
+          </p:cNvSpPr>
+          <p:nvPr>
+            <p:extLst>
+              <p:ext uri="{386F3935-93C4-4BCD-93E2-E3B085C9AB24}">
+                <p16:designElem xmlns:p16="http://schemas.microsoft.com/office/powerpoint/2015/main" val="1"/>
+              </p:ext>
+            </p:extLst>
+          </p:nvPr>
+        </p:nvSpPr>
+        <p:spPr>
+          <a:xfrm>
+            <a:off x="0" y="0"/>
+            <a:ext cx="4446529" cy="6858000"/>
+          </a:xfrm>
+          <a:custGeom>
+            <a:avLst/>
+            <a:gdLst>
+              <a:gd name="connsiteX0" fmla="*/ 0 w 4446529"/>
+              <a:gd name="connsiteY0" fmla="*/ 0 h 6858000"/>
+              <a:gd name="connsiteX1" fmla="*/ 3233551 w 4446529"/>
+              <a:gd name="connsiteY1" fmla="*/ 0 h 6858000"/>
+              <a:gd name="connsiteX2" fmla="*/ 3296534 w 4446529"/>
+              <a:gd name="connsiteY2" fmla="*/ 69271 h 6858000"/>
+              <a:gd name="connsiteX3" fmla="*/ 4446529 w 4446529"/>
+              <a:gd name="connsiteY3" fmla="*/ 3429000 h 6858000"/>
+              <a:gd name="connsiteX4" fmla="*/ 3296534 w 4446529"/>
+              <a:gd name="connsiteY4" fmla="*/ 6788730 h 6858000"/>
+              <a:gd name="connsiteX5" fmla="*/ 3233551 w 4446529"/>
+              <a:gd name="connsiteY5" fmla="*/ 6858000 h 6858000"/>
+              <a:gd name="connsiteX6" fmla="*/ 0 w 4446529"/>
+              <a:gd name="connsiteY6" fmla="*/ 6858000 h 6858000"/>
+            </a:gdLst>
+            <a:ahLst/>
+            <a:cxnLst>
+              <a:cxn ang="0">
+                <a:pos x="connsiteX0" y="connsiteY0"/>
+              </a:cxn>
+              <a:cxn ang="0">
+                <a:pos x="connsiteX1" y="connsiteY1"/>
+              </a:cxn>
+              <a:cxn ang="0">
+                <a:pos x="connsiteX2" y="connsiteY2"/>
+              </a:cxn>
+              <a:cxn ang="0">
+                <a:pos x="connsiteX3" y="connsiteY3"/>
+              </a:cxn>
+              <a:cxn ang="0">
+                <a:pos x="connsiteX4" y="connsiteY4"/>
+              </a:cxn>
+              <a:cxn ang="0">
+                <a:pos x="connsiteX5" y="connsiteY5"/>
+              </a:cxn>
+              <a:cxn ang="0">
+                <a:pos x="connsiteX6" y="connsiteY6"/>
+              </a:cxn>
+            </a:cxnLst>
+            <a:rect l="l" t="t" r="r" b="b"/>
+            <a:pathLst>
+              <a:path w="4446529" h="6858000">
+                <a:moveTo>
+                  <a:pt x="0" y="0"/>
+                </a:moveTo>
+                <a:lnTo>
+                  <a:pt x="3233551" y="0"/>
+                </a:lnTo>
+                <a:lnTo>
+                  <a:pt x="3296534" y="69271"/>
+                </a:lnTo>
+                <a:cubicBezTo>
+                  <a:pt x="4007060" y="929100"/>
+                  <a:pt x="4446529" y="2116944"/>
+                  <a:pt x="4446529" y="3429000"/>
+                </a:cubicBezTo>
+                <a:cubicBezTo>
+                  <a:pt x="4446529" y="4741056"/>
+                  <a:pt x="4007060" y="5928900"/>
+                  <a:pt x="3296534" y="6788730"/>
+                </a:cubicBezTo>
+                <a:lnTo>
+                  <a:pt x="3233551" y="6858000"/>
+                </a:lnTo>
+                <a:lnTo>
+                  <a:pt x="0" y="6858000"/>
+                </a:lnTo>
+                <a:close/>
+              </a:path>
+            </a:pathLst>
+          </a:custGeom>
+          <a:ln w="9525">
+            <a:noFill/>
+          </a:ln>
+          <a:effectLst/>
+        </p:spPr>
+        <p:style>
+          <a:lnRef idx="2">
+            <a:schemeClr val="accent1">
+              <a:shade val="50000"/>
+            </a:schemeClr>
+          </a:lnRef>
+          <a:fillRef idx="1">
+            <a:schemeClr val="accent1"/>
+          </a:fillRef>
+          <a:effectRef idx="0">
+            <a:schemeClr val="accent1"/>
+          </a:effectRef>
+          <a:fontRef idx="minor">
+            <a:schemeClr val="lt1"/>
+          </a:fontRef>
+        </p:style>
+        <p:txBody>
+          <a:bodyPr wrap="square" rtlCol="0" anchor="ctr">
+            <a:noAutofit/>
+          </a:bodyPr>
+          <a:lstStyle/>
+          <a:p>
+            <a:pPr marL="0" marR="0" lvl="0" indent="0" algn="ctr" defTabSz="914400" rtl="0" eaLnBrk="1" fontAlgn="auto" latinLnBrk="0" hangingPunct="1">
+              <a:lnSpc>
+                <a:spcPct val="100000"/>
+              </a:lnSpc>
+              <a:spcBef>
+                <a:spcPts val="0"/>
+              </a:spcBef>
+              <a:spcAft>
+                <a:spcPts val="0"/>
+              </a:spcAft>
+              <a:buClrTx/>
+              <a:buSzTx/>
+              <a:buFontTx/>
+              <a:buNone/>
+              <a:tabLst/>
+              <a:defRPr/>
+            </a:pPr>
+            <a:endParaRPr kumimoji="0" lang="en-US" sz="1800" b="0" i="0" u="none" strike="noStrike" kern="1200" cap="none" spc="0" normalizeH="0" baseline="0" noProof="0">
+              <a:ln>
+                <a:noFill/>
+              </a:ln>
+              <a:solidFill>
+                <a:prstClr val="white"/>
+              </a:solidFill>
+              <a:effectLst/>
+              <a:uLnTx/>
+              <a:uFillTx/>
+              <a:latin typeface="Calibri" panose="020F0502020204030204"/>
+              <a:ea typeface="+mn-ea"/>
+              <a:cs typeface="+mn-cs"/>
+            </a:endParaRPr>
+          </a:p>
+        </p:txBody>
+      </p:sp>
+      <p:sp>
+        <p:nvSpPr>
+          <p:cNvPr id="2" name="Title 1">
+            <a:extLst>
+              <a:ext uri="{FF2B5EF4-FFF2-40B4-BE49-F238E27FC236}">
+                <a16:creationId xmlns:a16="http://schemas.microsoft.com/office/drawing/2014/main" id="{126D3BB9-8740-2325-193C-5C23663C9436}"/>
               </a:ext>
             </a:extLst>
           </p:cNvPr>
@@ -5908,54 +12774,379 @@
             <p:ph type="title"/>
           </p:nvPr>
         </p:nvSpPr>
-        <p:spPr/>
-        <p:txBody>
-          <a:bodyPr/>
+        <p:spPr>
+          <a:xfrm>
+            <a:off x="371094" y="1161288"/>
+            <a:ext cx="3438144" cy="1239012"/>
+          </a:xfrm>
+        </p:spPr>
+        <p:txBody>
+          <a:bodyPr vert="horz" lIns="91440" tIns="45720" rIns="91440" bIns="45720" rtlCol="0" anchor="ctr">
+            <a:normAutofit/>
+          </a:bodyPr>
           <a:lstStyle/>
           <a:p>
             <a:r>
-              <a:rPr lang="it-IT" dirty="0" err="1"/>
-              <a:t>Conclusions</a:t>
+              <a:rPr lang="en-US" sz="2800"/>
+              <a:t>Code structure</a:t>
             </a:r>
-            <a:endParaRPr lang="it-IT" dirty="0"/>
-          </a:p>
-        </p:txBody>
-      </p:sp>
-      <p:sp>
-        <p:nvSpPr>
-          <p:cNvPr id="3" name="Segnaposto contenuto 2">
-            <a:extLst>
-              <a:ext uri="{FF2B5EF4-FFF2-40B4-BE49-F238E27FC236}">
-                <a16:creationId xmlns:a16="http://schemas.microsoft.com/office/drawing/2014/main" id="{E21B3A5A-CA0F-B86E-F7D9-D90ABD1B6726}"/>
+          </a:p>
+        </p:txBody>
+      </p:sp>
+      <p:sp>
+        <p:nvSpPr>
+          <p:cNvPr id="29" name="Rectangle 16">
+            <a:extLst>
+              <a:ext uri="{FF2B5EF4-FFF2-40B4-BE49-F238E27FC236}">
+                <a16:creationId xmlns:a16="http://schemas.microsoft.com/office/drawing/2014/main" id="{98E79BE4-34FE-485A-98A5-92CE8F7C4743}"/>
+              </a:ext>
+              <a:ext uri="{C183D7F6-B498-43B3-948B-1728B52AA6E4}">
+                <adec:decorative xmlns:adec="http://schemas.microsoft.com/office/drawing/2017/decorative" val="1"/>
               </a:ext>
             </a:extLst>
           </p:cNvPr>
           <p:cNvSpPr>
-            <a:spLocks noGrp="1"/>
+            <a:spLocks noGrp="1" noRot="1" noChangeAspect="1" noMove="1" noResize="1" noEditPoints="1" noAdjustHandles="1" noChangeArrowheads="1" noChangeShapeType="1" noTextEdit="1"/>
           </p:cNvSpPr>
+          <p:nvPr>
+            <p:extLst>
+              <p:ext uri="{386F3935-93C4-4BCD-93E2-E3B085C9AB24}">
+                <p16:designElem xmlns:p16="http://schemas.microsoft.com/office/powerpoint/2015/main" val="1"/>
+              </p:ext>
+            </p:extLst>
+          </p:nvPr>
+        </p:nvSpPr>
+        <p:spPr>
+          <a:xfrm>
+            <a:off x="0" y="1426546"/>
+            <a:ext cx="128016" cy="653903"/>
+          </a:xfrm>
+          <a:prstGeom prst="rect">
+            <a:avLst/>
+          </a:prstGeom>
+          <a:solidFill>
+            <a:schemeClr val="accent1"/>
+          </a:solidFill>
+          <a:ln>
+            <a:noFill/>
+          </a:ln>
+        </p:spPr>
+        <p:style>
+          <a:lnRef idx="2">
+            <a:schemeClr val="accent1">
+              <a:shade val="50000"/>
+            </a:schemeClr>
+          </a:lnRef>
+          <a:fillRef idx="1">
+            <a:schemeClr val="accent1"/>
+          </a:fillRef>
+          <a:effectRef idx="0">
+            <a:schemeClr val="accent1"/>
+          </a:effectRef>
+          <a:fontRef idx="minor">
+            <a:schemeClr val="lt1"/>
+          </a:fontRef>
+        </p:style>
+        <p:txBody>
+          <a:bodyPr rtlCol="0" anchor="ctr"/>
+          <a:lstStyle/>
+          <a:p>
+            <a:pPr marL="0" marR="0" lvl="0" indent="0" algn="ctr" defTabSz="914400" rtl="0" eaLnBrk="1" fontAlgn="auto" latinLnBrk="0" hangingPunct="1">
+              <a:lnSpc>
+                <a:spcPct val="100000"/>
+              </a:lnSpc>
+              <a:spcBef>
+                <a:spcPts val="0"/>
+              </a:spcBef>
+              <a:spcAft>
+                <a:spcPts val="0"/>
+              </a:spcAft>
+              <a:buClrTx/>
+              <a:buSzTx/>
+              <a:buFontTx/>
+              <a:buNone/>
+              <a:tabLst/>
+              <a:defRPr/>
+            </a:pPr>
+            <a:endParaRPr kumimoji="0" lang="en-US" sz="1800" b="0" i="0" u="none" strike="noStrike" kern="1200" cap="none" spc="0" normalizeH="0" baseline="0" noProof="0">
+              <a:ln>
+                <a:noFill/>
+              </a:ln>
+              <a:solidFill>
+                <a:prstClr val="white"/>
+              </a:solidFill>
+              <a:effectLst/>
+              <a:uLnTx/>
+              <a:uFillTx/>
+              <a:latin typeface="Calibri" panose="020F0502020204030204"/>
+              <a:ea typeface="+mn-ea"/>
+              <a:cs typeface="+mn-cs"/>
+            </a:endParaRPr>
+          </a:p>
+        </p:txBody>
+      </p:sp>
+      <p:sp>
+        <p:nvSpPr>
+          <p:cNvPr id="19" name="Rectangle 18">
+            <a:extLst>
+              <a:ext uri="{FF2B5EF4-FFF2-40B4-BE49-F238E27FC236}">
+                <a16:creationId xmlns:a16="http://schemas.microsoft.com/office/drawing/2014/main" id="{7A5F0580-5EE9-419F-96EE-B6529EF6E7D0}"/>
+              </a:ext>
+              <a:ext uri="{C183D7F6-B498-43B3-948B-1728B52AA6E4}">
+                <adec:decorative xmlns:adec="http://schemas.microsoft.com/office/drawing/2017/decorative" val="1"/>
+              </a:ext>
+            </a:extLst>
+          </p:cNvPr>
+          <p:cNvSpPr>
+            <a:spLocks noGrp="1" noRot="1" noChangeAspect="1" noMove="1" noResize="1" noEditPoints="1" noAdjustHandles="1" noChangeArrowheads="1" noChangeShapeType="1" noTextEdit="1"/>
+          </p:cNvSpPr>
+          <p:nvPr>
+            <p:extLst>
+              <p:ext uri="{386F3935-93C4-4BCD-93E2-E3B085C9AB24}">
+                <p16:designElem xmlns:p16="http://schemas.microsoft.com/office/powerpoint/2015/main" val="1"/>
+              </p:ext>
+            </p:extLst>
+          </p:nvPr>
+        </p:nvSpPr>
+        <p:spPr>
+          <a:xfrm>
+            <a:off x="395893" y="2443480"/>
+            <a:ext cx="3383280" cy="18288"/>
+          </a:xfrm>
+          <a:prstGeom prst="rect">
+            <a:avLst/>
+          </a:prstGeom>
+          <a:solidFill>
+            <a:schemeClr val="tx2">
+              <a:lumMod val="25000"/>
+              <a:lumOff val="75000"/>
+            </a:schemeClr>
+          </a:solidFill>
+          <a:ln w="3175">
+            <a:noFill/>
+          </a:ln>
+          <a:effectLst/>
+        </p:spPr>
+        <p:style>
+          <a:lnRef idx="2">
+            <a:schemeClr val="accent1">
+              <a:shade val="50000"/>
+            </a:schemeClr>
+          </a:lnRef>
+          <a:fillRef idx="1">
+            <a:schemeClr val="accent1"/>
+          </a:fillRef>
+          <a:effectRef idx="0">
+            <a:schemeClr val="accent1"/>
+          </a:effectRef>
+          <a:fontRef idx="minor">
+            <a:schemeClr val="lt1"/>
+          </a:fontRef>
+        </p:style>
+        <p:txBody>
+          <a:bodyPr rtlCol="0" anchor="ctr"/>
+          <a:lstStyle/>
+          <a:p>
+            <a:pPr marL="0" marR="0" lvl="0" indent="0" algn="ctr" defTabSz="914400" rtl="0" eaLnBrk="1" fontAlgn="auto" latinLnBrk="0" hangingPunct="1">
+              <a:lnSpc>
+                <a:spcPct val="100000"/>
+              </a:lnSpc>
+              <a:spcBef>
+                <a:spcPts val="0"/>
+              </a:spcBef>
+              <a:spcAft>
+                <a:spcPts val="0"/>
+              </a:spcAft>
+              <a:buClrTx/>
+              <a:buSzTx/>
+              <a:buFontTx/>
+              <a:buNone/>
+              <a:tabLst/>
+              <a:defRPr/>
+            </a:pPr>
+            <a:endParaRPr kumimoji="0" lang="en-US" sz="1800" b="0" i="0" u="none" strike="noStrike" kern="1200" cap="none" spc="0" normalizeH="0" baseline="0" noProof="0">
+              <a:ln>
+                <a:noFill/>
+              </a:ln>
+              <a:solidFill>
+                <a:prstClr val="white"/>
+              </a:solidFill>
+              <a:effectLst/>
+              <a:uLnTx/>
+              <a:uFillTx/>
+              <a:latin typeface="Calibri" panose="020F0502020204030204"/>
+              <a:ea typeface="+mn-ea"/>
+              <a:cs typeface="+mn-cs"/>
+            </a:endParaRPr>
+          </a:p>
+        </p:txBody>
+      </p:sp>
+      <p:sp>
+        <p:nvSpPr>
+          <p:cNvPr id="6" name="TextBox 5">
+            <a:extLst>
+              <a:ext uri="{FF2B5EF4-FFF2-40B4-BE49-F238E27FC236}">
+                <a16:creationId xmlns:a16="http://schemas.microsoft.com/office/drawing/2014/main" id="{C7C3294E-9D75-DC25-B685-46A68AC5F8CB}"/>
+              </a:ext>
+            </a:extLst>
+          </p:cNvPr>
+          <p:cNvSpPr txBox="1"/>
+          <p:nvPr/>
+        </p:nvSpPr>
+        <p:spPr>
+          <a:xfrm>
+            <a:off x="371094" y="2718054"/>
+            <a:ext cx="3438906" cy="3207258"/>
+          </a:xfrm>
+          <a:prstGeom prst="rect">
+            <a:avLst/>
+          </a:prstGeom>
+        </p:spPr>
+        <p:txBody>
+          <a:bodyPr vert="horz" lIns="91440" tIns="45720" rIns="91440" bIns="45720" rtlCol="0" anchor="t">
+            <a:normAutofit/>
+          </a:bodyPr>
+          <a:lstStyle/>
+          <a:p>
+            <a:pPr indent="-228600" defTabSz="914400">
+              <a:spcAft>
+                <a:spcPts val="600"/>
+              </a:spcAft>
+              <a:buFont typeface="Arial" panose="020B0604020202020204" pitchFamily="34" charset="0"/>
+              <a:buChar char="•"/>
+            </a:pPr>
+            <a:r>
+              <a:rPr lang="en-US" sz="1700"/>
+              <a:t>Per l’implementazione del sistema e dei moduli di ottimizzazione sono state necessarie 4 classi e una libreria di utilità:</a:t>
+            </a:r>
+          </a:p>
+          <a:p>
+            <a:pPr marL="285750" indent="-228600" defTabSz="914400">
+              <a:spcAft>
+                <a:spcPts val="600"/>
+              </a:spcAft>
+              <a:buFont typeface="Arial" panose="020B0604020202020204" pitchFamily="34" charset="0"/>
+              <a:buChar char="•"/>
+            </a:pPr>
+            <a:r>
+              <a:rPr lang="en-US" sz="1700"/>
+              <a:t>PVpanel</a:t>
+            </a:r>
+          </a:p>
+          <a:p>
+            <a:pPr marL="285750" indent="-228600" defTabSz="914400">
+              <a:spcAft>
+                <a:spcPts val="600"/>
+              </a:spcAft>
+              <a:buFont typeface="Arial" panose="020B0604020202020204" pitchFamily="34" charset="0"/>
+              <a:buChar char="•"/>
+            </a:pPr>
+            <a:r>
+              <a:rPr lang="en-US" sz="1700"/>
+              <a:t>PVstring</a:t>
+            </a:r>
+          </a:p>
+          <a:p>
+            <a:pPr marL="285750" indent="-228600" defTabSz="914400">
+              <a:spcAft>
+                <a:spcPts val="600"/>
+              </a:spcAft>
+              <a:buFont typeface="Arial" panose="020B0604020202020204" pitchFamily="34" charset="0"/>
+              <a:buChar char="•"/>
+            </a:pPr>
+            <a:r>
+              <a:rPr lang="en-US" sz="1700"/>
+              <a:t>PVparallel</a:t>
+            </a:r>
+          </a:p>
+          <a:p>
+            <a:pPr marL="285750" indent="-228600" defTabSz="914400">
+              <a:spcAft>
+                <a:spcPts val="600"/>
+              </a:spcAft>
+              <a:buFont typeface="Arial" panose="020B0604020202020204" pitchFamily="34" charset="0"/>
+              <a:buChar char="•"/>
+            </a:pPr>
+            <a:r>
+              <a:rPr lang="en-US" sz="1700"/>
+              <a:t>PVsimulator</a:t>
+            </a:r>
+          </a:p>
+          <a:p>
+            <a:pPr marL="285750" indent="-228600" defTabSz="914400">
+              <a:spcAft>
+                <a:spcPts val="600"/>
+              </a:spcAft>
+              <a:buFont typeface="Arial" panose="020B0604020202020204" pitchFamily="34" charset="0"/>
+              <a:buChar char="•"/>
+            </a:pPr>
+            <a:r>
+              <a:rPr lang="en-US" sz="1700"/>
+              <a:t>PVutils</a:t>
+            </a:r>
+          </a:p>
+        </p:txBody>
+      </p:sp>
+      <p:pic>
+        <p:nvPicPr>
+          <p:cNvPr id="5" name="Content Placeholder 4" descr="A picture containing text, diagram, receipt, parallel&#10;&#10;Description automatically generated">
+            <a:extLst>
+              <a:ext uri="{FF2B5EF4-FFF2-40B4-BE49-F238E27FC236}">
+                <a16:creationId xmlns:a16="http://schemas.microsoft.com/office/drawing/2014/main" id="{E14722E1-23C1-D6E5-C374-05F2F888BE85}"/>
+              </a:ext>
+            </a:extLst>
+          </p:cNvPr>
+          <p:cNvPicPr>
+            <a:picLocks noGrp="1" noChangeAspect="1"/>
+          </p:cNvPicPr>
           <p:nvPr>
             <p:ph idx="1"/>
           </p:nvPr>
-        </p:nvSpPr>
-        <p:spPr/>
-        <p:txBody>
-          <a:bodyPr/>
-          <a:lstStyle/>
-          <a:p>
-            <a:endParaRPr lang="it-IT"/>
-          </a:p>
-        </p:txBody>
-      </p:sp>
+        </p:nvPicPr>
+        <p:blipFill>
+          <a:blip r:embed="rId2">
+            <a:extLst>
+              <a:ext uri="{28A0092B-C50C-407E-A947-70E740481C1C}">
+                <a14:useLocalDpi xmlns:a14="http://schemas.microsoft.com/office/drawing/2010/main" val="0"/>
+              </a:ext>
+            </a:extLst>
+          </a:blip>
+          <a:stretch>
+            <a:fillRect/>
+          </a:stretch>
+        </p:blipFill>
+        <p:spPr>
+          <a:xfrm>
+            <a:off x="4901184" y="1272902"/>
+            <a:ext cx="6922008" cy="4412780"/>
+          </a:xfrm>
+          <a:prstGeom prst="rect">
+            <a:avLst/>
+          </a:prstGeom>
+        </p:spPr>
+      </p:pic>
     </p:spTree>
     <p:extLst>
       <p:ext uri="{BB962C8B-B14F-4D97-AF65-F5344CB8AC3E}">
-        <p14:creationId xmlns:p14="http://schemas.microsoft.com/office/powerpoint/2010/main" val="3003280789"/>
+        <p14:creationId xmlns:p14="http://schemas.microsoft.com/office/powerpoint/2010/main" val="4273035814"/>
       </p:ext>
     </p:extLst>
   </p:cSld>
   <p:clrMapOvr>
     <a:masterClrMapping/>
   </p:clrMapOvr>
+  <mc:AlternateContent xmlns:mc="http://schemas.openxmlformats.org/markup-compatibility/2006">
+    <mc:Choice xmlns:p159="http://schemas.microsoft.com/office/powerpoint/2015/09/main" Requires="p159">
+      <p:transition xmlns:p14="http://schemas.microsoft.com/office/powerpoint/2010/main" spd="slow" p14:dur="2000">
+        <p159:morph option="byObject"/>
+      </p:transition>
+    </mc:Choice>
+    <mc:Fallback>
+      <p:transition spd="slow">
+        <p:fade/>
+      </p:transition>
+    </mc:Fallback>
+  </mc:AlternateContent>
 </p:sld>
 </file>
 
@@ -5981,7 +13172,7 @@
           <p:cNvPr id="2" name="Titolo 1">
             <a:extLst>
               <a:ext uri="{FF2B5EF4-FFF2-40B4-BE49-F238E27FC236}">
-                <a16:creationId xmlns:a16="http://schemas.microsoft.com/office/drawing/2014/main" id="{D4603B4C-A6C4-E1EB-52AC-2F0F3BFCACA5}"/>
+                <a16:creationId xmlns:a16="http://schemas.microsoft.com/office/drawing/2014/main" id="{FA74FA27-809E-FA42-4923-899507F85FF8}"/>
               </a:ext>
             </a:extLst>
           </p:cNvPr>
@@ -5998,19 +13189,316 @@
           <a:lstStyle/>
           <a:p>
             <a:r>
-              <a:rPr lang="it-IT" dirty="0" err="1"/>
-              <a:t>Bibliography</a:t>
+              <a:rPr lang="it-IT" dirty="0"/>
+              <a:t>PVpanel class </a:t>
             </a:r>
+          </a:p>
+        </p:txBody>
+      </p:sp>
+      <p:sp>
+        <p:nvSpPr>
+          <p:cNvPr id="4" name="Rectangle: Rounded Corners 3">
+            <a:extLst>
+              <a:ext uri="{FF2B5EF4-FFF2-40B4-BE49-F238E27FC236}">
+                <a16:creationId xmlns:a16="http://schemas.microsoft.com/office/drawing/2014/main" id="{470E3FB4-6DBF-E92F-7325-94B946B3FBA0}"/>
+              </a:ext>
+            </a:extLst>
+          </p:cNvPr>
+          <p:cNvSpPr/>
+          <p:nvPr/>
+        </p:nvSpPr>
+        <p:spPr>
+          <a:xfrm>
+            <a:off x="590204" y="2635135"/>
+            <a:ext cx="4746567" cy="3607723"/>
+          </a:xfrm>
+          <a:prstGeom prst="roundRect">
+            <a:avLst/>
+          </a:prstGeom>
+        </p:spPr>
+        <p:style>
+          <a:lnRef idx="2">
+            <a:schemeClr val="accent1">
+              <a:shade val="50000"/>
+            </a:schemeClr>
+          </a:lnRef>
+          <a:fillRef idx="1">
+            <a:schemeClr val="accent1"/>
+          </a:fillRef>
+          <a:effectRef idx="0">
+            <a:schemeClr val="accent1"/>
+          </a:effectRef>
+          <a:fontRef idx="minor">
+            <a:schemeClr val="lt1"/>
+          </a:fontRef>
+        </p:style>
+        <p:txBody>
+          <a:bodyPr rtlCol="0" anchor="ctr"/>
+          <a:lstStyle/>
+          <a:p>
+            <a:pPr algn="ctr"/>
             <a:endParaRPr lang="it-IT" dirty="0"/>
           </a:p>
         </p:txBody>
       </p:sp>
       <p:sp>
         <p:nvSpPr>
-          <p:cNvPr id="3" name="Segnaposto contenuto 2">
-            <a:extLst>
-              <a:ext uri="{FF2B5EF4-FFF2-40B4-BE49-F238E27FC236}">
-                <a16:creationId xmlns:a16="http://schemas.microsoft.com/office/drawing/2014/main" id="{280F83CB-D664-BE40-4315-5A23FD3DB8B8}"/>
+          <p:cNvPr id="5" name="Rectangle: Rounded Corners 4">
+            <a:extLst>
+              <a:ext uri="{FF2B5EF4-FFF2-40B4-BE49-F238E27FC236}">
+                <a16:creationId xmlns:a16="http://schemas.microsoft.com/office/drawing/2014/main" id="{A0971179-FF88-47E0-8AEF-51EEAB8ABEF9}"/>
+              </a:ext>
+            </a:extLst>
+          </p:cNvPr>
+          <p:cNvSpPr/>
+          <p:nvPr/>
+        </p:nvSpPr>
+        <p:spPr>
+          <a:xfrm>
+            <a:off x="6855231" y="2635134"/>
+            <a:ext cx="4746567" cy="3607723"/>
+          </a:xfrm>
+          <a:prstGeom prst="roundRect">
+            <a:avLst/>
+          </a:prstGeom>
+        </p:spPr>
+        <p:style>
+          <a:lnRef idx="2">
+            <a:schemeClr val="accent1">
+              <a:shade val="50000"/>
+            </a:schemeClr>
+          </a:lnRef>
+          <a:fillRef idx="1">
+            <a:schemeClr val="accent1"/>
+          </a:fillRef>
+          <a:effectRef idx="0">
+            <a:schemeClr val="accent1"/>
+          </a:effectRef>
+          <a:fontRef idx="minor">
+            <a:schemeClr val="lt1"/>
+          </a:fontRef>
+        </p:style>
+        <p:txBody>
+          <a:bodyPr rtlCol="0" anchor="ctr"/>
+          <a:lstStyle/>
+          <a:p>
+            <a:pPr algn="ctr"/>
+            <a:endParaRPr lang="it-IT"/>
+          </a:p>
+        </p:txBody>
+      </p:sp>
+      <p:sp>
+        <p:nvSpPr>
+          <p:cNvPr id="6" name="Arrow: Right 5">
+            <a:extLst>
+              <a:ext uri="{FF2B5EF4-FFF2-40B4-BE49-F238E27FC236}">
+                <a16:creationId xmlns:a16="http://schemas.microsoft.com/office/drawing/2014/main" id="{76BC0DC3-BACC-8C30-DC41-1EB7C657A1D5}"/>
+              </a:ext>
+            </a:extLst>
+          </p:cNvPr>
+          <p:cNvSpPr/>
+          <p:nvPr/>
+        </p:nvSpPr>
+        <p:spPr>
+          <a:xfrm>
+            <a:off x="5519651" y="4181302"/>
+            <a:ext cx="1163782" cy="523702"/>
+          </a:xfrm>
+          <a:prstGeom prst="rightArrow">
+            <a:avLst/>
+          </a:prstGeom>
+        </p:spPr>
+        <p:style>
+          <a:lnRef idx="2">
+            <a:schemeClr val="dk1">
+              <a:shade val="50000"/>
+            </a:schemeClr>
+          </a:lnRef>
+          <a:fillRef idx="1">
+            <a:schemeClr val="dk1"/>
+          </a:fillRef>
+          <a:effectRef idx="0">
+            <a:schemeClr val="dk1"/>
+          </a:effectRef>
+          <a:fontRef idx="minor">
+            <a:schemeClr val="lt1"/>
+          </a:fontRef>
+        </p:style>
+        <p:txBody>
+          <a:bodyPr rtlCol="0" anchor="ctr"/>
+          <a:lstStyle/>
+          <a:p>
+            <a:pPr algn="ctr"/>
+            <a:endParaRPr lang="it-IT"/>
+          </a:p>
+        </p:txBody>
+      </p:sp>
+      <p:sp>
+        <p:nvSpPr>
+          <p:cNvPr id="7" name="TextBox 6">
+            <a:extLst>
+              <a:ext uri="{FF2B5EF4-FFF2-40B4-BE49-F238E27FC236}">
+                <a16:creationId xmlns:a16="http://schemas.microsoft.com/office/drawing/2014/main" id="{8E6E1DA5-5CE3-03FF-3160-3A5D05A72CC0}"/>
+              </a:ext>
+            </a:extLst>
+          </p:cNvPr>
+          <p:cNvSpPr txBox="1"/>
+          <p:nvPr/>
+        </p:nvSpPr>
+        <p:spPr>
+          <a:xfrm>
+            <a:off x="1022465" y="2851265"/>
+            <a:ext cx="3948546" cy="382386"/>
+          </a:xfrm>
+          <a:prstGeom prst="rect">
+            <a:avLst/>
+          </a:prstGeom>
+          <a:noFill/>
+        </p:spPr>
+        <p:txBody>
+          <a:bodyPr wrap="square" rtlCol="0">
+            <a:spAutoFit/>
+          </a:bodyPr>
+          <a:lstStyle/>
+          <a:p>
+            <a:pPr algn="ctr"/>
+            <a:r>
+              <a:rPr lang="it-IT" dirty="0"/>
+              <a:t>Input</a:t>
+            </a:r>
+          </a:p>
+        </p:txBody>
+      </p:sp>
+      <p:sp>
+        <p:nvSpPr>
+          <p:cNvPr id="8" name="TextBox 7">
+            <a:extLst>
+              <a:ext uri="{FF2B5EF4-FFF2-40B4-BE49-F238E27FC236}">
+                <a16:creationId xmlns:a16="http://schemas.microsoft.com/office/drawing/2014/main" id="{CAB92DAC-49BC-7D89-07C2-1A5300CFB77A}"/>
+              </a:ext>
+            </a:extLst>
+          </p:cNvPr>
+          <p:cNvSpPr txBox="1"/>
+          <p:nvPr/>
+        </p:nvSpPr>
+        <p:spPr>
+          <a:xfrm>
+            <a:off x="7254241" y="2851265"/>
+            <a:ext cx="3948546" cy="382386"/>
+          </a:xfrm>
+          <a:prstGeom prst="rect">
+            <a:avLst/>
+          </a:prstGeom>
+          <a:noFill/>
+        </p:spPr>
+        <p:txBody>
+          <a:bodyPr wrap="square" rtlCol="0">
+            <a:spAutoFit/>
+          </a:bodyPr>
+          <a:lstStyle/>
+          <a:p>
+            <a:pPr algn="ctr"/>
+            <a:r>
+              <a:rPr lang="it-IT" dirty="0"/>
+              <a:t>Output</a:t>
+            </a:r>
+          </a:p>
+        </p:txBody>
+      </p:sp>
+      <p:sp>
+        <p:nvSpPr>
+          <p:cNvPr id="9" name="Arrow: Right 8">
+            <a:extLst>
+              <a:ext uri="{FF2B5EF4-FFF2-40B4-BE49-F238E27FC236}">
+                <a16:creationId xmlns:a16="http://schemas.microsoft.com/office/drawing/2014/main" id="{EA83193D-3760-CB61-4350-B9A4506B4874}"/>
+              </a:ext>
+            </a:extLst>
+          </p:cNvPr>
+          <p:cNvSpPr/>
+          <p:nvPr/>
+        </p:nvSpPr>
+        <p:spPr>
+          <a:xfrm>
+            <a:off x="11773596" y="4177144"/>
+            <a:ext cx="1163782" cy="523702"/>
+          </a:xfrm>
+          <a:prstGeom prst="rightArrow">
+            <a:avLst/>
+          </a:prstGeom>
+        </p:spPr>
+        <p:style>
+          <a:lnRef idx="2">
+            <a:schemeClr val="dk1">
+              <a:shade val="50000"/>
+            </a:schemeClr>
+          </a:lnRef>
+          <a:fillRef idx="1">
+            <a:schemeClr val="dk1"/>
+          </a:fillRef>
+          <a:effectRef idx="0">
+            <a:schemeClr val="dk1"/>
+          </a:effectRef>
+          <a:fontRef idx="minor">
+            <a:schemeClr val="lt1"/>
+          </a:fontRef>
+        </p:style>
+        <p:txBody>
+          <a:bodyPr rtlCol="0" anchor="ctr"/>
+          <a:lstStyle/>
+          <a:p>
+            <a:pPr algn="ctr"/>
+            <a:endParaRPr lang="it-IT"/>
+          </a:p>
+        </p:txBody>
+      </p:sp>
+    </p:spTree>
+    <p:extLst>
+      <p:ext uri="{BB962C8B-B14F-4D97-AF65-F5344CB8AC3E}">
+        <p14:creationId xmlns:p14="http://schemas.microsoft.com/office/powerpoint/2010/main" val="2960758482"/>
+      </p:ext>
+    </p:extLst>
+  </p:cSld>
+  <p:clrMapOvr>
+    <a:masterClrMapping/>
+  </p:clrMapOvr>
+  <mc:AlternateContent xmlns:mc="http://schemas.openxmlformats.org/markup-compatibility/2006">
+    <mc:Choice xmlns:p159="http://schemas.microsoft.com/office/powerpoint/2015/09/main" Requires="p159">
+      <p:transition xmlns:p14="http://schemas.microsoft.com/office/powerpoint/2010/main" spd="slow" p14:dur="2000">
+        <p159:morph option="byObject"/>
+      </p:transition>
+    </mc:Choice>
+    <mc:Fallback>
+      <p:transition spd="slow">
+        <p:fade/>
+      </p:transition>
+    </mc:Fallback>
+  </mc:AlternateContent>
+</p:sld>
+</file>
+
+<file path=ppt/slides/slide7.xml><?xml version="1.0" encoding="utf-8"?>
+<p:sld xmlns:a="http://schemas.openxmlformats.org/drawingml/2006/main" xmlns:r="http://schemas.openxmlformats.org/officeDocument/2006/relationships" xmlns:p="http://schemas.openxmlformats.org/presentationml/2006/main">
+  <p:cSld>
+    <p:spTree>
+      <p:nvGrpSpPr>
+        <p:cNvPr id="1" name=""/>
+        <p:cNvGrpSpPr/>
+        <p:nvPr/>
+      </p:nvGrpSpPr>
+      <p:grpSpPr>
+        <a:xfrm>
+          <a:off x="0" y="0"/>
+          <a:ext cx="0" cy="0"/>
+          <a:chOff x="0" y="0"/>
+          <a:chExt cx="0" cy="0"/>
+        </a:xfrm>
+      </p:grpSpPr>
+      <p:sp>
+        <p:nvSpPr>
+          <p:cNvPr id="2" name="Titolo 1">
+            <a:extLst>
+              <a:ext uri="{FF2B5EF4-FFF2-40B4-BE49-F238E27FC236}">
+                <a16:creationId xmlns:a16="http://schemas.microsoft.com/office/drawing/2014/main" id="{FA74FA27-809E-FA42-4923-899507F85FF8}"/>
               </a:ext>
             </a:extLst>
           </p:cNvPr>
@@ -6018,7 +13506,7 @@
             <a:spLocks noGrp="1"/>
           </p:cNvSpPr>
           <p:nvPr>
-            <p:ph idx="1"/>
+            <p:ph type="title"/>
           </p:nvPr>
         </p:nvSpPr>
         <p:spPr/>
@@ -6026,6 +13514,311 @@
           <a:bodyPr/>
           <a:lstStyle/>
           <a:p>
+            <a:r>
+              <a:rPr lang="it-IT" dirty="0"/>
+              <a:t>PVstring class </a:t>
+            </a:r>
+          </a:p>
+        </p:txBody>
+      </p:sp>
+      <p:sp>
+        <p:nvSpPr>
+          <p:cNvPr id="3" name="Rectangle: Rounded Corners 2">
+            <a:extLst>
+              <a:ext uri="{FF2B5EF4-FFF2-40B4-BE49-F238E27FC236}">
+                <a16:creationId xmlns:a16="http://schemas.microsoft.com/office/drawing/2014/main" id="{BF700621-A990-8AC6-2BC8-D90673B251D4}"/>
+              </a:ext>
+            </a:extLst>
+          </p:cNvPr>
+          <p:cNvSpPr/>
+          <p:nvPr/>
+        </p:nvSpPr>
+        <p:spPr>
+          <a:xfrm>
+            <a:off x="590204" y="2635135"/>
+            <a:ext cx="4746567" cy="3607723"/>
+          </a:xfrm>
+          <a:prstGeom prst="roundRect">
+            <a:avLst/>
+          </a:prstGeom>
+        </p:spPr>
+        <p:style>
+          <a:lnRef idx="2">
+            <a:schemeClr val="accent1">
+              <a:shade val="50000"/>
+            </a:schemeClr>
+          </a:lnRef>
+          <a:fillRef idx="1">
+            <a:schemeClr val="accent1"/>
+          </a:fillRef>
+          <a:effectRef idx="0">
+            <a:schemeClr val="accent1"/>
+          </a:effectRef>
+          <a:fontRef idx="minor">
+            <a:schemeClr val="lt1"/>
+          </a:fontRef>
+        </p:style>
+        <p:txBody>
+          <a:bodyPr rtlCol="0" anchor="ctr"/>
+          <a:lstStyle/>
+          <a:p>
+            <a:pPr algn="ctr"/>
+            <a:endParaRPr lang="it-IT" dirty="0"/>
+          </a:p>
+        </p:txBody>
+      </p:sp>
+      <p:sp>
+        <p:nvSpPr>
+          <p:cNvPr id="4" name="Rectangle: Rounded Corners 3">
+            <a:extLst>
+              <a:ext uri="{FF2B5EF4-FFF2-40B4-BE49-F238E27FC236}">
+                <a16:creationId xmlns:a16="http://schemas.microsoft.com/office/drawing/2014/main" id="{4EAF32CC-533D-A882-35F5-6FAB7C436641}"/>
+              </a:ext>
+            </a:extLst>
+          </p:cNvPr>
+          <p:cNvSpPr/>
+          <p:nvPr/>
+        </p:nvSpPr>
+        <p:spPr>
+          <a:xfrm>
+            <a:off x="6855231" y="2635134"/>
+            <a:ext cx="4746567" cy="3607723"/>
+          </a:xfrm>
+          <a:prstGeom prst="roundRect">
+            <a:avLst/>
+          </a:prstGeom>
+        </p:spPr>
+        <p:style>
+          <a:lnRef idx="2">
+            <a:schemeClr val="accent1">
+              <a:shade val="50000"/>
+            </a:schemeClr>
+          </a:lnRef>
+          <a:fillRef idx="1">
+            <a:schemeClr val="accent1"/>
+          </a:fillRef>
+          <a:effectRef idx="0">
+            <a:schemeClr val="accent1"/>
+          </a:effectRef>
+          <a:fontRef idx="minor">
+            <a:schemeClr val="lt1"/>
+          </a:fontRef>
+        </p:style>
+        <p:txBody>
+          <a:bodyPr rtlCol="0" anchor="ctr"/>
+          <a:lstStyle/>
+          <a:p>
+            <a:pPr algn="ctr"/>
+            <a:endParaRPr lang="it-IT"/>
+          </a:p>
+        </p:txBody>
+      </p:sp>
+      <p:sp>
+        <p:nvSpPr>
+          <p:cNvPr id="5" name="Arrow: Right 4">
+            <a:extLst>
+              <a:ext uri="{FF2B5EF4-FFF2-40B4-BE49-F238E27FC236}">
+                <a16:creationId xmlns:a16="http://schemas.microsoft.com/office/drawing/2014/main" id="{791A712E-4433-7C58-F004-740B34BF2837}"/>
+              </a:ext>
+            </a:extLst>
+          </p:cNvPr>
+          <p:cNvSpPr/>
+          <p:nvPr/>
+        </p:nvSpPr>
+        <p:spPr>
+          <a:xfrm>
+            <a:off x="5519651" y="4181302"/>
+            <a:ext cx="1163782" cy="523702"/>
+          </a:xfrm>
+          <a:prstGeom prst="rightArrow">
+            <a:avLst/>
+          </a:prstGeom>
+        </p:spPr>
+        <p:style>
+          <a:lnRef idx="2">
+            <a:schemeClr val="dk1">
+              <a:shade val="50000"/>
+            </a:schemeClr>
+          </a:lnRef>
+          <a:fillRef idx="1">
+            <a:schemeClr val="dk1"/>
+          </a:fillRef>
+          <a:effectRef idx="0">
+            <a:schemeClr val="dk1"/>
+          </a:effectRef>
+          <a:fontRef idx="minor">
+            <a:schemeClr val="lt1"/>
+          </a:fontRef>
+        </p:style>
+        <p:txBody>
+          <a:bodyPr rtlCol="0" anchor="ctr"/>
+          <a:lstStyle/>
+          <a:p>
+            <a:pPr algn="ctr"/>
+            <a:endParaRPr lang="it-IT"/>
+          </a:p>
+        </p:txBody>
+      </p:sp>
+      <p:sp>
+        <p:nvSpPr>
+          <p:cNvPr id="6" name="TextBox 5">
+            <a:extLst>
+              <a:ext uri="{FF2B5EF4-FFF2-40B4-BE49-F238E27FC236}">
+                <a16:creationId xmlns:a16="http://schemas.microsoft.com/office/drawing/2014/main" id="{F8AA70FF-CE51-F536-A3EF-79267D35A6F2}"/>
+              </a:ext>
+            </a:extLst>
+          </p:cNvPr>
+          <p:cNvSpPr txBox="1"/>
+          <p:nvPr/>
+        </p:nvSpPr>
+        <p:spPr>
+          <a:xfrm>
+            <a:off x="1022465" y="2851265"/>
+            <a:ext cx="3948546" cy="382386"/>
+          </a:xfrm>
+          <a:prstGeom prst="rect">
+            <a:avLst/>
+          </a:prstGeom>
+          <a:noFill/>
+        </p:spPr>
+        <p:txBody>
+          <a:bodyPr wrap="square" rtlCol="0">
+            <a:spAutoFit/>
+          </a:bodyPr>
+          <a:lstStyle/>
+          <a:p>
+            <a:pPr algn="ctr"/>
+            <a:r>
+              <a:rPr lang="it-IT" dirty="0"/>
+              <a:t>Input</a:t>
+            </a:r>
+          </a:p>
+        </p:txBody>
+      </p:sp>
+      <p:sp>
+        <p:nvSpPr>
+          <p:cNvPr id="7" name="TextBox 6">
+            <a:extLst>
+              <a:ext uri="{FF2B5EF4-FFF2-40B4-BE49-F238E27FC236}">
+                <a16:creationId xmlns:a16="http://schemas.microsoft.com/office/drawing/2014/main" id="{3D183D7E-9E9F-27FD-233D-E85FE2508D7C}"/>
+              </a:ext>
+            </a:extLst>
+          </p:cNvPr>
+          <p:cNvSpPr txBox="1"/>
+          <p:nvPr/>
+        </p:nvSpPr>
+        <p:spPr>
+          <a:xfrm>
+            <a:off x="7254241" y="2851265"/>
+            <a:ext cx="3948546" cy="382386"/>
+          </a:xfrm>
+          <a:prstGeom prst="rect">
+            <a:avLst/>
+          </a:prstGeom>
+          <a:noFill/>
+        </p:spPr>
+        <p:txBody>
+          <a:bodyPr wrap="square" rtlCol="0">
+            <a:spAutoFit/>
+          </a:bodyPr>
+          <a:lstStyle/>
+          <a:p>
+            <a:pPr algn="ctr"/>
+            <a:r>
+              <a:rPr lang="it-IT" dirty="0"/>
+              <a:t>Output</a:t>
+            </a:r>
+          </a:p>
+        </p:txBody>
+      </p:sp>
+      <p:sp>
+        <p:nvSpPr>
+          <p:cNvPr id="8" name="Arrow: Right 7">
+            <a:extLst>
+              <a:ext uri="{FF2B5EF4-FFF2-40B4-BE49-F238E27FC236}">
+                <a16:creationId xmlns:a16="http://schemas.microsoft.com/office/drawing/2014/main" id="{B186C434-639E-AEE3-BC1E-E60567EC4DB3}"/>
+              </a:ext>
+            </a:extLst>
+          </p:cNvPr>
+          <p:cNvSpPr/>
+          <p:nvPr/>
+        </p:nvSpPr>
+        <p:spPr>
+          <a:xfrm>
+            <a:off x="-681643" y="4177144"/>
+            <a:ext cx="1163782" cy="523702"/>
+          </a:xfrm>
+          <a:prstGeom prst="rightArrow">
+            <a:avLst/>
+          </a:prstGeom>
+        </p:spPr>
+        <p:style>
+          <a:lnRef idx="2">
+            <a:schemeClr val="dk1">
+              <a:shade val="50000"/>
+            </a:schemeClr>
+          </a:lnRef>
+          <a:fillRef idx="1">
+            <a:schemeClr val="dk1"/>
+          </a:fillRef>
+          <a:effectRef idx="0">
+            <a:schemeClr val="dk1"/>
+          </a:effectRef>
+          <a:fontRef idx="minor">
+            <a:schemeClr val="lt1"/>
+          </a:fontRef>
+        </p:style>
+        <p:txBody>
+          <a:bodyPr rtlCol="0" anchor="ctr"/>
+          <a:lstStyle/>
+          <a:p>
+            <a:pPr algn="ctr"/>
+            <a:endParaRPr lang="it-IT"/>
+          </a:p>
+        </p:txBody>
+      </p:sp>
+      <p:sp>
+        <p:nvSpPr>
+          <p:cNvPr id="9" name="Arrow: Right 8">
+            <a:extLst>
+              <a:ext uri="{FF2B5EF4-FFF2-40B4-BE49-F238E27FC236}">
+                <a16:creationId xmlns:a16="http://schemas.microsoft.com/office/drawing/2014/main" id="{C345D739-4D05-01E9-4C0B-187F9284FB49}"/>
+              </a:ext>
+            </a:extLst>
+          </p:cNvPr>
+          <p:cNvSpPr/>
+          <p:nvPr/>
+        </p:nvSpPr>
+        <p:spPr>
+          <a:xfrm>
+            <a:off x="11837943" y="4177144"/>
+            <a:ext cx="1163782" cy="523702"/>
+          </a:xfrm>
+          <a:prstGeom prst="rightArrow">
+            <a:avLst/>
+          </a:prstGeom>
+        </p:spPr>
+        <p:style>
+          <a:lnRef idx="2">
+            <a:schemeClr val="dk1">
+              <a:shade val="50000"/>
+            </a:schemeClr>
+          </a:lnRef>
+          <a:fillRef idx="1">
+            <a:schemeClr val="dk1"/>
+          </a:fillRef>
+          <a:effectRef idx="0">
+            <a:schemeClr val="dk1"/>
+          </a:effectRef>
+          <a:fontRef idx="minor">
+            <a:schemeClr val="lt1"/>
+          </a:fontRef>
+        </p:style>
+        <p:txBody>
+          <a:bodyPr rtlCol="0" anchor="ctr"/>
+          <a:lstStyle/>
+          <a:p>
+            <a:pPr algn="ctr"/>
             <a:endParaRPr lang="it-IT"/>
           </a:p>
         </p:txBody>
@@ -6033,7 +13826,739 @@
     </p:spTree>
     <p:extLst>
       <p:ext uri="{BB962C8B-B14F-4D97-AF65-F5344CB8AC3E}">
-        <p14:creationId xmlns:p14="http://schemas.microsoft.com/office/powerpoint/2010/main" val="995637246"/>
+        <p14:creationId xmlns:p14="http://schemas.microsoft.com/office/powerpoint/2010/main" val="1313562501"/>
+      </p:ext>
+    </p:extLst>
+  </p:cSld>
+  <p:clrMapOvr>
+    <a:masterClrMapping/>
+  </p:clrMapOvr>
+  <mc:AlternateContent xmlns:mc="http://schemas.openxmlformats.org/markup-compatibility/2006">
+    <mc:Choice xmlns:p159="http://schemas.microsoft.com/office/powerpoint/2015/09/main" Requires="p159">
+      <p:transition xmlns:p14="http://schemas.microsoft.com/office/powerpoint/2010/main" spd="slow" p14:dur="2000">
+        <p159:morph option="byObject"/>
+      </p:transition>
+    </mc:Choice>
+    <mc:Fallback>
+      <p:transition spd="slow">
+        <p:fade/>
+      </p:transition>
+    </mc:Fallback>
+  </mc:AlternateContent>
+</p:sld>
+</file>
+
+<file path=ppt/slides/slide8.xml><?xml version="1.0" encoding="utf-8"?>
+<p:sld xmlns:a="http://schemas.openxmlformats.org/drawingml/2006/main" xmlns:r="http://schemas.openxmlformats.org/officeDocument/2006/relationships" xmlns:p="http://schemas.openxmlformats.org/presentationml/2006/main">
+  <p:cSld>
+    <p:spTree>
+      <p:nvGrpSpPr>
+        <p:cNvPr id="1" name=""/>
+        <p:cNvGrpSpPr/>
+        <p:nvPr/>
+      </p:nvGrpSpPr>
+      <p:grpSpPr>
+        <a:xfrm>
+          <a:off x="0" y="0"/>
+          <a:ext cx="0" cy="0"/>
+          <a:chOff x="0" y="0"/>
+          <a:chExt cx="0" cy="0"/>
+        </a:xfrm>
+      </p:grpSpPr>
+      <p:sp>
+        <p:nvSpPr>
+          <p:cNvPr id="2" name="Titolo 1">
+            <a:extLst>
+              <a:ext uri="{FF2B5EF4-FFF2-40B4-BE49-F238E27FC236}">
+                <a16:creationId xmlns:a16="http://schemas.microsoft.com/office/drawing/2014/main" id="{FA74FA27-809E-FA42-4923-899507F85FF8}"/>
+              </a:ext>
+            </a:extLst>
+          </p:cNvPr>
+          <p:cNvSpPr>
+            <a:spLocks noGrp="1"/>
+          </p:cNvSpPr>
+          <p:nvPr>
+            <p:ph type="title"/>
+          </p:nvPr>
+        </p:nvSpPr>
+        <p:spPr/>
+        <p:txBody>
+          <a:bodyPr/>
+          <a:lstStyle/>
+          <a:p>
+            <a:r>
+              <a:rPr lang="it-IT" dirty="0"/>
+              <a:t>PVutils class </a:t>
+            </a:r>
+          </a:p>
+        </p:txBody>
+      </p:sp>
+      <p:sp>
+        <p:nvSpPr>
+          <p:cNvPr id="3" name="Rectangle: Rounded Corners 2">
+            <a:extLst>
+              <a:ext uri="{FF2B5EF4-FFF2-40B4-BE49-F238E27FC236}">
+                <a16:creationId xmlns:a16="http://schemas.microsoft.com/office/drawing/2014/main" id="{A7E43AD1-A184-68CA-56C2-573C24579ADC}"/>
+              </a:ext>
+            </a:extLst>
+          </p:cNvPr>
+          <p:cNvSpPr/>
+          <p:nvPr/>
+        </p:nvSpPr>
+        <p:spPr>
+          <a:xfrm>
+            <a:off x="590204" y="2635135"/>
+            <a:ext cx="4746567" cy="3607723"/>
+          </a:xfrm>
+          <a:prstGeom prst="roundRect">
+            <a:avLst/>
+          </a:prstGeom>
+        </p:spPr>
+        <p:style>
+          <a:lnRef idx="2">
+            <a:schemeClr val="accent1">
+              <a:shade val="50000"/>
+            </a:schemeClr>
+          </a:lnRef>
+          <a:fillRef idx="1">
+            <a:schemeClr val="accent1"/>
+          </a:fillRef>
+          <a:effectRef idx="0">
+            <a:schemeClr val="accent1"/>
+          </a:effectRef>
+          <a:fontRef idx="minor">
+            <a:schemeClr val="lt1"/>
+          </a:fontRef>
+        </p:style>
+        <p:txBody>
+          <a:bodyPr rtlCol="0" anchor="ctr"/>
+          <a:lstStyle/>
+          <a:p>
+            <a:pPr algn="ctr"/>
+            <a:endParaRPr lang="it-IT" dirty="0"/>
+          </a:p>
+        </p:txBody>
+      </p:sp>
+      <p:sp>
+        <p:nvSpPr>
+          <p:cNvPr id="4" name="Rectangle: Rounded Corners 3">
+            <a:extLst>
+              <a:ext uri="{FF2B5EF4-FFF2-40B4-BE49-F238E27FC236}">
+                <a16:creationId xmlns:a16="http://schemas.microsoft.com/office/drawing/2014/main" id="{88435E64-E525-98C1-4747-DF88340691F9}"/>
+              </a:ext>
+            </a:extLst>
+          </p:cNvPr>
+          <p:cNvSpPr/>
+          <p:nvPr/>
+        </p:nvSpPr>
+        <p:spPr>
+          <a:xfrm>
+            <a:off x="6855231" y="2635134"/>
+            <a:ext cx="4746567" cy="3607723"/>
+          </a:xfrm>
+          <a:prstGeom prst="roundRect">
+            <a:avLst/>
+          </a:prstGeom>
+        </p:spPr>
+        <p:style>
+          <a:lnRef idx="2">
+            <a:schemeClr val="accent1">
+              <a:shade val="50000"/>
+            </a:schemeClr>
+          </a:lnRef>
+          <a:fillRef idx="1">
+            <a:schemeClr val="accent1"/>
+          </a:fillRef>
+          <a:effectRef idx="0">
+            <a:schemeClr val="accent1"/>
+          </a:effectRef>
+          <a:fontRef idx="minor">
+            <a:schemeClr val="lt1"/>
+          </a:fontRef>
+        </p:style>
+        <p:txBody>
+          <a:bodyPr rtlCol="0" anchor="ctr"/>
+          <a:lstStyle/>
+          <a:p>
+            <a:pPr algn="ctr"/>
+            <a:endParaRPr lang="it-IT"/>
+          </a:p>
+        </p:txBody>
+      </p:sp>
+      <p:sp>
+        <p:nvSpPr>
+          <p:cNvPr id="5" name="Arrow: Right 4">
+            <a:extLst>
+              <a:ext uri="{FF2B5EF4-FFF2-40B4-BE49-F238E27FC236}">
+                <a16:creationId xmlns:a16="http://schemas.microsoft.com/office/drawing/2014/main" id="{D9CBB543-36BE-BA82-9577-7899ED11039F}"/>
+              </a:ext>
+            </a:extLst>
+          </p:cNvPr>
+          <p:cNvSpPr/>
+          <p:nvPr/>
+        </p:nvSpPr>
+        <p:spPr>
+          <a:xfrm>
+            <a:off x="5519651" y="4181302"/>
+            <a:ext cx="1163782" cy="523702"/>
+          </a:xfrm>
+          <a:prstGeom prst="rightArrow">
+            <a:avLst/>
+          </a:prstGeom>
+        </p:spPr>
+        <p:style>
+          <a:lnRef idx="2">
+            <a:schemeClr val="dk1">
+              <a:shade val="50000"/>
+            </a:schemeClr>
+          </a:lnRef>
+          <a:fillRef idx="1">
+            <a:schemeClr val="dk1"/>
+          </a:fillRef>
+          <a:effectRef idx="0">
+            <a:schemeClr val="dk1"/>
+          </a:effectRef>
+          <a:fontRef idx="minor">
+            <a:schemeClr val="lt1"/>
+          </a:fontRef>
+        </p:style>
+        <p:txBody>
+          <a:bodyPr rtlCol="0" anchor="ctr"/>
+          <a:lstStyle/>
+          <a:p>
+            <a:pPr algn="ctr"/>
+            <a:endParaRPr lang="it-IT"/>
+          </a:p>
+        </p:txBody>
+      </p:sp>
+      <p:sp>
+        <p:nvSpPr>
+          <p:cNvPr id="6" name="TextBox 5">
+            <a:extLst>
+              <a:ext uri="{FF2B5EF4-FFF2-40B4-BE49-F238E27FC236}">
+                <a16:creationId xmlns:a16="http://schemas.microsoft.com/office/drawing/2014/main" id="{AE5F9893-29A7-20FB-D998-5BA2A2428E22}"/>
+              </a:ext>
+            </a:extLst>
+          </p:cNvPr>
+          <p:cNvSpPr txBox="1"/>
+          <p:nvPr/>
+        </p:nvSpPr>
+        <p:spPr>
+          <a:xfrm>
+            <a:off x="1022465" y="2851265"/>
+            <a:ext cx="3948546" cy="382386"/>
+          </a:xfrm>
+          <a:prstGeom prst="rect">
+            <a:avLst/>
+          </a:prstGeom>
+          <a:noFill/>
+        </p:spPr>
+        <p:txBody>
+          <a:bodyPr wrap="square" rtlCol="0">
+            <a:spAutoFit/>
+          </a:bodyPr>
+          <a:lstStyle/>
+          <a:p>
+            <a:pPr algn="ctr"/>
+            <a:r>
+              <a:rPr lang="it-IT" dirty="0"/>
+              <a:t>Input</a:t>
+            </a:r>
+          </a:p>
+        </p:txBody>
+      </p:sp>
+      <p:sp>
+        <p:nvSpPr>
+          <p:cNvPr id="7" name="TextBox 6">
+            <a:extLst>
+              <a:ext uri="{FF2B5EF4-FFF2-40B4-BE49-F238E27FC236}">
+                <a16:creationId xmlns:a16="http://schemas.microsoft.com/office/drawing/2014/main" id="{A42C8607-1D40-273A-9131-4AC60C060F30}"/>
+              </a:ext>
+            </a:extLst>
+          </p:cNvPr>
+          <p:cNvSpPr txBox="1"/>
+          <p:nvPr/>
+        </p:nvSpPr>
+        <p:spPr>
+          <a:xfrm>
+            <a:off x="7254241" y="2851265"/>
+            <a:ext cx="3948546" cy="382386"/>
+          </a:xfrm>
+          <a:prstGeom prst="rect">
+            <a:avLst/>
+          </a:prstGeom>
+          <a:noFill/>
+        </p:spPr>
+        <p:txBody>
+          <a:bodyPr wrap="square" rtlCol="0">
+            <a:spAutoFit/>
+          </a:bodyPr>
+          <a:lstStyle/>
+          <a:p>
+            <a:pPr algn="ctr"/>
+            <a:r>
+              <a:rPr lang="it-IT" dirty="0"/>
+              <a:t>Output</a:t>
+            </a:r>
+          </a:p>
+        </p:txBody>
+      </p:sp>
+      <p:sp>
+        <p:nvSpPr>
+          <p:cNvPr id="8" name="Arrow: Right 7">
+            <a:extLst>
+              <a:ext uri="{FF2B5EF4-FFF2-40B4-BE49-F238E27FC236}">
+                <a16:creationId xmlns:a16="http://schemas.microsoft.com/office/drawing/2014/main" id="{7826FA21-3B05-1D1D-6A18-06FC7E00A202}"/>
+              </a:ext>
+            </a:extLst>
+          </p:cNvPr>
+          <p:cNvSpPr/>
+          <p:nvPr/>
+        </p:nvSpPr>
+        <p:spPr>
+          <a:xfrm>
+            <a:off x="-681643" y="4177144"/>
+            <a:ext cx="1163782" cy="523702"/>
+          </a:xfrm>
+          <a:prstGeom prst="rightArrow">
+            <a:avLst/>
+          </a:prstGeom>
+        </p:spPr>
+        <p:style>
+          <a:lnRef idx="2">
+            <a:schemeClr val="dk1">
+              <a:shade val="50000"/>
+            </a:schemeClr>
+          </a:lnRef>
+          <a:fillRef idx="1">
+            <a:schemeClr val="dk1"/>
+          </a:fillRef>
+          <a:effectRef idx="0">
+            <a:schemeClr val="dk1"/>
+          </a:effectRef>
+          <a:fontRef idx="minor">
+            <a:schemeClr val="lt1"/>
+          </a:fontRef>
+        </p:style>
+        <p:txBody>
+          <a:bodyPr rtlCol="0" anchor="ctr"/>
+          <a:lstStyle/>
+          <a:p>
+            <a:pPr algn="ctr"/>
+            <a:endParaRPr lang="it-IT"/>
+          </a:p>
+        </p:txBody>
+      </p:sp>
+      <p:sp>
+        <p:nvSpPr>
+          <p:cNvPr id="9" name="Arrow: Right 8">
+            <a:extLst>
+              <a:ext uri="{FF2B5EF4-FFF2-40B4-BE49-F238E27FC236}">
+                <a16:creationId xmlns:a16="http://schemas.microsoft.com/office/drawing/2014/main" id="{DC98AB72-ECA0-0B8A-9FFE-B0BEDC881F44}"/>
+              </a:ext>
+            </a:extLst>
+          </p:cNvPr>
+          <p:cNvSpPr/>
+          <p:nvPr/>
+        </p:nvSpPr>
+        <p:spPr>
+          <a:xfrm>
+            <a:off x="11837943" y="4177144"/>
+            <a:ext cx="1163782" cy="523702"/>
+          </a:xfrm>
+          <a:prstGeom prst="rightArrow">
+            <a:avLst/>
+          </a:prstGeom>
+        </p:spPr>
+        <p:style>
+          <a:lnRef idx="2">
+            <a:schemeClr val="dk1">
+              <a:shade val="50000"/>
+            </a:schemeClr>
+          </a:lnRef>
+          <a:fillRef idx="1">
+            <a:schemeClr val="dk1"/>
+          </a:fillRef>
+          <a:effectRef idx="0">
+            <a:schemeClr val="dk1"/>
+          </a:effectRef>
+          <a:fontRef idx="minor">
+            <a:schemeClr val="lt1"/>
+          </a:fontRef>
+        </p:style>
+        <p:txBody>
+          <a:bodyPr rtlCol="0" anchor="ctr"/>
+          <a:lstStyle/>
+          <a:p>
+            <a:pPr algn="ctr"/>
+            <a:endParaRPr lang="it-IT"/>
+          </a:p>
+        </p:txBody>
+      </p:sp>
+    </p:spTree>
+    <p:extLst>
+      <p:ext uri="{BB962C8B-B14F-4D97-AF65-F5344CB8AC3E}">
+        <p14:creationId xmlns:p14="http://schemas.microsoft.com/office/powerpoint/2010/main" val="2541309765"/>
+      </p:ext>
+    </p:extLst>
+  </p:cSld>
+  <p:clrMapOvr>
+    <a:masterClrMapping/>
+  </p:clrMapOvr>
+</p:sld>
+</file>
+
+<file path=ppt/slides/slide9.xml><?xml version="1.0" encoding="utf-8"?>
+<p:sld xmlns:a="http://schemas.openxmlformats.org/drawingml/2006/main" xmlns:r="http://schemas.openxmlformats.org/officeDocument/2006/relationships" xmlns:p="http://schemas.openxmlformats.org/presentationml/2006/main">
+  <p:cSld>
+    <p:spTree>
+      <p:nvGrpSpPr>
+        <p:cNvPr id="1" name=""/>
+        <p:cNvGrpSpPr/>
+        <p:nvPr/>
+      </p:nvGrpSpPr>
+      <p:grpSpPr>
+        <a:xfrm>
+          <a:off x="0" y="0"/>
+          <a:ext cx="0" cy="0"/>
+          <a:chOff x="0" y="0"/>
+          <a:chExt cx="0" cy="0"/>
+        </a:xfrm>
+      </p:grpSpPr>
+      <p:sp>
+        <p:nvSpPr>
+          <p:cNvPr id="2" name="Titolo 1">
+            <a:extLst>
+              <a:ext uri="{FF2B5EF4-FFF2-40B4-BE49-F238E27FC236}">
+                <a16:creationId xmlns:a16="http://schemas.microsoft.com/office/drawing/2014/main" id="{FA74FA27-809E-FA42-4923-899507F85FF8}"/>
+              </a:ext>
+            </a:extLst>
+          </p:cNvPr>
+          <p:cNvSpPr>
+            <a:spLocks noGrp="1"/>
+          </p:cNvSpPr>
+          <p:nvPr>
+            <p:ph type="title"/>
+          </p:nvPr>
+        </p:nvSpPr>
+        <p:spPr/>
+        <p:txBody>
+          <a:bodyPr/>
+          <a:lstStyle/>
+          <a:p>
+            <a:r>
+              <a:rPr lang="it-IT" dirty="0"/>
+              <a:t>PVparallel class </a:t>
+            </a:r>
+          </a:p>
+        </p:txBody>
+      </p:sp>
+      <p:sp>
+        <p:nvSpPr>
+          <p:cNvPr id="3" name="Rectangle: Rounded Corners 2">
+            <a:extLst>
+              <a:ext uri="{FF2B5EF4-FFF2-40B4-BE49-F238E27FC236}">
+                <a16:creationId xmlns:a16="http://schemas.microsoft.com/office/drawing/2014/main" id="{1AF7D942-5452-D7A0-0D19-7B14317B560A}"/>
+              </a:ext>
+            </a:extLst>
+          </p:cNvPr>
+          <p:cNvSpPr/>
+          <p:nvPr/>
+        </p:nvSpPr>
+        <p:spPr>
+          <a:xfrm>
+            <a:off x="590204" y="2635135"/>
+            <a:ext cx="4746567" cy="3607723"/>
+          </a:xfrm>
+          <a:prstGeom prst="roundRect">
+            <a:avLst/>
+          </a:prstGeom>
+        </p:spPr>
+        <p:style>
+          <a:lnRef idx="2">
+            <a:schemeClr val="accent1">
+              <a:shade val="50000"/>
+            </a:schemeClr>
+          </a:lnRef>
+          <a:fillRef idx="1">
+            <a:schemeClr val="accent1"/>
+          </a:fillRef>
+          <a:effectRef idx="0">
+            <a:schemeClr val="accent1"/>
+          </a:effectRef>
+          <a:fontRef idx="minor">
+            <a:schemeClr val="lt1"/>
+          </a:fontRef>
+        </p:style>
+        <p:txBody>
+          <a:bodyPr rtlCol="0" anchor="ctr"/>
+          <a:lstStyle/>
+          <a:p>
+            <a:pPr algn="ctr"/>
+            <a:endParaRPr lang="it-IT" dirty="0"/>
+          </a:p>
+        </p:txBody>
+      </p:sp>
+      <p:sp>
+        <p:nvSpPr>
+          <p:cNvPr id="4" name="Rectangle: Rounded Corners 3">
+            <a:extLst>
+              <a:ext uri="{FF2B5EF4-FFF2-40B4-BE49-F238E27FC236}">
+                <a16:creationId xmlns:a16="http://schemas.microsoft.com/office/drawing/2014/main" id="{945D369B-9D77-9E0B-296E-303294C357ED}"/>
+              </a:ext>
+            </a:extLst>
+          </p:cNvPr>
+          <p:cNvSpPr/>
+          <p:nvPr/>
+        </p:nvSpPr>
+        <p:spPr>
+          <a:xfrm>
+            <a:off x="6855231" y="2635134"/>
+            <a:ext cx="4746567" cy="3607723"/>
+          </a:xfrm>
+          <a:prstGeom prst="roundRect">
+            <a:avLst/>
+          </a:prstGeom>
+        </p:spPr>
+        <p:style>
+          <a:lnRef idx="2">
+            <a:schemeClr val="accent1">
+              <a:shade val="50000"/>
+            </a:schemeClr>
+          </a:lnRef>
+          <a:fillRef idx="1">
+            <a:schemeClr val="accent1"/>
+          </a:fillRef>
+          <a:effectRef idx="0">
+            <a:schemeClr val="accent1"/>
+          </a:effectRef>
+          <a:fontRef idx="minor">
+            <a:schemeClr val="lt1"/>
+          </a:fontRef>
+        </p:style>
+        <p:txBody>
+          <a:bodyPr rtlCol="0" anchor="ctr"/>
+          <a:lstStyle/>
+          <a:p>
+            <a:pPr algn="ctr"/>
+            <a:endParaRPr lang="it-IT"/>
+          </a:p>
+        </p:txBody>
+      </p:sp>
+      <p:sp>
+        <p:nvSpPr>
+          <p:cNvPr id="5" name="Arrow: Right 4">
+            <a:extLst>
+              <a:ext uri="{FF2B5EF4-FFF2-40B4-BE49-F238E27FC236}">
+                <a16:creationId xmlns:a16="http://schemas.microsoft.com/office/drawing/2014/main" id="{6CE49DBE-0701-FA76-A6FB-B1122E34543B}"/>
+              </a:ext>
+            </a:extLst>
+          </p:cNvPr>
+          <p:cNvSpPr/>
+          <p:nvPr/>
+        </p:nvSpPr>
+        <p:spPr>
+          <a:xfrm>
+            <a:off x="5519651" y="4181302"/>
+            <a:ext cx="1163782" cy="523702"/>
+          </a:xfrm>
+          <a:prstGeom prst="rightArrow">
+            <a:avLst/>
+          </a:prstGeom>
+        </p:spPr>
+        <p:style>
+          <a:lnRef idx="2">
+            <a:schemeClr val="dk1">
+              <a:shade val="50000"/>
+            </a:schemeClr>
+          </a:lnRef>
+          <a:fillRef idx="1">
+            <a:schemeClr val="dk1"/>
+          </a:fillRef>
+          <a:effectRef idx="0">
+            <a:schemeClr val="dk1"/>
+          </a:effectRef>
+          <a:fontRef idx="minor">
+            <a:schemeClr val="lt1"/>
+          </a:fontRef>
+        </p:style>
+        <p:txBody>
+          <a:bodyPr rtlCol="0" anchor="ctr"/>
+          <a:lstStyle/>
+          <a:p>
+            <a:pPr algn="ctr"/>
+            <a:endParaRPr lang="it-IT"/>
+          </a:p>
+        </p:txBody>
+      </p:sp>
+      <p:sp>
+        <p:nvSpPr>
+          <p:cNvPr id="6" name="TextBox 5">
+            <a:extLst>
+              <a:ext uri="{FF2B5EF4-FFF2-40B4-BE49-F238E27FC236}">
+                <a16:creationId xmlns:a16="http://schemas.microsoft.com/office/drawing/2014/main" id="{25950A83-86FE-E474-5FCF-CBB2310B6F9E}"/>
+              </a:ext>
+            </a:extLst>
+          </p:cNvPr>
+          <p:cNvSpPr txBox="1"/>
+          <p:nvPr/>
+        </p:nvSpPr>
+        <p:spPr>
+          <a:xfrm>
+            <a:off x="1022465" y="2851265"/>
+            <a:ext cx="3948546" cy="382386"/>
+          </a:xfrm>
+          <a:prstGeom prst="rect">
+            <a:avLst/>
+          </a:prstGeom>
+          <a:noFill/>
+        </p:spPr>
+        <p:txBody>
+          <a:bodyPr wrap="square" rtlCol="0">
+            <a:spAutoFit/>
+          </a:bodyPr>
+          <a:lstStyle/>
+          <a:p>
+            <a:pPr algn="ctr"/>
+            <a:r>
+              <a:rPr lang="it-IT" dirty="0"/>
+              <a:t>Input</a:t>
+            </a:r>
+          </a:p>
+        </p:txBody>
+      </p:sp>
+      <p:sp>
+        <p:nvSpPr>
+          <p:cNvPr id="7" name="TextBox 6">
+            <a:extLst>
+              <a:ext uri="{FF2B5EF4-FFF2-40B4-BE49-F238E27FC236}">
+                <a16:creationId xmlns:a16="http://schemas.microsoft.com/office/drawing/2014/main" id="{D6178F90-50B7-D14A-1E2A-9B36A6A1AB6D}"/>
+              </a:ext>
+            </a:extLst>
+          </p:cNvPr>
+          <p:cNvSpPr txBox="1"/>
+          <p:nvPr/>
+        </p:nvSpPr>
+        <p:spPr>
+          <a:xfrm>
+            <a:off x="7254241" y="2851265"/>
+            <a:ext cx="3948546" cy="382386"/>
+          </a:xfrm>
+          <a:prstGeom prst="rect">
+            <a:avLst/>
+          </a:prstGeom>
+          <a:noFill/>
+        </p:spPr>
+        <p:txBody>
+          <a:bodyPr wrap="square" rtlCol="0">
+            <a:spAutoFit/>
+          </a:bodyPr>
+          <a:lstStyle/>
+          <a:p>
+            <a:pPr algn="ctr"/>
+            <a:r>
+              <a:rPr lang="it-IT" dirty="0"/>
+              <a:t>Output</a:t>
+            </a:r>
+          </a:p>
+        </p:txBody>
+      </p:sp>
+      <p:sp>
+        <p:nvSpPr>
+          <p:cNvPr id="8" name="Arrow: Right 7">
+            <a:extLst>
+              <a:ext uri="{FF2B5EF4-FFF2-40B4-BE49-F238E27FC236}">
+                <a16:creationId xmlns:a16="http://schemas.microsoft.com/office/drawing/2014/main" id="{A043B4D9-ABD3-5DA8-18A3-6BF160BE89F8}"/>
+              </a:ext>
+            </a:extLst>
+          </p:cNvPr>
+          <p:cNvSpPr/>
+          <p:nvPr/>
+        </p:nvSpPr>
+        <p:spPr>
+          <a:xfrm>
+            <a:off x="-681643" y="4177144"/>
+            <a:ext cx="1163782" cy="523702"/>
+          </a:xfrm>
+          <a:prstGeom prst="rightArrow">
+            <a:avLst/>
+          </a:prstGeom>
+        </p:spPr>
+        <p:style>
+          <a:lnRef idx="2">
+            <a:schemeClr val="dk1">
+              <a:shade val="50000"/>
+            </a:schemeClr>
+          </a:lnRef>
+          <a:fillRef idx="1">
+            <a:schemeClr val="dk1"/>
+          </a:fillRef>
+          <a:effectRef idx="0">
+            <a:schemeClr val="dk1"/>
+          </a:effectRef>
+          <a:fontRef idx="minor">
+            <a:schemeClr val="lt1"/>
+          </a:fontRef>
+        </p:style>
+        <p:txBody>
+          <a:bodyPr rtlCol="0" anchor="ctr"/>
+          <a:lstStyle/>
+          <a:p>
+            <a:pPr algn="ctr"/>
+            <a:endParaRPr lang="it-IT"/>
+          </a:p>
+        </p:txBody>
+      </p:sp>
+      <p:sp>
+        <p:nvSpPr>
+          <p:cNvPr id="9" name="Arrow: Right 8">
+            <a:extLst>
+              <a:ext uri="{FF2B5EF4-FFF2-40B4-BE49-F238E27FC236}">
+                <a16:creationId xmlns:a16="http://schemas.microsoft.com/office/drawing/2014/main" id="{D568D34F-693B-45B8-6DCB-FE1BF25B186B}"/>
+              </a:ext>
+            </a:extLst>
+          </p:cNvPr>
+          <p:cNvSpPr/>
+          <p:nvPr/>
+        </p:nvSpPr>
+        <p:spPr>
+          <a:xfrm>
+            <a:off x="11837943" y="4177144"/>
+            <a:ext cx="1163782" cy="523702"/>
+          </a:xfrm>
+          <a:prstGeom prst="rightArrow">
+            <a:avLst/>
+          </a:prstGeom>
+        </p:spPr>
+        <p:style>
+          <a:lnRef idx="2">
+            <a:schemeClr val="dk1">
+              <a:shade val="50000"/>
+            </a:schemeClr>
+          </a:lnRef>
+          <a:fillRef idx="1">
+            <a:schemeClr val="dk1"/>
+          </a:fillRef>
+          <a:effectRef idx="0">
+            <a:schemeClr val="dk1"/>
+          </a:effectRef>
+          <a:fontRef idx="minor">
+            <a:schemeClr val="lt1"/>
+          </a:fontRef>
+        </p:style>
+        <p:txBody>
+          <a:bodyPr rtlCol="0" anchor="ctr"/>
+          <a:lstStyle/>
+          <a:p>
+            <a:pPr algn="ctr"/>
+            <a:endParaRPr lang="it-IT"/>
+          </a:p>
+        </p:txBody>
+      </p:sp>
+    </p:spTree>
+    <p:extLst>
+      <p:ext uri="{BB962C8B-B14F-4D97-AF65-F5344CB8AC3E}">
+        <p14:creationId xmlns:p14="http://schemas.microsoft.com/office/powerpoint/2010/main" val="311193732"/>
       </p:ext>
     </p:extLst>
   </p:cSld>

--- a/ProgettoRESM.pptx
+++ b/ProgettoRESM.pptx
@@ -8,13 +8,13 @@
     <p:sldId id="256" r:id="rId2"/>
     <p:sldId id="265" r:id="rId3"/>
     <p:sldId id="257" r:id="rId4"/>
-    <p:sldId id="260" r:id="rId5"/>
-    <p:sldId id="266" r:id="rId6"/>
-    <p:sldId id="258" r:id="rId7"/>
-    <p:sldId id="268" r:id="rId8"/>
+    <p:sldId id="266" r:id="rId5"/>
+    <p:sldId id="258" r:id="rId6"/>
+    <p:sldId id="268" r:id="rId7"/>
+    <p:sldId id="270" r:id="rId8"/>
     <p:sldId id="269" r:id="rId9"/>
-    <p:sldId id="270" r:id="rId10"/>
-    <p:sldId id="271" r:id="rId11"/>
+    <p:sldId id="271" r:id="rId10"/>
+    <p:sldId id="278" r:id="rId11"/>
     <p:sldId id="272" r:id="rId12"/>
     <p:sldId id="273" r:id="rId13"/>
     <p:sldId id="274" r:id="rId14"/>
@@ -1246,12 +1246,12 @@
         </a:fontRef>
       </dsp:style>
       <dsp:txBody>
-        <a:bodyPr spcFirstLastPara="0" vert="horz" wrap="square" lIns="83820" tIns="83820" rIns="83820" bIns="83820" numCol="1" spcCol="1270" anchor="ctr" anchorCtr="0">
+        <a:bodyPr spcFirstLastPara="0" vert="horz" wrap="square" lIns="80010" tIns="80010" rIns="80010" bIns="80010" numCol="1" spcCol="1270" anchor="ctr" anchorCtr="0">
           <a:noAutofit/>
         </a:bodyPr>
         <a:lstStyle/>
         <a:p>
-          <a:pPr marL="0" lvl="0" indent="0" algn="l" defTabSz="977900">
+          <a:pPr marL="0" lvl="0" indent="0" algn="l" defTabSz="933450">
             <a:lnSpc>
               <a:spcPct val="90000"/>
             </a:lnSpc>
@@ -1264,10 +1264,10 @@
             <a:buNone/>
           </a:pPr>
           <a:r>
-            <a:rPr lang="it-IT" sz="2200" kern="1200"/>
+            <a:rPr lang="it-IT" sz="2100" kern="1200"/>
             <a:t>Mesure the I-V curve for each panel</a:t>
           </a:r>
-          <a:endParaRPr lang="en-US" sz="2200" kern="1200"/>
+          <a:endParaRPr lang="en-US" sz="2100" kern="1200"/>
         </a:p>
       </dsp:txBody>
       <dsp:txXfrm>
@@ -1327,12 +1327,12 @@
         </a:fontRef>
       </dsp:style>
       <dsp:txBody>
-        <a:bodyPr spcFirstLastPara="0" vert="horz" wrap="square" lIns="83820" tIns="83820" rIns="83820" bIns="83820" numCol="1" spcCol="1270" anchor="ctr" anchorCtr="0">
+        <a:bodyPr spcFirstLastPara="0" vert="horz" wrap="square" lIns="80010" tIns="80010" rIns="80010" bIns="80010" numCol="1" spcCol="1270" anchor="ctr" anchorCtr="0">
           <a:noAutofit/>
         </a:bodyPr>
         <a:lstStyle/>
         <a:p>
-          <a:pPr marL="0" lvl="0" indent="0" algn="l" defTabSz="977900">
+          <a:pPr marL="0" lvl="0" indent="0" algn="l" defTabSz="933450">
             <a:lnSpc>
               <a:spcPct val="90000"/>
             </a:lnSpc>
@@ -1345,10 +1345,10 @@
             <a:buNone/>
           </a:pPr>
           <a:r>
-            <a:rPr lang="it-IT" sz="2200" kern="1200"/>
+            <a:rPr lang="it-IT" sz="2100" kern="1200"/>
             <a:t>Make a I-V curve for a string of panel</a:t>
           </a:r>
-          <a:endParaRPr lang="en-US" sz="2200" kern="1200"/>
+          <a:endParaRPr lang="en-US" sz="2100" kern="1200"/>
         </a:p>
       </dsp:txBody>
       <dsp:txXfrm>
@@ -1408,12 +1408,12 @@
         </a:fontRef>
       </dsp:style>
       <dsp:txBody>
-        <a:bodyPr spcFirstLastPara="0" vert="horz" wrap="square" lIns="83820" tIns="83820" rIns="83820" bIns="83820" numCol="1" spcCol="1270" anchor="ctr" anchorCtr="0">
+        <a:bodyPr spcFirstLastPara="0" vert="horz" wrap="square" lIns="80010" tIns="80010" rIns="80010" bIns="80010" numCol="1" spcCol="1270" anchor="ctr" anchorCtr="0">
           <a:noAutofit/>
         </a:bodyPr>
         <a:lstStyle/>
         <a:p>
-          <a:pPr marL="0" lvl="0" indent="0" algn="l" defTabSz="977900">
+          <a:pPr marL="0" lvl="0" indent="0" algn="l" defTabSz="933450">
             <a:lnSpc>
               <a:spcPct val="90000"/>
             </a:lnSpc>
@@ -1426,10 +1426,10 @@
             <a:buNone/>
           </a:pPr>
           <a:r>
-            <a:rPr lang="it-IT" sz="2200" kern="1200"/>
+            <a:rPr lang="it-IT" sz="2100" kern="1200"/>
             <a:t>Make an optimization for the parallel of N strings</a:t>
           </a:r>
-          <a:endParaRPr lang="en-US" sz="2200" kern="1200"/>
+          <a:endParaRPr lang="en-US" sz="2100" kern="1200"/>
         </a:p>
       </dsp:txBody>
       <dsp:txXfrm>
@@ -1489,12 +1489,12 @@
         </a:fontRef>
       </dsp:style>
       <dsp:txBody>
-        <a:bodyPr spcFirstLastPara="0" vert="horz" wrap="square" lIns="83820" tIns="83820" rIns="83820" bIns="83820" numCol="1" spcCol="1270" anchor="ctr" anchorCtr="0">
+        <a:bodyPr spcFirstLastPara="0" vert="horz" wrap="square" lIns="80010" tIns="80010" rIns="80010" bIns="80010" numCol="1" spcCol="1270" anchor="ctr" anchorCtr="0">
           <a:noAutofit/>
         </a:bodyPr>
         <a:lstStyle/>
         <a:p>
-          <a:pPr marL="0" lvl="0" indent="0" algn="l" defTabSz="977900">
+          <a:pPr marL="0" lvl="0" indent="0" algn="l" defTabSz="933450">
             <a:lnSpc>
               <a:spcPct val="90000"/>
             </a:lnSpc>
@@ -1507,10 +1507,10 @@
             <a:buNone/>
           </a:pPr>
           <a:r>
-            <a:rPr lang="it-IT" sz="2200" kern="1200"/>
+            <a:rPr lang="it-IT" sz="2100" kern="1200"/>
             <a:t>Plot the results starting from the single I-V curve to the optimized power result.</a:t>
           </a:r>
-          <a:endParaRPr lang="en-US" sz="2200" kern="1200"/>
+          <a:endParaRPr lang="en-US" sz="2100" kern="1200"/>
         </a:p>
       </dsp:txBody>
       <dsp:txXfrm>
@@ -1573,12 +1573,12 @@
         <a:fontRef idx="minor"/>
       </dsp:style>
       <dsp:txBody>
-        <a:bodyPr spcFirstLastPara="0" vert="horz" wrap="square" lIns="31750" tIns="31750" rIns="31750" bIns="31750" numCol="1" spcCol="1270" anchor="ctr" anchorCtr="0">
+        <a:bodyPr spcFirstLastPara="0" vert="horz" wrap="square" lIns="30480" tIns="30480" rIns="30480" bIns="30480" numCol="1" spcCol="1270" anchor="ctr" anchorCtr="0">
           <a:noAutofit/>
         </a:bodyPr>
         <a:lstStyle/>
         <a:p>
-          <a:pPr marL="0" lvl="0" indent="0" algn="ctr" defTabSz="1111250">
+          <a:pPr marL="0" lvl="0" indent="0" algn="ctr" defTabSz="1066800">
             <a:lnSpc>
               <a:spcPct val="90000"/>
             </a:lnSpc>
@@ -1590,7 +1590,7 @@
             </a:spcAft>
             <a:buNone/>
           </a:pPr>
-          <a:endParaRPr lang="en-US" sz="2500" kern="1200"/>
+          <a:endParaRPr lang="en-US" sz="2400" kern="1200"/>
         </a:p>
       </dsp:txBody>
       <dsp:txXfrm>
@@ -1653,12 +1653,12 @@
         <a:fontRef idx="minor"/>
       </dsp:style>
       <dsp:txBody>
-        <a:bodyPr spcFirstLastPara="0" vert="horz" wrap="square" lIns="31750" tIns="31750" rIns="31750" bIns="31750" numCol="1" spcCol="1270" anchor="ctr" anchorCtr="0">
+        <a:bodyPr spcFirstLastPara="0" vert="horz" wrap="square" lIns="30480" tIns="30480" rIns="30480" bIns="30480" numCol="1" spcCol="1270" anchor="ctr" anchorCtr="0">
           <a:noAutofit/>
         </a:bodyPr>
         <a:lstStyle/>
         <a:p>
-          <a:pPr marL="0" lvl="0" indent="0" algn="ctr" defTabSz="1111250">
+          <a:pPr marL="0" lvl="0" indent="0" algn="ctr" defTabSz="1066800">
             <a:lnSpc>
               <a:spcPct val="90000"/>
             </a:lnSpc>
@@ -1670,7 +1670,7 @@
             </a:spcAft>
             <a:buNone/>
           </a:pPr>
-          <a:endParaRPr lang="en-US" sz="2500" kern="1200"/>
+          <a:endParaRPr lang="en-US" sz="2400" kern="1200"/>
         </a:p>
       </dsp:txBody>
       <dsp:txXfrm>
@@ -1733,12 +1733,12 @@
         <a:fontRef idx="minor"/>
       </dsp:style>
       <dsp:txBody>
-        <a:bodyPr spcFirstLastPara="0" vert="horz" wrap="square" lIns="31750" tIns="31750" rIns="31750" bIns="31750" numCol="1" spcCol="1270" anchor="ctr" anchorCtr="0">
+        <a:bodyPr spcFirstLastPara="0" vert="horz" wrap="square" lIns="30480" tIns="30480" rIns="30480" bIns="30480" numCol="1" spcCol="1270" anchor="ctr" anchorCtr="0">
           <a:noAutofit/>
         </a:bodyPr>
         <a:lstStyle/>
         <a:p>
-          <a:pPr marL="0" lvl="0" indent="0" algn="ctr" defTabSz="1111250">
+          <a:pPr marL="0" lvl="0" indent="0" algn="ctr" defTabSz="1066800">
             <a:lnSpc>
               <a:spcPct val="90000"/>
             </a:lnSpc>
@@ -1750,7 +1750,7 @@
             </a:spcAft>
             <a:buNone/>
           </a:pPr>
-          <a:endParaRPr lang="en-US" sz="2500" kern="1200"/>
+          <a:endParaRPr lang="en-US" sz="2400" kern="1200"/>
         </a:p>
       </dsp:txBody>
       <dsp:txXfrm>
@@ -4176,7 +4176,7 @@
           <a:p>
             <a:fld id="{02AC24A9-CCB6-4F8D-B8DB-C2F3692CFA5A}" type="datetimeFigureOut">
               <a:rPr lang="en-US" smtClean="0"/>
-              <a:t>5/21/2023</a:t>
+              <a:t>5/22/2023</a:t>
             </a:fld>
             <a:endParaRPr lang="en-US" dirty="0"/>
           </a:p>
@@ -4546,7 +4546,7 @@
           <a:p>
             <a:fld id="{02AC24A9-CCB6-4F8D-B8DB-C2F3692CFA5A}" type="datetimeFigureOut">
               <a:rPr lang="en-US" smtClean="0"/>
-              <a:t>5/21/2023</a:t>
+              <a:t>5/22/2023</a:t>
             </a:fld>
             <a:endParaRPr lang="en-US"/>
           </a:p>
@@ -4755,7 +4755,7 @@
           <a:p>
             <a:fld id="{02AC24A9-CCB6-4F8D-B8DB-C2F3692CFA5A}" type="datetimeFigureOut">
               <a:rPr lang="en-US" smtClean="0"/>
-              <a:t>5/21/2023</a:t>
+              <a:t>5/22/2023</a:t>
             </a:fld>
             <a:endParaRPr lang="en-US"/>
           </a:p>
@@ -5225,7 +5225,7 @@
           <a:p>
             <a:fld id="{02AC24A9-CCB6-4F8D-B8DB-C2F3692CFA5A}" type="datetimeFigureOut">
               <a:rPr lang="en-US" smtClean="0"/>
-              <a:t>5/21/2023</a:t>
+              <a:t>5/22/2023</a:t>
             </a:fld>
             <a:endParaRPr lang="en-US"/>
           </a:p>
@@ -5679,7 +5679,7 @@
           <a:p>
             <a:fld id="{02AC24A9-CCB6-4F8D-B8DB-C2F3692CFA5A}" type="datetimeFigureOut">
               <a:rPr lang="en-US" smtClean="0"/>
-              <a:t>5/21/2023</a:t>
+              <a:t>5/22/2023</a:t>
             </a:fld>
             <a:endParaRPr lang="en-US"/>
           </a:p>
@@ -6211,7 +6211,7 @@
           <a:p>
             <a:fld id="{02AC24A9-CCB6-4F8D-B8DB-C2F3692CFA5A}" type="datetimeFigureOut">
               <a:rPr lang="en-US" smtClean="0"/>
-              <a:t>5/21/2023</a:t>
+              <a:t>5/22/2023</a:t>
             </a:fld>
             <a:endParaRPr lang="en-US"/>
           </a:p>
@@ -6910,7 +6910,7 @@
           <a:p>
             <a:fld id="{02AC24A9-CCB6-4F8D-B8DB-C2F3692CFA5A}" type="datetimeFigureOut">
               <a:rPr lang="en-US" smtClean="0"/>
-              <a:t>5/21/2023</a:t>
+              <a:t>5/22/2023</a:t>
             </a:fld>
             <a:endParaRPr lang="en-US"/>
           </a:p>
@@ -7239,7 +7239,7 @@
           <a:p>
             <a:fld id="{02AC24A9-CCB6-4F8D-B8DB-C2F3692CFA5A}" type="datetimeFigureOut">
               <a:rPr lang="en-US" smtClean="0"/>
-              <a:t>5/21/2023</a:t>
+              <a:t>5/22/2023</a:t>
             </a:fld>
             <a:endParaRPr lang="en-US"/>
           </a:p>
@@ -7352,7 +7352,7 @@
           <a:p>
             <a:fld id="{02AC24A9-CCB6-4F8D-B8DB-C2F3692CFA5A}" type="datetimeFigureOut">
               <a:rPr lang="en-US" smtClean="0"/>
-              <a:t>5/21/2023</a:t>
+              <a:t>5/22/2023</a:t>
             </a:fld>
             <a:endParaRPr lang="en-US"/>
           </a:p>
@@ -7847,7 +7847,7 @@
           <a:p>
             <a:fld id="{02AC24A9-CCB6-4F8D-B8DB-C2F3692CFA5A}" type="datetimeFigureOut">
               <a:rPr lang="en-US" smtClean="0"/>
-              <a:t>5/21/2023</a:t>
+              <a:t>5/22/2023</a:t>
             </a:fld>
             <a:endParaRPr lang="en-US" dirty="0"/>
           </a:p>
@@ -8324,7 +8324,7 @@
           <a:p>
             <a:fld id="{02AC24A9-CCB6-4F8D-B8DB-C2F3692CFA5A}" type="datetimeFigureOut">
               <a:rPr lang="en-US" smtClean="0"/>
-              <a:t>5/21/2023</a:t>
+              <a:t>5/22/2023</a:t>
             </a:fld>
             <a:endParaRPr lang="en-US"/>
           </a:p>
@@ -8563,7 +8563,7 @@
           <a:p>
             <a:fld id="{02AC24A9-CCB6-4F8D-B8DB-C2F3692CFA5A}" type="datetimeFigureOut">
               <a:rPr lang="en-US" smtClean="0"/>
-              <a:t>5/21/2023</a:t>
+              <a:t>5/22/2023</a:t>
             </a:fld>
             <a:endParaRPr lang="en-US"/>
           </a:p>
@@ -9490,13 +9490,13 @@
   <p:clrMapOvr>
     <a:masterClrMapping/>
   </p:clrMapOvr>
-  <mc:AlternateContent xmlns:mc="http://schemas.openxmlformats.org/markup-compatibility/2006">
-    <mc:Choice xmlns:p159="http://schemas.microsoft.com/office/powerpoint/2015/09/main" Requires="p159">
+  <mc:AlternateContent xmlns:mc="http://schemas.openxmlformats.org/markup-compatibility/2006" xmlns:p159="http://schemas.microsoft.com/office/powerpoint/2015/09/main">
+    <mc:Choice Requires="p159">
       <p:transition xmlns:p14="http://schemas.microsoft.com/office/powerpoint/2010/main" spd="slow" p14:dur="2000">
         <p159:morph option="byObject"/>
       </p:transition>
     </mc:Choice>
-    <mc:Fallback>
+    <mc:Fallback xmlns="">
       <p:transition spd="slow">
         <p:fade/>
       </p:transition>
@@ -9508,6 +9508,14 @@
 <file path=ppt/slides/slide10.xml><?xml version="1.0" encoding="utf-8"?>
 <p:sld xmlns:a="http://schemas.openxmlformats.org/drawingml/2006/main" xmlns:r="http://schemas.openxmlformats.org/officeDocument/2006/relationships" xmlns:p="http://schemas.openxmlformats.org/presentationml/2006/main">
   <p:cSld>
+    <p:bg>
+      <p:bgPr>
+        <a:solidFill>
+          <a:schemeClr val="bg1"/>
+        </a:solidFill>
+        <a:effectLst/>
+      </p:bgPr>
+    </p:bg>
     <p:spTree>
       <p:nvGrpSpPr>
         <p:cNvPr id="1" name=""/>
@@ -9522,54 +9530,40 @@
           <a:chExt cx="0" cy="0"/>
         </a:xfrm>
       </p:grpSpPr>
-      <p:sp>
-        <p:nvSpPr>
-          <p:cNvPr id="2" name="Titolo 1">
-            <a:extLst>
-              <a:ext uri="{FF2B5EF4-FFF2-40B4-BE49-F238E27FC236}">
-                <a16:creationId xmlns:a16="http://schemas.microsoft.com/office/drawing/2014/main" id="{FA74FA27-809E-FA42-4923-899507F85FF8}"/>
+      <p:sp useBgFill="1">
+        <p:nvSpPr>
+          <p:cNvPr id="19" name="Rectangle 18">
+            <a:extLst>
+              <a:ext uri="{FF2B5EF4-FFF2-40B4-BE49-F238E27FC236}">
+                <a16:creationId xmlns:a16="http://schemas.microsoft.com/office/drawing/2014/main" id="{21516CB1-E8C8-4751-B6A6-46B2D1E72A61}"/>
+              </a:ext>
+              <a:ext uri="{C183D7F6-B498-43B3-948B-1728B52AA6E4}">
+                <adec:decorative xmlns:adec="http://schemas.microsoft.com/office/drawing/2017/decorative" val="1"/>
               </a:ext>
             </a:extLst>
           </p:cNvPr>
           <p:cNvSpPr>
-            <a:spLocks noGrp="1"/>
+            <a:spLocks noGrp="1" noRot="1" noChangeAspect="1" noMove="1" noResize="1" noEditPoints="1" noAdjustHandles="1" noChangeArrowheads="1" noChangeShapeType="1" noTextEdit="1"/>
           </p:cNvSpPr>
           <p:nvPr>
-            <p:ph type="title"/>
+            <p:extLst>
+              <p:ext uri="{386F3935-93C4-4BCD-93E2-E3B085C9AB24}">
+                <p16:designElem xmlns:p16="http://schemas.microsoft.com/office/powerpoint/2015/main" val="1"/>
+              </p:ext>
+            </p:extLst>
           </p:nvPr>
-        </p:nvSpPr>
-        <p:spPr/>
-        <p:txBody>
-          <a:bodyPr/>
-          <a:lstStyle/>
-          <a:p>
-            <a:r>
-              <a:rPr lang="it-IT" dirty="0"/>
-              <a:t>PVsimulator class </a:t>
-            </a:r>
-          </a:p>
-        </p:txBody>
-      </p:sp>
-      <p:sp>
-        <p:nvSpPr>
-          <p:cNvPr id="3" name="Rectangle: Rounded Corners 2">
-            <a:extLst>
-              <a:ext uri="{FF2B5EF4-FFF2-40B4-BE49-F238E27FC236}">
-                <a16:creationId xmlns:a16="http://schemas.microsoft.com/office/drawing/2014/main" id="{54D67E87-275C-12E7-B95E-F8958F9EE690}"/>
-              </a:ext>
-            </a:extLst>
-          </p:cNvPr>
-          <p:cNvSpPr/>
-          <p:nvPr/>
         </p:nvSpPr>
         <p:spPr>
           <a:xfrm>
-            <a:off x="590204" y="2635135"/>
-            <a:ext cx="4746567" cy="3607723"/>
+            <a:off x="0" y="0"/>
+            <a:ext cx="12192000" cy="6858000"/>
           </a:xfrm>
-          <a:prstGeom prst="roundRect">
+          <a:prstGeom prst="rect">
             <a:avLst/>
           </a:prstGeom>
+          <a:ln>
+            <a:noFill/>
+          </a:ln>
         </p:spPr>
         <p:style>
           <a:lnRef idx="2">
@@ -9592,30 +9586,82 @@
           <a:lstStyle/>
           <a:p>
             <a:pPr algn="ctr"/>
-            <a:endParaRPr lang="it-IT" dirty="0"/>
-          </a:p>
-        </p:txBody>
-      </p:sp>
-      <p:sp>
-        <p:nvSpPr>
-          <p:cNvPr id="4" name="Rectangle: Rounded Corners 3">
-            <a:extLst>
-              <a:ext uri="{FF2B5EF4-FFF2-40B4-BE49-F238E27FC236}">
-                <a16:creationId xmlns:a16="http://schemas.microsoft.com/office/drawing/2014/main" id="{199BE6D5-8E78-4DD9-CC2D-391E5BDEF584}"/>
-              </a:ext>
-            </a:extLst>
-          </p:cNvPr>
-          <p:cNvSpPr/>
-          <p:nvPr/>
+            <a:endParaRPr lang="en-US"/>
+          </a:p>
+        </p:txBody>
+      </p:sp>
+      <p:sp>
+        <p:nvSpPr>
+          <p:cNvPr id="2" name="Titolo 1">
+            <a:extLst>
+              <a:ext uri="{FF2B5EF4-FFF2-40B4-BE49-F238E27FC236}">
+                <a16:creationId xmlns:a16="http://schemas.microsoft.com/office/drawing/2014/main" id="{FA74FA27-809E-FA42-4923-899507F85FF8}"/>
+              </a:ext>
+            </a:extLst>
+          </p:cNvPr>
+          <p:cNvSpPr>
+            <a:spLocks noGrp="1"/>
+          </p:cNvSpPr>
+          <p:nvPr>
+            <p:ph type="title"/>
+          </p:nvPr>
         </p:nvSpPr>
         <p:spPr>
           <a:xfrm>
-            <a:off x="6855231" y="2635134"/>
-            <a:ext cx="4746567" cy="3607723"/>
+            <a:off x="429768" y="411480"/>
+            <a:ext cx="11131298" cy="1106424"/>
           </a:xfrm>
-          <a:prstGeom prst="roundRect">
+        </p:spPr>
+        <p:txBody>
+          <a:bodyPr vert="horz" lIns="91440" tIns="45720" rIns="91440" bIns="45720" rtlCol="0" anchor="ctr">
+            <a:normAutofit/>
+          </a:bodyPr>
+          <a:lstStyle/>
+          <a:p>
+            <a:r>
+              <a:rPr lang="en-US" sz="3600"/>
+              <a:t>Shadow zone creator</a:t>
+            </a:r>
+          </a:p>
+        </p:txBody>
+      </p:sp>
+      <p:sp>
+        <p:nvSpPr>
+          <p:cNvPr id="21" name="Rectangle 20">
+            <a:extLst>
+              <a:ext uri="{FF2B5EF4-FFF2-40B4-BE49-F238E27FC236}">
+                <a16:creationId xmlns:a16="http://schemas.microsoft.com/office/drawing/2014/main" id="{90C0C0D1-E79A-41FF-8322-256F6DD1499B}"/>
+              </a:ext>
+              <a:ext uri="{C183D7F6-B498-43B3-948B-1728B52AA6E4}">
+                <adec:decorative xmlns:adec="http://schemas.microsoft.com/office/drawing/2017/decorative" val="1"/>
+              </a:ext>
+            </a:extLst>
+          </p:cNvPr>
+          <p:cNvSpPr>
+            <a:spLocks noGrp="1" noRot="1" noChangeAspect="1" noMove="1" noResize="1" noEditPoints="1" noAdjustHandles="1" noChangeArrowheads="1" noChangeShapeType="1" noTextEdit="1"/>
+          </p:cNvSpPr>
+          <p:nvPr>
+            <p:extLst>
+              <p:ext uri="{386F3935-93C4-4BCD-93E2-E3B085C9AB24}">
+                <p16:designElem xmlns:p16="http://schemas.microsoft.com/office/powerpoint/2015/main" val="1"/>
+              </p:ext>
+            </p:extLst>
+          </p:nvPr>
+        </p:nvSpPr>
+        <p:spPr>
+          <a:xfrm>
+            <a:off x="0" y="585216"/>
+            <a:ext cx="128016" cy="704088"/>
+          </a:xfrm>
+          <a:prstGeom prst="rect">
             <a:avLst/>
           </a:prstGeom>
+          <a:solidFill>
+            <a:schemeClr val="accent1"/>
+          </a:solidFill>
+          <a:ln>
+            <a:noFill/>
+          </a:ln>
         </p:spPr>
         <p:style>
           <a:lnRef idx="2">
@@ -9637,43 +9683,169 @@
           <a:bodyPr rtlCol="0" anchor="ctr"/>
           <a:lstStyle/>
           <a:p>
-            <a:pPr algn="ctr"/>
-            <a:endParaRPr lang="it-IT"/>
-          </a:p>
-        </p:txBody>
-      </p:sp>
-      <p:sp>
-        <p:nvSpPr>
-          <p:cNvPr id="5" name="Arrow: Right 4">
-            <a:extLst>
-              <a:ext uri="{FF2B5EF4-FFF2-40B4-BE49-F238E27FC236}">
-                <a16:creationId xmlns:a16="http://schemas.microsoft.com/office/drawing/2014/main" id="{4B471671-866F-77EF-3CC3-D41AC284B594}"/>
-              </a:ext>
-            </a:extLst>
-          </p:cNvPr>
-          <p:cNvSpPr/>
+            <a:pPr marL="0" marR="0" lvl="0" indent="0" algn="ctr" defTabSz="914400" rtl="0" eaLnBrk="1" fontAlgn="auto" latinLnBrk="0" hangingPunct="1">
+              <a:lnSpc>
+                <a:spcPct val="100000"/>
+              </a:lnSpc>
+              <a:spcBef>
+                <a:spcPts val="0"/>
+              </a:spcBef>
+              <a:spcAft>
+                <a:spcPts val="0"/>
+              </a:spcAft>
+              <a:buClrTx/>
+              <a:buSzTx/>
+              <a:buFontTx/>
+              <a:buNone/>
+              <a:tabLst/>
+              <a:defRPr/>
+            </a:pPr>
+            <a:endParaRPr kumimoji="0" lang="en-US" sz="1800" b="0" i="0" u="none" strike="noStrike" kern="1200" cap="none" spc="0" normalizeH="0" baseline="0" noProof="0">
+              <a:ln>
+                <a:noFill/>
+              </a:ln>
+              <a:solidFill>
+                <a:prstClr val="white"/>
+              </a:solidFill>
+              <a:effectLst/>
+              <a:uLnTx/>
+              <a:uFillTx/>
+              <a:latin typeface="Calibri" panose="020F0502020204030204"/>
+              <a:ea typeface="+mn-ea"/>
+              <a:cs typeface="+mn-cs"/>
+            </a:endParaRPr>
+          </a:p>
+        </p:txBody>
+      </p:sp>
+      <p:pic>
+        <p:nvPicPr>
+          <p:cNvPr id="12" name="Picture 11">
+            <a:extLst>
+              <a:ext uri="{FF2B5EF4-FFF2-40B4-BE49-F238E27FC236}">
+                <a16:creationId xmlns:a16="http://schemas.microsoft.com/office/drawing/2014/main" id="{4E995504-A4AE-E8F2-9687-5EF5B88F6D28}"/>
+              </a:ext>
+            </a:extLst>
+          </p:cNvPr>
+          <p:cNvPicPr>
+            <a:picLocks noChangeAspect="1"/>
+          </p:cNvPicPr>
           <p:nvPr/>
-        </p:nvSpPr>
+        </p:nvPicPr>
+        <p:blipFill rotWithShape="1">
+          <a:blip r:embed="rId2">
+            <a:extLst>
+              <a:ext uri="{28A0092B-C50C-407E-A947-70E740481C1C}">
+                <a14:useLocalDpi xmlns:a14="http://schemas.microsoft.com/office/drawing/2010/main" val="0"/>
+              </a:ext>
+            </a:extLst>
+          </a:blip>
+          <a:srcRect t="11023" r="3" b="7355"/>
+          <a:stretch/>
+        </p:blipFill>
         <p:spPr>
           <a:xfrm>
-            <a:off x="5519651" y="4181302"/>
-            <a:ext cx="1163782" cy="523702"/>
+            <a:off x="429767" y="1721922"/>
+            <a:ext cx="3419856" cy="4520560"/>
           </a:xfrm>
-          <a:prstGeom prst="rightArrow">
+          <a:prstGeom prst="rect">
             <a:avLst/>
           </a:prstGeom>
         </p:spPr>
+      </p:pic>
+      <p:pic>
+        <p:nvPicPr>
+          <p:cNvPr id="10" name="Picture 9" descr="A picture containing screenshot, solar cell, panel&#10;&#10;Description automatically generated">
+            <a:extLst>
+              <a:ext uri="{FF2B5EF4-FFF2-40B4-BE49-F238E27FC236}">
+                <a16:creationId xmlns:a16="http://schemas.microsoft.com/office/drawing/2014/main" id="{26901A51-6871-8BB9-6D8A-210120AE9554}"/>
+              </a:ext>
+            </a:extLst>
+          </p:cNvPr>
+          <p:cNvPicPr>
+            <a:picLocks noChangeAspect="1"/>
+          </p:cNvPicPr>
+          <p:nvPr/>
+        </p:nvPicPr>
+        <p:blipFill rotWithShape="1">
+          <a:blip r:embed="rId3">
+            <a:extLst>
+              <a:ext uri="{28A0092B-C50C-407E-A947-70E740481C1C}">
+                <a14:useLocalDpi xmlns:a14="http://schemas.microsoft.com/office/drawing/2010/main" val="0"/>
+              </a:ext>
+            </a:extLst>
+          </a:blip>
+          <a:srcRect l="10218" r="6628" b="-4"/>
+          <a:stretch/>
+        </p:blipFill>
+        <p:spPr>
+          <a:xfrm>
+            <a:off x="4226837" y="1721922"/>
+            <a:ext cx="3420596" cy="4520560"/>
+          </a:xfrm>
+          <a:prstGeom prst="rect">
+            <a:avLst/>
+          </a:prstGeom>
+        </p:spPr>
+      </p:pic>
+      <p:sp useBgFill="1">
+        <p:nvSpPr>
+          <p:cNvPr id="23" name="Rectangle 22">
+            <a:extLst>
+              <a:ext uri="{FF2B5EF4-FFF2-40B4-BE49-F238E27FC236}">
+                <a16:creationId xmlns:a16="http://schemas.microsoft.com/office/drawing/2014/main" id="{395FA420-5595-49D1-9D5F-79EC43B55574}"/>
+              </a:ext>
+              <a:ext uri="{C183D7F6-B498-43B3-948B-1728B52AA6E4}">
+                <adec:decorative xmlns:adec="http://schemas.microsoft.com/office/drawing/2017/decorative" val="1"/>
+              </a:ext>
+            </a:extLst>
+          </p:cNvPr>
+          <p:cNvSpPr>
+            <a:spLocks noGrp="1" noRot="1" noChangeAspect="1" noMove="1" noResize="1" noEditPoints="1" noAdjustHandles="1" noChangeArrowheads="1" noChangeShapeType="1" noTextEdit="1"/>
+          </p:cNvSpPr>
+          <p:nvPr>
+            <p:extLst>
+              <p:ext uri="{386F3935-93C4-4BCD-93E2-E3B085C9AB24}">
+                <p16:designElem xmlns:p16="http://schemas.microsoft.com/office/powerpoint/2015/main" val="1"/>
+              </p:ext>
+            </p:extLst>
+          </p:nvPr>
+        </p:nvSpPr>
+        <p:spPr>
+          <a:xfrm>
+            <a:off x="8024648" y="1721922"/>
+            <a:ext cx="3609143" cy="4520560"/>
+          </a:xfrm>
+          <a:prstGeom prst="rect">
+            <a:avLst/>
+          </a:prstGeom>
+          <a:ln w="9525">
+            <a:solidFill>
+              <a:schemeClr val="tx2">
+                <a:lumMod val="10000"/>
+                <a:lumOff val="90000"/>
+              </a:schemeClr>
+            </a:solidFill>
+          </a:ln>
+          <a:effectLst>
+            <a:outerShdw blurRad="50800" dist="38100" dir="2700000" algn="tl" rotWithShape="0">
+              <a:schemeClr val="bg1">
+                <a:lumMod val="85000"/>
+                <a:alpha val="30000"/>
+              </a:schemeClr>
+            </a:outerShdw>
+          </a:effectLst>
+        </p:spPr>
         <p:style>
           <a:lnRef idx="2">
-            <a:schemeClr val="dk1">
+            <a:schemeClr val="accent1">
               <a:shade val="50000"/>
             </a:schemeClr>
           </a:lnRef>
           <a:fillRef idx="1">
-            <a:schemeClr val="dk1"/>
+            <a:schemeClr val="accent1"/>
           </a:fillRef>
           <a:effectRef idx="0">
-            <a:schemeClr val="dk1"/>
+            <a:schemeClr val="accent1"/>
           </a:effectRef>
           <a:fontRef idx="minor">
             <a:schemeClr val="lt1"/>
@@ -9683,17 +9855,46 @@
           <a:bodyPr rtlCol="0" anchor="ctr"/>
           <a:lstStyle/>
           <a:p>
-            <a:pPr algn="ctr"/>
-            <a:endParaRPr lang="it-IT"/>
-          </a:p>
-        </p:txBody>
-      </p:sp>
-      <p:sp>
-        <p:nvSpPr>
-          <p:cNvPr id="6" name="TextBox 5">
-            <a:extLst>
-              <a:ext uri="{FF2B5EF4-FFF2-40B4-BE49-F238E27FC236}">
-                <a16:creationId xmlns:a16="http://schemas.microsoft.com/office/drawing/2014/main" id="{DAC31680-9613-2C0F-3B17-82D3FAAD4627}"/>
+            <a:pPr marL="0" marR="0" lvl="0" indent="0" algn="ctr" defTabSz="914400" rtl="0" eaLnBrk="1" fontAlgn="auto" latinLnBrk="0" hangingPunct="1">
+              <a:lnSpc>
+                <a:spcPct val="100000"/>
+              </a:lnSpc>
+              <a:spcBef>
+                <a:spcPts val="0"/>
+              </a:spcBef>
+              <a:spcAft>
+                <a:spcPts val="0"/>
+              </a:spcAft>
+              <a:buClrTx/>
+              <a:buSzTx/>
+              <a:buFontTx/>
+              <a:buNone/>
+              <a:tabLst/>
+              <a:defRPr/>
+            </a:pPr>
+            <a:endParaRPr kumimoji="0" lang="en-US" sz="1800" b="0" i="0" u="none" strike="noStrike" kern="1200" cap="none" spc="0" normalizeH="0" baseline="0" noProof="0">
+              <a:ln>
+                <a:noFill/>
+              </a:ln>
+              <a:solidFill>
+                <a:prstClr val="white"/>
+              </a:solidFill>
+              <a:effectLst/>
+              <a:uLnTx/>
+              <a:uFillTx/>
+              <a:latin typeface="Calibri" panose="020F0502020204030204"/>
+              <a:ea typeface="+mn-ea"/>
+              <a:cs typeface="+mn-cs"/>
+            </a:endParaRPr>
+          </a:p>
+        </p:txBody>
+      </p:sp>
+      <p:sp>
+        <p:nvSpPr>
+          <p:cNvPr id="14" name="TextBox 13">
+            <a:extLst>
+              <a:ext uri="{FF2B5EF4-FFF2-40B4-BE49-F238E27FC236}">
+                <a16:creationId xmlns:a16="http://schemas.microsoft.com/office/drawing/2014/main" id="{70DC081A-A229-329D-E2C5-855461E2125B}"/>
               </a:ext>
             </a:extLst>
           </p:cNvPr>
@@ -9702,8 +9903,50 @@
         </p:nvSpPr>
         <p:spPr>
           <a:xfrm>
-            <a:off x="1022465" y="2851265"/>
-            <a:ext cx="3948546" cy="382386"/>
+            <a:off x="8309348" y="2020824"/>
+            <a:ext cx="2956060" cy="3959352"/>
+          </a:xfrm>
+          <a:prstGeom prst="rect">
+            <a:avLst/>
+          </a:prstGeom>
+        </p:spPr>
+        <p:txBody>
+          <a:bodyPr vert="horz" lIns="91440" tIns="45720" rIns="91440" bIns="45720" rtlCol="0" anchor="ctr">
+            <a:normAutofit/>
+          </a:bodyPr>
+          <a:lstStyle/>
+          <a:p>
+            <a:pPr defTabSz="914400">
+              <a:lnSpc>
+                <a:spcPct val="110000"/>
+              </a:lnSpc>
+              <a:spcAft>
+                <a:spcPts val="600"/>
+              </a:spcAft>
+            </a:pPr>
+            <a:r>
+              <a:rPr lang="en-US" sz="1700" dirty="0"/>
+              <a:t>To generate more realistic simulations and evaluate the increase or decrease in system performance caused by various environmental and weather conditions, a kind of mismatch generator is also used between the different panels within a string or across the entire parallel configuration, as shown in the figures.</a:t>
+            </a:r>
+          </a:p>
+        </p:txBody>
+      </p:sp>
+      <p:sp>
+        <p:nvSpPr>
+          <p:cNvPr id="13" name="TextBox 12">
+            <a:extLst>
+              <a:ext uri="{FF2B5EF4-FFF2-40B4-BE49-F238E27FC236}">
+                <a16:creationId xmlns:a16="http://schemas.microsoft.com/office/drawing/2014/main" id="{39A4DC51-A198-0D1E-C039-96382E268233}"/>
+              </a:ext>
+            </a:extLst>
+          </p:cNvPr>
+          <p:cNvSpPr txBox="1"/>
+          <p:nvPr/>
+        </p:nvSpPr>
+        <p:spPr>
+          <a:xfrm>
+            <a:off x="5637178" y="3049621"/>
+            <a:ext cx="65" cy="276999"/>
           </a:xfrm>
           <a:prstGeom prst="rect">
             <a:avLst/>
@@ -9711,111 +9954,37 @@
           <a:noFill/>
         </p:spPr>
         <p:txBody>
-          <a:bodyPr wrap="square" rtlCol="0">
+          <a:bodyPr wrap="none" lIns="0" tIns="0" rIns="0" bIns="0" rtlCol="0">
             <a:spAutoFit/>
           </a:bodyPr>
           <a:lstStyle/>
           <a:p>
-            <a:pPr algn="ctr"/>
-            <a:r>
-              <a:rPr lang="it-IT" dirty="0"/>
-              <a:t>Input</a:t>
-            </a:r>
-          </a:p>
-        </p:txBody>
-      </p:sp>
-      <p:sp>
-        <p:nvSpPr>
-          <p:cNvPr id="7" name="TextBox 6">
-            <a:extLst>
-              <a:ext uri="{FF2B5EF4-FFF2-40B4-BE49-F238E27FC236}">
-                <a16:creationId xmlns:a16="http://schemas.microsoft.com/office/drawing/2014/main" id="{845CD37C-B9D6-D0DA-1ACC-0BF09685DA0F}"/>
-              </a:ext>
-            </a:extLst>
-          </p:cNvPr>
-          <p:cNvSpPr txBox="1"/>
-          <p:nvPr/>
-        </p:nvSpPr>
-        <p:spPr>
-          <a:xfrm>
-            <a:off x="7254241" y="2851265"/>
-            <a:ext cx="3948546" cy="382386"/>
-          </a:xfrm>
-          <a:prstGeom prst="rect">
-            <a:avLst/>
-          </a:prstGeom>
-          <a:noFill/>
-        </p:spPr>
-        <p:txBody>
-          <a:bodyPr wrap="square" rtlCol="0">
-            <a:spAutoFit/>
-          </a:bodyPr>
-          <a:lstStyle/>
-          <a:p>
-            <a:pPr algn="ctr"/>
-            <a:r>
-              <a:rPr lang="it-IT" dirty="0"/>
-              <a:t>Output</a:t>
-            </a:r>
-          </a:p>
-        </p:txBody>
-      </p:sp>
-      <p:sp>
-        <p:nvSpPr>
-          <p:cNvPr id="8" name="Arrow: Right 7">
-            <a:extLst>
-              <a:ext uri="{FF2B5EF4-FFF2-40B4-BE49-F238E27FC236}">
-                <a16:creationId xmlns:a16="http://schemas.microsoft.com/office/drawing/2014/main" id="{F5F79632-4F35-EF39-7927-2F5CD10BD189}"/>
-              </a:ext>
-            </a:extLst>
-          </p:cNvPr>
-          <p:cNvSpPr/>
-          <p:nvPr/>
-        </p:nvSpPr>
-        <p:spPr>
-          <a:xfrm>
-            <a:off x="-681643" y="4177144"/>
-            <a:ext cx="1163782" cy="523702"/>
-          </a:xfrm>
-          <a:prstGeom prst="rightArrow">
-            <a:avLst/>
-          </a:prstGeom>
-        </p:spPr>
-        <p:style>
-          <a:lnRef idx="2">
-            <a:schemeClr val="dk1">
-              <a:shade val="50000"/>
-            </a:schemeClr>
-          </a:lnRef>
-          <a:fillRef idx="1">
-            <a:schemeClr val="dk1"/>
-          </a:fillRef>
-          <a:effectRef idx="0">
-            <a:schemeClr val="dk1"/>
-          </a:effectRef>
-          <a:fontRef idx="minor">
-            <a:schemeClr val="lt1"/>
-          </a:fontRef>
-        </p:style>
-        <p:txBody>
-          <a:bodyPr rtlCol="0" anchor="ctr"/>
-          <a:lstStyle/>
-          <a:p>
-            <a:pPr algn="ctr"/>
-            <a:endParaRPr lang="it-IT"/>
+            <a:endParaRPr lang="it-IT" dirty="0"/>
           </a:p>
         </p:txBody>
       </p:sp>
     </p:spTree>
     <p:extLst>
       <p:ext uri="{BB962C8B-B14F-4D97-AF65-F5344CB8AC3E}">
-        <p14:creationId xmlns:p14="http://schemas.microsoft.com/office/powerpoint/2010/main" val="3459628496"/>
+        <p14:creationId xmlns:p14="http://schemas.microsoft.com/office/powerpoint/2010/main" val="602783968"/>
       </p:ext>
     </p:extLst>
   </p:cSld>
   <p:clrMapOvr>
     <a:masterClrMapping/>
   </p:clrMapOvr>
+  <mc:AlternateContent xmlns:mc="http://schemas.openxmlformats.org/markup-compatibility/2006" xmlns:p159="http://schemas.microsoft.com/office/powerpoint/2015/09/main">
+    <mc:Choice Requires="p159">
+      <p:transition xmlns:p14="http://schemas.microsoft.com/office/powerpoint/2010/main" spd="slow" p14:dur="2000">
+        <p159:morph option="byObject"/>
+      </p:transition>
+    </mc:Choice>
+    <mc:Fallback xmlns="">
+      <p:transition spd="slow">
+        <p:fade/>
+      </p:transition>
+    </mc:Fallback>
+  </mc:AlternateContent>
 </p:sld>
 </file>
 
@@ -9994,13 +10163,13 @@
   <p:clrMapOvr>
     <a:masterClrMapping/>
   </p:clrMapOvr>
-  <mc:AlternateContent xmlns:mc="http://schemas.openxmlformats.org/markup-compatibility/2006">
-    <mc:Choice xmlns:p159="http://schemas.microsoft.com/office/powerpoint/2015/09/main" Requires="p159">
+  <mc:AlternateContent xmlns:mc="http://schemas.openxmlformats.org/markup-compatibility/2006" xmlns:p159="http://schemas.microsoft.com/office/powerpoint/2015/09/main">
+    <mc:Choice Requires="p159">
       <p:transition xmlns:p14="http://schemas.microsoft.com/office/powerpoint/2010/main" spd="slow" p14:dur="2000">
         <p159:morph option="byObject"/>
       </p:transition>
     </mc:Choice>
-    <mc:Fallback>
+    <mc:Fallback xmlns="">
       <p:transition spd="slow">
         <p:fade/>
       </p:transition>
@@ -10187,13 +10356,13 @@
   <p:clrMapOvr>
     <a:masterClrMapping/>
   </p:clrMapOvr>
-  <mc:AlternateContent xmlns:mc="http://schemas.openxmlformats.org/markup-compatibility/2006">
-    <mc:Choice xmlns:p159="http://schemas.microsoft.com/office/powerpoint/2015/09/main" Requires="p159">
+  <mc:AlternateContent xmlns:mc="http://schemas.openxmlformats.org/markup-compatibility/2006" xmlns:p159="http://schemas.microsoft.com/office/powerpoint/2015/09/main">
+    <mc:Choice Requires="p159">
       <p:transition xmlns:p14="http://schemas.microsoft.com/office/powerpoint/2010/main" spd="slow" p14:dur="2000">
         <p159:morph option="byObject"/>
       </p:transition>
     </mc:Choice>
-    <mc:Fallback>
+    <mc:Fallback xmlns="">
       <p:transition spd="slow">
         <p:fade/>
       </p:transition>
@@ -10380,13 +10549,13 @@
   <p:clrMapOvr>
     <a:masterClrMapping/>
   </p:clrMapOvr>
-  <mc:AlternateContent xmlns:mc="http://schemas.openxmlformats.org/markup-compatibility/2006">
-    <mc:Choice xmlns:p159="http://schemas.microsoft.com/office/powerpoint/2015/09/main" Requires="p159">
+  <mc:AlternateContent xmlns:mc="http://schemas.openxmlformats.org/markup-compatibility/2006" xmlns:p159="http://schemas.microsoft.com/office/powerpoint/2015/09/main">
+    <mc:Choice Requires="p159">
       <p:transition xmlns:p14="http://schemas.microsoft.com/office/powerpoint/2010/main" spd="slow" p14:dur="2000">
         <p159:morph option="byObject"/>
       </p:transition>
     </mc:Choice>
-    <mc:Fallback>
+    <mc:Fallback xmlns="">
       <p:transition spd="slow">
         <p:fade/>
       </p:transition>
@@ -10570,13 +10739,13 @@
   <p:clrMapOvr>
     <a:masterClrMapping/>
   </p:clrMapOvr>
-  <mc:AlternateContent xmlns:mc="http://schemas.openxmlformats.org/markup-compatibility/2006">
-    <mc:Choice xmlns:p159="http://schemas.microsoft.com/office/powerpoint/2015/09/main" Requires="p159">
+  <mc:AlternateContent xmlns:mc="http://schemas.openxmlformats.org/markup-compatibility/2006" xmlns:p159="http://schemas.microsoft.com/office/powerpoint/2015/09/main">
+    <mc:Choice Requires="p159">
       <p:transition xmlns:p14="http://schemas.microsoft.com/office/powerpoint/2010/main" spd="slow" p14:dur="2000">
         <p159:morph option="byObject"/>
       </p:transition>
     </mc:Choice>
-    <mc:Fallback>
+    <mc:Fallback xmlns="">
       <p:transition spd="slow">
         <p:fade/>
       </p:transition>
@@ -10763,13 +10932,13 @@
   <p:clrMapOvr>
     <a:masterClrMapping/>
   </p:clrMapOvr>
-  <mc:AlternateContent xmlns:mc="http://schemas.openxmlformats.org/markup-compatibility/2006">
-    <mc:Choice xmlns:p159="http://schemas.microsoft.com/office/powerpoint/2015/09/main" Requires="p159">
+  <mc:AlternateContent xmlns:mc="http://schemas.openxmlformats.org/markup-compatibility/2006" xmlns:p159="http://schemas.microsoft.com/office/powerpoint/2015/09/main">
+    <mc:Choice Requires="p159">
       <p:transition xmlns:p14="http://schemas.microsoft.com/office/powerpoint/2010/main" spd="slow" p14:dur="2000">
         <p159:morph option="byObject"/>
       </p:transition>
     </mc:Choice>
-    <mc:Fallback>
+    <mc:Fallback xmlns="">
       <p:transition spd="slow">
         <p:fade/>
       </p:transition>
@@ -10956,13 +11125,13 @@
   <p:clrMapOvr>
     <a:masterClrMapping/>
   </p:clrMapOvr>
-  <mc:AlternateContent xmlns:mc="http://schemas.openxmlformats.org/markup-compatibility/2006">
-    <mc:Choice xmlns:p159="http://schemas.microsoft.com/office/powerpoint/2015/09/main" Requires="p159">
+  <mc:AlternateContent xmlns:mc="http://schemas.openxmlformats.org/markup-compatibility/2006" xmlns:p159="http://schemas.microsoft.com/office/powerpoint/2015/09/main">
+    <mc:Choice Requires="p159">
       <p:transition xmlns:p14="http://schemas.microsoft.com/office/powerpoint/2010/main" spd="slow" p14:dur="2000">
         <p159:morph option="byObject"/>
       </p:transition>
     </mc:Choice>
-    <mc:Fallback>
+    <mc:Fallback xmlns="">
       <p:transition spd="slow">
         <p:fade/>
       </p:transition>
@@ -11146,13 +11315,13 @@
   <p:clrMapOvr>
     <a:masterClrMapping/>
   </p:clrMapOvr>
-  <mc:AlternateContent xmlns:mc="http://schemas.openxmlformats.org/markup-compatibility/2006">
-    <mc:Choice xmlns:p159="http://schemas.microsoft.com/office/powerpoint/2015/09/main" Requires="p159">
+  <mc:AlternateContent xmlns:mc="http://schemas.openxmlformats.org/markup-compatibility/2006" xmlns:p159="http://schemas.microsoft.com/office/powerpoint/2015/09/main">
+    <mc:Choice Requires="p159">
       <p:transition xmlns:p14="http://schemas.microsoft.com/office/powerpoint/2010/main" spd="slow" p14:dur="2000">
         <p159:morph option="byObject"/>
       </p:transition>
     </mc:Choice>
-    <mc:Fallback>
+    <mc:Fallback xmlns="">
       <p:transition spd="slow">
         <p:fade/>
       </p:transition>
@@ -11339,13 +11508,13 @@
   <p:clrMapOvr>
     <a:masterClrMapping/>
   </p:clrMapOvr>
-  <mc:AlternateContent xmlns:mc="http://schemas.openxmlformats.org/markup-compatibility/2006">
-    <mc:Choice xmlns:p159="http://schemas.microsoft.com/office/powerpoint/2015/09/main" Requires="p159">
+  <mc:AlternateContent xmlns:mc="http://schemas.openxmlformats.org/markup-compatibility/2006" xmlns:p159="http://schemas.microsoft.com/office/powerpoint/2015/09/main">
+    <mc:Choice Requires="p159">
       <p:transition xmlns:p14="http://schemas.microsoft.com/office/powerpoint/2010/main" spd="slow" p14:dur="2000">
         <p159:morph option="byObject"/>
       </p:transition>
     </mc:Choice>
-    <mc:Fallback>
+    <mc:Fallback xmlns="">
       <p:transition spd="slow">
         <p:fade/>
       </p:transition>
@@ -11532,13 +11701,13 @@
   <p:clrMapOvr>
     <a:masterClrMapping/>
   </p:clrMapOvr>
-  <mc:AlternateContent xmlns:mc="http://schemas.openxmlformats.org/markup-compatibility/2006">
-    <mc:Choice xmlns:p159="http://schemas.microsoft.com/office/powerpoint/2015/09/main" Requires="p159">
+  <mc:AlternateContent xmlns:mc="http://schemas.openxmlformats.org/markup-compatibility/2006" xmlns:p159="http://schemas.microsoft.com/office/powerpoint/2015/09/main">
+    <mc:Choice Requires="p159">
       <p:transition xmlns:p14="http://schemas.microsoft.com/office/powerpoint/2010/main" spd="slow" p14:dur="2000">
         <p159:morph option="byObject"/>
       </p:transition>
     </mc:Choice>
-    <mc:Fallback>
+    <mc:Fallback xmlns="">
       <p:transition spd="slow">
         <p:fade/>
       </p:transition>
@@ -11936,13 +12105,13 @@
   <p:clrMapOvr>
     <a:masterClrMapping/>
   </p:clrMapOvr>
-  <mc:AlternateContent xmlns:mc="http://schemas.openxmlformats.org/markup-compatibility/2006">
-    <mc:Choice xmlns:p159="http://schemas.microsoft.com/office/powerpoint/2015/09/main" Requires="p159">
+  <mc:AlternateContent xmlns:mc="http://schemas.openxmlformats.org/markup-compatibility/2006" xmlns:p159="http://schemas.microsoft.com/office/powerpoint/2015/09/main">
+    <mc:Choice Requires="p159">
       <p:transition xmlns:p14="http://schemas.microsoft.com/office/powerpoint/2010/main" spd="slow" p14:dur="2000">
         <p159:morph option="byObject"/>
       </p:transition>
     </mc:Choice>
-    <mc:Fallback>
+    <mc:Fallback xmlns="">
       <p:transition spd="slow">
         <p:fade/>
       </p:transition>
@@ -12032,6 +12201,18 @@
   <p:clrMapOvr>
     <a:masterClrMapping/>
   </p:clrMapOvr>
+  <mc:AlternateContent xmlns:mc="http://schemas.openxmlformats.org/markup-compatibility/2006" xmlns:p159="http://schemas.microsoft.com/office/powerpoint/2015/09/main">
+    <mc:Choice Requires="p159">
+      <p:transition xmlns:p14="http://schemas.microsoft.com/office/powerpoint/2010/main" spd="slow" p14:dur="2000">
+        <p159:morph option="byObject"/>
+      </p:transition>
+    </mc:Choice>
+    <mc:Fallback xmlns="">
+      <p:transition spd="slow">
+        <p:fade/>
+      </p:transition>
+    </mc:Fallback>
+  </mc:AlternateContent>
 </p:sld>
 </file>
 
@@ -12116,6 +12297,18 @@
   <p:clrMapOvr>
     <a:masterClrMapping/>
   </p:clrMapOvr>
+  <mc:AlternateContent xmlns:mc="http://schemas.openxmlformats.org/markup-compatibility/2006" xmlns:p159="http://schemas.microsoft.com/office/powerpoint/2015/09/main">
+    <mc:Choice Requires="p159">
+      <p:transition xmlns:p14="http://schemas.microsoft.com/office/powerpoint/2010/main" spd="slow" p14:dur="2000">
+        <p159:morph option="byObject"/>
+      </p:transition>
+    </mc:Choice>
+    <mc:Fallback xmlns="">
+      <p:transition spd="slow">
+        <p:fade/>
+      </p:transition>
+    </mc:Fallback>
+  </mc:AlternateContent>
 </p:sld>
 </file>
 
@@ -12200,13 +12393,13 @@
   <p:clrMapOvr>
     <a:masterClrMapping/>
   </p:clrMapOvr>
-  <mc:AlternateContent xmlns:mc="http://schemas.openxmlformats.org/markup-compatibility/2006">
-    <mc:Choice xmlns:p159="http://schemas.microsoft.com/office/powerpoint/2015/09/main" Requires="p159">
+  <mc:AlternateContent xmlns:mc="http://schemas.openxmlformats.org/markup-compatibility/2006" xmlns:p159="http://schemas.microsoft.com/office/powerpoint/2015/09/main">
+    <mc:Choice Requires="p159">
       <p:transition xmlns:p14="http://schemas.microsoft.com/office/powerpoint/2010/main" spd="slow" p14:dur="2000">
         <p159:morph option="byObject"/>
       </p:transition>
     </mc:Choice>
-    <mc:Fallback>
+    <mc:Fallback xmlns="">
       <p:transition spd="slow">
         <p:fade/>
       </p:transition>
@@ -12216,126 +12409,6 @@
 </file>
 
 <file path=ppt/slides/slide4.xml><?xml version="1.0" encoding="utf-8"?>
-<p:sld xmlns:a="http://schemas.openxmlformats.org/drawingml/2006/main" xmlns:r="http://schemas.openxmlformats.org/officeDocument/2006/relationships" xmlns:p="http://schemas.openxmlformats.org/presentationml/2006/main">
-  <p:cSld>
-    <p:spTree>
-      <p:nvGrpSpPr>
-        <p:cNvPr id="1" name=""/>
-        <p:cNvGrpSpPr/>
-        <p:nvPr/>
-      </p:nvGrpSpPr>
-      <p:grpSpPr>
-        <a:xfrm>
-          <a:off x="0" y="0"/>
-          <a:ext cx="0" cy="0"/>
-          <a:chOff x="0" y="0"/>
-          <a:chExt cx="0" cy="0"/>
-        </a:xfrm>
-      </p:grpSpPr>
-      <p:sp>
-        <p:nvSpPr>
-          <p:cNvPr id="2" name="Titolo 1">
-            <a:extLst>
-              <a:ext uri="{FF2B5EF4-FFF2-40B4-BE49-F238E27FC236}">
-                <a16:creationId xmlns:a16="http://schemas.microsoft.com/office/drawing/2014/main" id="{154454CD-4916-8E1F-2D56-52B0118C0DEE}"/>
-              </a:ext>
-            </a:extLst>
-          </p:cNvPr>
-          <p:cNvSpPr>
-            <a:spLocks noGrp="1"/>
-          </p:cNvSpPr>
-          <p:nvPr>
-            <p:ph type="title"/>
-          </p:nvPr>
-        </p:nvSpPr>
-        <p:spPr/>
-        <p:txBody>
-          <a:bodyPr/>
-          <a:lstStyle/>
-          <a:p>
-            <a:r>
-              <a:rPr lang="it-IT" dirty="0" err="1"/>
-              <a:t>Theoretical</a:t>
-            </a:r>
-            <a:r>
-              <a:rPr lang="it-IT" dirty="0"/>
-              <a:t> </a:t>
-            </a:r>
-            <a:r>
-              <a:rPr lang="it-IT" dirty="0" err="1"/>
-              <a:t>outlines</a:t>
-            </a:r>
-            <a:endParaRPr lang="it-IT" dirty="0"/>
-          </a:p>
-        </p:txBody>
-      </p:sp>
-      <p:sp>
-        <p:nvSpPr>
-          <p:cNvPr id="3" name="Segnaposto contenuto 2">
-            <a:extLst>
-              <a:ext uri="{FF2B5EF4-FFF2-40B4-BE49-F238E27FC236}">
-                <a16:creationId xmlns:a16="http://schemas.microsoft.com/office/drawing/2014/main" id="{2484187F-7A4E-4444-413F-BEC1589BC1AB}"/>
-              </a:ext>
-            </a:extLst>
-          </p:cNvPr>
-          <p:cNvSpPr>
-            <a:spLocks noGrp="1"/>
-          </p:cNvSpPr>
-          <p:nvPr>
-            <p:ph idx="1"/>
-          </p:nvPr>
-        </p:nvSpPr>
-        <p:spPr/>
-        <p:txBody>
-          <a:bodyPr/>
-          <a:lstStyle/>
-          <a:p>
-            <a:r>
-              <a:rPr lang="it-IT" dirty="0"/>
-              <a:t>Accenni sui pannelli </a:t>
-            </a:r>
-          </a:p>
-          <a:p>
-            <a:r>
-              <a:rPr lang="it-IT" dirty="0"/>
-              <a:t>Come funziona MPPT </a:t>
-            </a:r>
-            <a:r>
-              <a:rPr lang="it-IT"/>
-              <a:t>in generale</a:t>
-            </a:r>
-          </a:p>
-          <a:p>
-            <a:endParaRPr lang="it-IT" dirty="0"/>
-          </a:p>
-        </p:txBody>
-      </p:sp>
-    </p:spTree>
-    <p:extLst>
-      <p:ext uri="{BB962C8B-B14F-4D97-AF65-F5344CB8AC3E}">
-        <p14:creationId xmlns:p14="http://schemas.microsoft.com/office/powerpoint/2010/main" val="3146612451"/>
-      </p:ext>
-    </p:extLst>
-  </p:cSld>
-  <p:clrMapOvr>
-    <a:masterClrMapping/>
-  </p:clrMapOvr>
-  <mc:AlternateContent xmlns:mc="http://schemas.openxmlformats.org/markup-compatibility/2006">
-    <mc:Choice xmlns:p159="http://schemas.microsoft.com/office/powerpoint/2015/09/main" Requires="p159">
-      <p:transition xmlns:p14="http://schemas.microsoft.com/office/powerpoint/2010/main" spd="slow" p14:dur="2000">
-        <p159:morph option="byObject"/>
-      </p:transition>
-    </mc:Choice>
-    <mc:Fallback>
-      <p:transition spd="slow">
-        <p:fade/>
-      </p:transition>
-    </mc:Fallback>
-  </mc:AlternateContent>
-</p:sld>
-</file>
-
-<file path=ppt/slides/slide5.xml><?xml version="1.0" encoding="utf-8"?>
 <p:sld xmlns:a="http://schemas.openxmlformats.org/drawingml/2006/main" xmlns:r="http://schemas.openxmlformats.org/officeDocument/2006/relationships" xmlns:p="http://schemas.openxmlformats.org/presentationml/2006/main">
   <p:cSld>
     <p:bg>
@@ -12787,7 +12860,7 @@
           <a:lstStyle/>
           <a:p>
             <a:r>
-              <a:rPr lang="en-US" sz="2800"/>
+              <a:rPr lang="en-US" sz="2800" dirty="0"/>
               <a:t>Code structure</a:t>
             </a:r>
           </a:p>
@@ -13008,82 +13081,85 @@
           </a:bodyPr>
           <a:lstStyle/>
           <a:p>
-            <a:pPr indent="-228600" defTabSz="914400">
+            <a:pPr defTabSz="914400">
               <a:spcAft>
                 <a:spcPts val="600"/>
               </a:spcAft>
-              <a:buFont typeface="Arial" panose="020B0604020202020204" pitchFamily="34" charset="0"/>
-              <a:buChar char="•"/>
             </a:pPr>
             <a:r>
-              <a:rPr lang="en-US" sz="1700"/>
-              <a:t>Per l’implementazione del sistema e dei moduli di ottimizzazione sono state necessarie 4 classi e una libreria di utilità:</a:t>
+              <a:rPr lang="en-US" sz="1700" dirty="0"/>
+              <a:t>For the implementation of the system and optimization modules, 4 classes and a utility library were required:</a:t>
             </a:r>
           </a:p>
           <a:p>
-            <a:pPr marL="285750" indent="-228600" defTabSz="914400">
+            <a:pPr marL="114300" indent="-342900" defTabSz="914400">
               <a:spcAft>
                 <a:spcPts val="600"/>
               </a:spcAft>
-              <a:buFont typeface="Arial" panose="020B0604020202020204" pitchFamily="34" charset="0"/>
-              <a:buChar char="•"/>
+              <a:buFont typeface="+mj-lt"/>
+              <a:buAutoNum type="arabicPeriod"/>
             </a:pPr>
             <a:r>
-              <a:rPr lang="en-US" sz="1700"/>
+              <a:rPr lang="en-US" sz="1700" dirty="0" err="1"/>
               <a:t>PVpanel</a:t>
             </a:r>
-          </a:p>
-          <a:p>
-            <a:pPr marL="285750" indent="-228600" defTabSz="914400">
+            <a:endParaRPr lang="en-US" sz="1700" dirty="0"/>
+          </a:p>
+          <a:p>
+            <a:pPr marL="114300" indent="-342900" defTabSz="914400">
               <a:spcAft>
                 <a:spcPts val="600"/>
               </a:spcAft>
-              <a:buFont typeface="Arial" panose="020B0604020202020204" pitchFamily="34" charset="0"/>
-              <a:buChar char="•"/>
+              <a:buFont typeface="+mj-lt"/>
+              <a:buAutoNum type="arabicPeriod"/>
             </a:pPr>
             <a:r>
-              <a:rPr lang="en-US" sz="1700"/>
+              <a:rPr lang="en-US" sz="1700" dirty="0" err="1"/>
               <a:t>PVstring</a:t>
             </a:r>
-          </a:p>
-          <a:p>
-            <a:pPr marL="285750" indent="-228600" defTabSz="914400">
+            <a:endParaRPr lang="en-US" sz="1700" dirty="0"/>
+          </a:p>
+          <a:p>
+            <a:pPr marL="114300" indent="-342900" defTabSz="914400">
               <a:spcAft>
                 <a:spcPts val="600"/>
               </a:spcAft>
-              <a:buFont typeface="Arial" panose="020B0604020202020204" pitchFamily="34" charset="0"/>
-              <a:buChar char="•"/>
+              <a:buFont typeface="+mj-lt"/>
+              <a:buAutoNum type="arabicPeriod"/>
             </a:pPr>
             <a:r>
-              <a:rPr lang="en-US" sz="1700"/>
+              <a:rPr lang="en-US" sz="1700" dirty="0" err="1"/>
               <a:t>PVparallel</a:t>
             </a:r>
-          </a:p>
-          <a:p>
-            <a:pPr marL="285750" indent="-228600" defTabSz="914400">
+            <a:endParaRPr lang="en-US" sz="1700" dirty="0"/>
+          </a:p>
+          <a:p>
+            <a:pPr marL="114300" indent="-342900" defTabSz="914400">
               <a:spcAft>
                 <a:spcPts val="600"/>
               </a:spcAft>
-              <a:buFont typeface="Arial" panose="020B0604020202020204" pitchFamily="34" charset="0"/>
-              <a:buChar char="•"/>
+              <a:buFont typeface="+mj-lt"/>
+              <a:buAutoNum type="arabicPeriod"/>
             </a:pPr>
             <a:r>
-              <a:rPr lang="en-US" sz="1700"/>
+              <a:rPr lang="en-US" sz="1700" dirty="0" err="1"/>
               <a:t>PVsimulator</a:t>
             </a:r>
-          </a:p>
-          <a:p>
-            <a:pPr marL="285750" indent="-228600" defTabSz="914400">
+            <a:endParaRPr lang="en-US" sz="1700" dirty="0"/>
+          </a:p>
+          <a:p>
+            <a:pPr marL="114300" indent="-342900" defTabSz="914400">
               <a:spcAft>
                 <a:spcPts val="600"/>
               </a:spcAft>
-              <a:buFont typeface="Arial" panose="020B0604020202020204" pitchFamily="34" charset="0"/>
-              <a:buChar char="•"/>
+              <a:buFont typeface="+mj-lt"/>
+              <a:buAutoNum type="arabicPeriod"/>
             </a:pPr>
             <a:r>
-              <a:rPr lang="en-US" sz="1700"/>
+              <a:rPr lang="en-US" sz="1700" dirty="0" err="1"/>
               <a:t>PVutils</a:t>
             </a:r>
+            <a:endParaRPr lang="en-US" sz="1700" dirty="0"/>
           </a:p>
         </p:txBody>
       </p:sp>
@@ -13135,13 +13211,347 @@
   <p:clrMapOvr>
     <a:masterClrMapping/>
   </p:clrMapOvr>
-  <mc:AlternateContent xmlns:mc="http://schemas.openxmlformats.org/markup-compatibility/2006">
-    <mc:Choice xmlns:p159="http://schemas.microsoft.com/office/powerpoint/2015/09/main" Requires="p159">
+  <mc:AlternateContent xmlns:mc="http://schemas.openxmlformats.org/markup-compatibility/2006" xmlns:p159="http://schemas.microsoft.com/office/powerpoint/2015/09/main">
+    <mc:Choice Requires="p159">
       <p:transition xmlns:p14="http://schemas.microsoft.com/office/powerpoint/2010/main" spd="slow" p14:dur="2000">
         <p159:morph option="byObject"/>
       </p:transition>
     </mc:Choice>
-    <mc:Fallback>
+    <mc:Fallback xmlns="">
+      <p:transition spd="slow">
+        <p:fade/>
+      </p:transition>
+    </mc:Fallback>
+  </mc:AlternateContent>
+</p:sld>
+</file>
+
+<file path=ppt/slides/slide5.xml><?xml version="1.0" encoding="utf-8"?>
+<p:sld xmlns:a="http://schemas.openxmlformats.org/drawingml/2006/main" xmlns:r="http://schemas.openxmlformats.org/officeDocument/2006/relationships" xmlns:p="http://schemas.openxmlformats.org/presentationml/2006/main">
+  <p:cSld>
+    <p:spTree>
+      <p:nvGrpSpPr>
+        <p:cNvPr id="1" name=""/>
+        <p:cNvGrpSpPr/>
+        <p:nvPr/>
+      </p:nvGrpSpPr>
+      <p:grpSpPr>
+        <a:xfrm>
+          <a:off x="0" y="0"/>
+          <a:ext cx="0" cy="0"/>
+          <a:chOff x="0" y="0"/>
+          <a:chExt cx="0" cy="0"/>
+        </a:xfrm>
+      </p:grpSpPr>
+      <p:sp>
+        <p:nvSpPr>
+          <p:cNvPr id="2" name="Titolo 1">
+            <a:extLst>
+              <a:ext uri="{FF2B5EF4-FFF2-40B4-BE49-F238E27FC236}">
+                <a16:creationId xmlns:a16="http://schemas.microsoft.com/office/drawing/2014/main" id="{FA74FA27-809E-FA42-4923-899507F85FF8}"/>
+              </a:ext>
+            </a:extLst>
+          </p:cNvPr>
+          <p:cNvSpPr>
+            <a:spLocks noGrp="1"/>
+          </p:cNvSpPr>
+          <p:nvPr>
+            <p:ph type="title"/>
+          </p:nvPr>
+        </p:nvSpPr>
+        <p:spPr/>
+        <p:txBody>
+          <a:bodyPr/>
+          <a:lstStyle/>
+          <a:p>
+            <a:r>
+              <a:rPr lang="it-IT" dirty="0"/>
+              <a:t>PVpanel class </a:t>
+            </a:r>
+          </a:p>
+        </p:txBody>
+      </p:sp>
+      <p:sp>
+        <p:nvSpPr>
+          <p:cNvPr id="4" name="Rectangle: Rounded Corners 3">
+            <a:extLst>
+              <a:ext uri="{FF2B5EF4-FFF2-40B4-BE49-F238E27FC236}">
+                <a16:creationId xmlns:a16="http://schemas.microsoft.com/office/drawing/2014/main" id="{470E3FB4-6DBF-E92F-7325-94B946B3FBA0}"/>
+              </a:ext>
+            </a:extLst>
+          </p:cNvPr>
+          <p:cNvSpPr/>
+          <p:nvPr/>
+        </p:nvSpPr>
+        <p:spPr>
+          <a:xfrm>
+            <a:off x="590204" y="2635135"/>
+            <a:ext cx="4746567" cy="3607723"/>
+          </a:xfrm>
+          <a:prstGeom prst="roundRect">
+            <a:avLst/>
+          </a:prstGeom>
+        </p:spPr>
+        <p:style>
+          <a:lnRef idx="2">
+            <a:schemeClr val="accent1">
+              <a:shade val="50000"/>
+            </a:schemeClr>
+          </a:lnRef>
+          <a:fillRef idx="1">
+            <a:schemeClr val="accent1"/>
+          </a:fillRef>
+          <a:effectRef idx="0">
+            <a:schemeClr val="accent1"/>
+          </a:effectRef>
+          <a:fontRef idx="minor">
+            <a:schemeClr val="lt1"/>
+          </a:fontRef>
+        </p:style>
+        <p:txBody>
+          <a:bodyPr rtlCol="0" anchor="ctr"/>
+          <a:lstStyle/>
+          <a:p>
+            <a:pPr algn="ctr"/>
+            <a:r>
+              <a:rPr lang="en-US" dirty="0"/>
+              <a:t>Starting from a set of parameters and a pair of operating conditions (G, T)</a:t>
+            </a:r>
+            <a:endParaRPr lang="it-IT" dirty="0"/>
+          </a:p>
+        </p:txBody>
+      </p:sp>
+      <p:sp>
+        <p:nvSpPr>
+          <p:cNvPr id="5" name="Rectangle: Rounded Corners 4">
+            <a:extLst>
+              <a:ext uri="{FF2B5EF4-FFF2-40B4-BE49-F238E27FC236}">
+                <a16:creationId xmlns:a16="http://schemas.microsoft.com/office/drawing/2014/main" id="{A0971179-FF88-47E0-8AEF-51EEAB8ABEF9}"/>
+              </a:ext>
+            </a:extLst>
+          </p:cNvPr>
+          <p:cNvSpPr/>
+          <p:nvPr/>
+        </p:nvSpPr>
+        <p:spPr>
+          <a:xfrm>
+            <a:off x="6855231" y="2635134"/>
+            <a:ext cx="4746567" cy="3607723"/>
+          </a:xfrm>
+          <a:prstGeom prst="roundRect">
+            <a:avLst/>
+          </a:prstGeom>
+        </p:spPr>
+        <p:style>
+          <a:lnRef idx="2">
+            <a:schemeClr val="accent1">
+              <a:shade val="50000"/>
+            </a:schemeClr>
+          </a:lnRef>
+          <a:fillRef idx="1">
+            <a:schemeClr val="accent1"/>
+          </a:fillRef>
+          <a:effectRef idx="0">
+            <a:schemeClr val="accent1"/>
+          </a:effectRef>
+          <a:fontRef idx="minor">
+            <a:schemeClr val="lt1"/>
+          </a:fontRef>
+        </p:style>
+        <p:txBody>
+          <a:bodyPr rtlCol="0" anchor="ctr"/>
+          <a:lstStyle/>
+          <a:p>
+            <a:pPr algn="ctr"/>
+            <a:r>
+              <a:rPr lang="en-US" dirty="0"/>
+              <a:t>The single I-V curve of the photovoltaic panel is produced by measuring the current at the terminals as the voltage varies.</a:t>
+            </a:r>
+            <a:endParaRPr lang="it-IT" dirty="0"/>
+          </a:p>
+        </p:txBody>
+      </p:sp>
+      <p:sp>
+        <p:nvSpPr>
+          <p:cNvPr id="6" name="Arrow: Right 5">
+            <a:extLst>
+              <a:ext uri="{FF2B5EF4-FFF2-40B4-BE49-F238E27FC236}">
+                <a16:creationId xmlns:a16="http://schemas.microsoft.com/office/drawing/2014/main" id="{76BC0DC3-BACC-8C30-DC41-1EB7C657A1D5}"/>
+              </a:ext>
+            </a:extLst>
+          </p:cNvPr>
+          <p:cNvSpPr/>
+          <p:nvPr/>
+        </p:nvSpPr>
+        <p:spPr>
+          <a:xfrm>
+            <a:off x="5519651" y="4181302"/>
+            <a:ext cx="1163782" cy="523702"/>
+          </a:xfrm>
+          <a:prstGeom prst="rightArrow">
+            <a:avLst/>
+          </a:prstGeom>
+        </p:spPr>
+        <p:style>
+          <a:lnRef idx="2">
+            <a:schemeClr val="dk1">
+              <a:shade val="50000"/>
+            </a:schemeClr>
+          </a:lnRef>
+          <a:fillRef idx="1">
+            <a:schemeClr val="dk1"/>
+          </a:fillRef>
+          <a:effectRef idx="0">
+            <a:schemeClr val="dk1"/>
+          </a:effectRef>
+          <a:fontRef idx="minor">
+            <a:schemeClr val="lt1"/>
+          </a:fontRef>
+        </p:style>
+        <p:txBody>
+          <a:bodyPr rtlCol="0" anchor="ctr"/>
+          <a:lstStyle/>
+          <a:p>
+            <a:pPr algn="ctr"/>
+            <a:endParaRPr lang="it-IT"/>
+          </a:p>
+        </p:txBody>
+      </p:sp>
+      <p:sp>
+        <p:nvSpPr>
+          <p:cNvPr id="7" name="TextBox 6">
+            <a:extLst>
+              <a:ext uri="{FF2B5EF4-FFF2-40B4-BE49-F238E27FC236}">
+                <a16:creationId xmlns:a16="http://schemas.microsoft.com/office/drawing/2014/main" id="{8E6E1DA5-5CE3-03FF-3160-3A5D05A72CC0}"/>
+              </a:ext>
+            </a:extLst>
+          </p:cNvPr>
+          <p:cNvSpPr txBox="1"/>
+          <p:nvPr/>
+        </p:nvSpPr>
+        <p:spPr>
+          <a:xfrm>
+            <a:off x="1022465" y="2851265"/>
+            <a:ext cx="3948546" cy="382386"/>
+          </a:xfrm>
+          <a:prstGeom prst="rect">
+            <a:avLst/>
+          </a:prstGeom>
+          <a:noFill/>
+        </p:spPr>
+        <p:txBody>
+          <a:bodyPr wrap="square" rtlCol="0">
+            <a:spAutoFit/>
+          </a:bodyPr>
+          <a:lstStyle/>
+          <a:p>
+            <a:pPr algn="ctr"/>
+            <a:r>
+              <a:rPr lang="it-IT" dirty="0"/>
+              <a:t>Input</a:t>
+            </a:r>
+          </a:p>
+        </p:txBody>
+      </p:sp>
+      <p:sp>
+        <p:nvSpPr>
+          <p:cNvPr id="8" name="TextBox 7">
+            <a:extLst>
+              <a:ext uri="{FF2B5EF4-FFF2-40B4-BE49-F238E27FC236}">
+                <a16:creationId xmlns:a16="http://schemas.microsoft.com/office/drawing/2014/main" id="{CAB92DAC-49BC-7D89-07C2-1A5300CFB77A}"/>
+              </a:ext>
+            </a:extLst>
+          </p:cNvPr>
+          <p:cNvSpPr txBox="1"/>
+          <p:nvPr/>
+        </p:nvSpPr>
+        <p:spPr>
+          <a:xfrm>
+            <a:off x="7254241" y="2851265"/>
+            <a:ext cx="3948546" cy="382386"/>
+          </a:xfrm>
+          <a:prstGeom prst="rect">
+            <a:avLst/>
+          </a:prstGeom>
+          <a:noFill/>
+        </p:spPr>
+        <p:txBody>
+          <a:bodyPr wrap="square" rtlCol="0">
+            <a:spAutoFit/>
+          </a:bodyPr>
+          <a:lstStyle/>
+          <a:p>
+            <a:pPr algn="ctr"/>
+            <a:r>
+              <a:rPr lang="it-IT" dirty="0"/>
+              <a:t>Output</a:t>
+            </a:r>
+          </a:p>
+        </p:txBody>
+      </p:sp>
+      <p:sp>
+        <p:nvSpPr>
+          <p:cNvPr id="9" name="Arrow: Right 8">
+            <a:extLst>
+              <a:ext uri="{FF2B5EF4-FFF2-40B4-BE49-F238E27FC236}">
+                <a16:creationId xmlns:a16="http://schemas.microsoft.com/office/drawing/2014/main" id="{EA83193D-3760-CB61-4350-B9A4506B4874}"/>
+              </a:ext>
+            </a:extLst>
+          </p:cNvPr>
+          <p:cNvSpPr/>
+          <p:nvPr/>
+        </p:nvSpPr>
+        <p:spPr>
+          <a:xfrm>
+            <a:off x="11773596" y="4177144"/>
+            <a:ext cx="1163782" cy="523702"/>
+          </a:xfrm>
+          <a:prstGeom prst="rightArrow">
+            <a:avLst/>
+          </a:prstGeom>
+        </p:spPr>
+        <p:style>
+          <a:lnRef idx="2">
+            <a:schemeClr val="dk1">
+              <a:shade val="50000"/>
+            </a:schemeClr>
+          </a:lnRef>
+          <a:fillRef idx="1">
+            <a:schemeClr val="dk1"/>
+          </a:fillRef>
+          <a:effectRef idx="0">
+            <a:schemeClr val="dk1"/>
+          </a:effectRef>
+          <a:fontRef idx="minor">
+            <a:schemeClr val="lt1"/>
+          </a:fontRef>
+        </p:style>
+        <p:txBody>
+          <a:bodyPr rtlCol="0" anchor="ctr"/>
+          <a:lstStyle/>
+          <a:p>
+            <a:pPr algn="ctr"/>
+            <a:endParaRPr lang="it-IT"/>
+          </a:p>
+        </p:txBody>
+      </p:sp>
+    </p:spTree>
+    <p:extLst>
+      <p:ext uri="{BB962C8B-B14F-4D97-AF65-F5344CB8AC3E}">
+        <p14:creationId xmlns:p14="http://schemas.microsoft.com/office/powerpoint/2010/main" val="2960758482"/>
+      </p:ext>
+    </p:extLst>
+  </p:cSld>
+  <p:clrMapOvr>
+    <a:masterClrMapping/>
+  </p:clrMapOvr>
+  <mc:AlternateContent xmlns:mc="http://schemas.openxmlformats.org/markup-compatibility/2006" xmlns:p159="http://schemas.microsoft.com/office/powerpoint/2015/09/main">
+    <mc:Choice Requires="p159">
+      <p:transition xmlns:p14="http://schemas.microsoft.com/office/powerpoint/2010/main" spd="slow" p14:dur="2000">
+        <p159:morph option="byObject"/>
+      </p:transition>
+    </mc:Choice>
+    <mc:Fallback xmlns="">
       <p:transition spd="slow">
         <p:fade/>
       </p:transition>
@@ -13190,17 +13600,17 @@
           <a:p>
             <a:r>
               <a:rPr lang="it-IT" dirty="0"/>
-              <a:t>PVpanel class </a:t>
+              <a:t>PVstring class </a:t>
             </a:r>
           </a:p>
         </p:txBody>
       </p:sp>
       <p:sp>
         <p:nvSpPr>
-          <p:cNvPr id="4" name="Rectangle: Rounded Corners 3">
-            <a:extLst>
-              <a:ext uri="{FF2B5EF4-FFF2-40B4-BE49-F238E27FC236}">
-                <a16:creationId xmlns:a16="http://schemas.microsoft.com/office/drawing/2014/main" id="{470E3FB4-6DBF-E92F-7325-94B946B3FBA0}"/>
+          <p:cNvPr id="3" name="Rectangle: Rounded Corners 2">
+            <a:extLst>
+              <a:ext uri="{FF2B5EF4-FFF2-40B4-BE49-F238E27FC236}">
+                <a16:creationId xmlns:a16="http://schemas.microsoft.com/office/drawing/2014/main" id="{BF700621-A990-8AC6-2BC8-D90673B251D4}"/>
               </a:ext>
             </a:extLst>
           </p:cNvPr>
@@ -13237,16 +13647,28 @@
           <a:lstStyle/>
           <a:p>
             <a:pPr algn="ctr"/>
+            <a:r>
+              <a:rPr lang="en-US" dirty="0"/>
+              <a:t>The </a:t>
+            </a:r>
+            <a:r>
+              <a:rPr lang="en-US" dirty="0" err="1"/>
+              <a:t>PVpanel</a:t>
+            </a:r>
+            <a:r>
+              <a:rPr lang="en-US" dirty="0"/>
+              <a:t> class is utilized to construct a new class for defining a series string of photovoltaic panels. In particular, thanks to the ability to create a list of objects.</a:t>
+            </a:r>
             <a:endParaRPr lang="it-IT" dirty="0"/>
           </a:p>
         </p:txBody>
       </p:sp>
       <p:sp>
         <p:nvSpPr>
-          <p:cNvPr id="5" name="Rectangle: Rounded Corners 4">
-            <a:extLst>
-              <a:ext uri="{FF2B5EF4-FFF2-40B4-BE49-F238E27FC236}">
-                <a16:creationId xmlns:a16="http://schemas.microsoft.com/office/drawing/2014/main" id="{A0971179-FF88-47E0-8AEF-51EEAB8ABEF9}"/>
+          <p:cNvPr id="4" name="Rectangle: Rounded Corners 3">
+            <a:extLst>
+              <a:ext uri="{FF2B5EF4-FFF2-40B4-BE49-F238E27FC236}">
+                <a16:creationId xmlns:a16="http://schemas.microsoft.com/office/drawing/2014/main" id="{4EAF32CC-533D-A882-35F5-6FAB7C436641}"/>
               </a:ext>
             </a:extLst>
           </p:cNvPr>
@@ -13283,16 +13705,28 @@
           <a:lstStyle/>
           <a:p>
             <a:pPr algn="ctr"/>
-            <a:endParaRPr lang="it-IT"/>
-          </a:p>
-        </p:txBody>
-      </p:sp>
-      <p:sp>
-        <p:nvSpPr>
-          <p:cNvPr id="6" name="Arrow: Right 5">
-            <a:extLst>
-              <a:ext uri="{FF2B5EF4-FFF2-40B4-BE49-F238E27FC236}">
-                <a16:creationId xmlns:a16="http://schemas.microsoft.com/office/drawing/2014/main" id="{76BC0DC3-BACC-8C30-DC41-1EB7C657A1D5}"/>
+            <a:r>
+              <a:rPr lang="en-US" dirty="0"/>
+              <a:t>An output is generated consisting of a list of </a:t>
+            </a:r>
+            <a:r>
+              <a:rPr lang="en-US" dirty="0" err="1"/>
+              <a:t>PVpanel</a:t>
+            </a:r>
+            <a:r>
+              <a:rPr lang="en-US" dirty="0"/>
+              <a:t> objects and a total I-V curve of all the panels in series.</a:t>
+            </a:r>
+            <a:endParaRPr lang="it-IT" dirty="0"/>
+          </a:p>
+        </p:txBody>
+      </p:sp>
+      <p:sp>
+        <p:nvSpPr>
+          <p:cNvPr id="5" name="Arrow: Right 4">
+            <a:extLst>
+              <a:ext uri="{FF2B5EF4-FFF2-40B4-BE49-F238E27FC236}">
+                <a16:creationId xmlns:a16="http://schemas.microsoft.com/office/drawing/2014/main" id="{791A712E-4433-7C58-F004-740B34BF2837}"/>
               </a:ext>
             </a:extLst>
           </p:cNvPr>
@@ -13335,10 +13769,10 @@
       </p:sp>
       <p:sp>
         <p:nvSpPr>
-          <p:cNvPr id="7" name="TextBox 6">
-            <a:extLst>
-              <a:ext uri="{FF2B5EF4-FFF2-40B4-BE49-F238E27FC236}">
-                <a16:creationId xmlns:a16="http://schemas.microsoft.com/office/drawing/2014/main" id="{8E6E1DA5-5CE3-03FF-3160-3A5D05A72CC0}"/>
+          <p:cNvPr id="6" name="TextBox 5">
+            <a:extLst>
+              <a:ext uri="{FF2B5EF4-FFF2-40B4-BE49-F238E27FC236}">
+                <a16:creationId xmlns:a16="http://schemas.microsoft.com/office/drawing/2014/main" id="{F8AA70FF-CE51-F536-A3EF-79267D35A6F2}"/>
               </a:ext>
             </a:extLst>
           </p:cNvPr>
@@ -13371,10 +13805,10 @@
       </p:sp>
       <p:sp>
         <p:nvSpPr>
-          <p:cNvPr id="8" name="TextBox 7">
-            <a:extLst>
-              <a:ext uri="{FF2B5EF4-FFF2-40B4-BE49-F238E27FC236}">
-                <a16:creationId xmlns:a16="http://schemas.microsoft.com/office/drawing/2014/main" id="{CAB92DAC-49BC-7D89-07C2-1A5300CFB77A}"/>
+          <p:cNvPr id="7" name="TextBox 6">
+            <a:extLst>
+              <a:ext uri="{FF2B5EF4-FFF2-40B4-BE49-F238E27FC236}">
+                <a16:creationId xmlns:a16="http://schemas.microsoft.com/office/drawing/2014/main" id="{3D183D7E-9E9F-27FD-233D-E85FE2508D7C}"/>
               </a:ext>
             </a:extLst>
           </p:cNvPr>
@@ -13407,10 +13841,10 @@
       </p:sp>
       <p:sp>
         <p:nvSpPr>
-          <p:cNvPr id="9" name="Arrow: Right 8">
-            <a:extLst>
-              <a:ext uri="{FF2B5EF4-FFF2-40B4-BE49-F238E27FC236}">
-                <a16:creationId xmlns:a16="http://schemas.microsoft.com/office/drawing/2014/main" id="{EA83193D-3760-CB61-4350-B9A4506B4874}"/>
+          <p:cNvPr id="8" name="Arrow: Right 7">
+            <a:extLst>
+              <a:ext uri="{FF2B5EF4-FFF2-40B4-BE49-F238E27FC236}">
+                <a16:creationId xmlns:a16="http://schemas.microsoft.com/office/drawing/2014/main" id="{B186C434-639E-AEE3-BC1E-E60567EC4DB3}"/>
               </a:ext>
             </a:extLst>
           </p:cNvPr>
@@ -13419,7 +13853,7 @@
         </p:nvSpPr>
         <p:spPr>
           <a:xfrm>
-            <a:off x="11773596" y="4177144"/>
+            <a:off x="-681643" y="4177144"/>
             <a:ext cx="1163782" cy="523702"/>
           </a:xfrm>
           <a:prstGeom prst="rightArrow">
@@ -13451,23 +13885,69 @@
           </a:p>
         </p:txBody>
       </p:sp>
+      <p:sp>
+        <p:nvSpPr>
+          <p:cNvPr id="9" name="Arrow: Right 8">
+            <a:extLst>
+              <a:ext uri="{FF2B5EF4-FFF2-40B4-BE49-F238E27FC236}">
+                <a16:creationId xmlns:a16="http://schemas.microsoft.com/office/drawing/2014/main" id="{C345D739-4D05-01E9-4C0B-187F9284FB49}"/>
+              </a:ext>
+            </a:extLst>
+          </p:cNvPr>
+          <p:cNvSpPr/>
+          <p:nvPr/>
+        </p:nvSpPr>
+        <p:spPr>
+          <a:xfrm>
+            <a:off x="11837943" y="4177144"/>
+            <a:ext cx="1163782" cy="523702"/>
+          </a:xfrm>
+          <a:prstGeom prst="rightArrow">
+            <a:avLst/>
+          </a:prstGeom>
+        </p:spPr>
+        <p:style>
+          <a:lnRef idx="2">
+            <a:schemeClr val="dk1">
+              <a:shade val="50000"/>
+            </a:schemeClr>
+          </a:lnRef>
+          <a:fillRef idx="1">
+            <a:schemeClr val="dk1"/>
+          </a:fillRef>
+          <a:effectRef idx="0">
+            <a:schemeClr val="dk1"/>
+          </a:effectRef>
+          <a:fontRef idx="minor">
+            <a:schemeClr val="lt1"/>
+          </a:fontRef>
+        </p:style>
+        <p:txBody>
+          <a:bodyPr rtlCol="0" anchor="ctr"/>
+          <a:lstStyle/>
+          <a:p>
+            <a:pPr algn="ctr"/>
+            <a:endParaRPr lang="it-IT"/>
+          </a:p>
+        </p:txBody>
+      </p:sp>
     </p:spTree>
     <p:extLst>
       <p:ext uri="{BB962C8B-B14F-4D97-AF65-F5344CB8AC3E}">
-        <p14:creationId xmlns:p14="http://schemas.microsoft.com/office/powerpoint/2010/main" val="2960758482"/>
+        <p14:creationId xmlns:p14="http://schemas.microsoft.com/office/powerpoint/2010/main" val="1313562501"/>
       </p:ext>
     </p:extLst>
   </p:cSld>
   <p:clrMapOvr>
     <a:masterClrMapping/>
   </p:clrMapOvr>
-  <mc:AlternateContent xmlns:mc="http://schemas.openxmlformats.org/markup-compatibility/2006">
-    <mc:Choice xmlns:p159="http://schemas.microsoft.com/office/powerpoint/2015/09/main" Requires="p159">
+  <mc:AlternateContent xmlns:mc="http://schemas.openxmlformats.org/markup-compatibility/2006" xmlns:p159="http://schemas.microsoft.com/office/powerpoint/2015/09/main">
+    <mc:Choice Requires="p159">
       <p:transition xmlns:p14="http://schemas.microsoft.com/office/powerpoint/2010/main" spd="slow" p14:dur="2000">
         <p159:morph option="byObject"/>
       </p:transition>
     </mc:Choice>
-    <mc:Fallback>
+    <mc:Fallback xmlns="">
       <p:transition spd="slow">
         <p:fade/>
       </p:transition>
@@ -13516,7 +13996,7 @@
           <a:p>
             <a:r>
               <a:rPr lang="it-IT" dirty="0"/>
-              <a:t>PVstring class </a:t>
+              <a:t>PVparallel class </a:t>
             </a:r>
           </a:p>
         </p:txBody>
@@ -13526,7 +14006,7 @@
           <p:cNvPr id="3" name="Rectangle: Rounded Corners 2">
             <a:extLst>
               <a:ext uri="{FF2B5EF4-FFF2-40B4-BE49-F238E27FC236}">
-                <a16:creationId xmlns:a16="http://schemas.microsoft.com/office/drawing/2014/main" id="{BF700621-A990-8AC6-2BC8-D90673B251D4}"/>
+                <a16:creationId xmlns:a16="http://schemas.microsoft.com/office/drawing/2014/main" id="{1AF7D942-5452-D7A0-0D19-7B14317B560A}"/>
               </a:ext>
             </a:extLst>
           </p:cNvPr>
@@ -13563,6 +14043,10 @@
           <a:lstStyle/>
           <a:p>
             <a:pPr algn="ctr"/>
+            <a:r>
+              <a:rPr lang="en-US" dirty="0"/>
+              <a:t>Having a class for strings available, we can connect these PV strings in parallel to increase the total power output.</a:t>
+            </a:r>
             <a:endParaRPr lang="it-IT" dirty="0"/>
           </a:p>
         </p:txBody>
@@ -13572,7 +14056,7 @@
           <p:cNvPr id="4" name="Rectangle: Rounded Corners 3">
             <a:extLst>
               <a:ext uri="{FF2B5EF4-FFF2-40B4-BE49-F238E27FC236}">
-                <a16:creationId xmlns:a16="http://schemas.microsoft.com/office/drawing/2014/main" id="{4EAF32CC-533D-A882-35F5-6FAB7C436641}"/>
+                <a16:creationId xmlns:a16="http://schemas.microsoft.com/office/drawing/2014/main" id="{945D369B-9D77-9E0B-296E-303294C357ED}"/>
               </a:ext>
             </a:extLst>
           </p:cNvPr>
@@ -13609,7 +14093,11 @@
           <a:lstStyle/>
           <a:p>
             <a:pPr algn="ctr"/>
-            <a:endParaRPr lang="it-IT"/>
+            <a:r>
+              <a:rPr lang="en-US" dirty="0"/>
+              <a:t>In particular, a method is constructed to optimize the selection of voltage in order to maximize the power output of the system.</a:t>
+            </a:r>
+            <a:endParaRPr lang="it-IT" dirty="0"/>
           </a:p>
         </p:txBody>
       </p:sp>
@@ -13618,7 +14106,7 @@
           <p:cNvPr id="5" name="Arrow: Right 4">
             <a:extLst>
               <a:ext uri="{FF2B5EF4-FFF2-40B4-BE49-F238E27FC236}">
-                <a16:creationId xmlns:a16="http://schemas.microsoft.com/office/drawing/2014/main" id="{791A712E-4433-7C58-F004-740B34BF2837}"/>
+                <a16:creationId xmlns:a16="http://schemas.microsoft.com/office/drawing/2014/main" id="{6CE49DBE-0701-FA76-A6FB-B1122E34543B}"/>
               </a:ext>
             </a:extLst>
           </p:cNvPr>
@@ -13664,7 +14152,7 @@
           <p:cNvPr id="6" name="TextBox 5">
             <a:extLst>
               <a:ext uri="{FF2B5EF4-FFF2-40B4-BE49-F238E27FC236}">
-                <a16:creationId xmlns:a16="http://schemas.microsoft.com/office/drawing/2014/main" id="{F8AA70FF-CE51-F536-A3EF-79267D35A6F2}"/>
+                <a16:creationId xmlns:a16="http://schemas.microsoft.com/office/drawing/2014/main" id="{25950A83-86FE-E474-5FCF-CBB2310B6F9E}"/>
               </a:ext>
             </a:extLst>
           </p:cNvPr>
@@ -13700,7 +14188,7 @@
           <p:cNvPr id="7" name="TextBox 6">
             <a:extLst>
               <a:ext uri="{FF2B5EF4-FFF2-40B4-BE49-F238E27FC236}">
-                <a16:creationId xmlns:a16="http://schemas.microsoft.com/office/drawing/2014/main" id="{3D183D7E-9E9F-27FD-233D-E85FE2508D7C}"/>
+                <a16:creationId xmlns:a16="http://schemas.microsoft.com/office/drawing/2014/main" id="{D6178F90-50B7-D14A-1E2A-9B36A6A1AB6D}"/>
               </a:ext>
             </a:extLst>
           </p:cNvPr>
@@ -13736,7 +14224,7 @@
           <p:cNvPr id="8" name="Arrow: Right 7">
             <a:extLst>
               <a:ext uri="{FF2B5EF4-FFF2-40B4-BE49-F238E27FC236}">
-                <a16:creationId xmlns:a16="http://schemas.microsoft.com/office/drawing/2014/main" id="{B186C434-639E-AEE3-BC1E-E60567EC4DB3}"/>
+                <a16:creationId xmlns:a16="http://schemas.microsoft.com/office/drawing/2014/main" id="{A043B4D9-ABD3-5DA8-18A3-6BF160BE89F8}"/>
               </a:ext>
             </a:extLst>
           </p:cNvPr>
@@ -13782,7 +14270,7 @@
           <p:cNvPr id="9" name="Arrow: Right 8">
             <a:extLst>
               <a:ext uri="{FF2B5EF4-FFF2-40B4-BE49-F238E27FC236}">
-                <a16:creationId xmlns:a16="http://schemas.microsoft.com/office/drawing/2014/main" id="{C345D739-4D05-01E9-4C0B-187F9284FB49}"/>
+                <a16:creationId xmlns:a16="http://schemas.microsoft.com/office/drawing/2014/main" id="{D568D34F-693B-45B8-6DCB-FE1BF25B186B}"/>
               </a:ext>
             </a:extLst>
           </p:cNvPr>
@@ -13826,20 +14314,20 @@
     </p:spTree>
     <p:extLst>
       <p:ext uri="{BB962C8B-B14F-4D97-AF65-F5344CB8AC3E}">
-        <p14:creationId xmlns:p14="http://schemas.microsoft.com/office/powerpoint/2010/main" val="1313562501"/>
+        <p14:creationId xmlns:p14="http://schemas.microsoft.com/office/powerpoint/2010/main" val="311193732"/>
       </p:ext>
     </p:extLst>
   </p:cSld>
   <p:clrMapOvr>
     <a:masterClrMapping/>
   </p:clrMapOvr>
-  <mc:AlternateContent xmlns:mc="http://schemas.openxmlformats.org/markup-compatibility/2006">
-    <mc:Choice xmlns:p159="http://schemas.microsoft.com/office/powerpoint/2015/09/main" Requires="p159">
+  <mc:AlternateContent xmlns:mc="http://schemas.openxmlformats.org/markup-compatibility/2006" xmlns:p159="http://schemas.microsoft.com/office/powerpoint/2015/09/main">
+    <mc:Choice Requires="p159">
       <p:transition xmlns:p14="http://schemas.microsoft.com/office/powerpoint/2010/main" spd="slow" p14:dur="2000">
         <p159:morph option="byObject"/>
       </p:transition>
     </mc:Choice>
-    <mc:Fallback>
+    <mc:Fallback xmlns="">
       <p:transition spd="slow">
         <p:fade/>
       </p:transition>
@@ -13935,6 +14423,46 @@
           <a:lstStyle/>
           <a:p>
             <a:pPr algn="ctr"/>
+            <a:r>
+              <a:rPr lang="en-US" dirty="0"/>
+              <a:t>There are problems in both the string and parallel configurations:</a:t>
+            </a:r>
+          </a:p>
+          <a:p>
+            <a:pPr marL="342900" indent="-342900" algn="ctr">
+              <a:buFont typeface="+mj-lt"/>
+              <a:buAutoNum type="arabicPeriod"/>
+            </a:pPr>
+            <a:r>
+              <a:rPr lang="en-US" dirty="0"/>
+              <a:t>In the </a:t>
+            </a:r>
+            <a:r>
+              <a:rPr lang="en-US" dirty="0" err="1"/>
+              <a:t>PVString</a:t>
+            </a:r>
+            <a:r>
+              <a:rPr lang="en-US" dirty="0"/>
+              <a:t> class, there is a need to interpolate the total curve as it is initially composed of a series of points.</a:t>
+            </a:r>
+          </a:p>
+          <a:p>
+            <a:pPr marL="342900" indent="-342900" algn="ctr">
+              <a:buFont typeface="+mj-lt"/>
+              <a:buAutoNum type="arabicPeriod"/>
+            </a:pPr>
+            <a:r>
+              <a:rPr lang="en-US" dirty="0"/>
+              <a:t>In the </a:t>
+            </a:r>
+            <a:r>
+              <a:rPr lang="en-US" dirty="0" err="1"/>
+              <a:t>PVparallel</a:t>
+            </a:r>
+            <a:r>
+              <a:rPr lang="en-US" dirty="0"/>
+              <a:t> class, on the other hand, it is necessary to extract data from precise reports in CSV format.</a:t>
+            </a:r>
             <a:endParaRPr lang="it-IT" dirty="0"/>
           </a:p>
         </p:txBody>
@@ -13981,7 +14509,11 @@
           <a:lstStyle/>
           <a:p>
             <a:pPr algn="ctr"/>
-            <a:endParaRPr lang="it-IT"/>
+            <a:r>
+              <a:rPr lang="en-US" dirty="0"/>
+              <a:t>The result is the development of two methods that address these two encountered problems.</a:t>
+            </a:r>
+            <a:endParaRPr lang="it-IT" dirty="0"/>
           </a:p>
         </p:txBody>
       </p:sp>
@@ -14205,6 +14737,18 @@
   <p:clrMapOvr>
     <a:masterClrMapping/>
   </p:clrMapOvr>
+  <mc:AlternateContent xmlns:mc="http://schemas.openxmlformats.org/markup-compatibility/2006" xmlns:p159="http://schemas.microsoft.com/office/powerpoint/2015/09/main">
+    <mc:Choice Requires="p159">
+      <p:transition xmlns:p14="http://schemas.microsoft.com/office/powerpoint/2010/main" spd="slow" p14:dur="2000">
+        <p159:morph option="byObject"/>
+      </p:transition>
+    </mc:Choice>
+    <mc:Fallback xmlns="">
+      <p:transition spd="slow">
+        <p:fade/>
+      </p:transition>
+    </mc:Fallback>
+  </mc:AlternateContent>
 </p:sld>
 </file>
 
@@ -14248,7 +14792,7 @@
           <a:p>
             <a:r>
               <a:rPr lang="it-IT" dirty="0"/>
-              <a:t>PVparallel class </a:t>
+              <a:t>PVsimulator class </a:t>
             </a:r>
           </a:p>
         </p:txBody>
@@ -14258,7 +14802,7 @@
           <p:cNvPr id="3" name="Rectangle: Rounded Corners 2">
             <a:extLst>
               <a:ext uri="{FF2B5EF4-FFF2-40B4-BE49-F238E27FC236}">
-                <a16:creationId xmlns:a16="http://schemas.microsoft.com/office/drawing/2014/main" id="{1AF7D942-5452-D7A0-0D19-7B14317B560A}"/>
+                <a16:creationId xmlns:a16="http://schemas.microsoft.com/office/drawing/2014/main" id="{54D67E87-275C-12E7-B95E-F8958F9EE690}"/>
               </a:ext>
             </a:extLst>
           </p:cNvPr>
@@ -14295,6 +14839,10 @@
           <a:lstStyle/>
           <a:p>
             <a:pPr algn="ctr"/>
+            <a:r>
+              <a:rPr lang="en-US" dirty="0"/>
+              <a:t>In conclusion, a General and Modular Simulation class is created to generate a series of data on the power generated by the photovoltaic system.</a:t>
+            </a:r>
             <a:endParaRPr lang="it-IT" dirty="0"/>
           </a:p>
         </p:txBody>
@@ -14304,7 +14852,7 @@
           <p:cNvPr id="4" name="Rectangle: Rounded Corners 3">
             <a:extLst>
               <a:ext uri="{FF2B5EF4-FFF2-40B4-BE49-F238E27FC236}">
-                <a16:creationId xmlns:a16="http://schemas.microsoft.com/office/drawing/2014/main" id="{945D369B-9D77-9E0B-296E-303294C357ED}"/>
+                <a16:creationId xmlns:a16="http://schemas.microsoft.com/office/drawing/2014/main" id="{199BE6D5-8E78-4DD9-CC2D-391E5BDEF584}"/>
               </a:ext>
             </a:extLst>
           </p:cNvPr>
@@ -14341,7 +14889,15 @@
           <a:lstStyle/>
           <a:p>
             <a:pPr algn="ctr"/>
-            <a:endParaRPr lang="it-IT"/>
+            <a:endParaRPr lang="en-US" dirty="0"/>
+          </a:p>
+          <a:p>
+            <a:pPr algn="ctr"/>
+            <a:r>
+              <a:rPr lang="en-US" dirty="0"/>
+              <a:t>In particular, the result will be plots generated by the various classes mentioned earlier and invoked during the simulation. </a:t>
+            </a:r>
+            <a:endParaRPr lang="it-IT" dirty="0"/>
           </a:p>
         </p:txBody>
       </p:sp>
@@ -14350,7 +14906,7 @@
           <p:cNvPr id="5" name="Arrow: Right 4">
             <a:extLst>
               <a:ext uri="{FF2B5EF4-FFF2-40B4-BE49-F238E27FC236}">
-                <a16:creationId xmlns:a16="http://schemas.microsoft.com/office/drawing/2014/main" id="{6CE49DBE-0701-FA76-A6FB-B1122E34543B}"/>
+                <a16:creationId xmlns:a16="http://schemas.microsoft.com/office/drawing/2014/main" id="{4B471671-866F-77EF-3CC3-D41AC284B594}"/>
               </a:ext>
             </a:extLst>
           </p:cNvPr>
@@ -14396,7 +14952,7 @@
           <p:cNvPr id="6" name="TextBox 5">
             <a:extLst>
               <a:ext uri="{FF2B5EF4-FFF2-40B4-BE49-F238E27FC236}">
-                <a16:creationId xmlns:a16="http://schemas.microsoft.com/office/drawing/2014/main" id="{25950A83-86FE-E474-5FCF-CBB2310B6F9E}"/>
+                <a16:creationId xmlns:a16="http://schemas.microsoft.com/office/drawing/2014/main" id="{DAC31680-9613-2C0F-3B17-82D3FAAD4627}"/>
               </a:ext>
             </a:extLst>
           </p:cNvPr>
@@ -14432,7 +14988,7 @@
           <p:cNvPr id="7" name="TextBox 6">
             <a:extLst>
               <a:ext uri="{FF2B5EF4-FFF2-40B4-BE49-F238E27FC236}">
-                <a16:creationId xmlns:a16="http://schemas.microsoft.com/office/drawing/2014/main" id="{D6178F90-50B7-D14A-1E2A-9B36A6A1AB6D}"/>
+                <a16:creationId xmlns:a16="http://schemas.microsoft.com/office/drawing/2014/main" id="{845CD37C-B9D6-D0DA-1ACC-0BF09685DA0F}"/>
               </a:ext>
             </a:extLst>
           </p:cNvPr>
@@ -14468,7 +15024,7 @@
           <p:cNvPr id="8" name="Arrow: Right 7">
             <a:extLst>
               <a:ext uri="{FF2B5EF4-FFF2-40B4-BE49-F238E27FC236}">
-                <a16:creationId xmlns:a16="http://schemas.microsoft.com/office/drawing/2014/main" id="{A043B4D9-ABD3-5DA8-18A3-6BF160BE89F8}"/>
+                <a16:creationId xmlns:a16="http://schemas.microsoft.com/office/drawing/2014/main" id="{F5F79632-4F35-EF39-7927-2F5CD10BD189}"/>
               </a:ext>
             </a:extLst>
           </p:cNvPr>
@@ -14509,62 +15065,28 @@
           </a:p>
         </p:txBody>
       </p:sp>
-      <p:sp>
-        <p:nvSpPr>
-          <p:cNvPr id="9" name="Arrow: Right 8">
-            <a:extLst>
-              <a:ext uri="{FF2B5EF4-FFF2-40B4-BE49-F238E27FC236}">
-                <a16:creationId xmlns:a16="http://schemas.microsoft.com/office/drawing/2014/main" id="{D568D34F-693B-45B8-6DCB-FE1BF25B186B}"/>
-              </a:ext>
-            </a:extLst>
-          </p:cNvPr>
-          <p:cNvSpPr/>
-          <p:nvPr/>
-        </p:nvSpPr>
-        <p:spPr>
-          <a:xfrm>
-            <a:off x="11837943" y="4177144"/>
-            <a:ext cx="1163782" cy="523702"/>
-          </a:xfrm>
-          <a:prstGeom prst="rightArrow">
-            <a:avLst/>
-          </a:prstGeom>
-        </p:spPr>
-        <p:style>
-          <a:lnRef idx="2">
-            <a:schemeClr val="dk1">
-              <a:shade val="50000"/>
-            </a:schemeClr>
-          </a:lnRef>
-          <a:fillRef idx="1">
-            <a:schemeClr val="dk1"/>
-          </a:fillRef>
-          <a:effectRef idx="0">
-            <a:schemeClr val="dk1"/>
-          </a:effectRef>
-          <a:fontRef idx="minor">
-            <a:schemeClr val="lt1"/>
-          </a:fontRef>
-        </p:style>
-        <p:txBody>
-          <a:bodyPr rtlCol="0" anchor="ctr"/>
-          <a:lstStyle/>
-          <a:p>
-            <a:pPr algn="ctr"/>
-            <a:endParaRPr lang="it-IT"/>
-          </a:p>
-        </p:txBody>
-      </p:sp>
     </p:spTree>
     <p:extLst>
       <p:ext uri="{BB962C8B-B14F-4D97-AF65-F5344CB8AC3E}">
-        <p14:creationId xmlns:p14="http://schemas.microsoft.com/office/powerpoint/2010/main" val="311193732"/>
+        <p14:creationId xmlns:p14="http://schemas.microsoft.com/office/powerpoint/2010/main" val="3459628496"/>
       </p:ext>
     </p:extLst>
   </p:cSld>
   <p:clrMapOvr>
     <a:masterClrMapping/>
   </p:clrMapOvr>
+  <mc:AlternateContent xmlns:mc="http://schemas.openxmlformats.org/markup-compatibility/2006" xmlns:p159="http://schemas.microsoft.com/office/powerpoint/2015/09/main">
+    <mc:Choice Requires="p159">
+      <p:transition xmlns:p14="http://schemas.microsoft.com/office/powerpoint/2010/main" spd="slow" p14:dur="2000">
+        <p159:morph option="byObject"/>
+      </p:transition>
+    </mc:Choice>
+    <mc:Fallback xmlns="">
+      <p:transition spd="slow">
+        <p:fade/>
+      </p:transition>
+    </mc:Fallback>
+  </mc:AlternateContent>
 </p:sld>
 </file>
 

--- a/ProgettoRESM.pptx
+++ b/ProgettoRESM.pptx
@@ -4,6 +4,9 @@
   <p:sldMasterIdLst>
     <p:sldMasterId id="2147483815" r:id="rId1"/>
   </p:sldMasterIdLst>
+  <p:notesMasterIdLst>
+    <p:notesMasterId r:id="rId28"/>
+  </p:notesMasterIdLst>
   <p:sldIdLst>
     <p:sldId id="256" r:id="rId2"/>
     <p:sldId id="265" r:id="rId3"/>
@@ -15,17 +18,22 @@
     <p:sldId id="269" r:id="rId9"/>
     <p:sldId id="271" r:id="rId10"/>
     <p:sldId id="278" r:id="rId11"/>
-    <p:sldId id="272" r:id="rId12"/>
-    <p:sldId id="273" r:id="rId13"/>
-    <p:sldId id="274" r:id="rId14"/>
-    <p:sldId id="262" r:id="rId15"/>
-    <p:sldId id="263" r:id="rId16"/>
-    <p:sldId id="264" r:id="rId17"/>
-    <p:sldId id="275" r:id="rId18"/>
-    <p:sldId id="276" r:id="rId19"/>
-    <p:sldId id="277" r:id="rId20"/>
-    <p:sldId id="259" r:id="rId21"/>
-    <p:sldId id="261" r:id="rId22"/>
+    <p:sldId id="279" r:id="rId12"/>
+    <p:sldId id="272" r:id="rId13"/>
+    <p:sldId id="273" r:id="rId14"/>
+    <p:sldId id="274" r:id="rId15"/>
+    <p:sldId id="280" r:id="rId16"/>
+    <p:sldId id="263" r:id="rId17"/>
+    <p:sldId id="264" r:id="rId18"/>
+    <p:sldId id="281" r:id="rId19"/>
+    <p:sldId id="275" r:id="rId20"/>
+    <p:sldId id="276" r:id="rId21"/>
+    <p:sldId id="277" r:id="rId22"/>
+    <p:sldId id="283" r:id="rId23"/>
+    <p:sldId id="284" r:id="rId24"/>
+    <p:sldId id="282" r:id="rId25"/>
+    <p:sldId id="259" r:id="rId26"/>
+    <p:sldId id="261" r:id="rId27"/>
   </p:sldIdLst>
   <p:sldSz cx="12192000" cy="6858000"/>
   <p:notesSz cx="6858000" cy="9144000"/>
@@ -4022,6 +4030,440 @@
 </dgm:styleDef>
 </file>
 
+<file path=ppt/notesMasters/notesMaster1.xml><?xml version="1.0" encoding="utf-8"?>
+<p:notesMaster xmlns:a="http://schemas.openxmlformats.org/drawingml/2006/main" xmlns:r="http://schemas.openxmlformats.org/officeDocument/2006/relationships" xmlns:p="http://schemas.openxmlformats.org/presentationml/2006/main">
+  <p:cSld>
+    <p:bg>
+      <p:bgRef idx="1001">
+        <a:schemeClr val="bg1"/>
+      </p:bgRef>
+    </p:bg>
+    <p:spTree>
+      <p:nvGrpSpPr>
+        <p:cNvPr id="1" name=""/>
+        <p:cNvGrpSpPr/>
+        <p:nvPr/>
+      </p:nvGrpSpPr>
+      <p:grpSpPr>
+        <a:xfrm>
+          <a:off x="0" y="0"/>
+          <a:ext cx="0" cy="0"/>
+          <a:chOff x="0" y="0"/>
+          <a:chExt cx="0" cy="0"/>
+        </a:xfrm>
+      </p:grpSpPr>
+      <p:sp>
+        <p:nvSpPr>
+          <p:cNvPr id="2" name="Header Placeholder 1"/>
+          <p:cNvSpPr>
+            <a:spLocks noGrp="1"/>
+          </p:cNvSpPr>
+          <p:nvPr>
+            <p:ph type="hdr" sz="quarter"/>
+          </p:nvPr>
+        </p:nvSpPr>
+        <p:spPr>
+          <a:xfrm>
+            <a:off x="0" y="0"/>
+            <a:ext cx="2971800" cy="458788"/>
+          </a:xfrm>
+          <a:prstGeom prst="rect">
+            <a:avLst/>
+          </a:prstGeom>
+        </p:spPr>
+        <p:txBody>
+          <a:bodyPr vert="horz" lIns="91440" tIns="45720" rIns="91440" bIns="45720" rtlCol="0"/>
+          <a:lstStyle>
+            <a:lvl1pPr algn="l">
+              <a:defRPr sz="1200"/>
+            </a:lvl1pPr>
+          </a:lstStyle>
+          <a:p>
+            <a:endParaRPr lang="it-IT"/>
+          </a:p>
+        </p:txBody>
+      </p:sp>
+      <p:sp>
+        <p:nvSpPr>
+          <p:cNvPr id="3" name="Date Placeholder 2"/>
+          <p:cNvSpPr>
+            <a:spLocks noGrp="1"/>
+          </p:cNvSpPr>
+          <p:nvPr>
+            <p:ph type="dt" idx="1"/>
+          </p:nvPr>
+        </p:nvSpPr>
+        <p:spPr>
+          <a:xfrm>
+            <a:off x="3884613" y="0"/>
+            <a:ext cx="2971800" cy="458788"/>
+          </a:xfrm>
+          <a:prstGeom prst="rect">
+            <a:avLst/>
+          </a:prstGeom>
+        </p:spPr>
+        <p:txBody>
+          <a:bodyPr vert="horz" lIns="91440" tIns="45720" rIns="91440" bIns="45720" rtlCol="0"/>
+          <a:lstStyle>
+            <a:lvl1pPr algn="r">
+              <a:defRPr sz="1200"/>
+            </a:lvl1pPr>
+          </a:lstStyle>
+          <a:p>
+            <a:fld id="{777C7FCF-6E1F-440D-B965-845AEBE0DAAC}" type="datetimeFigureOut">
+              <a:rPr lang="it-IT" smtClean="0"/>
+              <a:t>25/05/2023</a:t>
+            </a:fld>
+            <a:endParaRPr lang="it-IT"/>
+          </a:p>
+        </p:txBody>
+      </p:sp>
+      <p:sp>
+        <p:nvSpPr>
+          <p:cNvPr id="4" name="Slide Image Placeholder 3"/>
+          <p:cNvSpPr>
+            <a:spLocks noGrp="1" noRot="1" noChangeAspect="1"/>
+          </p:cNvSpPr>
+          <p:nvPr>
+            <p:ph type="sldImg" idx="2"/>
+          </p:nvPr>
+        </p:nvSpPr>
+        <p:spPr>
+          <a:xfrm>
+            <a:off x="685800" y="1143000"/>
+            <a:ext cx="5486400" cy="3086100"/>
+          </a:xfrm>
+          <a:prstGeom prst="rect">
+            <a:avLst/>
+          </a:prstGeom>
+          <a:noFill/>
+          <a:ln w="12700">
+            <a:solidFill>
+              <a:prstClr val="black"/>
+            </a:solidFill>
+          </a:ln>
+        </p:spPr>
+        <p:txBody>
+          <a:bodyPr vert="horz" lIns="91440" tIns="45720" rIns="91440" bIns="45720" rtlCol="0" anchor="ctr"/>
+          <a:lstStyle/>
+          <a:p>
+            <a:endParaRPr lang="it-IT"/>
+          </a:p>
+        </p:txBody>
+      </p:sp>
+      <p:sp>
+        <p:nvSpPr>
+          <p:cNvPr id="5" name="Notes Placeholder 4"/>
+          <p:cNvSpPr>
+            <a:spLocks noGrp="1"/>
+          </p:cNvSpPr>
+          <p:nvPr>
+            <p:ph type="body" sz="quarter" idx="3"/>
+          </p:nvPr>
+        </p:nvSpPr>
+        <p:spPr>
+          <a:xfrm>
+            <a:off x="685800" y="4400550"/>
+            <a:ext cx="5486400" cy="3600450"/>
+          </a:xfrm>
+          <a:prstGeom prst="rect">
+            <a:avLst/>
+          </a:prstGeom>
+        </p:spPr>
+        <p:txBody>
+          <a:bodyPr vert="horz" lIns="91440" tIns="45720" rIns="91440" bIns="45720" rtlCol="0"/>
+          <a:lstStyle/>
+          <a:p>
+            <a:pPr lvl="0"/>
+            <a:r>
+              <a:rPr lang="en-US"/>
+              <a:t>Click to edit Master text styles</a:t>
+            </a:r>
+          </a:p>
+          <a:p>
+            <a:pPr lvl="1"/>
+            <a:r>
+              <a:rPr lang="en-US"/>
+              <a:t>Second level</a:t>
+            </a:r>
+          </a:p>
+          <a:p>
+            <a:pPr lvl="2"/>
+            <a:r>
+              <a:rPr lang="en-US"/>
+              <a:t>Third level</a:t>
+            </a:r>
+          </a:p>
+          <a:p>
+            <a:pPr lvl="3"/>
+            <a:r>
+              <a:rPr lang="en-US"/>
+              <a:t>Fourth level</a:t>
+            </a:r>
+          </a:p>
+          <a:p>
+            <a:pPr lvl="4"/>
+            <a:r>
+              <a:rPr lang="en-US"/>
+              <a:t>Fifth level</a:t>
+            </a:r>
+            <a:endParaRPr lang="it-IT"/>
+          </a:p>
+        </p:txBody>
+      </p:sp>
+      <p:sp>
+        <p:nvSpPr>
+          <p:cNvPr id="6" name="Footer Placeholder 5"/>
+          <p:cNvSpPr>
+            <a:spLocks noGrp="1"/>
+          </p:cNvSpPr>
+          <p:nvPr>
+            <p:ph type="ftr" sz="quarter" idx="4"/>
+          </p:nvPr>
+        </p:nvSpPr>
+        <p:spPr>
+          <a:xfrm>
+            <a:off x="0" y="8685213"/>
+            <a:ext cx="2971800" cy="458787"/>
+          </a:xfrm>
+          <a:prstGeom prst="rect">
+            <a:avLst/>
+          </a:prstGeom>
+        </p:spPr>
+        <p:txBody>
+          <a:bodyPr vert="horz" lIns="91440" tIns="45720" rIns="91440" bIns="45720" rtlCol="0" anchor="b"/>
+          <a:lstStyle>
+            <a:lvl1pPr algn="l">
+              <a:defRPr sz="1200"/>
+            </a:lvl1pPr>
+          </a:lstStyle>
+          <a:p>
+            <a:endParaRPr lang="it-IT"/>
+          </a:p>
+        </p:txBody>
+      </p:sp>
+      <p:sp>
+        <p:nvSpPr>
+          <p:cNvPr id="7" name="Slide Number Placeholder 6"/>
+          <p:cNvSpPr>
+            <a:spLocks noGrp="1"/>
+          </p:cNvSpPr>
+          <p:nvPr>
+            <p:ph type="sldNum" sz="quarter" idx="5"/>
+          </p:nvPr>
+        </p:nvSpPr>
+        <p:spPr>
+          <a:xfrm>
+            <a:off x="3884613" y="8685213"/>
+            <a:ext cx="2971800" cy="458787"/>
+          </a:xfrm>
+          <a:prstGeom prst="rect">
+            <a:avLst/>
+          </a:prstGeom>
+        </p:spPr>
+        <p:txBody>
+          <a:bodyPr vert="horz" lIns="91440" tIns="45720" rIns="91440" bIns="45720" rtlCol="0" anchor="b"/>
+          <a:lstStyle>
+            <a:lvl1pPr algn="r">
+              <a:defRPr sz="1200"/>
+            </a:lvl1pPr>
+          </a:lstStyle>
+          <a:p>
+            <a:fld id="{1E9BD373-06D5-486F-8382-5325C203B2CF}" type="slidenum">
+              <a:rPr lang="it-IT" smtClean="0"/>
+              <a:t>‹#›</a:t>
+            </a:fld>
+            <a:endParaRPr lang="it-IT"/>
+          </a:p>
+        </p:txBody>
+      </p:sp>
+    </p:spTree>
+    <p:extLst>
+      <p:ext uri="{BB962C8B-B14F-4D97-AF65-F5344CB8AC3E}">
+        <p14:creationId xmlns:p14="http://schemas.microsoft.com/office/powerpoint/2010/main" val="2935239806"/>
+      </p:ext>
+    </p:extLst>
+  </p:cSld>
+  <p:clrMap bg1="lt1" tx1="dk1" bg2="lt2" tx2="dk2" accent1="accent1" accent2="accent2" accent3="accent3" accent4="accent4" accent5="accent5" accent6="accent6" hlink="hlink" folHlink="folHlink"/>
+  <p:notesStyle>
+    <a:lvl1pPr marL="0" algn="l" defTabSz="914400" rtl="0" eaLnBrk="1" latinLnBrk="0" hangingPunct="1">
+      <a:defRPr sz="1200" kern="1200">
+        <a:solidFill>
+          <a:schemeClr val="tx1"/>
+        </a:solidFill>
+        <a:latin typeface="+mn-lt"/>
+        <a:ea typeface="+mn-ea"/>
+        <a:cs typeface="+mn-cs"/>
+      </a:defRPr>
+    </a:lvl1pPr>
+    <a:lvl2pPr marL="457200" algn="l" defTabSz="914400" rtl="0" eaLnBrk="1" latinLnBrk="0" hangingPunct="1">
+      <a:defRPr sz="1200" kern="1200">
+        <a:solidFill>
+          <a:schemeClr val="tx1"/>
+        </a:solidFill>
+        <a:latin typeface="+mn-lt"/>
+        <a:ea typeface="+mn-ea"/>
+        <a:cs typeface="+mn-cs"/>
+      </a:defRPr>
+    </a:lvl2pPr>
+    <a:lvl3pPr marL="914400" algn="l" defTabSz="914400" rtl="0" eaLnBrk="1" latinLnBrk="0" hangingPunct="1">
+      <a:defRPr sz="1200" kern="1200">
+        <a:solidFill>
+          <a:schemeClr val="tx1"/>
+        </a:solidFill>
+        <a:latin typeface="+mn-lt"/>
+        <a:ea typeface="+mn-ea"/>
+        <a:cs typeface="+mn-cs"/>
+      </a:defRPr>
+    </a:lvl3pPr>
+    <a:lvl4pPr marL="1371600" algn="l" defTabSz="914400" rtl="0" eaLnBrk="1" latinLnBrk="0" hangingPunct="1">
+      <a:defRPr sz="1200" kern="1200">
+        <a:solidFill>
+          <a:schemeClr val="tx1"/>
+        </a:solidFill>
+        <a:latin typeface="+mn-lt"/>
+        <a:ea typeface="+mn-ea"/>
+        <a:cs typeface="+mn-cs"/>
+      </a:defRPr>
+    </a:lvl4pPr>
+    <a:lvl5pPr marL="1828800" algn="l" defTabSz="914400" rtl="0" eaLnBrk="1" latinLnBrk="0" hangingPunct="1">
+      <a:defRPr sz="1200" kern="1200">
+        <a:solidFill>
+          <a:schemeClr val="tx1"/>
+        </a:solidFill>
+        <a:latin typeface="+mn-lt"/>
+        <a:ea typeface="+mn-ea"/>
+        <a:cs typeface="+mn-cs"/>
+      </a:defRPr>
+    </a:lvl5pPr>
+    <a:lvl6pPr marL="2286000" algn="l" defTabSz="914400" rtl="0" eaLnBrk="1" latinLnBrk="0" hangingPunct="1">
+      <a:defRPr sz="1200" kern="1200">
+        <a:solidFill>
+          <a:schemeClr val="tx1"/>
+        </a:solidFill>
+        <a:latin typeface="+mn-lt"/>
+        <a:ea typeface="+mn-ea"/>
+        <a:cs typeface="+mn-cs"/>
+      </a:defRPr>
+    </a:lvl6pPr>
+    <a:lvl7pPr marL="2743200" algn="l" defTabSz="914400" rtl="0" eaLnBrk="1" latinLnBrk="0" hangingPunct="1">
+      <a:defRPr sz="1200" kern="1200">
+        <a:solidFill>
+          <a:schemeClr val="tx1"/>
+        </a:solidFill>
+        <a:latin typeface="+mn-lt"/>
+        <a:ea typeface="+mn-ea"/>
+        <a:cs typeface="+mn-cs"/>
+      </a:defRPr>
+    </a:lvl7pPr>
+    <a:lvl8pPr marL="3200400" algn="l" defTabSz="914400" rtl="0" eaLnBrk="1" latinLnBrk="0" hangingPunct="1">
+      <a:defRPr sz="1200" kern="1200">
+        <a:solidFill>
+          <a:schemeClr val="tx1"/>
+        </a:solidFill>
+        <a:latin typeface="+mn-lt"/>
+        <a:ea typeface="+mn-ea"/>
+        <a:cs typeface="+mn-cs"/>
+      </a:defRPr>
+    </a:lvl8pPr>
+    <a:lvl9pPr marL="3657600" algn="l" defTabSz="914400" rtl="0" eaLnBrk="1" latinLnBrk="0" hangingPunct="1">
+      <a:defRPr sz="1200" kern="1200">
+        <a:solidFill>
+          <a:schemeClr val="tx1"/>
+        </a:solidFill>
+        <a:latin typeface="+mn-lt"/>
+        <a:ea typeface="+mn-ea"/>
+        <a:cs typeface="+mn-cs"/>
+      </a:defRPr>
+    </a:lvl9pPr>
+  </p:notesStyle>
+</p:notesMaster>
+</file>
+
+<file path=ppt/notesSlides/notesSlide1.xml><?xml version="1.0" encoding="utf-8"?>
+<p:notes xmlns:a="http://schemas.openxmlformats.org/drawingml/2006/main" xmlns:r="http://schemas.openxmlformats.org/officeDocument/2006/relationships" xmlns:p="http://schemas.openxmlformats.org/presentationml/2006/main">
+  <p:cSld>
+    <p:spTree>
+      <p:nvGrpSpPr>
+        <p:cNvPr id="1" name=""/>
+        <p:cNvGrpSpPr/>
+        <p:nvPr/>
+      </p:nvGrpSpPr>
+      <p:grpSpPr>
+        <a:xfrm>
+          <a:off x="0" y="0"/>
+          <a:ext cx="0" cy="0"/>
+          <a:chOff x="0" y="0"/>
+          <a:chExt cx="0" cy="0"/>
+        </a:xfrm>
+      </p:grpSpPr>
+      <p:sp>
+        <p:nvSpPr>
+          <p:cNvPr id="2" name="Slide Image Placeholder 1"/>
+          <p:cNvSpPr>
+            <a:spLocks noGrp="1" noRot="1" noChangeAspect="1"/>
+          </p:cNvSpPr>
+          <p:nvPr>
+            <p:ph type="sldImg"/>
+          </p:nvPr>
+        </p:nvSpPr>
+        <p:spPr/>
+      </p:sp>
+      <p:sp>
+        <p:nvSpPr>
+          <p:cNvPr id="3" name="Notes Placeholder 2"/>
+          <p:cNvSpPr>
+            <a:spLocks noGrp="1"/>
+          </p:cNvSpPr>
+          <p:nvPr>
+            <p:ph type="body" idx="1"/>
+          </p:nvPr>
+        </p:nvSpPr>
+        <p:spPr/>
+        <p:txBody>
+          <a:bodyPr/>
+          <a:lstStyle/>
+          <a:p>
+            <a:endParaRPr lang="it-IT" dirty="0"/>
+          </a:p>
+        </p:txBody>
+      </p:sp>
+      <p:sp>
+        <p:nvSpPr>
+          <p:cNvPr id="4" name="Slide Number Placeholder 3"/>
+          <p:cNvSpPr>
+            <a:spLocks noGrp="1"/>
+          </p:cNvSpPr>
+          <p:nvPr>
+            <p:ph type="sldNum" sz="quarter" idx="5"/>
+          </p:nvPr>
+        </p:nvSpPr>
+        <p:spPr/>
+        <p:txBody>
+          <a:bodyPr/>
+          <a:lstStyle/>
+          <a:p>
+            <a:fld id="{1E9BD373-06D5-486F-8382-5325C203B2CF}" type="slidenum">
+              <a:rPr lang="it-IT" smtClean="0"/>
+              <a:t>25</a:t>
+            </a:fld>
+            <a:endParaRPr lang="it-IT"/>
+          </a:p>
+        </p:txBody>
+      </p:sp>
+    </p:spTree>
+    <p:extLst>
+      <p:ext uri="{BB962C8B-B14F-4D97-AF65-F5344CB8AC3E}">
+        <p14:creationId xmlns:p14="http://schemas.microsoft.com/office/powerpoint/2010/main" val="4140631567"/>
+      </p:ext>
+    </p:extLst>
+  </p:cSld>
+  <p:clrMapOvr>
+    <a:masterClrMapping/>
+  </p:clrMapOvr>
+</p:notes>
+</file>
+
 <file path=ppt/slideLayouts/slideLayout1.xml><?xml version="1.0" encoding="utf-8"?>
 <p:sldLayout xmlns:a="http://schemas.openxmlformats.org/drawingml/2006/main" xmlns:r="http://schemas.openxmlformats.org/officeDocument/2006/relationships" xmlns:p="http://schemas.openxmlformats.org/presentationml/2006/main" type="title" preserve="1">
   <p:cSld name="Title Slide">
@@ -4176,7 +4618,7 @@
           <a:p>
             <a:fld id="{02AC24A9-CCB6-4F8D-B8DB-C2F3692CFA5A}" type="datetimeFigureOut">
               <a:rPr lang="en-US" smtClean="0"/>
-              <a:t>5/22/2023</a:t>
+              <a:t>5/25/2023</a:t>
             </a:fld>
             <a:endParaRPr lang="en-US" dirty="0"/>
           </a:p>
@@ -4546,7 +4988,7 @@
           <a:p>
             <a:fld id="{02AC24A9-CCB6-4F8D-B8DB-C2F3692CFA5A}" type="datetimeFigureOut">
               <a:rPr lang="en-US" smtClean="0"/>
-              <a:t>5/22/2023</a:t>
+              <a:t>5/25/2023</a:t>
             </a:fld>
             <a:endParaRPr lang="en-US"/>
           </a:p>
@@ -4755,7 +5197,7 @@
           <a:p>
             <a:fld id="{02AC24A9-CCB6-4F8D-B8DB-C2F3692CFA5A}" type="datetimeFigureOut">
               <a:rPr lang="en-US" smtClean="0"/>
-              <a:t>5/22/2023</a:t>
+              <a:t>5/25/2023</a:t>
             </a:fld>
             <a:endParaRPr lang="en-US"/>
           </a:p>
@@ -5225,7 +5667,7 @@
           <a:p>
             <a:fld id="{02AC24A9-CCB6-4F8D-B8DB-C2F3692CFA5A}" type="datetimeFigureOut">
               <a:rPr lang="en-US" smtClean="0"/>
-              <a:t>5/22/2023</a:t>
+              <a:t>5/25/2023</a:t>
             </a:fld>
             <a:endParaRPr lang="en-US"/>
           </a:p>
@@ -5679,7 +6121,7 @@
           <a:p>
             <a:fld id="{02AC24A9-CCB6-4F8D-B8DB-C2F3692CFA5A}" type="datetimeFigureOut">
               <a:rPr lang="en-US" smtClean="0"/>
-              <a:t>5/22/2023</a:t>
+              <a:t>5/25/2023</a:t>
             </a:fld>
             <a:endParaRPr lang="en-US"/>
           </a:p>
@@ -6211,7 +6653,7 @@
           <a:p>
             <a:fld id="{02AC24A9-CCB6-4F8D-B8DB-C2F3692CFA5A}" type="datetimeFigureOut">
               <a:rPr lang="en-US" smtClean="0"/>
-              <a:t>5/22/2023</a:t>
+              <a:t>5/25/2023</a:t>
             </a:fld>
             <a:endParaRPr lang="en-US"/>
           </a:p>
@@ -6910,7 +7352,7 @@
           <a:p>
             <a:fld id="{02AC24A9-CCB6-4F8D-B8DB-C2F3692CFA5A}" type="datetimeFigureOut">
               <a:rPr lang="en-US" smtClean="0"/>
-              <a:t>5/22/2023</a:t>
+              <a:t>5/25/2023</a:t>
             </a:fld>
             <a:endParaRPr lang="en-US"/>
           </a:p>
@@ -7239,7 +7681,7 @@
           <a:p>
             <a:fld id="{02AC24A9-CCB6-4F8D-B8DB-C2F3692CFA5A}" type="datetimeFigureOut">
               <a:rPr lang="en-US" smtClean="0"/>
-              <a:t>5/22/2023</a:t>
+              <a:t>5/25/2023</a:t>
             </a:fld>
             <a:endParaRPr lang="en-US"/>
           </a:p>
@@ -7352,7 +7794,7 @@
           <a:p>
             <a:fld id="{02AC24A9-CCB6-4F8D-B8DB-C2F3692CFA5A}" type="datetimeFigureOut">
               <a:rPr lang="en-US" smtClean="0"/>
-              <a:t>5/22/2023</a:t>
+              <a:t>5/25/2023</a:t>
             </a:fld>
             <a:endParaRPr lang="en-US"/>
           </a:p>
@@ -7847,7 +8289,7 @@
           <a:p>
             <a:fld id="{02AC24A9-CCB6-4F8D-B8DB-C2F3692CFA5A}" type="datetimeFigureOut">
               <a:rPr lang="en-US" smtClean="0"/>
-              <a:t>5/22/2023</a:t>
+              <a:t>5/25/2023</a:t>
             </a:fld>
             <a:endParaRPr lang="en-US" dirty="0"/>
           </a:p>
@@ -8324,7 +8766,7 @@
           <a:p>
             <a:fld id="{02AC24A9-CCB6-4F8D-B8DB-C2F3692CFA5A}" type="datetimeFigureOut">
               <a:rPr lang="en-US" smtClean="0"/>
-              <a:t>5/22/2023</a:t>
+              <a:t>5/25/2023</a:t>
             </a:fld>
             <a:endParaRPr lang="en-US"/>
           </a:p>
@@ -8563,7 +9005,7 @@
           <a:p>
             <a:fld id="{02AC24A9-CCB6-4F8D-B8DB-C2F3692CFA5A}" type="datetimeFigureOut">
               <a:rPr lang="en-US" smtClean="0"/>
-              <a:t>5/22/2023</a:t>
+              <a:t>5/25/2023</a:t>
             </a:fld>
             <a:endParaRPr lang="en-US"/>
           </a:p>
@@ -9619,8 +10061,8 @@
           <a:lstStyle/>
           <a:p>
             <a:r>
-              <a:rPr lang="en-US" sz="3600"/>
-              <a:t>Shadow zone creator</a:t>
+              <a:rPr lang="en-US" sz="3600" dirty="0"/>
+              <a:t>Shadow zone creator - 1</a:t>
             </a:r>
           </a:p>
         </p:txBody>
@@ -9752,41 +10194,6 @@
           </a:prstGeom>
         </p:spPr>
       </p:pic>
-      <p:pic>
-        <p:nvPicPr>
-          <p:cNvPr id="10" name="Picture 9" descr="A picture containing screenshot, solar cell, panel&#10;&#10;Description automatically generated">
-            <a:extLst>
-              <a:ext uri="{FF2B5EF4-FFF2-40B4-BE49-F238E27FC236}">
-                <a16:creationId xmlns:a16="http://schemas.microsoft.com/office/drawing/2014/main" id="{26901A51-6871-8BB9-6D8A-210120AE9554}"/>
-              </a:ext>
-            </a:extLst>
-          </p:cNvPr>
-          <p:cNvPicPr>
-            <a:picLocks noChangeAspect="1"/>
-          </p:cNvPicPr>
-          <p:nvPr/>
-        </p:nvPicPr>
-        <p:blipFill rotWithShape="1">
-          <a:blip r:embed="rId3">
-            <a:extLst>
-              <a:ext uri="{28A0092B-C50C-407E-A947-70E740481C1C}">
-                <a14:useLocalDpi xmlns:a14="http://schemas.microsoft.com/office/drawing/2010/main" val="0"/>
-              </a:ext>
-            </a:extLst>
-          </a:blip>
-          <a:srcRect l="10218" r="6628" b="-4"/>
-          <a:stretch/>
-        </p:blipFill>
-        <p:spPr>
-          <a:xfrm>
-            <a:off x="4226837" y="1721922"/>
-            <a:ext cx="3420596" cy="4520560"/>
-          </a:xfrm>
-          <a:prstGeom prst="rect">
-            <a:avLst/>
-          </a:prstGeom>
-        </p:spPr>
-      </p:pic>
       <p:sp useBgFill="1">
         <p:nvSpPr>
           <p:cNvPr id="23" name="Rectangle 22">
@@ -9963,6 +10370,42 @@
           </a:p>
         </p:txBody>
       </p:sp>
+      <p:pic>
+        <p:nvPicPr>
+          <p:cNvPr id="4" name="Picture 3" descr="A picture containing solar power, solar panel, solar energy, solar cell&#10;&#10;Description automatically generated">
+            <a:extLst>
+              <a:ext uri="{FF2B5EF4-FFF2-40B4-BE49-F238E27FC236}">
+                <a16:creationId xmlns:a16="http://schemas.microsoft.com/office/drawing/2014/main" id="{175A92E0-768A-0C29-F74B-EEEA3A6BB928}"/>
+              </a:ext>
+            </a:extLst>
+          </p:cNvPr>
+          <p:cNvPicPr>
+            <a:picLocks noChangeAspect="1"/>
+          </p:cNvPicPr>
+          <p:nvPr/>
+        </p:nvPicPr>
+        <p:blipFill>
+          <a:blip r:embed="rId3">
+            <a:extLst>
+              <a:ext uri="{28A0092B-C50C-407E-A947-70E740481C1C}">
+                <a14:useLocalDpi xmlns:a14="http://schemas.microsoft.com/office/drawing/2010/main" val="0"/>
+              </a:ext>
+            </a:extLst>
+          </a:blip>
+          <a:stretch>
+            <a:fillRect/>
+          </a:stretch>
+        </p:blipFill>
+        <p:spPr>
+          <a:xfrm>
+            <a:off x="4343610" y="1651379"/>
+            <a:ext cx="3175545" cy="4705698"/>
+          </a:xfrm>
+          <a:prstGeom prst="rect">
+            <a:avLst/>
+          </a:prstGeom>
+        </p:spPr>
+      </p:pic>
     </p:spTree>
     <p:extLst>
       <p:ext uri="{BB962C8B-B14F-4D97-AF65-F5344CB8AC3E}">
@@ -10010,7 +10453,7 @@
           <p:cNvPr id="2" name="Title 1">
             <a:extLst>
               <a:ext uri="{FF2B5EF4-FFF2-40B4-BE49-F238E27FC236}">
-                <a16:creationId xmlns:a16="http://schemas.microsoft.com/office/drawing/2014/main" id="{C0C1A6D4-E0E2-258F-B5D2-BEFCEA4BFE29}"/>
+                <a16:creationId xmlns:a16="http://schemas.microsoft.com/office/drawing/2014/main" id="{5A6BCFC5-C79A-9352-3CF2-E738253C4103}"/>
               </a:ext>
             </a:extLst>
           </p:cNvPr>
@@ -10027,38 +10470,8 @@
           <a:lstStyle/>
           <a:p>
             <a:r>
-              <a:rPr lang="it-IT" dirty="0"/>
-              <a:t>I-V Curve for the PV</a:t>
-            </a:r>
-          </a:p>
-        </p:txBody>
-      </p:sp>
-      <p:sp>
-        <p:nvSpPr>
-          <p:cNvPr id="5" name="Text Placeholder 4">
-            <a:extLst>
-              <a:ext uri="{FF2B5EF4-FFF2-40B4-BE49-F238E27FC236}">
-                <a16:creationId xmlns:a16="http://schemas.microsoft.com/office/drawing/2014/main" id="{16145E4B-3CF8-D0D0-7C49-97AB03DF10D3}"/>
-              </a:ext>
-            </a:extLst>
-          </p:cNvPr>
-          <p:cNvSpPr>
-            <a:spLocks noGrp="1"/>
-          </p:cNvSpPr>
-          <p:nvPr>
-            <p:ph type="body" sz="half" idx="2"/>
-          </p:nvPr>
-        </p:nvSpPr>
-        <p:spPr/>
-        <p:txBody>
-          <a:bodyPr>
-            <a:normAutofit fontScale="85000" lnSpcReduction="20000"/>
-          </a:bodyPr>
-          <a:lstStyle/>
-          <a:p>
-            <a:r>
-              <a:rPr lang="en-US" dirty="0"/>
-              <a:t>The I-V (current-voltage) curve is a graphical representation that shows the relationship between the current and voltage outputs of a solar panel or any electronic device. It provides valuable information about the panel's performance, efficiency, and power generation capabilities.</a:t>
+              <a:rPr lang="en-US" sz="4000" dirty="0"/>
+              <a:t>Shadow zone creator - 2</a:t>
             </a:r>
             <a:endParaRPr lang="it-IT" dirty="0"/>
           </a:p>
@@ -10066,10 +10479,10 @@
       </p:sp>
       <p:pic>
         <p:nvPicPr>
-          <p:cNvPr id="13" name="Picture 12" descr="A picture containing text, screenshot, line, diagram&#10;&#10;Description automatically generated">
-            <a:extLst>
-              <a:ext uri="{FF2B5EF4-FFF2-40B4-BE49-F238E27FC236}">
-                <a16:creationId xmlns:a16="http://schemas.microsoft.com/office/drawing/2014/main" id="{5804D2A8-4A8E-9406-BA2D-B40A64A51AEA}"/>
+          <p:cNvPr id="14" name="Picture 13" descr="A diagram of solar panels&#10;&#10;Description automatically generated with medium confidence">
+            <a:extLst>
+              <a:ext uri="{FF2B5EF4-FFF2-40B4-BE49-F238E27FC236}">
+                <a16:creationId xmlns:a16="http://schemas.microsoft.com/office/drawing/2014/main" id="{E1DB1926-FF91-94B2-0864-0B75FACA7AD6}"/>
               </a:ext>
             </a:extLst>
           </p:cNvPr>
@@ -10078,7 +10491,7 @@
           </p:cNvPicPr>
           <p:nvPr/>
         </p:nvPicPr>
-        <p:blipFill rotWithShape="1">
+        <p:blipFill>
           <a:blip r:embed="rId2">
             <a:extLst>
               <a:ext uri="{28A0092B-C50C-407E-A947-70E740481C1C}">
@@ -10086,77 +10499,306 @@
               </a:ext>
             </a:extLst>
           </a:blip>
-          <a:srcRect r="13681" b="1025"/>
-          <a:stretch/>
+          <a:stretch>
+            <a:fillRect/>
+          </a:stretch>
         </p:blipFill>
         <p:spPr>
           <a:xfrm>
-            <a:off x="4391584" y="1006671"/>
-            <a:ext cx="7663844" cy="4862945"/>
+            <a:off x="0" y="2111033"/>
+            <a:ext cx="2967649" cy="2886502"/>
           </a:xfrm>
           <a:prstGeom prst="rect">
             <a:avLst/>
           </a:prstGeom>
         </p:spPr>
       </p:pic>
-      <p:sp>
-        <p:nvSpPr>
-          <p:cNvPr id="14" name="Titolo 1">
-            <a:extLst>
-              <a:ext uri="{FF2B5EF4-FFF2-40B4-BE49-F238E27FC236}">
-                <a16:creationId xmlns:a16="http://schemas.microsoft.com/office/drawing/2014/main" id="{7FDBCCB5-F0AF-580B-2F09-898B232B7B66}"/>
-              </a:ext>
-            </a:extLst>
-          </p:cNvPr>
-          <p:cNvSpPr txBox="1">
-            <a:spLocks/>
-          </p:cNvSpPr>
+      <p:pic>
+        <p:nvPicPr>
+          <p:cNvPr id="16" name="Picture 15" descr="A diagram of solar panels&#10;&#10;Description automatically generated with medium confidence">
+            <a:extLst>
+              <a:ext uri="{FF2B5EF4-FFF2-40B4-BE49-F238E27FC236}">
+                <a16:creationId xmlns:a16="http://schemas.microsoft.com/office/drawing/2014/main" id="{F6DB669A-232F-5D7A-9530-4D40FB836974}"/>
+              </a:ext>
+            </a:extLst>
+          </p:cNvPr>
+          <p:cNvPicPr>
+            <a:picLocks noChangeAspect="1"/>
+          </p:cNvPicPr>
           <p:nvPr/>
-        </p:nvSpPr>
-        <p:spPr>
-          <a:xfrm>
-            <a:off x="616804" y="249382"/>
-            <a:ext cx="10996076" cy="623454"/>
+        </p:nvPicPr>
+        <p:blipFill>
+          <a:blip r:embed="rId3">
+            <a:extLst>
+              <a:ext uri="{28A0092B-C50C-407E-A947-70E740481C1C}">
+                <a14:useLocalDpi xmlns:a14="http://schemas.microsoft.com/office/drawing/2010/main" val="0"/>
+              </a:ext>
+            </a:extLst>
+          </a:blip>
+          <a:stretch>
+            <a:fillRect/>
+          </a:stretch>
+        </p:blipFill>
+        <p:spPr>
+          <a:xfrm>
+            <a:off x="3746491" y="2134917"/>
+            <a:ext cx="2297926" cy="2886502"/>
           </a:xfrm>
           <a:prstGeom prst="rect">
             <a:avLst/>
           </a:prstGeom>
         </p:spPr>
-        <p:txBody>
-          <a:bodyPr lIns="91440" tIns="45720" rIns="91440" bIns="45720" anchor="t">
-            <a:normAutofit/>
+      </p:pic>
+      <p:pic>
+        <p:nvPicPr>
+          <p:cNvPr id="18" name="Picture 17" descr="A diagram of solar panels&#10;&#10;Description automatically generated with medium confidence">
+            <a:extLst>
+              <a:ext uri="{FF2B5EF4-FFF2-40B4-BE49-F238E27FC236}">
+                <a16:creationId xmlns:a16="http://schemas.microsoft.com/office/drawing/2014/main" id="{4EE665DB-7EBA-5225-2C97-C995E625349A}"/>
+              </a:ext>
+            </a:extLst>
+          </p:cNvPr>
+          <p:cNvPicPr>
+            <a:picLocks noChangeAspect="1"/>
+          </p:cNvPicPr>
+          <p:nvPr/>
+        </p:nvPicPr>
+        <p:blipFill>
+          <a:blip r:embed="rId4">
+            <a:extLst>
+              <a:ext uri="{28A0092B-C50C-407E-A947-70E740481C1C}">
+                <a14:useLocalDpi xmlns:a14="http://schemas.microsoft.com/office/drawing/2010/main" val="0"/>
+              </a:ext>
+            </a:extLst>
+          </a:blip>
+          <a:stretch>
+            <a:fillRect/>
+          </a:stretch>
+        </p:blipFill>
+        <p:spPr>
+          <a:xfrm>
+            <a:off x="7145665" y="2134917"/>
+            <a:ext cx="2277640" cy="2838734"/>
+          </a:xfrm>
+          <a:prstGeom prst="rect">
+            <a:avLst/>
+          </a:prstGeom>
+        </p:spPr>
+      </p:pic>
+      <p:pic>
+        <p:nvPicPr>
+          <p:cNvPr id="20" name="Picture 19" descr="A picture containing square, pattern&#10;&#10;Description automatically generated">
+            <a:extLst>
+              <a:ext uri="{FF2B5EF4-FFF2-40B4-BE49-F238E27FC236}">
+                <a16:creationId xmlns:a16="http://schemas.microsoft.com/office/drawing/2014/main" id="{28D0FDF8-4C4C-5DB3-BBCB-F4A7906FA01C}"/>
+              </a:ext>
+            </a:extLst>
+          </p:cNvPr>
+          <p:cNvPicPr>
+            <a:picLocks noChangeAspect="1"/>
+          </p:cNvPicPr>
+          <p:nvPr/>
+        </p:nvPicPr>
+        <p:blipFill>
+          <a:blip r:embed="rId5">
+            <a:extLst>
+              <a:ext uri="{28A0092B-C50C-407E-A947-70E740481C1C}">
+                <a14:useLocalDpi xmlns:a14="http://schemas.microsoft.com/office/drawing/2010/main" val="0"/>
+              </a:ext>
+            </a:extLst>
+          </a:blip>
+          <a:stretch>
+            <a:fillRect/>
+          </a:stretch>
+        </p:blipFill>
+        <p:spPr>
+          <a:xfrm>
+            <a:off x="9909588" y="2322574"/>
+            <a:ext cx="2282412" cy="2651077"/>
+          </a:xfrm>
+          <a:prstGeom prst="rect">
+            <a:avLst/>
+          </a:prstGeom>
+        </p:spPr>
+      </p:pic>
+      <p:sp>
+        <p:nvSpPr>
+          <p:cNvPr id="21" name="Arrow: Right 20">
+            <a:extLst>
+              <a:ext uri="{FF2B5EF4-FFF2-40B4-BE49-F238E27FC236}">
+                <a16:creationId xmlns:a16="http://schemas.microsoft.com/office/drawing/2014/main" id="{057D49ED-D6AC-D5D7-E8DF-BA1AA3800C88}"/>
+              </a:ext>
+            </a:extLst>
+          </p:cNvPr>
+          <p:cNvSpPr/>
+          <p:nvPr/>
+        </p:nvSpPr>
+        <p:spPr>
+          <a:xfrm>
+            <a:off x="3239917" y="3386261"/>
+            <a:ext cx="914336" cy="523702"/>
+          </a:xfrm>
+          <a:prstGeom prst="rightArrow">
+            <a:avLst/>
+          </a:prstGeom>
+        </p:spPr>
+        <p:style>
+          <a:lnRef idx="2">
+            <a:schemeClr val="dk1">
+              <a:shade val="50000"/>
+            </a:schemeClr>
+          </a:lnRef>
+          <a:fillRef idx="1">
+            <a:schemeClr val="dk1"/>
+          </a:fillRef>
+          <a:effectRef idx="0">
+            <a:schemeClr val="dk1"/>
+          </a:effectRef>
+          <a:fontRef idx="minor">
+            <a:schemeClr val="lt1"/>
+          </a:fontRef>
+        </p:style>
+        <p:txBody>
+          <a:bodyPr rtlCol="0" anchor="ctr"/>
+          <a:lstStyle/>
+          <a:p>
+            <a:pPr algn="ctr"/>
+            <a:endParaRPr lang="it-IT" dirty="0"/>
+          </a:p>
+        </p:txBody>
+      </p:sp>
+      <p:sp>
+        <p:nvSpPr>
+          <p:cNvPr id="23" name="Arrow: Right 22">
+            <a:extLst>
+              <a:ext uri="{FF2B5EF4-FFF2-40B4-BE49-F238E27FC236}">
+                <a16:creationId xmlns:a16="http://schemas.microsoft.com/office/drawing/2014/main" id="{C724F22C-5CE6-C694-05C3-AD3A46D6537E}"/>
+              </a:ext>
+            </a:extLst>
+          </p:cNvPr>
+          <p:cNvSpPr/>
+          <p:nvPr/>
+        </p:nvSpPr>
+        <p:spPr>
+          <a:xfrm>
+            <a:off x="6172517" y="3386261"/>
+            <a:ext cx="914336" cy="523702"/>
+          </a:xfrm>
+          <a:prstGeom prst="rightArrow">
+            <a:avLst/>
+          </a:prstGeom>
+        </p:spPr>
+        <p:style>
+          <a:lnRef idx="2">
+            <a:schemeClr val="dk1">
+              <a:shade val="50000"/>
+            </a:schemeClr>
+          </a:lnRef>
+          <a:fillRef idx="1">
+            <a:schemeClr val="dk1"/>
+          </a:fillRef>
+          <a:effectRef idx="0">
+            <a:schemeClr val="dk1"/>
+          </a:effectRef>
+          <a:fontRef idx="minor">
+            <a:schemeClr val="lt1"/>
+          </a:fontRef>
+        </p:style>
+        <p:txBody>
+          <a:bodyPr rtlCol="0" anchor="ctr"/>
+          <a:lstStyle/>
+          <a:p>
+            <a:pPr algn="ctr"/>
+            <a:endParaRPr lang="it-IT" dirty="0"/>
+          </a:p>
+        </p:txBody>
+      </p:sp>
+      <p:sp>
+        <p:nvSpPr>
+          <p:cNvPr id="24" name="Arrow: Right 23">
+            <a:extLst>
+              <a:ext uri="{FF2B5EF4-FFF2-40B4-BE49-F238E27FC236}">
+                <a16:creationId xmlns:a16="http://schemas.microsoft.com/office/drawing/2014/main" id="{337B93C7-7837-71DF-D431-D239DD574A98}"/>
+              </a:ext>
+            </a:extLst>
+          </p:cNvPr>
+          <p:cNvSpPr/>
+          <p:nvPr/>
+        </p:nvSpPr>
+        <p:spPr>
+          <a:xfrm>
+            <a:off x="8966137" y="3386261"/>
+            <a:ext cx="914336" cy="523702"/>
+          </a:xfrm>
+          <a:prstGeom prst="rightArrow">
+            <a:avLst/>
+          </a:prstGeom>
+        </p:spPr>
+        <p:style>
+          <a:lnRef idx="2">
+            <a:schemeClr val="dk1">
+              <a:shade val="50000"/>
+            </a:schemeClr>
+          </a:lnRef>
+          <a:fillRef idx="1">
+            <a:schemeClr val="dk1"/>
+          </a:fillRef>
+          <a:effectRef idx="0">
+            <a:schemeClr val="dk1"/>
+          </a:effectRef>
+          <a:fontRef idx="minor">
+            <a:schemeClr val="lt1"/>
+          </a:fontRef>
+        </p:style>
+        <p:txBody>
+          <a:bodyPr rtlCol="0" anchor="ctr"/>
+          <a:lstStyle/>
+          <a:p>
+            <a:pPr algn="ctr"/>
+            <a:endParaRPr lang="it-IT" dirty="0"/>
+          </a:p>
+        </p:txBody>
+      </p:sp>
+      <p:sp>
+        <p:nvSpPr>
+          <p:cNvPr id="25" name="TextBox 24">
+            <a:extLst>
+              <a:ext uri="{FF2B5EF4-FFF2-40B4-BE49-F238E27FC236}">
+                <a16:creationId xmlns:a16="http://schemas.microsoft.com/office/drawing/2014/main" id="{593CE99E-3511-1807-B78B-B5EBFFCCBF09}"/>
+              </a:ext>
+            </a:extLst>
+          </p:cNvPr>
+          <p:cNvSpPr txBox="1"/>
+          <p:nvPr/>
+        </p:nvSpPr>
+        <p:spPr>
+          <a:xfrm>
+            <a:off x="348018" y="5233916"/>
+            <a:ext cx="11559654" cy="646331"/>
+          </a:xfrm>
+          <a:prstGeom prst="rect">
+            <a:avLst/>
+          </a:prstGeom>
+          <a:noFill/>
+        </p:spPr>
+        <p:txBody>
+          <a:bodyPr wrap="square" rtlCol="0">
+            <a:spAutoFit/>
           </a:bodyPr>
-          <a:lstStyle>
-            <a:lvl1pPr algn="l" defTabSz="914400" rtl="0" eaLnBrk="1" latinLnBrk="0" hangingPunct="1">
-              <a:lnSpc>
-                <a:spcPct val="100000"/>
-              </a:lnSpc>
-              <a:spcBef>
-                <a:spcPct val="0"/>
-              </a:spcBef>
-              <a:buNone/>
-              <a:defRPr sz="3400" b="1" kern="1200">
-                <a:solidFill>
-                  <a:schemeClr val="tx1"/>
-                </a:solidFill>
-                <a:latin typeface="+mj-lt"/>
-                <a:ea typeface="+mj-ea"/>
-                <a:cs typeface="+mj-cs"/>
-              </a:defRPr>
-            </a:lvl1pPr>
-          </a:lstStyle>
+          <a:lstStyle/>
           <a:p>
             <a:r>
-              <a:rPr lang="it-IT" dirty="0"/>
-              <a:t>Results without Shadow</a:t>
+              <a:rPr lang="en-US" dirty="0"/>
+              <a:t>By implementing a time-varying simulation of the cloud positions that create shading on the panels, it will be possible to observe significant changes in power production compared to the previous static variations.</a:t>
             </a:r>
+            <a:endParaRPr lang="it-IT" dirty="0"/>
           </a:p>
         </p:txBody>
       </p:sp>
     </p:spTree>
     <p:extLst>
       <p:ext uri="{BB962C8B-B14F-4D97-AF65-F5344CB8AC3E}">
-        <p14:creationId xmlns:p14="http://schemas.microsoft.com/office/powerpoint/2010/main" val="1539801563"/>
+        <p14:creationId xmlns:p14="http://schemas.microsoft.com/office/powerpoint/2010/main" val="3444634075"/>
       </p:ext>
     </p:extLst>
   </p:cSld>
@@ -10200,7 +10842,7 @@
           <p:cNvPr id="2" name="Title 1">
             <a:extLst>
               <a:ext uri="{FF2B5EF4-FFF2-40B4-BE49-F238E27FC236}">
-                <a16:creationId xmlns:a16="http://schemas.microsoft.com/office/drawing/2014/main" id="{D76A055C-76FC-6350-F961-8BD0E9393EA8}"/>
+                <a16:creationId xmlns:a16="http://schemas.microsoft.com/office/drawing/2014/main" id="{C0C1A6D4-E0E2-258F-B5D2-BEFCEA4BFE29}"/>
               </a:ext>
             </a:extLst>
           </p:cNvPr>
@@ -10218,24 +10860,17 @@
           <a:p>
             <a:r>
               <a:rPr lang="it-IT" dirty="0"/>
-              <a:t>The Series </a:t>
+              <a:t>I-V Curve for the PV</a:t>
             </a:r>
-            <a:br>
-              <a:rPr lang="it-IT" dirty="0"/>
-            </a:br>
-            <a:r>
-              <a:rPr lang="it-IT" dirty="0"/>
-              <a:t>I-V Curve</a:t>
-            </a:r>
-          </a:p>
-        </p:txBody>
-      </p:sp>
-      <p:sp>
-        <p:nvSpPr>
-          <p:cNvPr id="11" name="Text Placeholder 10">
-            <a:extLst>
-              <a:ext uri="{FF2B5EF4-FFF2-40B4-BE49-F238E27FC236}">
-                <a16:creationId xmlns:a16="http://schemas.microsoft.com/office/drawing/2014/main" id="{0498C140-7BC8-AB23-BB2A-D69FE20058B4}"/>
+          </a:p>
+        </p:txBody>
+      </p:sp>
+      <p:sp>
+        <p:nvSpPr>
+          <p:cNvPr id="5" name="Text Placeholder 4">
+            <a:extLst>
+              <a:ext uri="{FF2B5EF4-FFF2-40B4-BE49-F238E27FC236}">
+                <a16:creationId xmlns:a16="http://schemas.microsoft.com/office/drawing/2014/main" id="{16145E4B-3CF8-D0D0-7C49-97AB03DF10D3}"/>
               </a:ext>
             </a:extLst>
           </p:cNvPr>
@@ -10249,13 +10884,13 @@
         <p:spPr/>
         <p:txBody>
           <a:bodyPr>
-            <a:normAutofit fontScale="77500" lnSpcReduction="20000"/>
+            <a:normAutofit fontScale="85000" lnSpcReduction="20000"/>
           </a:bodyPr>
           <a:lstStyle/>
           <a:p>
             <a:r>
               <a:rPr lang="en-US" dirty="0"/>
-              <a:t>The I-V (current-voltage) curve for a series of PV (photovoltaic) panels represents the relationship between the current and voltage outputs when multiple panels are connected in a series configuration. It helps assess the combined performance and power generation of the interconnected panels.</a:t>
+              <a:t>The I-V (current-voltage) curve is a graphical representation that shows the relationship between the current and voltage outputs of a solar panel or any electronic device. It provides valuable information about the panel's performance, efficiency, and power generation capabilities.</a:t>
             </a:r>
             <a:endParaRPr lang="it-IT" dirty="0"/>
           </a:p>
@@ -10263,19 +10898,17 @@
       </p:sp>
       <p:pic>
         <p:nvPicPr>
-          <p:cNvPr id="16" name="Picture Placeholder 15" descr="A picture containing text, diagram, line, parallel&#10;&#10;Description automatically generated">
-            <a:extLst>
-              <a:ext uri="{FF2B5EF4-FFF2-40B4-BE49-F238E27FC236}">
-                <a16:creationId xmlns:a16="http://schemas.microsoft.com/office/drawing/2014/main" id="{657F0810-455A-B29A-AE7B-75DBEA8819E6}"/>
+          <p:cNvPr id="13" name="Picture 12">
+            <a:extLst>
+              <a:ext uri="{FF2B5EF4-FFF2-40B4-BE49-F238E27FC236}">
+                <a16:creationId xmlns:a16="http://schemas.microsoft.com/office/drawing/2014/main" id="{5804D2A8-4A8E-9406-BA2D-B40A64A51AEA}"/>
               </a:ext>
             </a:extLst>
           </p:cNvPr>
           <p:cNvPicPr>
-            <a:picLocks noGrp="1" noChangeAspect="1"/>
+            <a:picLocks noChangeAspect="1"/>
           </p:cNvPicPr>
-          <p:nvPr>
-            <p:ph type="pic" idx="1"/>
-          </p:nvPr>
+          <p:nvPr/>
         </p:nvPicPr>
         <p:blipFill>
           <a:blip r:embed="rId2">
@@ -10285,19 +10918,25 @@
               </a:ext>
             </a:extLst>
           </a:blip>
-          <a:srcRect t="2545" b="2545"/>
-          <a:stretch>
-            <a:fillRect/>
-          </a:stretch>
+          <a:srcRect t="311" b="311"/>
+          <a:stretch/>
         </p:blipFill>
-        <p:spPr/>
+        <p:spPr>
+          <a:xfrm>
+            <a:off x="4801098" y="988383"/>
+            <a:ext cx="6522222" cy="4862945"/>
+          </a:xfrm>
+          <a:prstGeom prst="rect">
+            <a:avLst/>
+          </a:prstGeom>
+        </p:spPr>
       </p:pic>
       <p:sp>
         <p:nvSpPr>
-          <p:cNvPr id="4" name="Titolo 1">
-            <a:extLst>
-              <a:ext uri="{FF2B5EF4-FFF2-40B4-BE49-F238E27FC236}">
-                <a16:creationId xmlns:a16="http://schemas.microsoft.com/office/drawing/2014/main" id="{FFA46C98-8E79-DAFE-EFEA-761E6D599A44}"/>
+          <p:cNvPr id="14" name="Titolo 1">
+            <a:extLst>
+              <a:ext uri="{FF2B5EF4-FFF2-40B4-BE49-F238E27FC236}">
+                <a16:creationId xmlns:a16="http://schemas.microsoft.com/office/drawing/2014/main" id="{7FDBCCB5-F0AF-580B-2F09-898B232B7B66}"/>
               </a:ext>
             </a:extLst>
           </p:cNvPr>
@@ -10341,7 +10980,7 @@
           <a:p>
             <a:r>
               <a:rPr lang="it-IT" dirty="0"/>
-              <a:t>Results without Shadow</a:t>
+              <a:t>Results without Shadow - 1</a:t>
             </a:r>
           </a:p>
         </p:txBody>
@@ -10349,7 +10988,7 @@
     </p:spTree>
     <p:extLst>
       <p:ext uri="{BB962C8B-B14F-4D97-AF65-F5344CB8AC3E}">
-        <p14:creationId xmlns:p14="http://schemas.microsoft.com/office/powerpoint/2010/main" val="935037914"/>
+        <p14:creationId xmlns:p14="http://schemas.microsoft.com/office/powerpoint/2010/main" val="1539801563"/>
       </p:ext>
     </p:extLst>
   </p:cSld>
@@ -10411,14 +11050,14 @@
           <a:p>
             <a:r>
               <a:rPr lang="it-IT" dirty="0"/>
-              <a:t>The Parallel </a:t>
+              <a:t>The Series </a:t>
             </a:r>
             <a:br>
               <a:rPr lang="it-IT" dirty="0"/>
             </a:br>
             <a:r>
               <a:rPr lang="it-IT" dirty="0"/>
-              <a:t>Power curve</a:t>
+              <a:t>I-V Curve</a:t>
             </a:r>
           </a:p>
         </p:txBody>
@@ -10448,49 +11087,18 @@
           <a:p>
             <a:r>
               <a:rPr lang="en-US" dirty="0"/>
-              <a:t>A parallel configuration of PV (photovoltaic) panels involves connecting multiple panels side by side, with their positive terminals connected together and negative terminals connected together. This setup increases the overall current output while maintaining the same voltage level, resulting in higher power generation capacity.</a:t>
+              <a:t>The I-V (current-voltage) curve for a series of PV (photovoltaic) panels represents the relationship between the current and voltage outputs when multiple panels are connected in a series configuration. It helps assess the combined performance and power generation of the interconnected panels.</a:t>
             </a:r>
             <a:endParaRPr lang="it-IT" dirty="0"/>
           </a:p>
         </p:txBody>
       </p:sp>
-      <p:pic>
-        <p:nvPicPr>
-          <p:cNvPr id="7" name="Picture Placeholder 6" descr="A picture containing diagram, text, plot, line&#10;&#10;Description automatically generated">
-            <a:extLst>
-              <a:ext uri="{FF2B5EF4-FFF2-40B4-BE49-F238E27FC236}">
-                <a16:creationId xmlns:a16="http://schemas.microsoft.com/office/drawing/2014/main" id="{DC9040EC-9B0D-F20A-1EE2-897E9466E517}"/>
-              </a:ext>
-            </a:extLst>
-          </p:cNvPr>
-          <p:cNvPicPr>
-            <a:picLocks noGrp="1" noChangeAspect="1"/>
-          </p:cNvPicPr>
-          <p:nvPr>
-            <p:ph type="pic" idx="1"/>
-          </p:nvPr>
-        </p:nvPicPr>
-        <p:blipFill>
-          <a:blip r:embed="rId2">
-            <a:extLst>
-              <a:ext uri="{28A0092B-C50C-407E-A947-70E740481C1C}">
-                <a14:useLocalDpi xmlns:a14="http://schemas.microsoft.com/office/drawing/2010/main" val="0"/>
-              </a:ext>
-            </a:extLst>
-          </a:blip>
-          <a:srcRect t="4742" b="4742"/>
-          <a:stretch>
-            <a:fillRect/>
-          </a:stretch>
-        </p:blipFill>
-        <p:spPr/>
-      </p:pic>
-      <p:sp>
-        <p:nvSpPr>
-          <p:cNvPr id="3" name="Titolo 1">
-            <a:extLst>
-              <a:ext uri="{FF2B5EF4-FFF2-40B4-BE49-F238E27FC236}">
-                <a16:creationId xmlns:a16="http://schemas.microsoft.com/office/drawing/2014/main" id="{894DEC22-82C4-39CE-2ED7-76DCA11066CA}"/>
+      <p:sp>
+        <p:nvSpPr>
+          <p:cNvPr id="4" name="Titolo 1">
+            <a:extLst>
+              <a:ext uri="{FF2B5EF4-FFF2-40B4-BE49-F238E27FC236}">
+                <a16:creationId xmlns:a16="http://schemas.microsoft.com/office/drawing/2014/main" id="{FFA46C98-8E79-DAFE-EFEA-761E6D599A44}"/>
               </a:ext>
             </a:extLst>
           </p:cNvPr>
@@ -10534,15 +11142,51 @@
           <a:p>
             <a:r>
               <a:rPr lang="it-IT" dirty="0"/>
-              <a:t>Results without Shadow</a:t>
+              <a:t>Results without Shadow - 2</a:t>
             </a:r>
           </a:p>
         </p:txBody>
       </p:sp>
+      <p:pic>
+        <p:nvPicPr>
+          <p:cNvPr id="7" name="Picture 6" descr="A picture containing text, diagram, line, plot&#10;&#10;Description automatically generated">
+            <a:extLst>
+              <a:ext uri="{FF2B5EF4-FFF2-40B4-BE49-F238E27FC236}">
+                <a16:creationId xmlns:a16="http://schemas.microsoft.com/office/drawing/2014/main" id="{FDFEA6B0-193D-4155-D31D-0D420FDE31A9}"/>
+              </a:ext>
+            </a:extLst>
+          </p:cNvPr>
+          <p:cNvPicPr>
+            <a:picLocks noChangeAspect="1"/>
+          </p:cNvPicPr>
+          <p:nvPr/>
+        </p:nvPicPr>
+        <p:blipFill>
+          <a:blip r:embed="rId2">
+            <a:extLst>
+              <a:ext uri="{28A0092B-C50C-407E-A947-70E740481C1C}">
+                <a14:useLocalDpi xmlns:a14="http://schemas.microsoft.com/office/drawing/2010/main" val="0"/>
+              </a:ext>
+            </a:extLst>
+          </a:blip>
+          <a:stretch>
+            <a:fillRect/>
+          </a:stretch>
+        </p:blipFill>
+        <p:spPr>
+          <a:xfrm>
+            <a:off x="4475733" y="1045537"/>
+            <a:ext cx="7137147" cy="5318910"/>
+          </a:xfrm>
+          <a:prstGeom prst="rect">
+            <a:avLst/>
+          </a:prstGeom>
+        </p:spPr>
+      </p:pic>
     </p:spTree>
     <p:extLst>
       <p:ext uri="{BB962C8B-B14F-4D97-AF65-F5344CB8AC3E}">
-        <p14:creationId xmlns:p14="http://schemas.microsoft.com/office/powerpoint/2010/main" val="2065435327"/>
+        <p14:creationId xmlns:p14="http://schemas.microsoft.com/office/powerpoint/2010/main" val="935037914"/>
       </p:ext>
     </p:extLst>
   </p:cSld>
@@ -10586,7 +11230,7 @@
           <p:cNvPr id="2" name="Title 1">
             <a:extLst>
               <a:ext uri="{FF2B5EF4-FFF2-40B4-BE49-F238E27FC236}">
-                <a16:creationId xmlns:a16="http://schemas.microsoft.com/office/drawing/2014/main" id="{C0C1A6D4-E0E2-258F-B5D2-BEFCEA4BFE29}"/>
+                <a16:creationId xmlns:a16="http://schemas.microsoft.com/office/drawing/2014/main" id="{D76A055C-76FC-6350-F961-8BD0E9393EA8}"/>
               </a:ext>
             </a:extLst>
           </p:cNvPr>
@@ -10604,17 +11248,24 @@
           <a:p>
             <a:r>
               <a:rPr lang="it-IT" dirty="0"/>
-              <a:t>I-V Curve for the PV</a:t>
+              <a:t>The Parallel </a:t>
             </a:r>
-          </a:p>
-        </p:txBody>
-      </p:sp>
-      <p:sp>
-        <p:nvSpPr>
-          <p:cNvPr id="5" name="Text Placeholder 4">
-            <a:extLst>
-              <a:ext uri="{FF2B5EF4-FFF2-40B4-BE49-F238E27FC236}">
-                <a16:creationId xmlns:a16="http://schemas.microsoft.com/office/drawing/2014/main" id="{16145E4B-3CF8-D0D0-7C49-97AB03DF10D3}"/>
+            <a:br>
+              <a:rPr lang="it-IT" dirty="0"/>
+            </a:br>
+            <a:r>
+              <a:rPr lang="it-IT" dirty="0"/>
+              <a:t>Power curve</a:t>
+            </a:r>
+          </a:p>
+        </p:txBody>
+      </p:sp>
+      <p:sp>
+        <p:nvSpPr>
+          <p:cNvPr id="11" name="Text Placeholder 10">
+            <a:extLst>
+              <a:ext uri="{FF2B5EF4-FFF2-40B4-BE49-F238E27FC236}">
+                <a16:creationId xmlns:a16="http://schemas.microsoft.com/office/drawing/2014/main" id="{0498C140-7BC8-AB23-BB2A-D69FE20058B4}"/>
               </a:ext>
             </a:extLst>
           </p:cNvPr>
@@ -10628,13 +11279,13 @@
         <p:spPr/>
         <p:txBody>
           <a:bodyPr>
-            <a:normAutofit fontScale="85000" lnSpcReduction="20000"/>
+            <a:normAutofit fontScale="77500" lnSpcReduction="20000"/>
           </a:bodyPr>
           <a:lstStyle/>
           <a:p>
             <a:r>
               <a:rPr lang="en-US" dirty="0"/>
-              <a:t>The I-V (current-voltage) curve is a graphical representation that shows the relationship between the current and voltage outputs of a solar panel or any electronic device. It provides valuable information about the panel's performance, efficiency, and power generation capabilities.</a:t>
+              <a:t>A parallel configuration of PV (photovoltaic) panels involves connecting multiple panels side by side, with their positive terminals connected together and negative terminals connected together. This setup increases the overall current output while maintaining the same voltage level, resulting in higher power generation capacity.</a:t>
             </a:r>
             <a:endParaRPr lang="it-IT" dirty="0"/>
           </a:p>
@@ -10642,19 +11293,21 @@
       </p:sp>
       <p:pic>
         <p:nvPicPr>
-          <p:cNvPr id="13" name="Picture 12" descr="A picture containing text, screenshot, line, diagram&#10;&#10;Description automatically generated">
-            <a:extLst>
-              <a:ext uri="{FF2B5EF4-FFF2-40B4-BE49-F238E27FC236}">
-                <a16:creationId xmlns:a16="http://schemas.microsoft.com/office/drawing/2014/main" id="{5804D2A8-4A8E-9406-BA2D-B40A64A51AEA}"/>
+          <p:cNvPr id="7" name="Picture Placeholder 6">
+            <a:extLst>
+              <a:ext uri="{FF2B5EF4-FFF2-40B4-BE49-F238E27FC236}">
+                <a16:creationId xmlns:a16="http://schemas.microsoft.com/office/drawing/2014/main" id="{DC9040EC-9B0D-F20A-1EE2-897E9466E517}"/>
               </a:ext>
             </a:extLst>
           </p:cNvPr>
           <p:cNvPicPr>
-            <a:picLocks noChangeAspect="1"/>
+            <a:picLocks noGrp="1" noChangeAspect="1"/>
           </p:cNvPicPr>
-          <p:nvPr/>
+          <p:nvPr>
+            <p:ph type="pic" idx="1"/>
+          </p:nvPr>
         </p:nvPicPr>
-        <p:blipFill rotWithShape="1">
+        <p:blipFill>
           <a:blip r:embed="rId2">
             <a:extLst>
               <a:ext uri="{28A0092B-C50C-407E-A947-70E740481C1C}">
@@ -10662,25 +11315,17 @@
               </a:ext>
             </a:extLst>
           </a:blip>
-          <a:srcRect r="13681" b="1025"/>
+          <a:srcRect t="1420" b="1420"/>
           <a:stretch/>
         </p:blipFill>
-        <p:spPr>
-          <a:xfrm>
-            <a:off x="4391584" y="1006671"/>
-            <a:ext cx="7663844" cy="4862945"/>
-          </a:xfrm>
-          <a:prstGeom prst="rect">
-            <a:avLst/>
-          </a:prstGeom>
-        </p:spPr>
+        <p:spPr/>
       </p:pic>
       <p:sp>
         <p:nvSpPr>
-          <p:cNvPr id="14" name="Titolo 1">
-            <a:extLst>
-              <a:ext uri="{FF2B5EF4-FFF2-40B4-BE49-F238E27FC236}">
-                <a16:creationId xmlns:a16="http://schemas.microsoft.com/office/drawing/2014/main" id="{7FDBCCB5-F0AF-580B-2F09-898B232B7B66}"/>
+          <p:cNvPr id="3" name="Titolo 1">
+            <a:extLst>
+              <a:ext uri="{FF2B5EF4-FFF2-40B4-BE49-F238E27FC236}">
+                <a16:creationId xmlns:a16="http://schemas.microsoft.com/office/drawing/2014/main" id="{894DEC22-82C4-39CE-2ED7-76DCA11066CA}"/>
               </a:ext>
             </a:extLst>
           </p:cNvPr>
@@ -10724,15 +11369,62 @@
           <a:p>
             <a:r>
               <a:rPr lang="it-IT" dirty="0"/>
-              <a:t>Results with Shadow on a single String</a:t>
+              <a:t>Results without Shadow - 3</a:t>
             </a:r>
+          </a:p>
+        </p:txBody>
+      </p:sp>
+      <p:sp>
+        <p:nvSpPr>
+          <p:cNvPr id="4" name="Oval 3">
+            <a:extLst>
+              <a:ext uri="{FF2B5EF4-FFF2-40B4-BE49-F238E27FC236}">
+                <a16:creationId xmlns:a16="http://schemas.microsoft.com/office/drawing/2014/main" id="{78E2571A-B5F3-C198-21C9-94757DB5E499}"/>
+              </a:ext>
+            </a:extLst>
+          </p:cNvPr>
+          <p:cNvSpPr/>
+          <p:nvPr/>
+        </p:nvSpPr>
+        <p:spPr>
+          <a:xfrm>
+            <a:off x="6838122" y="4803913"/>
+            <a:ext cx="483704" cy="450574"/>
+          </a:xfrm>
+          <a:prstGeom prst="ellipse">
+            <a:avLst/>
+          </a:prstGeom>
+          <a:noFill/>
+        </p:spPr>
+        <p:style>
+          <a:lnRef idx="2">
+            <a:schemeClr val="accent1">
+              <a:shade val="50000"/>
+            </a:schemeClr>
+          </a:lnRef>
+          <a:fillRef idx="1">
+            <a:schemeClr val="accent1"/>
+          </a:fillRef>
+          <a:effectRef idx="0">
+            <a:schemeClr val="accent1"/>
+          </a:effectRef>
+          <a:fontRef idx="minor">
+            <a:schemeClr val="lt1"/>
+          </a:fontRef>
+        </p:style>
+        <p:txBody>
+          <a:bodyPr rtlCol="0" anchor="ctr"/>
+          <a:lstStyle/>
+          <a:p>
+            <a:pPr algn="ctr"/>
+            <a:endParaRPr lang="it-IT"/>
           </a:p>
         </p:txBody>
       </p:sp>
     </p:spTree>
     <p:extLst>
       <p:ext uri="{BB962C8B-B14F-4D97-AF65-F5344CB8AC3E}">
-        <p14:creationId xmlns:p14="http://schemas.microsoft.com/office/powerpoint/2010/main" val="4073231250"/>
+        <p14:creationId xmlns:p14="http://schemas.microsoft.com/office/powerpoint/2010/main" val="2065435327"/>
       </p:ext>
     </p:extLst>
   </p:cSld>
@@ -10794,14 +11486,7 @@
           <a:p>
             <a:r>
               <a:rPr lang="it-IT" dirty="0"/>
-              <a:t>The Series </a:t>
-            </a:r>
-            <a:br>
-              <a:rPr lang="it-IT" dirty="0"/>
-            </a:br>
-            <a:r>
-              <a:rPr lang="it-IT" dirty="0"/>
-              <a:t>I-V Curve</a:t>
+              <a:t>The P-V curve for the critical points</a:t>
             </a:r>
           </a:p>
         </p:txBody>
@@ -10825,55 +11510,24 @@
         <p:spPr/>
         <p:txBody>
           <a:bodyPr>
-            <a:normAutofit fontScale="77500" lnSpcReduction="20000"/>
+            <a:normAutofit/>
           </a:bodyPr>
           <a:lstStyle/>
           <a:p>
             <a:r>
               <a:rPr lang="en-US" dirty="0"/>
-              <a:t>The I-V (current-voltage) curve for a series of PV (photovoltaic) panels represents the relationship between the current and voltage outputs when multiple panels are connected in a series configuration. It helps assess the combined performance and power generation of the interconnected panels.</a:t>
+              <a:t>At every hour, optimization is calculated, and therefore we can also construct the individual P-V curve for each optimization to display the chosen peak.</a:t>
             </a:r>
             <a:endParaRPr lang="it-IT" dirty="0"/>
           </a:p>
         </p:txBody>
       </p:sp>
-      <p:pic>
-        <p:nvPicPr>
-          <p:cNvPr id="16" name="Picture Placeholder 15" descr="A picture containing text, diagram, line, parallel&#10;&#10;Description automatically generated">
-            <a:extLst>
-              <a:ext uri="{FF2B5EF4-FFF2-40B4-BE49-F238E27FC236}">
-                <a16:creationId xmlns:a16="http://schemas.microsoft.com/office/drawing/2014/main" id="{657F0810-455A-B29A-AE7B-75DBEA8819E6}"/>
-              </a:ext>
-            </a:extLst>
-          </p:cNvPr>
-          <p:cNvPicPr>
-            <a:picLocks noGrp="1" noChangeAspect="1"/>
-          </p:cNvPicPr>
-          <p:nvPr>
-            <p:ph type="pic" idx="1"/>
-          </p:nvPr>
-        </p:nvPicPr>
-        <p:blipFill>
-          <a:blip r:embed="rId2">
-            <a:extLst>
-              <a:ext uri="{28A0092B-C50C-407E-A947-70E740481C1C}">
-                <a14:useLocalDpi xmlns:a14="http://schemas.microsoft.com/office/drawing/2010/main" val="0"/>
-              </a:ext>
-            </a:extLst>
-          </a:blip>
-          <a:srcRect t="2545" b="2545"/>
-          <a:stretch>
-            <a:fillRect/>
-          </a:stretch>
-        </p:blipFill>
-        <p:spPr/>
-      </p:pic>
-      <p:sp>
-        <p:nvSpPr>
-          <p:cNvPr id="18" name="Titolo 1">
-            <a:extLst>
-              <a:ext uri="{FF2B5EF4-FFF2-40B4-BE49-F238E27FC236}">
-                <a16:creationId xmlns:a16="http://schemas.microsoft.com/office/drawing/2014/main" id="{6C9844C5-77BF-0274-9F47-9E1AB948A139}"/>
+      <p:sp>
+        <p:nvSpPr>
+          <p:cNvPr id="3" name="Titolo 1">
+            <a:extLst>
+              <a:ext uri="{FF2B5EF4-FFF2-40B4-BE49-F238E27FC236}">
+                <a16:creationId xmlns:a16="http://schemas.microsoft.com/office/drawing/2014/main" id="{894DEC22-82C4-39CE-2ED7-76DCA11066CA}"/>
               </a:ext>
             </a:extLst>
           </p:cNvPr>
@@ -10917,15 +11571,139 @@
           <a:p>
             <a:r>
               <a:rPr lang="it-IT" dirty="0"/>
-              <a:t>Results with Shadow on a single String</a:t>
+              <a:t>Results without Shadow - 4</a:t>
             </a:r>
+          </a:p>
+        </p:txBody>
+      </p:sp>
+      <p:pic>
+        <p:nvPicPr>
+          <p:cNvPr id="9" name="Picture Placeholder 8" descr="A picture containing text, line, plot, diagram&#10;&#10;Description automatically generated">
+            <a:extLst>
+              <a:ext uri="{FF2B5EF4-FFF2-40B4-BE49-F238E27FC236}">
+                <a16:creationId xmlns:a16="http://schemas.microsoft.com/office/drawing/2014/main" id="{80326B3B-2AB2-FD30-463A-BE6FCD450BB3}"/>
+              </a:ext>
+            </a:extLst>
+          </p:cNvPr>
+          <p:cNvPicPr>
+            <a:picLocks noGrp="1" noChangeAspect="1"/>
+          </p:cNvPicPr>
+          <p:nvPr>
+            <p:ph type="pic" idx="1"/>
+          </p:nvPr>
+        </p:nvPicPr>
+        <p:blipFill>
+          <a:blip r:embed="rId2">
+            <a:extLst>
+              <a:ext uri="{28A0092B-C50C-407E-A947-70E740481C1C}">
+                <a14:useLocalDpi xmlns:a14="http://schemas.microsoft.com/office/drawing/2010/main" val="0"/>
+              </a:ext>
+            </a:extLst>
+          </a:blip>
+          <a:srcRect t="2996" b="2996"/>
+          <a:stretch>
+            <a:fillRect/>
+          </a:stretch>
+        </p:blipFill>
+        <p:spPr/>
+      </p:pic>
+      <p:sp>
+        <p:nvSpPr>
+          <p:cNvPr id="6" name="Oval 5">
+            <a:extLst>
+              <a:ext uri="{FF2B5EF4-FFF2-40B4-BE49-F238E27FC236}">
+                <a16:creationId xmlns:a16="http://schemas.microsoft.com/office/drawing/2014/main" id="{A53E880D-3C57-9AF7-11C1-D366E7E66C04}"/>
+              </a:ext>
+            </a:extLst>
+          </p:cNvPr>
+          <p:cNvSpPr/>
+          <p:nvPr/>
+        </p:nvSpPr>
+        <p:spPr>
+          <a:xfrm>
+            <a:off x="5276448" y="639285"/>
+            <a:ext cx="6107472" cy="5689158"/>
+          </a:xfrm>
+          <a:prstGeom prst="ellipse">
+            <a:avLst/>
+          </a:prstGeom>
+          <a:noFill/>
+        </p:spPr>
+        <p:style>
+          <a:lnRef idx="2">
+            <a:schemeClr val="accent1">
+              <a:shade val="50000"/>
+            </a:schemeClr>
+          </a:lnRef>
+          <a:fillRef idx="1">
+            <a:schemeClr val="accent1"/>
+          </a:fillRef>
+          <a:effectRef idx="0">
+            <a:schemeClr val="accent1"/>
+          </a:effectRef>
+          <a:fontRef idx="minor">
+            <a:schemeClr val="lt1"/>
+          </a:fontRef>
+        </p:style>
+        <p:txBody>
+          <a:bodyPr rtlCol="0" anchor="ctr"/>
+          <a:lstStyle/>
+          <a:p>
+            <a:pPr algn="ctr"/>
+            <a:endParaRPr lang="it-IT"/>
+          </a:p>
+        </p:txBody>
+      </p:sp>
+      <p:sp>
+        <p:nvSpPr>
+          <p:cNvPr id="5" name="Star: 5 Points 4">
+            <a:extLst>
+              <a:ext uri="{FF2B5EF4-FFF2-40B4-BE49-F238E27FC236}">
+                <a16:creationId xmlns:a16="http://schemas.microsoft.com/office/drawing/2014/main" id="{F3DAD4F2-9134-204E-81C9-7093D3F80E03}"/>
+              </a:ext>
+            </a:extLst>
+          </p:cNvPr>
+          <p:cNvSpPr/>
+          <p:nvPr/>
+        </p:nvSpPr>
+        <p:spPr>
+          <a:xfrm>
+            <a:off x="10420350" y="1707988"/>
+            <a:ext cx="129540" cy="114300"/>
+          </a:xfrm>
+          <a:prstGeom prst="star5">
+            <a:avLst/>
+          </a:prstGeom>
+        </p:spPr>
+        <p:style>
+          <a:lnRef idx="2">
+            <a:schemeClr val="accent1">
+              <a:shade val="50000"/>
+            </a:schemeClr>
+          </a:lnRef>
+          <a:fillRef idx="1">
+            <a:schemeClr val="accent1"/>
+          </a:fillRef>
+          <a:effectRef idx="0">
+            <a:schemeClr val="accent1"/>
+          </a:effectRef>
+          <a:fontRef idx="minor">
+            <a:schemeClr val="lt1"/>
+          </a:fontRef>
+        </p:style>
+        <p:txBody>
+          <a:bodyPr rtlCol="0" anchor="ctr"/>
+          <a:lstStyle/>
+          <a:p>
+            <a:pPr algn="ctr"/>
+            <a:endParaRPr lang="it-IT"/>
           </a:p>
         </p:txBody>
       </p:sp>
     </p:spTree>
     <p:extLst>
       <p:ext uri="{BB962C8B-B14F-4D97-AF65-F5344CB8AC3E}">
-        <p14:creationId xmlns:p14="http://schemas.microsoft.com/office/powerpoint/2010/main" val="3877085674"/>
+        <p14:creationId xmlns:p14="http://schemas.microsoft.com/office/powerpoint/2010/main" val="15648013"/>
       </p:ext>
     </p:extLst>
   </p:cSld>
@@ -10964,87 +11742,19 @@
           <a:chExt cx="0" cy="0"/>
         </a:xfrm>
       </p:grpSpPr>
-      <p:sp>
-        <p:nvSpPr>
-          <p:cNvPr id="2" name="Title 1">
-            <a:extLst>
-              <a:ext uri="{FF2B5EF4-FFF2-40B4-BE49-F238E27FC236}">
-                <a16:creationId xmlns:a16="http://schemas.microsoft.com/office/drawing/2014/main" id="{D76A055C-76FC-6350-F961-8BD0E9393EA8}"/>
-              </a:ext>
-            </a:extLst>
-          </p:cNvPr>
-          <p:cNvSpPr>
-            <a:spLocks noGrp="1"/>
-          </p:cNvSpPr>
-          <p:nvPr>
-            <p:ph type="title"/>
-          </p:nvPr>
-        </p:nvSpPr>
-        <p:spPr/>
-        <p:txBody>
-          <a:bodyPr/>
-          <a:lstStyle/>
-          <a:p>
-            <a:r>
-              <a:rPr lang="it-IT" dirty="0"/>
-              <a:t>The Parallel </a:t>
-            </a:r>
-            <a:br>
-              <a:rPr lang="it-IT" dirty="0"/>
-            </a:br>
-            <a:r>
-              <a:rPr lang="it-IT" dirty="0"/>
-              <a:t>Power curve</a:t>
-            </a:r>
-          </a:p>
-        </p:txBody>
-      </p:sp>
-      <p:sp>
-        <p:nvSpPr>
-          <p:cNvPr id="11" name="Text Placeholder 10">
-            <a:extLst>
-              <a:ext uri="{FF2B5EF4-FFF2-40B4-BE49-F238E27FC236}">
-                <a16:creationId xmlns:a16="http://schemas.microsoft.com/office/drawing/2014/main" id="{0498C140-7BC8-AB23-BB2A-D69FE20058B4}"/>
-              </a:ext>
-            </a:extLst>
-          </p:cNvPr>
-          <p:cNvSpPr>
-            <a:spLocks noGrp="1"/>
-          </p:cNvSpPr>
-          <p:nvPr>
-            <p:ph type="body" sz="half" idx="2"/>
-          </p:nvPr>
-        </p:nvSpPr>
-        <p:spPr/>
-        <p:txBody>
-          <a:bodyPr>
-            <a:normAutofit fontScale="77500" lnSpcReduction="20000"/>
-          </a:bodyPr>
-          <a:lstStyle/>
-          <a:p>
-            <a:r>
-              <a:rPr lang="en-US" dirty="0"/>
-              <a:t>A parallel configuration of PV (photovoltaic) panels involves connecting multiple panels side by side, with their positive terminals connected together and negative terminals connected together. This setup increases the overall current output while maintaining the same voltage level, resulting in higher power generation capacity.</a:t>
-            </a:r>
-            <a:endParaRPr lang="it-IT" dirty="0"/>
-          </a:p>
-        </p:txBody>
-      </p:sp>
       <p:pic>
         <p:nvPicPr>
-          <p:cNvPr id="7" name="Picture Placeholder 6" descr="A picture containing diagram, text, plot, line&#10;&#10;Description automatically generated">
-            <a:extLst>
-              <a:ext uri="{FF2B5EF4-FFF2-40B4-BE49-F238E27FC236}">
-                <a16:creationId xmlns:a16="http://schemas.microsoft.com/office/drawing/2014/main" id="{DC9040EC-9B0D-F20A-1EE2-897E9466E517}"/>
+          <p:cNvPr id="23" name="Picture 22" descr="A picture containing text, diagram, line, plot&#10;&#10;Description automatically generated">
+            <a:extLst>
+              <a:ext uri="{FF2B5EF4-FFF2-40B4-BE49-F238E27FC236}">
+                <a16:creationId xmlns:a16="http://schemas.microsoft.com/office/drawing/2014/main" id="{03A730C2-4E10-CB5A-EEBF-D9BD7A899556}"/>
               </a:ext>
             </a:extLst>
           </p:cNvPr>
           <p:cNvPicPr>
-            <a:picLocks noGrp="1" noChangeAspect="1"/>
+            <a:picLocks noChangeAspect="1"/>
           </p:cNvPicPr>
-          <p:nvPr>
-            <p:ph type="pic" idx="1"/>
-          </p:nvPr>
+          <p:nvPr/>
         </p:nvPicPr>
         <p:blipFill>
           <a:blip r:embed="rId2">
@@ -11054,19 +11764,253 @@
               </a:ext>
             </a:extLst>
           </a:blip>
-          <a:srcRect t="4742" b="4742"/>
           <a:stretch>
             <a:fillRect/>
           </a:stretch>
         </p:blipFill>
-        <p:spPr/>
+        <p:spPr>
+          <a:xfrm>
+            <a:off x="590718" y="907748"/>
+            <a:ext cx="3214366" cy="5653963"/>
+          </a:xfrm>
+          <a:prstGeom prst="rect">
+            <a:avLst/>
+          </a:prstGeom>
+        </p:spPr>
       </p:pic>
-      <p:sp>
-        <p:nvSpPr>
-          <p:cNvPr id="9" name="Titolo 1">
-            <a:extLst>
-              <a:ext uri="{FF2B5EF4-FFF2-40B4-BE49-F238E27FC236}">
-                <a16:creationId xmlns:a16="http://schemas.microsoft.com/office/drawing/2014/main" id="{4C307A12-FEAC-C0EB-E9D0-974926DCD98D}"/>
+      <p:pic>
+        <p:nvPicPr>
+          <p:cNvPr id="25" name="Picture 24" descr="A picture containing diagram, text, line, plot&#10;&#10;Description automatically generated">
+            <a:extLst>
+              <a:ext uri="{FF2B5EF4-FFF2-40B4-BE49-F238E27FC236}">
+                <a16:creationId xmlns:a16="http://schemas.microsoft.com/office/drawing/2014/main" id="{1E488608-F7E0-6ABA-61DC-5C33755BE077}"/>
+              </a:ext>
+            </a:extLst>
+          </p:cNvPr>
+          <p:cNvPicPr>
+            <a:picLocks noChangeAspect="1"/>
+          </p:cNvPicPr>
+          <p:nvPr/>
+        </p:nvPicPr>
+        <p:blipFill>
+          <a:blip r:embed="rId3">
+            <a:extLst>
+              <a:ext uri="{28A0092B-C50C-407E-A947-70E740481C1C}">
+                <a14:useLocalDpi xmlns:a14="http://schemas.microsoft.com/office/drawing/2010/main" val="0"/>
+              </a:ext>
+            </a:extLst>
+          </a:blip>
+          <a:stretch>
+            <a:fillRect/>
+          </a:stretch>
+        </p:blipFill>
+        <p:spPr>
+          <a:xfrm>
+            <a:off x="4414404" y="872836"/>
+            <a:ext cx="3402520" cy="5688875"/>
+          </a:xfrm>
+          <a:prstGeom prst="rect">
+            <a:avLst/>
+          </a:prstGeom>
+        </p:spPr>
+      </p:pic>
+      <p:pic>
+        <p:nvPicPr>
+          <p:cNvPr id="26" name="Picture 25" descr="A picture containing diagram, text, line, plot&#10;&#10;Description automatically generated">
+            <a:extLst>
+              <a:ext uri="{FF2B5EF4-FFF2-40B4-BE49-F238E27FC236}">
+                <a16:creationId xmlns:a16="http://schemas.microsoft.com/office/drawing/2014/main" id="{7EB6FD3D-FAAF-487D-A173-1A420D4D009D}"/>
+              </a:ext>
+            </a:extLst>
+          </p:cNvPr>
+          <p:cNvPicPr>
+            <a:picLocks noChangeAspect="1"/>
+          </p:cNvPicPr>
+          <p:nvPr/>
+        </p:nvPicPr>
+        <p:blipFill rotWithShape="1">
+          <a:blip r:embed="rId3">
+            <a:extLst>
+              <a:ext uri="{28A0092B-C50C-407E-A947-70E740481C1C}">
+                <a14:useLocalDpi xmlns:a14="http://schemas.microsoft.com/office/drawing/2010/main" val="0"/>
+              </a:ext>
+            </a:extLst>
+          </a:blip>
+          <a:srcRect l="-13004" r="1"/>
+          <a:stretch/>
+        </p:blipFill>
+        <p:spPr>
+          <a:xfrm>
+            <a:off x="7944466" y="872836"/>
+            <a:ext cx="3844972" cy="5688875"/>
+          </a:xfrm>
+          <a:prstGeom prst="rect">
+            <a:avLst/>
+          </a:prstGeom>
+        </p:spPr>
+      </p:pic>
+      <p:sp>
+        <p:nvSpPr>
+          <p:cNvPr id="27" name="Rectangle 26">
+            <a:extLst>
+              <a:ext uri="{FF2B5EF4-FFF2-40B4-BE49-F238E27FC236}">
+                <a16:creationId xmlns:a16="http://schemas.microsoft.com/office/drawing/2014/main" id="{2B7ACBFF-6871-1849-3D91-ABA83E2082BF}"/>
+              </a:ext>
+            </a:extLst>
+          </p:cNvPr>
+          <p:cNvSpPr/>
+          <p:nvPr/>
+        </p:nvSpPr>
+        <p:spPr>
+          <a:xfrm>
+            <a:off x="442452" y="3893574"/>
+            <a:ext cx="190008" cy="1533832"/>
+          </a:xfrm>
+          <a:prstGeom prst="rect">
+            <a:avLst/>
+          </a:prstGeom>
+          <a:solidFill>
+            <a:schemeClr val="bg1"/>
+          </a:solidFill>
+          <a:ln>
+            <a:noFill/>
+          </a:ln>
+        </p:spPr>
+        <p:style>
+          <a:lnRef idx="2">
+            <a:schemeClr val="accent1">
+              <a:shade val="50000"/>
+            </a:schemeClr>
+          </a:lnRef>
+          <a:fillRef idx="1">
+            <a:schemeClr val="accent1"/>
+          </a:fillRef>
+          <a:effectRef idx="0">
+            <a:schemeClr val="accent1"/>
+          </a:effectRef>
+          <a:fontRef idx="minor">
+            <a:schemeClr val="lt1"/>
+          </a:fontRef>
+        </p:style>
+        <p:txBody>
+          <a:bodyPr rtlCol="0" anchor="ctr"/>
+          <a:lstStyle/>
+          <a:p>
+            <a:pPr algn="ctr"/>
+            <a:endParaRPr lang="it-IT"/>
+          </a:p>
+        </p:txBody>
+      </p:sp>
+      <p:sp>
+        <p:nvSpPr>
+          <p:cNvPr id="28" name="Rectangle 27">
+            <a:extLst>
+              <a:ext uri="{FF2B5EF4-FFF2-40B4-BE49-F238E27FC236}">
+                <a16:creationId xmlns:a16="http://schemas.microsoft.com/office/drawing/2014/main" id="{437B65F3-B273-69D6-3A11-8A13C514E378}"/>
+              </a:ext>
+            </a:extLst>
+          </p:cNvPr>
+          <p:cNvSpPr/>
+          <p:nvPr/>
+        </p:nvSpPr>
+        <p:spPr>
+          <a:xfrm>
+            <a:off x="4267068" y="4186182"/>
+            <a:ext cx="190008" cy="1533832"/>
+          </a:xfrm>
+          <a:prstGeom prst="rect">
+            <a:avLst/>
+          </a:prstGeom>
+          <a:solidFill>
+            <a:schemeClr val="bg1"/>
+          </a:solidFill>
+          <a:ln>
+            <a:noFill/>
+          </a:ln>
+        </p:spPr>
+        <p:style>
+          <a:lnRef idx="2">
+            <a:schemeClr val="accent1">
+              <a:shade val="50000"/>
+            </a:schemeClr>
+          </a:lnRef>
+          <a:fillRef idx="1">
+            <a:schemeClr val="accent1"/>
+          </a:fillRef>
+          <a:effectRef idx="0">
+            <a:schemeClr val="accent1"/>
+          </a:effectRef>
+          <a:fontRef idx="minor">
+            <a:schemeClr val="lt1"/>
+          </a:fontRef>
+        </p:style>
+        <p:txBody>
+          <a:bodyPr rtlCol="0" anchor="ctr"/>
+          <a:lstStyle/>
+          <a:p>
+            <a:pPr algn="ctr"/>
+            <a:endParaRPr lang="it-IT" dirty="0"/>
+          </a:p>
+        </p:txBody>
+      </p:sp>
+      <p:sp>
+        <p:nvSpPr>
+          <p:cNvPr id="29" name="Rectangle 28">
+            <a:extLst>
+              <a:ext uri="{FF2B5EF4-FFF2-40B4-BE49-F238E27FC236}">
+                <a16:creationId xmlns:a16="http://schemas.microsoft.com/office/drawing/2014/main" id="{ED644828-D220-44BD-C518-477111390944}"/>
+              </a:ext>
+            </a:extLst>
+          </p:cNvPr>
+          <p:cNvSpPr/>
+          <p:nvPr/>
+        </p:nvSpPr>
+        <p:spPr>
+          <a:xfrm>
+            <a:off x="8245332" y="4186182"/>
+            <a:ext cx="190008" cy="1533832"/>
+          </a:xfrm>
+          <a:prstGeom prst="rect">
+            <a:avLst/>
+          </a:prstGeom>
+          <a:solidFill>
+            <a:schemeClr val="bg1"/>
+          </a:solidFill>
+          <a:ln>
+            <a:noFill/>
+          </a:ln>
+        </p:spPr>
+        <p:style>
+          <a:lnRef idx="2">
+            <a:schemeClr val="accent1">
+              <a:shade val="50000"/>
+            </a:schemeClr>
+          </a:lnRef>
+          <a:fillRef idx="1">
+            <a:schemeClr val="accent1"/>
+          </a:fillRef>
+          <a:effectRef idx="0">
+            <a:schemeClr val="accent1"/>
+          </a:effectRef>
+          <a:fontRef idx="minor">
+            <a:schemeClr val="lt1"/>
+          </a:fontRef>
+        </p:style>
+        <p:txBody>
+          <a:bodyPr rtlCol="0" anchor="ctr"/>
+          <a:lstStyle/>
+          <a:p>
+            <a:pPr algn="ctr"/>
+            <a:endParaRPr lang="it-IT"/>
+          </a:p>
+        </p:txBody>
+      </p:sp>
+      <p:sp>
+        <p:nvSpPr>
+          <p:cNvPr id="30" name="Titolo 1">
+            <a:extLst>
+              <a:ext uri="{FF2B5EF4-FFF2-40B4-BE49-F238E27FC236}">
+                <a16:creationId xmlns:a16="http://schemas.microsoft.com/office/drawing/2014/main" id="{2DF3C9FD-17B3-BA06-3EDF-3B511737C134}"/>
               </a:ext>
             </a:extLst>
           </p:cNvPr>
@@ -11110,15 +12054,264 @@
           <a:p>
             <a:r>
               <a:rPr lang="it-IT" dirty="0"/>
-              <a:t>Results with Shadow on a single String</a:t>
+              <a:t>Results with Shadow on a single String - 1</a:t>
             </a:r>
+          </a:p>
+        </p:txBody>
+      </p:sp>
+      <p:sp>
+        <p:nvSpPr>
+          <p:cNvPr id="32" name="TextBox 31">
+            <a:extLst>
+              <a:ext uri="{FF2B5EF4-FFF2-40B4-BE49-F238E27FC236}">
+                <a16:creationId xmlns:a16="http://schemas.microsoft.com/office/drawing/2014/main" id="{1A587C66-4869-78AF-FA77-C7AA75E79DE4}"/>
+              </a:ext>
+            </a:extLst>
+          </p:cNvPr>
+          <p:cNvSpPr txBox="1"/>
+          <p:nvPr/>
+        </p:nvSpPr>
+        <p:spPr>
+          <a:xfrm rot="16200000">
+            <a:off x="-30668" y="4609401"/>
+            <a:ext cx="1061883" cy="215444"/>
+          </a:xfrm>
+          <a:prstGeom prst="rect">
+            <a:avLst/>
+          </a:prstGeom>
+          <a:noFill/>
+        </p:spPr>
+        <p:txBody>
+          <a:bodyPr wrap="square" rtlCol="0">
+            <a:spAutoFit/>
+          </a:bodyPr>
+          <a:lstStyle/>
+          <a:p>
+            <a:r>
+              <a:rPr lang="it-IT" sz="800" dirty="0"/>
+              <a:t>String Ampere [A]</a:t>
+            </a:r>
+          </a:p>
+        </p:txBody>
+      </p:sp>
+      <p:sp>
+        <p:nvSpPr>
+          <p:cNvPr id="34" name="TextBox 33">
+            <a:extLst>
+              <a:ext uri="{FF2B5EF4-FFF2-40B4-BE49-F238E27FC236}">
+                <a16:creationId xmlns:a16="http://schemas.microsoft.com/office/drawing/2014/main" id="{780283F6-7C4F-E3B8-F0A9-771945C90790}"/>
+              </a:ext>
+            </a:extLst>
+          </p:cNvPr>
+          <p:cNvSpPr txBox="1"/>
+          <p:nvPr/>
+        </p:nvSpPr>
+        <p:spPr>
+          <a:xfrm rot="16200000">
+            <a:off x="3723409" y="4609402"/>
+            <a:ext cx="1061883" cy="215444"/>
+          </a:xfrm>
+          <a:prstGeom prst="rect">
+            <a:avLst/>
+          </a:prstGeom>
+          <a:noFill/>
+        </p:spPr>
+        <p:txBody>
+          <a:bodyPr wrap="square" rtlCol="0">
+            <a:spAutoFit/>
+          </a:bodyPr>
+          <a:lstStyle/>
+          <a:p>
+            <a:r>
+              <a:rPr lang="it-IT" sz="800" dirty="0"/>
+              <a:t>String Ampere [A]</a:t>
+            </a:r>
+          </a:p>
+        </p:txBody>
+      </p:sp>
+      <p:sp>
+        <p:nvSpPr>
+          <p:cNvPr id="36" name="TextBox 35">
+            <a:extLst>
+              <a:ext uri="{FF2B5EF4-FFF2-40B4-BE49-F238E27FC236}">
+                <a16:creationId xmlns:a16="http://schemas.microsoft.com/office/drawing/2014/main" id="{1750853C-9C1E-31CA-E0C6-2DEBC9CB9860}"/>
+              </a:ext>
+            </a:extLst>
+          </p:cNvPr>
+          <p:cNvSpPr txBox="1"/>
+          <p:nvPr/>
+        </p:nvSpPr>
+        <p:spPr>
+          <a:xfrm rot="16200000">
+            <a:off x="7714391" y="4609402"/>
+            <a:ext cx="1061883" cy="215444"/>
+          </a:xfrm>
+          <a:prstGeom prst="rect">
+            <a:avLst/>
+          </a:prstGeom>
+          <a:noFill/>
+        </p:spPr>
+        <p:txBody>
+          <a:bodyPr wrap="square" rtlCol="0">
+            <a:spAutoFit/>
+          </a:bodyPr>
+          <a:lstStyle/>
+          <a:p>
+            <a:r>
+              <a:rPr lang="it-IT" sz="800" dirty="0"/>
+              <a:t>String Ampere [A]</a:t>
+            </a:r>
+          </a:p>
+        </p:txBody>
+      </p:sp>
+      <p:sp>
+        <p:nvSpPr>
+          <p:cNvPr id="38" name="Oval 37">
+            <a:extLst>
+              <a:ext uri="{FF2B5EF4-FFF2-40B4-BE49-F238E27FC236}">
+                <a16:creationId xmlns:a16="http://schemas.microsoft.com/office/drawing/2014/main" id="{83E06F55-3FE7-4182-194E-ED04A35AC85C}"/>
+              </a:ext>
+            </a:extLst>
+          </p:cNvPr>
+          <p:cNvSpPr/>
+          <p:nvPr/>
+        </p:nvSpPr>
+        <p:spPr>
+          <a:xfrm>
+            <a:off x="500273" y="872836"/>
+            <a:ext cx="600940" cy="623454"/>
+          </a:xfrm>
+          <a:prstGeom prst="ellipse">
+            <a:avLst/>
+          </a:prstGeom>
+          <a:noFill/>
+          <a:ln w="28575"/>
+        </p:spPr>
+        <p:style>
+          <a:lnRef idx="2">
+            <a:schemeClr val="accent1">
+              <a:shade val="50000"/>
+            </a:schemeClr>
+          </a:lnRef>
+          <a:fillRef idx="1">
+            <a:schemeClr val="accent1"/>
+          </a:fillRef>
+          <a:effectRef idx="0">
+            <a:schemeClr val="accent1"/>
+          </a:effectRef>
+          <a:fontRef idx="minor">
+            <a:schemeClr val="lt1"/>
+          </a:fontRef>
+        </p:style>
+        <p:txBody>
+          <a:bodyPr rtlCol="0" anchor="ctr"/>
+          <a:lstStyle/>
+          <a:p>
+            <a:pPr algn="ctr"/>
+            <a:endParaRPr lang="it-IT"/>
+          </a:p>
+        </p:txBody>
+      </p:sp>
+      <p:sp>
+        <p:nvSpPr>
+          <p:cNvPr id="40" name="Oval 39">
+            <a:extLst>
+              <a:ext uri="{FF2B5EF4-FFF2-40B4-BE49-F238E27FC236}">
+                <a16:creationId xmlns:a16="http://schemas.microsoft.com/office/drawing/2014/main" id="{0F1F58AB-BEBF-9C62-43CA-698B43A17447}"/>
+              </a:ext>
+            </a:extLst>
+          </p:cNvPr>
+          <p:cNvSpPr/>
+          <p:nvPr/>
+        </p:nvSpPr>
+        <p:spPr>
+          <a:xfrm>
+            <a:off x="4267068" y="873935"/>
+            <a:ext cx="600940" cy="623454"/>
+          </a:xfrm>
+          <a:prstGeom prst="ellipse">
+            <a:avLst/>
+          </a:prstGeom>
+          <a:noFill/>
+          <a:ln w="28575"/>
+        </p:spPr>
+        <p:style>
+          <a:lnRef idx="2">
+            <a:schemeClr val="accent1">
+              <a:shade val="50000"/>
+            </a:schemeClr>
+          </a:lnRef>
+          <a:fillRef idx="1">
+            <a:schemeClr val="accent1"/>
+          </a:fillRef>
+          <a:effectRef idx="0">
+            <a:schemeClr val="accent1"/>
+          </a:effectRef>
+          <a:fontRef idx="minor">
+            <a:schemeClr val="lt1"/>
+          </a:fontRef>
+        </p:style>
+        <p:txBody>
+          <a:bodyPr rtlCol="0" anchor="ctr"/>
+          <a:lstStyle/>
+          <a:p>
+            <a:pPr algn="ctr"/>
+            <a:endParaRPr lang="it-IT"/>
+          </a:p>
+        </p:txBody>
+      </p:sp>
+      <p:sp>
+        <p:nvSpPr>
+          <p:cNvPr id="48" name="Oval 47">
+            <a:extLst>
+              <a:ext uri="{FF2B5EF4-FFF2-40B4-BE49-F238E27FC236}">
+                <a16:creationId xmlns:a16="http://schemas.microsoft.com/office/drawing/2014/main" id="{C2EDB464-7B36-0BFB-29F8-7C59FBE1D8C1}"/>
+              </a:ext>
+            </a:extLst>
+          </p:cNvPr>
+          <p:cNvSpPr/>
+          <p:nvPr/>
+        </p:nvSpPr>
+        <p:spPr>
+          <a:xfrm>
+            <a:off x="8245332" y="866784"/>
+            <a:ext cx="600940" cy="623454"/>
+          </a:xfrm>
+          <a:prstGeom prst="ellipse">
+            <a:avLst/>
+          </a:prstGeom>
+          <a:noFill/>
+          <a:ln w="28575"/>
+        </p:spPr>
+        <p:style>
+          <a:lnRef idx="2">
+            <a:schemeClr val="accent1">
+              <a:shade val="50000"/>
+            </a:schemeClr>
+          </a:lnRef>
+          <a:fillRef idx="1">
+            <a:schemeClr val="accent1"/>
+          </a:fillRef>
+          <a:effectRef idx="0">
+            <a:schemeClr val="accent1"/>
+          </a:effectRef>
+          <a:fontRef idx="minor">
+            <a:schemeClr val="lt1"/>
+          </a:fontRef>
+        </p:style>
+        <p:txBody>
+          <a:bodyPr rtlCol="0" anchor="ctr"/>
+          <a:lstStyle/>
+          <a:p>
+            <a:pPr algn="ctr"/>
+            <a:endParaRPr lang="it-IT"/>
           </a:p>
         </p:txBody>
       </p:sp>
     </p:spTree>
     <p:extLst>
       <p:ext uri="{BB962C8B-B14F-4D97-AF65-F5344CB8AC3E}">
-        <p14:creationId xmlns:p14="http://schemas.microsoft.com/office/powerpoint/2010/main" val="3340515337"/>
+        <p14:creationId xmlns:p14="http://schemas.microsoft.com/office/powerpoint/2010/main" val="3877085674"/>
       </p:ext>
     </p:extLst>
   </p:cSld>
@@ -11141,582 +12334,6 @@
 </file>
 
 <file path=ppt/slides/slide17.xml><?xml version="1.0" encoding="utf-8"?>
-<p:sld xmlns:a="http://schemas.openxmlformats.org/drawingml/2006/main" xmlns:r="http://schemas.openxmlformats.org/officeDocument/2006/relationships" xmlns:p="http://schemas.openxmlformats.org/presentationml/2006/main">
-  <p:cSld>
-    <p:spTree>
-      <p:nvGrpSpPr>
-        <p:cNvPr id="1" name=""/>
-        <p:cNvGrpSpPr/>
-        <p:nvPr/>
-      </p:nvGrpSpPr>
-      <p:grpSpPr>
-        <a:xfrm>
-          <a:off x="0" y="0"/>
-          <a:ext cx="0" cy="0"/>
-          <a:chOff x="0" y="0"/>
-          <a:chExt cx="0" cy="0"/>
-        </a:xfrm>
-      </p:grpSpPr>
-      <p:sp>
-        <p:nvSpPr>
-          <p:cNvPr id="2" name="Title 1">
-            <a:extLst>
-              <a:ext uri="{FF2B5EF4-FFF2-40B4-BE49-F238E27FC236}">
-                <a16:creationId xmlns:a16="http://schemas.microsoft.com/office/drawing/2014/main" id="{C0C1A6D4-E0E2-258F-B5D2-BEFCEA4BFE29}"/>
-              </a:ext>
-            </a:extLst>
-          </p:cNvPr>
-          <p:cNvSpPr>
-            <a:spLocks noGrp="1"/>
-          </p:cNvSpPr>
-          <p:nvPr>
-            <p:ph type="title"/>
-          </p:nvPr>
-        </p:nvSpPr>
-        <p:spPr/>
-        <p:txBody>
-          <a:bodyPr/>
-          <a:lstStyle/>
-          <a:p>
-            <a:r>
-              <a:rPr lang="it-IT" dirty="0"/>
-              <a:t>I-V Curve for the PV</a:t>
-            </a:r>
-          </a:p>
-        </p:txBody>
-      </p:sp>
-      <p:sp>
-        <p:nvSpPr>
-          <p:cNvPr id="5" name="Text Placeholder 4">
-            <a:extLst>
-              <a:ext uri="{FF2B5EF4-FFF2-40B4-BE49-F238E27FC236}">
-                <a16:creationId xmlns:a16="http://schemas.microsoft.com/office/drawing/2014/main" id="{16145E4B-3CF8-D0D0-7C49-97AB03DF10D3}"/>
-              </a:ext>
-            </a:extLst>
-          </p:cNvPr>
-          <p:cNvSpPr>
-            <a:spLocks noGrp="1"/>
-          </p:cNvSpPr>
-          <p:nvPr>
-            <p:ph type="body" sz="half" idx="2"/>
-          </p:nvPr>
-        </p:nvSpPr>
-        <p:spPr/>
-        <p:txBody>
-          <a:bodyPr>
-            <a:normAutofit fontScale="85000" lnSpcReduction="20000"/>
-          </a:bodyPr>
-          <a:lstStyle/>
-          <a:p>
-            <a:r>
-              <a:rPr lang="en-US" dirty="0"/>
-              <a:t>The I-V (current-voltage) curve is a graphical representation that shows the relationship between the current and voltage outputs of a solar panel or any electronic device. It provides valuable information about the panel's performance, efficiency, and power generation capabilities.</a:t>
-            </a:r>
-            <a:endParaRPr lang="it-IT" dirty="0"/>
-          </a:p>
-        </p:txBody>
-      </p:sp>
-      <p:pic>
-        <p:nvPicPr>
-          <p:cNvPr id="13" name="Picture 12" descr="A picture containing text, screenshot, line, diagram&#10;&#10;Description automatically generated">
-            <a:extLst>
-              <a:ext uri="{FF2B5EF4-FFF2-40B4-BE49-F238E27FC236}">
-                <a16:creationId xmlns:a16="http://schemas.microsoft.com/office/drawing/2014/main" id="{5804D2A8-4A8E-9406-BA2D-B40A64A51AEA}"/>
-              </a:ext>
-            </a:extLst>
-          </p:cNvPr>
-          <p:cNvPicPr>
-            <a:picLocks noChangeAspect="1"/>
-          </p:cNvPicPr>
-          <p:nvPr/>
-        </p:nvPicPr>
-        <p:blipFill rotWithShape="1">
-          <a:blip r:embed="rId2">
-            <a:extLst>
-              <a:ext uri="{28A0092B-C50C-407E-A947-70E740481C1C}">
-                <a14:useLocalDpi xmlns:a14="http://schemas.microsoft.com/office/drawing/2010/main" val="0"/>
-              </a:ext>
-            </a:extLst>
-          </a:blip>
-          <a:srcRect r="13681" b="1025"/>
-          <a:stretch/>
-        </p:blipFill>
-        <p:spPr>
-          <a:xfrm>
-            <a:off x="4391584" y="1006671"/>
-            <a:ext cx="7663844" cy="4862945"/>
-          </a:xfrm>
-          <a:prstGeom prst="rect">
-            <a:avLst/>
-          </a:prstGeom>
-        </p:spPr>
-      </p:pic>
-      <p:sp>
-        <p:nvSpPr>
-          <p:cNvPr id="14" name="Titolo 1">
-            <a:extLst>
-              <a:ext uri="{FF2B5EF4-FFF2-40B4-BE49-F238E27FC236}">
-                <a16:creationId xmlns:a16="http://schemas.microsoft.com/office/drawing/2014/main" id="{7FDBCCB5-F0AF-580B-2F09-898B232B7B66}"/>
-              </a:ext>
-            </a:extLst>
-          </p:cNvPr>
-          <p:cNvSpPr txBox="1">
-            <a:spLocks/>
-          </p:cNvSpPr>
-          <p:nvPr/>
-        </p:nvSpPr>
-        <p:spPr>
-          <a:xfrm>
-            <a:off x="616804" y="249382"/>
-            <a:ext cx="10996076" cy="623454"/>
-          </a:xfrm>
-          <a:prstGeom prst="rect">
-            <a:avLst/>
-          </a:prstGeom>
-        </p:spPr>
-        <p:txBody>
-          <a:bodyPr lIns="91440" tIns="45720" rIns="91440" bIns="45720" anchor="t">
-            <a:normAutofit fontScale="92500"/>
-          </a:bodyPr>
-          <a:lstStyle>
-            <a:lvl1pPr algn="l" defTabSz="914400" rtl="0" eaLnBrk="1" latinLnBrk="0" hangingPunct="1">
-              <a:lnSpc>
-                <a:spcPct val="100000"/>
-              </a:lnSpc>
-              <a:spcBef>
-                <a:spcPct val="0"/>
-              </a:spcBef>
-              <a:buNone/>
-              <a:defRPr sz="3400" b="1" kern="1200">
-                <a:solidFill>
-                  <a:schemeClr val="tx1"/>
-                </a:solidFill>
-                <a:latin typeface="+mj-lt"/>
-                <a:ea typeface="+mj-ea"/>
-                <a:cs typeface="+mj-cs"/>
-              </a:defRPr>
-            </a:lvl1pPr>
-          </a:lstStyle>
-          <a:p>
-            <a:r>
-              <a:rPr lang="it-IT" dirty="0"/>
-              <a:t>Results with Shadow on a single panel but entire parallel</a:t>
-            </a:r>
-          </a:p>
-        </p:txBody>
-      </p:sp>
-    </p:spTree>
-    <p:extLst>
-      <p:ext uri="{BB962C8B-B14F-4D97-AF65-F5344CB8AC3E}">
-        <p14:creationId xmlns:p14="http://schemas.microsoft.com/office/powerpoint/2010/main" val="3188956564"/>
-      </p:ext>
-    </p:extLst>
-  </p:cSld>
-  <p:clrMapOvr>
-    <a:masterClrMapping/>
-  </p:clrMapOvr>
-  <mc:AlternateContent xmlns:mc="http://schemas.openxmlformats.org/markup-compatibility/2006" xmlns:p159="http://schemas.microsoft.com/office/powerpoint/2015/09/main">
-    <mc:Choice Requires="p159">
-      <p:transition xmlns:p14="http://schemas.microsoft.com/office/powerpoint/2010/main" spd="slow" p14:dur="2000">
-        <p159:morph option="byObject"/>
-      </p:transition>
-    </mc:Choice>
-    <mc:Fallback xmlns="">
-      <p:transition spd="slow">
-        <p:fade/>
-      </p:transition>
-    </mc:Fallback>
-  </mc:AlternateContent>
-</p:sld>
-</file>
-
-<file path=ppt/slides/slide18.xml><?xml version="1.0" encoding="utf-8"?>
-<p:sld xmlns:a="http://schemas.openxmlformats.org/drawingml/2006/main" xmlns:r="http://schemas.openxmlformats.org/officeDocument/2006/relationships" xmlns:p="http://schemas.openxmlformats.org/presentationml/2006/main">
-  <p:cSld>
-    <p:spTree>
-      <p:nvGrpSpPr>
-        <p:cNvPr id="1" name=""/>
-        <p:cNvGrpSpPr/>
-        <p:nvPr/>
-      </p:nvGrpSpPr>
-      <p:grpSpPr>
-        <a:xfrm>
-          <a:off x="0" y="0"/>
-          <a:ext cx="0" cy="0"/>
-          <a:chOff x="0" y="0"/>
-          <a:chExt cx="0" cy="0"/>
-        </a:xfrm>
-      </p:grpSpPr>
-      <p:sp>
-        <p:nvSpPr>
-          <p:cNvPr id="2" name="Title 1">
-            <a:extLst>
-              <a:ext uri="{FF2B5EF4-FFF2-40B4-BE49-F238E27FC236}">
-                <a16:creationId xmlns:a16="http://schemas.microsoft.com/office/drawing/2014/main" id="{D76A055C-76FC-6350-F961-8BD0E9393EA8}"/>
-              </a:ext>
-            </a:extLst>
-          </p:cNvPr>
-          <p:cNvSpPr>
-            <a:spLocks noGrp="1"/>
-          </p:cNvSpPr>
-          <p:nvPr>
-            <p:ph type="title"/>
-          </p:nvPr>
-        </p:nvSpPr>
-        <p:spPr/>
-        <p:txBody>
-          <a:bodyPr/>
-          <a:lstStyle/>
-          <a:p>
-            <a:r>
-              <a:rPr lang="it-IT" dirty="0"/>
-              <a:t>The Series </a:t>
-            </a:r>
-            <a:br>
-              <a:rPr lang="it-IT" dirty="0"/>
-            </a:br>
-            <a:r>
-              <a:rPr lang="it-IT" dirty="0"/>
-              <a:t>I-V Curve</a:t>
-            </a:r>
-          </a:p>
-        </p:txBody>
-      </p:sp>
-      <p:sp>
-        <p:nvSpPr>
-          <p:cNvPr id="11" name="Text Placeholder 10">
-            <a:extLst>
-              <a:ext uri="{FF2B5EF4-FFF2-40B4-BE49-F238E27FC236}">
-                <a16:creationId xmlns:a16="http://schemas.microsoft.com/office/drawing/2014/main" id="{0498C140-7BC8-AB23-BB2A-D69FE20058B4}"/>
-              </a:ext>
-            </a:extLst>
-          </p:cNvPr>
-          <p:cNvSpPr>
-            <a:spLocks noGrp="1"/>
-          </p:cNvSpPr>
-          <p:nvPr>
-            <p:ph type="body" sz="half" idx="2"/>
-          </p:nvPr>
-        </p:nvSpPr>
-        <p:spPr/>
-        <p:txBody>
-          <a:bodyPr>
-            <a:normAutofit fontScale="77500" lnSpcReduction="20000"/>
-          </a:bodyPr>
-          <a:lstStyle/>
-          <a:p>
-            <a:r>
-              <a:rPr lang="en-US" dirty="0"/>
-              <a:t>The I-V (current-voltage) curve for a series of PV (photovoltaic) panels represents the relationship between the current and voltage outputs when multiple panels are connected in a series configuration. It helps assess the combined performance and power generation of the interconnected panels.</a:t>
-            </a:r>
-            <a:endParaRPr lang="it-IT" dirty="0"/>
-          </a:p>
-        </p:txBody>
-      </p:sp>
-      <p:pic>
-        <p:nvPicPr>
-          <p:cNvPr id="16" name="Picture Placeholder 15" descr="A picture containing text, diagram, line, parallel&#10;&#10;Description automatically generated">
-            <a:extLst>
-              <a:ext uri="{FF2B5EF4-FFF2-40B4-BE49-F238E27FC236}">
-                <a16:creationId xmlns:a16="http://schemas.microsoft.com/office/drawing/2014/main" id="{657F0810-455A-B29A-AE7B-75DBEA8819E6}"/>
-              </a:ext>
-            </a:extLst>
-          </p:cNvPr>
-          <p:cNvPicPr>
-            <a:picLocks noGrp="1" noChangeAspect="1"/>
-          </p:cNvPicPr>
-          <p:nvPr>
-            <p:ph type="pic" idx="1"/>
-          </p:nvPr>
-        </p:nvPicPr>
-        <p:blipFill>
-          <a:blip r:embed="rId2">
-            <a:extLst>
-              <a:ext uri="{28A0092B-C50C-407E-A947-70E740481C1C}">
-                <a14:useLocalDpi xmlns:a14="http://schemas.microsoft.com/office/drawing/2010/main" val="0"/>
-              </a:ext>
-            </a:extLst>
-          </a:blip>
-          <a:srcRect t="2545" b="2545"/>
-          <a:stretch>
-            <a:fillRect/>
-          </a:stretch>
-        </p:blipFill>
-        <p:spPr/>
-      </p:pic>
-      <p:sp>
-        <p:nvSpPr>
-          <p:cNvPr id="3" name="Titolo 1">
-            <a:extLst>
-              <a:ext uri="{FF2B5EF4-FFF2-40B4-BE49-F238E27FC236}">
-                <a16:creationId xmlns:a16="http://schemas.microsoft.com/office/drawing/2014/main" id="{9F91D9E8-722D-59F5-7E52-BDBC82EC07FF}"/>
-              </a:ext>
-            </a:extLst>
-          </p:cNvPr>
-          <p:cNvSpPr txBox="1">
-            <a:spLocks/>
-          </p:cNvSpPr>
-          <p:nvPr/>
-        </p:nvSpPr>
-        <p:spPr>
-          <a:xfrm>
-            <a:off x="616804" y="249382"/>
-            <a:ext cx="10996076" cy="623454"/>
-          </a:xfrm>
-          <a:prstGeom prst="rect">
-            <a:avLst/>
-          </a:prstGeom>
-        </p:spPr>
-        <p:txBody>
-          <a:bodyPr lIns="91440" tIns="45720" rIns="91440" bIns="45720" anchor="t">
-            <a:normAutofit fontScale="92500"/>
-          </a:bodyPr>
-          <a:lstStyle>
-            <a:lvl1pPr algn="l" defTabSz="914400" rtl="0" eaLnBrk="1" latinLnBrk="0" hangingPunct="1">
-              <a:lnSpc>
-                <a:spcPct val="100000"/>
-              </a:lnSpc>
-              <a:spcBef>
-                <a:spcPct val="0"/>
-              </a:spcBef>
-              <a:buNone/>
-              <a:defRPr sz="3400" b="1" kern="1200">
-                <a:solidFill>
-                  <a:schemeClr val="tx1"/>
-                </a:solidFill>
-                <a:latin typeface="+mj-lt"/>
-                <a:ea typeface="+mj-ea"/>
-                <a:cs typeface="+mj-cs"/>
-              </a:defRPr>
-            </a:lvl1pPr>
-          </a:lstStyle>
-          <a:p>
-            <a:r>
-              <a:rPr lang="it-IT" dirty="0"/>
-              <a:t>Results with Shadow on a single panel but entire parallel</a:t>
-            </a:r>
-          </a:p>
-        </p:txBody>
-      </p:sp>
-    </p:spTree>
-    <p:extLst>
-      <p:ext uri="{BB962C8B-B14F-4D97-AF65-F5344CB8AC3E}">
-        <p14:creationId xmlns:p14="http://schemas.microsoft.com/office/powerpoint/2010/main" val="3756749587"/>
-      </p:ext>
-    </p:extLst>
-  </p:cSld>
-  <p:clrMapOvr>
-    <a:masterClrMapping/>
-  </p:clrMapOvr>
-  <mc:AlternateContent xmlns:mc="http://schemas.openxmlformats.org/markup-compatibility/2006" xmlns:p159="http://schemas.microsoft.com/office/powerpoint/2015/09/main">
-    <mc:Choice Requires="p159">
-      <p:transition xmlns:p14="http://schemas.microsoft.com/office/powerpoint/2010/main" spd="slow" p14:dur="2000">
-        <p159:morph option="byObject"/>
-      </p:transition>
-    </mc:Choice>
-    <mc:Fallback xmlns="">
-      <p:transition spd="slow">
-        <p:fade/>
-      </p:transition>
-    </mc:Fallback>
-  </mc:AlternateContent>
-</p:sld>
-</file>
-
-<file path=ppt/slides/slide19.xml><?xml version="1.0" encoding="utf-8"?>
-<p:sld xmlns:a="http://schemas.openxmlformats.org/drawingml/2006/main" xmlns:r="http://schemas.openxmlformats.org/officeDocument/2006/relationships" xmlns:p="http://schemas.openxmlformats.org/presentationml/2006/main">
-  <p:cSld>
-    <p:spTree>
-      <p:nvGrpSpPr>
-        <p:cNvPr id="1" name=""/>
-        <p:cNvGrpSpPr/>
-        <p:nvPr/>
-      </p:nvGrpSpPr>
-      <p:grpSpPr>
-        <a:xfrm>
-          <a:off x="0" y="0"/>
-          <a:ext cx="0" cy="0"/>
-          <a:chOff x="0" y="0"/>
-          <a:chExt cx="0" cy="0"/>
-        </a:xfrm>
-      </p:grpSpPr>
-      <p:sp>
-        <p:nvSpPr>
-          <p:cNvPr id="2" name="Title 1">
-            <a:extLst>
-              <a:ext uri="{FF2B5EF4-FFF2-40B4-BE49-F238E27FC236}">
-                <a16:creationId xmlns:a16="http://schemas.microsoft.com/office/drawing/2014/main" id="{D76A055C-76FC-6350-F961-8BD0E9393EA8}"/>
-              </a:ext>
-            </a:extLst>
-          </p:cNvPr>
-          <p:cNvSpPr>
-            <a:spLocks noGrp="1"/>
-          </p:cNvSpPr>
-          <p:nvPr>
-            <p:ph type="title"/>
-          </p:nvPr>
-        </p:nvSpPr>
-        <p:spPr/>
-        <p:txBody>
-          <a:bodyPr/>
-          <a:lstStyle/>
-          <a:p>
-            <a:r>
-              <a:rPr lang="it-IT" dirty="0"/>
-              <a:t>The Parallel </a:t>
-            </a:r>
-            <a:br>
-              <a:rPr lang="it-IT" dirty="0"/>
-            </a:br>
-            <a:r>
-              <a:rPr lang="it-IT" dirty="0"/>
-              <a:t>Power curve</a:t>
-            </a:r>
-          </a:p>
-        </p:txBody>
-      </p:sp>
-      <p:sp>
-        <p:nvSpPr>
-          <p:cNvPr id="11" name="Text Placeholder 10">
-            <a:extLst>
-              <a:ext uri="{FF2B5EF4-FFF2-40B4-BE49-F238E27FC236}">
-                <a16:creationId xmlns:a16="http://schemas.microsoft.com/office/drawing/2014/main" id="{0498C140-7BC8-AB23-BB2A-D69FE20058B4}"/>
-              </a:ext>
-            </a:extLst>
-          </p:cNvPr>
-          <p:cNvSpPr>
-            <a:spLocks noGrp="1"/>
-          </p:cNvSpPr>
-          <p:nvPr>
-            <p:ph type="body" sz="half" idx="2"/>
-          </p:nvPr>
-        </p:nvSpPr>
-        <p:spPr/>
-        <p:txBody>
-          <a:bodyPr>
-            <a:normAutofit fontScale="77500" lnSpcReduction="20000"/>
-          </a:bodyPr>
-          <a:lstStyle/>
-          <a:p>
-            <a:r>
-              <a:rPr lang="en-US" dirty="0"/>
-              <a:t>A parallel configuration of PV (photovoltaic) panels involves connecting multiple panels side by side, with their positive terminals connected together and negative terminals connected together. This setup increases the overall current output while maintaining the same voltage level, resulting in higher power generation capacity.</a:t>
-            </a:r>
-            <a:endParaRPr lang="it-IT" dirty="0"/>
-          </a:p>
-        </p:txBody>
-      </p:sp>
-      <p:pic>
-        <p:nvPicPr>
-          <p:cNvPr id="7" name="Picture Placeholder 6" descr="A picture containing diagram, text, plot, line&#10;&#10;Description automatically generated">
-            <a:extLst>
-              <a:ext uri="{FF2B5EF4-FFF2-40B4-BE49-F238E27FC236}">
-                <a16:creationId xmlns:a16="http://schemas.microsoft.com/office/drawing/2014/main" id="{DC9040EC-9B0D-F20A-1EE2-897E9466E517}"/>
-              </a:ext>
-            </a:extLst>
-          </p:cNvPr>
-          <p:cNvPicPr>
-            <a:picLocks noGrp="1" noChangeAspect="1"/>
-          </p:cNvPicPr>
-          <p:nvPr>
-            <p:ph type="pic" idx="1"/>
-          </p:nvPr>
-        </p:nvPicPr>
-        <p:blipFill>
-          <a:blip r:embed="rId2">
-            <a:extLst>
-              <a:ext uri="{28A0092B-C50C-407E-A947-70E740481C1C}">
-                <a14:useLocalDpi xmlns:a14="http://schemas.microsoft.com/office/drawing/2010/main" val="0"/>
-              </a:ext>
-            </a:extLst>
-          </a:blip>
-          <a:srcRect t="4742" b="4742"/>
-          <a:stretch>
-            <a:fillRect/>
-          </a:stretch>
-        </p:blipFill>
-        <p:spPr/>
-      </p:pic>
-      <p:sp>
-        <p:nvSpPr>
-          <p:cNvPr id="3" name="Titolo 1">
-            <a:extLst>
-              <a:ext uri="{FF2B5EF4-FFF2-40B4-BE49-F238E27FC236}">
-                <a16:creationId xmlns:a16="http://schemas.microsoft.com/office/drawing/2014/main" id="{0661E834-F30F-3237-8EAF-80E2BA72E40B}"/>
-              </a:ext>
-            </a:extLst>
-          </p:cNvPr>
-          <p:cNvSpPr txBox="1">
-            <a:spLocks/>
-          </p:cNvSpPr>
-          <p:nvPr/>
-        </p:nvSpPr>
-        <p:spPr>
-          <a:xfrm>
-            <a:off x="616804" y="249382"/>
-            <a:ext cx="10996076" cy="623454"/>
-          </a:xfrm>
-          <a:prstGeom prst="rect">
-            <a:avLst/>
-          </a:prstGeom>
-        </p:spPr>
-        <p:txBody>
-          <a:bodyPr lIns="91440" tIns="45720" rIns="91440" bIns="45720" anchor="t">
-            <a:normAutofit fontScale="92500"/>
-          </a:bodyPr>
-          <a:lstStyle>
-            <a:lvl1pPr algn="l" defTabSz="914400" rtl="0" eaLnBrk="1" latinLnBrk="0" hangingPunct="1">
-              <a:lnSpc>
-                <a:spcPct val="100000"/>
-              </a:lnSpc>
-              <a:spcBef>
-                <a:spcPct val="0"/>
-              </a:spcBef>
-              <a:buNone/>
-              <a:defRPr sz="3400" b="1" kern="1200">
-                <a:solidFill>
-                  <a:schemeClr val="tx1"/>
-                </a:solidFill>
-                <a:latin typeface="+mj-lt"/>
-                <a:ea typeface="+mj-ea"/>
-                <a:cs typeface="+mj-cs"/>
-              </a:defRPr>
-            </a:lvl1pPr>
-          </a:lstStyle>
-          <a:p>
-            <a:r>
-              <a:rPr lang="it-IT" dirty="0"/>
-              <a:t>Results with Shadow on a single panel but entire parallel</a:t>
-            </a:r>
-          </a:p>
-        </p:txBody>
-      </p:sp>
-    </p:spTree>
-    <p:extLst>
-      <p:ext uri="{BB962C8B-B14F-4D97-AF65-F5344CB8AC3E}">
-        <p14:creationId xmlns:p14="http://schemas.microsoft.com/office/powerpoint/2010/main" val="3852231215"/>
-      </p:ext>
-    </p:extLst>
-  </p:cSld>
-  <p:clrMapOvr>
-    <a:masterClrMapping/>
-  </p:clrMapOvr>
-  <mc:AlternateContent xmlns:mc="http://schemas.openxmlformats.org/markup-compatibility/2006" xmlns:p159="http://schemas.microsoft.com/office/powerpoint/2015/09/main">
-    <mc:Choice Requires="p159">
-      <p:transition xmlns:p14="http://schemas.microsoft.com/office/powerpoint/2010/main" spd="slow" p14:dur="2000">
-        <p159:morph option="byObject"/>
-      </p:transition>
-    </mc:Choice>
-    <mc:Fallback xmlns="">
-      <p:transition spd="slow">
-        <p:fade/>
-      </p:transition>
-    </mc:Fallback>
-  </mc:AlternateContent>
-</p:sld>
-</file>
-
-<file path=ppt/slides/slide2.xml><?xml version="1.0" encoding="utf-8"?>
 <p:sld xmlns:a="http://schemas.openxmlformats.org/drawingml/2006/main" xmlns:r="http://schemas.openxmlformats.org/officeDocument/2006/relationships" xmlns:p="http://schemas.openxmlformats.org/presentationml/2006/main">
   <p:cSld>
     <p:bg>
@@ -11743,10 +12360,10 @@
       </p:grpSpPr>
       <p:sp useBgFill="1">
         <p:nvSpPr>
-          <p:cNvPr id="9" name="Rectangle 8">
-            <a:extLst>
-              <a:ext uri="{FF2B5EF4-FFF2-40B4-BE49-F238E27FC236}">
-                <a16:creationId xmlns:a16="http://schemas.microsoft.com/office/drawing/2014/main" id="{79477870-C64A-4E35-8F2F-05B7114F3C74}"/>
+          <p:cNvPr id="24" name="Rectangle 23">
+            <a:extLst>
+              <a:ext uri="{FF2B5EF4-FFF2-40B4-BE49-F238E27FC236}">
+                <a16:creationId xmlns:a16="http://schemas.microsoft.com/office/drawing/2014/main" id="{0288C6B4-AFC3-407F-A595-EFFD38D4CCAF}"/>
               </a:ext>
               <a:ext uri="{C183D7F6-B498-43B3-948B-1728B52AA6E4}">
                 <adec:decorative xmlns:adec="http://schemas.microsoft.com/office/drawing/2017/decorative" val="1"/>
@@ -11801,701 +12418,9 @@
           </a:p>
         </p:txBody>
       </p:sp>
-      <p:sp>
-        <p:nvSpPr>
-          <p:cNvPr id="2" name="Titolo 1">
-            <a:extLst>
-              <a:ext uri="{FF2B5EF4-FFF2-40B4-BE49-F238E27FC236}">
-                <a16:creationId xmlns:a16="http://schemas.microsoft.com/office/drawing/2014/main" id="{154454CD-4916-8E1F-2D56-52B0118C0DEE}"/>
-              </a:ext>
-            </a:extLst>
-          </p:cNvPr>
-          <p:cNvSpPr>
-            <a:spLocks noGrp="1"/>
-          </p:cNvSpPr>
-          <p:nvPr>
-            <p:ph type="title"/>
-          </p:nvPr>
-        </p:nvSpPr>
-        <p:spPr>
-          <a:xfrm>
-            <a:off x="612648" y="1078992"/>
-            <a:ext cx="6268770" cy="1536192"/>
-          </a:xfrm>
-        </p:spPr>
-        <p:txBody>
-          <a:bodyPr anchor="b">
-            <a:normAutofit/>
-          </a:bodyPr>
-          <a:lstStyle/>
-          <a:p>
-            <a:r>
-              <a:rPr lang="it-IT" sz="5200"/>
-              <a:t>Problem description</a:t>
-            </a:r>
-          </a:p>
-        </p:txBody>
-      </p:sp>
-      <p:sp>
-        <p:nvSpPr>
-          <p:cNvPr id="11" name="Rectangle 10">
-            <a:extLst>
-              <a:ext uri="{FF2B5EF4-FFF2-40B4-BE49-F238E27FC236}">
-                <a16:creationId xmlns:a16="http://schemas.microsoft.com/office/drawing/2014/main" id="{8AEA628B-C8FF-4D0B-B111-F101F580B15D}"/>
-              </a:ext>
-              <a:ext uri="{C183D7F6-B498-43B3-948B-1728B52AA6E4}">
-                <adec:decorative xmlns:adec="http://schemas.microsoft.com/office/drawing/2017/decorative" val="1"/>
-              </a:ext>
-            </a:extLst>
-          </p:cNvPr>
-          <p:cNvSpPr>
-            <a:spLocks noGrp="1" noRot="1" noChangeAspect="1" noMove="1" noResize="1" noEditPoints="1" noAdjustHandles="1" noChangeArrowheads="1" noChangeShapeType="1" noTextEdit="1"/>
-          </p:cNvSpPr>
-          <p:nvPr>
-            <p:extLst>
-              <p:ext uri="{386F3935-93C4-4BCD-93E2-E3B085C9AB24}">
-                <p16:designElem xmlns:p16="http://schemas.microsoft.com/office/powerpoint/2015/main" val="1"/>
-              </p:ext>
-            </p:extLst>
-          </p:nvPr>
-        </p:nvSpPr>
-        <p:spPr>
-          <a:xfrm rot="5400000">
-            <a:off x="853202" y="363389"/>
-            <a:ext cx="73152" cy="548640"/>
-          </a:xfrm>
-          <a:prstGeom prst="rect">
-            <a:avLst/>
-          </a:prstGeom>
-          <a:solidFill>
-            <a:schemeClr val="accent1"/>
-          </a:solidFill>
-          <a:ln>
-            <a:noFill/>
-          </a:ln>
-        </p:spPr>
-        <p:style>
-          <a:lnRef idx="2">
-            <a:schemeClr val="accent1">
-              <a:shade val="50000"/>
-            </a:schemeClr>
-          </a:lnRef>
-          <a:fillRef idx="1">
-            <a:schemeClr val="accent1"/>
-          </a:fillRef>
-          <a:effectRef idx="0">
-            <a:schemeClr val="accent1"/>
-          </a:effectRef>
-          <a:fontRef idx="minor">
-            <a:schemeClr val="lt1"/>
-          </a:fontRef>
-        </p:style>
-        <p:txBody>
-          <a:bodyPr rtlCol="0" anchor="ctr"/>
-          <a:lstStyle/>
-          <a:p>
-            <a:pPr marL="0" marR="0" lvl="0" indent="0" algn="ctr" defTabSz="914400" rtl="0" eaLnBrk="1" fontAlgn="auto" latinLnBrk="0" hangingPunct="1">
-              <a:lnSpc>
-                <a:spcPct val="100000"/>
-              </a:lnSpc>
-              <a:spcBef>
-                <a:spcPts val="0"/>
-              </a:spcBef>
-              <a:spcAft>
-                <a:spcPts val="0"/>
-              </a:spcAft>
-              <a:buClrTx/>
-              <a:buSzTx/>
-              <a:buFontTx/>
-              <a:buNone/>
-              <a:tabLst/>
-              <a:defRPr/>
-            </a:pPr>
-            <a:endParaRPr kumimoji="0" lang="en-US" sz="1800" b="0" i="0" u="none" strike="noStrike" kern="1200" cap="none" spc="0" normalizeH="0" baseline="0" noProof="0">
-              <a:ln>
-                <a:noFill/>
-              </a:ln>
-              <a:solidFill>
-                <a:prstClr val="white"/>
-              </a:solidFill>
-              <a:effectLst/>
-              <a:uLnTx/>
-              <a:uFillTx/>
-              <a:latin typeface="Calibri" panose="020F0502020204030204"/>
-              <a:ea typeface="+mn-ea"/>
-              <a:cs typeface="+mn-cs"/>
-            </a:endParaRPr>
-          </a:p>
-        </p:txBody>
-      </p:sp>
-      <p:sp>
-        <p:nvSpPr>
-          <p:cNvPr id="13" name="Rectangle 12">
-            <a:extLst>
-              <a:ext uri="{FF2B5EF4-FFF2-40B4-BE49-F238E27FC236}">
-                <a16:creationId xmlns:a16="http://schemas.microsoft.com/office/drawing/2014/main" id="{42663BD0-064C-40FC-A331-F49FCA9536AA}"/>
-              </a:ext>
-              <a:ext uri="{C183D7F6-B498-43B3-948B-1728B52AA6E4}">
-                <adec:decorative xmlns:adec="http://schemas.microsoft.com/office/drawing/2017/decorative" val="1"/>
-              </a:ext>
-            </a:extLst>
-          </p:cNvPr>
-          <p:cNvSpPr>
-            <a:spLocks noGrp="1" noRot="1" noChangeAspect="1" noMove="1" noResize="1" noEditPoints="1" noAdjustHandles="1" noChangeArrowheads="1" noChangeShapeType="1" noTextEdit="1"/>
-          </p:cNvSpPr>
-          <p:nvPr>
-            <p:extLst>
-              <p:ext uri="{386F3935-93C4-4BCD-93E2-E3B085C9AB24}">
-                <p16:designElem xmlns:p16="http://schemas.microsoft.com/office/powerpoint/2015/main" val="1"/>
-              </p:ext>
-            </p:extLst>
-          </p:nvPr>
-        </p:nvSpPr>
-        <p:spPr>
-          <a:xfrm>
-            <a:off x="618506" y="2935541"/>
-            <a:ext cx="6217920" cy="18288"/>
-          </a:xfrm>
-          <a:prstGeom prst="rect">
-            <a:avLst/>
-          </a:prstGeom>
-          <a:solidFill>
-            <a:schemeClr val="tx2">
-              <a:lumMod val="25000"/>
-              <a:lumOff val="75000"/>
-            </a:schemeClr>
-          </a:solidFill>
-          <a:ln w="3175">
-            <a:noFill/>
-          </a:ln>
-          <a:effectLst/>
-        </p:spPr>
-        <p:style>
-          <a:lnRef idx="2">
-            <a:schemeClr val="accent1">
-              <a:shade val="50000"/>
-            </a:schemeClr>
-          </a:lnRef>
-          <a:fillRef idx="1">
-            <a:schemeClr val="accent1"/>
-          </a:fillRef>
-          <a:effectRef idx="0">
-            <a:schemeClr val="accent1"/>
-          </a:effectRef>
-          <a:fontRef idx="minor">
-            <a:schemeClr val="lt1"/>
-          </a:fontRef>
-        </p:style>
-        <p:txBody>
-          <a:bodyPr rtlCol="0" anchor="ctr"/>
-          <a:lstStyle/>
-          <a:p>
-            <a:pPr marL="0" marR="0" lvl="0" indent="0" algn="ctr" defTabSz="914400" rtl="0" eaLnBrk="1" fontAlgn="auto" latinLnBrk="0" hangingPunct="1">
-              <a:lnSpc>
-                <a:spcPct val="100000"/>
-              </a:lnSpc>
-              <a:spcBef>
-                <a:spcPts val="0"/>
-              </a:spcBef>
-              <a:spcAft>
-                <a:spcPts val="0"/>
-              </a:spcAft>
-              <a:buClrTx/>
-              <a:buSzTx/>
-              <a:buFontTx/>
-              <a:buNone/>
-              <a:tabLst/>
-              <a:defRPr/>
-            </a:pPr>
-            <a:endParaRPr kumimoji="0" lang="en-US" sz="1800" b="0" i="0" u="none" strike="noStrike" kern="1200" cap="none" spc="0" normalizeH="0" baseline="0" noProof="0">
-              <a:ln>
-                <a:noFill/>
-              </a:ln>
-              <a:solidFill>
-                <a:prstClr val="white"/>
-              </a:solidFill>
-              <a:effectLst/>
-              <a:uLnTx/>
-              <a:uFillTx/>
-              <a:latin typeface="Calibri" panose="020F0502020204030204"/>
-              <a:ea typeface="+mn-ea"/>
-              <a:cs typeface="+mn-cs"/>
-            </a:endParaRPr>
-          </a:p>
-        </p:txBody>
-      </p:sp>
-      <p:sp>
-        <p:nvSpPr>
-          <p:cNvPr id="3" name="Segnaposto contenuto 2">
-            <a:extLst>
-              <a:ext uri="{FF2B5EF4-FFF2-40B4-BE49-F238E27FC236}">
-                <a16:creationId xmlns:a16="http://schemas.microsoft.com/office/drawing/2014/main" id="{2484187F-7A4E-4444-413F-BEC1589BC1AB}"/>
-              </a:ext>
-            </a:extLst>
-          </p:cNvPr>
-          <p:cNvSpPr>
-            <a:spLocks noGrp="1"/>
-          </p:cNvSpPr>
-          <p:nvPr>
-            <p:ph idx="1"/>
-          </p:nvPr>
-        </p:nvSpPr>
-        <p:spPr>
-          <a:xfrm>
-            <a:off x="615458" y="3355848"/>
-            <a:ext cx="6268770" cy="2825496"/>
-          </a:xfrm>
-        </p:spPr>
-        <p:txBody>
-          <a:bodyPr>
-            <a:normAutofit/>
-          </a:bodyPr>
-          <a:lstStyle/>
-          <a:p>
-            <a:pPr marL="0" indent="0">
-              <a:lnSpc>
-                <a:spcPct val="100000"/>
-              </a:lnSpc>
-              <a:buNone/>
-            </a:pPr>
-            <a:r>
-              <a:rPr lang="en-US" sz="1500" dirty="0"/>
-              <a:t>This presentation focuses on solving an optimization problem related to a parallel-series configuration of photovoltaic (PV) panels to maximize power generation. The objective is to identify the optimal voltage value that achieves maximum power output. Throughout the presentation, the techniques employed and the results obtained will be analyzed, highlighting the advantages of this solution and potential applications in the field of solar energy. The focus will be on the approach used to optimize the performance of photovoltaic systems and the potential benefits that arise from it.</a:t>
-            </a:r>
-            <a:endParaRPr lang="it-IT" sz="1500" dirty="0"/>
-          </a:p>
-        </p:txBody>
-      </p:sp>
-      <p:pic>
-        <p:nvPicPr>
-          <p:cNvPr id="5" name="Picture 4" descr="Lampadina su sfondo giallo con cavo e fasci di luce disegnati">
-            <a:extLst>
-              <a:ext uri="{FF2B5EF4-FFF2-40B4-BE49-F238E27FC236}">
-                <a16:creationId xmlns:a16="http://schemas.microsoft.com/office/drawing/2014/main" id="{7B8D5584-A3B1-A6E2-2DBA-B3977BC6F742}"/>
-              </a:ext>
-            </a:extLst>
-          </p:cNvPr>
-          <p:cNvPicPr>
-            <a:picLocks noChangeAspect="1"/>
-          </p:cNvPicPr>
-          <p:nvPr/>
-        </p:nvPicPr>
-        <p:blipFill rotWithShape="1">
-          <a:blip r:embed="rId2"/>
-          <a:srcRect l="51916" r="7658"/>
-          <a:stretch/>
-        </p:blipFill>
-        <p:spPr>
-          <a:xfrm>
-            <a:off x="7684006" y="10"/>
-            <a:ext cx="4507993" cy="6857990"/>
-          </a:xfrm>
-          <a:prstGeom prst="rect">
-            <a:avLst/>
-          </a:prstGeom>
-        </p:spPr>
-      </p:pic>
-    </p:spTree>
-    <p:extLst>
-      <p:ext uri="{BB962C8B-B14F-4D97-AF65-F5344CB8AC3E}">
-        <p14:creationId xmlns:p14="http://schemas.microsoft.com/office/powerpoint/2010/main" val="1300032028"/>
-      </p:ext>
-    </p:extLst>
-  </p:cSld>
-  <p:clrMapOvr>
-    <a:masterClrMapping/>
-  </p:clrMapOvr>
-  <mc:AlternateContent xmlns:mc="http://schemas.openxmlformats.org/markup-compatibility/2006" xmlns:p159="http://schemas.microsoft.com/office/powerpoint/2015/09/main">
-    <mc:Choice Requires="p159">
-      <p:transition xmlns:p14="http://schemas.microsoft.com/office/powerpoint/2010/main" spd="slow" p14:dur="2000">
-        <p159:morph option="byObject"/>
-      </p:transition>
-    </mc:Choice>
-    <mc:Fallback xmlns="">
-      <p:transition spd="slow">
-        <p:fade/>
-      </p:transition>
-    </mc:Fallback>
-  </mc:AlternateContent>
-</p:sld>
-</file>
-
-<file path=ppt/slides/slide20.xml><?xml version="1.0" encoding="utf-8"?>
-<p:sld xmlns:a="http://schemas.openxmlformats.org/drawingml/2006/main" xmlns:r="http://schemas.openxmlformats.org/officeDocument/2006/relationships" xmlns:p="http://schemas.openxmlformats.org/presentationml/2006/main">
-  <p:cSld>
-    <p:spTree>
-      <p:nvGrpSpPr>
-        <p:cNvPr id="1" name=""/>
-        <p:cNvGrpSpPr/>
-        <p:nvPr/>
-      </p:nvGrpSpPr>
-      <p:grpSpPr>
-        <a:xfrm>
-          <a:off x="0" y="0"/>
-          <a:ext cx="0" cy="0"/>
-          <a:chOff x="0" y="0"/>
-          <a:chExt cx="0" cy="0"/>
-        </a:xfrm>
-      </p:grpSpPr>
-      <p:sp>
-        <p:nvSpPr>
-          <p:cNvPr id="2" name="Titolo 1">
-            <a:extLst>
-              <a:ext uri="{FF2B5EF4-FFF2-40B4-BE49-F238E27FC236}">
-                <a16:creationId xmlns:a16="http://schemas.microsoft.com/office/drawing/2014/main" id="{2FFC5C31-5ED2-31C2-846F-1AB54EC8859B}"/>
-              </a:ext>
-            </a:extLst>
-          </p:cNvPr>
-          <p:cNvSpPr>
-            <a:spLocks noGrp="1"/>
-          </p:cNvSpPr>
-          <p:nvPr>
-            <p:ph type="title"/>
-          </p:nvPr>
-        </p:nvSpPr>
-        <p:spPr/>
-        <p:txBody>
-          <a:bodyPr/>
-          <a:lstStyle/>
-          <a:p>
-            <a:r>
-              <a:rPr lang="it-IT" dirty="0" err="1"/>
-              <a:t>Conclusions</a:t>
-            </a:r>
-            <a:endParaRPr lang="it-IT" dirty="0"/>
-          </a:p>
-        </p:txBody>
-      </p:sp>
-      <p:sp>
-        <p:nvSpPr>
-          <p:cNvPr id="3" name="Segnaposto contenuto 2">
-            <a:extLst>
-              <a:ext uri="{FF2B5EF4-FFF2-40B4-BE49-F238E27FC236}">
-                <a16:creationId xmlns:a16="http://schemas.microsoft.com/office/drawing/2014/main" id="{E21B3A5A-CA0F-B86E-F7D9-D90ABD1B6726}"/>
-              </a:ext>
-            </a:extLst>
-          </p:cNvPr>
-          <p:cNvSpPr>
-            <a:spLocks noGrp="1"/>
-          </p:cNvSpPr>
-          <p:nvPr>
-            <p:ph idx="1"/>
-          </p:nvPr>
-        </p:nvSpPr>
-        <p:spPr/>
-        <p:txBody>
-          <a:bodyPr/>
-          <a:lstStyle/>
-          <a:p>
-            <a:endParaRPr lang="it-IT"/>
-          </a:p>
-        </p:txBody>
-      </p:sp>
-    </p:spTree>
-    <p:extLst>
-      <p:ext uri="{BB962C8B-B14F-4D97-AF65-F5344CB8AC3E}">
-        <p14:creationId xmlns:p14="http://schemas.microsoft.com/office/powerpoint/2010/main" val="3003280789"/>
-      </p:ext>
-    </p:extLst>
-  </p:cSld>
-  <p:clrMapOvr>
-    <a:masterClrMapping/>
-  </p:clrMapOvr>
-  <mc:AlternateContent xmlns:mc="http://schemas.openxmlformats.org/markup-compatibility/2006" xmlns:p159="http://schemas.microsoft.com/office/powerpoint/2015/09/main">
-    <mc:Choice Requires="p159">
-      <p:transition xmlns:p14="http://schemas.microsoft.com/office/powerpoint/2010/main" spd="slow" p14:dur="2000">
-        <p159:morph option="byObject"/>
-      </p:transition>
-    </mc:Choice>
-    <mc:Fallback xmlns="">
-      <p:transition spd="slow">
-        <p:fade/>
-      </p:transition>
-    </mc:Fallback>
-  </mc:AlternateContent>
-</p:sld>
-</file>
-
-<file path=ppt/slides/slide21.xml><?xml version="1.0" encoding="utf-8"?>
-<p:sld xmlns:a="http://schemas.openxmlformats.org/drawingml/2006/main" xmlns:r="http://schemas.openxmlformats.org/officeDocument/2006/relationships" xmlns:p="http://schemas.openxmlformats.org/presentationml/2006/main">
-  <p:cSld>
-    <p:spTree>
-      <p:nvGrpSpPr>
-        <p:cNvPr id="1" name=""/>
-        <p:cNvGrpSpPr/>
-        <p:nvPr/>
-      </p:nvGrpSpPr>
-      <p:grpSpPr>
-        <a:xfrm>
-          <a:off x="0" y="0"/>
-          <a:ext cx="0" cy="0"/>
-          <a:chOff x="0" y="0"/>
-          <a:chExt cx="0" cy="0"/>
-        </a:xfrm>
-      </p:grpSpPr>
-      <p:sp>
-        <p:nvSpPr>
-          <p:cNvPr id="2" name="Titolo 1">
-            <a:extLst>
-              <a:ext uri="{FF2B5EF4-FFF2-40B4-BE49-F238E27FC236}">
-                <a16:creationId xmlns:a16="http://schemas.microsoft.com/office/drawing/2014/main" id="{D4603B4C-A6C4-E1EB-52AC-2F0F3BFCACA5}"/>
-              </a:ext>
-            </a:extLst>
-          </p:cNvPr>
-          <p:cNvSpPr>
-            <a:spLocks noGrp="1"/>
-          </p:cNvSpPr>
-          <p:nvPr>
-            <p:ph type="title"/>
-          </p:nvPr>
-        </p:nvSpPr>
-        <p:spPr/>
-        <p:txBody>
-          <a:bodyPr/>
-          <a:lstStyle/>
-          <a:p>
-            <a:r>
-              <a:rPr lang="it-IT" dirty="0" err="1"/>
-              <a:t>Bibliography</a:t>
-            </a:r>
-            <a:endParaRPr lang="it-IT" dirty="0"/>
-          </a:p>
-        </p:txBody>
-      </p:sp>
-      <p:sp>
-        <p:nvSpPr>
-          <p:cNvPr id="3" name="Segnaposto contenuto 2">
-            <a:extLst>
-              <a:ext uri="{FF2B5EF4-FFF2-40B4-BE49-F238E27FC236}">
-                <a16:creationId xmlns:a16="http://schemas.microsoft.com/office/drawing/2014/main" id="{280F83CB-D664-BE40-4315-5A23FD3DB8B8}"/>
-              </a:ext>
-            </a:extLst>
-          </p:cNvPr>
-          <p:cNvSpPr>
-            <a:spLocks noGrp="1"/>
-          </p:cNvSpPr>
-          <p:nvPr>
-            <p:ph idx="1"/>
-          </p:nvPr>
-        </p:nvSpPr>
-        <p:spPr/>
-        <p:txBody>
-          <a:bodyPr/>
-          <a:lstStyle/>
-          <a:p>
-            <a:endParaRPr lang="it-IT"/>
-          </a:p>
-        </p:txBody>
-      </p:sp>
-    </p:spTree>
-    <p:extLst>
-      <p:ext uri="{BB962C8B-B14F-4D97-AF65-F5344CB8AC3E}">
-        <p14:creationId xmlns:p14="http://schemas.microsoft.com/office/powerpoint/2010/main" val="995637246"/>
-      </p:ext>
-    </p:extLst>
-  </p:cSld>
-  <p:clrMapOvr>
-    <a:masterClrMapping/>
-  </p:clrMapOvr>
-  <mc:AlternateContent xmlns:mc="http://schemas.openxmlformats.org/markup-compatibility/2006" xmlns:p159="http://schemas.microsoft.com/office/powerpoint/2015/09/main">
-    <mc:Choice Requires="p159">
-      <p:transition xmlns:p14="http://schemas.microsoft.com/office/powerpoint/2010/main" spd="slow" p14:dur="2000">
-        <p159:morph option="byObject"/>
-      </p:transition>
-    </mc:Choice>
-    <mc:Fallback xmlns="">
-      <p:transition spd="slow">
-        <p:fade/>
-      </p:transition>
-    </mc:Fallback>
-  </mc:AlternateContent>
-</p:sld>
-</file>
-
-<file path=ppt/slides/slide3.xml><?xml version="1.0" encoding="utf-8"?>
-<p:sld xmlns:a="http://schemas.openxmlformats.org/drawingml/2006/main" xmlns:r="http://schemas.openxmlformats.org/officeDocument/2006/relationships" xmlns:p="http://schemas.openxmlformats.org/presentationml/2006/main">
-  <p:cSld>
-    <p:spTree>
-      <p:nvGrpSpPr>
-        <p:cNvPr id="1" name=""/>
-        <p:cNvGrpSpPr/>
-        <p:nvPr/>
-      </p:nvGrpSpPr>
-      <p:grpSpPr>
-        <a:xfrm>
-          <a:off x="0" y="0"/>
-          <a:ext cx="0" cy="0"/>
-          <a:chOff x="0" y="0"/>
-          <a:chExt cx="0" cy="0"/>
-        </a:xfrm>
-      </p:grpSpPr>
-      <p:sp>
-        <p:nvSpPr>
-          <p:cNvPr id="2" name="Titolo 1">
-            <a:extLst>
-              <a:ext uri="{FF2B5EF4-FFF2-40B4-BE49-F238E27FC236}">
-                <a16:creationId xmlns:a16="http://schemas.microsoft.com/office/drawing/2014/main" id="{C956EB41-C4A7-3602-B60B-484B70DA6BFD}"/>
-              </a:ext>
-            </a:extLst>
-          </p:cNvPr>
-          <p:cNvSpPr>
-            <a:spLocks noGrp="1"/>
-          </p:cNvSpPr>
-          <p:nvPr>
-            <p:ph type="title"/>
-          </p:nvPr>
-        </p:nvSpPr>
-        <p:spPr/>
-        <p:txBody>
-          <a:bodyPr/>
-          <a:lstStyle/>
-          <a:p>
-            <a:r>
-              <a:rPr lang="it-IT" dirty="0"/>
-              <a:t>Problem outline</a:t>
-            </a:r>
-          </a:p>
-        </p:txBody>
-      </p:sp>
-      <p:graphicFrame>
-        <p:nvGraphicFramePr>
-          <p:cNvPr id="15" name="Segnaposto contenuto 2">
-            <a:extLst>
-              <a:ext uri="{FF2B5EF4-FFF2-40B4-BE49-F238E27FC236}">
-                <a16:creationId xmlns:a16="http://schemas.microsoft.com/office/drawing/2014/main" id="{D883F46A-73F6-4C01-914E-7369A8B104F2}"/>
-              </a:ext>
-            </a:extLst>
-          </p:cNvPr>
-          <p:cNvGraphicFramePr>
-            <a:graphicFrameLocks noGrp="1"/>
-          </p:cNvGraphicFramePr>
-          <p:nvPr>
-            <p:ph idx="1"/>
-          </p:nvPr>
-        </p:nvGraphicFramePr>
-        <p:xfrm>
-          <a:off x="1115568" y="2478024"/>
-          <a:ext cx="10168128" cy="3694176"/>
-        </p:xfrm>
-        <a:graphic>
-          <a:graphicData uri="http://schemas.openxmlformats.org/drawingml/2006/diagram">
-            <dgm:relIds xmlns:dgm="http://schemas.openxmlformats.org/drawingml/2006/diagram" xmlns:r="http://schemas.openxmlformats.org/officeDocument/2006/relationships" r:dm="rId2" r:lo="rId3" r:qs="rId4" r:cs="rId5"/>
-          </a:graphicData>
-        </a:graphic>
-      </p:graphicFrame>
-    </p:spTree>
-    <p:extLst>
-      <p:ext uri="{BB962C8B-B14F-4D97-AF65-F5344CB8AC3E}">
-        <p14:creationId xmlns:p14="http://schemas.microsoft.com/office/powerpoint/2010/main" val="39962776"/>
-      </p:ext>
-    </p:extLst>
-  </p:cSld>
-  <p:clrMapOvr>
-    <a:masterClrMapping/>
-  </p:clrMapOvr>
-  <mc:AlternateContent xmlns:mc="http://schemas.openxmlformats.org/markup-compatibility/2006" xmlns:p159="http://schemas.microsoft.com/office/powerpoint/2015/09/main">
-    <mc:Choice Requires="p159">
-      <p:transition xmlns:p14="http://schemas.microsoft.com/office/powerpoint/2010/main" spd="slow" p14:dur="2000">
-        <p159:morph option="byObject"/>
-      </p:transition>
-    </mc:Choice>
-    <mc:Fallback xmlns="">
-      <p:transition spd="slow">
-        <p:fade/>
-      </p:transition>
-    </mc:Fallback>
-  </mc:AlternateContent>
-</p:sld>
-</file>
-
-<file path=ppt/slides/slide4.xml><?xml version="1.0" encoding="utf-8"?>
-<p:sld xmlns:a="http://schemas.openxmlformats.org/drawingml/2006/main" xmlns:r="http://schemas.openxmlformats.org/officeDocument/2006/relationships" xmlns:p="http://schemas.openxmlformats.org/presentationml/2006/main">
-  <p:cSld>
-    <p:bg>
-      <p:bgPr>
-        <a:solidFill>
-          <a:schemeClr val="bg1"/>
-        </a:solidFill>
-        <a:effectLst/>
-      </p:bgPr>
-    </p:bg>
-    <p:spTree>
-      <p:nvGrpSpPr>
-        <p:cNvPr id="1" name=""/>
-        <p:cNvGrpSpPr/>
-        <p:nvPr/>
-      </p:nvGrpSpPr>
-      <p:grpSpPr>
-        <a:xfrm>
-          <a:off x="0" y="0"/>
-          <a:ext cx="0" cy="0"/>
-          <a:chOff x="0" y="0"/>
-          <a:chExt cx="0" cy="0"/>
-        </a:xfrm>
-      </p:grpSpPr>
       <p:sp useBgFill="1">
         <p:nvSpPr>
-          <p:cNvPr id="26" name="Rectangle 10">
-            <a:extLst>
-              <a:ext uri="{FF2B5EF4-FFF2-40B4-BE49-F238E27FC236}">
-                <a16:creationId xmlns:a16="http://schemas.microsoft.com/office/drawing/2014/main" id="{0288C6B4-AFC3-407F-A595-EFFD38D4CCAF}"/>
-              </a:ext>
-              <a:ext uri="{C183D7F6-B498-43B3-948B-1728B52AA6E4}">
-                <adec:decorative xmlns:adec="http://schemas.microsoft.com/office/drawing/2017/decorative" val="1"/>
-              </a:ext>
-            </a:extLst>
-          </p:cNvPr>
-          <p:cNvSpPr>
-            <a:spLocks noGrp="1" noRot="1" noChangeAspect="1" noMove="1" noResize="1" noEditPoints="1" noAdjustHandles="1" noChangeArrowheads="1" noChangeShapeType="1" noTextEdit="1"/>
-          </p:cNvSpPr>
-          <p:nvPr>
-            <p:extLst>
-              <p:ext uri="{386F3935-93C4-4BCD-93E2-E3B085C9AB24}">
-                <p16:designElem xmlns:p16="http://schemas.microsoft.com/office/powerpoint/2015/main" val="1"/>
-              </p:ext>
-            </p:extLst>
-          </p:nvPr>
-        </p:nvSpPr>
-        <p:spPr>
-          <a:xfrm>
-            <a:off x="0" y="0"/>
-            <a:ext cx="12192000" cy="6858000"/>
-          </a:xfrm>
-          <a:prstGeom prst="rect">
-            <a:avLst/>
-          </a:prstGeom>
-          <a:ln>
-            <a:noFill/>
-          </a:ln>
-        </p:spPr>
-        <p:style>
-          <a:lnRef idx="2">
-            <a:schemeClr val="accent1">
-              <a:shade val="50000"/>
-            </a:schemeClr>
-          </a:lnRef>
-          <a:fillRef idx="1">
-            <a:schemeClr val="accent1"/>
-          </a:fillRef>
-          <a:effectRef idx="0">
-            <a:schemeClr val="accent1"/>
-          </a:effectRef>
-          <a:fontRef idx="minor">
-            <a:schemeClr val="lt1"/>
-          </a:fontRef>
-        </p:style>
-        <p:txBody>
-          <a:bodyPr rtlCol="0" anchor="ctr"/>
-          <a:lstStyle/>
-          <a:p>
-            <a:pPr algn="ctr"/>
-            <a:endParaRPr lang="en-US"/>
-          </a:p>
-        </p:txBody>
-      </p:sp>
-      <p:sp useBgFill="1">
-        <p:nvSpPr>
-          <p:cNvPr id="27" name="Freeform: Shape 12">
+          <p:cNvPr id="26" name="Freeform: Shape 25">
             <a:extLst>
               <a:ext uri="{FF2B5EF4-FFF2-40B4-BE49-F238E27FC236}">
                 <a16:creationId xmlns:a16="http://schemas.microsoft.com/office/drawing/2014/main" id="{CF236821-17FE-429B-8D2C-08E13A64EA40}"/>
@@ -12670,7 +12595,7 @@
       </p:sp>
       <p:sp useBgFill="1">
         <p:nvSpPr>
-          <p:cNvPr id="28" name="Freeform: Shape 14">
+          <p:cNvPr id="28" name="Freeform: Shape 27">
             <a:extLst>
               <a:ext uri="{FF2B5EF4-FFF2-40B4-BE49-F238E27FC236}">
                 <a16:creationId xmlns:a16="http://schemas.microsoft.com/office/drawing/2014/main" id="{C0BDBCD2-E081-43AB-9119-C55465E59757}"/>
@@ -12836,6 +12761,4928 @@
           <p:cNvPr id="2" name="Title 1">
             <a:extLst>
               <a:ext uri="{FF2B5EF4-FFF2-40B4-BE49-F238E27FC236}">
+                <a16:creationId xmlns:a16="http://schemas.microsoft.com/office/drawing/2014/main" id="{D76A055C-76FC-6350-F961-8BD0E9393EA8}"/>
+              </a:ext>
+            </a:extLst>
+          </p:cNvPr>
+          <p:cNvSpPr>
+            <a:spLocks noGrp="1"/>
+          </p:cNvSpPr>
+          <p:nvPr>
+            <p:ph type="title"/>
+          </p:nvPr>
+        </p:nvSpPr>
+        <p:spPr>
+          <a:xfrm>
+            <a:off x="371094" y="1161288"/>
+            <a:ext cx="3438144" cy="1239012"/>
+          </a:xfrm>
+          <a:ln>
+            <a:noFill/>
+          </a:ln>
+        </p:spPr>
+        <p:txBody>
+          <a:bodyPr vert="horz" lIns="91440" tIns="45720" rIns="91440" bIns="45720" rtlCol="0" anchor="ctr">
+            <a:normAutofit/>
+          </a:bodyPr>
+          <a:lstStyle/>
+          <a:p>
+            <a:r>
+              <a:rPr lang="en-US" sz="2600" dirty="0"/>
+              <a:t>Results with Shadow on a single String - 2</a:t>
+            </a:r>
+          </a:p>
+        </p:txBody>
+      </p:sp>
+      <p:sp>
+        <p:nvSpPr>
+          <p:cNvPr id="30" name="Rectangle 29">
+            <a:extLst>
+              <a:ext uri="{FF2B5EF4-FFF2-40B4-BE49-F238E27FC236}">
+                <a16:creationId xmlns:a16="http://schemas.microsoft.com/office/drawing/2014/main" id="{98E79BE4-34FE-485A-98A5-92CE8F7C4743}"/>
+              </a:ext>
+              <a:ext uri="{C183D7F6-B498-43B3-948B-1728B52AA6E4}">
+                <adec:decorative xmlns:adec="http://schemas.microsoft.com/office/drawing/2017/decorative" val="1"/>
+              </a:ext>
+            </a:extLst>
+          </p:cNvPr>
+          <p:cNvSpPr>
+            <a:spLocks noGrp="1" noRot="1" noChangeAspect="1" noMove="1" noResize="1" noEditPoints="1" noAdjustHandles="1" noChangeArrowheads="1" noChangeShapeType="1" noTextEdit="1"/>
+          </p:cNvSpPr>
+          <p:nvPr>
+            <p:extLst>
+              <p:ext uri="{386F3935-93C4-4BCD-93E2-E3B085C9AB24}">
+                <p16:designElem xmlns:p16="http://schemas.microsoft.com/office/powerpoint/2015/main" val="1"/>
+              </p:ext>
+            </p:extLst>
+          </p:nvPr>
+        </p:nvSpPr>
+        <p:spPr>
+          <a:xfrm>
+            <a:off x="0" y="1426546"/>
+            <a:ext cx="128016" cy="653903"/>
+          </a:xfrm>
+          <a:prstGeom prst="rect">
+            <a:avLst/>
+          </a:prstGeom>
+          <a:solidFill>
+            <a:schemeClr val="accent1"/>
+          </a:solidFill>
+          <a:ln>
+            <a:noFill/>
+          </a:ln>
+        </p:spPr>
+        <p:style>
+          <a:lnRef idx="2">
+            <a:schemeClr val="accent1">
+              <a:shade val="50000"/>
+            </a:schemeClr>
+          </a:lnRef>
+          <a:fillRef idx="1">
+            <a:schemeClr val="accent1"/>
+          </a:fillRef>
+          <a:effectRef idx="0">
+            <a:schemeClr val="accent1"/>
+          </a:effectRef>
+          <a:fontRef idx="minor">
+            <a:schemeClr val="lt1"/>
+          </a:fontRef>
+        </p:style>
+        <p:txBody>
+          <a:bodyPr rtlCol="0" anchor="ctr"/>
+          <a:lstStyle/>
+          <a:p>
+            <a:pPr marL="0" marR="0" lvl="0" indent="0" algn="ctr" defTabSz="914400" rtl="0" eaLnBrk="1" fontAlgn="auto" latinLnBrk="0" hangingPunct="1">
+              <a:lnSpc>
+                <a:spcPct val="100000"/>
+              </a:lnSpc>
+              <a:spcBef>
+                <a:spcPts val="0"/>
+              </a:spcBef>
+              <a:spcAft>
+                <a:spcPts val="0"/>
+              </a:spcAft>
+              <a:buClrTx/>
+              <a:buSzTx/>
+              <a:buFontTx/>
+              <a:buNone/>
+              <a:tabLst/>
+              <a:defRPr/>
+            </a:pPr>
+            <a:endParaRPr kumimoji="0" lang="en-US" sz="1800" b="0" i="0" u="none" strike="noStrike" kern="1200" cap="none" spc="0" normalizeH="0" baseline="0" noProof="0">
+              <a:ln>
+                <a:noFill/>
+              </a:ln>
+              <a:solidFill>
+                <a:prstClr val="white"/>
+              </a:solidFill>
+              <a:effectLst/>
+              <a:uLnTx/>
+              <a:uFillTx/>
+              <a:latin typeface="Calibri" panose="020F0502020204030204"/>
+              <a:ea typeface="+mn-ea"/>
+              <a:cs typeface="+mn-cs"/>
+            </a:endParaRPr>
+          </a:p>
+        </p:txBody>
+      </p:sp>
+      <p:sp>
+        <p:nvSpPr>
+          <p:cNvPr id="32" name="Rectangle 31">
+            <a:extLst>
+              <a:ext uri="{FF2B5EF4-FFF2-40B4-BE49-F238E27FC236}">
+                <a16:creationId xmlns:a16="http://schemas.microsoft.com/office/drawing/2014/main" id="{7A5F0580-5EE9-419F-96EE-B6529EF6E7D0}"/>
+              </a:ext>
+              <a:ext uri="{C183D7F6-B498-43B3-948B-1728B52AA6E4}">
+                <adec:decorative xmlns:adec="http://schemas.microsoft.com/office/drawing/2017/decorative" val="1"/>
+              </a:ext>
+            </a:extLst>
+          </p:cNvPr>
+          <p:cNvSpPr>
+            <a:spLocks noGrp="1" noRot="1" noChangeAspect="1" noMove="1" noResize="1" noEditPoints="1" noAdjustHandles="1" noChangeArrowheads="1" noChangeShapeType="1" noTextEdit="1"/>
+          </p:cNvSpPr>
+          <p:nvPr>
+            <p:extLst>
+              <p:ext uri="{386F3935-93C4-4BCD-93E2-E3B085C9AB24}">
+                <p16:designElem xmlns:p16="http://schemas.microsoft.com/office/powerpoint/2015/main" val="1"/>
+              </p:ext>
+            </p:extLst>
+          </p:nvPr>
+        </p:nvSpPr>
+        <p:spPr>
+          <a:xfrm>
+            <a:off x="395893" y="2443480"/>
+            <a:ext cx="3383280" cy="18288"/>
+          </a:xfrm>
+          <a:prstGeom prst="rect">
+            <a:avLst/>
+          </a:prstGeom>
+          <a:solidFill>
+            <a:schemeClr val="tx2">
+              <a:lumMod val="25000"/>
+              <a:lumOff val="75000"/>
+            </a:schemeClr>
+          </a:solidFill>
+          <a:ln w="3175">
+            <a:noFill/>
+          </a:ln>
+          <a:effectLst/>
+        </p:spPr>
+        <p:style>
+          <a:lnRef idx="2">
+            <a:schemeClr val="accent1">
+              <a:shade val="50000"/>
+            </a:schemeClr>
+          </a:lnRef>
+          <a:fillRef idx="1">
+            <a:schemeClr val="accent1"/>
+          </a:fillRef>
+          <a:effectRef idx="0">
+            <a:schemeClr val="accent1"/>
+          </a:effectRef>
+          <a:fontRef idx="minor">
+            <a:schemeClr val="lt1"/>
+          </a:fontRef>
+        </p:style>
+        <p:txBody>
+          <a:bodyPr rtlCol="0" anchor="ctr"/>
+          <a:lstStyle/>
+          <a:p>
+            <a:pPr marL="0" marR="0" lvl="0" indent="0" algn="ctr" defTabSz="914400" rtl="0" eaLnBrk="1" fontAlgn="auto" latinLnBrk="0" hangingPunct="1">
+              <a:lnSpc>
+                <a:spcPct val="100000"/>
+              </a:lnSpc>
+              <a:spcBef>
+                <a:spcPts val="0"/>
+              </a:spcBef>
+              <a:spcAft>
+                <a:spcPts val="0"/>
+              </a:spcAft>
+              <a:buClrTx/>
+              <a:buSzTx/>
+              <a:buFontTx/>
+              <a:buNone/>
+              <a:tabLst/>
+              <a:defRPr/>
+            </a:pPr>
+            <a:endParaRPr kumimoji="0" lang="en-US" sz="1800" b="0" i="0" u="none" strike="noStrike" kern="1200" cap="none" spc="0" normalizeH="0" baseline="0" noProof="0">
+              <a:ln>
+                <a:noFill/>
+              </a:ln>
+              <a:solidFill>
+                <a:prstClr val="white"/>
+              </a:solidFill>
+              <a:effectLst/>
+              <a:uLnTx/>
+              <a:uFillTx/>
+              <a:latin typeface="Calibri" panose="020F0502020204030204"/>
+              <a:ea typeface="+mn-ea"/>
+              <a:cs typeface="+mn-cs"/>
+            </a:endParaRPr>
+          </a:p>
+        </p:txBody>
+      </p:sp>
+      <p:sp>
+        <p:nvSpPr>
+          <p:cNvPr id="19" name="TextBox 18">
+            <a:extLst>
+              <a:ext uri="{FF2B5EF4-FFF2-40B4-BE49-F238E27FC236}">
+                <a16:creationId xmlns:a16="http://schemas.microsoft.com/office/drawing/2014/main" id="{06F3F343-75B6-9AB2-5F9B-E7D6BC0C2B24}"/>
+              </a:ext>
+            </a:extLst>
+          </p:cNvPr>
+          <p:cNvSpPr txBox="1"/>
+          <p:nvPr/>
+        </p:nvSpPr>
+        <p:spPr>
+          <a:xfrm>
+            <a:off x="371094" y="2718054"/>
+            <a:ext cx="3438906" cy="3207258"/>
+          </a:xfrm>
+          <a:prstGeom prst="rect">
+            <a:avLst/>
+          </a:prstGeom>
+        </p:spPr>
+        <p:txBody>
+          <a:bodyPr vert="horz" lIns="91440" tIns="45720" rIns="91440" bIns="45720" rtlCol="0" anchor="t">
+            <a:normAutofit/>
+          </a:bodyPr>
+          <a:lstStyle/>
+          <a:p>
+            <a:pPr defTabSz="914400">
+              <a:lnSpc>
+                <a:spcPct val="110000"/>
+              </a:lnSpc>
+              <a:spcAft>
+                <a:spcPts val="600"/>
+              </a:spcAft>
+            </a:pPr>
+            <a:r>
+              <a:rPr lang="en-US" sz="1700" dirty="0"/>
+              <a:t>It is noticeable that, unlike case 1, the presence of a second peak of lesser magnitude indicates a difference in power generated at different voltage values, which could represent a possible maximum of optimization, albeit local.</a:t>
+            </a:r>
+          </a:p>
+        </p:txBody>
+      </p:sp>
+      <p:pic>
+        <p:nvPicPr>
+          <p:cNvPr id="18" name="Picture 17" descr="A picture containing text, line, plot, diagram&#10;&#10;Description automatically generated">
+            <a:extLst>
+              <a:ext uri="{FF2B5EF4-FFF2-40B4-BE49-F238E27FC236}">
+                <a16:creationId xmlns:a16="http://schemas.microsoft.com/office/drawing/2014/main" id="{BF028D8F-4C34-1A1B-0580-FF7601227FEF}"/>
+              </a:ext>
+            </a:extLst>
+          </p:cNvPr>
+          <p:cNvPicPr>
+            <a:picLocks noChangeAspect="1"/>
+          </p:cNvPicPr>
+          <p:nvPr/>
+        </p:nvPicPr>
+        <p:blipFill>
+          <a:blip r:embed="rId2">
+            <a:extLst>
+              <a:ext uri="{28A0092B-C50C-407E-A947-70E740481C1C}">
+                <a14:useLocalDpi xmlns:a14="http://schemas.microsoft.com/office/drawing/2010/main" val="0"/>
+              </a:ext>
+            </a:extLst>
+          </a:blip>
+          <a:stretch>
+            <a:fillRect/>
+          </a:stretch>
+        </p:blipFill>
+        <p:spPr>
+          <a:xfrm>
+            <a:off x="4980081" y="841248"/>
+            <a:ext cx="6764214" cy="5276088"/>
+          </a:xfrm>
+          <a:prstGeom prst="rect">
+            <a:avLst/>
+          </a:prstGeom>
+        </p:spPr>
+      </p:pic>
+      <p:sp>
+        <p:nvSpPr>
+          <p:cNvPr id="20" name="Oval 19">
+            <a:extLst>
+              <a:ext uri="{FF2B5EF4-FFF2-40B4-BE49-F238E27FC236}">
+                <a16:creationId xmlns:a16="http://schemas.microsoft.com/office/drawing/2014/main" id="{59722BF7-24B4-2E88-AE99-19CE9FE92C97}"/>
+              </a:ext>
+            </a:extLst>
+          </p:cNvPr>
+          <p:cNvSpPr/>
+          <p:nvPr/>
+        </p:nvSpPr>
+        <p:spPr>
+          <a:xfrm>
+            <a:off x="9771798" y="1577009"/>
+            <a:ext cx="1121490" cy="377687"/>
+          </a:xfrm>
+          <a:prstGeom prst="ellipse">
+            <a:avLst/>
+          </a:prstGeom>
+          <a:noFill/>
+          <a:ln w="38100">
+            <a:solidFill>
+              <a:srgbClr val="FFC000"/>
+            </a:solidFill>
+          </a:ln>
+        </p:spPr>
+        <p:style>
+          <a:lnRef idx="2">
+            <a:schemeClr val="accent1">
+              <a:shade val="50000"/>
+            </a:schemeClr>
+          </a:lnRef>
+          <a:fillRef idx="1">
+            <a:schemeClr val="accent1"/>
+          </a:fillRef>
+          <a:effectRef idx="0">
+            <a:schemeClr val="accent1"/>
+          </a:effectRef>
+          <a:fontRef idx="minor">
+            <a:schemeClr val="lt1"/>
+          </a:fontRef>
+        </p:style>
+        <p:txBody>
+          <a:bodyPr rtlCol="0" anchor="ctr"/>
+          <a:lstStyle/>
+          <a:p>
+            <a:pPr algn="ctr"/>
+            <a:endParaRPr lang="it-IT"/>
+          </a:p>
+        </p:txBody>
+      </p:sp>
+    </p:spTree>
+    <p:extLst>
+      <p:ext uri="{BB962C8B-B14F-4D97-AF65-F5344CB8AC3E}">
+        <p14:creationId xmlns:p14="http://schemas.microsoft.com/office/powerpoint/2010/main" val="3340515337"/>
+      </p:ext>
+    </p:extLst>
+  </p:cSld>
+  <p:clrMapOvr>
+    <a:masterClrMapping/>
+  </p:clrMapOvr>
+  <mc:AlternateContent xmlns:mc="http://schemas.openxmlformats.org/markup-compatibility/2006" xmlns:p159="http://schemas.microsoft.com/office/powerpoint/2015/09/main">
+    <mc:Choice Requires="p159">
+      <p:transition xmlns:p14="http://schemas.microsoft.com/office/powerpoint/2010/main" spd="slow" p14:dur="2000">
+        <p159:morph option="byObject"/>
+      </p:transition>
+    </mc:Choice>
+    <mc:Fallback xmlns="">
+      <p:transition spd="slow">
+        <p:fade/>
+      </p:transition>
+    </mc:Fallback>
+  </mc:AlternateContent>
+</p:sld>
+</file>
+
+<file path=ppt/slides/slide18.xml><?xml version="1.0" encoding="utf-8"?>
+<p:sld xmlns:a="http://schemas.openxmlformats.org/drawingml/2006/main" xmlns:r="http://schemas.openxmlformats.org/officeDocument/2006/relationships" xmlns:p="http://schemas.openxmlformats.org/presentationml/2006/main">
+  <p:cSld>
+    <p:spTree>
+      <p:nvGrpSpPr>
+        <p:cNvPr id="1" name=""/>
+        <p:cNvGrpSpPr/>
+        <p:nvPr/>
+      </p:nvGrpSpPr>
+      <p:grpSpPr>
+        <a:xfrm>
+          <a:off x="0" y="0"/>
+          <a:ext cx="0" cy="0"/>
+          <a:chOff x="0" y="0"/>
+          <a:chExt cx="0" cy="0"/>
+        </a:xfrm>
+      </p:grpSpPr>
+      <p:sp>
+        <p:nvSpPr>
+          <p:cNvPr id="30" name="Titolo 1">
+            <a:extLst>
+              <a:ext uri="{FF2B5EF4-FFF2-40B4-BE49-F238E27FC236}">
+                <a16:creationId xmlns:a16="http://schemas.microsoft.com/office/drawing/2014/main" id="{2DF3C9FD-17B3-BA06-3EDF-3B511737C134}"/>
+              </a:ext>
+            </a:extLst>
+          </p:cNvPr>
+          <p:cNvSpPr txBox="1">
+            <a:spLocks/>
+          </p:cNvSpPr>
+          <p:nvPr/>
+        </p:nvSpPr>
+        <p:spPr>
+          <a:xfrm>
+            <a:off x="616804" y="249382"/>
+            <a:ext cx="10996076" cy="623454"/>
+          </a:xfrm>
+          <a:prstGeom prst="rect">
+            <a:avLst/>
+          </a:prstGeom>
+        </p:spPr>
+        <p:txBody>
+          <a:bodyPr lIns="91440" tIns="45720" rIns="91440" bIns="45720" anchor="t">
+            <a:normAutofit/>
+          </a:bodyPr>
+          <a:lstStyle>
+            <a:lvl1pPr algn="l" defTabSz="914400" rtl="0" eaLnBrk="1" latinLnBrk="0" hangingPunct="1">
+              <a:lnSpc>
+                <a:spcPct val="100000"/>
+              </a:lnSpc>
+              <a:spcBef>
+                <a:spcPct val="0"/>
+              </a:spcBef>
+              <a:buNone/>
+              <a:defRPr sz="3400" b="1" kern="1200">
+                <a:solidFill>
+                  <a:schemeClr val="tx1"/>
+                </a:solidFill>
+                <a:latin typeface="+mj-lt"/>
+                <a:ea typeface="+mj-ea"/>
+                <a:cs typeface="+mj-cs"/>
+              </a:defRPr>
+            </a:lvl1pPr>
+          </a:lstStyle>
+          <a:p>
+            <a:r>
+              <a:rPr lang="it-IT" dirty="0"/>
+              <a:t>Results with Shadow on a single String - 3</a:t>
+            </a:r>
+          </a:p>
+        </p:txBody>
+      </p:sp>
+      <p:pic>
+        <p:nvPicPr>
+          <p:cNvPr id="3" name="Picture 2" descr="A picture containing text, diagram, line, plot&#10;&#10;Description automatically generated">
+            <a:extLst>
+              <a:ext uri="{FF2B5EF4-FFF2-40B4-BE49-F238E27FC236}">
+                <a16:creationId xmlns:a16="http://schemas.microsoft.com/office/drawing/2014/main" id="{A15A96CB-8417-3BB7-9B9E-E5F62CC2693A}"/>
+              </a:ext>
+            </a:extLst>
+          </p:cNvPr>
+          <p:cNvPicPr>
+            <a:picLocks noChangeAspect="1"/>
+          </p:cNvPicPr>
+          <p:nvPr/>
+        </p:nvPicPr>
+        <p:blipFill>
+          <a:blip r:embed="rId2">
+            <a:extLst>
+              <a:ext uri="{28A0092B-C50C-407E-A947-70E740481C1C}">
+                <a14:useLocalDpi xmlns:a14="http://schemas.microsoft.com/office/drawing/2010/main" val="0"/>
+              </a:ext>
+            </a:extLst>
+          </a:blip>
+          <a:stretch>
+            <a:fillRect/>
+          </a:stretch>
+        </p:blipFill>
+        <p:spPr>
+          <a:xfrm>
+            <a:off x="5843965" y="2008424"/>
+            <a:ext cx="6234753" cy="4923258"/>
+          </a:xfrm>
+          <a:prstGeom prst="rect">
+            <a:avLst/>
+          </a:prstGeom>
+        </p:spPr>
+      </p:pic>
+      <p:pic>
+        <p:nvPicPr>
+          <p:cNvPr id="5" name="Picture 4" descr="A picture containing text, diagram, plot, line&#10;&#10;Description automatically generated">
+            <a:extLst>
+              <a:ext uri="{FF2B5EF4-FFF2-40B4-BE49-F238E27FC236}">
+                <a16:creationId xmlns:a16="http://schemas.microsoft.com/office/drawing/2014/main" id="{85F43D98-5682-27DA-E63C-954650E9C0A2}"/>
+              </a:ext>
+            </a:extLst>
+          </p:cNvPr>
+          <p:cNvPicPr>
+            <a:picLocks noChangeAspect="1"/>
+          </p:cNvPicPr>
+          <p:nvPr/>
+        </p:nvPicPr>
+        <p:blipFill>
+          <a:blip r:embed="rId3">
+            <a:extLst>
+              <a:ext uri="{28A0092B-C50C-407E-A947-70E740481C1C}">
+                <a14:useLocalDpi xmlns:a14="http://schemas.microsoft.com/office/drawing/2010/main" val="0"/>
+              </a:ext>
+            </a:extLst>
+          </a:blip>
+          <a:stretch>
+            <a:fillRect/>
+          </a:stretch>
+        </p:blipFill>
+        <p:spPr>
+          <a:xfrm>
+            <a:off x="0" y="2008424"/>
+            <a:ext cx="6061432" cy="4923258"/>
+          </a:xfrm>
+          <a:prstGeom prst="rect">
+            <a:avLst/>
+          </a:prstGeom>
+        </p:spPr>
+      </p:pic>
+      <p:sp>
+        <p:nvSpPr>
+          <p:cNvPr id="6" name="TextBox 5">
+            <a:extLst>
+              <a:ext uri="{FF2B5EF4-FFF2-40B4-BE49-F238E27FC236}">
+                <a16:creationId xmlns:a16="http://schemas.microsoft.com/office/drawing/2014/main" id="{6EA07CEE-1E39-6E2A-3D03-38D33B7B7E24}"/>
+              </a:ext>
+            </a:extLst>
+          </p:cNvPr>
+          <p:cNvSpPr txBox="1"/>
+          <p:nvPr/>
+        </p:nvSpPr>
+        <p:spPr>
+          <a:xfrm>
+            <a:off x="409433" y="968991"/>
+            <a:ext cx="11416352" cy="1200329"/>
+          </a:xfrm>
+          <a:prstGeom prst="rect">
+            <a:avLst/>
+          </a:prstGeom>
+          <a:noFill/>
+        </p:spPr>
+        <p:txBody>
+          <a:bodyPr wrap="square" rtlCol="0">
+            <a:spAutoFit/>
+          </a:bodyPr>
+          <a:lstStyle/>
+          <a:p>
+            <a:r>
+              <a:rPr lang="en-US" dirty="0"/>
+              <a:t>The optimized voltage remains the same as in the shade-free case, as it is easily understood that in a parallel configuration, the voltage is shared among all components. Therefore, even if one of the three strings is turned off, the voltage remains unchanged. What varies, of course, is the amount of power produced during the day.</a:t>
+            </a:r>
+            <a:endParaRPr lang="it-IT" dirty="0"/>
+          </a:p>
+        </p:txBody>
+      </p:sp>
+    </p:spTree>
+    <p:extLst>
+      <p:ext uri="{BB962C8B-B14F-4D97-AF65-F5344CB8AC3E}">
+        <p14:creationId xmlns:p14="http://schemas.microsoft.com/office/powerpoint/2010/main" val="3379788268"/>
+      </p:ext>
+    </p:extLst>
+  </p:cSld>
+  <p:clrMapOvr>
+    <a:masterClrMapping/>
+  </p:clrMapOvr>
+  <mc:AlternateContent xmlns:mc="http://schemas.openxmlformats.org/markup-compatibility/2006" xmlns:p159="http://schemas.microsoft.com/office/powerpoint/2015/09/main">
+    <mc:Choice Requires="p159">
+      <p:transition xmlns:p14="http://schemas.microsoft.com/office/powerpoint/2010/main" spd="slow" p14:dur="2000">
+        <p159:morph option="byObject"/>
+      </p:transition>
+    </mc:Choice>
+    <mc:Fallback xmlns="">
+      <p:transition spd="slow">
+        <p:fade/>
+      </p:transition>
+    </mc:Fallback>
+  </mc:AlternateContent>
+</p:sld>
+</file>
+
+<file path=ppt/slides/slide19.xml><?xml version="1.0" encoding="utf-8"?>
+<p:sld xmlns:a="http://schemas.openxmlformats.org/drawingml/2006/main" xmlns:r="http://schemas.openxmlformats.org/officeDocument/2006/relationships" xmlns:p="http://schemas.openxmlformats.org/presentationml/2006/main">
+  <p:cSld>
+    <p:spTree>
+      <p:nvGrpSpPr>
+        <p:cNvPr id="1" name=""/>
+        <p:cNvGrpSpPr/>
+        <p:nvPr/>
+      </p:nvGrpSpPr>
+      <p:grpSpPr>
+        <a:xfrm>
+          <a:off x="0" y="0"/>
+          <a:ext cx="0" cy="0"/>
+          <a:chOff x="0" y="0"/>
+          <a:chExt cx="0" cy="0"/>
+        </a:xfrm>
+      </p:grpSpPr>
+      <p:sp>
+        <p:nvSpPr>
+          <p:cNvPr id="2" name="Title 1">
+            <a:extLst>
+              <a:ext uri="{FF2B5EF4-FFF2-40B4-BE49-F238E27FC236}">
+                <a16:creationId xmlns:a16="http://schemas.microsoft.com/office/drawing/2014/main" id="{C0C1A6D4-E0E2-258F-B5D2-BEFCEA4BFE29}"/>
+              </a:ext>
+            </a:extLst>
+          </p:cNvPr>
+          <p:cNvSpPr>
+            <a:spLocks noGrp="1"/>
+          </p:cNvSpPr>
+          <p:nvPr>
+            <p:ph type="title" idx="4294967295"/>
+          </p:nvPr>
+        </p:nvSpPr>
+        <p:spPr>
+          <a:xfrm>
+            <a:off x="616804" y="0"/>
+            <a:ext cx="10167937" cy="1179513"/>
+          </a:xfrm>
+        </p:spPr>
+        <p:txBody>
+          <a:bodyPr/>
+          <a:lstStyle/>
+          <a:p>
+            <a:r>
+              <a:rPr lang="it-IT" dirty="0"/>
+              <a:t>Results with Shadow on a single - 1</a:t>
+            </a:r>
+          </a:p>
+        </p:txBody>
+      </p:sp>
+      <p:sp>
+        <p:nvSpPr>
+          <p:cNvPr id="14" name="Titolo 1">
+            <a:extLst>
+              <a:ext uri="{FF2B5EF4-FFF2-40B4-BE49-F238E27FC236}">
+                <a16:creationId xmlns:a16="http://schemas.microsoft.com/office/drawing/2014/main" id="{7FDBCCB5-F0AF-580B-2F09-898B232B7B66}"/>
+              </a:ext>
+            </a:extLst>
+          </p:cNvPr>
+          <p:cNvSpPr txBox="1">
+            <a:spLocks/>
+          </p:cNvSpPr>
+          <p:nvPr/>
+        </p:nvSpPr>
+        <p:spPr>
+          <a:xfrm>
+            <a:off x="616804" y="249382"/>
+            <a:ext cx="10996076" cy="623454"/>
+          </a:xfrm>
+          <a:prstGeom prst="rect">
+            <a:avLst/>
+          </a:prstGeom>
+        </p:spPr>
+        <p:txBody>
+          <a:bodyPr lIns="91440" tIns="45720" rIns="91440" bIns="45720" anchor="t">
+            <a:normAutofit/>
+          </a:bodyPr>
+          <a:lstStyle>
+            <a:lvl1pPr algn="l" defTabSz="914400" rtl="0" eaLnBrk="1" latinLnBrk="0" hangingPunct="1">
+              <a:lnSpc>
+                <a:spcPct val="100000"/>
+              </a:lnSpc>
+              <a:spcBef>
+                <a:spcPct val="0"/>
+              </a:spcBef>
+              <a:buNone/>
+              <a:defRPr sz="3400" b="1" kern="1200">
+                <a:solidFill>
+                  <a:schemeClr val="tx1"/>
+                </a:solidFill>
+                <a:latin typeface="+mj-lt"/>
+                <a:ea typeface="+mj-ea"/>
+                <a:cs typeface="+mj-cs"/>
+              </a:defRPr>
+            </a:lvl1pPr>
+          </a:lstStyle>
+          <a:p>
+            <a:endParaRPr lang="it-IT" dirty="0"/>
+          </a:p>
+        </p:txBody>
+      </p:sp>
+      <p:pic>
+        <p:nvPicPr>
+          <p:cNvPr id="8" name="Picture 7" descr="A picture containing text, diagram, line, plot&#10;&#10;Description automatically generated">
+            <a:extLst>
+              <a:ext uri="{FF2B5EF4-FFF2-40B4-BE49-F238E27FC236}">
+                <a16:creationId xmlns:a16="http://schemas.microsoft.com/office/drawing/2014/main" id="{AC0109CD-A2BC-692E-150F-1B9760146857}"/>
+              </a:ext>
+            </a:extLst>
+          </p:cNvPr>
+          <p:cNvPicPr>
+            <a:picLocks noChangeAspect="1"/>
+          </p:cNvPicPr>
+          <p:nvPr/>
+        </p:nvPicPr>
+        <p:blipFill>
+          <a:blip r:embed="rId2">
+            <a:extLst>
+              <a:ext uri="{28A0092B-C50C-407E-A947-70E740481C1C}">
+                <a14:useLocalDpi xmlns:a14="http://schemas.microsoft.com/office/drawing/2010/main" val="0"/>
+              </a:ext>
+            </a:extLst>
+          </a:blip>
+          <a:stretch>
+            <a:fillRect/>
+          </a:stretch>
+        </p:blipFill>
+        <p:spPr>
+          <a:xfrm>
+            <a:off x="4335516" y="872836"/>
+            <a:ext cx="3620406" cy="5629701"/>
+          </a:xfrm>
+          <a:prstGeom prst="rect">
+            <a:avLst/>
+          </a:prstGeom>
+        </p:spPr>
+      </p:pic>
+      <p:pic>
+        <p:nvPicPr>
+          <p:cNvPr id="10" name="Picture 9" descr="A picture containing diagram, plot, line, text&#10;&#10;Description automatically generated">
+            <a:extLst>
+              <a:ext uri="{FF2B5EF4-FFF2-40B4-BE49-F238E27FC236}">
+                <a16:creationId xmlns:a16="http://schemas.microsoft.com/office/drawing/2014/main" id="{D84C29F1-227A-7460-F29E-2093BEA8BEF1}"/>
+              </a:ext>
+            </a:extLst>
+          </p:cNvPr>
+          <p:cNvPicPr>
+            <a:picLocks noChangeAspect="1"/>
+          </p:cNvPicPr>
+          <p:nvPr/>
+        </p:nvPicPr>
+        <p:blipFill>
+          <a:blip r:embed="rId3">
+            <a:extLst>
+              <a:ext uri="{28A0092B-C50C-407E-A947-70E740481C1C}">
+                <a14:useLocalDpi xmlns:a14="http://schemas.microsoft.com/office/drawing/2010/main" val="0"/>
+              </a:ext>
+            </a:extLst>
+          </a:blip>
+          <a:stretch>
+            <a:fillRect/>
+          </a:stretch>
+        </p:blipFill>
+        <p:spPr>
+          <a:xfrm>
+            <a:off x="466676" y="872836"/>
+            <a:ext cx="3315955" cy="5629701"/>
+          </a:xfrm>
+          <a:prstGeom prst="rect">
+            <a:avLst/>
+          </a:prstGeom>
+        </p:spPr>
+      </p:pic>
+      <p:pic>
+        <p:nvPicPr>
+          <p:cNvPr id="11" name="Picture 10" descr="A picture containing diagram, plot, line, text&#10;&#10;Description automatically generated">
+            <a:extLst>
+              <a:ext uri="{FF2B5EF4-FFF2-40B4-BE49-F238E27FC236}">
+                <a16:creationId xmlns:a16="http://schemas.microsoft.com/office/drawing/2014/main" id="{91CC9624-8C3D-5CF6-4351-9F158A1F79BC}"/>
+              </a:ext>
+            </a:extLst>
+          </p:cNvPr>
+          <p:cNvPicPr>
+            <a:picLocks noChangeAspect="1"/>
+          </p:cNvPicPr>
+          <p:nvPr/>
+        </p:nvPicPr>
+        <p:blipFill>
+          <a:blip r:embed="rId3">
+            <a:extLst>
+              <a:ext uri="{28A0092B-C50C-407E-A947-70E740481C1C}">
+                <a14:useLocalDpi xmlns:a14="http://schemas.microsoft.com/office/drawing/2010/main" val="0"/>
+              </a:ext>
+            </a:extLst>
+          </a:blip>
+          <a:stretch>
+            <a:fillRect/>
+          </a:stretch>
+        </p:blipFill>
+        <p:spPr>
+          <a:xfrm>
+            <a:off x="8508807" y="872836"/>
+            <a:ext cx="3315955" cy="5629701"/>
+          </a:xfrm>
+          <a:prstGeom prst="rect">
+            <a:avLst/>
+          </a:prstGeom>
+        </p:spPr>
+      </p:pic>
+      <p:sp>
+        <p:nvSpPr>
+          <p:cNvPr id="12" name="Oval 11">
+            <a:extLst>
+              <a:ext uri="{FF2B5EF4-FFF2-40B4-BE49-F238E27FC236}">
+                <a16:creationId xmlns:a16="http://schemas.microsoft.com/office/drawing/2014/main" id="{93F155D8-1F07-2929-CE37-9C41A6B6AACF}"/>
+              </a:ext>
+            </a:extLst>
+          </p:cNvPr>
+          <p:cNvSpPr/>
+          <p:nvPr/>
+        </p:nvSpPr>
+        <p:spPr>
+          <a:xfrm>
+            <a:off x="6429875" y="2001079"/>
+            <a:ext cx="1584005" cy="1577008"/>
+          </a:xfrm>
+          <a:prstGeom prst="ellipse">
+            <a:avLst/>
+          </a:prstGeom>
+          <a:noFill/>
+        </p:spPr>
+        <p:style>
+          <a:lnRef idx="2">
+            <a:schemeClr val="accent1">
+              <a:shade val="50000"/>
+            </a:schemeClr>
+          </a:lnRef>
+          <a:fillRef idx="1">
+            <a:schemeClr val="accent1"/>
+          </a:fillRef>
+          <a:effectRef idx="0">
+            <a:schemeClr val="accent1"/>
+          </a:effectRef>
+          <a:fontRef idx="minor">
+            <a:schemeClr val="lt1"/>
+          </a:fontRef>
+        </p:style>
+        <p:txBody>
+          <a:bodyPr rtlCol="0" anchor="ctr"/>
+          <a:lstStyle/>
+          <a:p>
+            <a:pPr algn="ctr"/>
+            <a:endParaRPr lang="it-IT"/>
+          </a:p>
+        </p:txBody>
+      </p:sp>
+    </p:spTree>
+    <p:extLst>
+      <p:ext uri="{BB962C8B-B14F-4D97-AF65-F5344CB8AC3E}">
+        <p14:creationId xmlns:p14="http://schemas.microsoft.com/office/powerpoint/2010/main" val="3188956564"/>
+      </p:ext>
+    </p:extLst>
+  </p:cSld>
+  <p:clrMapOvr>
+    <a:masterClrMapping/>
+  </p:clrMapOvr>
+  <mc:AlternateContent xmlns:mc="http://schemas.openxmlformats.org/markup-compatibility/2006" xmlns:p159="http://schemas.microsoft.com/office/powerpoint/2015/09/main">
+    <mc:Choice Requires="p159">
+      <p:transition xmlns:p14="http://schemas.microsoft.com/office/powerpoint/2010/main" spd="slow" p14:dur="2000">
+        <p159:morph option="byObject"/>
+      </p:transition>
+    </mc:Choice>
+    <mc:Fallback xmlns="">
+      <p:transition spd="slow">
+        <p:fade/>
+      </p:transition>
+    </mc:Fallback>
+  </mc:AlternateContent>
+</p:sld>
+</file>
+
+<file path=ppt/slides/slide2.xml><?xml version="1.0" encoding="utf-8"?>
+<p:sld xmlns:a="http://schemas.openxmlformats.org/drawingml/2006/main" xmlns:r="http://schemas.openxmlformats.org/officeDocument/2006/relationships" xmlns:p="http://schemas.openxmlformats.org/presentationml/2006/main">
+  <p:cSld>
+    <p:bg>
+      <p:bgPr>
+        <a:solidFill>
+          <a:schemeClr val="bg1"/>
+        </a:solidFill>
+        <a:effectLst/>
+      </p:bgPr>
+    </p:bg>
+    <p:spTree>
+      <p:nvGrpSpPr>
+        <p:cNvPr id="1" name=""/>
+        <p:cNvGrpSpPr/>
+        <p:nvPr/>
+      </p:nvGrpSpPr>
+      <p:grpSpPr>
+        <a:xfrm>
+          <a:off x="0" y="0"/>
+          <a:ext cx="0" cy="0"/>
+          <a:chOff x="0" y="0"/>
+          <a:chExt cx="0" cy="0"/>
+        </a:xfrm>
+      </p:grpSpPr>
+      <p:sp useBgFill="1">
+        <p:nvSpPr>
+          <p:cNvPr id="9" name="Rectangle 8">
+            <a:extLst>
+              <a:ext uri="{FF2B5EF4-FFF2-40B4-BE49-F238E27FC236}">
+                <a16:creationId xmlns:a16="http://schemas.microsoft.com/office/drawing/2014/main" id="{79477870-C64A-4E35-8F2F-05B7114F3C74}"/>
+              </a:ext>
+              <a:ext uri="{C183D7F6-B498-43B3-948B-1728B52AA6E4}">
+                <adec:decorative xmlns:adec="http://schemas.microsoft.com/office/drawing/2017/decorative" val="1"/>
+              </a:ext>
+            </a:extLst>
+          </p:cNvPr>
+          <p:cNvSpPr>
+            <a:spLocks noGrp="1" noRot="1" noChangeAspect="1" noMove="1" noResize="1" noEditPoints="1" noAdjustHandles="1" noChangeArrowheads="1" noChangeShapeType="1" noTextEdit="1"/>
+          </p:cNvSpPr>
+          <p:nvPr>
+            <p:extLst>
+              <p:ext uri="{386F3935-93C4-4BCD-93E2-E3B085C9AB24}">
+                <p16:designElem xmlns:p16="http://schemas.microsoft.com/office/powerpoint/2015/main" val="1"/>
+              </p:ext>
+            </p:extLst>
+          </p:nvPr>
+        </p:nvSpPr>
+        <p:spPr>
+          <a:xfrm>
+            <a:off x="0" y="0"/>
+            <a:ext cx="12192000" cy="6858000"/>
+          </a:xfrm>
+          <a:prstGeom prst="rect">
+            <a:avLst/>
+          </a:prstGeom>
+          <a:ln>
+            <a:noFill/>
+          </a:ln>
+        </p:spPr>
+        <p:style>
+          <a:lnRef idx="2">
+            <a:schemeClr val="accent1">
+              <a:shade val="50000"/>
+            </a:schemeClr>
+          </a:lnRef>
+          <a:fillRef idx="1">
+            <a:schemeClr val="accent1"/>
+          </a:fillRef>
+          <a:effectRef idx="0">
+            <a:schemeClr val="accent1"/>
+          </a:effectRef>
+          <a:fontRef idx="minor">
+            <a:schemeClr val="lt1"/>
+          </a:fontRef>
+        </p:style>
+        <p:txBody>
+          <a:bodyPr rtlCol="0" anchor="ctr"/>
+          <a:lstStyle/>
+          <a:p>
+            <a:pPr algn="ctr"/>
+            <a:endParaRPr lang="en-US"/>
+          </a:p>
+        </p:txBody>
+      </p:sp>
+      <p:sp>
+        <p:nvSpPr>
+          <p:cNvPr id="2" name="Titolo 1">
+            <a:extLst>
+              <a:ext uri="{FF2B5EF4-FFF2-40B4-BE49-F238E27FC236}">
+                <a16:creationId xmlns:a16="http://schemas.microsoft.com/office/drawing/2014/main" id="{154454CD-4916-8E1F-2D56-52B0118C0DEE}"/>
+              </a:ext>
+            </a:extLst>
+          </p:cNvPr>
+          <p:cNvSpPr>
+            <a:spLocks noGrp="1"/>
+          </p:cNvSpPr>
+          <p:nvPr>
+            <p:ph type="title"/>
+          </p:nvPr>
+        </p:nvSpPr>
+        <p:spPr>
+          <a:xfrm>
+            <a:off x="612648" y="1078992"/>
+            <a:ext cx="6268770" cy="1536192"/>
+          </a:xfrm>
+        </p:spPr>
+        <p:txBody>
+          <a:bodyPr anchor="b">
+            <a:normAutofit/>
+          </a:bodyPr>
+          <a:lstStyle/>
+          <a:p>
+            <a:r>
+              <a:rPr lang="it-IT" sz="5200"/>
+              <a:t>Problem description</a:t>
+            </a:r>
+          </a:p>
+        </p:txBody>
+      </p:sp>
+      <p:sp>
+        <p:nvSpPr>
+          <p:cNvPr id="11" name="Rectangle 10">
+            <a:extLst>
+              <a:ext uri="{FF2B5EF4-FFF2-40B4-BE49-F238E27FC236}">
+                <a16:creationId xmlns:a16="http://schemas.microsoft.com/office/drawing/2014/main" id="{8AEA628B-C8FF-4D0B-B111-F101F580B15D}"/>
+              </a:ext>
+              <a:ext uri="{C183D7F6-B498-43B3-948B-1728B52AA6E4}">
+                <adec:decorative xmlns:adec="http://schemas.microsoft.com/office/drawing/2017/decorative" val="1"/>
+              </a:ext>
+            </a:extLst>
+          </p:cNvPr>
+          <p:cNvSpPr>
+            <a:spLocks noGrp="1" noRot="1" noChangeAspect="1" noMove="1" noResize="1" noEditPoints="1" noAdjustHandles="1" noChangeArrowheads="1" noChangeShapeType="1" noTextEdit="1"/>
+          </p:cNvSpPr>
+          <p:nvPr>
+            <p:extLst>
+              <p:ext uri="{386F3935-93C4-4BCD-93E2-E3B085C9AB24}">
+                <p16:designElem xmlns:p16="http://schemas.microsoft.com/office/powerpoint/2015/main" val="1"/>
+              </p:ext>
+            </p:extLst>
+          </p:nvPr>
+        </p:nvSpPr>
+        <p:spPr>
+          <a:xfrm rot="5400000">
+            <a:off x="853202" y="363389"/>
+            <a:ext cx="73152" cy="548640"/>
+          </a:xfrm>
+          <a:prstGeom prst="rect">
+            <a:avLst/>
+          </a:prstGeom>
+          <a:solidFill>
+            <a:schemeClr val="accent1"/>
+          </a:solidFill>
+          <a:ln>
+            <a:noFill/>
+          </a:ln>
+        </p:spPr>
+        <p:style>
+          <a:lnRef idx="2">
+            <a:schemeClr val="accent1">
+              <a:shade val="50000"/>
+            </a:schemeClr>
+          </a:lnRef>
+          <a:fillRef idx="1">
+            <a:schemeClr val="accent1"/>
+          </a:fillRef>
+          <a:effectRef idx="0">
+            <a:schemeClr val="accent1"/>
+          </a:effectRef>
+          <a:fontRef idx="minor">
+            <a:schemeClr val="lt1"/>
+          </a:fontRef>
+        </p:style>
+        <p:txBody>
+          <a:bodyPr rtlCol="0" anchor="ctr"/>
+          <a:lstStyle/>
+          <a:p>
+            <a:pPr marL="0" marR="0" lvl="0" indent="0" algn="ctr" defTabSz="914400" rtl="0" eaLnBrk="1" fontAlgn="auto" latinLnBrk="0" hangingPunct="1">
+              <a:lnSpc>
+                <a:spcPct val="100000"/>
+              </a:lnSpc>
+              <a:spcBef>
+                <a:spcPts val="0"/>
+              </a:spcBef>
+              <a:spcAft>
+                <a:spcPts val="0"/>
+              </a:spcAft>
+              <a:buClrTx/>
+              <a:buSzTx/>
+              <a:buFontTx/>
+              <a:buNone/>
+              <a:tabLst/>
+              <a:defRPr/>
+            </a:pPr>
+            <a:endParaRPr kumimoji="0" lang="en-US" sz="1800" b="0" i="0" u="none" strike="noStrike" kern="1200" cap="none" spc="0" normalizeH="0" baseline="0" noProof="0">
+              <a:ln>
+                <a:noFill/>
+              </a:ln>
+              <a:solidFill>
+                <a:prstClr val="white"/>
+              </a:solidFill>
+              <a:effectLst/>
+              <a:uLnTx/>
+              <a:uFillTx/>
+              <a:latin typeface="Calibri" panose="020F0502020204030204"/>
+              <a:ea typeface="+mn-ea"/>
+              <a:cs typeface="+mn-cs"/>
+            </a:endParaRPr>
+          </a:p>
+        </p:txBody>
+      </p:sp>
+      <p:sp>
+        <p:nvSpPr>
+          <p:cNvPr id="13" name="Rectangle 12">
+            <a:extLst>
+              <a:ext uri="{FF2B5EF4-FFF2-40B4-BE49-F238E27FC236}">
+                <a16:creationId xmlns:a16="http://schemas.microsoft.com/office/drawing/2014/main" id="{42663BD0-064C-40FC-A331-F49FCA9536AA}"/>
+              </a:ext>
+              <a:ext uri="{C183D7F6-B498-43B3-948B-1728B52AA6E4}">
+                <adec:decorative xmlns:adec="http://schemas.microsoft.com/office/drawing/2017/decorative" val="1"/>
+              </a:ext>
+            </a:extLst>
+          </p:cNvPr>
+          <p:cNvSpPr>
+            <a:spLocks noGrp="1" noRot="1" noChangeAspect="1" noMove="1" noResize="1" noEditPoints="1" noAdjustHandles="1" noChangeArrowheads="1" noChangeShapeType="1" noTextEdit="1"/>
+          </p:cNvSpPr>
+          <p:nvPr>
+            <p:extLst>
+              <p:ext uri="{386F3935-93C4-4BCD-93E2-E3B085C9AB24}">
+                <p16:designElem xmlns:p16="http://schemas.microsoft.com/office/powerpoint/2015/main" val="1"/>
+              </p:ext>
+            </p:extLst>
+          </p:nvPr>
+        </p:nvSpPr>
+        <p:spPr>
+          <a:xfrm>
+            <a:off x="618506" y="2935541"/>
+            <a:ext cx="6217920" cy="18288"/>
+          </a:xfrm>
+          <a:prstGeom prst="rect">
+            <a:avLst/>
+          </a:prstGeom>
+          <a:solidFill>
+            <a:schemeClr val="tx2">
+              <a:lumMod val="25000"/>
+              <a:lumOff val="75000"/>
+            </a:schemeClr>
+          </a:solidFill>
+          <a:ln w="3175">
+            <a:noFill/>
+          </a:ln>
+          <a:effectLst/>
+        </p:spPr>
+        <p:style>
+          <a:lnRef idx="2">
+            <a:schemeClr val="accent1">
+              <a:shade val="50000"/>
+            </a:schemeClr>
+          </a:lnRef>
+          <a:fillRef idx="1">
+            <a:schemeClr val="accent1"/>
+          </a:fillRef>
+          <a:effectRef idx="0">
+            <a:schemeClr val="accent1"/>
+          </a:effectRef>
+          <a:fontRef idx="minor">
+            <a:schemeClr val="lt1"/>
+          </a:fontRef>
+        </p:style>
+        <p:txBody>
+          <a:bodyPr rtlCol="0" anchor="ctr"/>
+          <a:lstStyle/>
+          <a:p>
+            <a:pPr marL="0" marR="0" lvl="0" indent="0" algn="ctr" defTabSz="914400" rtl="0" eaLnBrk="1" fontAlgn="auto" latinLnBrk="0" hangingPunct="1">
+              <a:lnSpc>
+                <a:spcPct val="100000"/>
+              </a:lnSpc>
+              <a:spcBef>
+                <a:spcPts val="0"/>
+              </a:spcBef>
+              <a:spcAft>
+                <a:spcPts val="0"/>
+              </a:spcAft>
+              <a:buClrTx/>
+              <a:buSzTx/>
+              <a:buFontTx/>
+              <a:buNone/>
+              <a:tabLst/>
+              <a:defRPr/>
+            </a:pPr>
+            <a:endParaRPr kumimoji="0" lang="en-US" sz="1800" b="0" i="0" u="none" strike="noStrike" kern="1200" cap="none" spc="0" normalizeH="0" baseline="0" noProof="0">
+              <a:ln>
+                <a:noFill/>
+              </a:ln>
+              <a:solidFill>
+                <a:prstClr val="white"/>
+              </a:solidFill>
+              <a:effectLst/>
+              <a:uLnTx/>
+              <a:uFillTx/>
+              <a:latin typeface="Calibri" panose="020F0502020204030204"/>
+              <a:ea typeface="+mn-ea"/>
+              <a:cs typeface="+mn-cs"/>
+            </a:endParaRPr>
+          </a:p>
+        </p:txBody>
+      </p:sp>
+      <p:sp>
+        <p:nvSpPr>
+          <p:cNvPr id="3" name="Segnaposto contenuto 2">
+            <a:extLst>
+              <a:ext uri="{FF2B5EF4-FFF2-40B4-BE49-F238E27FC236}">
+                <a16:creationId xmlns:a16="http://schemas.microsoft.com/office/drawing/2014/main" id="{2484187F-7A4E-4444-413F-BEC1589BC1AB}"/>
+              </a:ext>
+            </a:extLst>
+          </p:cNvPr>
+          <p:cNvSpPr>
+            <a:spLocks noGrp="1"/>
+          </p:cNvSpPr>
+          <p:nvPr>
+            <p:ph idx="1"/>
+          </p:nvPr>
+        </p:nvSpPr>
+        <p:spPr>
+          <a:xfrm>
+            <a:off x="615458" y="3355848"/>
+            <a:ext cx="6268770" cy="2825496"/>
+          </a:xfrm>
+        </p:spPr>
+        <p:txBody>
+          <a:bodyPr>
+            <a:normAutofit/>
+          </a:bodyPr>
+          <a:lstStyle/>
+          <a:p>
+            <a:pPr marL="0" indent="0">
+              <a:lnSpc>
+                <a:spcPct val="100000"/>
+              </a:lnSpc>
+              <a:buNone/>
+            </a:pPr>
+            <a:r>
+              <a:rPr lang="en-US" sz="1500" dirty="0"/>
+              <a:t>This presentation focuses on solving an optimization problem related to a parallel-series configuration of photovoltaic (PV) panels to maximize power generation. The objective is to identify the optimal voltage value that achieves maximum power output. Throughout the presentation, the techniques employed and the results obtained will be analyzed, highlighting the advantages of this solution and potential applications in the field of solar energy. The focus will be on the approach used to optimize the performance of photovoltaic systems and the potential benefits that arise from it.</a:t>
+            </a:r>
+            <a:endParaRPr lang="it-IT" sz="1500" dirty="0"/>
+          </a:p>
+        </p:txBody>
+      </p:sp>
+      <p:pic>
+        <p:nvPicPr>
+          <p:cNvPr id="5" name="Picture 4" descr="Lampadina su sfondo giallo con cavo e fasci di luce disegnati">
+            <a:extLst>
+              <a:ext uri="{FF2B5EF4-FFF2-40B4-BE49-F238E27FC236}">
+                <a16:creationId xmlns:a16="http://schemas.microsoft.com/office/drawing/2014/main" id="{7B8D5584-A3B1-A6E2-2DBA-B3977BC6F742}"/>
+              </a:ext>
+            </a:extLst>
+          </p:cNvPr>
+          <p:cNvPicPr>
+            <a:picLocks noChangeAspect="1"/>
+          </p:cNvPicPr>
+          <p:nvPr/>
+        </p:nvPicPr>
+        <p:blipFill rotWithShape="1">
+          <a:blip r:embed="rId2"/>
+          <a:srcRect l="51916" r="7658"/>
+          <a:stretch/>
+        </p:blipFill>
+        <p:spPr>
+          <a:xfrm>
+            <a:off x="7684006" y="10"/>
+            <a:ext cx="4507993" cy="6857990"/>
+          </a:xfrm>
+          <a:prstGeom prst="rect">
+            <a:avLst/>
+          </a:prstGeom>
+        </p:spPr>
+      </p:pic>
+    </p:spTree>
+    <p:extLst>
+      <p:ext uri="{BB962C8B-B14F-4D97-AF65-F5344CB8AC3E}">
+        <p14:creationId xmlns:p14="http://schemas.microsoft.com/office/powerpoint/2010/main" val="1300032028"/>
+      </p:ext>
+    </p:extLst>
+  </p:cSld>
+  <p:clrMapOvr>
+    <a:masterClrMapping/>
+  </p:clrMapOvr>
+  <mc:AlternateContent xmlns:mc="http://schemas.openxmlformats.org/markup-compatibility/2006" xmlns:p159="http://schemas.microsoft.com/office/powerpoint/2015/09/main">
+    <mc:Choice Requires="p159">
+      <p:transition xmlns:p14="http://schemas.microsoft.com/office/powerpoint/2010/main" spd="slow" p14:dur="2000">
+        <p159:morph option="byObject"/>
+      </p:transition>
+    </mc:Choice>
+    <mc:Fallback xmlns="">
+      <p:transition spd="slow">
+        <p:fade/>
+      </p:transition>
+    </mc:Fallback>
+  </mc:AlternateContent>
+</p:sld>
+</file>
+
+<file path=ppt/slides/slide20.xml><?xml version="1.0" encoding="utf-8"?>
+<p:sld xmlns:a="http://schemas.openxmlformats.org/drawingml/2006/main" xmlns:r="http://schemas.openxmlformats.org/officeDocument/2006/relationships" xmlns:p="http://schemas.openxmlformats.org/presentationml/2006/main">
+  <p:cSld>
+    <p:bg>
+      <p:bgPr>
+        <a:solidFill>
+          <a:schemeClr val="bg1"/>
+        </a:solidFill>
+        <a:effectLst/>
+      </p:bgPr>
+    </p:bg>
+    <p:spTree>
+      <p:nvGrpSpPr>
+        <p:cNvPr id="1" name=""/>
+        <p:cNvGrpSpPr/>
+        <p:nvPr/>
+      </p:nvGrpSpPr>
+      <p:grpSpPr>
+        <a:xfrm>
+          <a:off x="0" y="0"/>
+          <a:ext cx="0" cy="0"/>
+          <a:chOff x="0" y="0"/>
+          <a:chExt cx="0" cy="0"/>
+        </a:xfrm>
+      </p:grpSpPr>
+      <p:sp useBgFill="1">
+        <p:nvSpPr>
+          <p:cNvPr id="18" name="Rectangle 17">
+            <a:extLst>
+              <a:ext uri="{FF2B5EF4-FFF2-40B4-BE49-F238E27FC236}">
+                <a16:creationId xmlns:a16="http://schemas.microsoft.com/office/drawing/2014/main" id="{2D6FBB9D-1CAA-4D05-AB33-BABDFE17B843}"/>
+              </a:ext>
+              <a:ext uri="{C183D7F6-B498-43B3-948B-1728B52AA6E4}">
+                <adec:decorative xmlns:adec="http://schemas.microsoft.com/office/drawing/2017/decorative" val="1"/>
+              </a:ext>
+            </a:extLst>
+          </p:cNvPr>
+          <p:cNvSpPr>
+            <a:spLocks noGrp="1" noRot="1" noChangeAspect="1" noMove="1" noResize="1" noEditPoints="1" noAdjustHandles="1" noChangeArrowheads="1" noChangeShapeType="1" noTextEdit="1"/>
+          </p:cNvSpPr>
+          <p:nvPr>
+            <p:extLst>
+              <p:ext uri="{386F3935-93C4-4BCD-93E2-E3B085C9AB24}">
+                <p16:designElem xmlns:p16="http://schemas.microsoft.com/office/powerpoint/2015/main" val="1"/>
+              </p:ext>
+            </p:extLst>
+          </p:nvPr>
+        </p:nvSpPr>
+        <p:spPr>
+          <a:xfrm>
+            <a:off x="558209" y="0"/>
+            <a:ext cx="11167447" cy="2018806"/>
+          </a:xfrm>
+          <a:prstGeom prst="rect">
+            <a:avLst/>
+          </a:prstGeom>
+          <a:ln w="9525">
+            <a:solidFill>
+              <a:schemeClr val="tx2">
+                <a:lumMod val="10000"/>
+                <a:lumOff val="90000"/>
+              </a:schemeClr>
+            </a:solidFill>
+          </a:ln>
+          <a:effectLst>
+            <a:outerShdw blurRad="50800" dist="38100" dir="2700000" algn="tl" rotWithShape="0">
+              <a:schemeClr val="bg1">
+                <a:lumMod val="85000"/>
+                <a:alpha val="30000"/>
+              </a:schemeClr>
+            </a:outerShdw>
+          </a:effectLst>
+        </p:spPr>
+        <p:style>
+          <a:lnRef idx="2">
+            <a:schemeClr val="accent1">
+              <a:shade val="50000"/>
+            </a:schemeClr>
+          </a:lnRef>
+          <a:fillRef idx="1">
+            <a:schemeClr val="accent1"/>
+          </a:fillRef>
+          <a:effectRef idx="0">
+            <a:schemeClr val="accent1"/>
+          </a:effectRef>
+          <a:fontRef idx="minor">
+            <a:schemeClr val="lt1"/>
+          </a:fontRef>
+        </p:style>
+        <p:txBody>
+          <a:bodyPr rtlCol="0" anchor="ctr"/>
+          <a:lstStyle/>
+          <a:p>
+            <a:pPr marL="0" marR="0" lvl="0" indent="0" algn="ctr" defTabSz="914400" rtl="0" eaLnBrk="1" fontAlgn="auto" latinLnBrk="0" hangingPunct="1">
+              <a:lnSpc>
+                <a:spcPct val="100000"/>
+              </a:lnSpc>
+              <a:spcBef>
+                <a:spcPts val="0"/>
+              </a:spcBef>
+              <a:spcAft>
+                <a:spcPts val="0"/>
+              </a:spcAft>
+              <a:buClrTx/>
+              <a:buSzTx/>
+              <a:buFontTx/>
+              <a:buNone/>
+              <a:tabLst/>
+              <a:defRPr/>
+            </a:pPr>
+            <a:endParaRPr kumimoji="0" lang="en-US" sz="1800" b="0" i="0" u="none" strike="noStrike" kern="1200" cap="none" spc="0" normalizeH="0" baseline="0" noProof="0">
+              <a:ln>
+                <a:noFill/>
+              </a:ln>
+              <a:solidFill>
+                <a:prstClr val="white"/>
+              </a:solidFill>
+              <a:effectLst/>
+              <a:uLnTx/>
+              <a:uFillTx/>
+              <a:latin typeface="Calibri" panose="020F0502020204030204"/>
+              <a:ea typeface="+mn-ea"/>
+              <a:cs typeface="+mn-cs"/>
+            </a:endParaRPr>
+          </a:p>
+        </p:txBody>
+      </p:sp>
+      <p:sp useBgFill="1">
+        <p:nvSpPr>
+          <p:cNvPr id="20" name="Rectangle 19">
+            <a:extLst>
+              <a:ext uri="{FF2B5EF4-FFF2-40B4-BE49-F238E27FC236}">
+                <a16:creationId xmlns:a16="http://schemas.microsoft.com/office/drawing/2014/main" id="{04727B71-B4B6-4823-80A1-68C40B475118}"/>
+              </a:ext>
+              <a:ext uri="{C183D7F6-B498-43B3-948B-1728B52AA6E4}">
+                <adec:decorative xmlns:adec="http://schemas.microsoft.com/office/drawing/2017/decorative" val="1"/>
+              </a:ext>
+            </a:extLst>
+          </p:cNvPr>
+          <p:cNvSpPr>
+            <a:spLocks noGrp="1" noRot="1" noChangeAspect="1" noMove="1" noResize="1" noEditPoints="1" noAdjustHandles="1" noChangeArrowheads="1" noChangeShapeType="1" noTextEdit="1"/>
+          </p:cNvSpPr>
+          <p:nvPr>
+            <p:extLst>
+              <p:ext uri="{386F3935-93C4-4BCD-93E2-E3B085C9AB24}">
+                <p16:designElem xmlns:p16="http://schemas.microsoft.com/office/powerpoint/2015/main" val="1"/>
+              </p:ext>
+            </p:extLst>
+          </p:nvPr>
+        </p:nvSpPr>
+        <p:spPr>
+          <a:xfrm>
+            <a:off x="566928" y="0"/>
+            <a:ext cx="11155680" cy="2011680"/>
+          </a:xfrm>
+          <a:prstGeom prst="rect">
+            <a:avLst/>
+          </a:prstGeom>
+          <a:ln w="9525">
+            <a:noFill/>
+          </a:ln>
+          <a:effectLst/>
+        </p:spPr>
+        <p:style>
+          <a:lnRef idx="2">
+            <a:schemeClr val="accent1">
+              <a:shade val="50000"/>
+            </a:schemeClr>
+          </a:lnRef>
+          <a:fillRef idx="1">
+            <a:schemeClr val="accent1"/>
+          </a:fillRef>
+          <a:effectRef idx="0">
+            <a:schemeClr val="accent1"/>
+          </a:effectRef>
+          <a:fontRef idx="minor">
+            <a:schemeClr val="lt1"/>
+          </a:fontRef>
+        </p:style>
+        <p:txBody>
+          <a:bodyPr rtlCol="0" anchor="ctr"/>
+          <a:lstStyle/>
+          <a:p>
+            <a:pPr marL="0" marR="0" lvl="0" indent="0" algn="ctr" defTabSz="914400" rtl="0" eaLnBrk="1" fontAlgn="auto" latinLnBrk="0" hangingPunct="1">
+              <a:lnSpc>
+                <a:spcPct val="100000"/>
+              </a:lnSpc>
+              <a:spcBef>
+                <a:spcPts val="0"/>
+              </a:spcBef>
+              <a:spcAft>
+                <a:spcPts val="0"/>
+              </a:spcAft>
+              <a:buClrTx/>
+              <a:buSzTx/>
+              <a:buFontTx/>
+              <a:buNone/>
+              <a:tabLst/>
+              <a:defRPr/>
+            </a:pPr>
+            <a:endParaRPr kumimoji="0" lang="en-US" sz="1800" b="0" i="0" u="none" strike="noStrike" kern="1200" cap="none" spc="0" normalizeH="0" baseline="0" noProof="0">
+              <a:ln>
+                <a:noFill/>
+              </a:ln>
+              <a:solidFill>
+                <a:prstClr val="white"/>
+              </a:solidFill>
+              <a:effectLst/>
+              <a:uLnTx/>
+              <a:uFillTx/>
+              <a:latin typeface="Calibri" panose="020F0502020204030204"/>
+              <a:ea typeface="+mn-ea"/>
+              <a:cs typeface="+mn-cs"/>
+            </a:endParaRPr>
+          </a:p>
+        </p:txBody>
+      </p:sp>
+      <p:sp>
+        <p:nvSpPr>
+          <p:cNvPr id="22" name="Rectangle 21">
+            <a:extLst>
+              <a:ext uri="{FF2B5EF4-FFF2-40B4-BE49-F238E27FC236}">
+                <a16:creationId xmlns:a16="http://schemas.microsoft.com/office/drawing/2014/main" id="{79A6DB05-9FB5-4B07-8675-74C23D4FD89D}"/>
+              </a:ext>
+              <a:ext uri="{C183D7F6-B498-43B3-948B-1728B52AA6E4}">
+                <adec:decorative xmlns:adec="http://schemas.microsoft.com/office/drawing/2017/decorative" val="1"/>
+              </a:ext>
+            </a:extLst>
+          </p:cNvPr>
+          <p:cNvSpPr>
+            <a:spLocks noGrp="1" noRot="1" noChangeAspect="1" noMove="1" noResize="1" noEditPoints="1" noAdjustHandles="1" noChangeArrowheads="1" noChangeShapeType="1" noTextEdit="1"/>
+          </p:cNvSpPr>
+          <p:nvPr>
+            <p:extLst>
+              <p:ext uri="{386F3935-93C4-4BCD-93E2-E3B085C9AB24}">
+                <p16:designElem xmlns:p16="http://schemas.microsoft.com/office/powerpoint/2015/main" val="1"/>
+              </p:ext>
+            </p:extLst>
+          </p:nvPr>
+        </p:nvSpPr>
+        <p:spPr>
+          <a:xfrm>
+            <a:off x="498834" y="787352"/>
+            <a:ext cx="128016" cy="704088"/>
+          </a:xfrm>
+          <a:prstGeom prst="rect">
+            <a:avLst/>
+          </a:prstGeom>
+          <a:solidFill>
+            <a:schemeClr val="accent1"/>
+          </a:solidFill>
+          <a:ln>
+            <a:noFill/>
+          </a:ln>
+        </p:spPr>
+        <p:style>
+          <a:lnRef idx="2">
+            <a:schemeClr val="accent1">
+              <a:shade val="50000"/>
+            </a:schemeClr>
+          </a:lnRef>
+          <a:fillRef idx="1">
+            <a:schemeClr val="accent1"/>
+          </a:fillRef>
+          <a:effectRef idx="0">
+            <a:schemeClr val="accent1"/>
+          </a:effectRef>
+          <a:fontRef idx="minor">
+            <a:schemeClr val="lt1"/>
+          </a:fontRef>
+        </p:style>
+        <p:txBody>
+          <a:bodyPr rtlCol="0" anchor="ctr"/>
+          <a:lstStyle/>
+          <a:p>
+            <a:pPr marL="0" marR="0" lvl="0" indent="0" algn="ctr" defTabSz="914400" rtl="0" eaLnBrk="1" fontAlgn="auto" latinLnBrk="0" hangingPunct="1">
+              <a:lnSpc>
+                <a:spcPct val="100000"/>
+              </a:lnSpc>
+              <a:spcBef>
+                <a:spcPts val="0"/>
+              </a:spcBef>
+              <a:spcAft>
+                <a:spcPts val="0"/>
+              </a:spcAft>
+              <a:buClrTx/>
+              <a:buSzTx/>
+              <a:buFontTx/>
+              <a:buNone/>
+              <a:tabLst/>
+              <a:defRPr/>
+            </a:pPr>
+            <a:endParaRPr kumimoji="0" lang="en-US" sz="1800" b="0" i="0" u="none" strike="noStrike" kern="1200" cap="none" spc="0" normalizeH="0" baseline="0" noProof="0">
+              <a:ln>
+                <a:noFill/>
+              </a:ln>
+              <a:solidFill>
+                <a:prstClr val="white"/>
+              </a:solidFill>
+              <a:effectLst/>
+              <a:uLnTx/>
+              <a:uFillTx/>
+              <a:latin typeface="Calibri" panose="020F0502020204030204"/>
+              <a:ea typeface="+mn-ea"/>
+              <a:cs typeface="+mn-cs"/>
+            </a:endParaRPr>
+          </a:p>
+        </p:txBody>
+      </p:sp>
+      <p:sp useBgFill="1">
+        <p:nvSpPr>
+          <p:cNvPr id="24" name="Rectangle 23">
+            <a:extLst>
+              <a:ext uri="{FF2B5EF4-FFF2-40B4-BE49-F238E27FC236}">
+                <a16:creationId xmlns:a16="http://schemas.microsoft.com/office/drawing/2014/main" id="{0288C6B4-AFC3-407F-A595-EFFD38D4CCAF}"/>
+              </a:ext>
+              <a:ext uri="{C183D7F6-B498-43B3-948B-1728B52AA6E4}">
+                <adec:decorative xmlns:adec="http://schemas.microsoft.com/office/drawing/2017/decorative" val="1"/>
+              </a:ext>
+            </a:extLst>
+          </p:cNvPr>
+          <p:cNvSpPr>
+            <a:spLocks noGrp="1" noRot="1" noChangeAspect="1" noMove="1" noResize="1" noEditPoints="1" noAdjustHandles="1" noChangeArrowheads="1" noChangeShapeType="1" noTextEdit="1"/>
+          </p:cNvSpPr>
+          <p:nvPr>
+            <p:extLst>
+              <p:ext uri="{386F3935-93C4-4BCD-93E2-E3B085C9AB24}">
+                <p16:designElem xmlns:p16="http://schemas.microsoft.com/office/powerpoint/2015/main" val="1"/>
+              </p:ext>
+            </p:extLst>
+          </p:nvPr>
+        </p:nvSpPr>
+        <p:spPr>
+          <a:xfrm>
+            <a:off x="0" y="0"/>
+            <a:ext cx="12192000" cy="6858000"/>
+          </a:xfrm>
+          <a:prstGeom prst="rect">
+            <a:avLst/>
+          </a:prstGeom>
+          <a:ln>
+            <a:noFill/>
+          </a:ln>
+        </p:spPr>
+        <p:style>
+          <a:lnRef idx="2">
+            <a:schemeClr val="accent1">
+              <a:shade val="50000"/>
+            </a:schemeClr>
+          </a:lnRef>
+          <a:fillRef idx="1">
+            <a:schemeClr val="accent1"/>
+          </a:fillRef>
+          <a:effectRef idx="0">
+            <a:schemeClr val="accent1"/>
+          </a:effectRef>
+          <a:fontRef idx="minor">
+            <a:schemeClr val="lt1"/>
+          </a:fontRef>
+        </p:style>
+        <p:txBody>
+          <a:bodyPr rtlCol="0" anchor="ctr"/>
+          <a:lstStyle/>
+          <a:p>
+            <a:pPr algn="ctr"/>
+            <a:endParaRPr lang="en-US"/>
+          </a:p>
+        </p:txBody>
+      </p:sp>
+      <p:sp useBgFill="1">
+        <p:nvSpPr>
+          <p:cNvPr id="26" name="Freeform: Shape 25">
+            <a:extLst>
+              <a:ext uri="{FF2B5EF4-FFF2-40B4-BE49-F238E27FC236}">
+                <a16:creationId xmlns:a16="http://schemas.microsoft.com/office/drawing/2014/main" id="{CF236821-17FE-429B-8D2C-08E13A64EA40}"/>
+              </a:ext>
+              <a:ext uri="{C183D7F6-B498-43B3-948B-1728B52AA6E4}">
+                <adec:decorative xmlns:adec="http://schemas.microsoft.com/office/drawing/2017/decorative" val="1"/>
+              </a:ext>
+            </a:extLst>
+          </p:cNvPr>
+          <p:cNvSpPr>
+            <a:spLocks noGrp="1" noRot="1" noChangeAspect="1" noMove="1" noResize="1" noEditPoints="1" noAdjustHandles="1" noChangeArrowheads="1" noChangeShapeType="1" noTextEdit="1"/>
+          </p:cNvSpPr>
+          <p:nvPr>
+            <p:extLst>
+              <p:ext uri="{386F3935-93C4-4BCD-93E2-E3B085C9AB24}">
+                <p16:designElem xmlns:p16="http://schemas.microsoft.com/office/powerpoint/2015/main" val="1"/>
+              </p:ext>
+            </p:extLst>
+          </p:nvPr>
+        </p:nvSpPr>
+        <p:spPr>
+          <a:xfrm>
+            <a:off x="-1" y="0"/>
+            <a:ext cx="4455673" cy="6858000"/>
+          </a:xfrm>
+          <a:custGeom>
+            <a:avLst/>
+            <a:gdLst>
+              <a:gd name="connsiteX0" fmla="*/ 0 w 4455673"/>
+              <a:gd name="connsiteY0" fmla="*/ 0 h 6858000"/>
+              <a:gd name="connsiteX1" fmla="*/ 3242695 w 4455673"/>
+              <a:gd name="connsiteY1" fmla="*/ 0 h 6858000"/>
+              <a:gd name="connsiteX2" fmla="*/ 3305678 w 4455673"/>
+              <a:gd name="connsiteY2" fmla="*/ 69271 h 6858000"/>
+              <a:gd name="connsiteX3" fmla="*/ 4455673 w 4455673"/>
+              <a:gd name="connsiteY3" fmla="*/ 3429000 h 6858000"/>
+              <a:gd name="connsiteX4" fmla="*/ 3305678 w 4455673"/>
+              <a:gd name="connsiteY4" fmla="*/ 6788730 h 6858000"/>
+              <a:gd name="connsiteX5" fmla="*/ 3242695 w 4455673"/>
+              <a:gd name="connsiteY5" fmla="*/ 6858000 h 6858000"/>
+              <a:gd name="connsiteX6" fmla="*/ 0 w 4455673"/>
+              <a:gd name="connsiteY6" fmla="*/ 6858000 h 6858000"/>
+            </a:gdLst>
+            <a:ahLst/>
+            <a:cxnLst>
+              <a:cxn ang="0">
+                <a:pos x="connsiteX0" y="connsiteY0"/>
+              </a:cxn>
+              <a:cxn ang="0">
+                <a:pos x="connsiteX1" y="connsiteY1"/>
+              </a:cxn>
+              <a:cxn ang="0">
+                <a:pos x="connsiteX2" y="connsiteY2"/>
+              </a:cxn>
+              <a:cxn ang="0">
+                <a:pos x="connsiteX3" y="connsiteY3"/>
+              </a:cxn>
+              <a:cxn ang="0">
+                <a:pos x="connsiteX4" y="connsiteY4"/>
+              </a:cxn>
+              <a:cxn ang="0">
+                <a:pos x="connsiteX5" y="connsiteY5"/>
+              </a:cxn>
+              <a:cxn ang="0">
+                <a:pos x="connsiteX6" y="connsiteY6"/>
+              </a:cxn>
+            </a:cxnLst>
+            <a:rect l="l" t="t" r="r" b="b"/>
+            <a:pathLst>
+              <a:path w="4455673" h="6858000">
+                <a:moveTo>
+                  <a:pt x="0" y="0"/>
+                </a:moveTo>
+                <a:lnTo>
+                  <a:pt x="3242695" y="0"/>
+                </a:lnTo>
+                <a:lnTo>
+                  <a:pt x="3305678" y="69271"/>
+                </a:lnTo>
+                <a:cubicBezTo>
+                  <a:pt x="4016204" y="929100"/>
+                  <a:pt x="4455673" y="2116944"/>
+                  <a:pt x="4455673" y="3429000"/>
+                </a:cubicBezTo>
+                <a:cubicBezTo>
+                  <a:pt x="4455673" y="4741056"/>
+                  <a:pt x="4016204" y="5928900"/>
+                  <a:pt x="3305678" y="6788730"/>
+                </a:cubicBezTo>
+                <a:lnTo>
+                  <a:pt x="3242695" y="6858000"/>
+                </a:lnTo>
+                <a:lnTo>
+                  <a:pt x="0" y="6858000"/>
+                </a:lnTo>
+                <a:close/>
+              </a:path>
+            </a:pathLst>
+          </a:custGeom>
+          <a:ln w="9525">
+            <a:solidFill>
+              <a:schemeClr val="tx2">
+                <a:lumMod val="10000"/>
+                <a:lumOff val="90000"/>
+              </a:schemeClr>
+            </a:solidFill>
+          </a:ln>
+          <a:effectLst>
+            <a:outerShdw blurRad="50800" dist="38100" algn="l" rotWithShape="0">
+              <a:schemeClr val="bg1">
+                <a:lumMod val="85000"/>
+                <a:alpha val="30000"/>
+              </a:schemeClr>
+            </a:outerShdw>
+          </a:effectLst>
+        </p:spPr>
+        <p:style>
+          <a:lnRef idx="2">
+            <a:schemeClr val="accent1">
+              <a:shade val="50000"/>
+            </a:schemeClr>
+          </a:lnRef>
+          <a:fillRef idx="1">
+            <a:schemeClr val="accent1"/>
+          </a:fillRef>
+          <a:effectRef idx="0">
+            <a:schemeClr val="accent1"/>
+          </a:effectRef>
+          <a:fontRef idx="minor">
+            <a:schemeClr val="lt1"/>
+          </a:fontRef>
+        </p:style>
+        <p:txBody>
+          <a:bodyPr wrap="square" rtlCol="0" anchor="ctr">
+            <a:noAutofit/>
+          </a:bodyPr>
+          <a:lstStyle/>
+          <a:p>
+            <a:pPr marL="0" marR="0" lvl="0" indent="0" algn="ctr" defTabSz="914400" rtl="0" eaLnBrk="1" fontAlgn="auto" latinLnBrk="0" hangingPunct="1">
+              <a:lnSpc>
+                <a:spcPct val="100000"/>
+              </a:lnSpc>
+              <a:spcBef>
+                <a:spcPts val="0"/>
+              </a:spcBef>
+              <a:spcAft>
+                <a:spcPts val="0"/>
+              </a:spcAft>
+              <a:buClrTx/>
+              <a:buSzTx/>
+              <a:buFontTx/>
+              <a:buNone/>
+              <a:tabLst/>
+              <a:defRPr/>
+            </a:pPr>
+            <a:endParaRPr kumimoji="0" lang="en-US" sz="1800" b="0" i="0" u="none" strike="noStrike" kern="1200" cap="none" spc="0" normalizeH="0" baseline="0" noProof="0">
+              <a:ln>
+                <a:noFill/>
+              </a:ln>
+              <a:solidFill>
+                <a:prstClr val="white"/>
+              </a:solidFill>
+              <a:effectLst/>
+              <a:uLnTx/>
+              <a:uFillTx/>
+              <a:latin typeface="Calibri" panose="020F0502020204030204"/>
+              <a:ea typeface="+mn-ea"/>
+              <a:cs typeface="+mn-cs"/>
+            </a:endParaRPr>
+          </a:p>
+        </p:txBody>
+      </p:sp>
+      <p:sp useBgFill="1">
+        <p:nvSpPr>
+          <p:cNvPr id="28" name="Freeform: Shape 27">
+            <a:extLst>
+              <a:ext uri="{FF2B5EF4-FFF2-40B4-BE49-F238E27FC236}">
+                <a16:creationId xmlns:a16="http://schemas.microsoft.com/office/drawing/2014/main" id="{C0BDBCD2-E081-43AB-9119-C55465E59757}"/>
+              </a:ext>
+              <a:ext uri="{C183D7F6-B498-43B3-948B-1728B52AA6E4}">
+                <adec:decorative xmlns:adec="http://schemas.microsoft.com/office/drawing/2017/decorative" val="1"/>
+              </a:ext>
+            </a:extLst>
+          </p:cNvPr>
+          <p:cNvSpPr>
+            <a:spLocks noGrp="1" noRot="1" noChangeAspect="1" noMove="1" noResize="1" noEditPoints="1" noAdjustHandles="1" noChangeArrowheads="1" noChangeShapeType="1" noTextEdit="1"/>
+          </p:cNvSpPr>
+          <p:nvPr>
+            <p:extLst>
+              <p:ext uri="{386F3935-93C4-4BCD-93E2-E3B085C9AB24}">
+                <p16:designElem xmlns:p16="http://schemas.microsoft.com/office/powerpoint/2015/main" val="1"/>
+              </p:ext>
+            </p:extLst>
+          </p:nvPr>
+        </p:nvSpPr>
+        <p:spPr>
+          <a:xfrm>
+            <a:off x="0" y="0"/>
+            <a:ext cx="4446529" cy="6858000"/>
+          </a:xfrm>
+          <a:custGeom>
+            <a:avLst/>
+            <a:gdLst>
+              <a:gd name="connsiteX0" fmla="*/ 0 w 4446529"/>
+              <a:gd name="connsiteY0" fmla="*/ 0 h 6858000"/>
+              <a:gd name="connsiteX1" fmla="*/ 3233551 w 4446529"/>
+              <a:gd name="connsiteY1" fmla="*/ 0 h 6858000"/>
+              <a:gd name="connsiteX2" fmla="*/ 3296534 w 4446529"/>
+              <a:gd name="connsiteY2" fmla="*/ 69271 h 6858000"/>
+              <a:gd name="connsiteX3" fmla="*/ 4446529 w 4446529"/>
+              <a:gd name="connsiteY3" fmla="*/ 3429000 h 6858000"/>
+              <a:gd name="connsiteX4" fmla="*/ 3296534 w 4446529"/>
+              <a:gd name="connsiteY4" fmla="*/ 6788730 h 6858000"/>
+              <a:gd name="connsiteX5" fmla="*/ 3233551 w 4446529"/>
+              <a:gd name="connsiteY5" fmla="*/ 6858000 h 6858000"/>
+              <a:gd name="connsiteX6" fmla="*/ 0 w 4446529"/>
+              <a:gd name="connsiteY6" fmla="*/ 6858000 h 6858000"/>
+            </a:gdLst>
+            <a:ahLst/>
+            <a:cxnLst>
+              <a:cxn ang="0">
+                <a:pos x="connsiteX0" y="connsiteY0"/>
+              </a:cxn>
+              <a:cxn ang="0">
+                <a:pos x="connsiteX1" y="connsiteY1"/>
+              </a:cxn>
+              <a:cxn ang="0">
+                <a:pos x="connsiteX2" y="connsiteY2"/>
+              </a:cxn>
+              <a:cxn ang="0">
+                <a:pos x="connsiteX3" y="connsiteY3"/>
+              </a:cxn>
+              <a:cxn ang="0">
+                <a:pos x="connsiteX4" y="connsiteY4"/>
+              </a:cxn>
+              <a:cxn ang="0">
+                <a:pos x="connsiteX5" y="connsiteY5"/>
+              </a:cxn>
+              <a:cxn ang="0">
+                <a:pos x="connsiteX6" y="connsiteY6"/>
+              </a:cxn>
+            </a:cxnLst>
+            <a:rect l="l" t="t" r="r" b="b"/>
+            <a:pathLst>
+              <a:path w="4446529" h="6858000">
+                <a:moveTo>
+                  <a:pt x="0" y="0"/>
+                </a:moveTo>
+                <a:lnTo>
+                  <a:pt x="3233551" y="0"/>
+                </a:lnTo>
+                <a:lnTo>
+                  <a:pt x="3296534" y="69271"/>
+                </a:lnTo>
+                <a:cubicBezTo>
+                  <a:pt x="4007060" y="929100"/>
+                  <a:pt x="4446529" y="2116944"/>
+                  <a:pt x="4446529" y="3429000"/>
+                </a:cubicBezTo>
+                <a:cubicBezTo>
+                  <a:pt x="4446529" y="4741056"/>
+                  <a:pt x="4007060" y="5928900"/>
+                  <a:pt x="3296534" y="6788730"/>
+                </a:cubicBezTo>
+                <a:lnTo>
+                  <a:pt x="3233551" y="6858000"/>
+                </a:lnTo>
+                <a:lnTo>
+                  <a:pt x="0" y="6858000"/>
+                </a:lnTo>
+                <a:close/>
+              </a:path>
+            </a:pathLst>
+          </a:custGeom>
+          <a:ln w="9525">
+            <a:noFill/>
+          </a:ln>
+          <a:effectLst/>
+        </p:spPr>
+        <p:style>
+          <a:lnRef idx="2">
+            <a:schemeClr val="accent1">
+              <a:shade val="50000"/>
+            </a:schemeClr>
+          </a:lnRef>
+          <a:fillRef idx="1">
+            <a:schemeClr val="accent1"/>
+          </a:fillRef>
+          <a:effectRef idx="0">
+            <a:schemeClr val="accent1"/>
+          </a:effectRef>
+          <a:fontRef idx="minor">
+            <a:schemeClr val="lt1"/>
+          </a:fontRef>
+        </p:style>
+        <p:txBody>
+          <a:bodyPr wrap="square" rtlCol="0" anchor="ctr">
+            <a:noAutofit/>
+          </a:bodyPr>
+          <a:lstStyle/>
+          <a:p>
+            <a:pPr marL="0" marR="0" lvl="0" indent="0" algn="ctr" defTabSz="914400" rtl="0" eaLnBrk="1" fontAlgn="auto" latinLnBrk="0" hangingPunct="1">
+              <a:lnSpc>
+                <a:spcPct val="100000"/>
+              </a:lnSpc>
+              <a:spcBef>
+                <a:spcPts val="0"/>
+              </a:spcBef>
+              <a:spcAft>
+                <a:spcPts val="0"/>
+              </a:spcAft>
+              <a:buClrTx/>
+              <a:buSzTx/>
+              <a:buFontTx/>
+              <a:buNone/>
+              <a:tabLst/>
+              <a:defRPr/>
+            </a:pPr>
+            <a:endParaRPr kumimoji="0" lang="en-US" sz="1800" b="0" i="0" u="none" strike="noStrike" kern="1200" cap="none" spc="0" normalizeH="0" baseline="0" noProof="0">
+              <a:ln>
+                <a:noFill/>
+              </a:ln>
+              <a:solidFill>
+                <a:prstClr val="white"/>
+              </a:solidFill>
+              <a:effectLst/>
+              <a:uLnTx/>
+              <a:uFillTx/>
+              <a:latin typeface="Calibri" panose="020F0502020204030204"/>
+              <a:ea typeface="+mn-ea"/>
+              <a:cs typeface="+mn-cs"/>
+            </a:endParaRPr>
+          </a:p>
+        </p:txBody>
+      </p:sp>
+      <p:sp>
+        <p:nvSpPr>
+          <p:cNvPr id="2" name="Title 1">
+            <a:extLst>
+              <a:ext uri="{FF2B5EF4-FFF2-40B4-BE49-F238E27FC236}">
+                <a16:creationId xmlns:a16="http://schemas.microsoft.com/office/drawing/2014/main" id="{D76A055C-76FC-6350-F961-8BD0E9393EA8}"/>
+              </a:ext>
+            </a:extLst>
+          </p:cNvPr>
+          <p:cNvSpPr>
+            <a:spLocks noGrp="1"/>
+          </p:cNvSpPr>
+          <p:nvPr>
+            <p:ph type="title"/>
+          </p:nvPr>
+        </p:nvSpPr>
+        <p:spPr>
+          <a:xfrm>
+            <a:off x="371094" y="1161288"/>
+            <a:ext cx="3438144" cy="1239012"/>
+          </a:xfrm>
+        </p:spPr>
+        <p:txBody>
+          <a:bodyPr vert="horz" lIns="91440" tIns="45720" rIns="91440" bIns="45720" rtlCol="0" anchor="ctr">
+            <a:normAutofit/>
+          </a:bodyPr>
+          <a:lstStyle/>
+          <a:p>
+            <a:pPr>
+              <a:lnSpc>
+                <a:spcPct val="90000"/>
+              </a:lnSpc>
+            </a:pPr>
+            <a:r>
+              <a:rPr lang="en-US" sz="2600" dirty="0"/>
+              <a:t>Results with Shadow on a single - 2</a:t>
+            </a:r>
+          </a:p>
+        </p:txBody>
+      </p:sp>
+      <p:sp>
+        <p:nvSpPr>
+          <p:cNvPr id="30" name="Rectangle 29">
+            <a:extLst>
+              <a:ext uri="{FF2B5EF4-FFF2-40B4-BE49-F238E27FC236}">
+                <a16:creationId xmlns:a16="http://schemas.microsoft.com/office/drawing/2014/main" id="{98E79BE4-34FE-485A-98A5-92CE8F7C4743}"/>
+              </a:ext>
+              <a:ext uri="{C183D7F6-B498-43B3-948B-1728B52AA6E4}">
+                <adec:decorative xmlns:adec="http://schemas.microsoft.com/office/drawing/2017/decorative" val="1"/>
+              </a:ext>
+            </a:extLst>
+          </p:cNvPr>
+          <p:cNvSpPr>
+            <a:spLocks noGrp="1" noRot="1" noChangeAspect="1" noMove="1" noResize="1" noEditPoints="1" noAdjustHandles="1" noChangeArrowheads="1" noChangeShapeType="1" noTextEdit="1"/>
+          </p:cNvSpPr>
+          <p:nvPr>
+            <p:extLst>
+              <p:ext uri="{386F3935-93C4-4BCD-93E2-E3B085C9AB24}">
+                <p16:designElem xmlns:p16="http://schemas.microsoft.com/office/powerpoint/2015/main" val="1"/>
+              </p:ext>
+            </p:extLst>
+          </p:nvPr>
+        </p:nvSpPr>
+        <p:spPr>
+          <a:xfrm>
+            <a:off x="0" y="1426546"/>
+            <a:ext cx="128016" cy="653903"/>
+          </a:xfrm>
+          <a:prstGeom prst="rect">
+            <a:avLst/>
+          </a:prstGeom>
+          <a:solidFill>
+            <a:schemeClr val="accent1"/>
+          </a:solidFill>
+          <a:ln>
+            <a:noFill/>
+          </a:ln>
+        </p:spPr>
+        <p:style>
+          <a:lnRef idx="2">
+            <a:schemeClr val="accent1">
+              <a:shade val="50000"/>
+            </a:schemeClr>
+          </a:lnRef>
+          <a:fillRef idx="1">
+            <a:schemeClr val="accent1"/>
+          </a:fillRef>
+          <a:effectRef idx="0">
+            <a:schemeClr val="accent1"/>
+          </a:effectRef>
+          <a:fontRef idx="minor">
+            <a:schemeClr val="lt1"/>
+          </a:fontRef>
+        </p:style>
+        <p:txBody>
+          <a:bodyPr rtlCol="0" anchor="ctr"/>
+          <a:lstStyle/>
+          <a:p>
+            <a:pPr marL="0" marR="0" lvl="0" indent="0" algn="ctr" defTabSz="914400" rtl="0" eaLnBrk="1" fontAlgn="auto" latinLnBrk="0" hangingPunct="1">
+              <a:lnSpc>
+                <a:spcPct val="100000"/>
+              </a:lnSpc>
+              <a:spcBef>
+                <a:spcPts val="0"/>
+              </a:spcBef>
+              <a:spcAft>
+                <a:spcPts val="0"/>
+              </a:spcAft>
+              <a:buClrTx/>
+              <a:buSzTx/>
+              <a:buFontTx/>
+              <a:buNone/>
+              <a:tabLst/>
+              <a:defRPr/>
+            </a:pPr>
+            <a:endParaRPr kumimoji="0" lang="en-US" sz="1800" b="0" i="0" u="none" strike="noStrike" kern="1200" cap="none" spc="0" normalizeH="0" baseline="0" noProof="0">
+              <a:ln>
+                <a:noFill/>
+              </a:ln>
+              <a:solidFill>
+                <a:prstClr val="white"/>
+              </a:solidFill>
+              <a:effectLst/>
+              <a:uLnTx/>
+              <a:uFillTx/>
+              <a:latin typeface="Calibri" panose="020F0502020204030204"/>
+              <a:ea typeface="+mn-ea"/>
+              <a:cs typeface="+mn-cs"/>
+            </a:endParaRPr>
+          </a:p>
+        </p:txBody>
+      </p:sp>
+      <p:sp>
+        <p:nvSpPr>
+          <p:cNvPr id="32" name="Rectangle 31">
+            <a:extLst>
+              <a:ext uri="{FF2B5EF4-FFF2-40B4-BE49-F238E27FC236}">
+                <a16:creationId xmlns:a16="http://schemas.microsoft.com/office/drawing/2014/main" id="{7A5F0580-5EE9-419F-96EE-B6529EF6E7D0}"/>
+              </a:ext>
+              <a:ext uri="{C183D7F6-B498-43B3-948B-1728B52AA6E4}">
+                <adec:decorative xmlns:adec="http://schemas.microsoft.com/office/drawing/2017/decorative" val="1"/>
+              </a:ext>
+            </a:extLst>
+          </p:cNvPr>
+          <p:cNvSpPr>
+            <a:spLocks noGrp="1" noRot="1" noChangeAspect="1" noMove="1" noResize="1" noEditPoints="1" noAdjustHandles="1" noChangeArrowheads="1" noChangeShapeType="1" noTextEdit="1"/>
+          </p:cNvSpPr>
+          <p:nvPr>
+            <p:extLst>
+              <p:ext uri="{386F3935-93C4-4BCD-93E2-E3B085C9AB24}">
+                <p16:designElem xmlns:p16="http://schemas.microsoft.com/office/powerpoint/2015/main" val="1"/>
+              </p:ext>
+            </p:extLst>
+          </p:nvPr>
+        </p:nvSpPr>
+        <p:spPr>
+          <a:xfrm>
+            <a:off x="395893" y="2443480"/>
+            <a:ext cx="3383280" cy="18288"/>
+          </a:xfrm>
+          <a:prstGeom prst="rect">
+            <a:avLst/>
+          </a:prstGeom>
+          <a:solidFill>
+            <a:schemeClr val="tx2">
+              <a:lumMod val="25000"/>
+              <a:lumOff val="75000"/>
+            </a:schemeClr>
+          </a:solidFill>
+          <a:ln w="3175">
+            <a:noFill/>
+          </a:ln>
+          <a:effectLst/>
+        </p:spPr>
+        <p:style>
+          <a:lnRef idx="2">
+            <a:schemeClr val="accent1">
+              <a:shade val="50000"/>
+            </a:schemeClr>
+          </a:lnRef>
+          <a:fillRef idx="1">
+            <a:schemeClr val="accent1"/>
+          </a:fillRef>
+          <a:effectRef idx="0">
+            <a:schemeClr val="accent1"/>
+          </a:effectRef>
+          <a:fontRef idx="minor">
+            <a:schemeClr val="lt1"/>
+          </a:fontRef>
+        </p:style>
+        <p:txBody>
+          <a:bodyPr rtlCol="0" anchor="ctr"/>
+          <a:lstStyle/>
+          <a:p>
+            <a:pPr marL="0" marR="0" lvl="0" indent="0" algn="ctr" defTabSz="914400" rtl="0" eaLnBrk="1" fontAlgn="auto" latinLnBrk="0" hangingPunct="1">
+              <a:lnSpc>
+                <a:spcPct val="100000"/>
+              </a:lnSpc>
+              <a:spcBef>
+                <a:spcPts val="0"/>
+              </a:spcBef>
+              <a:spcAft>
+                <a:spcPts val="0"/>
+              </a:spcAft>
+              <a:buClrTx/>
+              <a:buSzTx/>
+              <a:buFontTx/>
+              <a:buNone/>
+              <a:tabLst/>
+              <a:defRPr/>
+            </a:pPr>
+            <a:endParaRPr kumimoji="0" lang="en-US" sz="1800" b="0" i="0" u="none" strike="noStrike" kern="1200" cap="none" spc="0" normalizeH="0" baseline="0" noProof="0">
+              <a:ln>
+                <a:noFill/>
+              </a:ln>
+              <a:solidFill>
+                <a:prstClr val="white"/>
+              </a:solidFill>
+              <a:effectLst/>
+              <a:uLnTx/>
+              <a:uFillTx/>
+              <a:latin typeface="Calibri" panose="020F0502020204030204"/>
+              <a:ea typeface="+mn-ea"/>
+              <a:cs typeface="+mn-cs"/>
+            </a:endParaRPr>
+          </a:p>
+        </p:txBody>
+      </p:sp>
+      <p:sp>
+        <p:nvSpPr>
+          <p:cNvPr id="11" name="Text Placeholder 10">
+            <a:extLst>
+              <a:ext uri="{FF2B5EF4-FFF2-40B4-BE49-F238E27FC236}">
+                <a16:creationId xmlns:a16="http://schemas.microsoft.com/office/drawing/2014/main" id="{0498C140-7BC8-AB23-BB2A-D69FE20058B4}"/>
+              </a:ext>
+            </a:extLst>
+          </p:cNvPr>
+          <p:cNvSpPr>
+            <a:spLocks noGrp="1"/>
+          </p:cNvSpPr>
+          <p:nvPr>
+            <p:ph type="body" sz="half" idx="2"/>
+          </p:nvPr>
+        </p:nvSpPr>
+        <p:spPr>
+          <a:xfrm>
+            <a:off x="371094" y="2718054"/>
+            <a:ext cx="3438906" cy="3207258"/>
+          </a:xfrm>
+        </p:spPr>
+        <p:txBody>
+          <a:bodyPr vert="horz" lIns="91440" tIns="45720" rIns="91440" bIns="45720" rtlCol="0" anchor="t">
+            <a:normAutofit/>
+          </a:bodyPr>
+          <a:lstStyle/>
+          <a:p>
+            <a:r>
+              <a:rPr lang="en-US" sz="1700" dirty="0"/>
+              <a:t>In this case, unlike case 1, the presence of a second peak of lesser magnitude indicates a difference in power generated at different voltage values, which could represent a possible maximum of optimization, albeit local</a:t>
+            </a:r>
+          </a:p>
+        </p:txBody>
+      </p:sp>
+      <p:pic>
+        <p:nvPicPr>
+          <p:cNvPr id="7" name="Picture 6" descr="A picture containing text, line, diagram, plot&#10;&#10;Description automatically generated">
+            <a:extLst>
+              <a:ext uri="{FF2B5EF4-FFF2-40B4-BE49-F238E27FC236}">
+                <a16:creationId xmlns:a16="http://schemas.microsoft.com/office/drawing/2014/main" id="{1D6FBF83-693E-5E6B-D1EC-CC7941267AF6}"/>
+              </a:ext>
+            </a:extLst>
+          </p:cNvPr>
+          <p:cNvPicPr>
+            <a:picLocks noChangeAspect="1"/>
+          </p:cNvPicPr>
+          <p:nvPr/>
+        </p:nvPicPr>
+        <p:blipFill>
+          <a:blip r:embed="rId2">
+            <a:extLst>
+              <a:ext uri="{28A0092B-C50C-407E-A947-70E740481C1C}">
+                <a14:useLocalDpi xmlns:a14="http://schemas.microsoft.com/office/drawing/2010/main" val="0"/>
+              </a:ext>
+            </a:extLst>
+          </a:blip>
+          <a:stretch>
+            <a:fillRect/>
+          </a:stretch>
+        </p:blipFill>
+        <p:spPr>
+          <a:xfrm>
+            <a:off x="4990873" y="200605"/>
+            <a:ext cx="6731735" cy="6408013"/>
+          </a:xfrm>
+          <a:prstGeom prst="rect">
+            <a:avLst/>
+          </a:prstGeom>
+        </p:spPr>
+      </p:pic>
+      <p:sp>
+        <p:nvSpPr>
+          <p:cNvPr id="8" name="Star: 5 Points 7">
+            <a:extLst>
+              <a:ext uri="{FF2B5EF4-FFF2-40B4-BE49-F238E27FC236}">
+                <a16:creationId xmlns:a16="http://schemas.microsoft.com/office/drawing/2014/main" id="{7DB658AD-7099-D6D8-7CB7-0386830302AB}"/>
+              </a:ext>
+            </a:extLst>
+          </p:cNvPr>
+          <p:cNvSpPr/>
+          <p:nvPr/>
+        </p:nvSpPr>
+        <p:spPr>
+          <a:xfrm>
+            <a:off x="8845431" y="1905910"/>
+            <a:ext cx="211540" cy="211540"/>
+          </a:xfrm>
+          <a:prstGeom prst="star5">
+            <a:avLst/>
+          </a:prstGeom>
+          <a:effectLst>
+            <a:softEdge rad="12700"/>
+          </a:effectLst>
+        </p:spPr>
+        <p:style>
+          <a:lnRef idx="2">
+            <a:schemeClr val="accent1">
+              <a:shade val="50000"/>
+            </a:schemeClr>
+          </a:lnRef>
+          <a:fillRef idx="1">
+            <a:schemeClr val="accent1"/>
+          </a:fillRef>
+          <a:effectRef idx="0">
+            <a:schemeClr val="accent1"/>
+          </a:effectRef>
+          <a:fontRef idx="minor">
+            <a:schemeClr val="lt1"/>
+          </a:fontRef>
+        </p:style>
+        <p:txBody>
+          <a:bodyPr rtlCol="0" anchor="ctr"/>
+          <a:lstStyle/>
+          <a:p>
+            <a:pPr algn="ctr"/>
+            <a:endParaRPr lang="it-IT"/>
+          </a:p>
+        </p:txBody>
+      </p:sp>
+      <p:sp>
+        <p:nvSpPr>
+          <p:cNvPr id="9" name="Star: 5 Points 8">
+            <a:extLst>
+              <a:ext uri="{FF2B5EF4-FFF2-40B4-BE49-F238E27FC236}">
+                <a16:creationId xmlns:a16="http://schemas.microsoft.com/office/drawing/2014/main" id="{5086A142-2ACB-6A4B-F448-25B4C548B0E9}"/>
+              </a:ext>
+            </a:extLst>
+          </p:cNvPr>
+          <p:cNvSpPr/>
+          <p:nvPr/>
+        </p:nvSpPr>
+        <p:spPr>
+          <a:xfrm>
+            <a:off x="10356179" y="1075396"/>
+            <a:ext cx="211540" cy="211540"/>
+          </a:xfrm>
+          <a:prstGeom prst="star5">
+            <a:avLst/>
+          </a:prstGeom>
+        </p:spPr>
+        <p:style>
+          <a:lnRef idx="2">
+            <a:schemeClr val="accent1">
+              <a:shade val="50000"/>
+            </a:schemeClr>
+          </a:lnRef>
+          <a:fillRef idx="1">
+            <a:schemeClr val="accent1"/>
+          </a:fillRef>
+          <a:effectRef idx="0">
+            <a:schemeClr val="accent1"/>
+          </a:effectRef>
+          <a:fontRef idx="minor">
+            <a:schemeClr val="lt1"/>
+          </a:fontRef>
+        </p:style>
+        <p:txBody>
+          <a:bodyPr rtlCol="0" anchor="ctr"/>
+          <a:lstStyle/>
+          <a:p>
+            <a:pPr algn="ctr"/>
+            <a:endParaRPr lang="it-IT"/>
+          </a:p>
+        </p:txBody>
+      </p:sp>
+    </p:spTree>
+    <p:extLst>
+      <p:ext uri="{BB962C8B-B14F-4D97-AF65-F5344CB8AC3E}">
+        <p14:creationId xmlns:p14="http://schemas.microsoft.com/office/powerpoint/2010/main" val="3756749587"/>
+      </p:ext>
+    </p:extLst>
+  </p:cSld>
+  <p:clrMapOvr>
+    <a:masterClrMapping/>
+  </p:clrMapOvr>
+  <mc:AlternateContent xmlns:mc="http://schemas.openxmlformats.org/markup-compatibility/2006" xmlns:p159="http://schemas.microsoft.com/office/powerpoint/2015/09/main">
+    <mc:Choice Requires="p159">
+      <p:transition xmlns:p14="http://schemas.microsoft.com/office/powerpoint/2010/main" spd="slow" p14:dur="2000">
+        <p159:morph option="byObject"/>
+      </p:transition>
+    </mc:Choice>
+    <mc:Fallback xmlns="">
+      <p:transition spd="slow">
+        <p:fade/>
+      </p:transition>
+    </mc:Fallback>
+  </mc:AlternateContent>
+</p:sld>
+</file>
+
+<file path=ppt/slides/slide21.xml><?xml version="1.0" encoding="utf-8"?>
+<p:sld xmlns:a="http://schemas.openxmlformats.org/drawingml/2006/main" xmlns:r="http://schemas.openxmlformats.org/officeDocument/2006/relationships" xmlns:p="http://schemas.openxmlformats.org/presentationml/2006/main">
+  <p:cSld>
+    <p:spTree>
+      <p:nvGrpSpPr>
+        <p:cNvPr id="1" name=""/>
+        <p:cNvGrpSpPr/>
+        <p:nvPr/>
+      </p:nvGrpSpPr>
+      <p:grpSpPr>
+        <a:xfrm>
+          <a:off x="0" y="0"/>
+          <a:ext cx="0" cy="0"/>
+          <a:chOff x="0" y="0"/>
+          <a:chExt cx="0" cy="0"/>
+        </a:xfrm>
+      </p:grpSpPr>
+      <p:sp>
+        <p:nvSpPr>
+          <p:cNvPr id="2" name="Title 1">
+            <a:extLst>
+              <a:ext uri="{FF2B5EF4-FFF2-40B4-BE49-F238E27FC236}">
+                <a16:creationId xmlns:a16="http://schemas.microsoft.com/office/drawing/2014/main" id="{D76A055C-76FC-6350-F961-8BD0E9393EA8}"/>
+              </a:ext>
+            </a:extLst>
+          </p:cNvPr>
+          <p:cNvSpPr>
+            <a:spLocks noGrp="1"/>
+          </p:cNvSpPr>
+          <p:nvPr>
+            <p:ph type="title" idx="4294967295"/>
+          </p:nvPr>
+        </p:nvSpPr>
+        <p:spPr>
+          <a:xfrm>
+            <a:off x="375313" y="204195"/>
+            <a:ext cx="10391775" cy="814388"/>
+          </a:xfrm>
+        </p:spPr>
+        <p:txBody>
+          <a:bodyPr>
+            <a:noAutofit/>
+          </a:bodyPr>
+          <a:lstStyle/>
+          <a:p>
+            <a:r>
+              <a:rPr lang="it-IT" sz="3600" dirty="0"/>
+              <a:t>Results with Shadow on a single - 3</a:t>
+            </a:r>
+          </a:p>
+        </p:txBody>
+      </p:sp>
+      <p:pic>
+        <p:nvPicPr>
+          <p:cNvPr id="8" name="Picture 7" descr="A picture containing text, diagram, line, plot&#10;&#10;Description automatically generated">
+            <a:extLst>
+              <a:ext uri="{FF2B5EF4-FFF2-40B4-BE49-F238E27FC236}">
+                <a16:creationId xmlns:a16="http://schemas.microsoft.com/office/drawing/2014/main" id="{93AF8D37-B507-FC88-0905-C64396238E74}"/>
+              </a:ext>
+            </a:extLst>
+          </p:cNvPr>
+          <p:cNvPicPr>
+            <a:picLocks noChangeAspect="1"/>
+          </p:cNvPicPr>
+          <p:nvPr/>
+        </p:nvPicPr>
+        <p:blipFill>
+          <a:blip r:embed="rId2">
+            <a:extLst>
+              <a:ext uri="{28A0092B-C50C-407E-A947-70E740481C1C}">
+                <a14:useLocalDpi xmlns:a14="http://schemas.microsoft.com/office/drawing/2010/main" val="0"/>
+              </a:ext>
+            </a:extLst>
+          </a:blip>
+          <a:stretch>
+            <a:fillRect/>
+          </a:stretch>
+        </p:blipFill>
+        <p:spPr>
+          <a:xfrm>
+            <a:off x="5984543" y="1761713"/>
+            <a:ext cx="6207457" cy="5096287"/>
+          </a:xfrm>
+          <a:prstGeom prst="rect">
+            <a:avLst/>
+          </a:prstGeom>
+        </p:spPr>
+      </p:pic>
+      <p:pic>
+        <p:nvPicPr>
+          <p:cNvPr id="10" name="Picture 9" descr="A picture containing text, diagram, plot, line&#10;&#10;Description automatically generated">
+            <a:extLst>
+              <a:ext uri="{FF2B5EF4-FFF2-40B4-BE49-F238E27FC236}">
+                <a16:creationId xmlns:a16="http://schemas.microsoft.com/office/drawing/2014/main" id="{08949F2F-1137-562B-4257-5C7A45034009}"/>
+              </a:ext>
+            </a:extLst>
+          </p:cNvPr>
+          <p:cNvPicPr>
+            <a:picLocks noChangeAspect="1"/>
+          </p:cNvPicPr>
+          <p:nvPr/>
+        </p:nvPicPr>
+        <p:blipFill>
+          <a:blip r:embed="rId3">
+            <a:extLst>
+              <a:ext uri="{28A0092B-C50C-407E-A947-70E740481C1C}">
+                <a14:useLocalDpi xmlns:a14="http://schemas.microsoft.com/office/drawing/2010/main" val="0"/>
+              </a:ext>
+            </a:extLst>
+          </a:blip>
+          <a:stretch>
+            <a:fillRect/>
+          </a:stretch>
+        </p:blipFill>
+        <p:spPr>
+          <a:xfrm>
+            <a:off x="66983" y="1760561"/>
+            <a:ext cx="6029017" cy="5097439"/>
+          </a:xfrm>
+          <a:prstGeom prst="rect">
+            <a:avLst/>
+          </a:prstGeom>
+        </p:spPr>
+      </p:pic>
+      <p:cxnSp>
+        <p:nvCxnSpPr>
+          <p:cNvPr id="13" name="Straight Connector 12">
+            <a:extLst>
+              <a:ext uri="{FF2B5EF4-FFF2-40B4-BE49-F238E27FC236}">
+                <a16:creationId xmlns:a16="http://schemas.microsoft.com/office/drawing/2014/main" id="{F4CC6341-3869-BC05-BB7D-CF45DB0597C7}"/>
+              </a:ext>
+            </a:extLst>
+          </p:cNvPr>
+          <p:cNvCxnSpPr/>
+          <p:nvPr/>
+        </p:nvCxnSpPr>
+        <p:spPr>
+          <a:xfrm>
+            <a:off x="818866" y="4817660"/>
+            <a:ext cx="1392071" cy="0"/>
+          </a:xfrm>
+          <a:prstGeom prst="line">
+            <a:avLst/>
+          </a:prstGeom>
+          <a:ln w="38100">
+            <a:prstDash val="sysDot"/>
+          </a:ln>
+        </p:spPr>
+        <p:style>
+          <a:lnRef idx="1">
+            <a:schemeClr val="accent1"/>
+          </a:lnRef>
+          <a:fillRef idx="0">
+            <a:schemeClr val="accent1"/>
+          </a:fillRef>
+          <a:effectRef idx="0">
+            <a:schemeClr val="accent1"/>
+          </a:effectRef>
+          <a:fontRef idx="minor">
+            <a:schemeClr val="tx1"/>
+          </a:fontRef>
+        </p:style>
+      </p:cxnSp>
+      <p:cxnSp>
+        <p:nvCxnSpPr>
+          <p:cNvPr id="14" name="Straight Connector 13">
+            <a:extLst>
+              <a:ext uri="{FF2B5EF4-FFF2-40B4-BE49-F238E27FC236}">
+                <a16:creationId xmlns:a16="http://schemas.microsoft.com/office/drawing/2014/main" id="{C029A51A-F439-E93C-9DA0-57FA1F104DC5}"/>
+              </a:ext>
+            </a:extLst>
+          </p:cNvPr>
+          <p:cNvCxnSpPr>
+            <a:cxnSpLocks/>
+          </p:cNvCxnSpPr>
+          <p:nvPr/>
+        </p:nvCxnSpPr>
+        <p:spPr>
+          <a:xfrm>
+            <a:off x="2194916" y="4811034"/>
+            <a:ext cx="0" cy="1492230"/>
+          </a:xfrm>
+          <a:prstGeom prst="line">
+            <a:avLst/>
+          </a:prstGeom>
+          <a:ln w="38100">
+            <a:prstDash val="sysDot"/>
+          </a:ln>
+        </p:spPr>
+        <p:style>
+          <a:lnRef idx="1">
+            <a:schemeClr val="accent1"/>
+          </a:lnRef>
+          <a:fillRef idx="0">
+            <a:schemeClr val="accent1"/>
+          </a:fillRef>
+          <a:effectRef idx="0">
+            <a:schemeClr val="accent1"/>
+          </a:effectRef>
+          <a:fontRef idx="minor">
+            <a:schemeClr val="tx1"/>
+          </a:fontRef>
+        </p:style>
+      </p:cxnSp>
+      <p:cxnSp>
+        <p:nvCxnSpPr>
+          <p:cNvPr id="19" name="Straight Connector 18">
+            <a:extLst>
+              <a:ext uri="{FF2B5EF4-FFF2-40B4-BE49-F238E27FC236}">
+                <a16:creationId xmlns:a16="http://schemas.microsoft.com/office/drawing/2014/main" id="{0B64199A-7DD5-5645-154F-9E39B5AC7170}"/>
+              </a:ext>
+            </a:extLst>
+          </p:cNvPr>
+          <p:cNvCxnSpPr>
+            <a:cxnSpLocks/>
+          </p:cNvCxnSpPr>
+          <p:nvPr/>
+        </p:nvCxnSpPr>
+        <p:spPr>
+          <a:xfrm>
+            <a:off x="8120228" y="2572512"/>
+            <a:ext cx="0" cy="3730752"/>
+          </a:xfrm>
+          <a:prstGeom prst="line">
+            <a:avLst/>
+          </a:prstGeom>
+          <a:ln w="38100">
+            <a:prstDash val="sysDot"/>
+          </a:ln>
+        </p:spPr>
+        <p:style>
+          <a:lnRef idx="1">
+            <a:schemeClr val="accent1"/>
+          </a:lnRef>
+          <a:fillRef idx="0">
+            <a:schemeClr val="accent1"/>
+          </a:fillRef>
+          <a:effectRef idx="0">
+            <a:schemeClr val="accent1"/>
+          </a:effectRef>
+          <a:fontRef idx="minor">
+            <a:schemeClr val="tx1"/>
+          </a:fontRef>
+        </p:style>
+      </p:cxnSp>
+      <p:cxnSp>
+        <p:nvCxnSpPr>
+          <p:cNvPr id="21" name="Straight Connector 20">
+            <a:extLst>
+              <a:ext uri="{FF2B5EF4-FFF2-40B4-BE49-F238E27FC236}">
+                <a16:creationId xmlns:a16="http://schemas.microsoft.com/office/drawing/2014/main" id="{ED0DCDCC-F04F-E4FB-7786-CB1D1E5000AF}"/>
+              </a:ext>
+            </a:extLst>
+          </p:cNvPr>
+          <p:cNvCxnSpPr>
+            <a:cxnSpLocks/>
+          </p:cNvCxnSpPr>
+          <p:nvPr/>
+        </p:nvCxnSpPr>
+        <p:spPr>
+          <a:xfrm flipH="1">
+            <a:off x="6803136" y="2572512"/>
+            <a:ext cx="1317092" cy="0"/>
+          </a:xfrm>
+          <a:prstGeom prst="line">
+            <a:avLst/>
+          </a:prstGeom>
+          <a:ln w="38100">
+            <a:prstDash val="sysDot"/>
+          </a:ln>
+        </p:spPr>
+        <p:style>
+          <a:lnRef idx="1">
+            <a:schemeClr val="accent1"/>
+          </a:lnRef>
+          <a:fillRef idx="0">
+            <a:schemeClr val="accent1"/>
+          </a:fillRef>
+          <a:effectRef idx="0">
+            <a:schemeClr val="accent1"/>
+          </a:effectRef>
+          <a:fontRef idx="minor">
+            <a:schemeClr val="tx1"/>
+          </a:fontRef>
+        </p:style>
+      </p:cxnSp>
+      <p:sp>
+        <p:nvSpPr>
+          <p:cNvPr id="24" name="TextBox 23">
+            <a:extLst>
+              <a:ext uri="{FF2B5EF4-FFF2-40B4-BE49-F238E27FC236}">
+                <a16:creationId xmlns:a16="http://schemas.microsoft.com/office/drawing/2014/main" id="{9B34E67F-A3B4-8674-8EE2-B380BA581644}"/>
+              </a:ext>
+            </a:extLst>
+          </p:cNvPr>
+          <p:cNvSpPr txBox="1"/>
+          <p:nvPr/>
+        </p:nvSpPr>
+        <p:spPr>
+          <a:xfrm>
+            <a:off x="445008" y="1018583"/>
+            <a:ext cx="11301984" cy="646331"/>
+          </a:xfrm>
+          <a:prstGeom prst="rect">
+            <a:avLst/>
+          </a:prstGeom>
+          <a:noFill/>
+        </p:spPr>
+        <p:txBody>
+          <a:bodyPr wrap="square" rtlCol="0">
+            <a:spAutoFit/>
+          </a:bodyPr>
+          <a:lstStyle/>
+          <a:p>
+            <a:r>
+              <a:rPr lang="en-US" dirty="0"/>
+              <a:t>It can be observed that the power chosen by the optimizer is precisely the higher one among the two peaks in the previously shown P-V plot, which displayed two maximum power points.</a:t>
+            </a:r>
+            <a:endParaRPr lang="it-IT" dirty="0"/>
+          </a:p>
+        </p:txBody>
+      </p:sp>
+    </p:spTree>
+    <p:extLst>
+      <p:ext uri="{BB962C8B-B14F-4D97-AF65-F5344CB8AC3E}">
+        <p14:creationId xmlns:p14="http://schemas.microsoft.com/office/powerpoint/2010/main" val="3852231215"/>
+      </p:ext>
+    </p:extLst>
+  </p:cSld>
+  <p:clrMapOvr>
+    <a:masterClrMapping/>
+  </p:clrMapOvr>
+  <mc:AlternateContent xmlns:mc="http://schemas.openxmlformats.org/markup-compatibility/2006" xmlns:p159="http://schemas.microsoft.com/office/powerpoint/2015/09/main">
+    <mc:Choice Requires="p159">
+      <p:transition xmlns:p14="http://schemas.microsoft.com/office/powerpoint/2010/main" spd="slow" p14:dur="2000">
+        <p159:morph option="byObject"/>
+      </p:transition>
+    </mc:Choice>
+    <mc:Fallback xmlns="">
+      <p:transition spd="slow">
+        <p:fade/>
+      </p:transition>
+    </mc:Fallback>
+  </mc:AlternateContent>
+</p:sld>
+</file>
+
+<file path=ppt/slides/slide22.xml><?xml version="1.0" encoding="utf-8"?>
+<p:sld xmlns:a="http://schemas.openxmlformats.org/drawingml/2006/main" xmlns:r="http://schemas.openxmlformats.org/officeDocument/2006/relationships" xmlns:p="http://schemas.openxmlformats.org/presentationml/2006/main">
+  <p:cSld>
+    <p:spTree>
+      <p:nvGrpSpPr>
+        <p:cNvPr id="1" name=""/>
+        <p:cNvGrpSpPr/>
+        <p:nvPr/>
+      </p:nvGrpSpPr>
+      <p:grpSpPr>
+        <a:xfrm>
+          <a:off x="0" y="0"/>
+          <a:ext cx="0" cy="0"/>
+          <a:chOff x="0" y="0"/>
+          <a:chExt cx="0" cy="0"/>
+        </a:xfrm>
+      </p:grpSpPr>
+      <p:sp>
+        <p:nvSpPr>
+          <p:cNvPr id="3" name="Rectangle: Rounded Corners 2">
+            <a:extLst>
+              <a:ext uri="{FF2B5EF4-FFF2-40B4-BE49-F238E27FC236}">
+                <a16:creationId xmlns:a16="http://schemas.microsoft.com/office/drawing/2014/main" id="{40977B52-DB31-FE4A-EA7B-B55E646DA797}"/>
+              </a:ext>
+            </a:extLst>
+          </p:cNvPr>
+          <p:cNvSpPr/>
+          <p:nvPr/>
+        </p:nvSpPr>
+        <p:spPr>
+          <a:xfrm>
+            <a:off x="8087036" y="1645784"/>
+            <a:ext cx="3397555" cy="1377195"/>
+          </a:xfrm>
+          <a:prstGeom prst="roundRect">
+            <a:avLst/>
+          </a:prstGeom>
+          <a:solidFill>
+            <a:schemeClr val="accent1"/>
+          </a:solidFill>
+          <a:ln w="57150">
+            <a:solidFill>
+              <a:srgbClr val="FFC000"/>
+            </a:solidFill>
+          </a:ln>
+        </p:spPr>
+        <p:style>
+          <a:lnRef idx="2">
+            <a:schemeClr val="accent1">
+              <a:shade val="50000"/>
+            </a:schemeClr>
+          </a:lnRef>
+          <a:fillRef idx="1">
+            <a:schemeClr val="accent1"/>
+          </a:fillRef>
+          <a:effectRef idx="0">
+            <a:schemeClr val="accent1"/>
+          </a:effectRef>
+          <a:fontRef idx="minor">
+            <a:schemeClr val="lt1"/>
+          </a:fontRef>
+        </p:style>
+        <p:txBody>
+          <a:bodyPr rtlCol="0" anchor="ctr"/>
+          <a:lstStyle/>
+          <a:p>
+            <a:pPr algn="ctr"/>
+            <a:endParaRPr lang="it-IT"/>
+          </a:p>
+        </p:txBody>
+      </p:sp>
+      <p:sp>
+        <p:nvSpPr>
+          <p:cNvPr id="2" name="Title 1">
+            <a:extLst>
+              <a:ext uri="{FF2B5EF4-FFF2-40B4-BE49-F238E27FC236}">
+                <a16:creationId xmlns:a16="http://schemas.microsoft.com/office/drawing/2014/main" id="{C0C1A6D4-E0E2-258F-B5D2-BEFCEA4BFE29}"/>
+              </a:ext>
+            </a:extLst>
+          </p:cNvPr>
+          <p:cNvSpPr>
+            <a:spLocks noGrp="1"/>
+          </p:cNvSpPr>
+          <p:nvPr>
+            <p:ph type="title" idx="4294967295"/>
+          </p:nvPr>
+        </p:nvSpPr>
+        <p:spPr>
+          <a:xfrm>
+            <a:off x="616804" y="0"/>
+            <a:ext cx="10167937" cy="1179513"/>
+          </a:xfrm>
+        </p:spPr>
+        <p:txBody>
+          <a:bodyPr/>
+          <a:lstStyle/>
+          <a:p>
+            <a:r>
+              <a:rPr lang="it-IT" dirty="0"/>
+              <a:t>Results with Dynamic Shadow - 1</a:t>
+            </a:r>
+          </a:p>
+        </p:txBody>
+      </p:sp>
+      <p:sp>
+        <p:nvSpPr>
+          <p:cNvPr id="14" name="Titolo 1">
+            <a:extLst>
+              <a:ext uri="{FF2B5EF4-FFF2-40B4-BE49-F238E27FC236}">
+                <a16:creationId xmlns:a16="http://schemas.microsoft.com/office/drawing/2014/main" id="{7FDBCCB5-F0AF-580B-2F09-898B232B7B66}"/>
+              </a:ext>
+            </a:extLst>
+          </p:cNvPr>
+          <p:cNvSpPr txBox="1">
+            <a:spLocks/>
+          </p:cNvSpPr>
+          <p:nvPr/>
+        </p:nvSpPr>
+        <p:spPr>
+          <a:xfrm>
+            <a:off x="616804" y="249382"/>
+            <a:ext cx="10996076" cy="623454"/>
+          </a:xfrm>
+          <a:prstGeom prst="rect">
+            <a:avLst/>
+          </a:prstGeom>
+        </p:spPr>
+        <p:txBody>
+          <a:bodyPr lIns="91440" tIns="45720" rIns="91440" bIns="45720" anchor="t">
+            <a:normAutofit/>
+          </a:bodyPr>
+          <a:lstStyle>
+            <a:lvl1pPr algn="l" defTabSz="914400" rtl="0" eaLnBrk="1" latinLnBrk="0" hangingPunct="1">
+              <a:lnSpc>
+                <a:spcPct val="100000"/>
+              </a:lnSpc>
+              <a:spcBef>
+                <a:spcPct val="0"/>
+              </a:spcBef>
+              <a:buNone/>
+              <a:defRPr sz="3400" b="1" kern="1200">
+                <a:solidFill>
+                  <a:schemeClr val="tx1"/>
+                </a:solidFill>
+                <a:latin typeface="+mj-lt"/>
+                <a:ea typeface="+mj-ea"/>
+                <a:cs typeface="+mj-cs"/>
+              </a:defRPr>
+            </a:lvl1pPr>
+          </a:lstStyle>
+          <a:p>
+            <a:endParaRPr lang="it-IT" dirty="0"/>
+          </a:p>
+        </p:txBody>
+      </p:sp>
+      <p:pic>
+        <p:nvPicPr>
+          <p:cNvPr id="12" name="Picture 11" descr="A picture containing text, diagram, line, plot&#10;&#10;Description automatically generated">
+            <a:extLst>
+              <a:ext uri="{FF2B5EF4-FFF2-40B4-BE49-F238E27FC236}">
+                <a16:creationId xmlns:a16="http://schemas.microsoft.com/office/drawing/2014/main" id="{797A6C93-5985-E1CE-1CC0-2593372DAE8C}"/>
+              </a:ext>
+            </a:extLst>
+          </p:cNvPr>
+          <p:cNvPicPr>
+            <a:picLocks noChangeAspect="1"/>
+          </p:cNvPicPr>
+          <p:nvPr/>
+        </p:nvPicPr>
+        <p:blipFill>
+          <a:blip r:embed="rId2">
+            <a:extLst>
+              <a:ext uri="{28A0092B-C50C-407E-A947-70E740481C1C}">
+                <a14:useLocalDpi xmlns:a14="http://schemas.microsoft.com/office/drawing/2010/main" val="0"/>
+              </a:ext>
+            </a:extLst>
+          </a:blip>
+          <a:stretch>
+            <a:fillRect/>
+          </a:stretch>
+        </p:blipFill>
+        <p:spPr>
+          <a:xfrm>
+            <a:off x="377580" y="1228293"/>
+            <a:ext cx="3116247" cy="2337185"/>
+          </a:xfrm>
+          <a:prstGeom prst="rect">
+            <a:avLst/>
+          </a:prstGeom>
+        </p:spPr>
+      </p:pic>
+      <p:pic>
+        <p:nvPicPr>
+          <p:cNvPr id="15" name="Picture 14" descr="A picture containing text, diagram, line, plot&#10;&#10;Description automatically generated">
+            <a:extLst>
+              <a:ext uri="{FF2B5EF4-FFF2-40B4-BE49-F238E27FC236}">
+                <a16:creationId xmlns:a16="http://schemas.microsoft.com/office/drawing/2014/main" id="{9DA99175-44D3-2D41-2767-6BF7CE9EDAD8}"/>
+              </a:ext>
+            </a:extLst>
+          </p:cNvPr>
+          <p:cNvPicPr>
+            <a:picLocks noChangeAspect="1"/>
+          </p:cNvPicPr>
+          <p:nvPr/>
+        </p:nvPicPr>
+        <p:blipFill>
+          <a:blip r:embed="rId3">
+            <a:extLst>
+              <a:ext uri="{28A0092B-C50C-407E-A947-70E740481C1C}">
+                <a14:useLocalDpi xmlns:a14="http://schemas.microsoft.com/office/drawing/2010/main" val="0"/>
+              </a:ext>
+            </a:extLst>
+          </a:blip>
+          <a:stretch>
+            <a:fillRect/>
+          </a:stretch>
+        </p:blipFill>
+        <p:spPr>
+          <a:xfrm>
+            <a:off x="2304193" y="4101145"/>
+            <a:ext cx="3116247" cy="2337185"/>
+          </a:xfrm>
+          <a:prstGeom prst="rect">
+            <a:avLst/>
+          </a:prstGeom>
+        </p:spPr>
+      </p:pic>
+      <p:pic>
+        <p:nvPicPr>
+          <p:cNvPr id="17" name="Picture 16" descr="A picture containing text, diagram, line, parallel&#10;&#10;Description automatically generated">
+            <a:extLst>
+              <a:ext uri="{FF2B5EF4-FFF2-40B4-BE49-F238E27FC236}">
+                <a16:creationId xmlns:a16="http://schemas.microsoft.com/office/drawing/2014/main" id="{56F7DB83-4B02-48F0-CA11-96C86E2ADFD2}"/>
+              </a:ext>
+            </a:extLst>
+          </p:cNvPr>
+          <p:cNvPicPr>
+            <a:picLocks noChangeAspect="1"/>
+          </p:cNvPicPr>
+          <p:nvPr/>
+        </p:nvPicPr>
+        <p:blipFill>
+          <a:blip r:embed="rId4">
+            <a:extLst>
+              <a:ext uri="{28A0092B-C50C-407E-A947-70E740481C1C}">
+                <a14:useLocalDpi xmlns:a14="http://schemas.microsoft.com/office/drawing/2010/main" val="0"/>
+              </a:ext>
+            </a:extLst>
+          </a:blip>
+          <a:stretch>
+            <a:fillRect/>
+          </a:stretch>
+        </p:blipFill>
+        <p:spPr>
+          <a:xfrm>
+            <a:off x="4556718" y="1228293"/>
+            <a:ext cx="3116248" cy="2337186"/>
+          </a:xfrm>
+          <a:prstGeom prst="rect">
+            <a:avLst/>
+          </a:prstGeom>
+        </p:spPr>
+      </p:pic>
+      <p:pic>
+        <p:nvPicPr>
+          <p:cNvPr id="19" name="Picture 18" descr="A picture containing text, diagram, line, parallel&#10;&#10;Description automatically generated">
+            <a:extLst>
+              <a:ext uri="{FF2B5EF4-FFF2-40B4-BE49-F238E27FC236}">
+                <a16:creationId xmlns:a16="http://schemas.microsoft.com/office/drawing/2014/main" id="{C2BF617C-1475-0ACC-7B97-AD6F78EB6810}"/>
+              </a:ext>
+            </a:extLst>
+          </p:cNvPr>
+          <p:cNvPicPr>
+            <a:picLocks noChangeAspect="1"/>
+          </p:cNvPicPr>
+          <p:nvPr/>
+        </p:nvPicPr>
+        <p:blipFill>
+          <a:blip r:embed="rId5">
+            <a:extLst>
+              <a:ext uri="{28A0092B-C50C-407E-A947-70E740481C1C}">
+                <a14:useLocalDpi xmlns:a14="http://schemas.microsoft.com/office/drawing/2010/main" val="0"/>
+              </a:ext>
+            </a:extLst>
+          </a:blip>
+          <a:stretch>
+            <a:fillRect/>
+          </a:stretch>
+        </p:blipFill>
+        <p:spPr>
+          <a:xfrm>
+            <a:off x="6880739" y="4032906"/>
+            <a:ext cx="3116247" cy="2337186"/>
+          </a:xfrm>
+          <a:prstGeom prst="rect">
+            <a:avLst/>
+          </a:prstGeom>
+        </p:spPr>
+      </p:pic>
+      <p:sp>
+        <p:nvSpPr>
+          <p:cNvPr id="20" name="TextBox 19">
+            <a:extLst>
+              <a:ext uri="{FF2B5EF4-FFF2-40B4-BE49-F238E27FC236}">
+                <a16:creationId xmlns:a16="http://schemas.microsoft.com/office/drawing/2014/main" id="{E93C6517-25D1-AEDB-9634-99C1701E0A72}"/>
+              </a:ext>
+            </a:extLst>
+          </p:cNvPr>
+          <p:cNvSpPr txBox="1"/>
+          <p:nvPr/>
+        </p:nvSpPr>
+        <p:spPr>
+          <a:xfrm>
+            <a:off x="8191921" y="1726435"/>
+            <a:ext cx="3207224" cy="1200329"/>
+          </a:xfrm>
+          <a:prstGeom prst="rect">
+            <a:avLst/>
+          </a:prstGeom>
+          <a:noFill/>
+        </p:spPr>
+        <p:txBody>
+          <a:bodyPr wrap="square" rtlCol="0">
+            <a:spAutoFit/>
+          </a:bodyPr>
+          <a:lstStyle/>
+          <a:p>
+            <a:r>
+              <a:rPr lang="en-US" dirty="0">
+                <a:solidFill>
+                  <a:schemeClr val="bg1"/>
+                </a:solidFill>
+              </a:rPr>
+              <a:t>By following the arrows, you can observe the changing conditions of the various panels in the strings.</a:t>
+            </a:r>
+            <a:endParaRPr lang="it-IT" dirty="0">
+              <a:solidFill>
+                <a:schemeClr val="bg1"/>
+              </a:solidFill>
+            </a:endParaRPr>
+          </a:p>
+        </p:txBody>
+      </p:sp>
+      <p:cxnSp>
+        <p:nvCxnSpPr>
+          <p:cNvPr id="22" name="Straight Arrow Connector 21">
+            <a:extLst>
+              <a:ext uri="{FF2B5EF4-FFF2-40B4-BE49-F238E27FC236}">
+                <a16:creationId xmlns:a16="http://schemas.microsoft.com/office/drawing/2014/main" id="{4F0BF251-C7AB-530C-8A83-E1D6BE81CA3B}"/>
+              </a:ext>
+            </a:extLst>
+          </p:cNvPr>
+          <p:cNvCxnSpPr>
+            <a:cxnSpLocks/>
+          </p:cNvCxnSpPr>
+          <p:nvPr/>
+        </p:nvCxnSpPr>
+        <p:spPr>
+          <a:xfrm>
+            <a:off x="2829833" y="3570880"/>
+            <a:ext cx="421103" cy="486886"/>
+          </a:xfrm>
+          <a:prstGeom prst="straightConnector1">
+            <a:avLst/>
+          </a:prstGeom>
+          <a:ln w="57150">
+            <a:tailEnd type="triangle"/>
+          </a:ln>
+        </p:spPr>
+        <p:style>
+          <a:lnRef idx="1">
+            <a:schemeClr val="accent1"/>
+          </a:lnRef>
+          <a:fillRef idx="0">
+            <a:schemeClr val="accent1"/>
+          </a:fillRef>
+          <a:effectRef idx="0">
+            <a:schemeClr val="accent1"/>
+          </a:effectRef>
+          <a:fontRef idx="minor">
+            <a:schemeClr val="tx1"/>
+          </a:fontRef>
+        </p:style>
+      </p:cxnSp>
+      <p:cxnSp>
+        <p:nvCxnSpPr>
+          <p:cNvPr id="24" name="Straight Arrow Connector 23">
+            <a:extLst>
+              <a:ext uri="{FF2B5EF4-FFF2-40B4-BE49-F238E27FC236}">
+                <a16:creationId xmlns:a16="http://schemas.microsoft.com/office/drawing/2014/main" id="{7B4A909A-3AAE-1259-B1DE-07772B109326}"/>
+              </a:ext>
+            </a:extLst>
+          </p:cNvPr>
+          <p:cNvCxnSpPr>
+            <a:cxnSpLocks/>
+          </p:cNvCxnSpPr>
+          <p:nvPr/>
+        </p:nvCxnSpPr>
+        <p:spPr>
+          <a:xfrm flipV="1">
+            <a:off x="4531749" y="3565444"/>
+            <a:ext cx="493990" cy="444622"/>
+          </a:xfrm>
+          <a:prstGeom prst="straightConnector1">
+            <a:avLst/>
+          </a:prstGeom>
+          <a:ln w="57150">
+            <a:tailEnd type="triangle"/>
+          </a:ln>
+        </p:spPr>
+        <p:style>
+          <a:lnRef idx="1">
+            <a:schemeClr val="accent1"/>
+          </a:lnRef>
+          <a:fillRef idx="0">
+            <a:schemeClr val="accent1"/>
+          </a:fillRef>
+          <a:effectRef idx="0">
+            <a:schemeClr val="accent1"/>
+          </a:effectRef>
+          <a:fontRef idx="minor">
+            <a:schemeClr val="tx1"/>
+          </a:fontRef>
+        </p:style>
+      </p:cxnSp>
+      <p:cxnSp>
+        <p:nvCxnSpPr>
+          <p:cNvPr id="27" name="Straight Arrow Connector 26">
+            <a:extLst>
+              <a:ext uri="{FF2B5EF4-FFF2-40B4-BE49-F238E27FC236}">
+                <a16:creationId xmlns:a16="http://schemas.microsoft.com/office/drawing/2014/main" id="{38082BBC-192E-195B-DC16-6121C1D63121}"/>
+              </a:ext>
+            </a:extLst>
+          </p:cNvPr>
+          <p:cNvCxnSpPr>
+            <a:cxnSpLocks/>
+          </p:cNvCxnSpPr>
+          <p:nvPr/>
+        </p:nvCxnSpPr>
+        <p:spPr>
+          <a:xfrm>
+            <a:off x="7166263" y="3566635"/>
+            <a:ext cx="421103" cy="486886"/>
+          </a:xfrm>
+          <a:prstGeom prst="straightConnector1">
+            <a:avLst/>
+          </a:prstGeom>
+          <a:ln w="57150">
+            <a:tailEnd type="triangle"/>
+          </a:ln>
+        </p:spPr>
+        <p:style>
+          <a:lnRef idx="1">
+            <a:schemeClr val="accent1"/>
+          </a:lnRef>
+          <a:fillRef idx="0">
+            <a:schemeClr val="accent1"/>
+          </a:fillRef>
+          <a:effectRef idx="0">
+            <a:schemeClr val="accent1"/>
+          </a:effectRef>
+          <a:fontRef idx="minor">
+            <a:schemeClr val="tx1"/>
+          </a:fontRef>
+        </p:style>
+      </p:cxnSp>
+      <p:sp>
+        <p:nvSpPr>
+          <p:cNvPr id="28" name="TextBox 27">
+            <a:extLst>
+              <a:ext uri="{FF2B5EF4-FFF2-40B4-BE49-F238E27FC236}">
+                <a16:creationId xmlns:a16="http://schemas.microsoft.com/office/drawing/2014/main" id="{10FC292E-757C-068E-6D9B-8B592D068B07}"/>
+              </a:ext>
+            </a:extLst>
+          </p:cNvPr>
+          <p:cNvSpPr txBox="1"/>
+          <p:nvPr/>
+        </p:nvSpPr>
+        <p:spPr>
+          <a:xfrm>
+            <a:off x="832262" y="1034446"/>
+            <a:ext cx="2943862" cy="307777"/>
+          </a:xfrm>
+          <a:prstGeom prst="rect">
+            <a:avLst/>
+          </a:prstGeom>
+          <a:noFill/>
+        </p:spPr>
+        <p:txBody>
+          <a:bodyPr wrap="square" rtlCol="0">
+            <a:spAutoFit/>
+          </a:bodyPr>
+          <a:lstStyle/>
+          <a:p>
+            <a:r>
+              <a:rPr lang="it-IT" sz="1400" dirty="0"/>
+              <a:t>String 1 – Panel 1 shaded</a:t>
+            </a:r>
+          </a:p>
+        </p:txBody>
+      </p:sp>
+      <p:sp>
+        <p:nvSpPr>
+          <p:cNvPr id="29" name="TextBox 28">
+            <a:extLst>
+              <a:ext uri="{FF2B5EF4-FFF2-40B4-BE49-F238E27FC236}">
+                <a16:creationId xmlns:a16="http://schemas.microsoft.com/office/drawing/2014/main" id="{96E7FF75-E96E-A2D2-FD15-8BA52AA18116}"/>
+              </a:ext>
+            </a:extLst>
+          </p:cNvPr>
+          <p:cNvSpPr txBox="1"/>
+          <p:nvPr/>
+        </p:nvSpPr>
+        <p:spPr>
+          <a:xfrm>
+            <a:off x="2756910" y="6327820"/>
+            <a:ext cx="2943862" cy="523220"/>
+          </a:xfrm>
+          <a:prstGeom prst="rect">
+            <a:avLst/>
+          </a:prstGeom>
+          <a:noFill/>
+        </p:spPr>
+        <p:txBody>
+          <a:bodyPr wrap="square" rtlCol="0">
+            <a:spAutoFit/>
+          </a:bodyPr>
+          <a:lstStyle/>
+          <a:p>
+            <a:r>
+              <a:rPr lang="it-IT" sz="1400" dirty="0"/>
+              <a:t>String 1 – Panel 1 shaded</a:t>
+            </a:r>
+          </a:p>
+          <a:p>
+            <a:r>
+              <a:rPr lang="it-IT" sz="1400" dirty="0"/>
+              <a:t>String 2 – Panel 1 shaded</a:t>
+            </a:r>
+          </a:p>
+        </p:txBody>
+      </p:sp>
+      <p:sp>
+        <p:nvSpPr>
+          <p:cNvPr id="31" name="TextBox 30">
+            <a:extLst>
+              <a:ext uri="{FF2B5EF4-FFF2-40B4-BE49-F238E27FC236}">
+                <a16:creationId xmlns:a16="http://schemas.microsoft.com/office/drawing/2014/main" id="{F7B984E4-69CC-8840-9F0A-78B23226724D}"/>
+              </a:ext>
+            </a:extLst>
+          </p:cNvPr>
+          <p:cNvSpPr txBox="1"/>
+          <p:nvPr/>
+        </p:nvSpPr>
+        <p:spPr>
+          <a:xfrm>
+            <a:off x="5143174" y="815583"/>
+            <a:ext cx="2943862" cy="523220"/>
+          </a:xfrm>
+          <a:prstGeom prst="rect">
+            <a:avLst/>
+          </a:prstGeom>
+          <a:noFill/>
+        </p:spPr>
+        <p:txBody>
+          <a:bodyPr wrap="square" rtlCol="0">
+            <a:spAutoFit/>
+          </a:bodyPr>
+          <a:lstStyle/>
+          <a:p>
+            <a:r>
+              <a:rPr lang="it-IT" sz="1400" dirty="0"/>
+              <a:t>String 2 – Panel 1 shaded</a:t>
+            </a:r>
+          </a:p>
+          <a:p>
+            <a:r>
+              <a:rPr lang="it-IT" sz="1400" dirty="0"/>
+              <a:t>String 3 – Panel 1 shaded</a:t>
+            </a:r>
+          </a:p>
+        </p:txBody>
+      </p:sp>
+      <p:sp>
+        <p:nvSpPr>
+          <p:cNvPr id="32" name="TextBox 31">
+            <a:extLst>
+              <a:ext uri="{FF2B5EF4-FFF2-40B4-BE49-F238E27FC236}">
+                <a16:creationId xmlns:a16="http://schemas.microsoft.com/office/drawing/2014/main" id="{0B7E1EFE-A49E-3F4A-0DB8-6D8EC128631A}"/>
+              </a:ext>
+            </a:extLst>
+          </p:cNvPr>
+          <p:cNvSpPr txBox="1"/>
+          <p:nvPr/>
+        </p:nvSpPr>
+        <p:spPr>
+          <a:xfrm>
+            <a:off x="7376814" y="6265805"/>
+            <a:ext cx="2943862" cy="523220"/>
+          </a:xfrm>
+          <a:prstGeom prst="rect">
+            <a:avLst/>
+          </a:prstGeom>
+          <a:noFill/>
+        </p:spPr>
+        <p:txBody>
+          <a:bodyPr wrap="square" rtlCol="0">
+            <a:spAutoFit/>
+          </a:bodyPr>
+          <a:lstStyle/>
+          <a:p>
+            <a:r>
+              <a:rPr lang="it-IT" sz="1400" dirty="0"/>
+              <a:t>String 2 – Panel 1,2 shaded</a:t>
+            </a:r>
+          </a:p>
+          <a:p>
+            <a:r>
+              <a:rPr lang="it-IT" sz="1400" dirty="0"/>
+              <a:t>String 3 – Panel 1,2 shaded</a:t>
+            </a:r>
+          </a:p>
+        </p:txBody>
+      </p:sp>
+    </p:spTree>
+    <p:extLst>
+      <p:ext uri="{BB962C8B-B14F-4D97-AF65-F5344CB8AC3E}">
+        <p14:creationId xmlns:p14="http://schemas.microsoft.com/office/powerpoint/2010/main" val="2201786432"/>
+      </p:ext>
+    </p:extLst>
+  </p:cSld>
+  <p:clrMapOvr>
+    <a:masterClrMapping/>
+  </p:clrMapOvr>
+  <mc:AlternateContent xmlns:mc="http://schemas.openxmlformats.org/markup-compatibility/2006" xmlns:p159="http://schemas.microsoft.com/office/powerpoint/2015/09/main">
+    <mc:Choice Requires="p159">
+      <p:transition xmlns:p14="http://schemas.microsoft.com/office/powerpoint/2010/main" spd="slow" p14:dur="2000">
+        <p159:morph option="byObject"/>
+      </p:transition>
+    </mc:Choice>
+    <mc:Fallback xmlns="">
+      <p:transition spd="slow">
+        <p:fade/>
+      </p:transition>
+    </mc:Fallback>
+  </mc:AlternateContent>
+</p:sld>
+</file>
+
+<file path=ppt/slides/slide23.xml><?xml version="1.0" encoding="utf-8"?>
+<p:sld xmlns:a="http://schemas.openxmlformats.org/drawingml/2006/main" xmlns:r="http://schemas.openxmlformats.org/officeDocument/2006/relationships" xmlns:p="http://schemas.openxmlformats.org/presentationml/2006/main">
+  <p:cSld>
+    <p:spTree>
+      <p:nvGrpSpPr>
+        <p:cNvPr id="1" name=""/>
+        <p:cNvGrpSpPr/>
+        <p:nvPr/>
+      </p:nvGrpSpPr>
+      <p:grpSpPr>
+        <a:xfrm>
+          <a:off x="0" y="0"/>
+          <a:ext cx="0" cy="0"/>
+          <a:chOff x="0" y="0"/>
+          <a:chExt cx="0" cy="0"/>
+        </a:xfrm>
+      </p:grpSpPr>
+      <p:sp>
+        <p:nvSpPr>
+          <p:cNvPr id="2" name="Title 1">
+            <a:extLst>
+              <a:ext uri="{FF2B5EF4-FFF2-40B4-BE49-F238E27FC236}">
+                <a16:creationId xmlns:a16="http://schemas.microsoft.com/office/drawing/2014/main" id="{C0C1A6D4-E0E2-258F-B5D2-BEFCEA4BFE29}"/>
+              </a:ext>
+            </a:extLst>
+          </p:cNvPr>
+          <p:cNvSpPr>
+            <a:spLocks noGrp="1"/>
+          </p:cNvSpPr>
+          <p:nvPr>
+            <p:ph type="title" idx="4294967295"/>
+          </p:nvPr>
+        </p:nvSpPr>
+        <p:spPr>
+          <a:xfrm>
+            <a:off x="616804" y="0"/>
+            <a:ext cx="10167937" cy="1179513"/>
+          </a:xfrm>
+        </p:spPr>
+        <p:txBody>
+          <a:bodyPr/>
+          <a:lstStyle/>
+          <a:p>
+            <a:r>
+              <a:rPr lang="it-IT" dirty="0"/>
+              <a:t>Results with Dynamic Shadow - 2</a:t>
+            </a:r>
+          </a:p>
+        </p:txBody>
+      </p:sp>
+      <p:sp>
+        <p:nvSpPr>
+          <p:cNvPr id="14" name="Titolo 1">
+            <a:extLst>
+              <a:ext uri="{FF2B5EF4-FFF2-40B4-BE49-F238E27FC236}">
+                <a16:creationId xmlns:a16="http://schemas.microsoft.com/office/drawing/2014/main" id="{7FDBCCB5-F0AF-580B-2F09-898B232B7B66}"/>
+              </a:ext>
+            </a:extLst>
+          </p:cNvPr>
+          <p:cNvSpPr txBox="1">
+            <a:spLocks/>
+          </p:cNvSpPr>
+          <p:nvPr/>
+        </p:nvSpPr>
+        <p:spPr>
+          <a:xfrm>
+            <a:off x="616804" y="249382"/>
+            <a:ext cx="10996076" cy="623454"/>
+          </a:xfrm>
+          <a:prstGeom prst="rect">
+            <a:avLst/>
+          </a:prstGeom>
+        </p:spPr>
+        <p:txBody>
+          <a:bodyPr lIns="91440" tIns="45720" rIns="91440" bIns="45720" anchor="t">
+            <a:normAutofit/>
+          </a:bodyPr>
+          <a:lstStyle>
+            <a:lvl1pPr algn="l" defTabSz="914400" rtl="0" eaLnBrk="1" latinLnBrk="0" hangingPunct="1">
+              <a:lnSpc>
+                <a:spcPct val="100000"/>
+              </a:lnSpc>
+              <a:spcBef>
+                <a:spcPct val="0"/>
+              </a:spcBef>
+              <a:buNone/>
+              <a:defRPr sz="3400" b="1" kern="1200">
+                <a:solidFill>
+                  <a:schemeClr val="tx1"/>
+                </a:solidFill>
+                <a:latin typeface="+mj-lt"/>
+                <a:ea typeface="+mj-ea"/>
+                <a:cs typeface="+mj-cs"/>
+              </a:defRPr>
+            </a:lvl1pPr>
+          </a:lstStyle>
+          <a:p>
+            <a:endParaRPr lang="it-IT" dirty="0"/>
+          </a:p>
+        </p:txBody>
+      </p:sp>
+      <p:pic>
+        <p:nvPicPr>
+          <p:cNvPr id="12" name="Picture 11">
+            <a:extLst>
+              <a:ext uri="{FF2B5EF4-FFF2-40B4-BE49-F238E27FC236}">
+                <a16:creationId xmlns:a16="http://schemas.microsoft.com/office/drawing/2014/main" id="{797A6C93-5985-E1CE-1CC0-2593372DAE8C}"/>
+              </a:ext>
+            </a:extLst>
+          </p:cNvPr>
+          <p:cNvPicPr>
+            <a:picLocks noChangeAspect="1"/>
+          </p:cNvPicPr>
+          <p:nvPr/>
+        </p:nvPicPr>
+        <p:blipFill>
+          <a:blip r:embed="rId2">
+            <a:extLst>
+              <a:ext uri="{28A0092B-C50C-407E-A947-70E740481C1C}">
+                <a14:useLocalDpi xmlns:a14="http://schemas.microsoft.com/office/drawing/2010/main" val="0"/>
+              </a:ext>
+            </a:extLst>
+          </a:blip>
+          <a:srcRect/>
+          <a:stretch/>
+        </p:blipFill>
+        <p:spPr>
+          <a:xfrm>
+            <a:off x="377580" y="1228293"/>
+            <a:ext cx="3116246" cy="2337185"/>
+          </a:xfrm>
+          <a:prstGeom prst="rect">
+            <a:avLst/>
+          </a:prstGeom>
+        </p:spPr>
+      </p:pic>
+      <p:pic>
+        <p:nvPicPr>
+          <p:cNvPr id="15" name="Picture 14">
+            <a:extLst>
+              <a:ext uri="{FF2B5EF4-FFF2-40B4-BE49-F238E27FC236}">
+                <a16:creationId xmlns:a16="http://schemas.microsoft.com/office/drawing/2014/main" id="{9DA99175-44D3-2D41-2767-6BF7CE9EDAD8}"/>
+              </a:ext>
+            </a:extLst>
+          </p:cNvPr>
+          <p:cNvPicPr>
+            <a:picLocks noChangeAspect="1"/>
+          </p:cNvPicPr>
+          <p:nvPr/>
+        </p:nvPicPr>
+        <p:blipFill>
+          <a:blip r:embed="rId3">
+            <a:extLst>
+              <a:ext uri="{28A0092B-C50C-407E-A947-70E740481C1C}">
+                <a14:useLocalDpi xmlns:a14="http://schemas.microsoft.com/office/drawing/2010/main" val="0"/>
+              </a:ext>
+            </a:extLst>
+          </a:blip>
+          <a:srcRect/>
+          <a:stretch/>
+        </p:blipFill>
+        <p:spPr>
+          <a:xfrm>
+            <a:off x="2304193" y="4101145"/>
+            <a:ext cx="3116246" cy="2337185"/>
+          </a:xfrm>
+          <a:prstGeom prst="rect">
+            <a:avLst/>
+          </a:prstGeom>
+        </p:spPr>
+      </p:pic>
+      <p:pic>
+        <p:nvPicPr>
+          <p:cNvPr id="17" name="Picture 16">
+            <a:extLst>
+              <a:ext uri="{FF2B5EF4-FFF2-40B4-BE49-F238E27FC236}">
+                <a16:creationId xmlns:a16="http://schemas.microsoft.com/office/drawing/2014/main" id="{56F7DB83-4B02-48F0-CA11-96C86E2ADFD2}"/>
+              </a:ext>
+            </a:extLst>
+          </p:cNvPr>
+          <p:cNvPicPr>
+            <a:picLocks noChangeAspect="1"/>
+          </p:cNvPicPr>
+          <p:nvPr/>
+        </p:nvPicPr>
+        <p:blipFill>
+          <a:blip r:embed="rId4">
+            <a:extLst>
+              <a:ext uri="{28A0092B-C50C-407E-A947-70E740481C1C}">
+                <a14:useLocalDpi xmlns:a14="http://schemas.microsoft.com/office/drawing/2010/main" val="0"/>
+              </a:ext>
+            </a:extLst>
+          </a:blip>
+          <a:srcRect/>
+          <a:stretch/>
+        </p:blipFill>
+        <p:spPr>
+          <a:xfrm>
+            <a:off x="4556718" y="1228293"/>
+            <a:ext cx="3116248" cy="2337186"/>
+          </a:xfrm>
+          <a:prstGeom prst="rect">
+            <a:avLst/>
+          </a:prstGeom>
+        </p:spPr>
+      </p:pic>
+      <p:pic>
+        <p:nvPicPr>
+          <p:cNvPr id="19" name="Picture 18">
+            <a:extLst>
+              <a:ext uri="{FF2B5EF4-FFF2-40B4-BE49-F238E27FC236}">
+                <a16:creationId xmlns:a16="http://schemas.microsoft.com/office/drawing/2014/main" id="{C2BF617C-1475-0ACC-7B97-AD6F78EB6810}"/>
+              </a:ext>
+            </a:extLst>
+          </p:cNvPr>
+          <p:cNvPicPr>
+            <a:picLocks noChangeAspect="1"/>
+          </p:cNvPicPr>
+          <p:nvPr/>
+        </p:nvPicPr>
+        <p:blipFill>
+          <a:blip r:embed="rId5">
+            <a:extLst>
+              <a:ext uri="{28A0092B-C50C-407E-A947-70E740481C1C}">
+                <a14:useLocalDpi xmlns:a14="http://schemas.microsoft.com/office/drawing/2010/main" val="0"/>
+              </a:ext>
+            </a:extLst>
+          </a:blip>
+          <a:srcRect/>
+          <a:stretch/>
+        </p:blipFill>
+        <p:spPr>
+          <a:xfrm>
+            <a:off x="6880739" y="4032906"/>
+            <a:ext cx="3116247" cy="2337185"/>
+          </a:xfrm>
+          <a:prstGeom prst="rect">
+            <a:avLst/>
+          </a:prstGeom>
+        </p:spPr>
+      </p:pic>
+      <p:cxnSp>
+        <p:nvCxnSpPr>
+          <p:cNvPr id="22" name="Straight Arrow Connector 21">
+            <a:extLst>
+              <a:ext uri="{FF2B5EF4-FFF2-40B4-BE49-F238E27FC236}">
+                <a16:creationId xmlns:a16="http://schemas.microsoft.com/office/drawing/2014/main" id="{4F0BF251-C7AB-530C-8A83-E1D6BE81CA3B}"/>
+              </a:ext>
+            </a:extLst>
+          </p:cNvPr>
+          <p:cNvCxnSpPr>
+            <a:cxnSpLocks/>
+          </p:cNvCxnSpPr>
+          <p:nvPr/>
+        </p:nvCxnSpPr>
+        <p:spPr>
+          <a:xfrm>
+            <a:off x="2829833" y="3570880"/>
+            <a:ext cx="421103" cy="486886"/>
+          </a:xfrm>
+          <a:prstGeom prst="straightConnector1">
+            <a:avLst/>
+          </a:prstGeom>
+          <a:ln w="57150">
+            <a:tailEnd type="triangle"/>
+          </a:ln>
+        </p:spPr>
+        <p:style>
+          <a:lnRef idx="1">
+            <a:schemeClr val="accent1"/>
+          </a:lnRef>
+          <a:fillRef idx="0">
+            <a:schemeClr val="accent1"/>
+          </a:fillRef>
+          <a:effectRef idx="0">
+            <a:schemeClr val="accent1"/>
+          </a:effectRef>
+          <a:fontRef idx="minor">
+            <a:schemeClr val="tx1"/>
+          </a:fontRef>
+        </p:style>
+      </p:cxnSp>
+      <p:cxnSp>
+        <p:nvCxnSpPr>
+          <p:cNvPr id="24" name="Straight Arrow Connector 23">
+            <a:extLst>
+              <a:ext uri="{FF2B5EF4-FFF2-40B4-BE49-F238E27FC236}">
+                <a16:creationId xmlns:a16="http://schemas.microsoft.com/office/drawing/2014/main" id="{7B4A909A-3AAE-1259-B1DE-07772B109326}"/>
+              </a:ext>
+            </a:extLst>
+          </p:cNvPr>
+          <p:cNvCxnSpPr>
+            <a:cxnSpLocks/>
+          </p:cNvCxnSpPr>
+          <p:nvPr/>
+        </p:nvCxnSpPr>
+        <p:spPr>
+          <a:xfrm flipV="1">
+            <a:off x="4531749" y="3565444"/>
+            <a:ext cx="493990" cy="444622"/>
+          </a:xfrm>
+          <a:prstGeom prst="straightConnector1">
+            <a:avLst/>
+          </a:prstGeom>
+          <a:ln w="57150">
+            <a:tailEnd type="triangle"/>
+          </a:ln>
+        </p:spPr>
+        <p:style>
+          <a:lnRef idx="1">
+            <a:schemeClr val="accent1"/>
+          </a:lnRef>
+          <a:fillRef idx="0">
+            <a:schemeClr val="accent1"/>
+          </a:fillRef>
+          <a:effectRef idx="0">
+            <a:schemeClr val="accent1"/>
+          </a:effectRef>
+          <a:fontRef idx="minor">
+            <a:schemeClr val="tx1"/>
+          </a:fontRef>
+        </p:style>
+      </p:cxnSp>
+      <p:cxnSp>
+        <p:nvCxnSpPr>
+          <p:cNvPr id="27" name="Straight Arrow Connector 26">
+            <a:extLst>
+              <a:ext uri="{FF2B5EF4-FFF2-40B4-BE49-F238E27FC236}">
+                <a16:creationId xmlns:a16="http://schemas.microsoft.com/office/drawing/2014/main" id="{38082BBC-192E-195B-DC16-6121C1D63121}"/>
+              </a:ext>
+            </a:extLst>
+          </p:cNvPr>
+          <p:cNvCxnSpPr>
+            <a:cxnSpLocks/>
+          </p:cNvCxnSpPr>
+          <p:nvPr/>
+        </p:nvCxnSpPr>
+        <p:spPr>
+          <a:xfrm>
+            <a:off x="7166263" y="3566635"/>
+            <a:ext cx="421103" cy="486886"/>
+          </a:xfrm>
+          <a:prstGeom prst="straightConnector1">
+            <a:avLst/>
+          </a:prstGeom>
+          <a:ln w="57150">
+            <a:tailEnd type="triangle"/>
+          </a:ln>
+        </p:spPr>
+        <p:style>
+          <a:lnRef idx="1">
+            <a:schemeClr val="accent1"/>
+          </a:lnRef>
+          <a:fillRef idx="0">
+            <a:schemeClr val="accent1"/>
+          </a:fillRef>
+          <a:effectRef idx="0">
+            <a:schemeClr val="accent1"/>
+          </a:effectRef>
+          <a:fontRef idx="minor">
+            <a:schemeClr val="tx1"/>
+          </a:fontRef>
+        </p:style>
+      </p:cxnSp>
+      <p:sp>
+        <p:nvSpPr>
+          <p:cNvPr id="28" name="TextBox 27">
+            <a:extLst>
+              <a:ext uri="{FF2B5EF4-FFF2-40B4-BE49-F238E27FC236}">
+                <a16:creationId xmlns:a16="http://schemas.microsoft.com/office/drawing/2014/main" id="{10FC292E-757C-068E-6D9B-8B592D068B07}"/>
+              </a:ext>
+            </a:extLst>
+          </p:cNvPr>
+          <p:cNvSpPr txBox="1"/>
+          <p:nvPr/>
+        </p:nvSpPr>
+        <p:spPr>
+          <a:xfrm>
+            <a:off x="832262" y="1034446"/>
+            <a:ext cx="2943862" cy="307777"/>
+          </a:xfrm>
+          <a:prstGeom prst="rect">
+            <a:avLst/>
+          </a:prstGeom>
+          <a:noFill/>
+        </p:spPr>
+        <p:txBody>
+          <a:bodyPr wrap="square" rtlCol="0">
+            <a:spAutoFit/>
+          </a:bodyPr>
+          <a:lstStyle/>
+          <a:p>
+            <a:r>
+              <a:rPr lang="it-IT" sz="1400" dirty="0"/>
+              <a:t>String 1 – Panel 1 shaded</a:t>
+            </a:r>
+          </a:p>
+        </p:txBody>
+      </p:sp>
+      <p:sp>
+        <p:nvSpPr>
+          <p:cNvPr id="29" name="TextBox 28">
+            <a:extLst>
+              <a:ext uri="{FF2B5EF4-FFF2-40B4-BE49-F238E27FC236}">
+                <a16:creationId xmlns:a16="http://schemas.microsoft.com/office/drawing/2014/main" id="{96E7FF75-E96E-A2D2-FD15-8BA52AA18116}"/>
+              </a:ext>
+            </a:extLst>
+          </p:cNvPr>
+          <p:cNvSpPr txBox="1"/>
+          <p:nvPr/>
+        </p:nvSpPr>
+        <p:spPr>
+          <a:xfrm>
+            <a:off x="2756910" y="6327820"/>
+            <a:ext cx="2943862" cy="523220"/>
+          </a:xfrm>
+          <a:prstGeom prst="rect">
+            <a:avLst/>
+          </a:prstGeom>
+          <a:noFill/>
+        </p:spPr>
+        <p:txBody>
+          <a:bodyPr wrap="square" rtlCol="0">
+            <a:spAutoFit/>
+          </a:bodyPr>
+          <a:lstStyle/>
+          <a:p>
+            <a:r>
+              <a:rPr lang="it-IT" sz="1400" dirty="0"/>
+              <a:t>String 1 – Panel 1 shaded</a:t>
+            </a:r>
+          </a:p>
+          <a:p>
+            <a:r>
+              <a:rPr lang="it-IT" sz="1400" dirty="0"/>
+              <a:t>String 2 – Panel 1 shaded</a:t>
+            </a:r>
+          </a:p>
+        </p:txBody>
+      </p:sp>
+      <p:sp>
+        <p:nvSpPr>
+          <p:cNvPr id="31" name="TextBox 30">
+            <a:extLst>
+              <a:ext uri="{FF2B5EF4-FFF2-40B4-BE49-F238E27FC236}">
+                <a16:creationId xmlns:a16="http://schemas.microsoft.com/office/drawing/2014/main" id="{F7B984E4-69CC-8840-9F0A-78B23226724D}"/>
+              </a:ext>
+            </a:extLst>
+          </p:cNvPr>
+          <p:cNvSpPr txBox="1"/>
+          <p:nvPr/>
+        </p:nvSpPr>
+        <p:spPr>
+          <a:xfrm>
+            <a:off x="5143174" y="815583"/>
+            <a:ext cx="2943862" cy="523220"/>
+          </a:xfrm>
+          <a:prstGeom prst="rect">
+            <a:avLst/>
+          </a:prstGeom>
+          <a:noFill/>
+        </p:spPr>
+        <p:txBody>
+          <a:bodyPr wrap="square" rtlCol="0">
+            <a:spAutoFit/>
+          </a:bodyPr>
+          <a:lstStyle/>
+          <a:p>
+            <a:r>
+              <a:rPr lang="it-IT" sz="1400" dirty="0"/>
+              <a:t>String 2 – Panel 1 shaded</a:t>
+            </a:r>
+          </a:p>
+          <a:p>
+            <a:r>
+              <a:rPr lang="it-IT" sz="1400" dirty="0"/>
+              <a:t>String 3 – Panel 1 shaded</a:t>
+            </a:r>
+          </a:p>
+        </p:txBody>
+      </p:sp>
+      <p:sp>
+        <p:nvSpPr>
+          <p:cNvPr id="32" name="TextBox 31">
+            <a:extLst>
+              <a:ext uri="{FF2B5EF4-FFF2-40B4-BE49-F238E27FC236}">
+                <a16:creationId xmlns:a16="http://schemas.microsoft.com/office/drawing/2014/main" id="{0B7E1EFE-A49E-3F4A-0DB8-6D8EC128631A}"/>
+              </a:ext>
+            </a:extLst>
+          </p:cNvPr>
+          <p:cNvSpPr txBox="1"/>
+          <p:nvPr/>
+        </p:nvSpPr>
+        <p:spPr>
+          <a:xfrm>
+            <a:off x="7376814" y="6265805"/>
+            <a:ext cx="2943862" cy="523220"/>
+          </a:xfrm>
+          <a:prstGeom prst="rect">
+            <a:avLst/>
+          </a:prstGeom>
+          <a:noFill/>
+        </p:spPr>
+        <p:txBody>
+          <a:bodyPr wrap="square" rtlCol="0">
+            <a:spAutoFit/>
+          </a:bodyPr>
+          <a:lstStyle/>
+          <a:p>
+            <a:r>
+              <a:rPr lang="it-IT" sz="1400" dirty="0"/>
+              <a:t>String 2 – Panel 1,2 shaded</a:t>
+            </a:r>
+          </a:p>
+          <a:p>
+            <a:r>
+              <a:rPr lang="it-IT" sz="1400" dirty="0"/>
+              <a:t>String 3 – Panel 1,2 shaded</a:t>
+            </a:r>
+          </a:p>
+        </p:txBody>
+      </p:sp>
+      <p:sp>
+        <p:nvSpPr>
+          <p:cNvPr id="5" name="Rectangle: Rounded Corners 4">
+            <a:extLst>
+              <a:ext uri="{FF2B5EF4-FFF2-40B4-BE49-F238E27FC236}">
+                <a16:creationId xmlns:a16="http://schemas.microsoft.com/office/drawing/2014/main" id="{8527DF4B-7770-DBDF-D3A1-CEF56862602B}"/>
+              </a:ext>
+            </a:extLst>
+          </p:cNvPr>
+          <p:cNvSpPr/>
+          <p:nvPr/>
+        </p:nvSpPr>
+        <p:spPr>
+          <a:xfrm>
+            <a:off x="8087036" y="1645784"/>
+            <a:ext cx="3397555" cy="1377195"/>
+          </a:xfrm>
+          <a:prstGeom prst="roundRect">
+            <a:avLst/>
+          </a:prstGeom>
+          <a:solidFill>
+            <a:schemeClr val="accent1"/>
+          </a:solidFill>
+          <a:ln w="57150">
+            <a:solidFill>
+              <a:srgbClr val="FFC000"/>
+            </a:solidFill>
+          </a:ln>
+        </p:spPr>
+        <p:style>
+          <a:lnRef idx="2">
+            <a:schemeClr val="accent1">
+              <a:shade val="50000"/>
+            </a:schemeClr>
+          </a:lnRef>
+          <a:fillRef idx="1">
+            <a:schemeClr val="accent1"/>
+          </a:fillRef>
+          <a:effectRef idx="0">
+            <a:schemeClr val="accent1"/>
+          </a:effectRef>
+          <a:fontRef idx="minor">
+            <a:schemeClr val="lt1"/>
+          </a:fontRef>
+        </p:style>
+        <p:txBody>
+          <a:bodyPr rtlCol="0" anchor="ctr"/>
+          <a:lstStyle/>
+          <a:p>
+            <a:pPr algn="ctr"/>
+            <a:r>
+              <a:rPr lang="en-US" sz="1400" dirty="0"/>
+              <a:t>As it was easy to deduce from the previous graphs, multiple peaks can be observed, which are obviously due to the presence of mismatch conditions among the various panels.</a:t>
+            </a:r>
+            <a:endParaRPr lang="it-IT" sz="1400" dirty="0"/>
+          </a:p>
+        </p:txBody>
+      </p:sp>
+    </p:spTree>
+    <p:extLst>
+      <p:ext uri="{BB962C8B-B14F-4D97-AF65-F5344CB8AC3E}">
+        <p14:creationId xmlns:p14="http://schemas.microsoft.com/office/powerpoint/2010/main" val="2140160406"/>
+      </p:ext>
+    </p:extLst>
+  </p:cSld>
+  <p:clrMapOvr>
+    <a:masterClrMapping/>
+  </p:clrMapOvr>
+  <mc:AlternateContent xmlns:mc="http://schemas.openxmlformats.org/markup-compatibility/2006" xmlns:p159="http://schemas.microsoft.com/office/powerpoint/2015/09/main">
+    <mc:Choice Requires="p159">
+      <p:transition xmlns:p14="http://schemas.microsoft.com/office/powerpoint/2010/main" spd="slow" p14:dur="2000">
+        <p159:morph option="byObject"/>
+      </p:transition>
+    </mc:Choice>
+    <mc:Fallback xmlns="">
+      <p:transition spd="slow">
+        <p:fade/>
+      </p:transition>
+    </mc:Fallback>
+  </mc:AlternateContent>
+</p:sld>
+</file>
+
+<file path=ppt/slides/slide24.xml><?xml version="1.0" encoding="utf-8"?>
+<p:sld xmlns:a="http://schemas.openxmlformats.org/drawingml/2006/main" xmlns:r="http://schemas.openxmlformats.org/officeDocument/2006/relationships" xmlns:p="http://schemas.openxmlformats.org/presentationml/2006/main">
+  <p:cSld>
+    <p:spTree>
+      <p:nvGrpSpPr>
+        <p:cNvPr id="1" name=""/>
+        <p:cNvGrpSpPr/>
+        <p:nvPr/>
+      </p:nvGrpSpPr>
+      <p:grpSpPr>
+        <a:xfrm>
+          <a:off x="0" y="0"/>
+          <a:ext cx="0" cy="0"/>
+          <a:chOff x="0" y="0"/>
+          <a:chExt cx="0" cy="0"/>
+        </a:xfrm>
+      </p:grpSpPr>
+      <p:sp>
+        <p:nvSpPr>
+          <p:cNvPr id="2" name="Title 1">
+            <a:extLst>
+              <a:ext uri="{FF2B5EF4-FFF2-40B4-BE49-F238E27FC236}">
+                <a16:creationId xmlns:a16="http://schemas.microsoft.com/office/drawing/2014/main" id="{C0C1A6D4-E0E2-258F-B5D2-BEFCEA4BFE29}"/>
+              </a:ext>
+            </a:extLst>
+          </p:cNvPr>
+          <p:cNvSpPr>
+            <a:spLocks noGrp="1"/>
+          </p:cNvSpPr>
+          <p:nvPr>
+            <p:ph type="title" idx="4294967295"/>
+          </p:nvPr>
+        </p:nvSpPr>
+        <p:spPr>
+          <a:xfrm>
+            <a:off x="616804" y="0"/>
+            <a:ext cx="10167937" cy="1179513"/>
+          </a:xfrm>
+        </p:spPr>
+        <p:txBody>
+          <a:bodyPr/>
+          <a:lstStyle/>
+          <a:p>
+            <a:r>
+              <a:rPr lang="it-IT" dirty="0"/>
+              <a:t>Results with Dynamic Shadow - 3</a:t>
+            </a:r>
+          </a:p>
+        </p:txBody>
+      </p:sp>
+      <p:sp>
+        <p:nvSpPr>
+          <p:cNvPr id="14" name="Titolo 1">
+            <a:extLst>
+              <a:ext uri="{FF2B5EF4-FFF2-40B4-BE49-F238E27FC236}">
+                <a16:creationId xmlns:a16="http://schemas.microsoft.com/office/drawing/2014/main" id="{7FDBCCB5-F0AF-580B-2F09-898B232B7B66}"/>
+              </a:ext>
+            </a:extLst>
+          </p:cNvPr>
+          <p:cNvSpPr txBox="1">
+            <a:spLocks/>
+          </p:cNvSpPr>
+          <p:nvPr/>
+        </p:nvSpPr>
+        <p:spPr>
+          <a:xfrm>
+            <a:off x="616804" y="249382"/>
+            <a:ext cx="10996076" cy="623454"/>
+          </a:xfrm>
+          <a:prstGeom prst="rect">
+            <a:avLst/>
+          </a:prstGeom>
+        </p:spPr>
+        <p:txBody>
+          <a:bodyPr lIns="91440" tIns="45720" rIns="91440" bIns="45720" anchor="t">
+            <a:normAutofit/>
+          </a:bodyPr>
+          <a:lstStyle>
+            <a:lvl1pPr algn="l" defTabSz="914400" rtl="0" eaLnBrk="1" latinLnBrk="0" hangingPunct="1">
+              <a:lnSpc>
+                <a:spcPct val="100000"/>
+              </a:lnSpc>
+              <a:spcBef>
+                <a:spcPct val="0"/>
+              </a:spcBef>
+              <a:buNone/>
+              <a:defRPr sz="3400" b="1" kern="1200">
+                <a:solidFill>
+                  <a:schemeClr val="tx1"/>
+                </a:solidFill>
+                <a:latin typeface="+mj-lt"/>
+                <a:ea typeface="+mj-ea"/>
+                <a:cs typeface="+mj-cs"/>
+              </a:defRPr>
+            </a:lvl1pPr>
+          </a:lstStyle>
+          <a:p>
+            <a:endParaRPr lang="it-IT" dirty="0"/>
+          </a:p>
+        </p:txBody>
+      </p:sp>
+      <p:pic>
+        <p:nvPicPr>
+          <p:cNvPr id="36" name="Picture 35" descr="A picture containing text, diagram, line, plot&#10;&#10;Description automatically generated">
+            <a:extLst>
+              <a:ext uri="{FF2B5EF4-FFF2-40B4-BE49-F238E27FC236}">
+                <a16:creationId xmlns:a16="http://schemas.microsoft.com/office/drawing/2014/main" id="{A22F7449-61FC-7746-A8FC-5A97F36578D2}"/>
+              </a:ext>
+            </a:extLst>
+          </p:cNvPr>
+          <p:cNvPicPr>
+            <a:picLocks noChangeAspect="1"/>
+          </p:cNvPicPr>
+          <p:nvPr/>
+        </p:nvPicPr>
+        <p:blipFill>
+          <a:blip r:embed="rId2">
+            <a:extLst>
+              <a:ext uri="{28A0092B-C50C-407E-A947-70E740481C1C}">
+                <a14:useLocalDpi xmlns:a14="http://schemas.microsoft.com/office/drawing/2010/main" val="0"/>
+              </a:ext>
+            </a:extLst>
+          </a:blip>
+          <a:stretch>
+            <a:fillRect/>
+          </a:stretch>
+        </p:blipFill>
+        <p:spPr>
+          <a:xfrm>
+            <a:off x="6285709" y="1126333"/>
+            <a:ext cx="5852172" cy="4389129"/>
+          </a:xfrm>
+          <a:prstGeom prst="rect">
+            <a:avLst/>
+          </a:prstGeom>
+        </p:spPr>
+      </p:pic>
+      <p:pic>
+        <p:nvPicPr>
+          <p:cNvPr id="38" name="Picture 37" descr="A picture containing text, diagram, line, plot&#10;&#10;Description automatically generated">
+            <a:extLst>
+              <a:ext uri="{FF2B5EF4-FFF2-40B4-BE49-F238E27FC236}">
+                <a16:creationId xmlns:a16="http://schemas.microsoft.com/office/drawing/2014/main" id="{EFEC9F46-C5E4-C52F-B160-E8CC1D76FD1A}"/>
+              </a:ext>
+            </a:extLst>
+          </p:cNvPr>
+          <p:cNvPicPr>
+            <a:picLocks noChangeAspect="1"/>
+          </p:cNvPicPr>
+          <p:nvPr/>
+        </p:nvPicPr>
+        <p:blipFill>
+          <a:blip r:embed="rId3">
+            <a:extLst>
+              <a:ext uri="{28A0092B-C50C-407E-A947-70E740481C1C}">
+                <a14:useLocalDpi xmlns:a14="http://schemas.microsoft.com/office/drawing/2010/main" val="0"/>
+              </a:ext>
+            </a:extLst>
+          </a:blip>
+          <a:stretch>
+            <a:fillRect/>
+          </a:stretch>
+        </p:blipFill>
+        <p:spPr>
+          <a:xfrm>
+            <a:off x="433537" y="1126334"/>
+            <a:ext cx="5852172" cy="4389129"/>
+          </a:xfrm>
+          <a:prstGeom prst="rect">
+            <a:avLst/>
+          </a:prstGeom>
+        </p:spPr>
+      </p:pic>
+    </p:spTree>
+    <p:extLst>
+      <p:ext uri="{BB962C8B-B14F-4D97-AF65-F5344CB8AC3E}">
+        <p14:creationId xmlns:p14="http://schemas.microsoft.com/office/powerpoint/2010/main" val="3431914205"/>
+      </p:ext>
+    </p:extLst>
+  </p:cSld>
+  <p:clrMapOvr>
+    <a:masterClrMapping/>
+  </p:clrMapOvr>
+  <mc:AlternateContent xmlns:mc="http://schemas.openxmlformats.org/markup-compatibility/2006" xmlns:p159="http://schemas.microsoft.com/office/powerpoint/2015/09/main">
+    <mc:Choice Requires="p159">
+      <p:transition xmlns:p14="http://schemas.microsoft.com/office/powerpoint/2010/main" spd="slow" p14:dur="2000">
+        <p159:morph option="byObject"/>
+      </p:transition>
+    </mc:Choice>
+    <mc:Fallback xmlns="">
+      <p:transition spd="slow">
+        <p:fade/>
+      </p:transition>
+    </mc:Fallback>
+  </mc:AlternateContent>
+</p:sld>
+</file>
+
+<file path=ppt/slides/slide25.xml><?xml version="1.0" encoding="utf-8"?>
+<p:sld xmlns:a="http://schemas.openxmlformats.org/drawingml/2006/main" xmlns:r="http://schemas.openxmlformats.org/officeDocument/2006/relationships" xmlns:p="http://schemas.openxmlformats.org/presentationml/2006/main">
+  <p:cSld>
+    <p:spTree>
+      <p:nvGrpSpPr>
+        <p:cNvPr id="1" name=""/>
+        <p:cNvGrpSpPr/>
+        <p:nvPr/>
+      </p:nvGrpSpPr>
+      <p:grpSpPr>
+        <a:xfrm>
+          <a:off x="0" y="0"/>
+          <a:ext cx="0" cy="0"/>
+          <a:chOff x="0" y="0"/>
+          <a:chExt cx="0" cy="0"/>
+        </a:xfrm>
+      </p:grpSpPr>
+      <p:sp>
+        <p:nvSpPr>
+          <p:cNvPr id="2" name="Titolo 1">
+            <a:extLst>
+              <a:ext uri="{FF2B5EF4-FFF2-40B4-BE49-F238E27FC236}">
+                <a16:creationId xmlns:a16="http://schemas.microsoft.com/office/drawing/2014/main" id="{2FFC5C31-5ED2-31C2-846F-1AB54EC8859B}"/>
+              </a:ext>
+            </a:extLst>
+          </p:cNvPr>
+          <p:cNvSpPr>
+            <a:spLocks noGrp="1"/>
+          </p:cNvSpPr>
+          <p:nvPr>
+            <p:ph type="title"/>
+          </p:nvPr>
+        </p:nvSpPr>
+        <p:spPr/>
+        <p:txBody>
+          <a:bodyPr/>
+          <a:lstStyle/>
+          <a:p>
+            <a:r>
+              <a:rPr lang="it-IT" dirty="0" err="1"/>
+              <a:t>Conclusions</a:t>
+            </a:r>
+            <a:endParaRPr lang="it-IT" dirty="0"/>
+          </a:p>
+        </p:txBody>
+      </p:sp>
+      <p:sp>
+        <p:nvSpPr>
+          <p:cNvPr id="3" name="Segnaposto contenuto 2">
+            <a:extLst>
+              <a:ext uri="{FF2B5EF4-FFF2-40B4-BE49-F238E27FC236}">
+                <a16:creationId xmlns:a16="http://schemas.microsoft.com/office/drawing/2014/main" id="{E21B3A5A-CA0F-B86E-F7D9-D90ABD1B6726}"/>
+              </a:ext>
+            </a:extLst>
+          </p:cNvPr>
+          <p:cNvSpPr>
+            <a:spLocks noGrp="1"/>
+          </p:cNvSpPr>
+          <p:nvPr>
+            <p:ph idx="1"/>
+          </p:nvPr>
+        </p:nvSpPr>
+        <p:spPr/>
+        <p:txBody>
+          <a:bodyPr/>
+          <a:lstStyle/>
+          <a:p>
+            <a:r>
+              <a:rPr lang="en-US" sz="1400" dirty="0"/>
+              <a:t>In conclusion, this project has successfully addressed the optimization problem associated with a parallel-series configuration of photovoltaic (PV) panels in order to maximize power generation. By identifying the optimal voltage value that achieves maximum power output, the project has demonstrated an effective approach to optimizing the performance of photovoltaic systems.</a:t>
+            </a:r>
+          </a:p>
+          <a:p>
+            <a:r>
+              <a:rPr lang="en-US" sz="1400" dirty="0"/>
+              <a:t>Additionally, the project considered the impact of mismatch conditions among the panels within the parallel strings. By evaluating the system's behavior under varying mismatch conditions, valuable insights were gained into the robustness and adaptability of the proposed solution. This analysis contributes to a better understanding of real-world scenarios and the potential challenges that may arise in practical PV installations.</a:t>
+            </a:r>
+          </a:p>
+          <a:p>
+            <a:r>
+              <a:rPr lang="en-US" sz="1400" dirty="0"/>
+              <a:t>Overall, this project offers a comprehensive exploration of optimizing PV panel configurations and their performance under different conditions. The findings provide valuable insights for researchers, engineers, and industry professionals, fostering advancements in solar energy technologies and facilitating the widespread adoption of efficient and reliable photovoltaic systems.</a:t>
+            </a:r>
+            <a:endParaRPr lang="it-IT" sz="1400" dirty="0"/>
+          </a:p>
+        </p:txBody>
+      </p:sp>
+    </p:spTree>
+    <p:extLst>
+      <p:ext uri="{BB962C8B-B14F-4D97-AF65-F5344CB8AC3E}">
+        <p14:creationId xmlns:p14="http://schemas.microsoft.com/office/powerpoint/2010/main" val="3003280789"/>
+      </p:ext>
+    </p:extLst>
+  </p:cSld>
+  <p:clrMapOvr>
+    <a:masterClrMapping/>
+  </p:clrMapOvr>
+  <mc:AlternateContent xmlns:mc="http://schemas.openxmlformats.org/markup-compatibility/2006" xmlns:p159="http://schemas.microsoft.com/office/powerpoint/2015/09/main">
+    <mc:Choice Requires="p159">
+      <p:transition xmlns:p14="http://schemas.microsoft.com/office/powerpoint/2010/main" spd="slow" p14:dur="2000">
+        <p159:morph option="byObject"/>
+      </p:transition>
+    </mc:Choice>
+    <mc:Fallback xmlns="">
+      <p:transition spd="slow">
+        <p:fade/>
+      </p:transition>
+    </mc:Fallback>
+  </mc:AlternateContent>
+</p:sld>
+</file>
+
+<file path=ppt/slides/slide26.xml><?xml version="1.0" encoding="utf-8"?>
+<p:sld xmlns:a="http://schemas.openxmlformats.org/drawingml/2006/main" xmlns:r="http://schemas.openxmlformats.org/officeDocument/2006/relationships" xmlns:p="http://schemas.openxmlformats.org/presentationml/2006/main">
+  <p:cSld>
+    <p:spTree>
+      <p:nvGrpSpPr>
+        <p:cNvPr id="1" name=""/>
+        <p:cNvGrpSpPr/>
+        <p:nvPr/>
+      </p:nvGrpSpPr>
+      <p:grpSpPr>
+        <a:xfrm>
+          <a:off x="0" y="0"/>
+          <a:ext cx="0" cy="0"/>
+          <a:chOff x="0" y="0"/>
+          <a:chExt cx="0" cy="0"/>
+        </a:xfrm>
+      </p:grpSpPr>
+      <p:sp>
+        <p:nvSpPr>
+          <p:cNvPr id="2" name="Titolo 1">
+            <a:extLst>
+              <a:ext uri="{FF2B5EF4-FFF2-40B4-BE49-F238E27FC236}">
+                <a16:creationId xmlns:a16="http://schemas.microsoft.com/office/drawing/2014/main" id="{D4603B4C-A6C4-E1EB-52AC-2F0F3BFCACA5}"/>
+              </a:ext>
+            </a:extLst>
+          </p:cNvPr>
+          <p:cNvSpPr>
+            <a:spLocks noGrp="1"/>
+          </p:cNvSpPr>
+          <p:nvPr>
+            <p:ph type="title"/>
+          </p:nvPr>
+        </p:nvSpPr>
+        <p:spPr/>
+        <p:txBody>
+          <a:bodyPr/>
+          <a:lstStyle/>
+          <a:p>
+            <a:r>
+              <a:rPr lang="it-IT" dirty="0" err="1"/>
+              <a:t>Bibliography</a:t>
+            </a:r>
+            <a:endParaRPr lang="it-IT" dirty="0"/>
+          </a:p>
+        </p:txBody>
+      </p:sp>
+      <p:sp>
+        <p:nvSpPr>
+          <p:cNvPr id="3" name="Segnaposto contenuto 2">
+            <a:extLst>
+              <a:ext uri="{FF2B5EF4-FFF2-40B4-BE49-F238E27FC236}">
+                <a16:creationId xmlns:a16="http://schemas.microsoft.com/office/drawing/2014/main" id="{280F83CB-D664-BE40-4315-5A23FD3DB8B8}"/>
+              </a:ext>
+            </a:extLst>
+          </p:cNvPr>
+          <p:cNvSpPr>
+            <a:spLocks noGrp="1"/>
+          </p:cNvSpPr>
+          <p:nvPr>
+            <p:ph idx="1"/>
+          </p:nvPr>
+        </p:nvSpPr>
+        <p:spPr/>
+        <p:txBody>
+          <a:bodyPr/>
+          <a:lstStyle/>
+          <a:p>
+            <a:endParaRPr lang="it-IT"/>
+          </a:p>
+        </p:txBody>
+      </p:sp>
+    </p:spTree>
+    <p:extLst>
+      <p:ext uri="{BB962C8B-B14F-4D97-AF65-F5344CB8AC3E}">
+        <p14:creationId xmlns:p14="http://schemas.microsoft.com/office/powerpoint/2010/main" val="995637246"/>
+      </p:ext>
+    </p:extLst>
+  </p:cSld>
+  <p:clrMapOvr>
+    <a:masterClrMapping/>
+  </p:clrMapOvr>
+  <mc:AlternateContent xmlns:mc="http://schemas.openxmlformats.org/markup-compatibility/2006" xmlns:p159="http://schemas.microsoft.com/office/powerpoint/2015/09/main">
+    <mc:Choice Requires="p159">
+      <p:transition xmlns:p14="http://schemas.microsoft.com/office/powerpoint/2010/main" spd="slow" p14:dur="2000">
+        <p159:morph option="byObject"/>
+      </p:transition>
+    </mc:Choice>
+    <mc:Fallback xmlns="">
+      <p:transition spd="slow">
+        <p:fade/>
+      </p:transition>
+    </mc:Fallback>
+  </mc:AlternateContent>
+</p:sld>
+</file>
+
+<file path=ppt/slides/slide3.xml><?xml version="1.0" encoding="utf-8"?>
+<p:sld xmlns:a="http://schemas.openxmlformats.org/drawingml/2006/main" xmlns:r="http://schemas.openxmlformats.org/officeDocument/2006/relationships" xmlns:p="http://schemas.openxmlformats.org/presentationml/2006/main">
+  <p:cSld>
+    <p:spTree>
+      <p:nvGrpSpPr>
+        <p:cNvPr id="1" name=""/>
+        <p:cNvGrpSpPr/>
+        <p:nvPr/>
+      </p:nvGrpSpPr>
+      <p:grpSpPr>
+        <a:xfrm>
+          <a:off x="0" y="0"/>
+          <a:ext cx="0" cy="0"/>
+          <a:chOff x="0" y="0"/>
+          <a:chExt cx="0" cy="0"/>
+        </a:xfrm>
+      </p:grpSpPr>
+      <p:sp>
+        <p:nvSpPr>
+          <p:cNvPr id="2" name="Titolo 1">
+            <a:extLst>
+              <a:ext uri="{FF2B5EF4-FFF2-40B4-BE49-F238E27FC236}">
+                <a16:creationId xmlns:a16="http://schemas.microsoft.com/office/drawing/2014/main" id="{C956EB41-C4A7-3602-B60B-484B70DA6BFD}"/>
+              </a:ext>
+            </a:extLst>
+          </p:cNvPr>
+          <p:cNvSpPr>
+            <a:spLocks noGrp="1"/>
+          </p:cNvSpPr>
+          <p:nvPr>
+            <p:ph type="title"/>
+          </p:nvPr>
+        </p:nvSpPr>
+        <p:spPr/>
+        <p:txBody>
+          <a:bodyPr/>
+          <a:lstStyle/>
+          <a:p>
+            <a:r>
+              <a:rPr lang="it-IT" dirty="0"/>
+              <a:t>Problem outline</a:t>
+            </a:r>
+          </a:p>
+        </p:txBody>
+      </p:sp>
+      <p:graphicFrame>
+        <p:nvGraphicFramePr>
+          <p:cNvPr id="15" name="Segnaposto contenuto 2">
+            <a:extLst>
+              <a:ext uri="{FF2B5EF4-FFF2-40B4-BE49-F238E27FC236}">
+                <a16:creationId xmlns:a16="http://schemas.microsoft.com/office/drawing/2014/main" id="{D883F46A-73F6-4C01-914E-7369A8B104F2}"/>
+              </a:ext>
+            </a:extLst>
+          </p:cNvPr>
+          <p:cNvGraphicFramePr>
+            <a:graphicFrameLocks noGrp="1"/>
+          </p:cNvGraphicFramePr>
+          <p:nvPr>
+            <p:ph idx="1"/>
+          </p:nvPr>
+        </p:nvGraphicFramePr>
+        <p:xfrm>
+          <a:off x="1115568" y="2478024"/>
+          <a:ext cx="10168128" cy="3694176"/>
+        </p:xfrm>
+        <a:graphic>
+          <a:graphicData uri="http://schemas.openxmlformats.org/drawingml/2006/diagram">
+            <dgm:relIds xmlns:dgm="http://schemas.openxmlformats.org/drawingml/2006/diagram" xmlns:r="http://schemas.openxmlformats.org/officeDocument/2006/relationships" r:dm="rId2" r:lo="rId3" r:qs="rId4" r:cs="rId5"/>
+          </a:graphicData>
+        </a:graphic>
+      </p:graphicFrame>
+    </p:spTree>
+    <p:extLst>
+      <p:ext uri="{BB962C8B-B14F-4D97-AF65-F5344CB8AC3E}">
+        <p14:creationId xmlns:p14="http://schemas.microsoft.com/office/powerpoint/2010/main" val="39962776"/>
+      </p:ext>
+    </p:extLst>
+  </p:cSld>
+  <p:clrMapOvr>
+    <a:masterClrMapping/>
+  </p:clrMapOvr>
+  <mc:AlternateContent xmlns:mc="http://schemas.openxmlformats.org/markup-compatibility/2006" xmlns:p159="http://schemas.microsoft.com/office/powerpoint/2015/09/main">
+    <mc:Choice Requires="p159">
+      <p:transition xmlns:p14="http://schemas.microsoft.com/office/powerpoint/2010/main" spd="slow" p14:dur="2000">
+        <p159:morph option="byObject"/>
+      </p:transition>
+    </mc:Choice>
+    <mc:Fallback xmlns="">
+      <p:transition spd="slow">
+        <p:fade/>
+      </p:transition>
+    </mc:Fallback>
+  </mc:AlternateContent>
+</p:sld>
+</file>
+
+<file path=ppt/slides/slide4.xml><?xml version="1.0" encoding="utf-8"?>
+<p:sld xmlns:a="http://schemas.openxmlformats.org/drawingml/2006/main" xmlns:r="http://schemas.openxmlformats.org/officeDocument/2006/relationships" xmlns:p="http://schemas.openxmlformats.org/presentationml/2006/main">
+  <p:cSld>
+    <p:bg>
+      <p:bgPr>
+        <a:solidFill>
+          <a:schemeClr val="bg1"/>
+        </a:solidFill>
+        <a:effectLst/>
+      </p:bgPr>
+    </p:bg>
+    <p:spTree>
+      <p:nvGrpSpPr>
+        <p:cNvPr id="1" name=""/>
+        <p:cNvGrpSpPr/>
+        <p:nvPr/>
+      </p:nvGrpSpPr>
+      <p:grpSpPr>
+        <a:xfrm>
+          <a:off x="0" y="0"/>
+          <a:ext cx="0" cy="0"/>
+          <a:chOff x="0" y="0"/>
+          <a:chExt cx="0" cy="0"/>
+        </a:xfrm>
+      </p:grpSpPr>
+      <p:sp useBgFill="1">
+        <p:nvSpPr>
+          <p:cNvPr id="26" name="Rectangle 10">
+            <a:extLst>
+              <a:ext uri="{FF2B5EF4-FFF2-40B4-BE49-F238E27FC236}">
+                <a16:creationId xmlns:a16="http://schemas.microsoft.com/office/drawing/2014/main" id="{0288C6B4-AFC3-407F-A595-EFFD38D4CCAF}"/>
+              </a:ext>
+              <a:ext uri="{C183D7F6-B498-43B3-948B-1728B52AA6E4}">
+                <adec:decorative xmlns:adec="http://schemas.microsoft.com/office/drawing/2017/decorative" val="1"/>
+              </a:ext>
+            </a:extLst>
+          </p:cNvPr>
+          <p:cNvSpPr>
+            <a:spLocks noGrp="1" noRot="1" noChangeAspect="1" noMove="1" noResize="1" noEditPoints="1" noAdjustHandles="1" noChangeArrowheads="1" noChangeShapeType="1" noTextEdit="1"/>
+          </p:cNvSpPr>
+          <p:nvPr>
+            <p:extLst>
+              <p:ext uri="{386F3935-93C4-4BCD-93E2-E3B085C9AB24}">
+                <p16:designElem xmlns:p16="http://schemas.microsoft.com/office/powerpoint/2015/main" val="1"/>
+              </p:ext>
+            </p:extLst>
+          </p:nvPr>
+        </p:nvSpPr>
+        <p:spPr>
+          <a:xfrm>
+            <a:off x="0" y="0"/>
+            <a:ext cx="12192000" cy="6858000"/>
+          </a:xfrm>
+          <a:prstGeom prst="rect">
+            <a:avLst/>
+          </a:prstGeom>
+          <a:ln>
+            <a:noFill/>
+          </a:ln>
+        </p:spPr>
+        <p:style>
+          <a:lnRef idx="2">
+            <a:schemeClr val="accent1">
+              <a:shade val="50000"/>
+            </a:schemeClr>
+          </a:lnRef>
+          <a:fillRef idx="1">
+            <a:schemeClr val="accent1"/>
+          </a:fillRef>
+          <a:effectRef idx="0">
+            <a:schemeClr val="accent1"/>
+          </a:effectRef>
+          <a:fontRef idx="minor">
+            <a:schemeClr val="lt1"/>
+          </a:fontRef>
+        </p:style>
+        <p:txBody>
+          <a:bodyPr rtlCol="0" anchor="ctr"/>
+          <a:lstStyle/>
+          <a:p>
+            <a:pPr algn="ctr"/>
+            <a:endParaRPr lang="en-US"/>
+          </a:p>
+        </p:txBody>
+      </p:sp>
+      <p:sp useBgFill="1">
+        <p:nvSpPr>
+          <p:cNvPr id="27" name="Freeform: Shape 12">
+            <a:extLst>
+              <a:ext uri="{FF2B5EF4-FFF2-40B4-BE49-F238E27FC236}">
+                <a16:creationId xmlns:a16="http://schemas.microsoft.com/office/drawing/2014/main" id="{CF236821-17FE-429B-8D2C-08E13A64EA40}"/>
+              </a:ext>
+              <a:ext uri="{C183D7F6-B498-43B3-948B-1728B52AA6E4}">
+                <adec:decorative xmlns:adec="http://schemas.microsoft.com/office/drawing/2017/decorative" val="1"/>
+              </a:ext>
+            </a:extLst>
+          </p:cNvPr>
+          <p:cNvSpPr>
+            <a:spLocks noGrp="1" noRot="1" noChangeAspect="1" noMove="1" noResize="1" noEditPoints="1" noAdjustHandles="1" noChangeArrowheads="1" noChangeShapeType="1" noTextEdit="1"/>
+          </p:cNvSpPr>
+          <p:nvPr>
+            <p:extLst>
+              <p:ext uri="{386F3935-93C4-4BCD-93E2-E3B085C9AB24}">
+                <p16:designElem xmlns:p16="http://schemas.microsoft.com/office/powerpoint/2015/main" val="1"/>
+              </p:ext>
+            </p:extLst>
+          </p:nvPr>
+        </p:nvSpPr>
+        <p:spPr>
+          <a:xfrm>
+            <a:off x="-1" y="0"/>
+            <a:ext cx="4455673" cy="6858000"/>
+          </a:xfrm>
+          <a:custGeom>
+            <a:avLst/>
+            <a:gdLst>
+              <a:gd name="connsiteX0" fmla="*/ 0 w 4455673"/>
+              <a:gd name="connsiteY0" fmla="*/ 0 h 6858000"/>
+              <a:gd name="connsiteX1" fmla="*/ 3242695 w 4455673"/>
+              <a:gd name="connsiteY1" fmla="*/ 0 h 6858000"/>
+              <a:gd name="connsiteX2" fmla="*/ 3305678 w 4455673"/>
+              <a:gd name="connsiteY2" fmla="*/ 69271 h 6858000"/>
+              <a:gd name="connsiteX3" fmla="*/ 4455673 w 4455673"/>
+              <a:gd name="connsiteY3" fmla="*/ 3429000 h 6858000"/>
+              <a:gd name="connsiteX4" fmla="*/ 3305678 w 4455673"/>
+              <a:gd name="connsiteY4" fmla="*/ 6788730 h 6858000"/>
+              <a:gd name="connsiteX5" fmla="*/ 3242695 w 4455673"/>
+              <a:gd name="connsiteY5" fmla="*/ 6858000 h 6858000"/>
+              <a:gd name="connsiteX6" fmla="*/ 0 w 4455673"/>
+              <a:gd name="connsiteY6" fmla="*/ 6858000 h 6858000"/>
+            </a:gdLst>
+            <a:ahLst/>
+            <a:cxnLst>
+              <a:cxn ang="0">
+                <a:pos x="connsiteX0" y="connsiteY0"/>
+              </a:cxn>
+              <a:cxn ang="0">
+                <a:pos x="connsiteX1" y="connsiteY1"/>
+              </a:cxn>
+              <a:cxn ang="0">
+                <a:pos x="connsiteX2" y="connsiteY2"/>
+              </a:cxn>
+              <a:cxn ang="0">
+                <a:pos x="connsiteX3" y="connsiteY3"/>
+              </a:cxn>
+              <a:cxn ang="0">
+                <a:pos x="connsiteX4" y="connsiteY4"/>
+              </a:cxn>
+              <a:cxn ang="0">
+                <a:pos x="connsiteX5" y="connsiteY5"/>
+              </a:cxn>
+              <a:cxn ang="0">
+                <a:pos x="connsiteX6" y="connsiteY6"/>
+              </a:cxn>
+            </a:cxnLst>
+            <a:rect l="l" t="t" r="r" b="b"/>
+            <a:pathLst>
+              <a:path w="4455673" h="6858000">
+                <a:moveTo>
+                  <a:pt x="0" y="0"/>
+                </a:moveTo>
+                <a:lnTo>
+                  <a:pt x="3242695" y="0"/>
+                </a:lnTo>
+                <a:lnTo>
+                  <a:pt x="3305678" y="69271"/>
+                </a:lnTo>
+                <a:cubicBezTo>
+                  <a:pt x="4016204" y="929100"/>
+                  <a:pt x="4455673" y="2116944"/>
+                  <a:pt x="4455673" y="3429000"/>
+                </a:cubicBezTo>
+                <a:cubicBezTo>
+                  <a:pt x="4455673" y="4741056"/>
+                  <a:pt x="4016204" y="5928900"/>
+                  <a:pt x="3305678" y="6788730"/>
+                </a:cubicBezTo>
+                <a:lnTo>
+                  <a:pt x="3242695" y="6858000"/>
+                </a:lnTo>
+                <a:lnTo>
+                  <a:pt x="0" y="6858000"/>
+                </a:lnTo>
+                <a:close/>
+              </a:path>
+            </a:pathLst>
+          </a:custGeom>
+          <a:ln w="9525">
+            <a:solidFill>
+              <a:schemeClr val="tx2">
+                <a:lumMod val="10000"/>
+                <a:lumOff val="90000"/>
+              </a:schemeClr>
+            </a:solidFill>
+          </a:ln>
+          <a:effectLst>
+            <a:outerShdw blurRad="50800" dist="38100" algn="l" rotWithShape="0">
+              <a:schemeClr val="bg1">
+                <a:lumMod val="85000"/>
+                <a:alpha val="30000"/>
+              </a:schemeClr>
+            </a:outerShdw>
+          </a:effectLst>
+        </p:spPr>
+        <p:style>
+          <a:lnRef idx="2">
+            <a:schemeClr val="accent1">
+              <a:shade val="50000"/>
+            </a:schemeClr>
+          </a:lnRef>
+          <a:fillRef idx="1">
+            <a:schemeClr val="accent1"/>
+          </a:fillRef>
+          <a:effectRef idx="0">
+            <a:schemeClr val="accent1"/>
+          </a:effectRef>
+          <a:fontRef idx="minor">
+            <a:schemeClr val="lt1"/>
+          </a:fontRef>
+        </p:style>
+        <p:txBody>
+          <a:bodyPr wrap="square" rtlCol="0" anchor="ctr">
+            <a:noAutofit/>
+          </a:bodyPr>
+          <a:lstStyle/>
+          <a:p>
+            <a:pPr marL="0" marR="0" lvl="0" indent="0" algn="ctr" defTabSz="914400" rtl="0" eaLnBrk="1" fontAlgn="auto" latinLnBrk="0" hangingPunct="1">
+              <a:lnSpc>
+                <a:spcPct val="100000"/>
+              </a:lnSpc>
+              <a:spcBef>
+                <a:spcPts val="0"/>
+              </a:spcBef>
+              <a:spcAft>
+                <a:spcPts val="0"/>
+              </a:spcAft>
+              <a:buClrTx/>
+              <a:buSzTx/>
+              <a:buFontTx/>
+              <a:buNone/>
+              <a:tabLst/>
+              <a:defRPr/>
+            </a:pPr>
+            <a:endParaRPr kumimoji="0" lang="en-US" sz="1800" b="0" i="0" u="none" strike="noStrike" kern="1200" cap="none" spc="0" normalizeH="0" baseline="0" noProof="0">
+              <a:ln>
+                <a:noFill/>
+              </a:ln>
+              <a:solidFill>
+                <a:prstClr val="white"/>
+              </a:solidFill>
+              <a:effectLst/>
+              <a:uLnTx/>
+              <a:uFillTx/>
+              <a:latin typeface="Calibri" panose="020F0502020204030204"/>
+              <a:ea typeface="+mn-ea"/>
+              <a:cs typeface="+mn-cs"/>
+            </a:endParaRPr>
+          </a:p>
+        </p:txBody>
+      </p:sp>
+      <p:sp useBgFill="1">
+        <p:nvSpPr>
+          <p:cNvPr id="28" name="Freeform: Shape 14">
+            <a:extLst>
+              <a:ext uri="{FF2B5EF4-FFF2-40B4-BE49-F238E27FC236}">
+                <a16:creationId xmlns:a16="http://schemas.microsoft.com/office/drawing/2014/main" id="{C0BDBCD2-E081-43AB-9119-C55465E59757}"/>
+              </a:ext>
+              <a:ext uri="{C183D7F6-B498-43B3-948B-1728B52AA6E4}">
+                <adec:decorative xmlns:adec="http://schemas.microsoft.com/office/drawing/2017/decorative" val="1"/>
+              </a:ext>
+            </a:extLst>
+          </p:cNvPr>
+          <p:cNvSpPr>
+            <a:spLocks noGrp="1" noRot="1" noChangeAspect="1" noMove="1" noResize="1" noEditPoints="1" noAdjustHandles="1" noChangeArrowheads="1" noChangeShapeType="1" noTextEdit="1"/>
+          </p:cNvSpPr>
+          <p:nvPr>
+            <p:extLst>
+              <p:ext uri="{386F3935-93C4-4BCD-93E2-E3B085C9AB24}">
+                <p16:designElem xmlns:p16="http://schemas.microsoft.com/office/powerpoint/2015/main" val="1"/>
+              </p:ext>
+            </p:extLst>
+          </p:nvPr>
+        </p:nvSpPr>
+        <p:spPr>
+          <a:xfrm>
+            <a:off x="0" y="0"/>
+            <a:ext cx="4446529" cy="6858000"/>
+          </a:xfrm>
+          <a:custGeom>
+            <a:avLst/>
+            <a:gdLst>
+              <a:gd name="connsiteX0" fmla="*/ 0 w 4446529"/>
+              <a:gd name="connsiteY0" fmla="*/ 0 h 6858000"/>
+              <a:gd name="connsiteX1" fmla="*/ 3233551 w 4446529"/>
+              <a:gd name="connsiteY1" fmla="*/ 0 h 6858000"/>
+              <a:gd name="connsiteX2" fmla="*/ 3296534 w 4446529"/>
+              <a:gd name="connsiteY2" fmla="*/ 69271 h 6858000"/>
+              <a:gd name="connsiteX3" fmla="*/ 4446529 w 4446529"/>
+              <a:gd name="connsiteY3" fmla="*/ 3429000 h 6858000"/>
+              <a:gd name="connsiteX4" fmla="*/ 3296534 w 4446529"/>
+              <a:gd name="connsiteY4" fmla="*/ 6788730 h 6858000"/>
+              <a:gd name="connsiteX5" fmla="*/ 3233551 w 4446529"/>
+              <a:gd name="connsiteY5" fmla="*/ 6858000 h 6858000"/>
+              <a:gd name="connsiteX6" fmla="*/ 0 w 4446529"/>
+              <a:gd name="connsiteY6" fmla="*/ 6858000 h 6858000"/>
+            </a:gdLst>
+            <a:ahLst/>
+            <a:cxnLst>
+              <a:cxn ang="0">
+                <a:pos x="connsiteX0" y="connsiteY0"/>
+              </a:cxn>
+              <a:cxn ang="0">
+                <a:pos x="connsiteX1" y="connsiteY1"/>
+              </a:cxn>
+              <a:cxn ang="0">
+                <a:pos x="connsiteX2" y="connsiteY2"/>
+              </a:cxn>
+              <a:cxn ang="0">
+                <a:pos x="connsiteX3" y="connsiteY3"/>
+              </a:cxn>
+              <a:cxn ang="0">
+                <a:pos x="connsiteX4" y="connsiteY4"/>
+              </a:cxn>
+              <a:cxn ang="0">
+                <a:pos x="connsiteX5" y="connsiteY5"/>
+              </a:cxn>
+              <a:cxn ang="0">
+                <a:pos x="connsiteX6" y="connsiteY6"/>
+              </a:cxn>
+            </a:cxnLst>
+            <a:rect l="l" t="t" r="r" b="b"/>
+            <a:pathLst>
+              <a:path w="4446529" h="6858000">
+                <a:moveTo>
+                  <a:pt x="0" y="0"/>
+                </a:moveTo>
+                <a:lnTo>
+                  <a:pt x="3233551" y="0"/>
+                </a:lnTo>
+                <a:lnTo>
+                  <a:pt x="3296534" y="69271"/>
+                </a:lnTo>
+                <a:cubicBezTo>
+                  <a:pt x="4007060" y="929100"/>
+                  <a:pt x="4446529" y="2116944"/>
+                  <a:pt x="4446529" y="3429000"/>
+                </a:cubicBezTo>
+                <a:cubicBezTo>
+                  <a:pt x="4446529" y="4741056"/>
+                  <a:pt x="4007060" y="5928900"/>
+                  <a:pt x="3296534" y="6788730"/>
+                </a:cubicBezTo>
+                <a:lnTo>
+                  <a:pt x="3233551" y="6858000"/>
+                </a:lnTo>
+                <a:lnTo>
+                  <a:pt x="0" y="6858000"/>
+                </a:lnTo>
+                <a:close/>
+              </a:path>
+            </a:pathLst>
+          </a:custGeom>
+          <a:ln w="9525">
+            <a:noFill/>
+          </a:ln>
+          <a:effectLst/>
+        </p:spPr>
+        <p:style>
+          <a:lnRef idx="2">
+            <a:schemeClr val="accent1">
+              <a:shade val="50000"/>
+            </a:schemeClr>
+          </a:lnRef>
+          <a:fillRef idx="1">
+            <a:schemeClr val="accent1"/>
+          </a:fillRef>
+          <a:effectRef idx="0">
+            <a:schemeClr val="accent1"/>
+          </a:effectRef>
+          <a:fontRef idx="minor">
+            <a:schemeClr val="lt1"/>
+          </a:fontRef>
+        </p:style>
+        <p:txBody>
+          <a:bodyPr wrap="square" rtlCol="0" anchor="ctr">
+            <a:noAutofit/>
+          </a:bodyPr>
+          <a:lstStyle/>
+          <a:p>
+            <a:pPr marL="0" marR="0" lvl="0" indent="0" algn="ctr" defTabSz="914400" rtl="0" eaLnBrk="1" fontAlgn="auto" latinLnBrk="0" hangingPunct="1">
+              <a:lnSpc>
+                <a:spcPct val="100000"/>
+              </a:lnSpc>
+              <a:spcBef>
+                <a:spcPts val="0"/>
+              </a:spcBef>
+              <a:spcAft>
+                <a:spcPts val="0"/>
+              </a:spcAft>
+              <a:buClrTx/>
+              <a:buSzTx/>
+              <a:buFontTx/>
+              <a:buNone/>
+              <a:tabLst/>
+              <a:defRPr/>
+            </a:pPr>
+            <a:endParaRPr kumimoji="0" lang="en-US" sz="1800" b="0" i="0" u="none" strike="noStrike" kern="1200" cap="none" spc="0" normalizeH="0" baseline="0" noProof="0">
+              <a:ln>
+                <a:noFill/>
+              </a:ln>
+              <a:solidFill>
+                <a:prstClr val="white"/>
+              </a:solidFill>
+              <a:effectLst/>
+              <a:uLnTx/>
+              <a:uFillTx/>
+              <a:latin typeface="Calibri" panose="020F0502020204030204"/>
+              <a:ea typeface="+mn-ea"/>
+              <a:cs typeface="+mn-cs"/>
+            </a:endParaRPr>
+          </a:p>
+        </p:txBody>
+      </p:sp>
+      <p:sp>
+        <p:nvSpPr>
+          <p:cNvPr id="2" name="Title 1">
+            <a:extLst>
+              <a:ext uri="{FF2B5EF4-FFF2-40B4-BE49-F238E27FC236}">
                 <a16:creationId xmlns:a16="http://schemas.microsoft.com/office/drawing/2014/main" id="{126D3BB9-8740-2325-193C-5C23663C9436}"/>
               </a:ext>
             </a:extLst>
@@ -14943,7 +19790,7 @@
           <a:lstStyle/>
           <a:p>
             <a:pPr algn="ctr"/>
-            <a:endParaRPr lang="it-IT"/>
+            <a:endParaRPr lang="it-IT" dirty="0"/>
           </a:p>
         </p:txBody>
       </p:sp>
@@ -15289,4 +20136,299 @@
     </a:ext>
   </a:extLst>
 </a:theme>
+</file>
+
+<file path=ppt/theme/theme2.xml><?xml version="1.0" encoding="utf-8"?>
+<a:theme xmlns:a="http://schemas.openxmlformats.org/drawingml/2006/main" name="Office Theme">
+  <a:themeElements>
+    <a:clrScheme name="Office">
+      <a:dk1>
+        <a:sysClr val="windowText" lastClr="000000"/>
+      </a:dk1>
+      <a:lt1>
+        <a:sysClr val="window" lastClr="FFFFFF"/>
+      </a:lt1>
+      <a:dk2>
+        <a:srgbClr val="44546A"/>
+      </a:dk2>
+      <a:lt2>
+        <a:srgbClr val="E7E6E6"/>
+      </a:lt2>
+      <a:accent1>
+        <a:srgbClr val="4472C4"/>
+      </a:accent1>
+      <a:accent2>
+        <a:srgbClr val="ED7D31"/>
+      </a:accent2>
+      <a:accent3>
+        <a:srgbClr val="A5A5A5"/>
+      </a:accent3>
+      <a:accent4>
+        <a:srgbClr val="FFC000"/>
+      </a:accent4>
+      <a:accent5>
+        <a:srgbClr val="5B9BD5"/>
+      </a:accent5>
+      <a:accent6>
+        <a:srgbClr val="70AD47"/>
+      </a:accent6>
+      <a:hlink>
+        <a:srgbClr val="0563C1"/>
+      </a:hlink>
+      <a:folHlink>
+        <a:srgbClr val="954F72"/>
+      </a:folHlink>
+    </a:clrScheme>
+    <a:fontScheme name="Office">
+      <a:majorFont>
+        <a:latin typeface="Calibri Light" panose="020F0302020204030204"/>
+        <a:ea typeface=""/>
+        <a:cs typeface=""/>
+        <a:font script="Jpan" typeface="游ゴシック Light"/>
+        <a:font script="Hang" typeface="맑은 고딕"/>
+        <a:font script="Hans" typeface="等线 Light"/>
+        <a:font script="Hant" typeface="新細明體"/>
+        <a:font script="Arab" typeface="Times New Roman"/>
+        <a:font script="Hebr" typeface="Times New Roman"/>
+        <a:font script="Thai" typeface="Angsana New"/>
+        <a:font script="Ethi" typeface="Nyala"/>
+        <a:font script="Beng" typeface="Vrinda"/>
+        <a:font script="Gujr" typeface="Shruti"/>
+        <a:font script="Khmr" typeface="MoolBoran"/>
+        <a:font script="Knda" typeface="Tunga"/>
+        <a:font script="Guru" typeface="Raavi"/>
+        <a:font script="Cans" typeface="Euphemia"/>
+        <a:font script="Cher" typeface="Plantagenet Cherokee"/>
+        <a:font script="Yiii" typeface="Microsoft Yi Baiti"/>
+        <a:font script="Tibt" typeface="Microsoft Himalaya"/>
+        <a:font script="Thaa" typeface="MV Boli"/>
+        <a:font script="Deva" typeface="Mangal"/>
+        <a:font script="Telu" typeface="Gautami"/>
+        <a:font script="Taml" typeface="Latha"/>
+        <a:font script="Syrc" typeface="Estrangelo Edessa"/>
+        <a:font script="Orya" typeface="Kalinga"/>
+        <a:font script="Mlym" typeface="Kartika"/>
+        <a:font script="Laoo" typeface="DokChampa"/>
+        <a:font script="Sinh" typeface="Iskoola Pota"/>
+        <a:font script="Mong" typeface="Mongolian Baiti"/>
+        <a:font script="Viet" typeface="Times New Roman"/>
+        <a:font script="Uigh" typeface="Microsoft Uighur"/>
+        <a:font script="Geor" typeface="Sylfaen"/>
+        <a:font script="Armn" typeface="Arial"/>
+        <a:font script="Bugi" typeface="Leelawadee UI"/>
+        <a:font script="Bopo" typeface="Microsoft JhengHei"/>
+        <a:font script="Java" typeface="Javanese Text"/>
+        <a:font script="Lisu" typeface="Segoe UI"/>
+        <a:font script="Mymr" typeface="Myanmar Text"/>
+        <a:font script="Nkoo" typeface="Ebrima"/>
+        <a:font script="Olck" typeface="Nirmala UI"/>
+        <a:font script="Osma" typeface="Ebrima"/>
+        <a:font script="Phag" typeface="Phagspa"/>
+        <a:font script="Syrn" typeface="Estrangelo Edessa"/>
+        <a:font script="Syrj" typeface="Estrangelo Edessa"/>
+        <a:font script="Syre" typeface="Estrangelo Edessa"/>
+        <a:font script="Sora" typeface="Nirmala UI"/>
+        <a:font script="Tale" typeface="Microsoft Tai Le"/>
+        <a:font script="Talu" typeface="Microsoft New Tai Lue"/>
+        <a:font script="Tfng" typeface="Ebrima"/>
+      </a:majorFont>
+      <a:minorFont>
+        <a:latin typeface="Calibri" panose="020F0502020204030204"/>
+        <a:ea typeface=""/>
+        <a:cs typeface=""/>
+        <a:font script="Jpan" typeface="游ゴシック"/>
+        <a:font script="Hang" typeface="맑은 고딕"/>
+        <a:font script="Hans" typeface="等线"/>
+        <a:font script="Hant" typeface="新細明體"/>
+        <a:font script="Arab" typeface="Arial"/>
+        <a:font script="Hebr" typeface="Arial"/>
+        <a:font script="Thai" typeface="Cordia New"/>
+        <a:font script="Ethi" typeface="Nyala"/>
+        <a:font script="Beng" typeface="Vrinda"/>
+        <a:font script="Gujr" typeface="Shruti"/>
+        <a:font script="Khmr" typeface="DaunPenh"/>
+        <a:font script="Knda" typeface="Tunga"/>
+        <a:font script="Guru" typeface="Raavi"/>
+        <a:font script="Cans" typeface="Euphemia"/>
+        <a:font script="Cher" typeface="Plantagenet Cherokee"/>
+        <a:font script="Yiii" typeface="Microsoft Yi Baiti"/>
+        <a:font script="Tibt" typeface="Microsoft Himalaya"/>
+        <a:font script="Thaa" typeface="MV Boli"/>
+        <a:font script="Deva" typeface="Mangal"/>
+        <a:font script="Telu" typeface="Gautami"/>
+        <a:font script="Taml" typeface="Latha"/>
+        <a:font script="Syrc" typeface="Estrangelo Edessa"/>
+        <a:font script="Orya" typeface="Kalinga"/>
+        <a:font script="Mlym" typeface="Kartika"/>
+        <a:font script="Laoo" typeface="DokChampa"/>
+        <a:font script="Sinh" typeface="Iskoola Pota"/>
+        <a:font script="Mong" typeface="Mongolian Baiti"/>
+        <a:font script="Viet" typeface="Arial"/>
+        <a:font script="Uigh" typeface="Microsoft Uighur"/>
+        <a:font script="Geor" typeface="Sylfaen"/>
+        <a:font script="Armn" typeface="Arial"/>
+        <a:font script="Bugi" typeface="Leelawadee UI"/>
+        <a:font script="Bopo" typeface="Microsoft JhengHei"/>
+        <a:font script="Java" typeface="Javanese Text"/>
+        <a:font script="Lisu" typeface="Segoe UI"/>
+        <a:font script="Mymr" typeface="Myanmar Text"/>
+        <a:font script="Nkoo" typeface="Ebrima"/>
+        <a:font script="Olck" typeface="Nirmala UI"/>
+        <a:font script="Osma" typeface="Ebrima"/>
+        <a:font script="Phag" typeface="Phagspa"/>
+        <a:font script="Syrn" typeface="Estrangelo Edessa"/>
+        <a:font script="Syrj" typeface="Estrangelo Edessa"/>
+        <a:font script="Syre" typeface="Estrangelo Edessa"/>
+        <a:font script="Sora" typeface="Nirmala UI"/>
+        <a:font script="Tale" typeface="Microsoft Tai Le"/>
+        <a:font script="Talu" typeface="Microsoft New Tai Lue"/>
+        <a:font script="Tfng" typeface="Ebrima"/>
+      </a:minorFont>
+    </a:fontScheme>
+    <a:fmtScheme name="Office">
+      <a:fillStyleLst>
+        <a:solidFill>
+          <a:schemeClr val="phClr"/>
+        </a:solidFill>
+        <a:gradFill rotWithShape="1">
+          <a:gsLst>
+            <a:gs pos="0">
+              <a:schemeClr val="phClr">
+                <a:lumMod val="110000"/>
+                <a:satMod val="105000"/>
+                <a:tint val="67000"/>
+              </a:schemeClr>
+            </a:gs>
+            <a:gs pos="50000">
+              <a:schemeClr val="phClr">
+                <a:lumMod val="105000"/>
+                <a:satMod val="103000"/>
+                <a:tint val="73000"/>
+              </a:schemeClr>
+            </a:gs>
+            <a:gs pos="100000">
+              <a:schemeClr val="phClr">
+                <a:lumMod val="105000"/>
+                <a:satMod val="109000"/>
+                <a:tint val="81000"/>
+              </a:schemeClr>
+            </a:gs>
+          </a:gsLst>
+          <a:lin ang="5400000" scaled="0"/>
+        </a:gradFill>
+        <a:gradFill rotWithShape="1">
+          <a:gsLst>
+            <a:gs pos="0">
+              <a:schemeClr val="phClr">
+                <a:satMod val="103000"/>
+                <a:lumMod val="102000"/>
+                <a:tint val="94000"/>
+              </a:schemeClr>
+            </a:gs>
+            <a:gs pos="50000">
+              <a:schemeClr val="phClr">
+                <a:satMod val="110000"/>
+                <a:lumMod val="100000"/>
+                <a:shade val="100000"/>
+              </a:schemeClr>
+            </a:gs>
+            <a:gs pos="100000">
+              <a:schemeClr val="phClr">
+                <a:lumMod val="99000"/>
+                <a:satMod val="120000"/>
+                <a:shade val="78000"/>
+              </a:schemeClr>
+            </a:gs>
+          </a:gsLst>
+          <a:lin ang="5400000" scaled="0"/>
+        </a:gradFill>
+      </a:fillStyleLst>
+      <a:lnStyleLst>
+        <a:ln w="6350" cap="flat" cmpd="sng" algn="ctr">
+          <a:solidFill>
+            <a:schemeClr val="phClr"/>
+          </a:solidFill>
+          <a:prstDash val="solid"/>
+          <a:miter lim="800000"/>
+        </a:ln>
+        <a:ln w="12700" cap="flat" cmpd="sng" algn="ctr">
+          <a:solidFill>
+            <a:schemeClr val="phClr"/>
+          </a:solidFill>
+          <a:prstDash val="solid"/>
+          <a:miter lim="800000"/>
+        </a:ln>
+        <a:ln w="19050" cap="flat" cmpd="sng" algn="ctr">
+          <a:solidFill>
+            <a:schemeClr val="phClr"/>
+          </a:solidFill>
+          <a:prstDash val="solid"/>
+          <a:miter lim="800000"/>
+        </a:ln>
+      </a:lnStyleLst>
+      <a:effectStyleLst>
+        <a:effectStyle>
+          <a:effectLst/>
+        </a:effectStyle>
+        <a:effectStyle>
+          <a:effectLst/>
+        </a:effectStyle>
+        <a:effectStyle>
+          <a:effectLst>
+            <a:outerShdw blurRad="57150" dist="19050" dir="5400000" algn="ctr" rotWithShape="0">
+              <a:srgbClr val="000000">
+                <a:alpha val="63000"/>
+              </a:srgbClr>
+            </a:outerShdw>
+          </a:effectLst>
+        </a:effectStyle>
+      </a:effectStyleLst>
+      <a:bgFillStyleLst>
+        <a:solidFill>
+          <a:schemeClr val="phClr"/>
+        </a:solidFill>
+        <a:solidFill>
+          <a:schemeClr val="phClr">
+            <a:tint val="95000"/>
+            <a:satMod val="170000"/>
+          </a:schemeClr>
+        </a:solidFill>
+        <a:gradFill rotWithShape="1">
+          <a:gsLst>
+            <a:gs pos="0">
+              <a:schemeClr val="phClr">
+                <a:tint val="93000"/>
+                <a:satMod val="150000"/>
+                <a:shade val="98000"/>
+                <a:lumMod val="102000"/>
+              </a:schemeClr>
+            </a:gs>
+            <a:gs pos="50000">
+              <a:schemeClr val="phClr">
+                <a:tint val="98000"/>
+                <a:satMod val="130000"/>
+                <a:shade val="90000"/>
+                <a:lumMod val="103000"/>
+              </a:schemeClr>
+            </a:gs>
+            <a:gs pos="100000">
+              <a:schemeClr val="phClr">
+                <a:shade val="63000"/>
+                <a:satMod val="120000"/>
+              </a:schemeClr>
+            </a:gs>
+          </a:gsLst>
+          <a:lin ang="5400000" scaled="0"/>
+        </a:gradFill>
+      </a:bgFillStyleLst>
+    </a:fmtScheme>
+  </a:themeElements>
+  <a:objectDefaults/>
+  <a:extraClrSchemeLst/>
+  <a:extLst>
+    <a:ext uri="{05A4C25C-085E-4340-85A3-A5531E510DB2}">
+      <thm15:themeFamily xmlns:thm15="http://schemas.microsoft.com/office/thememl/2012/main" name="Office Theme" id="{62F939B6-93AF-4DB8-9C6B-D6C7DFDC589F}" vid="{4A3C46E8-61CC-4603-A589-7422A47A8E4A}"/>
+    </a:ext>
+  </a:extLst>
+</a:theme>
 </file>
--- a/ProgettoRESM.pptx
+++ b/ProgettoRESM.pptx
@@ -5,7 +5,7 @@
     <p:sldMasterId id="2147483815" r:id="rId1"/>
   </p:sldMasterIdLst>
   <p:notesMasterIdLst>
-    <p:notesMasterId r:id="rId28"/>
+    <p:notesMasterId r:id="rId30"/>
   </p:notesMasterIdLst>
   <p:sldIdLst>
     <p:sldId id="256" r:id="rId2"/>
@@ -17,23 +17,25 @@
     <p:sldId id="270" r:id="rId8"/>
     <p:sldId id="269" r:id="rId9"/>
     <p:sldId id="271" r:id="rId10"/>
-    <p:sldId id="278" r:id="rId11"/>
-    <p:sldId id="279" r:id="rId12"/>
-    <p:sldId id="272" r:id="rId13"/>
-    <p:sldId id="273" r:id="rId14"/>
-    <p:sldId id="274" r:id="rId15"/>
-    <p:sldId id="280" r:id="rId16"/>
-    <p:sldId id="263" r:id="rId17"/>
-    <p:sldId id="264" r:id="rId18"/>
-    <p:sldId id="281" r:id="rId19"/>
-    <p:sldId id="275" r:id="rId20"/>
-    <p:sldId id="276" r:id="rId21"/>
-    <p:sldId id="277" r:id="rId22"/>
-    <p:sldId id="283" r:id="rId23"/>
-    <p:sldId id="284" r:id="rId24"/>
-    <p:sldId id="282" r:id="rId25"/>
-    <p:sldId id="259" r:id="rId26"/>
-    <p:sldId id="261" r:id="rId27"/>
+    <p:sldId id="286" r:id="rId11"/>
+    <p:sldId id="278" r:id="rId12"/>
+    <p:sldId id="279" r:id="rId13"/>
+    <p:sldId id="272" r:id="rId14"/>
+    <p:sldId id="273" r:id="rId15"/>
+    <p:sldId id="274" r:id="rId16"/>
+    <p:sldId id="280" r:id="rId17"/>
+    <p:sldId id="263" r:id="rId18"/>
+    <p:sldId id="264" r:id="rId19"/>
+    <p:sldId id="281" r:id="rId20"/>
+    <p:sldId id="275" r:id="rId21"/>
+    <p:sldId id="276" r:id="rId22"/>
+    <p:sldId id="277" r:id="rId23"/>
+    <p:sldId id="283" r:id="rId24"/>
+    <p:sldId id="284" r:id="rId25"/>
+    <p:sldId id="282" r:id="rId26"/>
+    <p:sldId id="285" r:id="rId27"/>
+    <p:sldId id="259" r:id="rId28"/>
+    <p:sldId id="261" r:id="rId29"/>
   </p:sldIdLst>
   <p:sldSz cx="12192000" cy="6858000"/>
   <p:notesSz cx="6858000" cy="9144000"/>
@@ -891,7 +893,7 @@
 <dgm:dataModel xmlns:dgm="http://schemas.openxmlformats.org/drawingml/2006/diagram" xmlns:a="http://schemas.openxmlformats.org/drawingml/2006/main">
   <dgm:ptLst>
     <dgm:pt modelId="{4486A2CC-AB56-4A7B-ACC8-4824292CB299}" type="doc">
-      <dgm:prSet loTypeId="urn:microsoft.com/office/officeart/2005/8/layout/vProcess5" loCatId="process" qsTypeId="urn:microsoft.com/office/officeart/2005/8/quickstyle/simple1" qsCatId="simple" csTypeId="urn:microsoft.com/office/officeart/2005/8/colors/accent1_2" csCatId="accent1"/>
+      <dgm:prSet loTypeId="urn:microsoft.com/office/officeart/2005/8/layout/vProcess5" loCatId="process" qsTypeId="urn:microsoft.com/office/officeart/2005/8/quickstyle/simple1" qsCatId="simple" csTypeId="urn:microsoft.com/office/officeart/2005/8/colors/accent1_2" csCatId="accent1" phldr="1"/>
       <dgm:spPr/>
       <dgm:t>
         <a:bodyPr/>
@@ -909,10 +911,10 @@
         <a:lstStyle/>
         <a:p>
           <a:r>
-            <a:rPr lang="it-IT"/>
-            <a:t>Mesure the I-V curve for each panel</a:t>
+            <a:rPr lang="it-IT" dirty="0"/>
+            <a:t>Measure the I-V curve for each panel</a:t>
           </a:r>
-          <a:endParaRPr lang="en-US"/>
+          <a:endParaRPr lang="en-US" dirty="0"/>
         </a:p>
       </dgm:t>
     </dgm:pt>
@@ -983,10 +985,10 @@
         <a:lstStyle/>
         <a:p>
           <a:r>
-            <a:rPr lang="it-IT"/>
-            <a:t>Make an optimization for the parallel of N strings</a:t>
+            <a:rPr lang="it-IT" dirty="0"/>
+            <a:t>Perform an optimization for the parallel of N strings</a:t>
           </a:r>
-          <a:endParaRPr lang="en-US"/>
+          <a:endParaRPr lang="en-US" dirty="0"/>
         </a:p>
       </dgm:t>
     </dgm:pt>
@@ -1272,10 +1274,10 @@
             <a:buNone/>
           </a:pPr>
           <a:r>
-            <a:rPr lang="it-IT" sz="2100" kern="1200"/>
-            <a:t>Mesure the I-V curve for each panel</a:t>
+            <a:rPr lang="it-IT" sz="2100" kern="1200" dirty="0"/>
+            <a:t>Measure the I-V curve for each panel</a:t>
           </a:r>
-          <a:endParaRPr lang="en-US" sz="2100" kern="1200"/>
+          <a:endParaRPr lang="en-US" sz="2100" kern="1200" dirty="0"/>
         </a:p>
       </dsp:txBody>
       <dsp:txXfrm>
@@ -1434,10 +1436,10 @@
             <a:buNone/>
           </a:pPr>
           <a:r>
-            <a:rPr lang="it-IT" sz="2100" kern="1200"/>
-            <a:t>Make an optimization for the parallel of N strings</a:t>
+            <a:rPr lang="it-IT" sz="2100" kern="1200" dirty="0"/>
+            <a:t>Perform an optimization for the parallel of N strings</a:t>
           </a:r>
-          <a:endParaRPr lang="en-US" sz="2100" kern="1200"/>
+          <a:endParaRPr lang="en-US" sz="2100" kern="1200" dirty="0"/>
         </a:p>
       </dsp:txBody>
       <dsp:txXfrm>
@@ -4112,7 +4114,7 @@
           <a:p>
             <a:fld id="{777C7FCF-6E1F-440D-B965-845AEBE0DAAC}" type="datetimeFigureOut">
               <a:rPr lang="it-IT" smtClean="0"/>
-              <a:t>25/05/2023</a:t>
+              <a:t>02/06/2023</a:t>
             </a:fld>
             <a:endParaRPr lang="it-IT"/>
           </a:p>
@@ -4445,7 +4447,7 @@
           <a:p>
             <a:fld id="{1E9BD373-06D5-486F-8382-5325C203B2CF}" type="slidenum">
               <a:rPr lang="it-IT" smtClean="0"/>
-              <a:t>25</a:t>
+              <a:t>27</a:t>
             </a:fld>
             <a:endParaRPr lang="it-IT"/>
           </a:p>
@@ -4618,7 +4620,7 @@
           <a:p>
             <a:fld id="{02AC24A9-CCB6-4F8D-B8DB-C2F3692CFA5A}" type="datetimeFigureOut">
               <a:rPr lang="en-US" smtClean="0"/>
-              <a:t>5/25/2023</a:t>
+              <a:t>6/2/2023</a:t>
             </a:fld>
             <a:endParaRPr lang="en-US" dirty="0"/>
           </a:p>
@@ -4988,7 +4990,7 @@
           <a:p>
             <a:fld id="{02AC24A9-CCB6-4F8D-B8DB-C2F3692CFA5A}" type="datetimeFigureOut">
               <a:rPr lang="en-US" smtClean="0"/>
-              <a:t>5/25/2023</a:t>
+              <a:t>6/2/2023</a:t>
             </a:fld>
             <a:endParaRPr lang="en-US"/>
           </a:p>
@@ -5197,7 +5199,7 @@
           <a:p>
             <a:fld id="{02AC24A9-CCB6-4F8D-B8DB-C2F3692CFA5A}" type="datetimeFigureOut">
               <a:rPr lang="en-US" smtClean="0"/>
-              <a:t>5/25/2023</a:t>
+              <a:t>6/2/2023</a:t>
             </a:fld>
             <a:endParaRPr lang="en-US"/>
           </a:p>
@@ -5667,7 +5669,7 @@
           <a:p>
             <a:fld id="{02AC24A9-CCB6-4F8D-B8DB-C2F3692CFA5A}" type="datetimeFigureOut">
               <a:rPr lang="en-US" smtClean="0"/>
-              <a:t>5/25/2023</a:t>
+              <a:t>6/2/2023</a:t>
             </a:fld>
             <a:endParaRPr lang="en-US"/>
           </a:p>
@@ -6121,7 +6123,7 @@
           <a:p>
             <a:fld id="{02AC24A9-CCB6-4F8D-B8DB-C2F3692CFA5A}" type="datetimeFigureOut">
               <a:rPr lang="en-US" smtClean="0"/>
-              <a:t>5/25/2023</a:t>
+              <a:t>6/2/2023</a:t>
             </a:fld>
             <a:endParaRPr lang="en-US"/>
           </a:p>
@@ -6653,7 +6655,7 @@
           <a:p>
             <a:fld id="{02AC24A9-CCB6-4F8D-B8DB-C2F3692CFA5A}" type="datetimeFigureOut">
               <a:rPr lang="en-US" smtClean="0"/>
-              <a:t>5/25/2023</a:t>
+              <a:t>6/2/2023</a:t>
             </a:fld>
             <a:endParaRPr lang="en-US"/>
           </a:p>
@@ -7352,7 +7354,7 @@
           <a:p>
             <a:fld id="{02AC24A9-CCB6-4F8D-B8DB-C2F3692CFA5A}" type="datetimeFigureOut">
               <a:rPr lang="en-US" smtClean="0"/>
-              <a:t>5/25/2023</a:t>
+              <a:t>6/2/2023</a:t>
             </a:fld>
             <a:endParaRPr lang="en-US"/>
           </a:p>
@@ -7681,7 +7683,7 @@
           <a:p>
             <a:fld id="{02AC24A9-CCB6-4F8D-B8DB-C2F3692CFA5A}" type="datetimeFigureOut">
               <a:rPr lang="en-US" smtClean="0"/>
-              <a:t>5/25/2023</a:t>
+              <a:t>6/2/2023</a:t>
             </a:fld>
             <a:endParaRPr lang="en-US"/>
           </a:p>
@@ -7794,7 +7796,7 @@
           <a:p>
             <a:fld id="{02AC24A9-CCB6-4F8D-B8DB-C2F3692CFA5A}" type="datetimeFigureOut">
               <a:rPr lang="en-US" smtClean="0"/>
-              <a:t>5/25/2023</a:t>
+              <a:t>6/2/2023</a:t>
             </a:fld>
             <a:endParaRPr lang="en-US"/>
           </a:p>
@@ -8289,7 +8291,7 @@
           <a:p>
             <a:fld id="{02AC24A9-CCB6-4F8D-B8DB-C2F3692CFA5A}" type="datetimeFigureOut">
               <a:rPr lang="en-US" smtClean="0"/>
-              <a:t>5/25/2023</a:t>
+              <a:t>6/2/2023</a:t>
             </a:fld>
             <a:endParaRPr lang="en-US" dirty="0"/>
           </a:p>
@@ -8766,7 +8768,7 @@
           <a:p>
             <a:fld id="{02AC24A9-CCB6-4F8D-B8DB-C2F3692CFA5A}" type="datetimeFigureOut">
               <a:rPr lang="en-US" smtClean="0"/>
-              <a:t>5/25/2023</a:t>
+              <a:t>6/2/2023</a:t>
             </a:fld>
             <a:endParaRPr lang="en-US"/>
           </a:p>
@@ -9005,7 +9007,7 @@
           <a:p>
             <a:fld id="{02AC24A9-CCB6-4F8D-B8DB-C2F3692CFA5A}" type="datetimeFigureOut">
               <a:rPr lang="en-US" smtClean="0"/>
-              <a:t>5/25/2023</a:t>
+              <a:t>6/2/2023</a:t>
             </a:fld>
             <a:endParaRPr lang="en-US"/>
           </a:p>
@@ -9972,12 +9974,12 @@
           <a:chExt cx="0" cy="0"/>
         </a:xfrm>
       </p:grpSpPr>
-      <p:sp useBgFill="1">
-        <p:nvSpPr>
-          <p:cNvPr id="19" name="Rectangle 18">
-            <a:extLst>
-              <a:ext uri="{FF2B5EF4-FFF2-40B4-BE49-F238E27FC236}">
-                <a16:creationId xmlns:a16="http://schemas.microsoft.com/office/drawing/2014/main" id="{21516CB1-E8C8-4751-B6A6-46B2D1E72A61}"/>
+      <p:sp>
+        <p:nvSpPr>
+          <p:cNvPr id="10" name="Rectangle 9">
+            <a:extLst>
+              <a:ext uri="{FF2B5EF4-FFF2-40B4-BE49-F238E27FC236}">
+                <a16:creationId xmlns:a16="http://schemas.microsoft.com/office/drawing/2014/main" id="{8D06CE56-3881-4ADA-8CEF-D18B02C242A3}"/>
               </a:ext>
               <a:ext uri="{C183D7F6-B498-43B3-948B-1728B52AA6E4}">
                 <adec:decorative xmlns:adec="http://schemas.microsoft.com/office/drawing/2017/decorative" val="1"/>
@@ -9996,104 +9998,9 @@
           </p:nvPr>
         </p:nvSpPr>
         <p:spPr>
-          <a:xfrm>
-            <a:off x="0" y="0"/>
-            <a:ext cx="12192000" cy="6858000"/>
-          </a:xfrm>
-          <a:prstGeom prst="rect">
-            <a:avLst/>
-          </a:prstGeom>
-          <a:ln>
-            <a:noFill/>
-          </a:ln>
-        </p:spPr>
-        <p:style>
-          <a:lnRef idx="2">
-            <a:schemeClr val="accent1">
-              <a:shade val="50000"/>
-            </a:schemeClr>
-          </a:lnRef>
-          <a:fillRef idx="1">
-            <a:schemeClr val="accent1"/>
-          </a:fillRef>
-          <a:effectRef idx="0">
-            <a:schemeClr val="accent1"/>
-          </a:effectRef>
-          <a:fontRef idx="minor">
-            <a:schemeClr val="lt1"/>
-          </a:fontRef>
-        </p:style>
-        <p:txBody>
-          <a:bodyPr rtlCol="0" anchor="ctr"/>
-          <a:lstStyle/>
-          <a:p>
-            <a:pPr algn="ctr"/>
-            <a:endParaRPr lang="en-US"/>
-          </a:p>
-        </p:txBody>
-      </p:sp>
-      <p:sp>
-        <p:nvSpPr>
-          <p:cNvPr id="2" name="Titolo 1">
-            <a:extLst>
-              <a:ext uri="{FF2B5EF4-FFF2-40B4-BE49-F238E27FC236}">
-                <a16:creationId xmlns:a16="http://schemas.microsoft.com/office/drawing/2014/main" id="{FA74FA27-809E-FA42-4923-899507F85FF8}"/>
-              </a:ext>
-            </a:extLst>
-          </p:cNvPr>
-          <p:cNvSpPr>
-            <a:spLocks noGrp="1"/>
-          </p:cNvSpPr>
-          <p:nvPr>
-            <p:ph type="title"/>
-          </p:nvPr>
-        </p:nvSpPr>
-        <p:spPr>
-          <a:xfrm>
-            <a:off x="429768" y="411480"/>
-            <a:ext cx="11131298" cy="1106424"/>
-          </a:xfrm>
-        </p:spPr>
-        <p:txBody>
-          <a:bodyPr vert="horz" lIns="91440" tIns="45720" rIns="91440" bIns="45720" rtlCol="0" anchor="ctr">
-            <a:normAutofit/>
-          </a:bodyPr>
-          <a:lstStyle/>
-          <a:p>
-            <a:r>
-              <a:rPr lang="en-US" sz="3600" dirty="0"/>
-              <a:t>Shadow zone creator - 1</a:t>
-            </a:r>
-          </a:p>
-        </p:txBody>
-      </p:sp>
-      <p:sp>
-        <p:nvSpPr>
-          <p:cNvPr id="21" name="Rectangle 20">
-            <a:extLst>
-              <a:ext uri="{FF2B5EF4-FFF2-40B4-BE49-F238E27FC236}">
-                <a16:creationId xmlns:a16="http://schemas.microsoft.com/office/drawing/2014/main" id="{90C0C0D1-E79A-41FF-8322-256F6DD1499B}"/>
-              </a:ext>
-              <a:ext uri="{C183D7F6-B498-43B3-948B-1728B52AA6E4}">
-                <adec:decorative xmlns:adec="http://schemas.microsoft.com/office/drawing/2017/decorative" val="1"/>
-              </a:ext>
-            </a:extLst>
-          </p:cNvPr>
-          <p:cNvSpPr>
-            <a:spLocks noGrp="1" noRot="1" noChangeAspect="1" noMove="1" noResize="1" noEditPoints="1" noAdjustHandles="1" noChangeArrowheads="1" noChangeShapeType="1" noTextEdit="1"/>
-          </p:cNvSpPr>
-          <p:nvPr>
-            <p:extLst>
-              <p:ext uri="{386F3935-93C4-4BCD-93E2-E3B085C9AB24}">
-                <p16:designElem xmlns:p16="http://schemas.microsoft.com/office/powerpoint/2015/main" val="1"/>
-              </p:ext>
-            </p:extLst>
-          </p:nvPr>
-        </p:nvSpPr>
-        <p:spPr>
-          <a:xfrm>
-            <a:off x="0" y="585216"/>
-            <a:ext cx="128016" cy="704088"/>
+          <a:xfrm rot="5400000">
+            <a:off x="857544" y="346791"/>
+            <a:ext cx="146304" cy="704088"/>
           </a:xfrm>
           <a:prstGeom prst="rect">
             <a:avLst/>
@@ -10159,47 +10066,12 @@
           </a:p>
         </p:txBody>
       </p:sp>
-      <p:pic>
-        <p:nvPicPr>
-          <p:cNvPr id="12" name="Picture 11">
-            <a:extLst>
-              <a:ext uri="{FF2B5EF4-FFF2-40B4-BE49-F238E27FC236}">
-                <a16:creationId xmlns:a16="http://schemas.microsoft.com/office/drawing/2014/main" id="{4E995504-A4AE-E8F2-9687-5EF5B88F6D28}"/>
-              </a:ext>
-            </a:extLst>
-          </p:cNvPr>
-          <p:cNvPicPr>
-            <a:picLocks noChangeAspect="1"/>
-          </p:cNvPicPr>
-          <p:nvPr/>
-        </p:nvPicPr>
-        <p:blipFill rotWithShape="1">
-          <a:blip r:embed="rId2">
-            <a:extLst>
-              <a:ext uri="{28A0092B-C50C-407E-A947-70E740481C1C}">
-                <a14:useLocalDpi xmlns:a14="http://schemas.microsoft.com/office/drawing/2010/main" val="0"/>
-              </a:ext>
-            </a:extLst>
-          </a:blip>
-          <a:srcRect t="11023" r="3" b="7355"/>
-          <a:stretch/>
-        </p:blipFill>
-        <p:spPr>
-          <a:xfrm>
-            <a:off x="429767" y="1721922"/>
-            <a:ext cx="3419856" cy="4520560"/>
-          </a:xfrm>
-          <a:prstGeom prst="rect">
-            <a:avLst/>
-          </a:prstGeom>
-        </p:spPr>
-      </p:pic>
-      <p:sp useBgFill="1">
-        <p:nvSpPr>
-          <p:cNvPr id="23" name="Rectangle 22">
-            <a:extLst>
-              <a:ext uri="{FF2B5EF4-FFF2-40B4-BE49-F238E27FC236}">
-                <a16:creationId xmlns:a16="http://schemas.microsoft.com/office/drawing/2014/main" id="{395FA420-5595-49D1-9D5F-79EC43B55574}"/>
+      <p:sp>
+        <p:nvSpPr>
+          <p:cNvPr id="12" name="Rectangle 11">
+            <a:extLst>
+              <a:ext uri="{FF2B5EF4-FFF2-40B4-BE49-F238E27FC236}">
+                <a16:creationId xmlns:a16="http://schemas.microsoft.com/office/drawing/2014/main" id="{79F3C543-62EC-4433-9C93-A2CD8764E9B4}"/>
               </a:ext>
               <a:ext uri="{C183D7F6-B498-43B3-948B-1728B52AA6E4}">
                 <adec:decorative xmlns:adec="http://schemas.microsoft.com/office/drawing/2017/decorative" val="1"/>
@@ -10218,29 +10090,23 @@
           </p:nvPr>
         </p:nvSpPr>
         <p:spPr>
-          <a:xfrm>
-            <a:off x="8024648" y="1721922"/>
-            <a:ext cx="3609143" cy="4520560"/>
+          <a:xfrm flipV="1">
+            <a:off x="578652" y="4501201"/>
+            <a:ext cx="11034696" cy="18288"/>
           </a:xfrm>
           <a:prstGeom prst="rect">
             <a:avLst/>
           </a:prstGeom>
-          <a:ln w="9525">
-            <a:solidFill>
-              <a:schemeClr val="tx2">
-                <a:lumMod val="10000"/>
-                <a:lumOff val="90000"/>
-              </a:schemeClr>
-            </a:solidFill>
+          <a:solidFill>
+            <a:schemeClr val="tx2">
+              <a:lumMod val="25000"/>
+              <a:lumOff val="75000"/>
+            </a:schemeClr>
+          </a:solidFill>
+          <a:ln w="3175">
+            <a:noFill/>
           </a:ln>
-          <a:effectLst>
-            <a:outerShdw blurRad="50800" dist="38100" dir="2700000" algn="tl" rotWithShape="0">
-              <a:schemeClr val="bg1">
-                <a:lumMod val="85000"/>
-                <a:alpha val="30000"/>
-              </a:schemeClr>
-            </a:outerShdw>
-          </a:effectLst>
+          <a:effectLst/>
         </p:spPr>
         <p:style>
           <a:lnRef idx="2">
@@ -10296,96 +10162,307 @@
           </a:p>
         </p:txBody>
       </p:sp>
-      <p:sp>
-        <p:nvSpPr>
-          <p:cNvPr id="14" name="TextBox 13">
-            <a:extLst>
-              <a:ext uri="{FF2B5EF4-FFF2-40B4-BE49-F238E27FC236}">
-                <a16:creationId xmlns:a16="http://schemas.microsoft.com/office/drawing/2014/main" id="{70DC081A-A229-329D-E2C5-855461E2125B}"/>
-              </a:ext>
-            </a:extLst>
-          </p:cNvPr>
-          <p:cNvSpPr txBox="1"/>
-          <p:nvPr/>
-        </p:nvSpPr>
-        <p:spPr>
-          <a:xfrm>
-            <a:off x="8309348" y="2020824"/>
-            <a:ext cx="2956060" cy="3959352"/>
+      <p:sp useBgFill="1">
+        <p:nvSpPr>
+          <p:cNvPr id="14" name="Rectangle 13">
+            <a:extLst>
+              <a:ext uri="{FF2B5EF4-FFF2-40B4-BE49-F238E27FC236}">
+                <a16:creationId xmlns:a16="http://schemas.microsoft.com/office/drawing/2014/main" id="{68AF5748-FED8-45BA-8631-26D1D10F3246}"/>
+              </a:ext>
+              <a:ext uri="{C183D7F6-B498-43B3-948B-1728B52AA6E4}">
+                <adec:decorative xmlns:adec="http://schemas.microsoft.com/office/drawing/2017/decorative" val="1"/>
+              </a:ext>
+            </a:extLst>
+          </p:cNvPr>
+          <p:cNvSpPr>
+            <a:spLocks noGrp="1" noRot="1" noChangeAspect="1" noMove="1" noResize="1" noEditPoints="1" noAdjustHandles="1" noChangeArrowheads="1" noChangeShapeType="1" noTextEdit="1"/>
+          </p:cNvSpPr>
+          <p:nvPr>
+            <p:extLst>
+              <p:ext uri="{386F3935-93C4-4BCD-93E2-E3B085C9AB24}">
+                <p16:designElem xmlns:p16="http://schemas.microsoft.com/office/powerpoint/2015/main" val="1"/>
+              </p:ext>
+            </p:extLst>
+          </p:nvPr>
+        </p:nvSpPr>
+        <p:spPr>
+          <a:xfrm>
+            <a:off x="0" y="0"/>
+            <a:ext cx="12192000" cy="6858000"/>
           </a:xfrm>
           <a:prstGeom prst="rect">
             <a:avLst/>
           </a:prstGeom>
-        </p:spPr>
-        <p:txBody>
-          <a:bodyPr vert="horz" lIns="91440" tIns="45720" rIns="91440" bIns="45720" rtlCol="0" anchor="ctr">
+          <a:ln>
+            <a:noFill/>
+          </a:ln>
+        </p:spPr>
+        <p:style>
+          <a:lnRef idx="2">
+            <a:schemeClr val="accent1">
+              <a:shade val="50000"/>
+            </a:schemeClr>
+          </a:lnRef>
+          <a:fillRef idx="1">
+            <a:schemeClr val="accent1"/>
+          </a:fillRef>
+          <a:effectRef idx="0">
+            <a:schemeClr val="accent1"/>
+          </a:effectRef>
+          <a:fontRef idx="minor">
+            <a:schemeClr val="lt1"/>
+          </a:fontRef>
+        </p:style>
+        <p:txBody>
+          <a:bodyPr rtlCol="0" anchor="ctr"/>
+          <a:lstStyle/>
+          <a:p>
+            <a:pPr algn="ctr"/>
+            <a:endParaRPr lang="en-US"/>
+          </a:p>
+        </p:txBody>
+      </p:sp>
+      <p:sp>
+        <p:nvSpPr>
+          <p:cNvPr id="2" name="Title 1">
+            <a:extLst>
+              <a:ext uri="{FF2B5EF4-FFF2-40B4-BE49-F238E27FC236}">
+                <a16:creationId xmlns:a16="http://schemas.microsoft.com/office/drawing/2014/main" id="{91A01AD8-B334-2744-E030-4E2D66067953}"/>
+              </a:ext>
+            </a:extLst>
+          </p:cNvPr>
+          <p:cNvSpPr>
+            <a:spLocks noGrp="1"/>
+          </p:cNvSpPr>
+          <p:nvPr>
+            <p:ph type="title"/>
+          </p:nvPr>
+        </p:nvSpPr>
+        <p:spPr>
+          <a:xfrm>
+            <a:off x="477981" y="1122363"/>
+            <a:ext cx="4023360" cy="3204134"/>
+          </a:xfrm>
+        </p:spPr>
+        <p:txBody>
+          <a:bodyPr vert="horz" lIns="91440" tIns="45720" rIns="91440" bIns="45720" rtlCol="0" anchor="b">
             <a:normAutofit/>
           </a:bodyPr>
           <a:lstStyle/>
           <a:p>
-            <a:pPr defTabSz="914400">
-              <a:lnSpc>
-                <a:spcPct val="110000"/>
-              </a:lnSpc>
-              <a:spcAft>
-                <a:spcPts val="600"/>
-              </a:spcAft>
-            </a:pPr>
             <a:r>
-              <a:rPr lang="en-US" sz="1700" dirty="0"/>
-              <a:t>To generate more realistic simulations and evaluate the increase or decrease in system performance caused by various environmental and weather conditions, a kind of mismatch generator is also used between the different panels within a string or across the entire parallel configuration, as shown in the figures.</a:t>
+              <a:rPr lang="en-US" sz="4800"/>
+              <a:t>Considered structure of PV panels</a:t>
             </a:r>
           </a:p>
         </p:txBody>
       </p:sp>
       <p:sp>
         <p:nvSpPr>
-          <p:cNvPr id="13" name="TextBox 12">
-            <a:extLst>
-              <a:ext uri="{FF2B5EF4-FFF2-40B4-BE49-F238E27FC236}">
-                <a16:creationId xmlns:a16="http://schemas.microsoft.com/office/drawing/2014/main" id="{39A4DC51-A198-0D1E-C039-96382E268233}"/>
-              </a:ext>
-            </a:extLst>
-          </p:cNvPr>
-          <p:cNvSpPr txBox="1"/>
-          <p:nvPr/>
-        </p:nvSpPr>
-        <p:spPr>
-          <a:xfrm>
-            <a:off x="5637178" y="3049621"/>
-            <a:ext cx="65" cy="276999"/>
+          <p:cNvPr id="16" name="Rectangle 15">
+            <a:extLst>
+              <a:ext uri="{FF2B5EF4-FFF2-40B4-BE49-F238E27FC236}">
+                <a16:creationId xmlns:a16="http://schemas.microsoft.com/office/drawing/2014/main" id="{AF2F604E-43BE-4DC3-B983-E071523364F8}"/>
+              </a:ext>
+              <a:ext uri="{C183D7F6-B498-43B3-948B-1728B52AA6E4}">
+                <adec:decorative xmlns:adec="http://schemas.microsoft.com/office/drawing/2017/decorative" val="1"/>
+              </a:ext>
+            </a:extLst>
+          </p:cNvPr>
+          <p:cNvSpPr>
+            <a:spLocks noGrp="1" noRot="1" noChangeAspect="1" noMove="1" noResize="1" noEditPoints="1" noAdjustHandles="1" noChangeArrowheads="1" noChangeShapeType="1" noTextEdit="1"/>
+          </p:cNvSpPr>
+          <p:nvPr>
+            <p:extLst>
+              <p:ext uri="{386F3935-93C4-4BCD-93E2-E3B085C9AB24}">
+                <p16:designElem xmlns:p16="http://schemas.microsoft.com/office/powerpoint/2015/main" val="1"/>
+              </p:ext>
+            </p:extLst>
+          </p:nvPr>
+        </p:nvSpPr>
+        <p:spPr>
+          <a:xfrm rot="5400000">
+            <a:off x="759921" y="346791"/>
+            <a:ext cx="146304" cy="704088"/>
           </a:xfrm>
           <a:prstGeom prst="rect">
             <a:avLst/>
           </a:prstGeom>
-          <a:noFill/>
-        </p:spPr>
-        <p:txBody>
-          <a:bodyPr wrap="none" lIns="0" tIns="0" rIns="0" bIns="0" rtlCol="0">
-            <a:spAutoFit/>
-          </a:bodyPr>
+          <a:solidFill>
+            <a:schemeClr val="accent1"/>
+          </a:solidFill>
+          <a:ln>
+            <a:noFill/>
+          </a:ln>
+        </p:spPr>
+        <p:style>
+          <a:lnRef idx="2">
+            <a:schemeClr val="accent1">
+              <a:shade val="50000"/>
+            </a:schemeClr>
+          </a:lnRef>
+          <a:fillRef idx="1">
+            <a:schemeClr val="accent1"/>
+          </a:fillRef>
+          <a:effectRef idx="0">
+            <a:schemeClr val="accent1"/>
+          </a:effectRef>
+          <a:fontRef idx="minor">
+            <a:schemeClr val="lt1"/>
+          </a:fontRef>
+        </p:style>
+        <p:txBody>
+          <a:bodyPr rtlCol="0" anchor="ctr"/>
           <a:lstStyle/>
           <a:p>
-            <a:endParaRPr lang="it-IT" dirty="0"/>
+            <a:pPr marL="0" marR="0" lvl="0" indent="0" algn="ctr" defTabSz="914400" rtl="0" eaLnBrk="1" fontAlgn="auto" latinLnBrk="0" hangingPunct="1">
+              <a:lnSpc>
+                <a:spcPct val="100000"/>
+              </a:lnSpc>
+              <a:spcBef>
+                <a:spcPts val="0"/>
+              </a:spcBef>
+              <a:spcAft>
+                <a:spcPts val="0"/>
+              </a:spcAft>
+              <a:buClrTx/>
+              <a:buSzTx/>
+              <a:buFontTx/>
+              <a:buNone/>
+              <a:tabLst/>
+              <a:defRPr/>
+            </a:pPr>
+            <a:endParaRPr kumimoji="0" lang="en-US" sz="1800" b="0" i="0" u="none" strike="noStrike" kern="1200" cap="none" spc="0" normalizeH="0" baseline="0" noProof="0">
+              <a:ln>
+                <a:noFill/>
+              </a:ln>
+              <a:solidFill>
+                <a:prstClr val="white"/>
+              </a:solidFill>
+              <a:effectLst/>
+              <a:uLnTx/>
+              <a:uFillTx/>
+              <a:latin typeface="Calibri" panose="020F0502020204030204"/>
+              <a:ea typeface="+mn-ea"/>
+              <a:cs typeface="+mn-cs"/>
+            </a:endParaRPr>
+          </a:p>
+        </p:txBody>
+      </p:sp>
+      <p:sp>
+        <p:nvSpPr>
+          <p:cNvPr id="18" name="Rectangle 17">
+            <a:extLst>
+              <a:ext uri="{FF2B5EF4-FFF2-40B4-BE49-F238E27FC236}">
+                <a16:creationId xmlns:a16="http://schemas.microsoft.com/office/drawing/2014/main" id="{08C9B587-E65E-4B52-B37C-ABEBB6E87928}"/>
+              </a:ext>
+              <a:ext uri="{C183D7F6-B498-43B3-948B-1728B52AA6E4}">
+                <adec:decorative xmlns:adec="http://schemas.microsoft.com/office/drawing/2017/decorative" val="1"/>
+              </a:ext>
+            </a:extLst>
+          </p:cNvPr>
+          <p:cNvSpPr>
+            <a:spLocks noGrp="1" noRot="1" noChangeAspect="1" noMove="1" noResize="1" noEditPoints="1" noAdjustHandles="1" noChangeArrowheads="1" noChangeShapeType="1" noTextEdit="1"/>
+          </p:cNvSpPr>
+          <p:nvPr>
+            <p:extLst>
+              <p:ext uri="{386F3935-93C4-4BCD-93E2-E3B085C9AB24}">
+                <p16:designElem xmlns:p16="http://schemas.microsoft.com/office/powerpoint/2015/main" val="1"/>
+              </p:ext>
+            </p:extLst>
+          </p:nvPr>
+        </p:nvSpPr>
+        <p:spPr>
+          <a:xfrm>
+            <a:off x="481029" y="4546920"/>
+            <a:ext cx="4023360" cy="18288"/>
+          </a:xfrm>
+          <a:prstGeom prst="rect">
+            <a:avLst/>
+          </a:prstGeom>
+          <a:solidFill>
+            <a:schemeClr val="tx2">
+              <a:lumMod val="25000"/>
+              <a:lumOff val="75000"/>
+            </a:schemeClr>
+          </a:solidFill>
+          <a:ln w="3175">
+            <a:noFill/>
+          </a:ln>
+          <a:effectLst/>
+        </p:spPr>
+        <p:style>
+          <a:lnRef idx="2">
+            <a:schemeClr val="accent1">
+              <a:shade val="50000"/>
+            </a:schemeClr>
+          </a:lnRef>
+          <a:fillRef idx="1">
+            <a:schemeClr val="accent1"/>
+          </a:fillRef>
+          <a:effectRef idx="0">
+            <a:schemeClr val="accent1"/>
+          </a:effectRef>
+          <a:fontRef idx="minor">
+            <a:schemeClr val="lt1"/>
+          </a:fontRef>
+        </p:style>
+        <p:txBody>
+          <a:bodyPr rtlCol="0" anchor="ctr"/>
+          <a:lstStyle/>
+          <a:p>
+            <a:pPr marL="0" marR="0" lvl="0" indent="0" algn="ctr" defTabSz="914400" rtl="0" eaLnBrk="1" fontAlgn="auto" latinLnBrk="0" hangingPunct="1">
+              <a:lnSpc>
+                <a:spcPct val="100000"/>
+              </a:lnSpc>
+              <a:spcBef>
+                <a:spcPts val="0"/>
+              </a:spcBef>
+              <a:spcAft>
+                <a:spcPts val="0"/>
+              </a:spcAft>
+              <a:buClrTx/>
+              <a:buSzTx/>
+              <a:buFontTx/>
+              <a:buNone/>
+              <a:tabLst/>
+              <a:defRPr/>
+            </a:pPr>
+            <a:endParaRPr kumimoji="0" lang="en-US" sz="1800" b="0" i="0" u="none" strike="noStrike" kern="1200" cap="none" spc="0" normalizeH="0" baseline="0" noProof="0">
+              <a:ln>
+                <a:noFill/>
+              </a:ln>
+              <a:solidFill>
+                <a:prstClr val="white"/>
+              </a:solidFill>
+              <a:effectLst/>
+              <a:uLnTx/>
+              <a:uFillTx/>
+              <a:latin typeface="Calibri" panose="020F0502020204030204"/>
+              <a:ea typeface="+mn-ea"/>
+              <a:cs typeface="+mn-cs"/>
+            </a:endParaRPr>
           </a:p>
         </p:txBody>
       </p:sp>
       <p:pic>
         <p:nvPicPr>
-          <p:cNvPr id="4" name="Picture 3" descr="A picture containing solar power, solar panel, solar energy, solar cell&#10;&#10;Description automatically generated">
-            <a:extLst>
-              <a:ext uri="{FF2B5EF4-FFF2-40B4-BE49-F238E27FC236}">
-                <a16:creationId xmlns:a16="http://schemas.microsoft.com/office/drawing/2014/main" id="{175A92E0-768A-0C29-F74B-EEEA3A6BB928}"/>
+          <p:cNvPr id="5" name="Content Placeholder 4" descr="A picture containing screenshot&#10;&#10;Description automatically generated">
+            <a:extLst>
+              <a:ext uri="{FF2B5EF4-FFF2-40B4-BE49-F238E27FC236}">
+                <a16:creationId xmlns:a16="http://schemas.microsoft.com/office/drawing/2014/main" id="{B8424204-275B-DD0B-2678-AB36ABA011AB}"/>
               </a:ext>
             </a:extLst>
           </p:cNvPr>
           <p:cNvPicPr>
-            <a:picLocks noChangeAspect="1"/>
+            <a:picLocks noGrp="1" noChangeAspect="1"/>
           </p:cNvPicPr>
-          <p:nvPr/>
+          <p:nvPr>
+            <p:ph idx="1"/>
+          </p:nvPr>
         </p:nvPicPr>
         <p:blipFill>
-          <a:blip r:embed="rId3">
+          <a:blip r:embed="rId2">
             <a:extLst>
               <a:ext uri="{28A0092B-C50C-407E-A947-70E740481C1C}">
                 <a14:useLocalDpi xmlns:a14="http://schemas.microsoft.com/office/drawing/2010/main" val="0"/>
@@ -10398,8 +10475,8 @@
         </p:blipFill>
         <p:spPr>
           <a:xfrm>
-            <a:off x="4343610" y="1651379"/>
-            <a:ext cx="3175545" cy="4705698"/>
+            <a:off x="5011285" y="625683"/>
+            <a:ext cx="6553008" cy="5455380"/>
           </a:xfrm>
           <a:prstGeom prst="rect">
             <a:avLst/>
@@ -10409,31 +10486,27 @@
     </p:spTree>
     <p:extLst>
       <p:ext uri="{BB962C8B-B14F-4D97-AF65-F5344CB8AC3E}">
-        <p14:creationId xmlns:p14="http://schemas.microsoft.com/office/powerpoint/2010/main" val="602783968"/>
+        <p14:creationId xmlns:p14="http://schemas.microsoft.com/office/powerpoint/2010/main" val="714377763"/>
       </p:ext>
     </p:extLst>
   </p:cSld>
   <p:clrMapOvr>
     <a:masterClrMapping/>
   </p:clrMapOvr>
-  <mc:AlternateContent xmlns:mc="http://schemas.openxmlformats.org/markup-compatibility/2006" xmlns:p159="http://schemas.microsoft.com/office/powerpoint/2015/09/main">
-    <mc:Choice Requires="p159">
-      <p:transition xmlns:p14="http://schemas.microsoft.com/office/powerpoint/2010/main" spd="slow" p14:dur="2000">
-        <p159:morph option="byObject"/>
-      </p:transition>
-    </mc:Choice>
-    <mc:Fallback xmlns="">
-      <p:transition spd="slow">
-        <p:fade/>
-      </p:transition>
-    </mc:Fallback>
-  </mc:AlternateContent>
 </p:sld>
 </file>
 
 <file path=ppt/slides/slide11.xml><?xml version="1.0" encoding="utf-8"?>
 <p:sld xmlns:a="http://schemas.openxmlformats.org/drawingml/2006/main" xmlns:r="http://schemas.openxmlformats.org/officeDocument/2006/relationships" xmlns:p="http://schemas.openxmlformats.org/presentationml/2006/main">
   <p:cSld>
+    <p:bg>
+      <p:bgPr>
+        <a:solidFill>
+          <a:schemeClr val="bg1"/>
+        </a:solidFill>
+        <a:effectLst/>
+      </p:bgPr>
+    </p:bg>
     <p:spTree>
       <p:nvGrpSpPr>
         <p:cNvPr id="1" name=""/>
@@ -10448,12 +10521,72 @@
           <a:chExt cx="0" cy="0"/>
         </a:xfrm>
       </p:grpSpPr>
-      <p:sp>
-        <p:nvSpPr>
-          <p:cNvPr id="2" name="Title 1">
-            <a:extLst>
-              <a:ext uri="{FF2B5EF4-FFF2-40B4-BE49-F238E27FC236}">
-                <a16:creationId xmlns:a16="http://schemas.microsoft.com/office/drawing/2014/main" id="{5A6BCFC5-C79A-9352-3CF2-E738253C4103}"/>
+      <p:sp useBgFill="1">
+        <p:nvSpPr>
+          <p:cNvPr id="19" name="Rectangle 18">
+            <a:extLst>
+              <a:ext uri="{FF2B5EF4-FFF2-40B4-BE49-F238E27FC236}">
+                <a16:creationId xmlns:a16="http://schemas.microsoft.com/office/drawing/2014/main" id="{21516CB1-E8C8-4751-B6A6-46B2D1E72A61}"/>
+              </a:ext>
+              <a:ext uri="{C183D7F6-B498-43B3-948B-1728B52AA6E4}">
+                <adec:decorative xmlns:adec="http://schemas.microsoft.com/office/drawing/2017/decorative" val="1"/>
+              </a:ext>
+            </a:extLst>
+          </p:cNvPr>
+          <p:cNvSpPr>
+            <a:spLocks noGrp="1" noRot="1" noChangeAspect="1" noMove="1" noResize="1" noEditPoints="1" noAdjustHandles="1" noChangeArrowheads="1" noChangeShapeType="1" noTextEdit="1"/>
+          </p:cNvSpPr>
+          <p:nvPr>
+            <p:extLst>
+              <p:ext uri="{386F3935-93C4-4BCD-93E2-E3B085C9AB24}">
+                <p16:designElem xmlns:p16="http://schemas.microsoft.com/office/powerpoint/2015/main" val="1"/>
+              </p:ext>
+            </p:extLst>
+          </p:nvPr>
+        </p:nvSpPr>
+        <p:spPr>
+          <a:xfrm>
+            <a:off x="0" y="0"/>
+            <a:ext cx="12192000" cy="6858000"/>
+          </a:xfrm>
+          <a:prstGeom prst="rect">
+            <a:avLst/>
+          </a:prstGeom>
+          <a:ln>
+            <a:noFill/>
+          </a:ln>
+        </p:spPr>
+        <p:style>
+          <a:lnRef idx="2">
+            <a:schemeClr val="accent1">
+              <a:shade val="50000"/>
+            </a:schemeClr>
+          </a:lnRef>
+          <a:fillRef idx="1">
+            <a:schemeClr val="accent1"/>
+          </a:fillRef>
+          <a:effectRef idx="0">
+            <a:schemeClr val="accent1"/>
+          </a:effectRef>
+          <a:fontRef idx="minor">
+            <a:schemeClr val="lt1"/>
+          </a:fontRef>
+        </p:style>
+        <p:txBody>
+          <a:bodyPr rtlCol="0" anchor="ctr"/>
+          <a:lstStyle/>
+          <a:p>
+            <a:pPr algn="ctr"/>
+            <a:endParaRPr lang="en-US"/>
+          </a:p>
+        </p:txBody>
+      </p:sp>
+      <p:sp>
+        <p:nvSpPr>
+          <p:cNvPr id="2" name="Titolo 1">
+            <a:extLst>
+              <a:ext uri="{FF2B5EF4-FFF2-40B4-BE49-F238E27FC236}">
+                <a16:creationId xmlns:a16="http://schemas.microsoft.com/office/drawing/2014/main" id="{FA74FA27-809E-FA42-4923-899507F85FF8}"/>
               </a:ext>
             </a:extLst>
           </p:cNvPr>
@@ -10464,25 +10597,123 @@
             <p:ph type="title"/>
           </p:nvPr>
         </p:nvSpPr>
-        <p:spPr/>
-        <p:txBody>
-          <a:bodyPr/>
+        <p:spPr>
+          <a:xfrm>
+            <a:off x="429768" y="411480"/>
+            <a:ext cx="11131298" cy="1106424"/>
+          </a:xfrm>
+        </p:spPr>
+        <p:txBody>
+          <a:bodyPr vert="horz" lIns="91440" tIns="45720" rIns="91440" bIns="45720" rtlCol="0" anchor="ctr">
+            <a:normAutofit/>
+          </a:bodyPr>
           <a:lstStyle/>
           <a:p>
             <a:r>
-              <a:rPr lang="en-US" sz="4000" dirty="0"/>
-              <a:t>Shadow zone creator - 2</a:t>
+              <a:rPr lang="en-US" sz="3600" dirty="0"/>
+              <a:t>Shadow zone creator - 1</a:t>
             </a:r>
-            <a:endParaRPr lang="it-IT" dirty="0"/>
+          </a:p>
+        </p:txBody>
+      </p:sp>
+      <p:sp>
+        <p:nvSpPr>
+          <p:cNvPr id="21" name="Rectangle 20">
+            <a:extLst>
+              <a:ext uri="{FF2B5EF4-FFF2-40B4-BE49-F238E27FC236}">
+                <a16:creationId xmlns:a16="http://schemas.microsoft.com/office/drawing/2014/main" id="{90C0C0D1-E79A-41FF-8322-256F6DD1499B}"/>
+              </a:ext>
+              <a:ext uri="{C183D7F6-B498-43B3-948B-1728B52AA6E4}">
+                <adec:decorative xmlns:adec="http://schemas.microsoft.com/office/drawing/2017/decorative" val="1"/>
+              </a:ext>
+            </a:extLst>
+          </p:cNvPr>
+          <p:cNvSpPr>
+            <a:spLocks noGrp="1" noRot="1" noChangeAspect="1" noMove="1" noResize="1" noEditPoints="1" noAdjustHandles="1" noChangeArrowheads="1" noChangeShapeType="1" noTextEdit="1"/>
+          </p:cNvSpPr>
+          <p:nvPr>
+            <p:extLst>
+              <p:ext uri="{386F3935-93C4-4BCD-93E2-E3B085C9AB24}">
+                <p16:designElem xmlns:p16="http://schemas.microsoft.com/office/powerpoint/2015/main" val="1"/>
+              </p:ext>
+            </p:extLst>
+          </p:nvPr>
+        </p:nvSpPr>
+        <p:spPr>
+          <a:xfrm>
+            <a:off x="0" y="585216"/>
+            <a:ext cx="128016" cy="704088"/>
+          </a:xfrm>
+          <a:prstGeom prst="rect">
+            <a:avLst/>
+          </a:prstGeom>
+          <a:solidFill>
+            <a:schemeClr val="accent1"/>
+          </a:solidFill>
+          <a:ln>
+            <a:noFill/>
+          </a:ln>
+        </p:spPr>
+        <p:style>
+          <a:lnRef idx="2">
+            <a:schemeClr val="accent1">
+              <a:shade val="50000"/>
+            </a:schemeClr>
+          </a:lnRef>
+          <a:fillRef idx="1">
+            <a:schemeClr val="accent1"/>
+          </a:fillRef>
+          <a:effectRef idx="0">
+            <a:schemeClr val="accent1"/>
+          </a:effectRef>
+          <a:fontRef idx="minor">
+            <a:schemeClr val="lt1"/>
+          </a:fontRef>
+        </p:style>
+        <p:txBody>
+          <a:bodyPr rtlCol="0" anchor="ctr"/>
+          <a:lstStyle/>
+          <a:p>
+            <a:pPr marL="0" marR="0" lvl="0" indent="0" algn="ctr" defTabSz="914400" rtl="0" eaLnBrk="1" fontAlgn="auto" latinLnBrk="0" hangingPunct="1">
+              <a:lnSpc>
+                <a:spcPct val="100000"/>
+              </a:lnSpc>
+              <a:spcBef>
+                <a:spcPts val="0"/>
+              </a:spcBef>
+              <a:spcAft>
+                <a:spcPts val="0"/>
+              </a:spcAft>
+              <a:buClrTx/>
+              <a:buSzTx/>
+              <a:buFontTx/>
+              <a:buNone/>
+              <a:tabLst/>
+              <a:defRPr/>
+            </a:pPr>
+            <a:endParaRPr kumimoji="0" lang="en-US" sz="1800" b="0" i="0" u="none" strike="noStrike" kern="1200" cap="none" spc="0" normalizeH="0" baseline="0" noProof="0">
+              <a:ln>
+                <a:noFill/>
+              </a:ln>
+              <a:solidFill>
+                <a:prstClr val="white"/>
+              </a:solidFill>
+              <a:effectLst/>
+              <a:uLnTx/>
+              <a:uFillTx/>
+              <a:latin typeface="Calibri" panose="020F0502020204030204"/>
+              <a:ea typeface="+mn-ea"/>
+              <a:cs typeface="+mn-cs"/>
+            </a:endParaRPr>
           </a:p>
         </p:txBody>
       </p:sp>
       <p:pic>
         <p:nvPicPr>
-          <p:cNvPr id="14" name="Picture 13" descr="A diagram of solar panels&#10;&#10;Description automatically generated with medium confidence">
-            <a:extLst>
-              <a:ext uri="{FF2B5EF4-FFF2-40B4-BE49-F238E27FC236}">
-                <a16:creationId xmlns:a16="http://schemas.microsoft.com/office/drawing/2014/main" id="{E1DB1926-FF91-94B2-0864-0B75FACA7AD6}"/>
+          <p:cNvPr id="12" name="Picture 11">
+            <a:extLst>
+              <a:ext uri="{FF2B5EF4-FFF2-40B4-BE49-F238E27FC236}">
+                <a16:creationId xmlns:a16="http://schemas.microsoft.com/office/drawing/2014/main" id="{4E995504-A4AE-E8F2-9687-5EF5B88F6D28}"/>
               </a:ext>
             </a:extLst>
           </p:cNvPr>
@@ -10491,7 +10722,7 @@
           </p:cNvPicPr>
           <p:nvPr/>
         </p:nvPicPr>
-        <p:blipFill>
+        <p:blipFill rotWithShape="1">
           <a:blip r:embed="rId2">
             <a:extLst>
               <a:ext uri="{28A0092B-C50C-407E-A947-70E740481C1C}">
@@ -10499,26 +10730,201 @@
               </a:ext>
             </a:extLst>
           </a:blip>
-          <a:stretch>
-            <a:fillRect/>
-          </a:stretch>
+          <a:srcRect t="11023" r="3" b="7355"/>
+          <a:stretch/>
         </p:blipFill>
         <p:spPr>
           <a:xfrm>
-            <a:off x="0" y="2111033"/>
-            <a:ext cx="2967649" cy="2886502"/>
+            <a:off x="429767" y="1721922"/>
+            <a:ext cx="3419856" cy="4520560"/>
           </a:xfrm>
           <a:prstGeom prst="rect">
             <a:avLst/>
           </a:prstGeom>
         </p:spPr>
       </p:pic>
+      <p:sp useBgFill="1">
+        <p:nvSpPr>
+          <p:cNvPr id="23" name="Rectangle 22">
+            <a:extLst>
+              <a:ext uri="{FF2B5EF4-FFF2-40B4-BE49-F238E27FC236}">
+                <a16:creationId xmlns:a16="http://schemas.microsoft.com/office/drawing/2014/main" id="{395FA420-5595-49D1-9D5F-79EC43B55574}"/>
+              </a:ext>
+              <a:ext uri="{C183D7F6-B498-43B3-948B-1728B52AA6E4}">
+                <adec:decorative xmlns:adec="http://schemas.microsoft.com/office/drawing/2017/decorative" val="1"/>
+              </a:ext>
+            </a:extLst>
+          </p:cNvPr>
+          <p:cNvSpPr>
+            <a:spLocks noGrp="1" noRot="1" noChangeAspect="1" noMove="1" noResize="1" noEditPoints="1" noAdjustHandles="1" noChangeArrowheads="1" noChangeShapeType="1" noTextEdit="1"/>
+          </p:cNvSpPr>
+          <p:nvPr>
+            <p:extLst>
+              <p:ext uri="{386F3935-93C4-4BCD-93E2-E3B085C9AB24}">
+                <p16:designElem xmlns:p16="http://schemas.microsoft.com/office/powerpoint/2015/main" val="1"/>
+              </p:ext>
+            </p:extLst>
+          </p:nvPr>
+        </p:nvSpPr>
+        <p:spPr>
+          <a:xfrm>
+            <a:off x="8024648" y="1721922"/>
+            <a:ext cx="3609143" cy="4520560"/>
+          </a:xfrm>
+          <a:prstGeom prst="rect">
+            <a:avLst/>
+          </a:prstGeom>
+          <a:ln w="9525">
+            <a:solidFill>
+              <a:schemeClr val="tx2">
+                <a:lumMod val="10000"/>
+                <a:lumOff val="90000"/>
+              </a:schemeClr>
+            </a:solidFill>
+          </a:ln>
+          <a:effectLst>
+            <a:outerShdw blurRad="50800" dist="38100" dir="2700000" algn="tl" rotWithShape="0">
+              <a:schemeClr val="bg1">
+                <a:lumMod val="85000"/>
+                <a:alpha val="30000"/>
+              </a:schemeClr>
+            </a:outerShdw>
+          </a:effectLst>
+        </p:spPr>
+        <p:style>
+          <a:lnRef idx="2">
+            <a:schemeClr val="accent1">
+              <a:shade val="50000"/>
+            </a:schemeClr>
+          </a:lnRef>
+          <a:fillRef idx="1">
+            <a:schemeClr val="accent1"/>
+          </a:fillRef>
+          <a:effectRef idx="0">
+            <a:schemeClr val="accent1"/>
+          </a:effectRef>
+          <a:fontRef idx="minor">
+            <a:schemeClr val="lt1"/>
+          </a:fontRef>
+        </p:style>
+        <p:txBody>
+          <a:bodyPr rtlCol="0" anchor="ctr"/>
+          <a:lstStyle/>
+          <a:p>
+            <a:pPr marL="0" marR="0" lvl="0" indent="0" algn="ctr" defTabSz="914400" rtl="0" eaLnBrk="1" fontAlgn="auto" latinLnBrk="0" hangingPunct="1">
+              <a:lnSpc>
+                <a:spcPct val="100000"/>
+              </a:lnSpc>
+              <a:spcBef>
+                <a:spcPts val="0"/>
+              </a:spcBef>
+              <a:spcAft>
+                <a:spcPts val="0"/>
+              </a:spcAft>
+              <a:buClrTx/>
+              <a:buSzTx/>
+              <a:buFontTx/>
+              <a:buNone/>
+              <a:tabLst/>
+              <a:defRPr/>
+            </a:pPr>
+            <a:endParaRPr kumimoji="0" lang="en-US" sz="1800" b="0" i="0" u="none" strike="noStrike" kern="1200" cap="none" spc="0" normalizeH="0" baseline="0" noProof="0">
+              <a:ln>
+                <a:noFill/>
+              </a:ln>
+              <a:solidFill>
+                <a:prstClr val="white"/>
+              </a:solidFill>
+              <a:effectLst/>
+              <a:uLnTx/>
+              <a:uFillTx/>
+              <a:latin typeface="Calibri" panose="020F0502020204030204"/>
+              <a:ea typeface="+mn-ea"/>
+              <a:cs typeface="+mn-cs"/>
+            </a:endParaRPr>
+          </a:p>
+        </p:txBody>
+      </p:sp>
+      <p:sp>
+        <p:nvSpPr>
+          <p:cNvPr id="14" name="TextBox 13">
+            <a:extLst>
+              <a:ext uri="{FF2B5EF4-FFF2-40B4-BE49-F238E27FC236}">
+                <a16:creationId xmlns:a16="http://schemas.microsoft.com/office/drawing/2014/main" id="{70DC081A-A229-329D-E2C5-855461E2125B}"/>
+              </a:ext>
+            </a:extLst>
+          </p:cNvPr>
+          <p:cNvSpPr txBox="1"/>
+          <p:nvPr/>
+        </p:nvSpPr>
+        <p:spPr>
+          <a:xfrm>
+            <a:off x="8309348" y="2020824"/>
+            <a:ext cx="2956060" cy="3959352"/>
+          </a:xfrm>
+          <a:prstGeom prst="rect">
+            <a:avLst/>
+          </a:prstGeom>
+        </p:spPr>
+        <p:txBody>
+          <a:bodyPr vert="horz" lIns="91440" tIns="45720" rIns="91440" bIns="45720" rtlCol="0" anchor="ctr">
+            <a:normAutofit/>
+          </a:bodyPr>
+          <a:lstStyle/>
+          <a:p>
+            <a:pPr defTabSz="914400">
+              <a:lnSpc>
+                <a:spcPct val="110000"/>
+              </a:lnSpc>
+              <a:spcAft>
+                <a:spcPts val="600"/>
+              </a:spcAft>
+            </a:pPr>
+            <a:r>
+              <a:rPr lang="en-US" sz="1700" dirty="0"/>
+              <a:t>To generate more realistic simulations and evaluate the increase or decrease in system performance caused by various environmental and weather conditions. Hence, we have used a mismatch generator between the different panels within a string or across the entire parallel configuration, as shown in the figures.</a:t>
+            </a:r>
+          </a:p>
+        </p:txBody>
+      </p:sp>
+      <p:sp>
+        <p:nvSpPr>
+          <p:cNvPr id="13" name="TextBox 12">
+            <a:extLst>
+              <a:ext uri="{FF2B5EF4-FFF2-40B4-BE49-F238E27FC236}">
+                <a16:creationId xmlns:a16="http://schemas.microsoft.com/office/drawing/2014/main" id="{39A4DC51-A198-0D1E-C039-96382E268233}"/>
+              </a:ext>
+            </a:extLst>
+          </p:cNvPr>
+          <p:cNvSpPr txBox="1"/>
+          <p:nvPr/>
+        </p:nvSpPr>
+        <p:spPr>
+          <a:xfrm>
+            <a:off x="5637178" y="3049621"/>
+            <a:ext cx="65" cy="276999"/>
+          </a:xfrm>
+          <a:prstGeom prst="rect">
+            <a:avLst/>
+          </a:prstGeom>
+          <a:noFill/>
+        </p:spPr>
+        <p:txBody>
+          <a:bodyPr wrap="none" lIns="0" tIns="0" rIns="0" bIns="0" rtlCol="0">
+            <a:spAutoFit/>
+          </a:bodyPr>
+          <a:lstStyle/>
+          <a:p>
+            <a:endParaRPr lang="it-IT" dirty="0"/>
+          </a:p>
+        </p:txBody>
+      </p:sp>
       <p:pic>
         <p:nvPicPr>
-          <p:cNvPr id="16" name="Picture 15" descr="A diagram of solar panels&#10;&#10;Description automatically generated with medium confidence">
-            <a:extLst>
-              <a:ext uri="{FF2B5EF4-FFF2-40B4-BE49-F238E27FC236}">
-                <a16:creationId xmlns:a16="http://schemas.microsoft.com/office/drawing/2014/main" id="{F6DB669A-232F-5D7A-9530-4D40FB836974}"/>
+          <p:cNvPr id="4" name="Picture 3" descr="A picture containing solar power, solar panel, solar energy, solar cell&#10;&#10;Description automatically generated">
+            <a:extLst>
+              <a:ext uri="{FF2B5EF4-FFF2-40B4-BE49-F238E27FC236}">
+                <a16:creationId xmlns:a16="http://schemas.microsoft.com/office/drawing/2014/main" id="{175A92E0-768A-0C29-F74B-EEEA3A6BB928}"/>
               </a:ext>
             </a:extLst>
           </p:cNvPr>
@@ -10541,264 +10947,18 @@
         </p:blipFill>
         <p:spPr>
           <a:xfrm>
-            <a:off x="3746491" y="2134917"/>
-            <a:ext cx="2297926" cy="2886502"/>
+            <a:off x="4343610" y="1651379"/>
+            <a:ext cx="3175545" cy="4705698"/>
           </a:xfrm>
           <a:prstGeom prst="rect">
             <a:avLst/>
           </a:prstGeom>
         </p:spPr>
       </p:pic>
-      <p:pic>
-        <p:nvPicPr>
-          <p:cNvPr id="18" name="Picture 17" descr="A diagram of solar panels&#10;&#10;Description automatically generated with medium confidence">
-            <a:extLst>
-              <a:ext uri="{FF2B5EF4-FFF2-40B4-BE49-F238E27FC236}">
-                <a16:creationId xmlns:a16="http://schemas.microsoft.com/office/drawing/2014/main" id="{4EE665DB-7EBA-5225-2C97-C995E625349A}"/>
-              </a:ext>
-            </a:extLst>
-          </p:cNvPr>
-          <p:cNvPicPr>
-            <a:picLocks noChangeAspect="1"/>
-          </p:cNvPicPr>
-          <p:nvPr/>
-        </p:nvPicPr>
-        <p:blipFill>
-          <a:blip r:embed="rId4">
-            <a:extLst>
-              <a:ext uri="{28A0092B-C50C-407E-A947-70E740481C1C}">
-                <a14:useLocalDpi xmlns:a14="http://schemas.microsoft.com/office/drawing/2010/main" val="0"/>
-              </a:ext>
-            </a:extLst>
-          </a:blip>
-          <a:stretch>
-            <a:fillRect/>
-          </a:stretch>
-        </p:blipFill>
-        <p:spPr>
-          <a:xfrm>
-            <a:off x="7145665" y="2134917"/>
-            <a:ext cx="2277640" cy="2838734"/>
-          </a:xfrm>
-          <a:prstGeom prst="rect">
-            <a:avLst/>
-          </a:prstGeom>
-        </p:spPr>
-      </p:pic>
-      <p:pic>
-        <p:nvPicPr>
-          <p:cNvPr id="20" name="Picture 19" descr="A picture containing square, pattern&#10;&#10;Description automatically generated">
-            <a:extLst>
-              <a:ext uri="{FF2B5EF4-FFF2-40B4-BE49-F238E27FC236}">
-                <a16:creationId xmlns:a16="http://schemas.microsoft.com/office/drawing/2014/main" id="{28D0FDF8-4C4C-5DB3-BBCB-F4A7906FA01C}"/>
-              </a:ext>
-            </a:extLst>
-          </p:cNvPr>
-          <p:cNvPicPr>
-            <a:picLocks noChangeAspect="1"/>
-          </p:cNvPicPr>
-          <p:nvPr/>
-        </p:nvPicPr>
-        <p:blipFill>
-          <a:blip r:embed="rId5">
-            <a:extLst>
-              <a:ext uri="{28A0092B-C50C-407E-A947-70E740481C1C}">
-                <a14:useLocalDpi xmlns:a14="http://schemas.microsoft.com/office/drawing/2010/main" val="0"/>
-              </a:ext>
-            </a:extLst>
-          </a:blip>
-          <a:stretch>
-            <a:fillRect/>
-          </a:stretch>
-        </p:blipFill>
-        <p:spPr>
-          <a:xfrm>
-            <a:off x="9909588" y="2322574"/>
-            <a:ext cx="2282412" cy="2651077"/>
-          </a:xfrm>
-          <a:prstGeom prst="rect">
-            <a:avLst/>
-          </a:prstGeom>
-        </p:spPr>
-      </p:pic>
-      <p:sp>
-        <p:nvSpPr>
-          <p:cNvPr id="21" name="Arrow: Right 20">
-            <a:extLst>
-              <a:ext uri="{FF2B5EF4-FFF2-40B4-BE49-F238E27FC236}">
-                <a16:creationId xmlns:a16="http://schemas.microsoft.com/office/drawing/2014/main" id="{057D49ED-D6AC-D5D7-E8DF-BA1AA3800C88}"/>
-              </a:ext>
-            </a:extLst>
-          </p:cNvPr>
-          <p:cNvSpPr/>
-          <p:nvPr/>
-        </p:nvSpPr>
-        <p:spPr>
-          <a:xfrm>
-            <a:off x="3239917" y="3386261"/>
-            <a:ext cx="914336" cy="523702"/>
-          </a:xfrm>
-          <a:prstGeom prst="rightArrow">
-            <a:avLst/>
-          </a:prstGeom>
-        </p:spPr>
-        <p:style>
-          <a:lnRef idx="2">
-            <a:schemeClr val="dk1">
-              <a:shade val="50000"/>
-            </a:schemeClr>
-          </a:lnRef>
-          <a:fillRef idx="1">
-            <a:schemeClr val="dk1"/>
-          </a:fillRef>
-          <a:effectRef idx="0">
-            <a:schemeClr val="dk1"/>
-          </a:effectRef>
-          <a:fontRef idx="minor">
-            <a:schemeClr val="lt1"/>
-          </a:fontRef>
-        </p:style>
-        <p:txBody>
-          <a:bodyPr rtlCol="0" anchor="ctr"/>
-          <a:lstStyle/>
-          <a:p>
-            <a:pPr algn="ctr"/>
-            <a:endParaRPr lang="it-IT" dirty="0"/>
-          </a:p>
-        </p:txBody>
-      </p:sp>
-      <p:sp>
-        <p:nvSpPr>
-          <p:cNvPr id="23" name="Arrow: Right 22">
-            <a:extLst>
-              <a:ext uri="{FF2B5EF4-FFF2-40B4-BE49-F238E27FC236}">
-                <a16:creationId xmlns:a16="http://schemas.microsoft.com/office/drawing/2014/main" id="{C724F22C-5CE6-C694-05C3-AD3A46D6537E}"/>
-              </a:ext>
-            </a:extLst>
-          </p:cNvPr>
-          <p:cNvSpPr/>
-          <p:nvPr/>
-        </p:nvSpPr>
-        <p:spPr>
-          <a:xfrm>
-            <a:off x="6172517" y="3386261"/>
-            <a:ext cx="914336" cy="523702"/>
-          </a:xfrm>
-          <a:prstGeom prst="rightArrow">
-            <a:avLst/>
-          </a:prstGeom>
-        </p:spPr>
-        <p:style>
-          <a:lnRef idx="2">
-            <a:schemeClr val="dk1">
-              <a:shade val="50000"/>
-            </a:schemeClr>
-          </a:lnRef>
-          <a:fillRef idx="1">
-            <a:schemeClr val="dk1"/>
-          </a:fillRef>
-          <a:effectRef idx="0">
-            <a:schemeClr val="dk1"/>
-          </a:effectRef>
-          <a:fontRef idx="minor">
-            <a:schemeClr val="lt1"/>
-          </a:fontRef>
-        </p:style>
-        <p:txBody>
-          <a:bodyPr rtlCol="0" anchor="ctr"/>
-          <a:lstStyle/>
-          <a:p>
-            <a:pPr algn="ctr"/>
-            <a:endParaRPr lang="it-IT" dirty="0"/>
-          </a:p>
-        </p:txBody>
-      </p:sp>
-      <p:sp>
-        <p:nvSpPr>
-          <p:cNvPr id="24" name="Arrow: Right 23">
-            <a:extLst>
-              <a:ext uri="{FF2B5EF4-FFF2-40B4-BE49-F238E27FC236}">
-                <a16:creationId xmlns:a16="http://schemas.microsoft.com/office/drawing/2014/main" id="{337B93C7-7837-71DF-D431-D239DD574A98}"/>
-              </a:ext>
-            </a:extLst>
-          </p:cNvPr>
-          <p:cNvSpPr/>
-          <p:nvPr/>
-        </p:nvSpPr>
-        <p:spPr>
-          <a:xfrm>
-            <a:off x="8966137" y="3386261"/>
-            <a:ext cx="914336" cy="523702"/>
-          </a:xfrm>
-          <a:prstGeom prst="rightArrow">
-            <a:avLst/>
-          </a:prstGeom>
-        </p:spPr>
-        <p:style>
-          <a:lnRef idx="2">
-            <a:schemeClr val="dk1">
-              <a:shade val="50000"/>
-            </a:schemeClr>
-          </a:lnRef>
-          <a:fillRef idx="1">
-            <a:schemeClr val="dk1"/>
-          </a:fillRef>
-          <a:effectRef idx="0">
-            <a:schemeClr val="dk1"/>
-          </a:effectRef>
-          <a:fontRef idx="minor">
-            <a:schemeClr val="lt1"/>
-          </a:fontRef>
-        </p:style>
-        <p:txBody>
-          <a:bodyPr rtlCol="0" anchor="ctr"/>
-          <a:lstStyle/>
-          <a:p>
-            <a:pPr algn="ctr"/>
-            <a:endParaRPr lang="it-IT" dirty="0"/>
-          </a:p>
-        </p:txBody>
-      </p:sp>
-      <p:sp>
-        <p:nvSpPr>
-          <p:cNvPr id="25" name="TextBox 24">
-            <a:extLst>
-              <a:ext uri="{FF2B5EF4-FFF2-40B4-BE49-F238E27FC236}">
-                <a16:creationId xmlns:a16="http://schemas.microsoft.com/office/drawing/2014/main" id="{593CE99E-3511-1807-B78B-B5EBFFCCBF09}"/>
-              </a:ext>
-            </a:extLst>
-          </p:cNvPr>
-          <p:cNvSpPr txBox="1"/>
-          <p:nvPr/>
-        </p:nvSpPr>
-        <p:spPr>
-          <a:xfrm>
-            <a:off x="348018" y="5233916"/>
-            <a:ext cx="11559654" cy="646331"/>
-          </a:xfrm>
-          <a:prstGeom prst="rect">
-            <a:avLst/>
-          </a:prstGeom>
-          <a:noFill/>
-        </p:spPr>
-        <p:txBody>
-          <a:bodyPr wrap="square" rtlCol="0">
-            <a:spAutoFit/>
-          </a:bodyPr>
-          <a:lstStyle/>
-          <a:p>
-            <a:r>
-              <a:rPr lang="en-US" dirty="0"/>
-              <a:t>By implementing a time-varying simulation of the cloud positions that create shading on the panels, it will be possible to observe significant changes in power production compared to the previous static variations.</a:t>
-            </a:r>
-            <a:endParaRPr lang="it-IT" dirty="0"/>
-          </a:p>
-        </p:txBody>
-      </p:sp>
     </p:spTree>
     <p:extLst>
       <p:ext uri="{BB962C8B-B14F-4D97-AF65-F5344CB8AC3E}">
-        <p14:creationId xmlns:p14="http://schemas.microsoft.com/office/powerpoint/2010/main" val="3444634075"/>
+        <p14:creationId xmlns:p14="http://schemas.microsoft.com/office/powerpoint/2010/main" val="602783968"/>
       </p:ext>
     </p:extLst>
   </p:cSld>
@@ -10842,7 +11002,7 @@
           <p:cNvPr id="2" name="Title 1">
             <a:extLst>
               <a:ext uri="{FF2B5EF4-FFF2-40B4-BE49-F238E27FC236}">
-                <a16:creationId xmlns:a16="http://schemas.microsoft.com/office/drawing/2014/main" id="{C0C1A6D4-E0E2-258F-B5D2-BEFCEA4BFE29}"/>
+                <a16:creationId xmlns:a16="http://schemas.microsoft.com/office/drawing/2014/main" id="{5A6BCFC5-C79A-9352-3CF2-E738253C4103}"/>
               </a:ext>
             </a:extLst>
           </p:cNvPr>
@@ -10859,38 +11019,8 @@
           <a:lstStyle/>
           <a:p>
             <a:r>
-              <a:rPr lang="it-IT" dirty="0"/>
-              <a:t>I-V Curve for the PV</a:t>
-            </a:r>
-          </a:p>
-        </p:txBody>
-      </p:sp>
-      <p:sp>
-        <p:nvSpPr>
-          <p:cNvPr id="5" name="Text Placeholder 4">
-            <a:extLst>
-              <a:ext uri="{FF2B5EF4-FFF2-40B4-BE49-F238E27FC236}">
-                <a16:creationId xmlns:a16="http://schemas.microsoft.com/office/drawing/2014/main" id="{16145E4B-3CF8-D0D0-7C49-97AB03DF10D3}"/>
-              </a:ext>
-            </a:extLst>
-          </p:cNvPr>
-          <p:cNvSpPr>
-            <a:spLocks noGrp="1"/>
-          </p:cNvSpPr>
-          <p:nvPr>
-            <p:ph type="body" sz="half" idx="2"/>
-          </p:nvPr>
-        </p:nvSpPr>
-        <p:spPr/>
-        <p:txBody>
-          <a:bodyPr>
-            <a:normAutofit fontScale="85000" lnSpcReduction="20000"/>
-          </a:bodyPr>
-          <a:lstStyle/>
-          <a:p>
-            <a:r>
-              <a:rPr lang="en-US" dirty="0"/>
-              <a:t>The I-V (current-voltage) curve is a graphical representation that shows the relationship between the current and voltage outputs of a solar panel or any electronic device. It provides valuable information about the panel's performance, efficiency, and power generation capabilities.</a:t>
+              <a:rPr lang="en-US" sz="4000" dirty="0"/>
+              <a:t>Shadow zone creator - 2</a:t>
             </a:r>
             <a:endParaRPr lang="it-IT" dirty="0"/>
           </a:p>
@@ -10898,10 +11028,10 @@
       </p:sp>
       <p:pic>
         <p:nvPicPr>
-          <p:cNvPr id="13" name="Picture 12">
-            <a:extLst>
-              <a:ext uri="{FF2B5EF4-FFF2-40B4-BE49-F238E27FC236}">
-                <a16:creationId xmlns:a16="http://schemas.microsoft.com/office/drawing/2014/main" id="{5804D2A8-4A8E-9406-BA2D-B40A64A51AEA}"/>
+          <p:cNvPr id="14" name="Picture 13" descr="A diagram of solar panels&#10;&#10;Description automatically generated with medium confidence">
+            <a:extLst>
+              <a:ext uri="{FF2B5EF4-FFF2-40B4-BE49-F238E27FC236}">
+                <a16:creationId xmlns:a16="http://schemas.microsoft.com/office/drawing/2014/main" id="{E1DB1926-FF91-94B2-0864-0B75FACA7AD6}"/>
               </a:ext>
             </a:extLst>
           </p:cNvPr>
@@ -10918,77 +11048,306 @@
               </a:ext>
             </a:extLst>
           </a:blip>
-          <a:srcRect t="311" b="311"/>
-          <a:stretch/>
+          <a:stretch>
+            <a:fillRect/>
+          </a:stretch>
         </p:blipFill>
         <p:spPr>
           <a:xfrm>
-            <a:off x="4801098" y="988383"/>
-            <a:ext cx="6522222" cy="4862945"/>
+            <a:off x="0" y="2111033"/>
+            <a:ext cx="2967649" cy="2886502"/>
           </a:xfrm>
           <a:prstGeom prst="rect">
             <a:avLst/>
           </a:prstGeom>
         </p:spPr>
       </p:pic>
-      <p:sp>
-        <p:nvSpPr>
-          <p:cNvPr id="14" name="Titolo 1">
-            <a:extLst>
-              <a:ext uri="{FF2B5EF4-FFF2-40B4-BE49-F238E27FC236}">
-                <a16:creationId xmlns:a16="http://schemas.microsoft.com/office/drawing/2014/main" id="{7FDBCCB5-F0AF-580B-2F09-898B232B7B66}"/>
-              </a:ext>
-            </a:extLst>
-          </p:cNvPr>
-          <p:cNvSpPr txBox="1">
-            <a:spLocks/>
-          </p:cNvSpPr>
+      <p:pic>
+        <p:nvPicPr>
+          <p:cNvPr id="16" name="Picture 15" descr="A diagram of solar panels&#10;&#10;Description automatically generated with medium confidence">
+            <a:extLst>
+              <a:ext uri="{FF2B5EF4-FFF2-40B4-BE49-F238E27FC236}">
+                <a16:creationId xmlns:a16="http://schemas.microsoft.com/office/drawing/2014/main" id="{F6DB669A-232F-5D7A-9530-4D40FB836974}"/>
+              </a:ext>
+            </a:extLst>
+          </p:cNvPr>
+          <p:cNvPicPr>
+            <a:picLocks noChangeAspect="1"/>
+          </p:cNvPicPr>
           <p:nvPr/>
-        </p:nvSpPr>
-        <p:spPr>
-          <a:xfrm>
-            <a:off x="616804" y="249382"/>
-            <a:ext cx="10996076" cy="623454"/>
+        </p:nvPicPr>
+        <p:blipFill>
+          <a:blip r:embed="rId3">
+            <a:extLst>
+              <a:ext uri="{28A0092B-C50C-407E-A947-70E740481C1C}">
+                <a14:useLocalDpi xmlns:a14="http://schemas.microsoft.com/office/drawing/2010/main" val="0"/>
+              </a:ext>
+            </a:extLst>
+          </a:blip>
+          <a:stretch>
+            <a:fillRect/>
+          </a:stretch>
+        </p:blipFill>
+        <p:spPr>
+          <a:xfrm>
+            <a:off x="3746491" y="2134917"/>
+            <a:ext cx="2297926" cy="2886502"/>
           </a:xfrm>
           <a:prstGeom prst="rect">
             <a:avLst/>
           </a:prstGeom>
         </p:spPr>
-        <p:txBody>
-          <a:bodyPr lIns="91440" tIns="45720" rIns="91440" bIns="45720" anchor="t">
-            <a:normAutofit/>
+      </p:pic>
+      <p:pic>
+        <p:nvPicPr>
+          <p:cNvPr id="18" name="Picture 17" descr="A diagram of solar panels&#10;&#10;Description automatically generated with medium confidence">
+            <a:extLst>
+              <a:ext uri="{FF2B5EF4-FFF2-40B4-BE49-F238E27FC236}">
+                <a16:creationId xmlns:a16="http://schemas.microsoft.com/office/drawing/2014/main" id="{4EE665DB-7EBA-5225-2C97-C995E625349A}"/>
+              </a:ext>
+            </a:extLst>
+          </p:cNvPr>
+          <p:cNvPicPr>
+            <a:picLocks noChangeAspect="1"/>
+          </p:cNvPicPr>
+          <p:nvPr/>
+        </p:nvPicPr>
+        <p:blipFill>
+          <a:blip r:embed="rId4">
+            <a:extLst>
+              <a:ext uri="{28A0092B-C50C-407E-A947-70E740481C1C}">
+                <a14:useLocalDpi xmlns:a14="http://schemas.microsoft.com/office/drawing/2010/main" val="0"/>
+              </a:ext>
+            </a:extLst>
+          </a:blip>
+          <a:stretch>
+            <a:fillRect/>
+          </a:stretch>
+        </p:blipFill>
+        <p:spPr>
+          <a:xfrm>
+            <a:off x="7145665" y="2134917"/>
+            <a:ext cx="2277640" cy="2838734"/>
+          </a:xfrm>
+          <a:prstGeom prst="rect">
+            <a:avLst/>
+          </a:prstGeom>
+        </p:spPr>
+      </p:pic>
+      <p:pic>
+        <p:nvPicPr>
+          <p:cNvPr id="20" name="Picture 19" descr="A picture containing square, pattern&#10;&#10;Description automatically generated">
+            <a:extLst>
+              <a:ext uri="{FF2B5EF4-FFF2-40B4-BE49-F238E27FC236}">
+                <a16:creationId xmlns:a16="http://schemas.microsoft.com/office/drawing/2014/main" id="{28D0FDF8-4C4C-5DB3-BBCB-F4A7906FA01C}"/>
+              </a:ext>
+            </a:extLst>
+          </p:cNvPr>
+          <p:cNvPicPr>
+            <a:picLocks noChangeAspect="1"/>
+          </p:cNvPicPr>
+          <p:nvPr/>
+        </p:nvPicPr>
+        <p:blipFill>
+          <a:blip r:embed="rId5">
+            <a:extLst>
+              <a:ext uri="{28A0092B-C50C-407E-A947-70E740481C1C}">
+                <a14:useLocalDpi xmlns:a14="http://schemas.microsoft.com/office/drawing/2010/main" val="0"/>
+              </a:ext>
+            </a:extLst>
+          </a:blip>
+          <a:stretch>
+            <a:fillRect/>
+          </a:stretch>
+        </p:blipFill>
+        <p:spPr>
+          <a:xfrm>
+            <a:off x="9909588" y="2322574"/>
+            <a:ext cx="2282412" cy="2651077"/>
+          </a:xfrm>
+          <a:prstGeom prst="rect">
+            <a:avLst/>
+          </a:prstGeom>
+        </p:spPr>
+      </p:pic>
+      <p:sp>
+        <p:nvSpPr>
+          <p:cNvPr id="21" name="Arrow: Right 20">
+            <a:extLst>
+              <a:ext uri="{FF2B5EF4-FFF2-40B4-BE49-F238E27FC236}">
+                <a16:creationId xmlns:a16="http://schemas.microsoft.com/office/drawing/2014/main" id="{057D49ED-D6AC-D5D7-E8DF-BA1AA3800C88}"/>
+              </a:ext>
+            </a:extLst>
+          </p:cNvPr>
+          <p:cNvSpPr/>
+          <p:nvPr/>
+        </p:nvSpPr>
+        <p:spPr>
+          <a:xfrm>
+            <a:off x="3239917" y="3386261"/>
+            <a:ext cx="914336" cy="523702"/>
+          </a:xfrm>
+          <a:prstGeom prst="rightArrow">
+            <a:avLst/>
+          </a:prstGeom>
+        </p:spPr>
+        <p:style>
+          <a:lnRef idx="2">
+            <a:schemeClr val="dk1">
+              <a:shade val="50000"/>
+            </a:schemeClr>
+          </a:lnRef>
+          <a:fillRef idx="1">
+            <a:schemeClr val="dk1"/>
+          </a:fillRef>
+          <a:effectRef idx="0">
+            <a:schemeClr val="dk1"/>
+          </a:effectRef>
+          <a:fontRef idx="minor">
+            <a:schemeClr val="lt1"/>
+          </a:fontRef>
+        </p:style>
+        <p:txBody>
+          <a:bodyPr rtlCol="0" anchor="ctr"/>
+          <a:lstStyle/>
+          <a:p>
+            <a:pPr algn="ctr"/>
+            <a:endParaRPr lang="it-IT" dirty="0"/>
+          </a:p>
+        </p:txBody>
+      </p:sp>
+      <p:sp>
+        <p:nvSpPr>
+          <p:cNvPr id="23" name="Arrow: Right 22">
+            <a:extLst>
+              <a:ext uri="{FF2B5EF4-FFF2-40B4-BE49-F238E27FC236}">
+                <a16:creationId xmlns:a16="http://schemas.microsoft.com/office/drawing/2014/main" id="{C724F22C-5CE6-C694-05C3-AD3A46D6537E}"/>
+              </a:ext>
+            </a:extLst>
+          </p:cNvPr>
+          <p:cNvSpPr/>
+          <p:nvPr/>
+        </p:nvSpPr>
+        <p:spPr>
+          <a:xfrm>
+            <a:off x="6172517" y="3386261"/>
+            <a:ext cx="914336" cy="523702"/>
+          </a:xfrm>
+          <a:prstGeom prst="rightArrow">
+            <a:avLst/>
+          </a:prstGeom>
+        </p:spPr>
+        <p:style>
+          <a:lnRef idx="2">
+            <a:schemeClr val="dk1">
+              <a:shade val="50000"/>
+            </a:schemeClr>
+          </a:lnRef>
+          <a:fillRef idx="1">
+            <a:schemeClr val="dk1"/>
+          </a:fillRef>
+          <a:effectRef idx="0">
+            <a:schemeClr val="dk1"/>
+          </a:effectRef>
+          <a:fontRef idx="minor">
+            <a:schemeClr val="lt1"/>
+          </a:fontRef>
+        </p:style>
+        <p:txBody>
+          <a:bodyPr rtlCol="0" anchor="ctr"/>
+          <a:lstStyle/>
+          <a:p>
+            <a:pPr algn="ctr"/>
+            <a:endParaRPr lang="it-IT" dirty="0"/>
+          </a:p>
+        </p:txBody>
+      </p:sp>
+      <p:sp>
+        <p:nvSpPr>
+          <p:cNvPr id="24" name="Arrow: Right 23">
+            <a:extLst>
+              <a:ext uri="{FF2B5EF4-FFF2-40B4-BE49-F238E27FC236}">
+                <a16:creationId xmlns:a16="http://schemas.microsoft.com/office/drawing/2014/main" id="{337B93C7-7837-71DF-D431-D239DD574A98}"/>
+              </a:ext>
+            </a:extLst>
+          </p:cNvPr>
+          <p:cNvSpPr/>
+          <p:nvPr/>
+        </p:nvSpPr>
+        <p:spPr>
+          <a:xfrm>
+            <a:off x="8966137" y="3386261"/>
+            <a:ext cx="914336" cy="523702"/>
+          </a:xfrm>
+          <a:prstGeom prst="rightArrow">
+            <a:avLst/>
+          </a:prstGeom>
+        </p:spPr>
+        <p:style>
+          <a:lnRef idx="2">
+            <a:schemeClr val="dk1">
+              <a:shade val="50000"/>
+            </a:schemeClr>
+          </a:lnRef>
+          <a:fillRef idx="1">
+            <a:schemeClr val="dk1"/>
+          </a:fillRef>
+          <a:effectRef idx="0">
+            <a:schemeClr val="dk1"/>
+          </a:effectRef>
+          <a:fontRef idx="minor">
+            <a:schemeClr val="lt1"/>
+          </a:fontRef>
+        </p:style>
+        <p:txBody>
+          <a:bodyPr rtlCol="0" anchor="ctr"/>
+          <a:lstStyle/>
+          <a:p>
+            <a:pPr algn="ctr"/>
+            <a:endParaRPr lang="it-IT" dirty="0"/>
+          </a:p>
+        </p:txBody>
+      </p:sp>
+      <p:sp>
+        <p:nvSpPr>
+          <p:cNvPr id="25" name="TextBox 24">
+            <a:extLst>
+              <a:ext uri="{FF2B5EF4-FFF2-40B4-BE49-F238E27FC236}">
+                <a16:creationId xmlns:a16="http://schemas.microsoft.com/office/drawing/2014/main" id="{593CE99E-3511-1807-B78B-B5EBFFCCBF09}"/>
+              </a:ext>
+            </a:extLst>
+          </p:cNvPr>
+          <p:cNvSpPr txBox="1"/>
+          <p:nvPr/>
+        </p:nvSpPr>
+        <p:spPr>
+          <a:xfrm>
+            <a:off x="348018" y="5233916"/>
+            <a:ext cx="11559654" cy="646331"/>
+          </a:xfrm>
+          <a:prstGeom prst="rect">
+            <a:avLst/>
+          </a:prstGeom>
+          <a:noFill/>
+        </p:spPr>
+        <p:txBody>
+          <a:bodyPr wrap="square" rtlCol="0">
+            <a:spAutoFit/>
           </a:bodyPr>
-          <a:lstStyle>
-            <a:lvl1pPr algn="l" defTabSz="914400" rtl="0" eaLnBrk="1" latinLnBrk="0" hangingPunct="1">
-              <a:lnSpc>
-                <a:spcPct val="100000"/>
-              </a:lnSpc>
-              <a:spcBef>
-                <a:spcPct val="0"/>
-              </a:spcBef>
-              <a:buNone/>
-              <a:defRPr sz="3400" b="1" kern="1200">
-                <a:solidFill>
-                  <a:schemeClr val="tx1"/>
-                </a:solidFill>
-                <a:latin typeface="+mj-lt"/>
-                <a:ea typeface="+mj-ea"/>
-                <a:cs typeface="+mj-cs"/>
-              </a:defRPr>
-            </a:lvl1pPr>
-          </a:lstStyle>
+          <a:lstStyle/>
           <a:p>
             <a:r>
-              <a:rPr lang="it-IT" dirty="0"/>
-              <a:t>Results without Shadow - 1</a:t>
+              <a:rPr lang="en-US" dirty="0"/>
+              <a:t>By implementing a time-varying simulation of the cloud positions that create shading on the panels, it will be possible to observe significant changes in power production compared to the previous static variations.</a:t>
             </a:r>
+            <a:endParaRPr lang="it-IT" dirty="0"/>
           </a:p>
         </p:txBody>
       </p:sp>
     </p:spTree>
     <p:extLst>
       <p:ext uri="{BB962C8B-B14F-4D97-AF65-F5344CB8AC3E}">
-        <p14:creationId xmlns:p14="http://schemas.microsoft.com/office/powerpoint/2010/main" val="1539801563"/>
+        <p14:creationId xmlns:p14="http://schemas.microsoft.com/office/powerpoint/2010/main" val="3444634075"/>
       </p:ext>
     </p:extLst>
   </p:cSld>
@@ -11032,7 +11391,7 @@
           <p:cNvPr id="2" name="Title 1">
             <a:extLst>
               <a:ext uri="{FF2B5EF4-FFF2-40B4-BE49-F238E27FC236}">
-                <a16:creationId xmlns:a16="http://schemas.microsoft.com/office/drawing/2014/main" id="{D76A055C-76FC-6350-F961-8BD0E9393EA8}"/>
+                <a16:creationId xmlns:a16="http://schemas.microsoft.com/office/drawing/2014/main" id="{C0C1A6D4-E0E2-258F-B5D2-BEFCEA4BFE29}"/>
               </a:ext>
             </a:extLst>
           </p:cNvPr>
@@ -11050,24 +11409,17 @@
           <a:p>
             <a:r>
               <a:rPr lang="it-IT" dirty="0"/>
-              <a:t>The Series </a:t>
+              <a:t>I-V Curve for the PV</a:t>
             </a:r>
-            <a:br>
-              <a:rPr lang="it-IT" dirty="0"/>
-            </a:br>
-            <a:r>
-              <a:rPr lang="it-IT" dirty="0"/>
-              <a:t>I-V Curve</a:t>
-            </a:r>
-          </a:p>
-        </p:txBody>
-      </p:sp>
-      <p:sp>
-        <p:nvSpPr>
-          <p:cNvPr id="11" name="Text Placeholder 10">
-            <a:extLst>
-              <a:ext uri="{FF2B5EF4-FFF2-40B4-BE49-F238E27FC236}">
-                <a16:creationId xmlns:a16="http://schemas.microsoft.com/office/drawing/2014/main" id="{0498C140-7BC8-AB23-BB2A-D69FE20058B4}"/>
+          </a:p>
+        </p:txBody>
+      </p:sp>
+      <p:sp>
+        <p:nvSpPr>
+          <p:cNvPr id="5" name="Text Placeholder 4">
+            <a:extLst>
+              <a:ext uri="{FF2B5EF4-FFF2-40B4-BE49-F238E27FC236}">
+                <a16:creationId xmlns:a16="http://schemas.microsoft.com/office/drawing/2014/main" id="{16145E4B-3CF8-D0D0-7C49-97AB03DF10D3}"/>
               </a:ext>
             </a:extLst>
           </p:cNvPr>
@@ -11081,24 +11433,59 @@
         <p:spPr/>
         <p:txBody>
           <a:bodyPr>
-            <a:normAutofit fontScale="77500" lnSpcReduction="20000"/>
+            <a:normAutofit fontScale="85000" lnSpcReduction="20000"/>
           </a:bodyPr>
           <a:lstStyle/>
           <a:p>
             <a:r>
               <a:rPr lang="en-US" dirty="0"/>
-              <a:t>The I-V (current-voltage) curve for a series of PV (photovoltaic) panels represents the relationship between the current and voltage outputs when multiple panels are connected in a series configuration. It helps assess the combined performance and power generation of the interconnected panels.</a:t>
+              <a:t>The I-V (current-voltage) curve is a graphical representation that shows the relationship between the current and voltage outputs of a solar panel or any electronic device. It provides valuable information about the panel's performance, efficiency, and power generation capabilities.</a:t>
             </a:r>
             <a:endParaRPr lang="it-IT" dirty="0"/>
           </a:p>
         </p:txBody>
       </p:sp>
-      <p:sp>
-        <p:nvSpPr>
-          <p:cNvPr id="4" name="Titolo 1">
-            <a:extLst>
-              <a:ext uri="{FF2B5EF4-FFF2-40B4-BE49-F238E27FC236}">
-                <a16:creationId xmlns:a16="http://schemas.microsoft.com/office/drawing/2014/main" id="{FFA46C98-8E79-DAFE-EFEA-761E6D599A44}"/>
+      <p:pic>
+        <p:nvPicPr>
+          <p:cNvPr id="13" name="Picture 12">
+            <a:extLst>
+              <a:ext uri="{FF2B5EF4-FFF2-40B4-BE49-F238E27FC236}">
+                <a16:creationId xmlns:a16="http://schemas.microsoft.com/office/drawing/2014/main" id="{5804D2A8-4A8E-9406-BA2D-B40A64A51AEA}"/>
+              </a:ext>
+            </a:extLst>
+          </p:cNvPr>
+          <p:cNvPicPr>
+            <a:picLocks noChangeAspect="1"/>
+          </p:cNvPicPr>
+          <p:nvPr/>
+        </p:nvPicPr>
+        <p:blipFill>
+          <a:blip r:embed="rId2">
+            <a:extLst>
+              <a:ext uri="{28A0092B-C50C-407E-A947-70E740481C1C}">
+                <a14:useLocalDpi xmlns:a14="http://schemas.microsoft.com/office/drawing/2010/main" val="0"/>
+              </a:ext>
+            </a:extLst>
+          </a:blip>
+          <a:srcRect t="311" b="311"/>
+          <a:stretch/>
+        </p:blipFill>
+        <p:spPr>
+          <a:xfrm>
+            <a:off x="4801098" y="988383"/>
+            <a:ext cx="6522222" cy="4862945"/>
+          </a:xfrm>
+          <a:prstGeom prst="rect">
+            <a:avLst/>
+          </a:prstGeom>
+        </p:spPr>
+      </p:pic>
+      <p:sp>
+        <p:nvSpPr>
+          <p:cNvPr id="14" name="Titolo 1">
+            <a:extLst>
+              <a:ext uri="{FF2B5EF4-FFF2-40B4-BE49-F238E27FC236}">
+                <a16:creationId xmlns:a16="http://schemas.microsoft.com/office/drawing/2014/main" id="{7FDBCCB5-F0AF-580B-2F09-898B232B7B66}"/>
               </a:ext>
             </a:extLst>
           </p:cNvPr>
@@ -11142,51 +11529,15 @@
           <a:p>
             <a:r>
               <a:rPr lang="it-IT" dirty="0"/>
-              <a:t>Results without Shadow - 2</a:t>
+              <a:t>Results without Shadow - 1</a:t>
             </a:r>
           </a:p>
         </p:txBody>
       </p:sp>
-      <p:pic>
-        <p:nvPicPr>
-          <p:cNvPr id="7" name="Picture 6" descr="A picture containing text, diagram, line, plot&#10;&#10;Description automatically generated">
-            <a:extLst>
-              <a:ext uri="{FF2B5EF4-FFF2-40B4-BE49-F238E27FC236}">
-                <a16:creationId xmlns:a16="http://schemas.microsoft.com/office/drawing/2014/main" id="{FDFEA6B0-193D-4155-D31D-0D420FDE31A9}"/>
-              </a:ext>
-            </a:extLst>
-          </p:cNvPr>
-          <p:cNvPicPr>
-            <a:picLocks noChangeAspect="1"/>
-          </p:cNvPicPr>
-          <p:nvPr/>
-        </p:nvPicPr>
-        <p:blipFill>
-          <a:blip r:embed="rId2">
-            <a:extLst>
-              <a:ext uri="{28A0092B-C50C-407E-A947-70E740481C1C}">
-                <a14:useLocalDpi xmlns:a14="http://schemas.microsoft.com/office/drawing/2010/main" val="0"/>
-              </a:ext>
-            </a:extLst>
-          </a:blip>
-          <a:stretch>
-            <a:fillRect/>
-          </a:stretch>
-        </p:blipFill>
-        <p:spPr>
-          <a:xfrm>
-            <a:off x="4475733" y="1045537"/>
-            <a:ext cx="7137147" cy="5318910"/>
-          </a:xfrm>
-          <a:prstGeom prst="rect">
-            <a:avLst/>
-          </a:prstGeom>
-        </p:spPr>
-      </p:pic>
     </p:spTree>
     <p:extLst>
       <p:ext uri="{BB962C8B-B14F-4D97-AF65-F5344CB8AC3E}">
-        <p14:creationId xmlns:p14="http://schemas.microsoft.com/office/powerpoint/2010/main" val="935037914"/>
+        <p14:creationId xmlns:p14="http://schemas.microsoft.com/office/powerpoint/2010/main" val="1539801563"/>
       </p:ext>
     </p:extLst>
   </p:cSld>
@@ -11248,14 +11599,14 @@
           <a:p>
             <a:r>
               <a:rPr lang="it-IT" dirty="0"/>
-              <a:t>The Parallel </a:t>
+              <a:t>The Series </a:t>
             </a:r>
             <a:br>
               <a:rPr lang="it-IT" dirty="0"/>
             </a:br>
             <a:r>
               <a:rPr lang="it-IT" dirty="0"/>
-              <a:t>Power curve</a:t>
+              <a:t>I-V Curve</a:t>
             </a:r>
           </a:p>
         </p:txBody>
@@ -11285,47 +11636,18 @@
           <a:p>
             <a:r>
               <a:rPr lang="en-US" dirty="0"/>
-              <a:t>A parallel configuration of PV (photovoltaic) panels involves connecting multiple panels side by side, with their positive terminals connected together and negative terminals connected together. This setup increases the overall current output while maintaining the same voltage level, resulting in higher power generation capacity.</a:t>
+              <a:t>The I-V (current-voltage) curve for a series of PV (photovoltaic) panels represents the relationship between the current and voltage outputs when multiple panels are connected in a series configuration. It helps assess the combined performance and power generation of the interconnected panels.</a:t>
             </a:r>
             <a:endParaRPr lang="it-IT" dirty="0"/>
           </a:p>
         </p:txBody>
       </p:sp>
-      <p:pic>
-        <p:nvPicPr>
-          <p:cNvPr id="7" name="Picture Placeholder 6">
-            <a:extLst>
-              <a:ext uri="{FF2B5EF4-FFF2-40B4-BE49-F238E27FC236}">
-                <a16:creationId xmlns:a16="http://schemas.microsoft.com/office/drawing/2014/main" id="{DC9040EC-9B0D-F20A-1EE2-897E9466E517}"/>
-              </a:ext>
-            </a:extLst>
-          </p:cNvPr>
-          <p:cNvPicPr>
-            <a:picLocks noGrp="1" noChangeAspect="1"/>
-          </p:cNvPicPr>
-          <p:nvPr>
-            <p:ph type="pic" idx="1"/>
-          </p:nvPr>
-        </p:nvPicPr>
-        <p:blipFill>
-          <a:blip r:embed="rId2">
-            <a:extLst>
-              <a:ext uri="{28A0092B-C50C-407E-A947-70E740481C1C}">
-                <a14:useLocalDpi xmlns:a14="http://schemas.microsoft.com/office/drawing/2010/main" val="0"/>
-              </a:ext>
-            </a:extLst>
-          </a:blip>
-          <a:srcRect t="1420" b="1420"/>
-          <a:stretch/>
-        </p:blipFill>
-        <p:spPr/>
-      </p:pic>
-      <p:sp>
-        <p:nvSpPr>
-          <p:cNvPr id="3" name="Titolo 1">
-            <a:extLst>
-              <a:ext uri="{FF2B5EF4-FFF2-40B4-BE49-F238E27FC236}">
-                <a16:creationId xmlns:a16="http://schemas.microsoft.com/office/drawing/2014/main" id="{894DEC22-82C4-39CE-2ED7-76DCA11066CA}"/>
+      <p:sp>
+        <p:nvSpPr>
+          <p:cNvPr id="4" name="Titolo 1">
+            <a:extLst>
+              <a:ext uri="{FF2B5EF4-FFF2-40B4-BE49-F238E27FC236}">
+                <a16:creationId xmlns:a16="http://schemas.microsoft.com/office/drawing/2014/main" id="{FFA46C98-8E79-DAFE-EFEA-761E6D599A44}"/>
               </a:ext>
             </a:extLst>
           </p:cNvPr>
@@ -11369,62 +11691,51 @@
           <a:p>
             <a:r>
               <a:rPr lang="it-IT" dirty="0"/>
-              <a:t>Results without Shadow - 3</a:t>
+              <a:t>Results without Shadow - 2</a:t>
             </a:r>
           </a:p>
         </p:txBody>
       </p:sp>
-      <p:sp>
-        <p:nvSpPr>
-          <p:cNvPr id="4" name="Oval 3">
-            <a:extLst>
-              <a:ext uri="{FF2B5EF4-FFF2-40B4-BE49-F238E27FC236}">
-                <a16:creationId xmlns:a16="http://schemas.microsoft.com/office/drawing/2014/main" id="{78E2571A-B5F3-C198-21C9-94757DB5E499}"/>
-              </a:ext>
-            </a:extLst>
-          </p:cNvPr>
-          <p:cNvSpPr/>
+      <p:pic>
+        <p:nvPicPr>
+          <p:cNvPr id="7" name="Picture 6" descr="A picture containing text, diagram, line, plot&#10;&#10;Description automatically generated">
+            <a:extLst>
+              <a:ext uri="{FF2B5EF4-FFF2-40B4-BE49-F238E27FC236}">
+                <a16:creationId xmlns:a16="http://schemas.microsoft.com/office/drawing/2014/main" id="{FDFEA6B0-193D-4155-D31D-0D420FDE31A9}"/>
+              </a:ext>
+            </a:extLst>
+          </p:cNvPr>
+          <p:cNvPicPr>
+            <a:picLocks noChangeAspect="1"/>
+          </p:cNvPicPr>
           <p:nvPr/>
-        </p:nvSpPr>
-        <p:spPr>
-          <a:xfrm>
-            <a:off x="6838122" y="4803913"/>
-            <a:ext cx="483704" cy="450574"/>
-          </a:xfrm>
-          <a:prstGeom prst="ellipse">
+        </p:nvPicPr>
+        <p:blipFill>
+          <a:blip r:embed="rId2">
+            <a:extLst>
+              <a:ext uri="{28A0092B-C50C-407E-A947-70E740481C1C}">
+                <a14:useLocalDpi xmlns:a14="http://schemas.microsoft.com/office/drawing/2010/main" val="0"/>
+              </a:ext>
+            </a:extLst>
+          </a:blip>
+          <a:stretch>
+            <a:fillRect/>
+          </a:stretch>
+        </p:blipFill>
+        <p:spPr>
+          <a:xfrm>
+            <a:off x="4475733" y="1045537"/>
+            <a:ext cx="7137147" cy="5318910"/>
+          </a:xfrm>
+          <a:prstGeom prst="rect">
             <a:avLst/>
           </a:prstGeom>
-          <a:noFill/>
-        </p:spPr>
-        <p:style>
-          <a:lnRef idx="2">
-            <a:schemeClr val="accent1">
-              <a:shade val="50000"/>
-            </a:schemeClr>
-          </a:lnRef>
-          <a:fillRef idx="1">
-            <a:schemeClr val="accent1"/>
-          </a:fillRef>
-          <a:effectRef idx="0">
-            <a:schemeClr val="accent1"/>
-          </a:effectRef>
-          <a:fontRef idx="minor">
-            <a:schemeClr val="lt1"/>
-          </a:fontRef>
-        </p:style>
-        <p:txBody>
-          <a:bodyPr rtlCol="0" anchor="ctr"/>
-          <a:lstStyle/>
-          <a:p>
-            <a:pPr algn="ctr"/>
-            <a:endParaRPr lang="it-IT"/>
-          </a:p>
-        </p:txBody>
-      </p:sp>
+        </p:spPr>
+      </p:pic>
     </p:spTree>
     <p:extLst>
       <p:ext uri="{BB962C8B-B14F-4D97-AF65-F5344CB8AC3E}">
-        <p14:creationId xmlns:p14="http://schemas.microsoft.com/office/powerpoint/2010/main" val="2065435327"/>
+        <p14:creationId xmlns:p14="http://schemas.microsoft.com/office/powerpoint/2010/main" val="935037914"/>
       </p:ext>
     </p:extLst>
   </p:cSld>
@@ -11486,7 +11797,14 @@
           <a:p>
             <a:r>
               <a:rPr lang="it-IT" dirty="0"/>
-              <a:t>The P-V curve for the critical points</a:t>
+              <a:t>The Parallel </a:t>
+            </a:r>
+            <a:br>
+              <a:rPr lang="it-IT" dirty="0"/>
+            </a:br>
+            <a:r>
+              <a:rPr lang="it-IT" dirty="0"/>
+              <a:t>Power curve</a:t>
             </a:r>
           </a:p>
         </p:txBody>
@@ -11510,18 +11828,47 @@
         <p:spPr/>
         <p:txBody>
           <a:bodyPr>
-            <a:normAutofit/>
+            <a:normAutofit fontScale="77500" lnSpcReduction="20000"/>
           </a:bodyPr>
           <a:lstStyle/>
           <a:p>
             <a:r>
               <a:rPr lang="en-US" dirty="0"/>
-              <a:t>At every hour, optimization is calculated, and therefore we can also construct the individual P-V curve for each optimization to display the chosen peak.</a:t>
+              <a:t>A parallel configuration of PV (photovoltaic) panels involves connecting multiple panels side by side, with their positive terminals connected together and negative terminals connected together. This setup increases the overall current output while maintaining the same voltage level, resulting in higher power generation capacity.</a:t>
             </a:r>
             <a:endParaRPr lang="it-IT" dirty="0"/>
           </a:p>
         </p:txBody>
       </p:sp>
+      <p:pic>
+        <p:nvPicPr>
+          <p:cNvPr id="7" name="Picture Placeholder 6">
+            <a:extLst>
+              <a:ext uri="{FF2B5EF4-FFF2-40B4-BE49-F238E27FC236}">
+                <a16:creationId xmlns:a16="http://schemas.microsoft.com/office/drawing/2014/main" id="{DC9040EC-9B0D-F20A-1EE2-897E9466E517}"/>
+              </a:ext>
+            </a:extLst>
+          </p:cNvPr>
+          <p:cNvPicPr>
+            <a:picLocks noGrp="1" noChangeAspect="1"/>
+          </p:cNvPicPr>
+          <p:nvPr>
+            <p:ph type="pic" idx="1"/>
+          </p:nvPr>
+        </p:nvPicPr>
+        <p:blipFill>
+          <a:blip r:embed="rId2">
+            <a:extLst>
+              <a:ext uri="{28A0092B-C50C-407E-A947-70E740481C1C}">
+                <a14:useLocalDpi xmlns:a14="http://schemas.microsoft.com/office/drawing/2010/main" val="0"/>
+              </a:ext>
+            </a:extLst>
+          </a:blip>
+          <a:srcRect t="1420" b="1420"/>
+          <a:stretch/>
+        </p:blipFill>
+        <p:spPr/>
+      </p:pic>
       <p:sp>
         <p:nvSpPr>
           <p:cNvPr id="3" name="Titolo 1">
@@ -11571,48 +11918,17 @@
           <a:p>
             <a:r>
               <a:rPr lang="it-IT" dirty="0"/>
-              <a:t>Results without Shadow - 4</a:t>
+              <a:t>Results without Shadow - 3</a:t>
             </a:r>
           </a:p>
         </p:txBody>
       </p:sp>
-      <p:pic>
-        <p:nvPicPr>
-          <p:cNvPr id="9" name="Picture Placeholder 8" descr="A picture containing text, line, plot, diagram&#10;&#10;Description automatically generated">
-            <a:extLst>
-              <a:ext uri="{FF2B5EF4-FFF2-40B4-BE49-F238E27FC236}">
-                <a16:creationId xmlns:a16="http://schemas.microsoft.com/office/drawing/2014/main" id="{80326B3B-2AB2-FD30-463A-BE6FCD450BB3}"/>
-              </a:ext>
-            </a:extLst>
-          </p:cNvPr>
-          <p:cNvPicPr>
-            <a:picLocks noGrp="1" noChangeAspect="1"/>
-          </p:cNvPicPr>
-          <p:nvPr>
-            <p:ph type="pic" idx="1"/>
-          </p:nvPr>
-        </p:nvPicPr>
-        <p:blipFill>
-          <a:blip r:embed="rId2">
-            <a:extLst>
-              <a:ext uri="{28A0092B-C50C-407E-A947-70E740481C1C}">
-                <a14:useLocalDpi xmlns:a14="http://schemas.microsoft.com/office/drawing/2010/main" val="0"/>
-              </a:ext>
-            </a:extLst>
-          </a:blip>
-          <a:srcRect t="2996" b="2996"/>
-          <a:stretch>
-            <a:fillRect/>
-          </a:stretch>
-        </p:blipFill>
-        <p:spPr/>
-      </p:pic>
-      <p:sp>
-        <p:nvSpPr>
-          <p:cNvPr id="6" name="Oval 5">
-            <a:extLst>
-              <a:ext uri="{FF2B5EF4-FFF2-40B4-BE49-F238E27FC236}">
-                <a16:creationId xmlns:a16="http://schemas.microsoft.com/office/drawing/2014/main" id="{A53E880D-3C57-9AF7-11C1-D366E7E66C04}"/>
+      <p:sp>
+        <p:nvSpPr>
+          <p:cNvPr id="4" name="Oval 3">
+            <a:extLst>
+              <a:ext uri="{FF2B5EF4-FFF2-40B4-BE49-F238E27FC236}">
+                <a16:creationId xmlns:a16="http://schemas.microsoft.com/office/drawing/2014/main" id="{78E2571A-B5F3-C198-21C9-94757DB5E499}"/>
               </a:ext>
             </a:extLst>
           </p:cNvPr>
@@ -11621,8 +11937,8 @@
         </p:nvSpPr>
         <p:spPr>
           <a:xfrm>
-            <a:off x="5276448" y="639285"/>
-            <a:ext cx="6107472" cy="5689158"/>
+            <a:off x="6838122" y="4803913"/>
+            <a:ext cx="483704" cy="450574"/>
           </a:xfrm>
           <a:prstGeom prst="ellipse">
             <a:avLst/>
@@ -11654,56 +11970,10 @@
           </a:p>
         </p:txBody>
       </p:sp>
-      <p:sp>
-        <p:nvSpPr>
-          <p:cNvPr id="5" name="Star: 5 Points 4">
-            <a:extLst>
-              <a:ext uri="{FF2B5EF4-FFF2-40B4-BE49-F238E27FC236}">
-                <a16:creationId xmlns:a16="http://schemas.microsoft.com/office/drawing/2014/main" id="{F3DAD4F2-9134-204E-81C9-7093D3F80E03}"/>
-              </a:ext>
-            </a:extLst>
-          </p:cNvPr>
-          <p:cNvSpPr/>
-          <p:nvPr/>
-        </p:nvSpPr>
-        <p:spPr>
-          <a:xfrm>
-            <a:off x="10420350" y="1707988"/>
-            <a:ext cx="129540" cy="114300"/>
-          </a:xfrm>
-          <a:prstGeom prst="star5">
-            <a:avLst/>
-          </a:prstGeom>
-        </p:spPr>
-        <p:style>
-          <a:lnRef idx="2">
-            <a:schemeClr val="accent1">
-              <a:shade val="50000"/>
-            </a:schemeClr>
-          </a:lnRef>
-          <a:fillRef idx="1">
-            <a:schemeClr val="accent1"/>
-          </a:fillRef>
-          <a:effectRef idx="0">
-            <a:schemeClr val="accent1"/>
-          </a:effectRef>
-          <a:fontRef idx="minor">
-            <a:schemeClr val="lt1"/>
-          </a:fontRef>
-        </p:style>
-        <p:txBody>
-          <a:bodyPr rtlCol="0" anchor="ctr"/>
-          <a:lstStyle/>
-          <a:p>
-            <a:pPr algn="ctr"/>
-            <a:endParaRPr lang="it-IT"/>
-          </a:p>
-        </p:txBody>
-      </p:sp>
     </p:spTree>
     <p:extLst>
       <p:ext uri="{BB962C8B-B14F-4D97-AF65-F5344CB8AC3E}">
-        <p14:creationId xmlns:p14="http://schemas.microsoft.com/office/powerpoint/2010/main" val="15648013"/>
+        <p14:creationId xmlns:p14="http://schemas.microsoft.com/office/powerpoint/2010/main" val="2065435327"/>
       </p:ext>
     </p:extLst>
   </p:cSld>
@@ -11742,6 +12012,285 @@
           <a:chExt cx="0" cy="0"/>
         </a:xfrm>
       </p:grpSpPr>
+      <p:sp>
+        <p:nvSpPr>
+          <p:cNvPr id="2" name="Title 1">
+            <a:extLst>
+              <a:ext uri="{FF2B5EF4-FFF2-40B4-BE49-F238E27FC236}">
+                <a16:creationId xmlns:a16="http://schemas.microsoft.com/office/drawing/2014/main" id="{D76A055C-76FC-6350-F961-8BD0E9393EA8}"/>
+              </a:ext>
+            </a:extLst>
+          </p:cNvPr>
+          <p:cNvSpPr>
+            <a:spLocks noGrp="1"/>
+          </p:cNvSpPr>
+          <p:nvPr>
+            <p:ph type="title"/>
+          </p:nvPr>
+        </p:nvSpPr>
+        <p:spPr/>
+        <p:txBody>
+          <a:bodyPr/>
+          <a:lstStyle/>
+          <a:p>
+            <a:r>
+              <a:rPr lang="it-IT" dirty="0"/>
+              <a:t>The P-V curve for the critical points</a:t>
+            </a:r>
+          </a:p>
+        </p:txBody>
+      </p:sp>
+      <p:sp>
+        <p:nvSpPr>
+          <p:cNvPr id="11" name="Text Placeholder 10">
+            <a:extLst>
+              <a:ext uri="{FF2B5EF4-FFF2-40B4-BE49-F238E27FC236}">
+                <a16:creationId xmlns:a16="http://schemas.microsoft.com/office/drawing/2014/main" id="{0498C140-7BC8-AB23-BB2A-D69FE20058B4}"/>
+              </a:ext>
+            </a:extLst>
+          </p:cNvPr>
+          <p:cNvSpPr>
+            <a:spLocks noGrp="1"/>
+          </p:cNvSpPr>
+          <p:nvPr>
+            <p:ph type="body" sz="half" idx="2"/>
+          </p:nvPr>
+        </p:nvSpPr>
+        <p:spPr/>
+        <p:txBody>
+          <a:bodyPr>
+            <a:normAutofit/>
+          </a:bodyPr>
+          <a:lstStyle/>
+          <a:p>
+            <a:r>
+              <a:rPr lang="en-US" dirty="0"/>
+              <a:t>At every hour, optimization is calculated, and therefore we can also construct the individual P-V curve for each optimization to display the chosen peak.</a:t>
+            </a:r>
+            <a:endParaRPr lang="it-IT" dirty="0"/>
+          </a:p>
+        </p:txBody>
+      </p:sp>
+      <p:sp>
+        <p:nvSpPr>
+          <p:cNvPr id="3" name="Titolo 1">
+            <a:extLst>
+              <a:ext uri="{FF2B5EF4-FFF2-40B4-BE49-F238E27FC236}">
+                <a16:creationId xmlns:a16="http://schemas.microsoft.com/office/drawing/2014/main" id="{894DEC22-82C4-39CE-2ED7-76DCA11066CA}"/>
+              </a:ext>
+            </a:extLst>
+          </p:cNvPr>
+          <p:cNvSpPr txBox="1">
+            <a:spLocks/>
+          </p:cNvSpPr>
+          <p:nvPr/>
+        </p:nvSpPr>
+        <p:spPr>
+          <a:xfrm>
+            <a:off x="616804" y="249382"/>
+            <a:ext cx="10996076" cy="623454"/>
+          </a:xfrm>
+          <a:prstGeom prst="rect">
+            <a:avLst/>
+          </a:prstGeom>
+        </p:spPr>
+        <p:txBody>
+          <a:bodyPr lIns="91440" tIns="45720" rIns="91440" bIns="45720" anchor="t">
+            <a:normAutofit/>
+          </a:bodyPr>
+          <a:lstStyle>
+            <a:lvl1pPr algn="l" defTabSz="914400" rtl="0" eaLnBrk="1" latinLnBrk="0" hangingPunct="1">
+              <a:lnSpc>
+                <a:spcPct val="100000"/>
+              </a:lnSpc>
+              <a:spcBef>
+                <a:spcPct val="0"/>
+              </a:spcBef>
+              <a:buNone/>
+              <a:defRPr sz="3400" b="1" kern="1200">
+                <a:solidFill>
+                  <a:schemeClr val="tx1"/>
+                </a:solidFill>
+                <a:latin typeface="+mj-lt"/>
+                <a:ea typeface="+mj-ea"/>
+                <a:cs typeface="+mj-cs"/>
+              </a:defRPr>
+            </a:lvl1pPr>
+          </a:lstStyle>
+          <a:p>
+            <a:r>
+              <a:rPr lang="it-IT" dirty="0"/>
+              <a:t>Results without Shadow - 4</a:t>
+            </a:r>
+          </a:p>
+        </p:txBody>
+      </p:sp>
+      <p:pic>
+        <p:nvPicPr>
+          <p:cNvPr id="9" name="Picture Placeholder 8" descr="A picture containing text, line, plot, diagram&#10;&#10;Description automatically generated">
+            <a:extLst>
+              <a:ext uri="{FF2B5EF4-FFF2-40B4-BE49-F238E27FC236}">
+                <a16:creationId xmlns:a16="http://schemas.microsoft.com/office/drawing/2014/main" id="{80326B3B-2AB2-FD30-463A-BE6FCD450BB3}"/>
+              </a:ext>
+            </a:extLst>
+          </p:cNvPr>
+          <p:cNvPicPr>
+            <a:picLocks noGrp="1" noChangeAspect="1"/>
+          </p:cNvPicPr>
+          <p:nvPr>
+            <p:ph type="pic" idx="1"/>
+          </p:nvPr>
+        </p:nvPicPr>
+        <p:blipFill>
+          <a:blip r:embed="rId2">
+            <a:extLst>
+              <a:ext uri="{28A0092B-C50C-407E-A947-70E740481C1C}">
+                <a14:useLocalDpi xmlns:a14="http://schemas.microsoft.com/office/drawing/2010/main" val="0"/>
+              </a:ext>
+            </a:extLst>
+          </a:blip>
+          <a:srcRect t="2996" b="2996"/>
+          <a:stretch>
+            <a:fillRect/>
+          </a:stretch>
+        </p:blipFill>
+        <p:spPr/>
+      </p:pic>
+      <p:sp>
+        <p:nvSpPr>
+          <p:cNvPr id="6" name="Oval 5">
+            <a:extLst>
+              <a:ext uri="{FF2B5EF4-FFF2-40B4-BE49-F238E27FC236}">
+                <a16:creationId xmlns:a16="http://schemas.microsoft.com/office/drawing/2014/main" id="{A53E880D-3C57-9AF7-11C1-D366E7E66C04}"/>
+              </a:ext>
+            </a:extLst>
+          </p:cNvPr>
+          <p:cNvSpPr/>
+          <p:nvPr/>
+        </p:nvSpPr>
+        <p:spPr>
+          <a:xfrm>
+            <a:off x="5276448" y="639285"/>
+            <a:ext cx="6107472" cy="5689158"/>
+          </a:xfrm>
+          <a:prstGeom prst="ellipse">
+            <a:avLst/>
+          </a:prstGeom>
+          <a:noFill/>
+        </p:spPr>
+        <p:style>
+          <a:lnRef idx="2">
+            <a:schemeClr val="accent1">
+              <a:shade val="50000"/>
+            </a:schemeClr>
+          </a:lnRef>
+          <a:fillRef idx="1">
+            <a:schemeClr val="accent1"/>
+          </a:fillRef>
+          <a:effectRef idx="0">
+            <a:schemeClr val="accent1"/>
+          </a:effectRef>
+          <a:fontRef idx="minor">
+            <a:schemeClr val="lt1"/>
+          </a:fontRef>
+        </p:style>
+        <p:txBody>
+          <a:bodyPr rtlCol="0" anchor="ctr"/>
+          <a:lstStyle/>
+          <a:p>
+            <a:pPr algn="ctr"/>
+            <a:endParaRPr lang="it-IT"/>
+          </a:p>
+        </p:txBody>
+      </p:sp>
+      <p:sp>
+        <p:nvSpPr>
+          <p:cNvPr id="5" name="Star: 5 Points 4">
+            <a:extLst>
+              <a:ext uri="{FF2B5EF4-FFF2-40B4-BE49-F238E27FC236}">
+                <a16:creationId xmlns:a16="http://schemas.microsoft.com/office/drawing/2014/main" id="{F3DAD4F2-9134-204E-81C9-7093D3F80E03}"/>
+              </a:ext>
+            </a:extLst>
+          </p:cNvPr>
+          <p:cNvSpPr/>
+          <p:nvPr/>
+        </p:nvSpPr>
+        <p:spPr>
+          <a:xfrm>
+            <a:off x="10420350" y="1707988"/>
+            <a:ext cx="129540" cy="114300"/>
+          </a:xfrm>
+          <a:prstGeom prst="star5">
+            <a:avLst/>
+          </a:prstGeom>
+        </p:spPr>
+        <p:style>
+          <a:lnRef idx="2">
+            <a:schemeClr val="accent1">
+              <a:shade val="50000"/>
+            </a:schemeClr>
+          </a:lnRef>
+          <a:fillRef idx="1">
+            <a:schemeClr val="accent1"/>
+          </a:fillRef>
+          <a:effectRef idx="0">
+            <a:schemeClr val="accent1"/>
+          </a:effectRef>
+          <a:fontRef idx="minor">
+            <a:schemeClr val="lt1"/>
+          </a:fontRef>
+        </p:style>
+        <p:txBody>
+          <a:bodyPr rtlCol="0" anchor="ctr"/>
+          <a:lstStyle/>
+          <a:p>
+            <a:pPr algn="ctr"/>
+            <a:endParaRPr lang="it-IT"/>
+          </a:p>
+        </p:txBody>
+      </p:sp>
+    </p:spTree>
+    <p:extLst>
+      <p:ext uri="{BB962C8B-B14F-4D97-AF65-F5344CB8AC3E}">
+        <p14:creationId xmlns:p14="http://schemas.microsoft.com/office/powerpoint/2010/main" val="15648013"/>
+      </p:ext>
+    </p:extLst>
+  </p:cSld>
+  <p:clrMapOvr>
+    <a:masterClrMapping/>
+  </p:clrMapOvr>
+  <mc:AlternateContent xmlns:mc="http://schemas.openxmlformats.org/markup-compatibility/2006" xmlns:p159="http://schemas.microsoft.com/office/powerpoint/2015/09/main">
+    <mc:Choice Requires="p159">
+      <p:transition xmlns:p14="http://schemas.microsoft.com/office/powerpoint/2010/main" spd="slow" p14:dur="2000">
+        <p159:morph option="byObject"/>
+      </p:transition>
+    </mc:Choice>
+    <mc:Fallback xmlns="">
+      <p:transition spd="slow">
+        <p:fade/>
+      </p:transition>
+    </mc:Fallback>
+  </mc:AlternateContent>
+</p:sld>
+</file>
+
+<file path=ppt/slides/slide17.xml><?xml version="1.0" encoding="utf-8"?>
+<p:sld xmlns:a="http://schemas.openxmlformats.org/drawingml/2006/main" xmlns:r="http://schemas.openxmlformats.org/officeDocument/2006/relationships" xmlns:p="http://schemas.openxmlformats.org/presentationml/2006/main">
+  <p:cSld>
+    <p:spTree>
+      <p:nvGrpSpPr>
+        <p:cNvPr id="1" name=""/>
+        <p:cNvGrpSpPr/>
+        <p:nvPr/>
+      </p:nvGrpSpPr>
+      <p:grpSpPr>
+        <a:xfrm>
+          <a:off x="0" y="0"/>
+          <a:ext cx="0" cy="0"/>
+          <a:chOff x="0" y="0"/>
+          <a:chExt cx="0" cy="0"/>
+        </a:xfrm>
+      </p:grpSpPr>
       <p:pic>
         <p:nvPicPr>
           <p:cNvPr id="23" name="Picture 22" descr="A picture containing text, diagram, line, plot&#10;&#10;Description automatically generated">
@@ -12333,7 +12882,7 @@
 </p:sld>
 </file>
 
-<file path=ppt/slides/slide17.xml><?xml version="1.0" encoding="utf-8"?>
+<file path=ppt/slides/slide18.xml><?xml version="1.0" encoding="utf-8"?>
 <p:sld xmlns:a="http://schemas.openxmlformats.org/drawingml/2006/main" xmlns:r="http://schemas.openxmlformats.org/officeDocument/2006/relationships" xmlns:p="http://schemas.openxmlformats.org/presentationml/2006/main">
   <p:cSld>
     <p:bg>
@@ -13137,7 +13686,7 @@
 </p:sld>
 </file>
 
-<file path=ppt/slides/slide18.xml><?xml version="1.0" encoding="utf-8"?>
+<file path=ppt/slides/slide19.xml><?xml version="1.0" encoding="utf-8"?>
 <p:sld xmlns:a="http://schemas.openxmlformats.org/drawingml/2006/main" xmlns:r="http://schemas.openxmlformats.org/officeDocument/2006/relationships" xmlns:p="http://schemas.openxmlformats.org/presentationml/2006/main">
   <p:cSld>
     <p:spTree>
@@ -13320,287 +13869,6 @@
     <p:extLst>
       <p:ext uri="{BB962C8B-B14F-4D97-AF65-F5344CB8AC3E}">
         <p14:creationId xmlns:p14="http://schemas.microsoft.com/office/powerpoint/2010/main" val="3379788268"/>
-      </p:ext>
-    </p:extLst>
-  </p:cSld>
-  <p:clrMapOvr>
-    <a:masterClrMapping/>
-  </p:clrMapOvr>
-  <mc:AlternateContent xmlns:mc="http://schemas.openxmlformats.org/markup-compatibility/2006" xmlns:p159="http://schemas.microsoft.com/office/powerpoint/2015/09/main">
-    <mc:Choice Requires="p159">
-      <p:transition xmlns:p14="http://schemas.microsoft.com/office/powerpoint/2010/main" spd="slow" p14:dur="2000">
-        <p159:morph option="byObject"/>
-      </p:transition>
-    </mc:Choice>
-    <mc:Fallback xmlns="">
-      <p:transition spd="slow">
-        <p:fade/>
-      </p:transition>
-    </mc:Fallback>
-  </mc:AlternateContent>
-</p:sld>
-</file>
-
-<file path=ppt/slides/slide19.xml><?xml version="1.0" encoding="utf-8"?>
-<p:sld xmlns:a="http://schemas.openxmlformats.org/drawingml/2006/main" xmlns:r="http://schemas.openxmlformats.org/officeDocument/2006/relationships" xmlns:p="http://schemas.openxmlformats.org/presentationml/2006/main">
-  <p:cSld>
-    <p:spTree>
-      <p:nvGrpSpPr>
-        <p:cNvPr id="1" name=""/>
-        <p:cNvGrpSpPr/>
-        <p:nvPr/>
-      </p:nvGrpSpPr>
-      <p:grpSpPr>
-        <a:xfrm>
-          <a:off x="0" y="0"/>
-          <a:ext cx="0" cy="0"/>
-          <a:chOff x="0" y="0"/>
-          <a:chExt cx="0" cy="0"/>
-        </a:xfrm>
-      </p:grpSpPr>
-      <p:sp>
-        <p:nvSpPr>
-          <p:cNvPr id="2" name="Title 1">
-            <a:extLst>
-              <a:ext uri="{FF2B5EF4-FFF2-40B4-BE49-F238E27FC236}">
-                <a16:creationId xmlns:a16="http://schemas.microsoft.com/office/drawing/2014/main" id="{C0C1A6D4-E0E2-258F-B5D2-BEFCEA4BFE29}"/>
-              </a:ext>
-            </a:extLst>
-          </p:cNvPr>
-          <p:cNvSpPr>
-            <a:spLocks noGrp="1"/>
-          </p:cNvSpPr>
-          <p:nvPr>
-            <p:ph type="title" idx="4294967295"/>
-          </p:nvPr>
-        </p:nvSpPr>
-        <p:spPr>
-          <a:xfrm>
-            <a:off x="616804" y="0"/>
-            <a:ext cx="10167937" cy="1179513"/>
-          </a:xfrm>
-        </p:spPr>
-        <p:txBody>
-          <a:bodyPr/>
-          <a:lstStyle/>
-          <a:p>
-            <a:r>
-              <a:rPr lang="it-IT" dirty="0"/>
-              <a:t>Results with Shadow on a single - 1</a:t>
-            </a:r>
-          </a:p>
-        </p:txBody>
-      </p:sp>
-      <p:sp>
-        <p:nvSpPr>
-          <p:cNvPr id="14" name="Titolo 1">
-            <a:extLst>
-              <a:ext uri="{FF2B5EF4-FFF2-40B4-BE49-F238E27FC236}">
-                <a16:creationId xmlns:a16="http://schemas.microsoft.com/office/drawing/2014/main" id="{7FDBCCB5-F0AF-580B-2F09-898B232B7B66}"/>
-              </a:ext>
-            </a:extLst>
-          </p:cNvPr>
-          <p:cNvSpPr txBox="1">
-            <a:spLocks/>
-          </p:cNvSpPr>
-          <p:nvPr/>
-        </p:nvSpPr>
-        <p:spPr>
-          <a:xfrm>
-            <a:off x="616804" y="249382"/>
-            <a:ext cx="10996076" cy="623454"/>
-          </a:xfrm>
-          <a:prstGeom prst="rect">
-            <a:avLst/>
-          </a:prstGeom>
-        </p:spPr>
-        <p:txBody>
-          <a:bodyPr lIns="91440" tIns="45720" rIns="91440" bIns="45720" anchor="t">
-            <a:normAutofit/>
-          </a:bodyPr>
-          <a:lstStyle>
-            <a:lvl1pPr algn="l" defTabSz="914400" rtl="0" eaLnBrk="1" latinLnBrk="0" hangingPunct="1">
-              <a:lnSpc>
-                <a:spcPct val="100000"/>
-              </a:lnSpc>
-              <a:spcBef>
-                <a:spcPct val="0"/>
-              </a:spcBef>
-              <a:buNone/>
-              <a:defRPr sz="3400" b="1" kern="1200">
-                <a:solidFill>
-                  <a:schemeClr val="tx1"/>
-                </a:solidFill>
-                <a:latin typeface="+mj-lt"/>
-                <a:ea typeface="+mj-ea"/>
-                <a:cs typeface="+mj-cs"/>
-              </a:defRPr>
-            </a:lvl1pPr>
-          </a:lstStyle>
-          <a:p>
-            <a:endParaRPr lang="it-IT" dirty="0"/>
-          </a:p>
-        </p:txBody>
-      </p:sp>
-      <p:pic>
-        <p:nvPicPr>
-          <p:cNvPr id="8" name="Picture 7" descr="A picture containing text, diagram, line, plot&#10;&#10;Description automatically generated">
-            <a:extLst>
-              <a:ext uri="{FF2B5EF4-FFF2-40B4-BE49-F238E27FC236}">
-                <a16:creationId xmlns:a16="http://schemas.microsoft.com/office/drawing/2014/main" id="{AC0109CD-A2BC-692E-150F-1B9760146857}"/>
-              </a:ext>
-            </a:extLst>
-          </p:cNvPr>
-          <p:cNvPicPr>
-            <a:picLocks noChangeAspect="1"/>
-          </p:cNvPicPr>
-          <p:nvPr/>
-        </p:nvPicPr>
-        <p:blipFill>
-          <a:blip r:embed="rId2">
-            <a:extLst>
-              <a:ext uri="{28A0092B-C50C-407E-A947-70E740481C1C}">
-                <a14:useLocalDpi xmlns:a14="http://schemas.microsoft.com/office/drawing/2010/main" val="0"/>
-              </a:ext>
-            </a:extLst>
-          </a:blip>
-          <a:stretch>
-            <a:fillRect/>
-          </a:stretch>
-        </p:blipFill>
-        <p:spPr>
-          <a:xfrm>
-            <a:off x="4335516" y="872836"/>
-            <a:ext cx="3620406" cy="5629701"/>
-          </a:xfrm>
-          <a:prstGeom prst="rect">
-            <a:avLst/>
-          </a:prstGeom>
-        </p:spPr>
-      </p:pic>
-      <p:pic>
-        <p:nvPicPr>
-          <p:cNvPr id="10" name="Picture 9" descr="A picture containing diagram, plot, line, text&#10;&#10;Description automatically generated">
-            <a:extLst>
-              <a:ext uri="{FF2B5EF4-FFF2-40B4-BE49-F238E27FC236}">
-                <a16:creationId xmlns:a16="http://schemas.microsoft.com/office/drawing/2014/main" id="{D84C29F1-227A-7460-F29E-2093BEA8BEF1}"/>
-              </a:ext>
-            </a:extLst>
-          </p:cNvPr>
-          <p:cNvPicPr>
-            <a:picLocks noChangeAspect="1"/>
-          </p:cNvPicPr>
-          <p:nvPr/>
-        </p:nvPicPr>
-        <p:blipFill>
-          <a:blip r:embed="rId3">
-            <a:extLst>
-              <a:ext uri="{28A0092B-C50C-407E-A947-70E740481C1C}">
-                <a14:useLocalDpi xmlns:a14="http://schemas.microsoft.com/office/drawing/2010/main" val="0"/>
-              </a:ext>
-            </a:extLst>
-          </a:blip>
-          <a:stretch>
-            <a:fillRect/>
-          </a:stretch>
-        </p:blipFill>
-        <p:spPr>
-          <a:xfrm>
-            <a:off x="466676" y="872836"/>
-            <a:ext cx="3315955" cy="5629701"/>
-          </a:xfrm>
-          <a:prstGeom prst="rect">
-            <a:avLst/>
-          </a:prstGeom>
-        </p:spPr>
-      </p:pic>
-      <p:pic>
-        <p:nvPicPr>
-          <p:cNvPr id="11" name="Picture 10" descr="A picture containing diagram, plot, line, text&#10;&#10;Description automatically generated">
-            <a:extLst>
-              <a:ext uri="{FF2B5EF4-FFF2-40B4-BE49-F238E27FC236}">
-                <a16:creationId xmlns:a16="http://schemas.microsoft.com/office/drawing/2014/main" id="{91CC9624-8C3D-5CF6-4351-9F158A1F79BC}"/>
-              </a:ext>
-            </a:extLst>
-          </p:cNvPr>
-          <p:cNvPicPr>
-            <a:picLocks noChangeAspect="1"/>
-          </p:cNvPicPr>
-          <p:nvPr/>
-        </p:nvPicPr>
-        <p:blipFill>
-          <a:blip r:embed="rId3">
-            <a:extLst>
-              <a:ext uri="{28A0092B-C50C-407E-A947-70E740481C1C}">
-                <a14:useLocalDpi xmlns:a14="http://schemas.microsoft.com/office/drawing/2010/main" val="0"/>
-              </a:ext>
-            </a:extLst>
-          </a:blip>
-          <a:stretch>
-            <a:fillRect/>
-          </a:stretch>
-        </p:blipFill>
-        <p:spPr>
-          <a:xfrm>
-            <a:off x="8508807" y="872836"/>
-            <a:ext cx="3315955" cy="5629701"/>
-          </a:xfrm>
-          <a:prstGeom prst="rect">
-            <a:avLst/>
-          </a:prstGeom>
-        </p:spPr>
-      </p:pic>
-      <p:sp>
-        <p:nvSpPr>
-          <p:cNvPr id="12" name="Oval 11">
-            <a:extLst>
-              <a:ext uri="{FF2B5EF4-FFF2-40B4-BE49-F238E27FC236}">
-                <a16:creationId xmlns:a16="http://schemas.microsoft.com/office/drawing/2014/main" id="{93F155D8-1F07-2929-CE37-9C41A6B6AACF}"/>
-              </a:ext>
-            </a:extLst>
-          </p:cNvPr>
-          <p:cNvSpPr/>
-          <p:nvPr/>
-        </p:nvSpPr>
-        <p:spPr>
-          <a:xfrm>
-            <a:off x="6429875" y="2001079"/>
-            <a:ext cx="1584005" cy="1577008"/>
-          </a:xfrm>
-          <a:prstGeom prst="ellipse">
-            <a:avLst/>
-          </a:prstGeom>
-          <a:noFill/>
-        </p:spPr>
-        <p:style>
-          <a:lnRef idx="2">
-            <a:schemeClr val="accent1">
-              <a:shade val="50000"/>
-            </a:schemeClr>
-          </a:lnRef>
-          <a:fillRef idx="1">
-            <a:schemeClr val="accent1"/>
-          </a:fillRef>
-          <a:effectRef idx="0">
-            <a:schemeClr val="accent1"/>
-          </a:effectRef>
-          <a:fontRef idx="minor">
-            <a:schemeClr val="lt1"/>
-          </a:fontRef>
-        </p:style>
-        <p:txBody>
-          <a:bodyPr rtlCol="0" anchor="ctr"/>
-          <a:lstStyle/>
-          <a:p>
-            <a:pPr algn="ctr"/>
-            <a:endParaRPr lang="it-IT"/>
-          </a:p>
-        </p:txBody>
-      </p:sp>
-    </p:spTree>
-    <p:extLst>
-      <p:ext uri="{BB962C8B-B14F-4D97-AF65-F5344CB8AC3E}">
-        <p14:creationId xmlns:p14="http://schemas.microsoft.com/office/powerpoint/2010/main" val="3188956564"/>
       </p:ext>
     </p:extLst>
   </p:cSld>
@@ -14027,6 +14295,287 @@
 </file>
 
 <file path=ppt/slides/slide20.xml><?xml version="1.0" encoding="utf-8"?>
+<p:sld xmlns:a="http://schemas.openxmlformats.org/drawingml/2006/main" xmlns:r="http://schemas.openxmlformats.org/officeDocument/2006/relationships" xmlns:p="http://schemas.openxmlformats.org/presentationml/2006/main">
+  <p:cSld>
+    <p:spTree>
+      <p:nvGrpSpPr>
+        <p:cNvPr id="1" name=""/>
+        <p:cNvGrpSpPr/>
+        <p:nvPr/>
+      </p:nvGrpSpPr>
+      <p:grpSpPr>
+        <a:xfrm>
+          <a:off x="0" y="0"/>
+          <a:ext cx="0" cy="0"/>
+          <a:chOff x="0" y="0"/>
+          <a:chExt cx="0" cy="0"/>
+        </a:xfrm>
+      </p:grpSpPr>
+      <p:sp>
+        <p:nvSpPr>
+          <p:cNvPr id="2" name="Title 1">
+            <a:extLst>
+              <a:ext uri="{FF2B5EF4-FFF2-40B4-BE49-F238E27FC236}">
+                <a16:creationId xmlns:a16="http://schemas.microsoft.com/office/drawing/2014/main" id="{C0C1A6D4-E0E2-258F-B5D2-BEFCEA4BFE29}"/>
+              </a:ext>
+            </a:extLst>
+          </p:cNvPr>
+          <p:cNvSpPr>
+            <a:spLocks noGrp="1"/>
+          </p:cNvSpPr>
+          <p:nvPr>
+            <p:ph type="title" idx="4294967295"/>
+          </p:nvPr>
+        </p:nvSpPr>
+        <p:spPr>
+          <a:xfrm>
+            <a:off x="616804" y="0"/>
+            <a:ext cx="10167937" cy="1179513"/>
+          </a:xfrm>
+        </p:spPr>
+        <p:txBody>
+          <a:bodyPr/>
+          <a:lstStyle/>
+          <a:p>
+            <a:r>
+              <a:rPr lang="it-IT" dirty="0"/>
+              <a:t>Results with Shadow on a single - 1</a:t>
+            </a:r>
+          </a:p>
+        </p:txBody>
+      </p:sp>
+      <p:sp>
+        <p:nvSpPr>
+          <p:cNvPr id="14" name="Titolo 1">
+            <a:extLst>
+              <a:ext uri="{FF2B5EF4-FFF2-40B4-BE49-F238E27FC236}">
+                <a16:creationId xmlns:a16="http://schemas.microsoft.com/office/drawing/2014/main" id="{7FDBCCB5-F0AF-580B-2F09-898B232B7B66}"/>
+              </a:ext>
+            </a:extLst>
+          </p:cNvPr>
+          <p:cNvSpPr txBox="1">
+            <a:spLocks/>
+          </p:cNvSpPr>
+          <p:nvPr/>
+        </p:nvSpPr>
+        <p:spPr>
+          <a:xfrm>
+            <a:off x="616804" y="249382"/>
+            <a:ext cx="10996076" cy="623454"/>
+          </a:xfrm>
+          <a:prstGeom prst="rect">
+            <a:avLst/>
+          </a:prstGeom>
+        </p:spPr>
+        <p:txBody>
+          <a:bodyPr lIns="91440" tIns="45720" rIns="91440" bIns="45720" anchor="t">
+            <a:normAutofit/>
+          </a:bodyPr>
+          <a:lstStyle>
+            <a:lvl1pPr algn="l" defTabSz="914400" rtl="0" eaLnBrk="1" latinLnBrk="0" hangingPunct="1">
+              <a:lnSpc>
+                <a:spcPct val="100000"/>
+              </a:lnSpc>
+              <a:spcBef>
+                <a:spcPct val="0"/>
+              </a:spcBef>
+              <a:buNone/>
+              <a:defRPr sz="3400" b="1" kern="1200">
+                <a:solidFill>
+                  <a:schemeClr val="tx1"/>
+                </a:solidFill>
+                <a:latin typeface="+mj-lt"/>
+                <a:ea typeface="+mj-ea"/>
+                <a:cs typeface="+mj-cs"/>
+              </a:defRPr>
+            </a:lvl1pPr>
+          </a:lstStyle>
+          <a:p>
+            <a:endParaRPr lang="it-IT" dirty="0"/>
+          </a:p>
+        </p:txBody>
+      </p:sp>
+      <p:pic>
+        <p:nvPicPr>
+          <p:cNvPr id="8" name="Picture 7" descr="A picture containing text, diagram, line, plot&#10;&#10;Description automatically generated">
+            <a:extLst>
+              <a:ext uri="{FF2B5EF4-FFF2-40B4-BE49-F238E27FC236}">
+                <a16:creationId xmlns:a16="http://schemas.microsoft.com/office/drawing/2014/main" id="{AC0109CD-A2BC-692E-150F-1B9760146857}"/>
+              </a:ext>
+            </a:extLst>
+          </p:cNvPr>
+          <p:cNvPicPr>
+            <a:picLocks noChangeAspect="1"/>
+          </p:cNvPicPr>
+          <p:nvPr/>
+        </p:nvPicPr>
+        <p:blipFill>
+          <a:blip r:embed="rId2">
+            <a:extLst>
+              <a:ext uri="{28A0092B-C50C-407E-A947-70E740481C1C}">
+                <a14:useLocalDpi xmlns:a14="http://schemas.microsoft.com/office/drawing/2010/main" val="0"/>
+              </a:ext>
+            </a:extLst>
+          </a:blip>
+          <a:stretch>
+            <a:fillRect/>
+          </a:stretch>
+        </p:blipFill>
+        <p:spPr>
+          <a:xfrm>
+            <a:off x="4335516" y="872836"/>
+            <a:ext cx="3620406" cy="5629701"/>
+          </a:xfrm>
+          <a:prstGeom prst="rect">
+            <a:avLst/>
+          </a:prstGeom>
+        </p:spPr>
+      </p:pic>
+      <p:pic>
+        <p:nvPicPr>
+          <p:cNvPr id="10" name="Picture 9" descr="A picture containing diagram, plot, line, text&#10;&#10;Description automatically generated">
+            <a:extLst>
+              <a:ext uri="{FF2B5EF4-FFF2-40B4-BE49-F238E27FC236}">
+                <a16:creationId xmlns:a16="http://schemas.microsoft.com/office/drawing/2014/main" id="{D84C29F1-227A-7460-F29E-2093BEA8BEF1}"/>
+              </a:ext>
+            </a:extLst>
+          </p:cNvPr>
+          <p:cNvPicPr>
+            <a:picLocks noChangeAspect="1"/>
+          </p:cNvPicPr>
+          <p:nvPr/>
+        </p:nvPicPr>
+        <p:blipFill>
+          <a:blip r:embed="rId3">
+            <a:extLst>
+              <a:ext uri="{28A0092B-C50C-407E-A947-70E740481C1C}">
+                <a14:useLocalDpi xmlns:a14="http://schemas.microsoft.com/office/drawing/2010/main" val="0"/>
+              </a:ext>
+            </a:extLst>
+          </a:blip>
+          <a:stretch>
+            <a:fillRect/>
+          </a:stretch>
+        </p:blipFill>
+        <p:spPr>
+          <a:xfrm>
+            <a:off x="466676" y="872836"/>
+            <a:ext cx="3315955" cy="5629701"/>
+          </a:xfrm>
+          <a:prstGeom prst="rect">
+            <a:avLst/>
+          </a:prstGeom>
+        </p:spPr>
+      </p:pic>
+      <p:pic>
+        <p:nvPicPr>
+          <p:cNvPr id="11" name="Picture 10" descr="A picture containing diagram, plot, line, text&#10;&#10;Description automatically generated">
+            <a:extLst>
+              <a:ext uri="{FF2B5EF4-FFF2-40B4-BE49-F238E27FC236}">
+                <a16:creationId xmlns:a16="http://schemas.microsoft.com/office/drawing/2014/main" id="{91CC9624-8C3D-5CF6-4351-9F158A1F79BC}"/>
+              </a:ext>
+            </a:extLst>
+          </p:cNvPr>
+          <p:cNvPicPr>
+            <a:picLocks noChangeAspect="1"/>
+          </p:cNvPicPr>
+          <p:nvPr/>
+        </p:nvPicPr>
+        <p:blipFill>
+          <a:blip r:embed="rId3">
+            <a:extLst>
+              <a:ext uri="{28A0092B-C50C-407E-A947-70E740481C1C}">
+                <a14:useLocalDpi xmlns:a14="http://schemas.microsoft.com/office/drawing/2010/main" val="0"/>
+              </a:ext>
+            </a:extLst>
+          </a:blip>
+          <a:stretch>
+            <a:fillRect/>
+          </a:stretch>
+        </p:blipFill>
+        <p:spPr>
+          <a:xfrm>
+            <a:off x="8508807" y="872836"/>
+            <a:ext cx="3315955" cy="5629701"/>
+          </a:xfrm>
+          <a:prstGeom prst="rect">
+            <a:avLst/>
+          </a:prstGeom>
+        </p:spPr>
+      </p:pic>
+      <p:sp>
+        <p:nvSpPr>
+          <p:cNvPr id="12" name="Oval 11">
+            <a:extLst>
+              <a:ext uri="{FF2B5EF4-FFF2-40B4-BE49-F238E27FC236}">
+                <a16:creationId xmlns:a16="http://schemas.microsoft.com/office/drawing/2014/main" id="{93F155D8-1F07-2929-CE37-9C41A6B6AACF}"/>
+              </a:ext>
+            </a:extLst>
+          </p:cNvPr>
+          <p:cNvSpPr/>
+          <p:nvPr/>
+        </p:nvSpPr>
+        <p:spPr>
+          <a:xfrm>
+            <a:off x="6429875" y="2001079"/>
+            <a:ext cx="1584005" cy="1577008"/>
+          </a:xfrm>
+          <a:prstGeom prst="ellipse">
+            <a:avLst/>
+          </a:prstGeom>
+          <a:noFill/>
+        </p:spPr>
+        <p:style>
+          <a:lnRef idx="2">
+            <a:schemeClr val="accent1">
+              <a:shade val="50000"/>
+            </a:schemeClr>
+          </a:lnRef>
+          <a:fillRef idx="1">
+            <a:schemeClr val="accent1"/>
+          </a:fillRef>
+          <a:effectRef idx="0">
+            <a:schemeClr val="accent1"/>
+          </a:effectRef>
+          <a:fontRef idx="minor">
+            <a:schemeClr val="lt1"/>
+          </a:fontRef>
+        </p:style>
+        <p:txBody>
+          <a:bodyPr rtlCol="0" anchor="ctr"/>
+          <a:lstStyle/>
+          <a:p>
+            <a:pPr algn="ctr"/>
+            <a:endParaRPr lang="it-IT"/>
+          </a:p>
+        </p:txBody>
+      </p:sp>
+    </p:spTree>
+    <p:extLst>
+      <p:ext uri="{BB962C8B-B14F-4D97-AF65-F5344CB8AC3E}">
+        <p14:creationId xmlns:p14="http://schemas.microsoft.com/office/powerpoint/2010/main" val="3188956564"/>
+      </p:ext>
+    </p:extLst>
+  </p:cSld>
+  <p:clrMapOvr>
+    <a:masterClrMapping/>
+  </p:clrMapOvr>
+  <mc:AlternateContent xmlns:mc="http://schemas.openxmlformats.org/markup-compatibility/2006" xmlns:p159="http://schemas.microsoft.com/office/powerpoint/2015/09/main">
+    <mc:Choice Requires="p159">
+      <p:transition xmlns:p14="http://schemas.microsoft.com/office/powerpoint/2010/main" spd="slow" p14:dur="2000">
+        <p159:morph option="byObject"/>
+      </p:transition>
+    </mc:Choice>
+    <mc:Fallback xmlns="">
+      <p:transition spd="slow">
+        <p:fade/>
+      </p:transition>
+    </mc:Fallback>
+  </mc:AlternateContent>
+</p:sld>
+</file>
+
+<file path=ppt/slides/slide21.xml><?xml version="1.0" encoding="utf-8"?>
 <p:sld xmlns:a="http://schemas.openxmlformats.org/drawingml/2006/main" xmlns:r="http://schemas.openxmlformats.org/officeDocument/2006/relationships" xmlns:p="http://schemas.openxmlformats.org/presentationml/2006/main">
   <p:cSld>
     <p:bg>
@@ -14991,7 +15540,7 @@
           <a:p>
             <a:r>
               <a:rPr lang="en-US" sz="1700" dirty="0"/>
-              <a:t>In this case, unlike case 1, the presence of a second peak of lesser magnitude indicates a difference in power generated at different voltage values, which could represent a possible maximum of optimization, albeit local</a:t>
+              <a:t>In this case, unlike case 1, the presence of a second peak of lesser magnitude indicates a difference in power generated at different voltage values, which could represent a possible maximum of optimization, albeit local.</a:t>
             </a:r>
           </a:p>
         </p:txBody>
@@ -15131,353 +15680,6 @@
     <p:extLst>
       <p:ext uri="{BB962C8B-B14F-4D97-AF65-F5344CB8AC3E}">
         <p14:creationId xmlns:p14="http://schemas.microsoft.com/office/powerpoint/2010/main" val="3756749587"/>
-      </p:ext>
-    </p:extLst>
-  </p:cSld>
-  <p:clrMapOvr>
-    <a:masterClrMapping/>
-  </p:clrMapOvr>
-  <mc:AlternateContent xmlns:mc="http://schemas.openxmlformats.org/markup-compatibility/2006" xmlns:p159="http://schemas.microsoft.com/office/powerpoint/2015/09/main">
-    <mc:Choice Requires="p159">
-      <p:transition xmlns:p14="http://schemas.microsoft.com/office/powerpoint/2010/main" spd="slow" p14:dur="2000">
-        <p159:morph option="byObject"/>
-      </p:transition>
-    </mc:Choice>
-    <mc:Fallback xmlns="">
-      <p:transition spd="slow">
-        <p:fade/>
-      </p:transition>
-    </mc:Fallback>
-  </mc:AlternateContent>
-</p:sld>
-</file>
-
-<file path=ppt/slides/slide21.xml><?xml version="1.0" encoding="utf-8"?>
-<p:sld xmlns:a="http://schemas.openxmlformats.org/drawingml/2006/main" xmlns:r="http://schemas.openxmlformats.org/officeDocument/2006/relationships" xmlns:p="http://schemas.openxmlformats.org/presentationml/2006/main">
-  <p:cSld>
-    <p:spTree>
-      <p:nvGrpSpPr>
-        <p:cNvPr id="1" name=""/>
-        <p:cNvGrpSpPr/>
-        <p:nvPr/>
-      </p:nvGrpSpPr>
-      <p:grpSpPr>
-        <a:xfrm>
-          <a:off x="0" y="0"/>
-          <a:ext cx="0" cy="0"/>
-          <a:chOff x="0" y="0"/>
-          <a:chExt cx="0" cy="0"/>
-        </a:xfrm>
-      </p:grpSpPr>
-      <p:sp>
-        <p:nvSpPr>
-          <p:cNvPr id="2" name="Title 1">
-            <a:extLst>
-              <a:ext uri="{FF2B5EF4-FFF2-40B4-BE49-F238E27FC236}">
-                <a16:creationId xmlns:a16="http://schemas.microsoft.com/office/drawing/2014/main" id="{D76A055C-76FC-6350-F961-8BD0E9393EA8}"/>
-              </a:ext>
-            </a:extLst>
-          </p:cNvPr>
-          <p:cNvSpPr>
-            <a:spLocks noGrp="1"/>
-          </p:cNvSpPr>
-          <p:nvPr>
-            <p:ph type="title" idx="4294967295"/>
-          </p:nvPr>
-        </p:nvSpPr>
-        <p:spPr>
-          <a:xfrm>
-            <a:off x="375313" y="204195"/>
-            <a:ext cx="10391775" cy="814388"/>
-          </a:xfrm>
-        </p:spPr>
-        <p:txBody>
-          <a:bodyPr>
-            <a:noAutofit/>
-          </a:bodyPr>
-          <a:lstStyle/>
-          <a:p>
-            <a:r>
-              <a:rPr lang="it-IT" sz="3600" dirty="0"/>
-              <a:t>Results with Shadow on a single - 3</a:t>
-            </a:r>
-          </a:p>
-        </p:txBody>
-      </p:sp>
-      <p:pic>
-        <p:nvPicPr>
-          <p:cNvPr id="8" name="Picture 7" descr="A picture containing text, diagram, line, plot&#10;&#10;Description automatically generated">
-            <a:extLst>
-              <a:ext uri="{FF2B5EF4-FFF2-40B4-BE49-F238E27FC236}">
-                <a16:creationId xmlns:a16="http://schemas.microsoft.com/office/drawing/2014/main" id="{93AF8D37-B507-FC88-0905-C64396238E74}"/>
-              </a:ext>
-            </a:extLst>
-          </p:cNvPr>
-          <p:cNvPicPr>
-            <a:picLocks noChangeAspect="1"/>
-          </p:cNvPicPr>
-          <p:nvPr/>
-        </p:nvPicPr>
-        <p:blipFill>
-          <a:blip r:embed="rId2">
-            <a:extLst>
-              <a:ext uri="{28A0092B-C50C-407E-A947-70E740481C1C}">
-                <a14:useLocalDpi xmlns:a14="http://schemas.microsoft.com/office/drawing/2010/main" val="0"/>
-              </a:ext>
-            </a:extLst>
-          </a:blip>
-          <a:stretch>
-            <a:fillRect/>
-          </a:stretch>
-        </p:blipFill>
-        <p:spPr>
-          <a:xfrm>
-            <a:off x="5984543" y="1761713"/>
-            <a:ext cx="6207457" cy="5096287"/>
-          </a:xfrm>
-          <a:prstGeom prst="rect">
-            <a:avLst/>
-          </a:prstGeom>
-        </p:spPr>
-      </p:pic>
-      <p:pic>
-        <p:nvPicPr>
-          <p:cNvPr id="10" name="Picture 9" descr="A picture containing text, diagram, plot, line&#10;&#10;Description automatically generated">
-            <a:extLst>
-              <a:ext uri="{FF2B5EF4-FFF2-40B4-BE49-F238E27FC236}">
-                <a16:creationId xmlns:a16="http://schemas.microsoft.com/office/drawing/2014/main" id="{08949F2F-1137-562B-4257-5C7A45034009}"/>
-              </a:ext>
-            </a:extLst>
-          </p:cNvPr>
-          <p:cNvPicPr>
-            <a:picLocks noChangeAspect="1"/>
-          </p:cNvPicPr>
-          <p:nvPr/>
-        </p:nvPicPr>
-        <p:blipFill>
-          <a:blip r:embed="rId3">
-            <a:extLst>
-              <a:ext uri="{28A0092B-C50C-407E-A947-70E740481C1C}">
-                <a14:useLocalDpi xmlns:a14="http://schemas.microsoft.com/office/drawing/2010/main" val="0"/>
-              </a:ext>
-            </a:extLst>
-          </a:blip>
-          <a:stretch>
-            <a:fillRect/>
-          </a:stretch>
-        </p:blipFill>
-        <p:spPr>
-          <a:xfrm>
-            <a:off x="66983" y="1760561"/>
-            <a:ext cx="6029017" cy="5097439"/>
-          </a:xfrm>
-          <a:prstGeom prst="rect">
-            <a:avLst/>
-          </a:prstGeom>
-        </p:spPr>
-      </p:pic>
-      <p:cxnSp>
-        <p:nvCxnSpPr>
-          <p:cNvPr id="13" name="Straight Connector 12">
-            <a:extLst>
-              <a:ext uri="{FF2B5EF4-FFF2-40B4-BE49-F238E27FC236}">
-                <a16:creationId xmlns:a16="http://schemas.microsoft.com/office/drawing/2014/main" id="{F4CC6341-3869-BC05-BB7D-CF45DB0597C7}"/>
-              </a:ext>
-            </a:extLst>
-          </p:cNvPr>
-          <p:cNvCxnSpPr/>
-          <p:nvPr/>
-        </p:nvCxnSpPr>
-        <p:spPr>
-          <a:xfrm>
-            <a:off x="818866" y="4817660"/>
-            <a:ext cx="1392071" cy="0"/>
-          </a:xfrm>
-          <a:prstGeom prst="line">
-            <a:avLst/>
-          </a:prstGeom>
-          <a:ln w="38100">
-            <a:prstDash val="sysDot"/>
-          </a:ln>
-        </p:spPr>
-        <p:style>
-          <a:lnRef idx="1">
-            <a:schemeClr val="accent1"/>
-          </a:lnRef>
-          <a:fillRef idx="0">
-            <a:schemeClr val="accent1"/>
-          </a:fillRef>
-          <a:effectRef idx="0">
-            <a:schemeClr val="accent1"/>
-          </a:effectRef>
-          <a:fontRef idx="minor">
-            <a:schemeClr val="tx1"/>
-          </a:fontRef>
-        </p:style>
-      </p:cxnSp>
-      <p:cxnSp>
-        <p:nvCxnSpPr>
-          <p:cNvPr id="14" name="Straight Connector 13">
-            <a:extLst>
-              <a:ext uri="{FF2B5EF4-FFF2-40B4-BE49-F238E27FC236}">
-                <a16:creationId xmlns:a16="http://schemas.microsoft.com/office/drawing/2014/main" id="{C029A51A-F439-E93C-9DA0-57FA1F104DC5}"/>
-              </a:ext>
-            </a:extLst>
-          </p:cNvPr>
-          <p:cNvCxnSpPr>
-            <a:cxnSpLocks/>
-          </p:cNvCxnSpPr>
-          <p:nvPr/>
-        </p:nvCxnSpPr>
-        <p:spPr>
-          <a:xfrm>
-            <a:off x="2194916" y="4811034"/>
-            <a:ext cx="0" cy="1492230"/>
-          </a:xfrm>
-          <a:prstGeom prst="line">
-            <a:avLst/>
-          </a:prstGeom>
-          <a:ln w="38100">
-            <a:prstDash val="sysDot"/>
-          </a:ln>
-        </p:spPr>
-        <p:style>
-          <a:lnRef idx="1">
-            <a:schemeClr val="accent1"/>
-          </a:lnRef>
-          <a:fillRef idx="0">
-            <a:schemeClr val="accent1"/>
-          </a:fillRef>
-          <a:effectRef idx="0">
-            <a:schemeClr val="accent1"/>
-          </a:effectRef>
-          <a:fontRef idx="minor">
-            <a:schemeClr val="tx1"/>
-          </a:fontRef>
-        </p:style>
-      </p:cxnSp>
-      <p:cxnSp>
-        <p:nvCxnSpPr>
-          <p:cNvPr id="19" name="Straight Connector 18">
-            <a:extLst>
-              <a:ext uri="{FF2B5EF4-FFF2-40B4-BE49-F238E27FC236}">
-                <a16:creationId xmlns:a16="http://schemas.microsoft.com/office/drawing/2014/main" id="{0B64199A-7DD5-5645-154F-9E39B5AC7170}"/>
-              </a:ext>
-            </a:extLst>
-          </p:cNvPr>
-          <p:cNvCxnSpPr>
-            <a:cxnSpLocks/>
-          </p:cNvCxnSpPr>
-          <p:nvPr/>
-        </p:nvCxnSpPr>
-        <p:spPr>
-          <a:xfrm>
-            <a:off x="8120228" y="2572512"/>
-            <a:ext cx="0" cy="3730752"/>
-          </a:xfrm>
-          <a:prstGeom prst="line">
-            <a:avLst/>
-          </a:prstGeom>
-          <a:ln w="38100">
-            <a:prstDash val="sysDot"/>
-          </a:ln>
-        </p:spPr>
-        <p:style>
-          <a:lnRef idx="1">
-            <a:schemeClr val="accent1"/>
-          </a:lnRef>
-          <a:fillRef idx="0">
-            <a:schemeClr val="accent1"/>
-          </a:fillRef>
-          <a:effectRef idx="0">
-            <a:schemeClr val="accent1"/>
-          </a:effectRef>
-          <a:fontRef idx="minor">
-            <a:schemeClr val="tx1"/>
-          </a:fontRef>
-        </p:style>
-      </p:cxnSp>
-      <p:cxnSp>
-        <p:nvCxnSpPr>
-          <p:cNvPr id="21" name="Straight Connector 20">
-            <a:extLst>
-              <a:ext uri="{FF2B5EF4-FFF2-40B4-BE49-F238E27FC236}">
-                <a16:creationId xmlns:a16="http://schemas.microsoft.com/office/drawing/2014/main" id="{ED0DCDCC-F04F-E4FB-7786-CB1D1E5000AF}"/>
-              </a:ext>
-            </a:extLst>
-          </p:cNvPr>
-          <p:cNvCxnSpPr>
-            <a:cxnSpLocks/>
-          </p:cNvCxnSpPr>
-          <p:nvPr/>
-        </p:nvCxnSpPr>
-        <p:spPr>
-          <a:xfrm flipH="1">
-            <a:off x="6803136" y="2572512"/>
-            <a:ext cx="1317092" cy="0"/>
-          </a:xfrm>
-          <a:prstGeom prst="line">
-            <a:avLst/>
-          </a:prstGeom>
-          <a:ln w="38100">
-            <a:prstDash val="sysDot"/>
-          </a:ln>
-        </p:spPr>
-        <p:style>
-          <a:lnRef idx="1">
-            <a:schemeClr val="accent1"/>
-          </a:lnRef>
-          <a:fillRef idx="0">
-            <a:schemeClr val="accent1"/>
-          </a:fillRef>
-          <a:effectRef idx="0">
-            <a:schemeClr val="accent1"/>
-          </a:effectRef>
-          <a:fontRef idx="minor">
-            <a:schemeClr val="tx1"/>
-          </a:fontRef>
-        </p:style>
-      </p:cxnSp>
-      <p:sp>
-        <p:nvSpPr>
-          <p:cNvPr id="24" name="TextBox 23">
-            <a:extLst>
-              <a:ext uri="{FF2B5EF4-FFF2-40B4-BE49-F238E27FC236}">
-                <a16:creationId xmlns:a16="http://schemas.microsoft.com/office/drawing/2014/main" id="{9B34E67F-A3B4-8674-8EE2-B380BA581644}"/>
-              </a:ext>
-            </a:extLst>
-          </p:cNvPr>
-          <p:cNvSpPr txBox="1"/>
-          <p:nvPr/>
-        </p:nvSpPr>
-        <p:spPr>
-          <a:xfrm>
-            <a:off x="445008" y="1018583"/>
-            <a:ext cx="11301984" cy="646331"/>
-          </a:xfrm>
-          <a:prstGeom prst="rect">
-            <a:avLst/>
-          </a:prstGeom>
-          <a:noFill/>
-        </p:spPr>
-        <p:txBody>
-          <a:bodyPr wrap="square" rtlCol="0">
-            <a:spAutoFit/>
-          </a:bodyPr>
-          <a:lstStyle/>
-          <a:p>
-            <a:r>
-              <a:rPr lang="en-US" dirty="0"/>
-              <a:t>It can be observed that the power chosen by the optimizer is precisely the higher one among the two peaks in the previously shown P-V plot, which displayed two maximum power points.</a:t>
-            </a:r>
-            <a:endParaRPr lang="it-IT" dirty="0"/>
-          </a:p>
-        </p:txBody>
-      </p:sp>
-    </p:spTree>
-    <p:extLst>
-      <p:ext uri="{BB962C8B-B14F-4D97-AF65-F5344CB8AC3E}">
-        <p14:creationId xmlns:p14="http://schemas.microsoft.com/office/powerpoint/2010/main" val="3852231215"/>
       </p:ext>
     </p:extLst>
   </p:cSld>
@@ -15518,64 +15720,10 @@
       </p:grpSpPr>
       <p:sp>
         <p:nvSpPr>
-          <p:cNvPr id="3" name="Rectangle: Rounded Corners 2">
-            <a:extLst>
-              <a:ext uri="{FF2B5EF4-FFF2-40B4-BE49-F238E27FC236}">
-                <a16:creationId xmlns:a16="http://schemas.microsoft.com/office/drawing/2014/main" id="{40977B52-DB31-FE4A-EA7B-B55E646DA797}"/>
-              </a:ext>
-            </a:extLst>
-          </p:cNvPr>
-          <p:cNvSpPr/>
-          <p:nvPr/>
-        </p:nvSpPr>
-        <p:spPr>
-          <a:xfrm>
-            <a:off x="8087036" y="1645784"/>
-            <a:ext cx="3397555" cy="1377195"/>
-          </a:xfrm>
-          <a:prstGeom prst="roundRect">
-            <a:avLst/>
-          </a:prstGeom>
-          <a:solidFill>
-            <a:schemeClr val="accent1"/>
-          </a:solidFill>
-          <a:ln w="57150">
-            <a:solidFill>
-              <a:srgbClr val="FFC000"/>
-            </a:solidFill>
-          </a:ln>
-        </p:spPr>
-        <p:style>
-          <a:lnRef idx="2">
-            <a:schemeClr val="accent1">
-              <a:shade val="50000"/>
-            </a:schemeClr>
-          </a:lnRef>
-          <a:fillRef idx="1">
-            <a:schemeClr val="accent1"/>
-          </a:fillRef>
-          <a:effectRef idx="0">
-            <a:schemeClr val="accent1"/>
-          </a:effectRef>
-          <a:fontRef idx="minor">
-            <a:schemeClr val="lt1"/>
-          </a:fontRef>
-        </p:style>
-        <p:txBody>
-          <a:bodyPr rtlCol="0" anchor="ctr"/>
-          <a:lstStyle/>
-          <a:p>
-            <a:pPr algn="ctr"/>
-            <a:endParaRPr lang="it-IT"/>
-          </a:p>
-        </p:txBody>
-      </p:sp>
-      <p:sp>
-        <p:nvSpPr>
           <p:cNvPr id="2" name="Title 1">
             <a:extLst>
               <a:ext uri="{FF2B5EF4-FFF2-40B4-BE49-F238E27FC236}">
-                <a16:creationId xmlns:a16="http://schemas.microsoft.com/office/drawing/2014/main" id="{C0C1A6D4-E0E2-258F-B5D2-BEFCEA4BFE29}"/>
+                <a16:creationId xmlns:a16="http://schemas.microsoft.com/office/drawing/2014/main" id="{D76A055C-76FC-6350-F961-8BD0E9393EA8}"/>
               </a:ext>
             </a:extLst>
           </p:cNvPr>
@@ -15588,78 +15736,29 @@
         </p:nvSpPr>
         <p:spPr>
           <a:xfrm>
-            <a:off x="616804" y="0"/>
-            <a:ext cx="10167937" cy="1179513"/>
-          </a:xfrm>
-        </p:spPr>
-        <p:txBody>
-          <a:bodyPr/>
+            <a:off x="375313" y="204195"/>
+            <a:ext cx="10391775" cy="814388"/>
+          </a:xfrm>
+        </p:spPr>
+        <p:txBody>
+          <a:bodyPr>
+            <a:noAutofit/>
+          </a:bodyPr>
           <a:lstStyle/>
           <a:p>
             <a:r>
-              <a:rPr lang="it-IT" dirty="0"/>
-              <a:t>Results with Dynamic Shadow - 1</a:t>
+              <a:rPr lang="it-IT" sz="3600" dirty="0"/>
+              <a:t>Results with Shadow on a single - 3</a:t>
             </a:r>
-          </a:p>
-        </p:txBody>
-      </p:sp>
-      <p:sp>
-        <p:nvSpPr>
-          <p:cNvPr id="14" name="Titolo 1">
-            <a:extLst>
-              <a:ext uri="{FF2B5EF4-FFF2-40B4-BE49-F238E27FC236}">
-                <a16:creationId xmlns:a16="http://schemas.microsoft.com/office/drawing/2014/main" id="{7FDBCCB5-F0AF-580B-2F09-898B232B7B66}"/>
-              </a:ext>
-            </a:extLst>
-          </p:cNvPr>
-          <p:cNvSpPr txBox="1">
-            <a:spLocks/>
-          </p:cNvSpPr>
-          <p:nvPr/>
-        </p:nvSpPr>
-        <p:spPr>
-          <a:xfrm>
-            <a:off x="616804" y="249382"/>
-            <a:ext cx="10996076" cy="623454"/>
-          </a:xfrm>
-          <a:prstGeom prst="rect">
-            <a:avLst/>
-          </a:prstGeom>
-        </p:spPr>
-        <p:txBody>
-          <a:bodyPr lIns="91440" tIns="45720" rIns="91440" bIns="45720" anchor="t">
-            <a:normAutofit/>
-          </a:bodyPr>
-          <a:lstStyle>
-            <a:lvl1pPr algn="l" defTabSz="914400" rtl="0" eaLnBrk="1" latinLnBrk="0" hangingPunct="1">
-              <a:lnSpc>
-                <a:spcPct val="100000"/>
-              </a:lnSpc>
-              <a:spcBef>
-                <a:spcPct val="0"/>
-              </a:spcBef>
-              <a:buNone/>
-              <a:defRPr sz="3400" b="1" kern="1200">
-                <a:solidFill>
-                  <a:schemeClr val="tx1"/>
-                </a:solidFill>
-                <a:latin typeface="+mj-lt"/>
-                <a:ea typeface="+mj-ea"/>
-                <a:cs typeface="+mj-cs"/>
-              </a:defRPr>
-            </a:lvl1pPr>
-          </a:lstStyle>
-          <a:p>
-            <a:endParaRPr lang="it-IT" dirty="0"/>
           </a:p>
         </p:txBody>
       </p:sp>
       <p:pic>
         <p:nvPicPr>
-          <p:cNvPr id="12" name="Picture 11" descr="A picture containing text, diagram, line, plot&#10;&#10;Description automatically generated">
-            <a:extLst>
-              <a:ext uri="{FF2B5EF4-FFF2-40B4-BE49-F238E27FC236}">
-                <a16:creationId xmlns:a16="http://schemas.microsoft.com/office/drawing/2014/main" id="{797A6C93-5985-E1CE-1CC0-2593372DAE8C}"/>
+          <p:cNvPr id="8" name="Picture 7" descr="A picture containing text, diagram, line, plot&#10;&#10;Description automatically generated">
+            <a:extLst>
+              <a:ext uri="{FF2B5EF4-FFF2-40B4-BE49-F238E27FC236}">
+                <a16:creationId xmlns:a16="http://schemas.microsoft.com/office/drawing/2014/main" id="{93AF8D37-B507-FC88-0905-C64396238E74}"/>
               </a:ext>
             </a:extLst>
           </p:cNvPr>
@@ -15682,8 +15781,8 @@
         </p:blipFill>
         <p:spPr>
           <a:xfrm>
-            <a:off x="377580" y="1228293"/>
-            <a:ext cx="3116247" cy="2337185"/>
+            <a:off x="5984543" y="1761713"/>
+            <a:ext cx="6207457" cy="5096287"/>
           </a:xfrm>
           <a:prstGeom prst="rect">
             <a:avLst/>
@@ -15692,10 +15791,10 @@
       </p:pic>
       <p:pic>
         <p:nvPicPr>
-          <p:cNvPr id="15" name="Picture 14" descr="A picture containing text, diagram, line, plot&#10;&#10;Description automatically generated">
-            <a:extLst>
-              <a:ext uri="{FF2B5EF4-FFF2-40B4-BE49-F238E27FC236}">
-                <a16:creationId xmlns:a16="http://schemas.microsoft.com/office/drawing/2014/main" id="{9DA99175-44D3-2D41-2767-6BF7CE9EDAD8}"/>
+          <p:cNvPr id="10" name="Picture 9" descr="A picture containing text, diagram, plot, line&#10;&#10;Description automatically generated">
+            <a:extLst>
+              <a:ext uri="{FF2B5EF4-FFF2-40B4-BE49-F238E27FC236}">
+                <a16:creationId xmlns:a16="http://schemas.microsoft.com/office/drawing/2014/main" id="{08949F2F-1137-562B-4257-5C7A45034009}"/>
               </a:ext>
             </a:extLst>
           </p:cNvPr>
@@ -15718,154 +15817,36 @@
         </p:blipFill>
         <p:spPr>
           <a:xfrm>
-            <a:off x="2304193" y="4101145"/>
-            <a:ext cx="3116247" cy="2337185"/>
+            <a:off x="66983" y="1760561"/>
+            <a:ext cx="6029017" cy="5097439"/>
           </a:xfrm>
           <a:prstGeom prst="rect">
             <a:avLst/>
           </a:prstGeom>
         </p:spPr>
       </p:pic>
-      <p:pic>
-        <p:nvPicPr>
-          <p:cNvPr id="17" name="Picture 16" descr="A picture containing text, diagram, line, parallel&#10;&#10;Description automatically generated">
-            <a:extLst>
-              <a:ext uri="{FF2B5EF4-FFF2-40B4-BE49-F238E27FC236}">
-                <a16:creationId xmlns:a16="http://schemas.microsoft.com/office/drawing/2014/main" id="{56F7DB83-4B02-48F0-CA11-96C86E2ADFD2}"/>
-              </a:ext>
-            </a:extLst>
-          </p:cNvPr>
-          <p:cNvPicPr>
-            <a:picLocks noChangeAspect="1"/>
-          </p:cNvPicPr>
+      <p:cxnSp>
+        <p:nvCxnSpPr>
+          <p:cNvPr id="13" name="Straight Connector 12">
+            <a:extLst>
+              <a:ext uri="{FF2B5EF4-FFF2-40B4-BE49-F238E27FC236}">
+                <a16:creationId xmlns:a16="http://schemas.microsoft.com/office/drawing/2014/main" id="{F4CC6341-3869-BC05-BB7D-CF45DB0597C7}"/>
+              </a:ext>
+            </a:extLst>
+          </p:cNvPr>
+          <p:cNvCxnSpPr/>
           <p:nvPr/>
-        </p:nvPicPr>
-        <p:blipFill>
-          <a:blip r:embed="rId4">
-            <a:extLst>
-              <a:ext uri="{28A0092B-C50C-407E-A947-70E740481C1C}">
-                <a14:useLocalDpi xmlns:a14="http://schemas.microsoft.com/office/drawing/2010/main" val="0"/>
-              </a:ext>
-            </a:extLst>
-          </a:blip>
-          <a:stretch>
-            <a:fillRect/>
-          </a:stretch>
-        </p:blipFill>
-        <p:spPr>
-          <a:xfrm>
-            <a:off x="4556718" y="1228293"/>
-            <a:ext cx="3116248" cy="2337186"/>
-          </a:xfrm>
-          <a:prstGeom prst="rect">
+        </p:nvCxnSpPr>
+        <p:spPr>
+          <a:xfrm>
+            <a:off x="818866" y="4817660"/>
+            <a:ext cx="1392071" cy="0"/>
+          </a:xfrm>
+          <a:prstGeom prst="line">
             <a:avLst/>
           </a:prstGeom>
-        </p:spPr>
-      </p:pic>
-      <p:pic>
-        <p:nvPicPr>
-          <p:cNvPr id="19" name="Picture 18" descr="A picture containing text, diagram, line, parallel&#10;&#10;Description automatically generated">
-            <a:extLst>
-              <a:ext uri="{FF2B5EF4-FFF2-40B4-BE49-F238E27FC236}">
-                <a16:creationId xmlns:a16="http://schemas.microsoft.com/office/drawing/2014/main" id="{C2BF617C-1475-0ACC-7B97-AD6F78EB6810}"/>
-              </a:ext>
-            </a:extLst>
-          </p:cNvPr>
-          <p:cNvPicPr>
-            <a:picLocks noChangeAspect="1"/>
-          </p:cNvPicPr>
-          <p:nvPr/>
-        </p:nvPicPr>
-        <p:blipFill>
-          <a:blip r:embed="rId5">
-            <a:extLst>
-              <a:ext uri="{28A0092B-C50C-407E-A947-70E740481C1C}">
-                <a14:useLocalDpi xmlns:a14="http://schemas.microsoft.com/office/drawing/2010/main" val="0"/>
-              </a:ext>
-            </a:extLst>
-          </a:blip>
-          <a:stretch>
-            <a:fillRect/>
-          </a:stretch>
-        </p:blipFill>
-        <p:spPr>
-          <a:xfrm>
-            <a:off x="6880739" y="4032906"/>
-            <a:ext cx="3116247" cy="2337186"/>
-          </a:xfrm>
-          <a:prstGeom prst="rect">
-            <a:avLst/>
-          </a:prstGeom>
-        </p:spPr>
-      </p:pic>
-      <p:sp>
-        <p:nvSpPr>
-          <p:cNvPr id="20" name="TextBox 19">
-            <a:extLst>
-              <a:ext uri="{FF2B5EF4-FFF2-40B4-BE49-F238E27FC236}">
-                <a16:creationId xmlns:a16="http://schemas.microsoft.com/office/drawing/2014/main" id="{E93C6517-25D1-AEDB-9634-99C1701E0A72}"/>
-              </a:ext>
-            </a:extLst>
-          </p:cNvPr>
-          <p:cNvSpPr txBox="1"/>
-          <p:nvPr/>
-        </p:nvSpPr>
-        <p:spPr>
-          <a:xfrm>
-            <a:off x="8191921" y="1726435"/>
-            <a:ext cx="3207224" cy="1200329"/>
-          </a:xfrm>
-          <a:prstGeom prst="rect">
-            <a:avLst/>
-          </a:prstGeom>
-          <a:noFill/>
-        </p:spPr>
-        <p:txBody>
-          <a:bodyPr wrap="square" rtlCol="0">
-            <a:spAutoFit/>
-          </a:bodyPr>
-          <a:lstStyle/>
-          <a:p>
-            <a:r>
-              <a:rPr lang="en-US" dirty="0">
-                <a:solidFill>
-                  <a:schemeClr val="bg1"/>
-                </a:solidFill>
-              </a:rPr>
-              <a:t>By following the arrows, you can observe the changing conditions of the various panels in the strings.</a:t>
-            </a:r>
-            <a:endParaRPr lang="it-IT" dirty="0">
-              <a:solidFill>
-                <a:schemeClr val="bg1"/>
-              </a:solidFill>
-            </a:endParaRPr>
-          </a:p>
-        </p:txBody>
-      </p:sp>
-      <p:cxnSp>
-        <p:nvCxnSpPr>
-          <p:cNvPr id="22" name="Straight Arrow Connector 21">
-            <a:extLst>
-              <a:ext uri="{FF2B5EF4-FFF2-40B4-BE49-F238E27FC236}">
-                <a16:creationId xmlns:a16="http://schemas.microsoft.com/office/drawing/2014/main" id="{4F0BF251-C7AB-530C-8A83-E1D6BE81CA3B}"/>
-              </a:ext>
-            </a:extLst>
-          </p:cNvPr>
-          <p:cNvCxnSpPr>
-            <a:cxnSpLocks/>
-          </p:cNvCxnSpPr>
-          <p:nvPr/>
-        </p:nvCxnSpPr>
-        <p:spPr>
-          <a:xfrm>
-            <a:off x="2829833" y="3570880"/>
-            <a:ext cx="421103" cy="486886"/>
-          </a:xfrm>
-          <a:prstGeom prst="straightConnector1">
-            <a:avLst/>
-          </a:prstGeom>
-          <a:ln w="57150">
-            <a:tailEnd type="triangle"/>
+          <a:ln w="38100">
+            <a:prstDash val="sysDot"/>
           </a:ln>
         </p:spPr>
         <p:style>
@@ -15885,10 +15866,10 @@
       </p:cxnSp>
       <p:cxnSp>
         <p:nvCxnSpPr>
-          <p:cNvPr id="24" name="Straight Arrow Connector 23">
-            <a:extLst>
-              <a:ext uri="{FF2B5EF4-FFF2-40B4-BE49-F238E27FC236}">
-                <a16:creationId xmlns:a16="http://schemas.microsoft.com/office/drawing/2014/main" id="{7B4A909A-3AAE-1259-B1DE-07772B109326}"/>
+          <p:cNvPr id="14" name="Straight Connector 13">
+            <a:extLst>
+              <a:ext uri="{FF2B5EF4-FFF2-40B4-BE49-F238E27FC236}">
+                <a16:creationId xmlns:a16="http://schemas.microsoft.com/office/drawing/2014/main" id="{C029A51A-F439-E93C-9DA0-57FA1F104DC5}"/>
               </a:ext>
             </a:extLst>
           </p:cNvPr>
@@ -15898,15 +15879,15 @@
           <p:nvPr/>
         </p:nvCxnSpPr>
         <p:spPr>
-          <a:xfrm flipV="1">
-            <a:off x="4531749" y="3565444"/>
-            <a:ext cx="493990" cy="444622"/>
-          </a:xfrm>
-          <a:prstGeom prst="straightConnector1">
+          <a:xfrm>
+            <a:off x="2194916" y="4811034"/>
+            <a:ext cx="0" cy="1492230"/>
+          </a:xfrm>
+          <a:prstGeom prst="line">
             <a:avLst/>
           </a:prstGeom>
-          <a:ln w="57150">
-            <a:tailEnd type="triangle"/>
+          <a:ln w="38100">
+            <a:prstDash val="sysDot"/>
           </a:ln>
         </p:spPr>
         <p:style>
@@ -15926,10 +15907,10 @@
       </p:cxnSp>
       <p:cxnSp>
         <p:nvCxnSpPr>
-          <p:cNvPr id="27" name="Straight Arrow Connector 26">
-            <a:extLst>
-              <a:ext uri="{FF2B5EF4-FFF2-40B4-BE49-F238E27FC236}">
-                <a16:creationId xmlns:a16="http://schemas.microsoft.com/office/drawing/2014/main" id="{38082BBC-192E-195B-DC16-6121C1D63121}"/>
+          <p:cNvPr id="19" name="Straight Connector 18">
+            <a:extLst>
+              <a:ext uri="{FF2B5EF4-FFF2-40B4-BE49-F238E27FC236}">
+                <a16:creationId xmlns:a16="http://schemas.microsoft.com/office/drawing/2014/main" id="{0B64199A-7DD5-5645-154F-9E39B5AC7170}"/>
               </a:ext>
             </a:extLst>
           </p:cNvPr>
@@ -15940,14 +15921,14 @@
         </p:nvCxnSpPr>
         <p:spPr>
           <a:xfrm>
-            <a:off x="7166263" y="3566635"/>
-            <a:ext cx="421103" cy="486886"/>
-          </a:xfrm>
-          <a:prstGeom prst="straightConnector1">
+            <a:off x="8120228" y="2572512"/>
+            <a:ext cx="0" cy="3730752"/>
+          </a:xfrm>
+          <a:prstGeom prst="line">
             <a:avLst/>
           </a:prstGeom>
-          <a:ln w="57150">
-            <a:tailEnd type="triangle"/>
+          <a:ln w="38100">
+            <a:prstDash val="sysDot"/>
           </a:ln>
         </p:spPr>
         <p:style>
@@ -15965,12 +15946,53 @@
           </a:fontRef>
         </p:style>
       </p:cxnSp>
-      <p:sp>
-        <p:nvSpPr>
-          <p:cNvPr id="28" name="TextBox 27">
-            <a:extLst>
-              <a:ext uri="{FF2B5EF4-FFF2-40B4-BE49-F238E27FC236}">
-                <a16:creationId xmlns:a16="http://schemas.microsoft.com/office/drawing/2014/main" id="{10FC292E-757C-068E-6D9B-8B592D068B07}"/>
+      <p:cxnSp>
+        <p:nvCxnSpPr>
+          <p:cNvPr id="21" name="Straight Connector 20">
+            <a:extLst>
+              <a:ext uri="{FF2B5EF4-FFF2-40B4-BE49-F238E27FC236}">
+                <a16:creationId xmlns:a16="http://schemas.microsoft.com/office/drawing/2014/main" id="{ED0DCDCC-F04F-E4FB-7786-CB1D1E5000AF}"/>
+              </a:ext>
+            </a:extLst>
+          </p:cNvPr>
+          <p:cNvCxnSpPr>
+            <a:cxnSpLocks/>
+          </p:cNvCxnSpPr>
+          <p:nvPr/>
+        </p:nvCxnSpPr>
+        <p:spPr>
+          <a:xfrm flipH="1">
+            <a:off x="6803136" y="2572512"/>
+            <a:ext cx="1317092" cy="0"/>
+          </a:xfrm>
+          <a:prstGeom prst="line">
+            <a:avLst/>
+          </a:prstGeom>
+          <a:ln w="38100">
+            <a:prstDash val="sysDot"/>
+          </a:ln>
+        </p:spPr>
+        <p:style>
+          <a:lnRef idx="1">
+            <a:schemeClr val="accent1"/>
+          </a:lnRef>
+          <a:fillRef idx="0">
+            <a:schemeClr val="accent1"/>
+          </a:fillRef>
+          <a:effectRef idx="0">
+            <a:schemeClr val="accent1"/>
+          </a:effectRef>
+          <a:fontRef idx="minor">
+            <a:schemeClr val="tx1"/>
+          </a:fontRef>
+        </p:style>
+      </p:cxnSp>
+      <p:sp>
+        <p:nvSpPr>
+          <p:cNvPr id="24" name="TextBox 23">
+            <a:extLst>
+              <a:ext uri="{FF2B5EF4-FFF2-40B4-BE49-F238E27FC236}">
+                <a16:creationId xmlns:a16="http://schemas.microsoft.com/office/drawing/2014/main" id="{9B34E67F-A3B4-8674-8EE2-B380BA581644}"/>
               </a:ext>
             </a:extLst>
           </p:cNvPr>
@@ -15979,8 +16001,8 @@
         </p:nvSpPr>
         <p:spPr>
           <a:xfrm>
-            <a:off x="832262" y="1034446"/>
-            <a:ext cx="2943862" cy="307777"/>
+            <a:off x="445008" y="1018583"/>
+            <a:ext cx="11301984" cy="646331"/>
           </a:xfrm>
           <a:prstGeom prst="rect">
             <a:avLst/>
@@ -15994,139 +16016,17 @@
           <a:lstStyle/>
           <a:p>
             <a:r>
-              <a:rPr lang="it-IT" sz="1400" dirty="0"/>
-              <a:t>String 1 – Panel 1 shaded</a:t>
+              <a:rPr lang="en-US" dirty="0"/>
+              <a:t>It can be observed that the power chosen by the optimizer is precisely the higher one among the two peaks in the previously shown P-V plot, which displayed two maximum power points.</a:t>
             </a:r>
-          </a:p>
-        </p:txBody>
-      </p:sp>
-      <p:sp>
-        <p:nvSpPr>
-          <p:cNvPr id="29" name="TextBox 28">
-            <a:extLst>
-              <a:ext uri="{FF2B5EF4-FFF2-40B4-BE49-F238E27FC236}">
-                <a16:creationId xmlns:a16="http://schemas.microsoft.com/office/drawing/2014/main" id="{96E7FF75-E96E-A2D2-FD15-8BA52AA18116}"/>
-              </a:ext>
-            </a:extLst>
-          </p:cNvPr>
-          <p:cNvSpPr txBox="1"/>
-          <p:nvPr/>
-        </p:nvSpPr>
-        <p:spPr>
-          <a:xfrm>
-            <a:off x="2756910" y="6327820"/>
-            <a:ext cx="2943862" cy="523220"/>
-          </a:xfrm>
-          <a:prstGeom prst="rect">
-            <a:avLst/>
-          </a:prstGeom>
-          <a:noFill/>
-        </p:spPr>
-        <p:txBody>
-          <a:bodyPr wrap="square" rtlCol="0">
-            <a:spAutoFit/>
-          </a:bodyPr>
-          <a:lstStyle/>
-          <a:p>
-            <a:r>
-              <a:rPr lang="it-IT" sz="1400" dirty="0"/>
-              <a:t>String 1 – Panel 1 shaded</a:t>
-            </a:r>
-          </a:p>
-          <a:p>
-            <a:r>
-              <a:rPr lang="it-IT" sz="1400" dirty="0"/>
-              <a:t>String 2 – Panel 1 shaded</a:t>
-            </a:r>
-          </a:p>
-        </p:txBody>
-      </p:sp>
-      <p:sp>
-        <p:nvSpPr>
-          <p:cNvPr id="31" name="TextBox 30">
-            <a:extLst>
-              <a:ext uri="{FF2B5EF4-FFF2-40B4-BE49-F238E27FC236}">
-                <a16:creationId xmlns:a16="http://schemas.microsoft.com/office/drawing/2014/main" id="{F7B984E4-69CC-8840-9F0A-78B23226724D}"/>
-              </a:ext>
-            </a:extLst>
-          </p:cNvPr>
-          <p:cNvSpPr txBox="1"/>
-          <p:nvPr/>
-        </p:nvSpPr>
-        <p:spPr>
-          <a:xfrm>
-            <a:off x="5143174" y="815583"/>
-            <a:ext cx="2943862" cy="523220"/>
-          </a:xfrm>
-          <a:prstGeom prst="rect">
-            <a:avLst/>
-          </a:prstGeom>
-          <a:noFill/>
-        </p:spPr>
-        <p:txBody>
-          <a:bodyPr wrap="square" rtlCol="0">
-            <a:spAutoFit/>
-          </a:bodyPr>
-          <a:lstStyle/>
-          <a:p>
-            <a:r>
-              <a:rPr lang="it-IT" sz="1400" dirty="0"/>
-              <a:t>String 2 – Panel 1 shaded</a:t>
-            </a:r>
-          </a:p>
-          <a:p>
-            <a:r>
-              <a:rPr lang="it-IT" sz="1400" dirty="0"/>
-              <a:t>String 3 – Panel 1 shaded</a:t>
-            </a:r>
-          </a:p>
-        </p:txBody>
-      </p:sp>
-      <p:sp>
-        <p:nvSpPr>
-          <p:cNvPr id="32" name="TextBox 31">
-            <a:extLst>
-              <a:ext uri="{FF2B5EF4-FFF2-40B4-BE49-F238E27FC236}">
-                <a16:creationId xmlns:a16="http://schemas.microsoft.com/office/drawing/2014/main" id="{0B7E1EFE-A49E-3F4A-0DB8-6D8EC128631A}"/>
-              </a:ext>
-            </a:extLst>
-          </p:cNvPr>
-          <p:cNvSpPr txBox="1"/>
-          <p:nvPr/>
-        </p:nvSpPr>
-        <p:spPr>
-          <a:xfrm>
-            <a:off x="7376814" y="6265805"/>
-            <a:ext cx="2943862" cy="523220"/>
-          </a:xfrm>
-          <a:prstGeom prst="rect">
-            <a:avLst/>
-          </a:prstGeom>
-          <a:noFill/>
-        </p:spPr>
-        <p:txBody>
-          <a:bodyPr wrap="square" rtlCol="0">
-            <a:spAutoFit/>
-          </a:bodyPr>
-          <a:lstStyle/>
-          <a:p>
-            <a:r>
-              <a:rPr lang="it-IT" sz="1400" dirty="0"/>
-              <a:t>String 2 – Panel 1,2 shaded</a:t>
-            </a:r>
-          </a:p>
-          <a:p>
-            <a:r>
-              <a:rPr lang="it-IT" sz="1400" dirty="0"/>
-              <a:t>String 3 – Panel 1,2 shaded</a:t>
-            </a:r>
+            <a:endParaRPr lang="it-IT" dirty="0"/>
           </a:p>
         </p:txBody>
       </p:sp>
     </p:spTree>
     <p:extLst>
       <p:ext uri="{BB962C8B-B14F-4D97-AF65-F5344CB8AC3E}">
-        <p14:creationId xmlns:p14="http://schemas.microsoft.com/office/powerpoint/2010/main" val="2201786432"/>
+        <p14:creationId xmlns:p14="http://schemas.microsoft.com/office/powerpoint/2010/main" val="3852231215"/>
       </p:ext>
     </p:extLst>
   </p:cSld>
@@ -16167,6 +16067,60 @@
       </p:grpSpPr>
       <p:sp>
         <p:nvSpPr>
+          <p:cNvPr id="3" name="Rectangle: Rounded Corners 2">
+            <a:extLst>
+              <a:ext uri="{FF2B5EF4-FFF2-40B4-BE49-F238E27FC236}">
+                <a16:creationId xmlns:a16="http://schemas.microsoft.com/office/drawing/2014/main" id="{40977B52-DB31-FE4A-EA7B-B55E646DA797}"/>
+              </a:ext>
+            </a:extLst>
+          </p:cNvPr>
+          <p:cNvSpPr/>
+          <p:nvPr/>
+        </p:nvSpPr>
+        <p:spPr>
+          <a:xfrm>
+            <a:off x="8087036" y="1645784"/>
+            <a:ext cx="3397555" cy="1377195"/>
+          </a:xfrm>
+          <a:prstGeom prst="roundRect">
+            <a:avLst/>
+          </a:prstGeom>
+          <a:solidFill>
+            <a:schemeClr val="accent1"/>
+          </a:solidFill>
+          <a:ln w="57150">
+            <a:solidFill>
+              <a:srgbClr val="FFC000"/>
+            </a:solidFill>
+          </a:ln>
+        </p:spPr>
+        <p:style>
+          <a:lnRef idx="2">
+            <a:schemeClr val="accent1">
+              <a:shade val="50000"/>
+            </a:schemeClr>
+          </a:lnRef>
+          <a:fillRef idx="1">
+            <a:schemeClr val="accent1"/>
+          </a:fillRef>
+          <a:effectRef idx="0">
+            <a:schemeClr val="accent1"/>
+          </a:effectRef>
+          <a:fontRef idx="minor">
+            <a:schemeClr val="lt1"/>
+          </a:fontRef>
+        </p:style>
+        <p:txBody>
+          <a:bodyPr rtlCol="0" anchor="ctr"/>
+          <a:lstStyle/>
+          <a:p>
+            <a:pPr algn="ctr"/>
+            <a:endParaRPr lang="it-IT"/>
+          </a:p>
+        </p:txBody>
+      </p:sp>
+      <p:sp>
+        <p:nvSpPr>
           <p:cNvPr id="2" name="Title 1">
             <a:extLst>
               <a:ext uri="{FF2B5EF4-FFF2-40B4-BE49-F238E27FC236}">
@@ -16193,7 +16147,7 @@
           <a:p>
             <a:r>
               <a:rPr lang="it-IT" dirty="0"/>
-              <a:t>Results with Dynamic Shadow - 2</a:t>
+              <a:t>Results with Dynamic Shadow - 1</a:t>
             </a:r>
           </a:p>
         </p:txBody>
@@ -16251,7 +16205,7 @@
       </p:sp>
       <p:pic>
         <p:nvPicPr>
-          <p:cNvPr id="12" name="Picture 11">
+          <p:cNvPr id="12" name="Picture 11" descr="A picture containing text, diagram, line, plot&#10;&#10;Description automatically generated">
             <a:extLst>
               <a:ext uri="{FF2B5EF4-FFF2-40B4-BE49-F238E27FC236}">
                 <a16:creationId xmlns:a16="http://schemas.microsoft.com/office/drawing/2014/main" id="{797A6C93-5985-E1CE-1CC0-2593372DAE8C}"/>
@@ -16271,13 +16225,14 @@
               </a:ext>
             </a:extLst>
           </a:blip>
-          <a:srcRect/>
-          <a:stretch/>
+          <a:stretch>
+            <a:fillRect/>
+          </a:stretch>
         </p:blipFill>
         <p:spPr>
           <a:xfrm>
             <a:off x="377580" y="1228293"/>
-            <a:ext cx="3116246" cy="2337185"/>
+            <a:ext cx="3116247" cy="2337185"/>
           </a:xfrm>
           <a:prstGeom prst="rect">
             <a:avLst/>
@@ -16286,7 +16241,7 @@
       </p:pic>
       <p:pic>
         <p:nvPicPr>
-          <p:cNvPr id="15" name="Picture 14">
+          <p:cNvPr id="15" name="Picture 14" descr="A picture containing text, diagram, line, plot&#10;&#10;Description automatically generated">
             <a:extLst>
               <a:ext uri="{FF2B5EF4-FFF2-40B4-BE49-F238E27FC236}">
                 <a16:creationId xmlns:a16="http://schemas.microsoft.com/office/drawing/2014/main" id="{9DA99175-44D3-2D41-2767-6BF7CE9EDAD8}"/>
@@ -16306,13 +16261,14 @@
               </a:ext>
             </a:extLst>
           </a:blip>
-          <a:srcRect/>
-          <a:stretch/>
+          <a:stretch>
+            <a:fillRect/>
+          </a:stretch>
         </p:blipFill>
         <p:spPr>
           <a:xfrm>
             <a:off x="2304193" y="4101145"/>
-            <a:ext cx="3116246" cy="2337185"/>
+            <a:ext cx="3116247" cy="2337185"/>
           </a:xfrm>
           <a:prstGeom prst="rect">
             <a:avLst/>
@@ -16321,7 +16277,7 @@
       </p:pic>
       <p:pic>
         <p:nvPicPr>
-          <p:cNvPr id="17" name="Picture 16">
+          <p:cNvPr id="17" name="Picture 16" descr="A picture containing text, diagram, line, parallel&#10;&#10;Description automatically generated">
             <a:extLst>
               <a:ext uri="{FF2B5EF4-FFF2-40B4-BE49-F238E27FC236}">
                 <a16:creationId xmlns:a16="http://schemas.microsoft.com/office/drawing/2014/main" id="{56F7DB83-4B02-48F0-CA11-96C86E2ADFD2}"/>
@@ -16341,8 +16297,9 @@
               </a:ext>
             </a:extLst>
           </a:blip>
-          <a:srcRect/>
-          <a:stretch/>
+          <a:stretch>
+            <a:fillRect/>
+          </a:stretch>
         </p:blipFill>
         <p:spPr>
           <a:xfrm>
@@ -16356,7 +16313,7 @@
       </p:pic>
       <p:pic>
         <p:nvPicPr>
-          <p:cNvPr id="19" name="Picture 18">
+          <p:cNvPr id="19" name="Picture 18" descr="A picture containing text, diagram, line, parallel&#10;&#10;Description automatically generated">
             <a:extLst>
               <a:ext uri="{FF2B5EF4-FFF2-40B4-BE49-F238E27FC236}">
                 <a16:creationId xmlns:a16="http://schemas.microsoft.com/office/drawing/2014/main" id="{C2BF617C-1475-0ACC-7B97-AD6F78EB6810}"/>
@@ -16376,19 +16333,64 @@
               </a:ext>
             </a:extLst>
           </a:blip>
-          <a:srcRect/>
-          <a:stretch/>
+          <a:stretch>
+            <a:fillRect/>
+          </a:stretch>
         </p:blipFill>
         <p:spPr>
           <a:xfrm>
             <a:off x="6880739" y="4032906"/>
-            <a:ext cx="3116247" cy="2337185"/>
+            <a:ext cx="3116247" cy="2337186"/>
           </a:xfrm>
           <a:prstGeom prst="rect">
             <a:avLst/>
           </a:prstGeom>
         </p:spPr>
       </p:pic>
+      <p:sp>
+        <p:nvSpPr>
+          <p:cNvPr id="20" name="TextBox 19">
+            <a:extLst>
+              <a:ext uri="{FF2B5EF4-FFF2-40B4-BE49-F238E27FC236}">
+                <a16:creationId xmlns:a16="http://schemas.microsoft.com/office/drawing/2014/main" id="{E93C6517-25D1-AEDB-9634-99C1701E0A72}"/>
+              </a:ext>
+            </a:extLst>
+          </p:cNvPr>
+          <p:cNvSpPr txBox="1"/>
+          <p:nvPr/>
+        </p:nvSpPr>
+        <p:spPr>
+          <a:xfrm>
+            <a:off x="8191921" y="1726435"/>
+            <a:ext cx="3207224" cy="1200329"/>
+          </a:xfrm>
+          <a:prstGeom prst="rect">
+            <a:avLst/>
+          </a:prstGeom>
+          <a:noFill/>
+        </p:spPr>
+        <p:txBody>
+          <a:bodyPr wrap="square" rtlCol="0">
+            <a:spAutoFit/>
+          </a:bodyPr>
+          <a:lstStyle/>
+          <a:p>
+            <a:r>
+              <a:rPr lang="en-US" dirty="0">
+                <a:solidFill>
+                  <a:schemeClr val="bg1"/>
+                </a:solidFill>
+              </a:rPr>
+              <a:t>By following the arrows, you can observe the changing conditions of the various panels in the strings.</a:t>
+            </a:r>
+            <a:endParaRPr lang="it-IT" dirty="0">
+              <a:solidFill>
+                <a:schemeClr val="bg1"/>
+              </a:solidFill>
+            </a:endParaRPr>
+          </a:p>
+        </p:txBody>
+      </p:sp>
       <p:cxnSp>
         <p:nvCxnSpPr>
           <p:cNvPr id="22" name="Straight Arrow Connector 21">
@@ -16670,68 +16672,10 @@
           </a:p>
         </p:txBody>
       </p:sp>
-      <p:sp>
-        <p:nvSpPr>
-          <p:cNvPr id="5" name="Rectangle: Rounded Corners 4">
-            <a:extLst>
-              <a:ext uri="{FF2B5EF4-FFF2-40B4-BE49-F238E27FC236}">
-                <a16:creationId xmlns:a16="http://schemas.microsoft.com/office/drawing/2014/main" id="{8527DF4B-7770-DBDF-D3A1-CEF56862602B}"/>
-              </a:ext>
-            </a:extLst>
-          </p:cNvPr>
-          <p:cNvSpPr/>
-          <p:nvPr/>
-        </p:nvSpPr>
-        <p:spPr>
-          <a:xfrm>
-            <a:off x="8087036" y="1645784"/>
-            <a:ext cx="3397555" cy="1377195"/>
-          </a:xfrm>
-          <a:prstGeom prst="roundRect">
-            <a:avLst/>
-          </a:prstGeom>
-          <a:solidFill>
-            <a:schemeClr val="accent1"/>
-          </a:solidFill>
-          <a:ln w="57150">
-            <a:solidFill>
-              <a:srgbClr val="FFC000"/>
-            </a:solidFill>
-          </a:ln>
-        </p:spPr>
-        <p:style>
-          <a:lnRef idx="2">
-            <a:schemeClr val="accent1">
-              <a:shade val="50000"/>
-            </a:schemeClr>
-          </a:lnRef>
-          <a:fillRef idx="1">
-            <a:schemeClr val="accent1"/>
-          </a:fillRef>
-          <a:effectRef idx="0">
-            <a:schemeClr val="accent1"/>
-          </a:effectRef>
-          <a:fontRef idx="minor">
-            <a:schemeClr val="lt1"/>
-          </a:fontRef>
-        </p:style>
-        <p:txBody>
-          <a:bodyPr rtlCol="0" anchor="ctr"/>
-          <a:lstStyle/>
-          <a:p>
-            <a:pPr algn="ctr"/>
-            <a:r>
-              <a:rPr lang="en-US" sz="1400" dirty="0"/>
-              <a:t>As it was easy to deduce from the previous graphs, multiple peaks can be observed, which are obviously due to the presence of mismatch conditions among the various panels.</a:t>
-            </a:r>
-            <a:endParaRPr lang="it-IT" sz="1400" dirty="0"/>
-          </a:p>
-        </p:txBody>
-      </p:sp>
     </p:spTree>
     <p:extLst>
       <p:ext uri="{BB962C8B-B14F-4D97-AF65-F5344CB8AC3E}">
-        <p14:creationId xmlns:p14="http://schemas.microsoft.com/office/powerpoint/2010/main" val="2140160406"/>
+        <p14:creationId xmlns:p14="http://schemas.microsoft.com/office/powerpoint/2010/main" val="2201786432"/>
       </p:ext>
     </p:extLst>
   </p:cSld>
@@ -16798,7 +16742,7 @@
           <a:p>
             <a:r>
               <a:rPr lang="it-IT" dirty="0"/>
-              <a:t>Results with Dynamic Shadow - 3</a:t>
+              <a:t>Results with Dynamic Shadow - 2</a:t>
             </a:r>
           </a:p>
         </p:txBody>
@@ -16856,10 +16800,10 @@
       </p:sp>
       <p:pic>
         <p:nvPicPr>
-          <p:cNvPr id="36" name="Picture 35" descr="A picture containing text, diagram, line, plot&#10;&#10;Description automatically generated">
-            <a:extLst>
-              <a:ext uri="{FF2B5EF4-FFF2-40B4-BE49-F238E27FC236}">
-                <a16:creationId xmlns:a16="http://schemas.microsoft.com/office/drawing/2014/main" id="{A22F7449-61FC-7746-A8FC-5A97F36578D2}"/>
+          <p:cNvPr id="12" name="Picture 11">
+            <a:extLst>
+              <a:ext uri="{FF2B5EF4-FFF2-40B4-BE49-F238E27FC236}">
+                <a16:creationId xmlns:a16="http://schemas.microsoft.com/office/drawing/2014/main" id="{797A6C93-5985-E1CE-1CC0-2593372DAE8C}"/>
               </a:ext>
             </a:extLst>
           </p:cNvPr>
@@ -16876,14 +16820,13 @@
               </a:ext>
             </a:extLst>
           </a:blip>
-          <a:stretch>
-            <a:fillRect/>
-          </a:stretch>
+          <a:srcRect/>
+          <a:stretch/>
         </p:blipFill>
         <p:spPr>
           <a:xfrm>
-            <a:off x="6285709" y="1126333"/>
-            <a:ext cx="5852172" cy="4389129"/>
+            <a:off x="377580" y="1228293"/>
+            <a:ext cx="3116246" cy="2337185"/>
           </a:xfrm>
           <a:prstGeom prst="rect">
             <a:avLst/>
@@ -16892,10 +16835,10 @@
       </p:pic>
       <p:pic>
         <p:nvPicPr>
-          <p:cNvPr id="38" name="Picture 37" descr="A picture containing text, diagram, line, plot&#10;&#10;Description automatically generated">
-            <a:extLst>
-              <a:ext uri="{FF2B5EF4-FFF2-40B4-BE49-F238E27FC236}">
-                <a16:creationId xmlns:a16="http://schemas.microsoft.com/office/drawing/2014/main" id="{EFEC9F46-C5E4-C52F-B160-E8CC1D76FD1A}"/>
+          <p:cNvPr id="15" name="Picture 14">
+            <a:extLst>
+              <a:ext uri="{FF2B5EF4-FFF2-40B4-BE49-F238E27FC236}">
+                <a16:creationId xmlns:a16="http://schemas.microsoft.com/office/drawing/2014/main" id="{9DA99175-44D3-2D41-2767-6BF7CE9EDAD8}"/>
               </a:ext>
             </a:extLst>
           </p:cNvPr>
@@ -16912,24 +16855,432 @@
               </a:ext>
             </a:extLst>
           </a:blip>
-          <a:stretch>
-            <a:fillRect/>
-          </a:stretch>
+          <a:srcRect/>
+          <a:stretch/>
         </p:blipFill>
         <p:spPr>
           <a:xfrm>
-            <a:off x="433537" y="1126334"/>
-            <a:ext cx="5852172" cy="4389129"/>
+            <a:off x="2304193" y="4101145"/>
+            <a:ext cx="3116246" cy="2337185"/>
           </a:xfrm>
           <a:prstGeom prst="rect">
             <a:avLst/>
           </a:prstGeom>
         </p:spPr>
       </p:pic>
+      <p:pic>
+        <p:nvPicPr>
+          <p:cNvPr id="17" name="Picture 16">
+            <a:extLst>
+              <a:ext uri="{FF2B5EF4-FFF2-40B4-BE49-F238E27FC236}">
+                <a16:creationId xmlns:a16="http://schemas.microsoft.com/office/drawing/2014/main" id="{56F7DB83-4B02-48F0-CA11-96C86E2ADFD2}"/>
+              </a:ext>
+            </a:extLst>
+          </p:cNvPr>
+          <p:cNvPicPr>
+            <a:picLocks noChangeAspect="1"/>
+          </p:cNvPicPr>
+          <p:nvPr/>
+        </p:nvPicPr>
+        <p:blipFill>
+          <a:blip r:embed="rId4">
+            <a:extLst>
+              <a:ext uri="{28A0092B-C50C-407E-A947-70E740481C1C}">
+                <a14:useLocalDpi xmlns:a14="http://schemas.microsoft.com/office/drawing/2010/main" val="0"/>
+              </a:ext>
+            </a:extLst>
+          </a:blip>
+          <a:srcRect/>
+          <a:stretch/>
+        </p:blipFill>
+        <p:spPr>
+          <a:xfrm>
+            <a:off x="4556718" y="1228293"/>
+            <a:ext cx="3116248" cy="2337186"/>
+          </a:xfrm>
+          <a:prstGeom prst="rect">
+            <a:avLst/>
+          </a:prstGeom>
+        </p:spPr>
+      </p:pic>
+      <p:pic>
+        <p:nvPicPr>
+          <p:cNvPr id="19" name="Picture 18">
+            <a:extLst>
+              <a:ext uri="{FF2B5EF4-FFF2-40B4-BE49-F238E27FC236}">
+                <a16:creationId xmlns:a16="http://schemas.microsoft.com/office/drawing/2014/main" id="{C2BF617C-1475-0ACC-7B97-AD6F78EB6810}"/>
+              </a:ext>
+            </a:extLst>
+          </p:cNvPr>
+          <p:cNvPicPr>
+            <a:picLocks noChangeAspect="1"/>
+          </p:cNvPicPr>
+          <p:nvPr/>
+        </p:nvPicPr>
+        <p:blipFill>
+          <a:blip r:embed="rId5">
+            <a:extLst>
+              <a:ext uri="{28A0092B-C50C-407E-A947-70E740481C1C}">
+                <a14:useLocalDpi xmlns:a14="http://schemas.microsoft.com/office/drawing/2010/main" val="0"/>
+              </a:ext>
+            </a:extLst>
+          </a:blip>
+          <a:srcRect/>
+          <a:stretch/>
+        </p:blipFill>
+        <p:spPr>
+          <a:xfrm>
+            <a:off x="6880739" y="4032906"/>
+            <a:ext cx="3116247" cy="2337185"/>
+          </a:xfrm>
+          <a:prstGeom prst="rect">
+            <a:avLst/>
+          </a:prstGeom>
+        </p:spPr>
+      </p:pic>
+      <p:cxnSp>
+        <p:nvCxnSpPr>
+          <p:cNvPr id="22" name="Straight Arrow Connector 21">
+            <a:extLst>
+              <a:ext uri="{FF2B5EF4-FFF2-40B4-BE49-F238E27FC236}">
+                <a16:creationId xmlns:a16="http://schemas.microsoft.com/office/drawing/2014/main" id="{4F0BF251-C7AB-530C-8A83-E1D6BE81CA3B}"/>
+              </a:ext>
+            </a:extLst>
+          </p:cNvPr>
+          <p:cNvCxnSpPr>
+            <a:cxnSpLocks/>
+          </p:cNvCxnSpPr>
+          <p:nvPr/>
+        </p:nvCxnSpPr>
+        <p:spPr>
+          <a:xfrm>
+            <a:off x="2829833" y="3570880"/>
+            <a:ext cx="421103" cy="486886"/>
+          </a:xfrm>
+          <a:prstGeom prst="straightConnector1">
+            <a:avLst/>
+          </a:prstGeom>
+          <a:ln w="57150">
+            <a:tailEnd type="triangle"/>
+          </a:ln>
+        </p:spPr>
+        <p:style>
+          <a:lnRef idx="1">
+            <a:schemeClr val="accent1"/>
+          </a:lnRef>
+          <a:fillRef idx="0">
+            <a:schemeClr val="accent1"/>
+          </a:fillRef>
+          <a:effectRef idx="0">
+            <a:schemeClr val="accent1"/>
+          </a:effectRef>
+          <a:fontRef idx="minor">
+            <a:schemeClr val="tx1"/>
+          </a:fontRef>
+        </p:style>
+      </p:cxnSp>
+      <p:cxnSp>
+        <p:nvCxnSpPr>
+          <p:cNvPr id="24" name="Straight Arrow Connector 23">
+            <a:extLst>
+              <a:ext uri="{FF2B5EF4-FFF2-40B4-BE49-F238E27FC236}">
+                <a16:creationId xmlns:a16="http://schemas.microsoft.com/office/drawing/2014/main" id="{7B4A909A-3AAE-1259-B1DE-07772B109326}"/>
+              </a:ext>
+            </a:extLst>
+          </p:cNvPr>
+          <p:cNvCxnSpPr>
+            <a:cxnSpLocks/>
+          </p:cNvCxnSpPr>
+          <p:nvPr/>
+        </p:nvCxnSpPr>
+        <p:spPr>
+          <a:xfrm flipV="1">
+            <a:off x="4531749" y="3565444"/>
+            <a:ext cx="493990" cy="444622"/>
+          </a:xfrm>
+          <a:prstGeom prst="straightConnector1">
+            <a:avLst/>
+          </a:prstGeom>
+          <a:ln w="57150">
+            <a:tailEnd type="triangle"/>
+          </a:ln>
+        </p:spPr>
+        <p:style>
+          <a:lnRef idx="1">
+            <a:schemeClr val="accent1"/>
+          </a:lnRef>
+          <a:fillRef idx="0">
+            <a:schemeClr val="accent1"/>
+          </a:fillRef>
+          <a:effectRef idx="0">
+            <a:schemeClr val="accent1"/>
+          </a:effectRef>
+          <a:fontRef idx="minor">
+            <a:schemeClr val="tx1"/>
+          </a:fontRef>
+        </p:style>
+      </p:cxnSp>
+      <p:cxnSp>
+        <p:nvCxnSpPr>
+          <p:cNvPr id="27" name="Straight Arrow Connector 26">
+            <a:extLst>
+              <a:ext uri="{FF2B5EF4-FFF2-40B4-BE49-F238E27FC236}">
+                <a16:creationId xmlns:a16="http://schemas.microsoft.com/office/drawing/2014/main" id="{38082BBC-192E-195B-DC16-6121C1D63121}"/>
+              </a:ext>
+            </a:extLst>
+          </p:cNvPr>
+          <p:cNvCxnSpPr>
+            <a:cxnSpLocks/>
+          </p:cNvCxnSpPr>
+          <p:nvPr/>
+        </p:nvCxnSpPr>
+        <p:spPr>
+          <a:xfrm>
+            <a:off x="7166263" y="3566635"/>
+            <a:ext cx="421103" cy="486886"/>
+          </a:xfrm>
+          <a:prstGeom prst="straightConnector1">
+            <a:avLst/>
+          </a:prstGeom>
+          <a:ln w="57150">
+            <a:tailEnd type="triangle"/>
+          </a:ln>
+        </p:spPr>
+        <p:style>
+          <a:lnRef idx="1">
+            <a:schemeClr val="accent1"/>
+          </a:lnRef>
+          <a:fillRef idx="0">
+            <a:schemeClr val="accent1"/>
+          </a:fillRef>
+          <a:effectRef idx="0">
+            <a:schemeClr val="accent1"/>
+          </a:effectRef>
+          <a:fontRef idx="minor">
+            <a:schemeClr val="tx1"/>
+          </a:fontRef>
+        </p:style>
+      </p:cxnSp>
+      <p:sp>
+        <p:nvSpPr>
+          <p:cNvPr id="28" name="TextBox 27">
+            <a:extLst>
+              <a:ext uri="{FF2B5EF4-FFF2-40B4-BE49-F238E27FC236}">
+                <a16:creationId xmlns:a16="http://schemas.microsoft.com/office/drawing/2014/main" id="{10FC292E-757C-068E-6D9B-8B592D068B07}"/>
+              </a:ext>
+            </a:extLst>
+          </p:cNvPr>
+          <p:cNvSpPr txBox="1"/>
+          <p:nvPr/>
+        </p:nvSpPr>
+        <p:spPr>
+          <a:xfrm>
+            <a:off x="832262" y="1034446"/>
+            <a:ext cx="2943862" cy="307777"/>
+          </a:xfrm>
+          <a:prstGeom prst="rect">
+            <a:avLst/>
+          </a:prstGeom>
+          <a:noFill/>
+        </p:spPr>
+        <p:txBody>
+          <a:bodyPr wrap="square" rtlCol="0">
+            <a:spAutoFit/>
+          </a:bodyPr>
+          <a:lstStyle/>
+          <a:p>
+            <a:r>
+              <a:rPr lang="it-IT" sz="1400" dirty="0"/>
+              <a:t>String 1 – Panel 1 shaded</a:t>
+            </a:r>
+          </a:p>
+        </p:txBody>
+      </p:sp>
+      <p:sp>
+        <p:nvSpPr>
+          <p:cNvPr id="29" name="TextBox 28">
+            <a:extLst>
+              <a:ext uri="{FF2B5EF4-FFF2-40B4-BE49-F238E27FC236}">
+                <a16:creationId xmlns:a16="http://schemas.microsoft.com/office/drawing/2014/main" id="{96E7FF75-E96E-A2D2-FD15-8BA52AA18116}"/>
+              </a:ext>
+            </a:extLst>
+          </p:cNvPr>
+          <p:cNvSpPr txBox="1"/>
+          <p:nvPr/>
+        </p:nvSpPr>
+        <p:spPr>
+          <a:xfrm>
+            <a:off x="2756910" y="6327820"/>
+            <a:ext cx="2943862" cy="523220"/>
+          </a:xfrm>
+          <a:prstGeom prst="rect">
+            <a:avLst/>
+          </a:prstGeom>
+          <a:noFill/>
+        </p:spPr>
+        <p:txBody>
+          <a:bodyPr wrap="square" rtlCol="0">
+            <a:spAutoFit/>
+          </a:bodyPr>
+          <a:lstStyle/>
+          <a:p>
+            <a:r>
+              <a:rPr lang="it-IT" sz="1400" dirty="0"/>
+              <a:t>String 1 – Panel 1 shaded</a:t>
+            </a:r>
+          </a:p>
+          <a:p>
+            <a:r>
+              <a:rPr lang="it-IT" sz="1400" dirty="0"/>
+              <a:t>String 2 – Panel 1 shaded</a:t>
+            </a:r>
+          </a:p>
+        </p:txBody>
+      </p:sp>
+      <p:sp>
+        <p:nvSpPr>
+          <p:cNvPr id="31" name="TextBox 30">
+            <a:extLst>
+              <a:ext uri="{FF2B5EF4-FFF2-40B4-BE49-F238E27FC236}">
+                <a16:creationId xmlns:a16="http://schemas.microsoft.com/office/drawing/2014/main" id="{F7B984E4-69CC-8840-9F0A-78B23226724D}"/>
+              </a:ext>
+            </a:extLst>
+          </p:cNvPr>
+          <p:cNvSpPr txBox="1"/>
+          <p:nvPr/>
+        </p:nvSpPr>
+        <p:spPr>
+          <a:xfrm>
+            <a:off x="5143174" y="815583"/>
+            <a:ext cx="2943862" cy="523220"/>
+          </a:xfrm>
+          <a:prstGeom prst="rect">
+            <a:avLst/>
+          </a:prstGeom>
+          <a:noFill/>
+        </p:spPr>
+        <p:txBody>
+          <a:bodyPr wrap="square" rtlCol="0">
+            <a:spAutoFit/>
+          </a:bodyPr>
+          <a:lstStyle/>
+          <a:p>
+            <a:r>
+              <a:rPr lang="it-IT" sz="1400" dirty="0"/>
+              <a:t>String 2 – Panel 1 shaded</a:t>
+            </a:r>
+          </a:p>
+          <a:p>
+            <a:r>
+              <a:rPr lang="it-IT" sz="1400" dirty="0"/>
+              <a:t>String 3 – Panel 1 shaded</a:t>
+            </a:r>
+          </a:p>
+        </p:txBody>
+      </p:sp>
+      <p:sp>
+        <p:nvSpPr>
+          <p:cNvPr id="32" name="TextBox 31">
+            <a:extLst>
+              <a:ext uri="{FF2B5EF4-FFF2-40B4-BE49-F238E27FC236}">
+                <a16:creationId xmlns:a16="http://schemas.microsoft.com/office/drawing/2014/main" id="{0B7E1EFE-A49E-3F4A-0DB8-6D8EC128631A}"/>
+              </a:ext>
+            </a:extLst>
+          </p:cNvPr>
+          <p:cNvSpPr txBox="1"/>
+          <p:nvPr/>
+        </p:nvSpPr>
+        <p:spPr>
+          <a:xfrm>
+            <a:off x="7376814" y="6265805"/>
+            <a:ext cx="2943862" cy="523220"/>
+          </a:xfrm>
+          <a:prstGeom prst="rect">
+            <a:avLst/>
+          </a:prstGeom>
+          <a:noFill/>
+        </p:spPr>
+        <p:txBody>
+          <a:bodyPr wrap="square" rtlCol="0">
+            <a:spAutoFit/>
+          </a:bodyPr>
+          <a:lstStyle/>
+          <a:p>
+            <a:r>
+              <a:rPr lang="it-IT" sz="1400" dirty="0"/>
+              <a:t>String 2 – Panel 1,2 shaded</a:t>
+            </a:r>
+          </a:p>
+          <a:p>
+            <a:r>
+              <a:rPr lang="it-IT" sz="1400" dirty="0"/>
+              <a:t>String 3 – Panel 1,2 shaded</a:t>
+            </a:r>
+          </a:p>
+        </p:txBody>
+      </p:sp>
+      <p:sp>
+        <p:nvSpPr>
+          <p:cNvPr id="5" name="Rectangle: Rounded Corners 4">
+            <a:extLst>
+              <a:ext uri="{FF2B5EF4-FFF2-40B4-BE49-F238E27FC236}">
+                <a16:creationId xmlns:a16="http://schemas.microsoft.com/office/drawing/2014/main" id="{8527DF4B-7770-DBDF-D3A1-CEF56862602B}"/>
+              </a:ext>
+            </a:extLst>
+          </p:cNvPr>
+          <p:cNvSpPr/>
+          <p:nvPr/>
+        </p:nvSpPr>
+        <p:spPr>
+          <a:xfrm>
+            <a:off x="8087036" y="1645784"/>
+            <a:ext cx="3397555" cy="1377195"/>
+          </a:xfrm>
+          <a:prstGeom prst="roundRect">
+            <a:avLst/>
+          </a:prstGeom>
+          <a:solidFill>
+            <a:schemeClr val="accent1"/>
+          </a:solidFill>
+          <a:ln w="57150">
+            <a:solidFill>
+              <a:srgbClr val="FFC000"/>
+            </a:solidFill>
+          </a:ln>
+        </p:spPr>
+        <p:style>
+          <a:lnRef idx="2">
+            <a:schemeClr val="accent1">
+              <a:shade val="50000"/>
+            </a:schemeClr>
+          </a:lnRef>
+          <a:fillRef idx="1">
+            <a:schemeClr val="accent1"/>
+          </a:fillRef>
+          <a:effectRef idx="0">
+            <a:schemeClr val="accent1"/>
+          </a:effectRef>
+          <a:fontRef idx="minor">
+            <a:schemeClr val="lt1"/>
+          </a:fontRef>
+        </p:style>
+        <p:txBody>
+          <a:bodyPr rtlCol="0" anchor="ctr"/>
+          <a:lstStyle/>
+          <a:p>
+            <a:pPr algn="ctr"/>
+            <a:r>
+              <a:rPr lang="en-US" sz="1400" dirty="0"/>
+              <a:t>As it was easy to deduce from the previous graphs, multiple peaks can be observed, which are obviously due to the presence of mismatch conditions among the various panels.</a:t>
+            </a:r>
+            <a:endParaRPr lang="it-IT" sz="1400" dirty="0"/>
+          </a:p>
+        </p:txBody>
+      </p:sp>
     </p:spTree>
     <p:extLst>
       <p:ext uri="{BB962C8B-B14F-4D97-AF65-F5344CB8AC3E}">
-        <p14:creationId xmlns:p14="http://schemas.microsoft.com/office/powerpoint/2010/main" val="3431914205"/>
+        <p14:creationId xmlns:p14="http://schemas.microsoft.com/office/powerpoint/2010/main" val="2140160406"/>
       </p:ext>
     </p:extLst>
   </p:cSld>
@@ -16970,6 +17321,465 @@
       </p:grpSpPr>
       <p:sp>
         <p:nvSpPr>
+          <p:cNvPr id="2" name="Title 1">
+            <a:extLst>
+              <a:ext uri="{FF2B5EF4-FFF2-40B4-BE49-F238E27FC236}">
+                <a16:creationId xmlns:a16="http://schemas.microsoft.com/office/drawing/2014/main" id="{C0C1A6D4-E0E2-258F-B5D2-BEFCEA4BFE29}"/>
+              </a:ext>
+            </a:extLst>
+          </p:cNvPr>
+          <p:cNvSpPr>
+            <a:spLocks noGrp="1"/>
+          </p:cNvSpPr>
+          <p:nvPr>
+            <p:ph type="title" idx="4294967295"/>
+          </p:nvPr>
+        </p:nvSpPr>
+        <p:spPr>
+          <a:xfrm>
+            <a:off x="616804" y="0"/>
+            <a:ext cx="10167937" cy="1179513"/>
+          </a:xfrm>
+        </p:spPr>
+        <p:txBody>
+          <a:bodyPr/>
+          <a:lstStyle/>
+          <a:p>
+            <a:r>
+              <a:rPr lang="it-IT" dirty="0"/>
+              <a:t>Results with Dynamic Shadow - 3</a:t>
+            </a:r>
+          </a:p>
+        </p:txBody>
+      </p:sp>
+      <p:sp>
+        <p:nvSpPr>
+          <p:cNvPr id="14" name="Titolo 1">
+            <a:extLst>
+              <a:ext uri="{FF2B5EF4-FFF2-40B4-BE49-F238E27FC236}">
+                <a16:creationId xmlns:a16="http://schemas.microsoft.com/office/drawing/2014/main" id="{7FDBCCB5-F0AF-580B-2F09-898B232B7B66}"/>
+              </a:ext>
+            </a:extLst>
+          </p:cNvPr>
+          <p:cNvSpPr txBox="1">
+            <a:spLocks/>
+          </p:cNvSpPr>
+          <p:nvPr/>
+        </p:nvSpPr>
+        <p:spPr>
+          <a:xfrm>
+            <a:off x="616804" y="249382"/>
+            <a:ext cx="10996076" cy="623454"/>
+          </a:xfrm>
+          <a:prstGeom prst="rect">
+            <a:avLst/>
+          </a:prstGeom>
+        </p:spPr>
+        <p:txBody>
+          <a:bodyPr lIns="91440" tIns="45720" rIns="91440" bIns="45720" anchor="t">
+            <a:normAutofit/>
+          </a:bodyPr>
+          <a:lstStyle>
+            <a:lvl1pPr algn="l" defTabSz="914400" rtl="0" eaLnBrk="1" latinLnBrk="0" hangingPunct="1">
+              <a:lnSpc>
+                <a:spcPct val="100000"/>
+              </a:lnSpc>
+              <a:spcBef>
+                <a:spcPct val="0"/>
+              </a:spcBef>
+              <a:buNone/>
+              <a:defRPr sz="3400" b="1" kern="1200">
+                <a:solidFill>
+                  <a:schemeClr val="tx1"/>
+                </a:solidFill>
+                <a:latin typeface="+mj-lt"/>
+                <a:ea typeface="+mj-ea"/>
+                <a:cs typeface="+mj-cs"/>
+              </a:defRPr>
+            </a:lvl1pPr>
+          </a:lstStyle>
+          <a:p>
+            <a:endParaRPr lang="it-IT" dirty="0"/>
+          </a:p>
+        </p:txBody>
+      </p:sp>
+      <p:pic>
+        <p:nvPicPr>
+          <p:cNvPr id="36" name="Picture 35" descr="A picture containing text, diagram, line, plot&#10;&#10;Description automatically generated">
+            <a:extLst>
+              <a:ext uri="{FF2B5EF4-FFF2-40B4-BE49-F238E27FC236}">
+                <a16:creationId xmlns:a16="http://schemas.microsoft.com/office/drawing/2014/main" id="{A22F7449-61FC-7746-A8FC-5A97F36578D2}"/>
+              </a:ext>
+            </a:extLst>
+          </p:cNvPr>
+          <p:cNvPicPr>
+            <a:picLocks noChangeAspect="1"/>
+          </p:cNvPicPr>
+          <p:nvPr/>
+        </p:nvPicPr>
+        <p:blipFill>
+          <a:blip r:embed="rId2">
+            <a:extLst>
+              <a:ext uri="{28A0092B-C50C-407E-A947-70E740481C1C}">
+                <a14:useLocalDpi xmlns:a14="http://schemas.microsoft.com/office/drawing/2010/main" val="0"/>
+              </a:ext>
+            </a:extLst>
+          </a:blip>
+          <a:stretch>
+            <a:fillRect/>
+          </a:stretch>
+        </p:blipFill>
+        <p:spPr>
+          <a:xfrm>
+            <a:off x="6285709" y="1126333"/>
+            <a:ext cx="5852172" cy="4389129"/>
+          </a:xfrm>
+          <a:prstGeom prst="rect">
+            <a:avLst/>
+          </a:prstGeom>
+        </p:spPr>
+      </p:pic>
+      <p:pic>
+        <p:nvPicPr>
+          <p:cNvPr id="38" name="Picture 37" descr="A picture containing text, diagram, line, plot&#10;&#10;Description automatically generated">
+            <a:extLst>
+              <a:ext uri="{FF2B5EF4-FFF2-40B4-BE49-F238E27FC236}">
+                <a16:creationId xmlns:a16="http://schemas.microsoft.com/office/drawing/2014/main" id="{EFEC9F46-C5E4-C52F-B160-E8CC1D76FD1A}"/>
+              </a:ext>
+            </a:extLst>
+          </p:cNvPr>
+          <p:cNvPicPr>
+            <a:picLocks noChangeAspect="1"/>
+          </p:cNvPicPr>
+          <p:nvPr/>
+        </p:nvPicPr>
+        <p:blipFill>
+          <a:blip r:embed="rId3">
+            <a:extLst>
+              <a:ext uri="{28A0092B-C50C-407E-A947-70E740481C1C}">
+                <a14:useLocalDpi xmlns:a14="http://schemas.microsoft.com/office/drawing/2010/main" val="0"/>
+              </a:ext>
+            </a:extLst>
+          </a:blip>
+          <a:stretch>
+            <a:fillRect/>
+          </a:stretch>
+        </p:blipFill>
+        <p:spPr>
+          <a:xfrm>
+            <a:off x="433537" y="1126334"/>
+            <a:ext cx="5852172" cy="4389129"/>
+          </a:xfrm>
+          <a:prstGeom prst="rect">
+            <a:avLst/>
+          </a:prstGeom>
+        </p:spPr>
+      </p:pic>
+    </p:spTree>
+    <p:extLst>
+      <p:ext uri="{BB962C8B-B14F-4D97-AF65-F5344CB8AC3E}">
+        <p14:creationId xmlns:p14="http://schemas.microsoft.com/office/powerpoint/2010/main" val="3431914205"/>
+      </p:ext>
+    </p:extLst>
+  </p:cSld>
+  <p:clrMapOvr>
+    <a:masterClrMapping/>
+  </p:clrMapOvr>
+  <mc:AlternateContent xmlns:mc="http://schemas.openxmlformats.org/markup-compatibility/2006" xmlns:p159="http://schemas.microsoft.com/office/powerpoint/2015/09/main">
+    <mc:Choice Requires="p159">
+      <p:transition xmlns:p14="http://schemas.microsoft.com/office/powerpoint/2010/main" spd="slow" p14:dur="2000">
+        <p159:morph option="byObject"/>
+      </p:transition>
+    </mc:Choice>
+    <mc:Fallback xmlns="">
+      <p:transition spd="slow">
+        <p:fade/>
+      </p:transition>
+    </mc:Fallback>
+  </mc:AlternateContent>
+</p:sld>
+</file>
+
+<file path=ppt/slides/slide26.xml><?xml version="1.0" encoding="utf-8"?>
+<p:sld xmlns:a="http://schemas.openxmlformats.org/drawingml/2006/main" xmlns:r="http://schemas.openxmlformats.org/officeDocument/2006/relationships" xmlns:p="http://schemas.openxmlformats.org/presentationml/2006/main">
+  <p:cSld>
+    <p:spTree>
+      <p:nvGrpSpPr>
+        <p:cNvPr id="1" name=""/>
+        <p:cNvGrpSpPr/>
+        <p:nvPr/>
+      </p:nvGrpSpPr>
+      <p:grpSpPr>
+        <a:xfrm>
+          <a:off x="0" y="0"/>
+          <a:ext cx="0" cy="0"/>
+          <a:chOff x="0" y="0"/>
+          <a:chExt cx="0" cy="0"/>
+        </a:xfrm>
+      </p:grpSpPr>
+      <p:sp>
+        <p:nvSpPr>
+          <p:cNvPr id="2" name="Title 1">
+            <a:extLst>
+              <a:ext uri="{FF2B5EF4-FFF2-40B4-BE49-F238E27FC236}">
+                <a16:creationId xmlns:a16="http://schemas.microsoft.com/office/drawing/2014/main" id="{9955D570-E43A-FEB9-DA40-9606E35E3F0F}"/>
+              </a:ext>
+            </a:extLst>
+          </p:cNvPr>
+          <p:cNvSpPr>
+            <a:spLocks noGrp="1"/>
+          </p:cNvSpPr>
+          <p:nvPr>
+            <p:ph type="title"/>
+          </p:nvPr>
+        </p:nvSpPr>
+        <p:spPr/>
+        <p:txBody>
+          <a:bodyPr/>
+          <a:lstStyle/>
+          <a:p>
+            <a:r>
+              <a:rPr lang="it-IT"/>
+              <a:t>Time-Execution considerations</a:t>
+            </a:r>
+            <a:endParaRPr lang="it-IT" dirty="0"/>
+          </a:p>
+        </p:txBody>
+      </p:sp>
+      <p:sp>
+        <p:nvSpPr>
+          <p:cNvPr id="3" name="Content Placeholder 2">
+            <a:extLst>
+              <a:ext uri="{FF2B5EF4-FFF2-40B4-BE49-F238E27FC236}">
+                <a16:creationId xmlns:a16="http://schemas.microsoft.com/office/drawing/2014/main" id="{7A19BA7A-1ADD-736D-DDE6-A5B2FFCE1FFB}"/>
+              </a:ext>
+            </a:extLst>
+          </p:cNvPr>
+          <p:cNvSpPr>
+            <a:spLocks noGrp="1"/>
+          </p:cNvSpPr>
+          <p:nvPr>
+            <p:ph idx="1"/>
+          </p:nvPr>
+        </p:nvSpPr>
+        <p:spPr>
+          <a:xfrm>
+            <a:off x="532472" y="2299120"/>
+            <a:ext cx="4867789" cy="3694176"/>
+          </a:xfrm>
+        </p:spPr>
+        <p:txBody>
+          <a:bodyPr/>
+          <a:lstStyle/>
+          <a:p>
+            <a:pPr>
+              <a:buFont typeface="+mj-lt"/>
+              <a:buAutoNum type="arabicPeriod" startAt="7"/>
+            </a:pPr>
+            <a:r>
+              <a:rPr lang="en-US" sz="1100"/>
+              <a:t>Necessary time for the optimization is: 0.07278084754943848</a:t>
+            </a:r>
+          </a:p>
+          <a:p>
+            <a:pPr>
+              <a:buFont typeface="+mj-lt"/>
+              <a:buAutoNum type="arabicPeriod" startAt="7"/>
+            </a:pPr>
+            <a:r>
+              <a:rPr lang="en-US" sz="1100"/>
+              <a:t>Necessary time for the optimization is: 0.08374691009521484</a:t>
+            </a:r>
+          </a:p>
+          <a:p>
+            <a:pPr>
+              <a:buFont typeface="+mj-lt"/>
+              <a:buAutoNum type="arabicPeriod" startAt="7"/>
+            </a:pPr>
+            <a:r>
+              <a:rPr lang="en-US" sz="1100"/>
+              <a:t>Necessary time for the optimization is: 0.08379578590393066</a:t>
+            </a:r>
+          </a:p>
+          <a:p>
+            <a:pPr>
+              <a:buFont typeface="+mj-lt"/>
+              <a:buAutoNum type="arabicPeriod" startAt="7"/>
+            </a:pPr>
+            <a:r>
+              <a:rPr lang="en-US" sz="1100"/>
+              <a:t>Necessary time for the optimization is: 0.08479881286621094</a:t>
+            </a:r>
+          </a:p>
+          <a:p>
+            <a:pPr>
+              <a:buFont typeface="+mj-lt"/>
+              <a:buAutoNum type="arabicPeriod" startAt="7"/>
+            </a:pPr>
+            <a:r>
+              <a:rPr lang="en-US" sz="1100"/>
+              <a:t>Necessary time for the optimization is: 0.5177104473114014</a:t>
+            </a:r>
+          </a:p>
+          <a:p>
+            <a:pPr>
+              <a:buFont typeface="+mj-lt"/>
+              <a:buAutoNum type="arabicPeriod" startAt="7"/>
+            </a:pPr>
+            <a:r>
+              <a:rPr lang="en-US" sz="1100"/>
+              <a:t>Necessary time for the optimization is: 0.5123865604400635</a:t>
+            </a:r>
+          </a:p>
+          <a:p>
+            <a:pPr>
+              <a:buFont typeface="+mj-lt"/>
+              <a:buAutoNum type="arabicPeriod" startAt="7"/>
+            </a:pPr>
+            <a:r>
+              <a:rPr lang="en-US" sz="1100"/>
+              <a:t>Necessary time for the optimization is: 0.507803201675415</a:t>
+            </a:r>
+          </a:p>
+          <a:p>
+            <a:pPr>
+              <a:buFont typeface="+mj-lt"/>
+              <a:buAutoNum type="arabicPeriod" startAt="7"/>
+            </a:pPr>
+            <a:r>
+              <a:rPr lang="en-US" sz="1100"/>
+              <a:t>Necessary time for the optimization is: 0.5382218360900879</a:t>
+            </a:r>
+          </a:p>
+          <a:p>
+            <a:pPr>
+              <a:buFont typeface="+mj-lt"/>
+              <a:buAutoNum type="arabicPeriod" startAt="7"/>
+            </a:pPr>
+            <a:r>
+              <a:rPr lang="en-US" sz="1100"/>
+              <a:t>Necessary time for the optimization is: 0.08324074745178223</a:t>
+            </a:r>
+          </a:p>
+          <a:p>
+            <a:pPr>
+              <a:buFont typeface="+mj-lt"/>
+              <a:buAutoNum type="arabicPeriod" startAt="7"/>
+            </a:pPr>
+            <a:r>
+              <a:rPr lang="en-US" sz="1100"/>
+              <a:t>Necessary time for the optimization is: 0.08420610427856445</a:t>
+            </a:r>
+          </a:p>
+          <a:p>
+            <a:pPr>
+              <a:buFont typeface="+mj-lt"/>
+              <a:buAutoNum type="arabicPeriod" startAt="7"/>
+            </a:pPr>
+            <a:r>
+              <a:rPr lang="en-US" sz="1100"/>
+              <a:t>Necessary time for the optimization is: 0.08022427558898926</a:t>
+            </a:r>
+          </a:p>
+          <a:p>
+            <a:pPr>
+              <a:buFont typeface="+mj-lt"/>
+              <a:buAutoNum type="arabicPeriod" startAt="7"/>
+            </a:pPr>
+            <a:r>
+              <a:rPr lang="en-US" sz="1100"/>
+              <a:t>Necessary time for the optimization is: 0.09141087532043457</a:t>
+            </a:r>
+          </a:p>
+          <a:p>
+            <a:pPr>
+              <a:buFont typeface="+mj-lt"/>
+              <a:buAutoNum type="arabicPeriod" startAt="7"/>
+            </a:pPr>
+            <a:r>
+              <a:rPr lang="en-US" sz="1100"/>
+              <a:t>Necessary time for the optimization is: 0.08193039894104004</a:t>
+            </a:r>
+            <a:endParaRPr lang="it-IT" sz="1100" dirty="0"/>
+          </a:p>
+        </p:txBody>
+      </p:sp>
+      <p:sp>
+        <p:nvSpPr>
+          <p:cNvPr id="4" name="TextBox 3">
+            <a:extLst>
+              <a:ext uri="{FF2B5EF4-FFF2-40B4-BE49-F238E27FC236}">
+                <a16:creationId xmlns:a16="http://schemas.microsoft.com/office/drawing/2014/main" id="{B5AB9598-10FC-4493-252B-59E6FA760004}"/>
+              </a:ext>
+            </a:extLst>
+          </p:cNvPr>
+          <p:cNvSpPr txBox="1"/>
+          <p:nvPr/>
+        </p:nvSpPr>
+        <p:spPr>
+          <a:xfrm>
+            <a:off x="5400261" y="3160643"/>
+            <a:ext cx="6126745" cy="2585323"/>
+          </a:xfrm>
+          <a:prstGeom prst="rect">
+            <a:avLst/>
+          </a:prstGeom>
+          <a:noFill/>
+        </p:spPr>
+        <p:txBody>
+          <a:bodyPr wrap="square" rtlCol="0">
+            <a:spAutoFit/>
+          </a:bodyPr>
+          <a:lstStyle/>
+          <a:p>
+            <a:r>
+              <a:rPr lang="en-US" dirty="0"/>
+              <a:t>The execution time on a high-quality laptop workstation is relatively low, with a maximum calculation time of 0.53 seconds for the 14-hour schedule. However, if the program were to be run on a microcontroller, it could take significantly longer. Considering the performance differences between the PC and the STM32 </a:t>
+            </a:r>
+            <a:r>
+              <a:rPr lang="en-US" dirty="0" err="1"/>
+              <a:t>Nucleo</a:t>
+            </a:r>
+            <a:r>
+              <a:rPr lang="en-US" dirty="0"/>
+              <a:t> F401RE microcontroller, we can estimate that the execution time on the microcontroller will be approximately 10 times longer.</a:t>
+            </a:r>
+            <a:endParaRPr lang="it-IT" dirty="0"/>
+          </a:p>
+        </p:txBody>
+      </p:sp>
+    </p:spTree>
+    <p:extLst>
+      <p:ext uri="{BB962C8B-B14F-4D97-AF65-F5344CB8AC3E}">
+        <p14:creationId xmlns:p14="http://schemas.microsoft.com/office/powerpoint/2010/main" val="505306980"/>
+      </p:ext>
+    </p:extLst>
+  </p:cSld>
+  <p:clrMapOvr>
+    <a:masterClrMapping/>
+  </p:clrMapOvr>
+</p:sld>
+</file>
+
+<file path=ppt/slides/slide27.xml><?xml version="1.0" encoding="utf-8"?>
+<p:sld xmlns:a="http://schemas.openxmlformats.org/drawingml/2006/main" xmlns:r="http://schemas.openxmlformats.org/officeDocument/2006/relationships" xmlns:p="http://schemas.openxmlformats.org/presentationml/2006/main">
+  <p:cSld>
+    <p:spTree>
+      <p:nvGrpSpPr>
+        <p:cNvPr id="1" name=""/>
+        <p:cNvGrpSpPr/>
+        <p:nvPr/>
+      </p:nvGrpSpPr>
+      <p:grpSpPr>
+        <a:xfrm>
+          <a:off x="0" y="0"/>
+          <a:ext cx="0" cy="0"/>
+          <a:chOff x="0" y="0"/>
+          <a:chExt cx="0" cy="0"/>
+        </a:xfrm>
+      </p:grpSpPr>
+      <p:sp>
+        <p:nvSpPr>
           <p:cNvPr id="2" name="Titolo 1">
             <a:extLst>
               <a:ext uri="{FF2B5EF4-FFF2-40B4-BE49-F238E27FC236}">
@@ -17063,7 +17873,7 @@
 </p:sld>
 </file>
 
-<file path=ppt/slides/slide26.xml><?xml version="1.0" encoding="utf-8"?>
+<file path=ppt/slides/slide28.xml><?xml version="1.0" encoding="utf-8"?>
 <p:sld xmlns:a="http://schemas.openxmlformats.org/drawingml/2006/main" xmlns:r="http://schemas.openxmlformats.org/officeDocument/2006/relationships" xmlns:p="http://schemas.openxmlformats.org/presentationml/2006/main">
   <p:cSld>
     <p:spTree>
@@ -17218,6 +18028,11 @@
           </p:cNvGraphicFramePr>
           <p:nvPr>
             <p:ph idx="1"/>
+            <p:extLst>
+              <p:ext uri="{D42A27DB-BD31-4B8C-83A1-F6EECF244321}">
+                <p14:modId xmlns:p14="http://schemas.microsoft.com/office/powerpoint/2010/main" val="4136492424"/>
+              </p:ext>
+            </p:extLst>
           </p:nvPr>
         </p:nvGraphicFramePr>
         <p:xfrm>
@@ -18162,7 +18977,7 @@
             <a:pPr algn="ctr"/>
             <a:r>
               <a:rPr lang="en-US" dirty="0"/>
-              <a:t>Starting from a set of parameters and a pair of operating conditions (G, T)</a:t>
+              <a:t>A set of parameters and a pair of operating conditions (G, T)</a:t>
             </a:r>
             <a:endParaRPr lang="it-IT" dirty="0"/>
           </a:p>
@@ -18504,7 +19319,7 @@
             </a:r>
             <a:r>
               <a:rPr lang="en-US" dirty="0"/>
-              <a:t> class is utilized to construct a new class for defining a series string of photovoltaic panels. In particular, thanks to the ability to create a list of objects.</a:t>
+              <a:t> class is utilized to construct a new class for defining a series string of photovoltaic panels. In particular, thanks to the ability to create a list of objects. (MODIFICARE)</a:t>
             </a:r>
             <a:endParaRPr lang="it-IT" dirty="0"/>
           </a:p>
@@ -18554,7 +19369,7 @@
             <a:pPr algn="ctr"/>
             <a:r>
               <a:rPr lang="en-US" dirty="0"/>
-              <a:t>An output is generated consisting of a list of </a:t>
+              <a:t>A list of </a:t>
             </a:r>
             <a:r>
               <a:rPr lang="en-US" dirty="0" err="1"/>
@@ -19441,7 +20256,7 @@
             <a:pPr algn="ctr"/>
             <a:r>
               <a:rPr lang="it-IT" dirty="0"/>
-              <a:t>Input</a:t>
+              <a:t>Problem</a:t>
             </a:r>
           </a:p>
         </p:txBody>
@@ -19477,7 +20292,7 @@
             <a:pPr algn="ctr"/>
             <a:r>
               <a:rPr lang="it-IT" dirty="0"/>
-              <a:t>Output</a:t>
+              <a:t>Solution</a:t>
             </a:r>
           </a:p>
         </p:txBody>

--- a/ProgettoRESM.pptx
+++ b/ProgettoRESM.pptx
@@ -5,7 +5,7 @@
     <p:sldMasterId id="2147483815" r:id="rId1"/>
   </p:sldMasterIdLst>
   <p:notesMasterIdLst>
-    <p:notesMasterId r:id="rId30"/>
+    <p:notesMasterId r:id="rId31"/>
   </p:notesMasterIdLst>
   <p:sldIdLst>
     <p:sldId id="256" r:id="rId2"/>
@@ -17,25 +17,26 @@
     <p:sldId id="270" r:id="rId8"/>
     <p:sldId id="269" r:id="rId9"/>
     <p:sldId id="271" r:id="rId10"/>
-    <p:sldId id="286" r:id="rId11"/>
-    <p:sldId id="278" r:id="rId12"/>
-    <p:sldId id="279" r:id="rId13"/>
-    <p:sldId id="272" r:id="rId14"/>
-    <p:sldId id="273" r:id="rId15"/>
-    <p:sldId id="274" r:id="rId16"/>
-    <p:sldId id="280" r:id="rId17"/>
-    <p:sldId id="263" r:id="rId18"/>
-    <p:sldId id="264" r:id="rId19"/>
-    <p:sldId id="281" r:id="rId20"/>
-    <p:sldId id="275" r:id="rId21"/>
-    <p:sldId id="276" r:id="rId22"/>
-    <p:sldId id="277" r:id="rId23"/>
-    <p:sldId id="283" r:id="rId24"/>
-    <p:sldId id="284" r:id="rId25"/>
-    <p:sldId id="282" r:id="rId26"/>
-    <p:sldId id="285" r:id="rId27"/>
-    <p:sldId id="259" r:id="rId28"/>
-    <p:sldId id="261" r:id="rId29"/>
+    <p:sldId id="287" r:id="rId11"/>
+    <p:sldId id="286" r:id="rId12"/>
+    <p:sldId id="278" r:id="rId13"/>
+    <p:sldId id="279" r:id="rId14"/>
+    <p:sldId id="272" r:id="rId15"/>
+    <p:sldId id="273" r:id="rId16"/>
+    <p:sldId id="274" r:id="rId17"/>
+    <p:sldId id="280" r:id="rId18"/>
+    <p:sldId id="263" r:id="rId19"/>
+    <p:sldId id="264" r:id="rId20"/>
+    <p:sldId id="281" r:id="rId21"/>
+    <p:sldId id="275" r:id="rId22"/>
+    <p:sldId id="276" r:id="rId23"/>
+    <p:sldId id="277" r:id="rId24"/>
+    <p:sldId id="283" r:id="rId25"/>
+    <p:sldId id="284" r:id="rId26"/>
+    <p:sldId id="282" r:id="rId27"/>
+    <p:sldId id="285" r:id="rId28"/>
+    <p:sldId id="259" r:id="rId29"/>
+    <p:sldId id="261" r:id="rId30"/>
   </p:sldIdLst>
   <p:sldSz cx="12192000" cy="6858000"/>
   <p:notesSz cx="6858000" cy="9144000"/>
@@ -140,6 +141,104 @@
     </p:ext>
   </p:extLst>
 </p:presentation>
+</file>
+
+<file path=ppt/revisionInfo.xml><?xml version="1.0" encoding="utf-8"?>
+<p1510:revInfo xmlns:a="http://schemas.openxmlformats.org/drawingml/2006/main" xmlns:r="http://schemas.openxmlformats.org/officeDocument/2006/relationships" xmlns:p1510="http://schemas.microsoft.com/office/powerpoint/2015/10/main">
+  <p1510:revLst>
+    <p1510:client id="{F9E020B8-FC10-4A1E-AF14-59FD8D4D4A9D}" v="5" dt="2023-06-05T08:13:57.771"/>
+  </p1510:revLst>
+</p1510:revInfo>
+</file>
+
+<file path=ppt/changesInfos/changesInfo1.xml><?xml version="1.0" encoding="utf-8"?>
+<pc:chgInfo xmlns:a="http://schemas.openxmlformats.org/drawingml/2006/main" xmlns:r="http://schemas.openxmlformats.org/officeDocument/2006/relationships" xmlns:ac="http://schemas.microsoft.com/office/drawing/2013/main/command" xmlns:pc="http://schemas.microsoft.com/office/powerpoint/2013/main/command">
+  <pc:docChgLst>
+    <pc:chgData name="Marco De Gregorio" userId="eafc16d615fa7677" providerId="LiveId" clId="{F9E020B8-FC10-4A1E-AF14-59FD8D4D4A9D}"/>
+    <pc:docChg chg="undo custSel addSld delSld modSld">
+      <pc:chgData name="Marco De Gregorio" userId="eafc16d615fa7677" providerId="LiveId" clId="{F9E020B8-FC10-4A1E-AF14-59FD8D4D4A9D}" dt="2023-06-05T08:14:44.290" v="256" actId="20577"/>
+      <pc:docMkLst>
+        <pc:docMk/>
+      </pc:docMkLst>
+      <pc:sldChg chg="modSp mod">
+        <pc:chgData name="Marco De Gregorio" userId="eafc16d615fa7677" providerId="LiveId" clId="{F9E020B8-FC10-4A1E-AF14-59FD8D4D4A9D}" dt="2023-06-05T08:14:44.290" v="256" actId="20577"/>
+        <pc:sldMkLst>
+          <pc:docMk/>
+          <pc:sldMk cId="995637246" sldId="261"/>
+        </pc:sldMkLst>
+        <pc:spChg chg="mod">
+          <ac:chgData name="Marco De Gregorio" userId="eafc16d615fa7677" providerId="LiveId" clId="{F9E020B8-FC10-4A1E-AF14-59FD8D4D4A9D}" dt="2023-06-05T08:14:44.290" v="256" actId="20577"/>
+          <ac:spMkLst>
+            <pc:docMk/>
+            <pc:sldMk cId="995637246" sldId="261"/>
+            <ac:spMk id="3" creationId="{280F83CB-D664-BE40-4315-5A23FD3DB8B8}"/>
+          </ac:spMkLst>
+        </pc:spChg>
+      </pc:sldChg>
+      <pc:sldChg chg="addSp delSp modSp new mod modTransition modClrScheme chgLayout">
+        <pc:chgData name="Marco De Gregorio" userId="eafc16d615fa7677" providerId="LiveId" clId="{F9E020B8-FC10-4A1E-AF14-59FD8D4D4A9D}" dt="2023-06-05T08:12:38.774" v="239" actId="113"/>
+        <pc:sldMkLst>
+          <pc:docMk/>
+          <pc:sldMk cId="2575739673" sldId="287"/>
+        </pc:sldMkLst>
+        <pc:spChg chg="mod ord">
+          <ac:chgData name="Marco De Gregorio" userId="eafc16d615fa7677" providerId="LiveId" clId="{F9E020B8-FC10-4A1E-AF14-59FD8D4D4A9D}" dt="2023-06-05T06:36:21.191" v="46" actId="404"/>
+          <ac:spMkLst>
+            <pc:docMk/>
+            <pc:sldMk cId="2575739673" sldId="287"/>
+            <ac:spMk id="2" creationId="{33E4BB48-CA05-3069-9236-183EAFDFDEBA}"/>
+          </ac:spMkLst>
+        </pc:spChg>
+        <pc:spChg chg="del mod">
+          <ac:chgData name="Marco De Gregorio" userId="eafc16d615fa7677" providerId="LiveId" clId="{F9E020B8-FC10-4A1E-AF14-59FD8D4D4A9D}" dt="2023-06-05T06:36:12.949" v="43" actId="700"/>
+          <ac:spMkLst>
+            <pc:docMk/>
+            <pc:sldMk cId="2575739673" sldId="287"/>
+            <ac:spMk id="3" creationId="{3E51CDBF-5A6D-ADE3-5685-FF0B1DCF1012}"/>
+          </ac:spMkLst>
+        </pc:spChg>
+        <pc:spChg chg="add mod">
+          <ac:chgData name="Marco De Gregorio" userId="eafc16d615fa7677" providerId="LiveId" clId="{F9E020B8-FC10-4A1E-AF14-59FD8D4D4A9D}" dt="2023-06-05T08:12:38.774" v="239" actId="113"/>
+          <ac:spMkLst>
+            <pc:docMk/>
+            <pc:sldMk cId="2575739673" sldId="287"/>
+            <ac:spMk id="6" creationId="{245F7458-7815-CB8C-EB73-6770CF98021F}"/>
+          </ac:spMkLst>
+        </pc:spChg>
+        <pc:picChg chg="add del mod">
+          <ac:chgData name="Marco De Gregorio" userId="eafc16d615fa7677" providerId="LiveId" clId="{F9E020B8-FC10-4A1E-AF14-59FD8D4D4A9D}" dt="2023-06-05T07:12:11.405" v="67" actId="478"/>
+          <ac:picMkLst>
+            <pc:docMk/>
+            <pc:sldMk cId="2575739673" sldId="287"/>
+            <ac:picMk id="5" creationId="{72EF11CF-0C13-3849-FEDA-A28A1526402B}"/>
+          </ac:picMkLst>
+        </pc:picChg>
+        <pc:picChg chg="add mod">
+          <ac:chgData name="Marco De Gregorio" userId="eafc16d615fa7677" providerId="LiveId" clId="{F9E020B8-FC10-4A1E-AF14-59FD8D4D4A9D}" dt="2023-06-05T07:13:43.532" v="85" actId="14100"/>
+          <ac:picMkLst>
+            <pc:docMk/>
+            <pc:sldMk cId="2575739673" sldId="287"/>
+            <ac:picMk id="8" creationId="{D746E1AB-8DAC-AA4A-A3D2-83C462D400E1}"/>
+          </ac:picMkLst>
+        </pc:picChg>
+      </pc:sldChg>
+      <pc:sldChg chg="new del">
+        <pc:chgData name="Marco De Gregorio" userId="eafc16d615fa7677" providerId="LiveId" clId="{F9E020B8-FC10-4A1E-AF14-59FD8D4D4A9D}" dt="2023-06-05T08:05:04.150" v="110" actId="680"/>
+        <pc:sldMkLst>
+          <pc:docMk/>
+          <pc:sldMk cId="3760110107" sldId="288"/>
+        </pc:sldMkLst>
+      </pc:sldChg>
+      <pc:sldChg chg="new del">
+        <pc:chgData name="Marco De Gregorio" userId="eafc16d615fa7677" providerId="LiveId" clId="{F9E020B8-FC10-4A1E-AF14-59FD8D4D4A9D}" dt="2023-06-05T08:05:03.991" v="109" actId="680"/>
+        <pc:sldMkLst>
+          <pc:docMk/>
+          <pc:sldMk cId="1606795598" sldId="289"/>
+        </pc:sldMkLst>
+      </pc:sldChg>
+    </pc:docChg>
+  </pc:docChgLst>
+</pc:chgInfo>
 </file>
 
 <file path=ppt/diagrams/colors1.xml><?xml version="1.0" encoding="utf-8"?>
@@ -4114,7 +4213,7 @@
           <a:p>
             <a:fld id="{777C7FCF-6E1F-440D-B965-845AEBE0DAAC}" type="datetimeFigureOut">
               <a:rPr lang="it-IT" smtClean="0"/>
-              <a:t>02/06/2023</a:t>
+              <a:t>05/06/2023</a:t>
             </a:fld>
             <a:endParaRPr lang="it-IT"/>
           </a:p>
@@ -4273,7 +4372,7 @@
           <a:p>
             <a:fld id="{1E9BD373-06D5-486F-8382-5325C203B2CF}" type="slidenum">
               <a:rPr lang="it-IT" smtClean="0"/>
-              <a:t>‹#›</a:t>
+              <a:t>‹N›</a:t>
             </a:fld>
             <a:endParaRPr lang="it-IT"/>
           </a:p>
@@ -4447,7 +4546,7 @@
           <a:p>
             <a:fld id="{1E9BD373-06D5-486F-8382-5325C203B2CF}" type="slidenum">
               <a:rPr lang="it-IT" smtClean="0"/>
-              <a:t>27</a:t>
+              <a:t>28</a:t>
             </a:fld>
             <a:endParaRPr lang="it-IT"/>
           </a:p>
@@ -4620,7 +4719,7 @@
           <a:p>
             <a:fld id="{02AC24A9-CCB6-4F8D-B8DB-C2F3692CFA5A}" type="datetimeFigureOut">
               <a:rPr lang="en-US" smtClean="0"/>
-              <a:t>6/2/2023</a:t>
+              <a:t>6/5/2023</a:t>
             </a:fld>
             <a:endParaRPr lang="en-US" dirty="0"/>
           </a:p>
@@ -4679,7 +4778,7 @@
           <a:p>
             <a:fld id="{B2DC25EE-239B-4C5F-AAD1-255A7D5F1EE2}" type="slidenum">
               <a:rPr lang="en-US" smtClean="0"/>
-              <a:t>‹#›</a:t>
+              <a:t>‹N›</a:t>
             </a:fld>
             <a:endParaRPr lang="en-US" dirty="0"/>
           </a:p>
@@ -4990,7 +5089,7 @@
           <a:p>
             <a:fld id="{02AC24A9-CCB6-4F8D-B8DB-C2F3692CFA5A}" type="datetimeFigureOut">
               <a:rPr lang="en-US" smtClean="0"/>
-              <a:t>6/2/2023</a:t>
+              <a:t>6/5/2023</a:t>
             </a:fld>
             <a:endParaRPr lang="en-US"/>
           </a:p>
@@ -5044,7 +5143,7 @@
           <a:p>
             <a:fld id="{B2DC25EE-239B-4C5F-AAD1-255A7D5F1EE2}" type="slidenum">
               <a:rPr lang="en-US" smtClean="0"/>
-              <a:t>‹#›</a:t>
+              <a:t>‹N›</a:t>
             </a:fld>
             <a:endParaRPr lang="en-US"/>
           </a:p>
@@ -5199,7 +5298,7 @@
           <a:p>
             <a:fld id="{02AC24A9-CCB6-4F8D-B8DB-C2F3692CFA5A}" type="datetimeFigureOut">
               <a:rPr lang="en-US" smtClean="0"/>
-              <a:t>6/2/2023</a:t>
+              <a:t>6/5/2023</a:t>
             </a:fld>
             <a:endParaRPr lang="en-US"/>
           </a:p>
@@ -5253,7 +5352,7 @@
           <a:p>
             <a:fld id="{B2DC25EE-239B-4C5F-AAD1-255A7D5F1EE2}" type="slidenum">
               <a:rPr lang="en-US" smtClean="0"/>
-              <a:t>‹#›</a:t>
+              <a:t>‹N›</a:t>
             </a:fld>
             <a:endParaRPr lang="en-US"/>
           </a:p>
@@ -5669,7 +5768,7 @@
           <a:p>
             <a:fld id="{02AC24A9-CCB6-4F8D-B8DB-C2F3692CFA5A}" type="datetimeFigureOut">
               <a:rPr lang="en-US" smtClean="0"/>
-              <a:t>6/2/2023</a:t>
+              <a:t>6/5/2023</a:t>
             </a:fld>
             <a:endParaRPr lang="en-US"/>
           </a:p>
@@ -5728,7 +5827,7 @@
           <a:p>
             <a:fld id="{B2DC25EE-239B-4C5F-AAD1-255A7D5F1EE2}" type="slidenum">
               <a:rPr lang="en-US" smtClean="0"/>
-              <a:t>‹#›</a:t>
+              <a:t>‹N›</a:t>
             </a:fld>
             <a:endParaRPr lang="en-US"/>
           </a:p>
@@ -6123,7 +6222,7 @@
           <a:p>
             <a:fld id="{02AC24A9-CCB6-4F8D-B8DB-C2F3692CFA5A}" type="datetimeFigureOut">
               <a:rPr lang="en-US" smtClean="0"/>
-              <a:t>6/2/2023</a:t>
+              <a:t>6/5/2023</a:t>
             </a:fld>
             <a:endParaRPr lang="en-US"/>
           </a:p>
@@ -6177,7 +6276,7 @@
           <a:p>
             <a:fld id="{B2DC25EE-239B-4C5F-AAD1-255A7D5F1EE2}" type="slidenum">
               <a:rPr lang="en-US" smtClean="0"/>
-              <a:t>‹#›</a:t>
+              <a:t>‹N›</a:t>
             </a:fld>
             <a:endParaRPr lang="en-US"/>
           </a:p>
@@ -6655,7 +6754,7 @@
           <a:p>
             <a:fld id="{02AC24A9-CCB6-4F8D-B8DB-C2F3692CFA5A}" type="datetimeFigureOut">
               <a:rPr lang="en-US" smtClean="0"/>
-              <a:t>6/2/2023</a:t>
+              <a:t>6/5/2023</a:t>
             </a:fld>
             <a:endParaRPr lang="en-US"/>
           </a:p>
@@ -6714,7 +6813,7 @@
           <a:p>
             <a:fld id="{B2DC25EE-239B-4C5F-AAD1-255A7D5F1EE2}" type="slidenum">
               <a:rPr lang="en-US" smtClean="0"/>
-              <a:t>‹#›</a:t>
+              <a:t>‹N›</a:t>
             </a:fld>
             <a:endParaRPr lang="en-US"/>
           </a:p>
@@ -7354,7 +7453,7 @@
           <a:p>
             <a:fld id="{02AC24A9-CCB6-4F8D-B8DB-C2F3692CFA5A}" type="datetimeFigureOut">
               <a:rPr lang="en-US" smtClean="0"/>
-              <a:t>6/2/2023</a:t>
+              <a:t>6/5/2023</a:t>
             </a:fld>
             <a:endParaRPr lang="en-US"/>
           </a:p>
@@ -7413,7 +7512,7 @@
           <a:p>
             <a:fld id="{B2DC25EE-239B-4C5F-AAD1-255A7D5F1EE2}" type="slidenum">
               <a:rPr lang="en-US" smtClean="0"/>
-              <a:t>‹#›</a:t>
+              <a:t>‹N›</a:t>
             </a:fld>
             <a:endParaRPr lang="en-US"/>
           </a:p>
@@ -7683,7 +7782,7 @@
           <a:p>
             <a:fld id="{02AC24A9-CCB6-4F8D-B8DB-C2F3692CFA5A}" type="datetimeFigureOut">
               <a:rPr lang="en-US" smtClean="0"/>
-              <a:t>6/2/2023</a:t>
+              <a:t>6/5/2023</a:t>
             </a:fld>
             <a:endParaRPr lang="en-US"/>
           </a:p>
@@ -7737,7 +7836,7 @@
           <a:p>
             <a:fld id="{B2DC25EE-239B-4C5F-AAD1-255A7D5F1EE2}" type="slidenum">
               <a:rPr lang="en-US" smtClean="0"/>
-              <a:t>‹#›</a:t>
+              <a:t>‹N›</a:t>
             </a:fld>
             <a:endParaRPr lang="en-US"/>
           </a:p>
@@ -7796,7 +7895,7 @@
           <a:p>
             <a:fld id="{02AC24A9-CCB6-4F8D-B8DB-C2F3692CFA5A}" type="datetimeFigureOut">
               <a:rPr lang="en-US" smtClean="0"/>
-              <a:t>6/2/2023</a:t>
+              <a:t>6/5/2023</a:t>
             </a:fld>
             <a:endParaRPr lang="en-US"/>
           </a:p>
@@ -7850,7 +7949,7 @@
           <a:p>
             <a:fld id="{B2DC25EE-239B-4C5F-AAD1-255A7D5F1EE2}" type="slidenum">
               <a:rPr lang="en-US" smtClean="0"/>
-              <a:t>‹#›</a:t>
+              <a:t>‹N›</a:t>
             </a:fld>
             <a:endParaRPr lang="en-US"/>
           </a:p>
@@ -8291,7 +8390,7 @@
           <a:p>
             <a:fld id="{02AC24A9-CCB6-4F8D-B8DB-C2F3692CFA5A}" type="datetimeFigureOut">
               <a:rPr lang="en-US" smtClean="0"/>
-              <a:t>6/2/2023</a:t>
+              <a:t>6/5/2023</a:t>
             </a:fld>
             <a:endParaRPr lang="en-US" dirty="0"/>
           </a:p>
@@ -8345,7 +8444,7 @@
           <a:p>
             <a:fld id="{B2DC25EE-239B-4C5F-AAD1-255A7D5F1EE2}" type="slidenum">
               <a:rPr lang="en-US" smtClean="0"/>
-              <a:t>‹#›</a:t>
+              <a:t>‹N›</a:t>
             </a:fld>
             <a:endParaRPr lang="en-US"/>
           </a:p>
@@ -8768,7 +8867,7 @@
           <a:p>
             <a:fld id="{02AC24A9-CCB6-4F8D-B8DB-C2F3692CFA5A}" type="datetimeFigureOut">
               <a:rPr lang="en-US" smtClean="0"/>
-              <a:t>6/2/2023</a:t>
+              <a:t>6/5/2023</a:t>
             </a:fld>
             <a:endParaRPr lang="en-US"/>
           </a:p>
@@ -8822,7 +8921,7 @@
           <a:p>
             <a:fld id="{B2DC25EE-239B-4C5F-AAD1-255A7D5F1EE2}" type="slidenum">
               <a:rPr lang="en-US" smtClean="0"/>
-              <a:t>‹#›</a:t>
+              <a:t>‹N›</a:t>
             </a:fld>
             <a:endParaRPr lang="en-US"/>
           </a:p>
@@ -9007,7 +9106,7 @@
           <a:p>
             <a:fld id="{02AC24A9-CCB6-4F8D-B8DB-C2F3692CFA5A}" type="datetimeFigureOut">
               <a:rPr lang="en-US" smtClean="0"/>
-              <a:t>6/2/2023</a:t>
+              <a:t>6/5/2023</a:t>
             </a:fld>
             <a:endParaRPr lang="en-US"/>
           </a:p>
@@ -9097,7 +9196,7 @@
           <a:p>
             <a:fld id="{B2DC25EE-239B-4C5F-AAD1-255A7D5F1EE2}" type="slidenum">
               <a:rPr lang="en-US" smtClean="0"/>
-              <a:t>‹#›</a:t>
+              <a:t>‹N›</a:t>
             </a:fld>
             <a:endParaRPr lang="en-US"/>
           </a:p>
@@ -9952,6 +10051,990 @@
 <file path=ppt/slides/slide10.xml><?xml version="1.0" encoding="utf-8"?>
 <p:sld xmlns:a="http://schemas.openxmlformats.org/drawingml/2006/main" xmlns:r="http://schemas.openxmlformats.org/officeDocument/2006/relationships" xmlns:p="http://schemas.openxmlformats.org/presentationml/2006/main">
   <p:cSld>
+    <p:spTree>
+      <p:nvGrpSpPr>
+        <p:cNvPr id="1" name=""/>
+        <p:cNvGrpSpPr/>
+        <p:nvPr/>
+      </p:nvGrpSpPr>
+      <p:grpSpPr>
+        <a:xfrm>
+          <a:off x="0" y="0"/>
+          <a:ext cx="0" cy="0"/>
+          <a:chOff x="0" y="0"/>
+          <a:chExt cx="0" cy="0"/>
+        </a:xfrm>
+      </p:grpSpPr>
+      <p:sp>
+        <p:nvSpPr>
+          <p:cNvPr id="2" name="Titolo 1">
+            <a:extLst>
+              <a:ext uri="{FF2B5EF4-FFF2-40B4-BE49-F238E27FC236}">
+                <a16:creationId xmlns:a16="http://schemas.microsoft.com/office/drawing/2014/main" id="{33E4BB48-CA05-3069-9236-183EAFDFDEBA}"/>
+              </a:ext>
+            </a:extLst>
+          </p:cNvPr>
+          <p:cNvSpPr>
+            <a:spLocks noGrp="1"/>
+          </p:cNvSpPr>
+          <p:nvPr>
+            <p:ph type="title" idx="4294967295"/>
+          </p:nvPr>
+        </p:nvSpPr>
+        <p:spPr>
+          <a:xfrm>
+            <a:off x="471989" y="0"/>
+            <a:ext cx="10167937" cy="1179513"/>
+          </a:xfrm>
+        </p:spPr>
+        <p:txBody>
+          <a:bodyPr/>
+          <a:lstStyle/>
+          <a:p>
+            <a:r>
+              <a:rPr lang="it-IT" sz="3200" dirty="0"/>
+              <a:t>Ottimizzazione della scelta della V</a:t>
+            </a:r>
+          </a:p>
+        </p:txBody>
+      </p:sp>
+      <p:sp>
+        <p:nvSpPr>
+          <p:cNvPr id="6" name="CasellaDiTesto 5">
+            <a:extLst>
+              <a:ext uri="{FF2B5EF4-FFF2-40B4-BE49-F238E27FC236}">
+                <a16:creationId xmlns:a16="http://schemas.microsoft.com/office/drawing/2014/main" id="{245F7458-7815-CB8C-EB73-6770CF98021F}"/>
+              </a:ext>
+            </a:extLst>
+          </p:cNvPr>
+          <p:cNvSpPr txBox="1"/>
+          <p:nvPr/>
+        </p:nvSpPr>
+        <p:spPr>
+          <a:xfrm>
+            <a:off x="360715" y="1179513"/>
+            <a:ext cx="7820759" cy="5509200"/>
+          </a:xfrm>
+          <a:prstGeom prst="rect">
+            <a:avLst/>
+          </a:prstGeom>
+          <a:noFill/>
+        </p:spPr>
+        <p:txBody>
+          <a:bodyPr wrap="square" rtlCol="0">
+            <a:spAutoFit/>
+          </a:bodyPr>
+          <a:lstStyle/>
+          <a:p>
+            <a:pPr algn="l">
+              <a:buFont typeface="+mj-lt"/>
+              <a:buAutoNum type="arabicPeriod"/>
+            </a:pPr>
+            <a:r>
+              <a:rPr lang="en-US" sz="1600" b="0" i="0" u="sng" dirty="0">
+                <a:solidFill>
+                  <a:srgbClr val="374151"/>
+                </a:solidFill>
+                <a:effectLst/>
+                <a:latin typeface="Söhne"/>
+              </a:rPr>
+              <a:t>Define a convergence tolerance ε and the maximum number of iterations </a:t>
+            </a:r>
+            <a:r>
+              <a:rPr lang="en-US" sz="1600" b="0" i="0" u="sng" dirty="0" err="1">
+                <a:solidFill>
+                  <a:srgbClr val="374151"/>
+                </a:solidFill>
+                <a:effectLst/>
+                <a:latin typeface="Söhne"/>
+              </a:rPr>
+              <a:t>max_iter</a:t>
+            </a:r>
+            <a:r>
+              <a:rPr lang="en-US" sz="1600" b="0" i="0" u="sng" dirty="0">
+                <a:solidFill>
+                  <a:srgbClr val="374151"/>
+                </a:solidFill>
+                <a:effectLst/>
+                <a:latin typeface="Söhne"/>
+              </a:rPr>
+              <a:t>.</a:t>
+            </a:r>
+          </a:p>
+          <a:p>
+            <a:pPr algn="l">
+              <a:buFont typeface="+mj-lt"/>
+              <a:buAutoNum type="arabicPeriod"/>
+            </a:pPr>
+            <a:r>
+              <a:rPr lang="en-US" sz="1600" b="0" i="0" dirty="0">
+                <a:solidFill>
+                  <a:srgbClr val="374151"/>
+                </a:solidFill>
+                <a:effectLst/>
+                <a:latin typeface="Söhne"/>
+              </a:rPr>
+              <a:t>Initialize the iteration counter </a:t>
+            </a:r>
+            <a:r>
+              <a:rPr lang="en-US" sz="1600" b="1" i="0" dirty="0" err="1">
+                <a:solidFill>
+                  <a:srgbClr val="374151"/>
+                </a:solidFill>
+                <a:effectLst/>
+                <a:latin typeface="Söhne"/>
+              </a:rPr>
+              <a:t>iter_count</a:t>
+            </a:r>
+            <a:r>
+              <a:rPr lang="en-US" sz="1600" b="1" i="0" dirty="0">
+                <a:solidFill>
+                  <a:srgbClr val="374151"/>
+                </a:solidFill>
+                <a:effectLst/>
+                <a:latin typeface="Söhne"/>
+              </a:rPr>
+              <a:t> to 0</a:t>
+            </a:r>
+            <a:r>
+              <a:rPr lang="en-US" sz="1600" b="0" i="0" dirty="0">
+                <a:solidFill>
+                  <a:srgbClr val="374151"/>
+                </a:solidFill>
+                <a:effectLst/>
+                <a:latin typeface="Söhne"/>
+              </a:rPr>
+              <a:t>.</a:t>
+            </a:r>
+          </a:p>
+          <a:p>
+            <a:pPr algn="l">
+              <a:buFont typeface="+mj-lt"/>
+              <a:buAutoNum type="arabicPeriod"/>
+            </a:pPr>
+            <a:r>
+              <a:rPr lang="en-US" sz="1600" b="0" i="0" dirty="0">
+                <a:solidFill>
+                  <a:srgbClr val="374151"/>
+                </a:solidFill>
+                <a:effectLst/>
+                <a:latin typeface="Söhne"/>
+              </a:rPr>
+              <a:t>Initialize the bounds of the search interval as </a:t>
+            </a:r>
+            <a:r>
+              <a:rPr lang="en-US" sz="1600" b="1" i="0" dirty="0" err="1">
+                <a:solidFill>
+                  <a:srgbClr val="374151"/>
+                </a:solidFill>
+                <a:effectLst/>
+                <a:latin typeface="Söhne"/>
+              </a:rPr>
+              <a:t>a_lower</a:t>
+            </a:r>
+            <a:r>
+              <a:rPr lang="en-US" sz="1600" b="1" i="0" dirty="0">
+                <a:solidFill>
+                  <a:srgbClr val="374151"/>
+                </a:solidFill>
+                <a:effectLst/>
+                <a:latin typeface="Söhne"/>
+              </a:rPr>
+              <a:t> = a </a:t>
+            </a:r>
+            <a:r>
+              <a:rPr lang="en-US" sz="1600" b="0" i="0" dirty="0">
+                <a:solidFill>
+                  <a:srgbClr val="374151"/>
+                </a:solidFill>
+                <a:effectLst/>
+                <a:latin typeface="Söhne"/>
+              </a:rPr>
+              <a:t>and </a:t>
+            </a:r>
+            <a:r>
+              <a:rPr lang="en-US" sz="1600" b="1" i="0" dirty="0" err="1">
+                <a:solidFill>
+                  <a:srgbClr val="374151"/>
+                </a:solidFill>
+                <a:effectLst/>
+                <a:latin typeface="Söhne"/>
+              </a:rPr>
+              <a:t>a_upper</a:t>
+            </a:r>
+            <a:r>
+              <a:rPr lang="en-US" sz="1600" b="1" i="0" dirty="0">
+                <a:solidFill>
+                  <a:srgbClr val="374151"/>
+                </a:solidFill>
+                <a:effectLst/>
+                <a:latin typeface="Söhne"/>
+              </a:rPr>
+              <a:t> = b</a:t>
+            </a:r>
+            <a:r>
+              <a:rPr lang="en-US" sz="1600" b="0" i="0" dirty="0">
+                <a:solidFill>
+                  <a:srgbClr val="374151"/>
+                </a:solidFill>
+                <a:effectLst/>
+                <a:latin typeface="Söhne"/>
+              </a:rPr>
+              <a:t>.</a:t>
+            </a:r>
+          </a:p>
+          <a:p>
+            <a:pPr algn="l">
+              <a:buFont typeface="+mj-lt"/>
+              <a:buAutoNum type="arabicPeriod"/>
+            </a:pPr>
+            <a:r>
+              <a:rPr lang="en-US" sz="1600" b="0" i="0" dirty="0">
+                <a:solidFill>
+                  <a:srgbClr val="374151"/>
+                </a:solidFill>
+                <a:effectLst/>
+                <a:latin typeface="Söhne"/>
+              </a:rPr>
+              <a:t>Repeat until </a:t>
+            </a:r>
+            <a:r>
+              <a:rPr lang="en-US" sz="1600" b="1" i="0" dirty="0" err="1">
+                <a:solidFill>
+                  <a:srgbClr val="374151"/>
+                </a:solidFill>
+                <a:effectLst/>
+                <a:latin typeface="Söhne"/>
+              </a:rPr>
+              <a:t>iter_count</a:t>
+            </a:r>
+            <a:r>
+              <a:rPr lang="en-US" sz="1600" b="1" i="0" dirty="0">
+                <a:solidFill>
+                  <a:srgbClr val="374151"/>
+                </a:solidFill>
+                <a:effectLst/>
+                <a:latin typeface="Söhne"/>
+              </a:rPr>
+              <a:t> &lt; </a:t>
+            </a:r>
+            <a:r>
+              <a:rPr lang="en-US" sz="1600" b="1" i="0" dirty="0" err="1">
+                <a:solidFill>
+                  <a:srgbClr val="374151"/>
+                </a:solidFill>
+                <a:effectLst/>
+                <a:latin typeface="Söhne"/>
+              </a:rPr>
+              <a:t>max_iter</a:t>
+            </a:r>
+            <a:r>
+              <a:rPr lang="en-US" sz="1600" b="0" i="0" dirty="0">
+                <a:solidFill>
+                  <a:srgbClr val="374151"/>
+                </a:solidFill>
+                <a:effectLst/>
+                <a:latin typeface="Söhne"/>
+              </a:rPr>
+              <a:t>: </a:t>
+            </a:r>
+          </a:p>
+          <a:p>
+            <a:pPr marL="800100" lvl="1" indent="-342900">
+              <a:buAutoNum type="alphaLcPeriod"/>
+            </a:pPr>
+            <a:r>
+              <a:rPr lang="en-US" sz="1600" b="0" i="0" dirty="0">
+                <a:solidFill>
+                  <a:srgbClr val="374151"/>
+                </a:solidFill>
+                <a:effectLst/>
+                <a:latin typeface="Söhne"/>
+              </a:rPr>
+              <a:t>Calculate the midpoint of the search interval: </a:t>
+            </a:r>
+            <a:r>
+              <a:rPr lang="en-US" sz="1600" b="1" i="0" dirty="0">
+                <a:solidFill>
+                  <a:srgbClr val="374151"/>
+                </a:solidFill>
+                <a:effectLst/>
+                <a:latin typeface="Söhne"/>
+              </a:rPr>
+              <a:t>x = (</a:t>
+            </a:r>
+            <a:r>
+              <a:rPr lang="en-US" sz="1600" b="1" i="0" dirty="0" err="1">
+                <a:solidFill>
+                  <a:srgbClr val="374151"/>
+                </a:solidFill>
+                <a:effectLst/>
+                <a:latin typeface="Söhne"/>
+              </a:rPr>
+              <a:t>a_lower</a:t>
+            </a:r>
+            <a:r>
+              <a:rPr lang="en-US" sz="1600" b="1" i="0" dirty="0">
+                <a:solidFill>
+                  <a:srgbClr val="374151"/>
+                </a:solidFill>
+                <a:effectLst/>
+                <a:latin typeface="Söhne"/>
+              </a:rPr>
+              <a:t> + </a:t>
+            </a:r>
+            <a:r>
+              <a:rPr lang="en-US" sz="1600" b="1" i="0" dirty="0" err="1">
+                <a:solidFill>
+                  <a:srgbClr val="374151"/>
+                </a:solidFill>
+                <a:effectLst/>
+                <a:latin typeface="Söhne"/>
+              </a:rPr>
+              <a:t>a_upper</a:t>
+            </a:r>
+            <a:r>
+              <a:rPr lang="en-US" sz="1600" b="1" i="0" dirty="0">
+                <a:solidFill>
+                  <a:srgbClr val="374151"/>
+                </a:solidFill>
+                <a:effectLst/>
+                <a:latin typeface="Söhne"/>
+              </a:rPr>
+              <a:t>) / 2</a:t>
+            </a:r>
+            <a:r>
+              <a:rPr lang="en-US" sz="1600" b="0" i="0" dirty="0">
+                <a:solidFill>
+                  <a:srgbClr val="374151"/>
+                </a:solidFill>
+                <a:effectLst/>
+                <a:latin typeface="Söhne"/>
+              </a:rPr>
+              <a:t> </a:t>
+            </a:r>
+          </a:p>
+          <a:p>
+            <a:pPr marL="800100" lvl="1" indent="-342900">
+              <a:buAutoNum type="alphaLcPeriod"/>
+            </a:pPr>
+            <a:r>
+              <a:rPr lang="en-US" sz="1600" b="0" i="0" dirty="0">
+                <a:solidFill>
+                  <a:srgbClr val="374151"/>
+                </a:solidFill>
+                <a:effectLst/>
+                <a:latin typeface="Söhne"/>
+              </a:rPr>
+              <a:t>Calculate the value of the objective function at point x: </a:t>
+            </a:r>
+            <a:r>
+              <a:rPr lang="en-US" sz="1600" b="0" i="0" dirty="0" err="1">
+                <a:solidFill>
+                  <a:srgbClr val="374151"/>
+                </a:solidFill>
+                <a:effectLst/>
+                <a:latin typeface="Söhne"/>
+              </a:rPr>
+              <a:t>f_x</a:t>
+            </a:r>
+            <a:r>
+              <a:rPr lang="en-US" sz="1600" b="0" i="0" dirty="0">
+                <a:solidFill>
+                  <a:srgbClr val="374151"/>
+                </a:solidFill>
+                <a:effectLst/>
+                <a:latin typeface="Söhne"/>
+              </a:rPr>
+              <a:t> = f(x). </a:t>
+            </a:r>
+          </a:p>
+          <a:p>
+            <a:pPr marL="800100" lvl="1" indent="-342900">
+              <a:buAutoNum type="alphaLcPeriod"/>
+            </a:pPr>
+            <a:r>
+              <a:rPr lang="en-US" sz="1600" b="0" i="0" dirty="0">
+                <a:solidFill>
+                  <a:srgbClr val="374151"/>
+                </a:solidFill>
+                <a:effectLst/>
+                <a:latin typeface="Söhne"/>
+              </a:rPr>
+              <a:t>If the width of the search interval is less than ε or the maximum number of iterations has been reached:</a:t>
+            </a:r>
+          </a:p>
+          <a:p>
+            <a:pPr lvl="2"/>
+            <a:r>
+              <a:rPr lang="en-US" sz="1600" b="0" i="0" dirty="0">
+                <a:solidFill>
+                  <a:srgbClr val="374151"/>
+                </a:solidFill>
+                <a:effectLst/>
+                <a:latin typeface="Söhne"/>
+              </a:rPr>
+              <a:t>Return the point x as the optimal solution.</a:t>
+            </a:r>
+          </a:p>
+          <a:p>
+            <a:pPr lvl="2"/>
+            <a:r>
+              <a:rPr lang="en-US" sz="1600" b="0" i="0" dirty="0">
+                <a:solidFill>
+                  <a:srgbClr val="374151"/>
+                </a:solidFill>
+                <a:effectLst/>
+                <a:latin typeface="Söhne"/>
+              </a:rPr>
+              <a:t>Terminate the algorithm.	</a:t>
+            </a:r>
+          </a:p>
+          <a:p>
+            <a:pPr lvl="1"/>
+            <a:r>
+              <a:rPr lang="en-US" sz="1600" b="0" i="0" dirty="0">
+                <a:solidFill>
+                  <a:srgbClr val="374151"/>
+                </a:solidFill>
+                <a:effectLst/>
+                <a:latin typeface="Söhne"/>
+              </a:rPr>
+              <a:t>d.    Calculate the negative value of the objective function at points </a:t>
+            </a:r>
+            <a:r>
+              <a:rPr lang="en-US" sz="1600" b="0" i="0" dirty="0" err="1">
+                <a:solidFill>
+                  <a:srgbClr val="374151"/>
+                </a:solidFill>
+                <a:effectLst/>
+                <a:latin typeface="Söhne"/>
+              </a:rPr>
+              <a:t>a_lower</a:t>
+            </a:r>
+            <a:r>
+              <a:rPr lang="en-US" sz="1600" b="0" i="0" dirty="0">
+                <a:solidFill>
+                  <a:srgbClr val="374151"/>
+                </a:solidFill>
+                <a:effectLst/>
+                <a:latin typeface="Söhne"/>
+              </a:rPr>
+              <a:t> and </a:t>
+            </a:r>
+            <a:r>
+              <a:rPr lang="en-US" sz="1600" b="0" i="0" dirty="0" err="1">
+                <a:solidFill>
+                  <a:srgbClr val="374151"/>
+                </a:solidFill>
+                <a:effectLst/>
+                <a:latin typeface="Söhne"/>
+              </a:rPr>
+              <a:t>a_upper</a:t>
+            </a:r>
+            <a:r>
+              <a:rPr lang="en-US" sz="1600" b="0" i="0" dirty="0">
+                <a:solidFill>
+                  <a:srgbClr val="374151"/>
+                </a:solidFill>
+                <a:effectLst/>
+                <a:latin typeface="Söhne"/>
+              </a:rPr>
+              <a:t>: </a:t>
+            </a:r>
+          </a:p>
+          <a:p>
+            <a:pPr lvl="1"/>
+            <a:r>
+              <a:rPr lang="en-US" sz="1600" dirty="0">
+                <a:solidFill>
+                  <a:srgbClr val="374151"/>
+                </a:solidFill>
+                <a:latin typeface="Söhne"/>
+              </a:rPr>
+              <a:t>	</a:t>
+            </a:r>
+            <a:r>
+              <a:rPr lang="en-US" sz="1600" b="1" i="0" dirty="0" err="1">
+                <a:solidFill>
+                  <a:srgbClr val="374151"/>
+                </a:solidFill>
+                <a:effectLst/>
+                <a:latin typeface="Söhne"/>
+              </a:rPr>
+              <a:t>f_lower</a:t>
+            </a:r>
+            <a:r>
+              <a:rPr lang="en-US" sz="1600" b="1" i="0" dirty="0">
+                <a:solidFill>
+                  <a:srgbClr val="374151"/>
+                </a:solidFill>
+                <a:effectLst/>
+                <a:latin typeface="Söhne"/>
+              </a:rPr>
+              <a:t> = -f(</a:t>
+            </a:r>
+            <a:r>
+              <a:rPr lang="en-US" sz="1600" b="1" i="0" dirty="0" err="1">
+                <a:solidFill>
+                  <a:srgbClr val="374151"/>
+                </a:solidFill>
+                <a:effectLst/>
+                <a:latin typeface="Söhne"/>
+              </a:rPr>
+              <a:t>a_lower</a:t>
+            </a:r>
+            <a:r>
+              <a:rPr lang="en-US" sz="1600" b="1" i="0" dirty="0">
+                <a:solidFill>
+                  <a:srgbClr val="374151"/>
+                </a:solidFill>
+                <a:effectLst/>
+                <a:latin typeface="Söhne"/>
+              </a:rPr>
+              <a:t>), </a:t>
+            </a:r>
+            <a:r>
+              <a:rPr lang="en-US" sz="1600" b="1" i="0" dirty="0" err="1">
+                <a:solidFill>
+                  <a:srgbClr val="374151"/>
+                </a:solidFill>
+                <a:effectLst/>
+                <a:latin typeface="Söhne"/>
+              </a:rPr>
+              <a:t>f_upper</a:t>
+            </a:r>
+            <a:r>
+              <a:rPr lang="en-US" sz="1600" b="1" i="0" dirty="0">
+                <a:solidFill>
+                  <a:srgbClr val="374151"/>
+                </a:solidFill>
+                <a:effectLst/>
+                <a:latin typeface="Söhne"/>
+              </a:rPr>
+              <a:t> = -f(</a:t>
+            </a:r>
+            <a:r>
+              <a:rPr lang="en-US" sz="1600" b="1" i="0" dirty="0" err="1">
+                <a:solidFill>
+                  <a:srgbClr val="374151"/>
+                </a:solidFill>
+                <a:effectLst/>
+                <a:latin typeface="Söhne"/>
+              </a:rPr>
+              <a:t>a_upper</a:t>
+            </a:r>
+            <a:r>
+              <a:rPr lang="en-US" sz="1600" b="1" i="0" dirty="0">
+                <a:solidFill>
+                  <a:srgbClr val="374151"/>
+                </a:solidFill>
+                <a:effectLst/>
+                <a:latin typeface="Söhne"/>
+              </a:rPr>
+              <a:t>)</a:t>
+            </a:r>
+            <a:r>
+              <a:rPr lang="en-US" sz="1600" b="0" i="0" dirty="0">
+                <a:solidFill>
+                  <a:srgbClr val="374151"/>
+                </a:solidFill>
+                <a:effectLst/>
+                <a:latin typeface="Söhne"/>
+              </a:rPr>
+              <a:t>. </a:t>
+            </a:r>
+          </a:p>
+          <a:p>
+            <a:pPr lvl="1"/>
+            <a:r>
+              <a:rPr lang="en-US" sz="1600" b="0" i="0" dirty="0">
+                <a:solidFill>
+                  <a:srgbClr val="374151"/>
+                </a:solidFill>
+                <a:effectLst/>
+                <a:latin typeface="Söhne"/>
+              </a:rPr>
+              <a:t>e. If </a:t>
+            </a:r>
+            <a:r>
+              <a:rPr lang="en-US" sz="1600" b="1" i="0" dirty="0" err="1">
+                <a:solidFill>
+                  <a:srgbClr val="374151"/>
+                </a:solidFill>
+                <a:effectLst/>
+                <a:latin typeface="Söhne"/>
+              </a:rPr>
+              <a:t>f_x</a:t>
+            </a:r>
+            <a:r>
+              <a:rPr lang="en-US" sz="1600" b="1" i="0" dirty="0">
+                <a:solidFill>
+                  <a:srgbClr val="374151"/>
+                </a:solidFill>
+                <a:effectLst/>
+                <a:latin typeface="Söhne"/>
+              </a:rPr>
+              <a:t> &lt; </a:t>
+            </a:r>
+            <a:r>
+              <a:rPr lang="en-US" sz="1600" b="1" i="0" dirty="0" err="1">
+                <a:solidFill>
+                  <a:srgbClr val="374151"/>
+                </a:solidFill>
+                <a:effectLst/>
+                <a:latin typeface="Söhne"/>
+              </a:rPr>
+              <a:t>f_lower</a:t>
+            </a:r>
+            <a:r>
+              <a:rPr lang="en-US" sz="1600" b="1" i="0" dirty="0">
+                <a:solidFill>
+                  <a:srgbClr val="374151"/>
+                </a:solidFill>
+                <a:effectLst/>
+                <a:latin typeface="Söhne"/>
+              </a:rPr>
+              <a:t> and </a:t>
+            </a:r>
+            <a:r>
+              <a:rPr lang="en-US" sz="1600" b="1" i="0" dirty="0" err="1">
+                <a:solidFill>
+                  <a:srgbClr val="374151"/>
+                </a:solidFill>
+                <a:effectLst/>
+                <a:latin typeface="Söhne"/>
+              </a:rPr>
+              <a:t>f_x</a:t>
+            </a:r>
+            <a:r>
+              <a:rPr lang="en-US" sz="1600" b="1" i="0" dirty="0">
+                <a:solidFill>
+                  <a:srgbClr val="374151"/>
+                </a:solidFill>
+                <a:effectLst/>
+                <a:latin typeface="Söhne"/>
+              </a:rPr>
+              <a:t> &lt; </a:t>
+            </a:r>
+            <a:r>
+              <a:rPr lang="en-US" sz="1600" b="1" i="0" dirty="0" err="1">
+                <a:solidFill>
+                  <a:srgbClr val="374151"/>
+                </a:solidFill>
+                <a:effectLst/>
+                <a:latin typeface="Söhne"/>
+              </a:rPr>
+              <a:t>f_upper</a:t>
+            </a:r>
+            <a:r>
+              <a:rPr lang="en-US" sz="1600" b="0" i="0" dirty="0">
+                <a:solidFill>
+                  <a:srgbClr val="374151"/>
+                </a:solidFill>
+                <a:effectLst/>
+                <a:latin typeface="Söhne"/>
+              </a:rPr>
+              <a:t>, then the point x is closer to the minimum of the interval:</a:t>
+            </a:r>
+          </a:p>
+          <a:p>
+            <a:pPr lvl="1"/>
+            <a:r>
+              <a:rPr lang="en-US" sz="1600" b="0" i="0" dirty="0">
+                <a:solidFill>
+                  <a:srgbClr val="374151"/>
+                </a:solidFill>
+                <a:effectLst/>
+                <a:latin typeface="Söhne"/>
+              </a:rPr>
+              <a:t>	Update </a:t>
+            </a:r>
+            <a:r>
+              <a:rPr lang="en-US" sz="1600" b="1" i="0" dirty="0" err="1">
+                <a:solidFill>
+                  <a:srgbClr val="374151"/>
+                </a:solidFill>
+                <a:effectLst/>
+                <a:latin typeface="Söhne"/>
+              </a:rPr>
+              <a:t>a_upper</a:t>
+            </a:r>
+            <a:r>
+              <a:rPr lang="en-US" sz="1600" b="1" i="0" dirty="0">
+                <a:solidFill>
+                  <a:srgbClr val="374151"/>
+                </a:solidFill>
+                <a:effectLst/>
+                <a:latin typeface="Söhne"/>
+              </a:rPr>
+              <a:t> = x</a:t>
+            </a:r>
+            <a:r>
+              <a:rPr lang="en-US" sz="1600" b="0" i="0" dirty="0">
+                <a:solidFill>
+                  <a:srgbClr val="374151"/>
+                </a:solidFill>
+                <a:effectLst/>
+                <a:latin typeface="Söhne"/>
+              </a:rPr>
+              <a:t>. </a:t>
+            </a:r>
+          </a:p>
+          <a:p>
+            <a:pPr lvl="1"/>
+            <a:r>
+              <a:rPr lang="en-US" sz="1600" b="0" i="0" dirty="0">
+                <a:solidFill>
+                  <a:srgbClr val="374151"/>
+                </a:solidFill>
+                <a:effectLst/>
+                <a:latin typeface="Söhne"/>
+              </a:rPr>
+              <a:t>f. Otherwise, if </a:t>
+            </a:r>
+            <a:r>
+              <a:rPr lang="en-US" sz="1600" b="1" i="0" dirty="0" err="1">
+                <a:solidFill>
+                  <a:srgbClr val="374151"/>
+                </a:solidFill>
+                <a:effectLst/>
+                <a:latin typeface="Söhne"/>
+              </a:rPr>
+              <a:t>f_x</a:t>
+            </a:r>
+            <a:r>
+              <a:rPr lang="en-US" sz="1600" b="1" i="0" dirty="0">
+                <a:solidFill>
+                  <a:srgbClr val="374151"/>
+                </a:solidFill>
+                <a:effectLst/>
+                <a:latin typeface="Söhne"/>
+              </a:rPr>
+              <a:t> ≥ </a:t>
+            </a:r>
+            <a:r>
+              <a:rPr lang="en-US" sz="1600" b="1" i="0" dirty="0" err="1">
+                <a:solidFill>
+                  <a:srgbClr val="374151"/>
+                </a:solidFill>
+                <a:effectLst/>
+                <a:latin typeface="Söhne"/>
+              </a:rPr>
+              <a:t>f_lower</a:t>
+            </a:r>
+            <a:r>
+              <a:rPr lang="en-US" sz="1600" b="1" i="0" dirty="0">
+                <a:solidFill>
+                  <a:srgbClr val="374151"/>
+                </a:solidFill>
+                <a:effectLst/>
+                <a:latin typeface="Söhne"/>
+              </a:rPr>
+              <a:t> and </a:t>
+            </a:r>
+            <a:r>
+              <a:rPr lang="en-US" sz="1600" b="1" i="0" dirty="0" err="1">
+                <a:solidFill>
+                  <a:srgbClr val="374151"/>
+                </a:solidFill>
+                <a:effectLst/>
+                <a:latin typeface="Söhne"/>
+              </a:rPr>
+              <a:t>f_x</a:t>
+            </a:r>
+            <a:r>
+              <a:rPr lang="en-US" sz="1600" b="1" i="0" dirty="0">
+                <a:solidFill>
+                  <a:srgbClr val="374151"/>
+                </a:solidFill>
+                <a:effectLst/>
+                <a:latin typeface="Söhne"/>
+              </a:rPr>
+              <a:t> ≥ </a:t>
+            </a:r>
+            <a:r>
+              <a:rPr lang="en-US" sz="1600" b="1" i="0" dirty="0" err="1">
+                <a:solidFill>
+                  <a:srgbClr val="374151"/>
+                </a:solidFill>
+                <a:effectLst/>
+                <a:latin typeface="Söhne"/>
+              </a:rPr>
+              <a:t>f_upper</a:t>
+            </a:r>
+            <a:r>
+              <a:rPr lang="en-US" sz="1600" b="0" i="0" dirty="0">
+                <a:solidFill>
+                  <a:srgbClr val="374151"/>
+                </a:solidFill>
+                <a:effectLst/>
+                <a:latin typeface="Söhne"/>
+              </a:rPr>
+              <a:t>, then the point x is closer to the maximum of the interval:</a:t>
+            </a:r>
+          </a:p>
+          <a:p>
+            <a:pPr lvl="1"/>
+            <a:r>
+              <a:rPr lang="en-US" sz="1600" b="0" i="0" dirty="0">
+                <a:solidFill>
+                  <a:srgbClr val="374151"/>
+                </a:solidFill>
+                <a:effectLst/>
+                <a:latin typeface="Söhne"/>
+              </a:rPr>
+              <a:t>	Update </a:t>
+            </a:r>
+            <a:r>
+              <a:rPr lang="en-US" sz="1600" b="1" i="0" dirty="0" err="1">
+                <a:solidFill>
+                  <a:srgbClr val="374151"/>
+                </a:solidFill>
+                <a:effectLst/>
+                <a:latin typeface="Söhne"/>
+              </a:rPr>
+              <a:t>a_lower</a:t>
+            </a:r>
+            <a:r>
+              <a:rPr lang="en-US" sz="1600" b="1" i="0" dirty="0">
+                <a:solidFill>
+                  <a:srgbClr val="374151"/>
+                </a:solidFill>
+                <a:effectLst/>
+                <a:latin typeface="Söhne"/>
+              </a:rPr>
+              <a:t> = x</a:t>
+            </a:r>
+            <a:r>
+              <a:rPr lang="en-US" sz="1600" b="0" i="0" dirty="0">
+                <a:solidFill>
+                  <a:srgbClr val="374151"/>
+                </a:solidFill>
+                <a:effectLst/>
+                <a:latin typeface="Söhne"/>
+              </a:rPr>
+              <a:t>.</a:t>
+            </a:r>
+          </a:p>
+          <a:p>
+            <a:pPr lvl="1" algn="l"/>
+            <a:r>
+              <a:rPr lang="en-US" sz="1600" b="0" i="0" dirty="0">
+                <a:solidFill>
+                  <a:srgbClr val="374151"/>
+                </a:solidFill>
+                <a:effectLst/>
+                <a:latin typeface="Söhne"/>
+              </a:rPr>
+              <a:t>g. Increment the iteration counter </a:t>
+            </a:r>
+            <a:r>
+              <a:rPr lang="en-US" sz="1600" b="0" i="0" dirty="0" err="1">
+                <a:solidFill>
+                  <a:srgbClr val="374151"/>
+                </a:solidFill>
+                <a:effectLst/>
+                <a:latin typeface="Söhne"/>
+              </a:rPr>
+              <a:t>iter_count</a:t>
+            </a:r>
+            <a:r>
+              <a:rPr lang="en-US" sz="1600" b="0" i="0" dirty="0">
+                <a:solidFill>
+                  <a:srgbClr val="374151"/>
+                </a:solidFill>
+                <a:effectLst/>
+                <a:latin typeface="Söhne"/>
+              </a:rPr>
+              <a:t> by 1.</a:t>
+            </a:r>
+          </a:p>
+          <a:p>
+            <a:pPr algn="l">
+              <a:buFont typeface="+mj-lt"/>
+              <a:buAutoNum type="arabicPeriod"/>
+            </a:pPr>
+            <a:r>
+              <a:rPr lang="en-US" sz="1600" b="0" i="0" dirty="0">
+                <a:solidFill>
+                  <a:srgbClr val="374151"/>
+                </a:solidFill>
+                <a:effectLst/>
+                <a:latin typeface="Söhne"/>
+              </a:rPr>
+              <a:t>Return the last approximation of the minimum point found.</a:t>
+            </a:r>
+          </a:p>
+          <a:p>
+            <a:endParaRPr lang="it-IT" sz="1600" dirty="0"/>
+          </a:p>
+        </p:txBody>
+      </p:sp>
+      <p:pic>
+        <p:nvPicPr>
+          <p:cNvPr id="8" name="Immagine 7" descr="Immagine che contiene testo, schermata, Carattere, bianco e nero&#10;&#10;Descrizione generata automaticamente">
+            <a:extLst>
+              <a:ext uri="{FF2B5EF4-FFF2-40B4-BE49-F238E27FC236}">
+                <a16:creationId xmlns:a16="http://schemas.microsoft.com/office/drawing/2014/main" id="{D746E1AB-8DAC-AA4A-A3D2-83C462D400E1}"/>
+              </a:ext>
+            </a:extLst>
+          </p:cNvPr>
+          <p:cNvPicPr>
+            <a:picLocks noChangeAspect="1"/>
+          </p:cNvPicPr>
+          <p:nvPr/>
+        </p:nvPicPr>
+        <p:blipFill>
+          <a:blip r:embed="rId2">
+            <a:extLst>
+              <a:ext uri="{28A0092B-C50C-407E-A947-70E740481C1C}">
+                <a14:useLocalDpi xmlns:a14="http://schemas.microsoft.com/office/drawing/2010/main" val="0"/>
+              </a:ext>
+            </a:extLst>
+          </a:blip>
+          <a:stretch>
+            <a:fillRect/>
+          </a:stretch>
+        </p:blipFill>
+        <p:spPr>
+          <a:xfrm>
+            <a:off x="8447847" y="109728"/>
+            <a:ext cx="3272164" cy="6601968"/>
+          </a:xfrm>
+          <a:prstGeom prst="rect">
+            <a:avLst/>
+          </a:prstGeom>
+        </p:spPr>
+      </p:pic>
+    </p:spTree>
+    <p:extLst>
+      <p:ext uri="{BB962C8B-B14F-4D97-AF65-F5344CB8AC3E}">
+        <p14:creationId xmlns:p14="http://schemas.microsoft.com/office/powerpoint/2010/main" val="2575739673"/>
+      </p:ext>
+    </p:extLst>
+  </p:cSld>
+  <p:clrMapOvr>
+    <a:masterClrMapping/>
+  </p:clrMapOvr>
+  <mc:AlternateContent xmlns:mc="http://schemas.openxmlformats.org/markup-compatibility/2006">
+    <mc:Choice xmlns:p159="http://schemas.microsoft.com/office/powerpoint/2015/09/main" Requires="p159">
+      <p:transition xmlns:p14="http://schemas.microsoft.com/office/powerpoint/2010/main" spd="slow" p14:dur="2000">
+        <p159:morph option="byObject"/>
+      </p:transition>
+    </mc:Choice>
+    <mc:Fallback>
+      <p:transition spd="slow">
+        <p:fade/>
+      </p:transition>
+    </mc:Fallback>
+  </mc:AlternateContent>
+</p:sld>
+</file>
+
+<file path=ppt/slides/slide11.xml><?xml version="1.0" encoding="utf-8"?>
+<p:sld xmlns:a="http://schemas.openxmlformats.org/drawingml/2006/main" xmlns:r="http://schemas.openxmlformats.org/officeDocument/2006/relationships" xmlns:p="http://schemas.openxmlformats.org/presentationml/2006/main">
+  <p:cSld>
     <p:bg>
       <p:bgPr>
         <a:solidFill>
@@ -10496,7 +11579,7 @@
 </p:sld>
 </file>
 
-<file path=ppt/slides/slide11.xml><?xml version="1.0" encoding="utf-8"?>
+<file path=ppt/slides/slide12.xml><?xml version="1.0" encoding="utf-8"?>
 <p:sld xmlns:a="http://schemas.openxmlformats.org/drawingml/2006/main" xmlns:r="http://schemas.openxmlformats.org/officeDocument/2006/relationships" xmlns:p="http://schemas.openxmlformats.org/presentationml/2006/main">
   <p:cSld>
     <p:bg>
@@ -10959,395 +12042,6 @@
     <p:extLst>
       <p:ext uri="{BB962C8B-B14F-4D97-AF65-F5344CB8AC3E}">
         <p14:creationId xmlns:p14="http://schemas.microsoft.com/office/powerpoint/2010/main" val="602783968"/>
-      </p:ext>
-    </p:extLst>
-  </p:cSld>
-  <p:clrMapOvr>
-    <a:masterClrMapping/>
-  </p:clrMapOvr>
-  <mc:AlternateContent xmlns:mc="http://schemas.openxmlformats.org/markup-compatibility/2006" xmlns:p159="http://schemas.microsoft.com/office/powerpoint/2015/09/main">
-    <mc:Choice Requires="p159">
-      <p:transition xmlns:p14="http://schemas.microsoft.com/office/powerpoint/2010/main" spd="slow" p14:dur="2000">
-        <p159:morph option="byObject"/>
-      </p:transition>
-    </mc:Choice>
-    <mc:Fallback xmlns="">
-      <p:transition spd="slow">
-        <p:fade/>
-      </p:transition>
-    </mc:Fallback>
-  </mc:AlternateContent>
-</p:sld>
-</file>
-
-<file path=ppt/slides/slide12.xml><?xml version="1.0" encoding="utf-8"?>
-<p:sld xmlns:a="http://schemas.openxmlformats.org/drawingml/2006/main" xmlns:r="http://schemas.openxmlformats.org/officeDocument/2006/relationships" xmlns:p="http://schemas.openxmlformats.org/presentationml/2006/main">
-  <p:cSld>
-    <p:spTree>
-      <p:nvGrpSpPr>
-        <p:cNvPr id="1" name=""/>
-        <p:cNvGrpSpPr/>
-        <p:nvPr/>
-      </p:nvGrpSpPr>
-      <p:grpSpPr>
-        <a:xfrm>
-          <a:off x="0" y="0"/>
-          <a:ext cx="0" cy="0"/>
-          <a:chOff x="0" y="0"/>
-          <a:chExt cx="0" cy="0"/>
-        </a:xfrm>
-      </p:grpSpPr>
-      <p:sp>
-        <p:nvSpPr>
-          <p:cNvPr id="2" name="Title 1">
-            <a:extLst>
-              <a:ext uri="{FF2B5EF4-FFF2-40B4-BE49-F238E27FC236}">
-                <a16:creationId xmlns:a16="http://schemas.microsoft.com/office/drawing/2014/main" id="{5A6BCFC5-C79A-9352-3CF2-E738253C4103}"/>
-              </a:ext>
-            </a:extLst>
-          </p:cNvPr>
-          <p:cNvSpPr>
-            <a:spLocks noGrp="1"/>
-          </p:cNvSpPr>
-          <p:nvPr>
-            <p:ph type="title"/>
-          </p:nvPr>
-        </p:nvSpPr>
-        <p:spPr/>
-        <p:txBody>
-          <a:bodyPr/>
-          <a:lstStyle/>
-          <a:p>
-            <a:r>
-              <a:rPr lang="en-US" sz="4000" dirty="0"/>
-              <a:t>Shadow zone creator - 2</a:t>
-            </a:r>
-            <a:endParaRPr lang="it-IT" dirty="0"/>
-          </a:p>
-        </p:txBody>
-      </p:sp>
-      <p:pic>
-        <p:nvPicPr>
-          <p:cNvPr id="14" name="Picture 13" descr="A diagram of solar panels&#10;&#10;Description automatically generated with medium confidence">
-            <a:extLst>
-              <a:ext uri="{FF2B5EF4-FFF2-40B4-BE49-F238E27FC236}">
-                <a16:creationId xmlns:a16="http://schemas.microsoft.com/office/drawing/2014/main" id="{E1DB1926-FF91-94B2-0864-0B75FACA7AD6}"/>
-              </a:ext>
-            </a:extLst>
-          </p:cNvPr>
-          <p:cNvPicPr>
-            <a:picLocks noChangeAspect="1"/>
-          </p:cNvPicPr>
-          <p:nvPr/>
-        </p:nvPicPr>
-        <p:blipFill>
-          <a:blip r:embed="rId2">
-            <a:extLst>
-              <a:ext uri="{28A0092B-C50C-407E-A947-70E740481C1C}">
-                <a14:useLocalDpi xmlns:a14="http://schemas.microsoft.com/office/drawing/2010/main" val="0"/>
-              </a:ext>
-            </a:extLst>
-          </a:blip>
-          <a:stretch>
-            <a:fillRect/>
-          </a:stretch>
-        </p:blipFill>
-        <p:spPr>
-          <a:xfrm>
-            <a:off x="0" y="2111033"/>
-            <a:ext cx="2967649" cy="2886502"/>
-          </a:xfrm>
-          <a:prstGeom prst="rect">
-            <a:avLst/>
-          </a:prstGeom>
-        </p:spPr>
-      </p:pic>
-      <p:pic>
-        <p:nvPicPr>
-          <p:cNvPr id="16" name="Picture 15" descr="A diagram of solar panels&#10;&#10;Description automatically generated with medium confidence">
-            <a:extLst>
-              <a:ext uri="{FF2B5EF4-FFF2-40B4-BE49-F238E27FC236}">
-                <a16:creationId xmlns:a16="http://schemas.microsoft.com/office/drawing/2014/main" id="{F6DB669A-232F-5D7A-9530-4D40FB836974}"/>
-              </a:ext>
-            </a:extLst>
-          </p:cNvPr>
-          <p:cNvPicPr>
-            <a:picLocks noChangeAspect="1"/>
-          </p:cNvPicPr>
-          <p:nvPr/>
-        </p:nvPicPr>
-        <p:blipFill>
-          <a:blip r:embed="rId3">
-            <a:extLst>
-              <a:ext uri="{28A0092B-C50C-407E-A947-70E740481C1C}">
-                <a14:useLocalDpi xmlns:a14="http://schemas.microsoft.com/office/drawing/2010/main" val="0"/>
-              </a:ext>
-            </a:extLst>
-          </a:blip>
-          <a:stretch>
-            <a:fillRect/>
-          </a:stretch>
-        </p:blipFill>
-        <p:spPr>
-          <a:xfrm>
-            <a:off x="3746491" y="2134917"/>
-            <a:ext cx="2297926" cy="2886502"/>
-          </a:xfrm>
-          <a:prstGeom prst="rect">
-            <a:avLst/>
-          </a:prstGeom>
-        </p:spPr>
-      </p:pic>
-      <p:pic>
-        <p:nvPicPr>
-          <p:cNvPr id="18" name="Picture 17" descr="A diagram of solar panels&#10;&#10;Description automatically generated with medium confidence">
-            <a:extLst>
-              <a:ext uri="{FF2B5EF4-FFF2-40B4-BE49-F238E27FC236}">
-                <a16:creationId xmlns:a16="http://schemas.microsoft.com/office/drawing/2014/main" id="{4EE665DB-7EBA-5225-2C97-C995E625349A}"/>
-              </a:ext>
-            </a:extLst>
-          </p:cNvPr>
-          <p:cNvPicPr>
-            <a:picLocks noChangeAspect="1"/>
-          </p:cNvPicPr>
-          <p:nvPr/>
-        </p:nvPicPr>
-        <p:blipFill>
-          <a:blip r:embed="rId4">
-            <a:extLst>
-              <a:ext uri="{28A0092B-C50C-407E-A947-70E740481C1C}">
-                <a14:useLocalDpi xmlns:a14="http://schemas.microsoft.com/office/drawing/2010/main" val="0"/>
-              </a:ext>
-            </a:extLst>
-          </a:blip>
-          <a:stretch>
-            <a:fillRect/>
-          </a:stretch>
-        </p:blipFill>
-        <p:spPr>
-          <a:xfrm>
-            <a:off x="7145665" y="2134917"/>
-            <a:ext cx="2277640" cy="2838734"/>
-          </a:xfrm>
-          <a:prstGeom prst="rect">
-            <a:avLst/>
-          </a:prstGeom>
-        </p:spPr>
-      </p:pic>
-      <p:pic>
-        <p:nvPicPr>
-          <p:cNvPr id="20" name="Picture 19" descr="A picture containing square, pattern&#10;&#10;Description automatically generated">
-            <a:extLst>
-              <a:ext uri="{FF2B5EF4-FFF2-40B4-BE49-F238E27FC236}">
-                <a16:creationId xmlns:a16="http://schemas.microsoft.com/office/drawing/2014/main" id="{28D0FDF8-4C4C-5DB3-BBCB-F4A7906FA01C}"/>
-              </a:ext>
-            </a:extLst>
-          </p:cNvPr>
-          <p:cNvPicPr>
-            <a:picLocks noChangeAspect="1"/>
-          </p:cNvPicPr>
-          <p:nvPr/>
-        </p:nvPicPr>
-        <p:blipFill>
-          <a:blip r:embed="rId5">
-            <a:extLst>
-              <a:ext uri="{28A0092B-C50C-407E-A947-70E740481C1C}">
-                <a14:useLocalDpi xmlns:a14="http://schemas.microsoft.com/office/drawing/2010/main" val="0"/>
-              </a:ext>
-            </a:extLst>
-          </a:blip>
-          <a:stretch>
-            <a:fillRect/>
-          </a:stretch>
-        </p:blipFill>
-        <p:spPr>
-          <a:xfrm>
-            <a:off x="9909588" y="2322574"/>
-            <a:ext cx="2282412" cy="2651077"/>
-          </a:xfrm>
-          <a:prstGeom prst="rect">
-            <a:avLst/>
-          </a:prstGeom>
-        </p:spPr>
-      </p:pic>
-      <p:sp>
-        <p:nvSpPr>
-          <p:cNvPr id="21" name="Arrow: Right 20">
-            <a:extLst>
-              <a:ext uri="{FF2B5EF4-FFF2-40B4-BE49-F238E27FC236}">
-                <a16:creationId xmlns:a16="http://schemas.microsoft.com/office/drawing/2014/main" id="{057D49ED-D6AC-D5D7-E8DF-BA1AA3800C88}"/>
-              </a:ext>
-            </a:extLst>
-          </p:cNvPr>
-          <p:cNvSpPr/>
-          <p:nvPr/>
-        </p:nvSpPr>
-        <p:spPr>
-          <a:xfrm>
-            <a:off x="3239917" y="3386261"/>
-            <a:ext cx="914336" cy="523702"/>
-          </a:xfrm>
-          <a:prstGeom prst="rightArrow">
-            <a:avLst/>
-          </a:prstGeom>
-        </p:spPr>
-        <p:style>
-          <a:lnRef idx="2">
-            <a:schemeClr val="dk1">
-              <a:shade val="50000"/>
-            </a:schemeClr>
-          </a:lnRef>
-          <a:fillRef idx="1">
-            <a:schemeClr val="dk1"/>
-          </a:fillRef>
-          <a:effectRef idx="0">
-            <a:schemeClr val="dk1"/>
-          </a:effectRef>
-          <a:fontRef idx="minor">
-            <a:schemeClr val="lt1"/>
-          </a:fontRef>
-        </p:style>
-        <p:txBody>
-          <a:bodyPr rtlCol="0" anchor="ctr"/>
-          <a:lstStyle/>
-          <a:p>
-            <a:pPr algn="ctr"/>
-            <a:endParaRPr lang="it-IT" dirty="0"/>
-          </a:p>
-        </p:txBody>
-      </p:sp>
-      <p:sp>
-        <p:nvSpPr>
-          <p:cNvPr id="23" name="Arrow: Right 22">
-            <a:extLst>
-              <a:ext uri="{FF2B5EF4-FFF2-40B4-BE49-F238E27FC236}">
-                <a16:creationId xmlns:a16="http://schemas.microsoft.com/office/drawing/2014/main" id="{C724F22C-5CE6-C694-05C3-AD3A46D6537E}"/>
-              </a:ext>
-            </a:extLst>
-          </p:cNvPr>
-          <p:cNvSpPr/>
-          <p:nvPr/>
-        </p:nvSpPr>
-        <p:spPr>
-          <a:xfrm>
-            <a:off x="6172517" y="3386261"/>
-            <a:ext cx="914336" cy="523702"/>
-          </a:xfrm>
-          <a:prstGeom prst="rightArrow">
-            <a:avLst/>
-          </a:prstGeom>
-        </p:spPr>
-        <p:style>
-          <a:lnRef idx="2">
-            <a:schemeClr val="dk1">
-              <a:shade val="50000"/>
-            </a:schemeClr>
-          </a:lnRef>
-          <a:fillRef idx="1">
-            <a:schemeClr val="dk1"/>
-          </a:fillRef>
-          <a:effectRef idx="0">
-            <a:schemeClr val="dk1"/>
-          </a:effectRef>
-          <a:fontRef idx="minor">
-            <a:schemeClr val="lt1"/>
-          </a:fontRef>
-        </p:style>
-        <p:txBody>
-          <a:bodyPr rtlCol="0" anchor="ctr"/>
-          <a:lstStyle/>
-          <a:p>
-            <a:pPr algn="ctr"/>
-            <a:endParaRPr lang="it-IT" dirty="0"/>
-          </a:p>
-        </p:txBody>
-      </p:sp>
-      <p:sp>
-        <p:nvSpPr>
-          <p:cNvPr id="24" name="Arrow: Right 23">
-            <a:extLst>
-              <a:ext uri="{FF2B5EF4-FFF2-40B4-BE49-F238E27FC236}">
-                <a16:creationId xmlns:a16="http://schemas.microsoft.com/office/drawing/2014/main" id="{337B93C7-7837-71DF-D431-D239DD574A98}"/>
-              </a:ext>
-            </a:extLst>
-          </p:cNvPr>
-          <p:cNvSpPr/>
-          <p:nvPr/>
-        </p:nvSpPr>
-        <p:spPr>
-          <a:xfrm>
-            <a:off x="8966137" y="3386261"/>
-            <a:ext cx="914336" cy="523702"/>
-          </a:xfrm>
-          <a:prstGeom prst="rightArrow">
-            <a:avLst/>
-          </a:prstGeom>
-        </p:spPr>
-        <p:style>
-          <a:lnRef idx="2">
-            <a:schemeClr val="dk1">
-              <a:shade val="50000"/>
-            </a:schemeClr>
-          </a:lnRef>
-          <a:fillRef idx="1">
-            <a:schemeClr val="dk1"/>
-          </a:fillRef>
-          <a:effectRef idx="0">
-            <a:schemeClr val="dk1"/>
-          </a:effectRef>
-          <a:fontRef idx="minor">
-            <a:schemeClr val="lt1"/>
-          </a:fontRef>
-        </p:style>
-        <p:txBody>
-          <a:bodyPr rtlCol="0" anchor="ctr"/>
-          <a:lstStyle/>
-          <a:p>
-            <a:pPr algn="ctr"/>
-            <a:endParaRPr lang="it-IT" dirty="0"/>
-          </a:p>
-        </p:txBody>
-      </p:sp>
-      <p:sp>
-        <p:nvSpPr>
-          <p:cNvPr id="25" name="TextBox 24">
-            <a:extLst>
-              <a:ext uri="{FF2B5EF4-FFF2-40B4-BE49-F238E27FC236}">
-                <a16:creationId xmlns:a16="http://schemas.microsoft.com/office/drawing/2014/main" id="{593CE99E-3511-1807-B78B-B5EBFFCCBF09}"/>
-              </a:ext>
-            </a:extLst>
-          </p:cNvPr>
-          <p:cNvSpPr txBox="1"/>
-          <p:nvPr/>
-        </p:nvSpPr>
-        <p:spPr>
-          <a:xfrm>
-            <a:off x="348018" y="5233916"/>
-            <a:ext cx="11559654" cy="646331"/>
-          </a:xfrm>
-          <a:prstGeom prst="rect">
-            <a:avLst/>
-          </a:prstGeom>
-          <a:noFill/>
-        </p:spPr>
-        <p:txBody>
-          <a:bodyPr wrap="square" rtlCol="0">
-            <a:spAutoFit/>
-          </a:bodyPr>
-          <a:lstStyle/>
-          <a:p>
-            <a:r>
-              <a:rPr lang="en-US" dirty="0"/>
-              <a:t>By implementing a time-varying simulation of the cloud positions that create shading on the panels, it will be possible to observe significant changes in power production compared to the previous static variations.</a:t>
-            </a:r>
-            <a:endParaRPr lang="it-IT" dirty="0"/>
-          </a:p>
-        </p:txBody>
-      </p:sp>
-    </p:spTree>
-    <p:extLst>
-      <p:ext uri="{BB962C8B-B14F-4D97-AF65-F5344CB8AC3E}">
-        <p14:creationId xmlns:p14="http://schemas.microsoft.com/office/powerpoint/2010/main" val="3444634075"/>
       </p:ext>
     </p:extLst>
   </p:cSld>
@@ -11391,7 +12085,7 @@
           <p:cNvPr id="2" name="Title 1">
             <a:extLst>
               <a:ext uri="{FF2B5EF4-FFF2-40B4-BE49-F238E27FC236}">
-                <a16:creationId xmlns:a16="http://schemas.microsoft.com/office/drawing/2014/main" id="{C0C1A6D4-E0E2-258F-B5D2-BEFCEA4BFE29}"/>
+                <a16:creationId xmlns:a16="http://schemas.microsoft.com/office/drawing/2014/main" id="{5A6BCFC5-C79A-9352-3CF2-E738253C4103}"/>
               </a:ext>
             </a:extLst>
           </p:cNvPr>
@@ -11408,38 +12102,8 @@
           <a:lstStyle/>
           <a:p>
             <a:r>
-              <a:rPr lang="it-IT" dirty="0"/>
-              <a:t>I-V Curve for the PV</a:t>
-            </a:r>
-          </a:p>
-        </p:txBody>
-      </p:sp>
-      <p:sp>
-        <p:nvSpPr>
-          <p:cNvPr id="5" name="Text Placeholder 4">
-            <a:extLst>
-              <a:ext uri="{FF2B5EF4-FFF2-40B4-BE49-F238E27FC236}">
-                <a16:creationId xmlns:a16="http://schemas.microsoft.com/office/drawing/2014/main" id="{16145E4B-3CF8-D0D0-7C49-97AB03DF10D3}"/>
-              </a:ext>
-            </a:extLst>
-          </p:cNvPr>
-          <p:cNvSpPr>
-            <a:spLocks noGrp="1"/>
-          </p:cNvSpPr>
-          <p:nvPr>
-            <p:ph type="body" sz="half" idx="2"/>
-          </p:nvPr>
-        </p:nvSpPr>
-        <p:spPr/>
-        <p:txBody>
-          <a:bodyPr>
-            <a:normAutofit fontScale="85000" lnSpcReduction="20000"/>
-          </a:bodyPr>
-          <a:lstStyle/>
-          <a:p>
-            <a:r>
-              <a:rPr lang="en-US" dirty="0"/>
-              <a:t>The I-V (current-voltage) curve is a graphical representation that shows the relationship between the current and voltage outputs of a solar panel or any electronic device. It provides valuable information about the panel's performance, efficiency, and power generation capabilities.</a:t>
+              <a:rPr lang="en-US" sz="4000" dirty="0"/>
+              <a:t>Shadow zone creator - 2</a:t>
             </a:r>
             <a:endParaRPr lang="it-IT" dirty="0"/>
           </a:p>
@@ -11447,10 +12111,10 @@
       </p:sp>
       <p:pic>
         <p:nvPicPr>
-          <p:cNvPr id="13" name="Picture 12">
-            <a:extLst>
-              <a:ext uri="{FF2B5EF4-FFF2-40B4-BE49-F238E27FC236}">
-                <a16:creationId xmlns:a16="http://schemas.microsoft.com/office/drawing/2014/main" id="{5804D2A8-4A8E-9406-BA2D-B40A64A51AEA}"/>
+          <p:cNvPr id="14" name="Picture 13" descr="A diagram of solar panels&#10;&#10;Description automatically generated with medium confidence">
+            <a:extLst>
+              <a:ext uri="{FF2B5EF4-FFF2-40B4-BE49-F238E27FC236}">
+                <a16:creationId xmlns:a16="http://schemas.microsoft.com/office/drawing/2014/main" id="{E1DB1926-FF91-94B2-0864-0B75FACA7AD6}"/>
               </a:ext>
             </a:extLst>
           </p:cNvPr>
@@ -11467,77 +12131,306 @@
               </a:ext>
             </a:extLst>
           </a:blip>
-          <a:srcRect t="311" b="311"/>
-          <a:stretch/>
+          <a:stretch>
+            <a:fillRect/>
+          </a:stretch>
         </p:blipFill>
         <p:spPr>
           <a:xfrm>
-            <a:off x="4801098" y="988383"/>
-            <a:ext cx="6522222" cy="4862945"/>
+            <a:off x="0" y="2111033"/>
+            <a:ext cx="2967649" cy="2886502"/>
           </a:xfrm>
           <a:prstGeom prst="rect">
             <a:avLst/>
           </a:prstGeom>
         </p:spPr>
       </p:pic>
-      <p:sp>
-        <p:nvSpPr>
-          <p:cNvPr id="14" name="Titolo 1">
-            <a:extLst>
-              <a:ext uri="{FF2B5EF4-FFF2-40B4-BE49-F238E27FC236}">
-                <a16:creationId xmlns:a16="http://schemas.microsoft.com/office/drawing/2014/main" id="{7FDBCCB5-F0AF-580B-2F09-898B232B7B66}"/>
-              </a:ext>
-            </a:extLst>
-          </p:cNvPr>
-          <p:cNvSpPr txBox="1">
-            <a:spLocks/>
-          </p:cNvSpPr>
+      <p:pic>
+        <p:nvPicPr>
+          <p:cNvPr id="16" name="Picture 15" descr="A diagram of solar panels&#10;&#10;Description automatically generated with medium confidence">
+            <a:extLst>
+              <a:ext uri="{FF2B5EF4-FFF2-40B4-BE49-F238E27FC236}">
+                <a16:creationId xmlns:a16="http://schemas.microsoft.com/office/drawing/2014/main" id="{F6DB669A-232F-5D7A-9530-4D40FB836974}"/>
+              </a:ext>
+            </a:extLst>
+          </p:cNvPr>
+          <p:cNvPicPr>
+            <a:picLocks noChangeAspect="1"/>
+          </p:cNvPicPr>
           <p:nvPr/>
-        </p:nvSpPr>
-        <p:spPr>
-          <a:xfrm>
-            <a:off x="616804" y="249382"/>
-            <a:ext cx="10996076" cy="623454"/>
+        </p:nvPicPr>
+        <p:blipFill>
+          <a:blip r:embed="rId3">
+            <a:extLst>
+              <a:ext uri="{28A0092B-C50C-407E-A947-70E740481C1C}">
+                <a14:useLocalDpi xmlns:a14="http://schemas.microsoft.com/office/drawing/2010/main" val="0"/>
+              </a:ext>
+            </a:extLst>
+          </a:blip>
+          <a:stretch>
+            <a:fillRect/>
+          </a:stretch>
+        </p:blipFill>
+        <p:spPr>
+          <a:xfrm>
+            <a:off x="3746491" y="2134917"/>
+            <a:ext cx="2297926" cy="2886502"/>
           </a:xfrm>
           <a:prstGeom prst="rect">
             <a:avLst/>
           </a:prstGeom>
         </p:spPr>
-        <p:txBody>
-          <a:bodyPr lIns="91440" tIns="45720" rIns="91440" bIns="45720" anchor="t">
-            <a:normAutofit/>
+      </p:pic>
+      <p:pic>
+        <p:nvPicPr>
+          <p:cNvPr id="18" name="Picture 17" descr="A diagram of solar panels&#10;&#10;Description automatically generated with medium confidence">
+            <a:extLst>
+              <a:ext uri="{FF2B5EF4-FFF2-40B4-BE49-F238E27FC236}">
+                <a16:creationId xmlns:a16="http://schemas.microsoft.com/office/drawing/2014/main" id="{4EE665DB-7EBA-5225-2C97-C995E625349A}"/>
+              </a:ext>
+            </a:extLst>
+          </p:cNvPr>
+          <p:cNvPicPr>
+            <a:picLocks noChangeAspect="1"/>
+          </p:cNvPicPr>
+          <p:nvPr/>
+        </p:nvPicPr>
+        <p:blipFill>
+          <a:blip r:embed="rId4">
+            <a:extLst>
+              <a:ext uri="{28A0092B-C50C-407E-A947-70E740481C1C}">
+                <a14:useLocalDpi xmlns:a14="http://schemas.microsoft.com/office/drawing/2010/main" val="0"/>
+              </a:ext>
+            </a:extLst>
+          </a:blip>
+          <a:stretch>
+            <a:fillRect/>
+          </a:stretch>
+        </p:blipFill>
+        <p:spPr>
+          <a:xfrm>
+            <a:off x="7145665" y="2134917"/>
+            <a:ext cx="2277640" cy="2838734"/>
+          </a:xfrm>
+          <a:prstGeom prst="rect">
+            <a:avLst/>
+          </a:prstGeom>
+        </p:spPr>
+      </p:pic>
+      <p:pic>
+        <p:nvPicPr>
+          <p:cNvPr id="20" name="Picture 19" descr="A picture containing square, pattern&#10;&#10;Description automatically generated">
+            <a:extLst>
+              <a:ext uri="{FF2B5EF4-FFF2-40B4-BE49-F238E27FC236}">
+                <a16:creationId xmlns:a16="http://schemas.microsoft.com/office/drawing/2014/main" id="{28D0FDF8-4C4C-5DB3-BBCB-F4A7906FA01C}"/>
+              </a:ext>
+            </a:extLst>
+          </p:cNvPr>
+          <p:cNvPicPr>
+            <a:picLocks noChangeAspect="1"/>
+          </p:cNvPicPr>
+          <p:nvPr/>
+        </p:nvPicPr>
+        <p:blipFill>
+          <a:blip r:embed="rId5">
+            <a:extLst>
+              <a:ext uri="{28A0092B-C50C-407E-A947-70E740481C1C}">
+                <a14:useLocalDpi xmlns:a14="http://schemas.microsoft.com/office/drawing/2010/main" val="0"/>
+              </a:ext>
+            </a:extLst>
+          </a:blip>
+          <a:stretch>
+            <a:fillRect/>
+          </a:stretch>
+        </p:blipFill>
+        <p:spPr>
+          <a:xfrm>
+            <a:off x="9909588" y="2322574"/>
+            <a:ext cx="2282412" cy="2651077"/>
+          </a:xfrm>
+          <a:prstGeom prst="rect">
+            <a:avLst/>
+          </a:prstGeom>
+        </p:spPr>
+      </p:pic>
+      <p:sp>
+        <p:nvSpPr>
+          <p:cNvPr id="21" name="Arrow: Right 20">
+            <a:extLst>
+              <a:ext uri="{FF2B5EF4-FFF2-40B4-BE49-F238E27FC236}">
+                <a16:creationId xmlns:a16="http://schemas.microsoft.com/office/drawing/2014/main" id="{057D49ED-D6AC-D5D7-E8DF-BA1AA3800C88}"/>
+              </a:ext>
+            </a:extLst>
+          </p:cNvPr>
+          <p:cNvSpPr/>
+          <p:nvPr/>
+        </p:nvSpPr>
+        <p:spPr>
+          <a:xfrm>
+            <a:off x="3239917" y="3386261"/>
+            <a:ext cx="914336" cy="523702"/>
+          </a:xfrm>
+          <a:prstGeom prst="rightArrow">
+            <a:avLst/>
+          </a:prstGeom>
+        </p:spPr>
+        <p:style>
+          <a:lnRef idx="2">
+            <a:schemeClr val="dk1">
+              <a:shade val="50000"/>
+            </a:schemeClr>
+          </a:lnRef>
+          <a:fillRef idx="1">
+            <a:schemeClr val="dk1"/>
+          </a:fillRef>
+          <a:effectRef idx="0">
+            <a:schemeClr val="dk1"/>
+          </a:effectRef>
+          <a:fontRef idx="minor">
+            <a:schemeClr val="lt1"/>
+          </a:fontRef>
+        </p:style>
+        <p:txBody>
+          <a:bodyPr rtlCol="0" anchor="ctr"/>
+          <a:lstStyle/>
+          <a:p>
+            <a:pPr algn="ctr"/>
+            <a:endParaRPr lang="it-IT" dirty="0"/>
+          </a:p>
+        </p:txBody>
+      </p:sp>
+      <p:sp>
+        <p:nvSpPr>
+          <p:cNvPr id="23" name="Arrow: Right 22">
+            <a:extLst>
+              <a:ext uri="{FF2B5EF4-FFF2-40B4-BE49-F238E27FC236}">
+                <a16:creationId xmlns:a16="http://schemas.microsoft.com/office/drawing/2014/main" id="{C724F22C-5CE6-C694-05C3-AD3A46D6537E}"/>
+              </a:ext>
+            </a:extLst>
+          </p:cNvPr>
+          <p:cNvSpPr/>
+          <p:nvPr/>
+        </p:nvSpPr>
+        <p:spPr>
+          <a:xfrm>
+            <a:off x="6172517" y="3386261"/>
+            <a:ext cx="914336" cy="523702"/>
+          </a:xfrm>
+          <a:prstGeom prst="rightArrow">
+            <a:avLst/>
+          </a:prstGeom>
+        </p:spPr>
+        <p:style>
+          <a:lnRef idx="2">
+            <a:schemeClr val="dk1">
+              <a:shade val="50000"/>
+            </a:schemeClr>
+          </a:lnRef>
+          <a:fillRef idx="1">
+            <a:schemeClr val="dk1"/>
+          </a:fillRef>
+          <a:effectRef idx="0">
+            <a:schemeClr val="dk1"/>
+          </a:effectRef>
+          <a:fontRef idx="minor">
+            <a:schemeClr val="lt1"/>
+          </a:fontRef>
+        </p:style>
+        <p:txBody>
+          <a:bodyPr rtlCol="0" anchor="ctr"/>
+          <a:lstStyle/>
+          <a:p>
+            <a:pPr algn="ctr"/>
+            <a:endParaRPr lang="it-IT" dirty="0"/>
+          </a:p>
+        </p:txBody>
+      </p:sp>
+      <p:sp>
+        <p:nvSpPr>
+          <p:cNvPr id="24" name="Arrow: Right 23">
+            <a:extLst>
+              <a:ext uri="{FF2B5EF4-FFF2-40B4-BE49-F238E27FC236}">
+                <a16:creationId xmlns:a16="http://schemas.microsoft.com/office/drawing/2014/main" id="{337B93C7-7837-71DF-D431-D239DD574A98}"/>
+              </a:ext>
+            </a:extLst>
+          </p:cNvPr>
+          <p:cNvSpPr/>
+          <p:nvPr/>
+        </p:nvSpPr>
+        <p:spPr>
+          <a:xfrm>
+            <a:off x="8966137" y="3386261"/>
+            <a:ext cx="914336" cy="523702"/>
+          </a:xfrm>
+          <a:prstGeom prst="rightArrow">
+            <a:avLst/>
+          </a:prstGeom>
+        </p:spPr>
+        <p:style>
+          <a:lnRef idx="2">
+            <a:schemeClr val="dk1">
+              <a:shade val="50000"/>
+            </a:schemeClr>
+          </a:lnRef>
+          <a:fillRef idx="1">
+            <a:schemeClr val="dk1"/>
+          </a:fillRef>
+          <a:effectRef idx="0">
+            <a:schemeClr val="dk1"/>
+          </a:effectRef>
+          <a:fontRef idx="minor">
+            <a:schemeClr val="lt1"/>
+          </a:fontRef>
+        </p:style>
+        <p:txBody>
+          <a:bodyPr rtlCol="0" anchor="ctr"/>
+          <a:lstStyle/>
+          <a:p>
+            <a:pPr algn="ctr"/>
+            <a:endParaRPr lang="it-IT" dirty="0"/>
+          </a:p>
+        </p:txBody>
+      </p:sp>
+      <p:sp>
+        <p:nvSpPr>
+          <p:cNvPr id="25" name="TextBox 24">
+            <a:extLst>
+              <a:ext uri="{FF2B5EF4-FFF2-40B4-BE49-F238E27FC236}">
+                <a16:creationId xmlns:a16="http://schemas.microsoft.com/office/drawing/2014/main" id="{593CE99E-3511-1807-B78B-B5EBFFCCBF09}"/>
+              </a:ext>
+            </a:extLst>
+          </p:cNvPr>
+          <p:cNvSpPr txBox="1"/>
+          <p:nvPr/>
+        </p:nvSpPr>
+        <p:spPr>
+          <a:xfrm>
+            <a:off x="348018" y="5233916"/>
+            <a:ext cx="11559654" cy="646331"/>
+          </a:xfrm>
+          <a:prstGeom prst="rect">
+            <a:avLst/>
+          </a:prstGeom>
+          <a:noFill/>
+        </p:spPr>
+        <p:txBody>
+          <a:bodyPr wrap="square" rtlCol="0">
+            <a:spAutoFit/>
           </a:bodyPr>
-          <a:lstStyle>
-            <a:lvl1pPr algn="l" defTabSz="914400" rtl="0" eaLnBrk="1" latinLnBrk="0" hangingPunct="1">
-              <a:lnSpc>
-                <a:spcPct val="100000"/>
-              </a:lnSpc>
-              <a:spcBef>
-                <a:spcPct val="0"/>
-              </a:spcBef>
-              <a:buNone/>
-              <a:defRPr sz="3400" b="1" kern="1200">
-                <a:solidFill>
-                  <a:schemeClr val="tx1"/>
-                </a:solidFill>
-                <a:latin typeface="+mj-lt"/>
-                <a:ea typeface="+mj-ea"/>
-                <a:cs typeface="+mj-cs"/>
-              </a:defRPr>
-            </a:lvl1pPr>
-          </a:lstStyle>
-          <a:p>
-            <a:r>
-              <a:rPr lang="it-IT" dirty="0"/>
-              <a:t>Results without Shadow - 1</a:t>
-            </a:r>
+          <a:lstStyle/>
+          <a:p>
+            <a:r>
+              <a:rPr lang="en-US" dirty="0"/>
+              <a:t>By implementing a time-varying simulation of the cloud positions that create shading on the panels, it will be possible to observe significant changes in power production compared to the previous static variations.</a:t>
+            </a:r>
+            <a:endParaRPr lang="it-IT" dirty="0"/>
           </a:p>
         </p:txBody>
       </p:sp>
     </p:spTree>
     <p:extLst>
       <p:ext uri="{BB962C8B-B14F-4D97-AF65-F5344CB8AC3E}">
-        <p14:creationId xmlns:p14="http://schemas.microsoft.com/office/powerpoint/2010/main" val="1539801563"/>
+        <p14:creationId xmlns:p14="http://schemas.microsoft.com/office/powerpoint/2010/main" val="3444634075"/>
       </p:ext>
     </p:extLst>
   </p:cSld>
@@ -11581,7 +12474,7 @@
           <p:cNvPr id="2" name="Title 1">
             <a:extLst>
               <a:ext uri="{FF2B5EF4-FFF2-40B4-BE49-F238E27FC236}">
-                <a16:creationId xmlns:a16="http://schemas.microsoft.com/office/drawing/2014/main" id="{D76A055C-76FC-6350-F961-8BD0E9393EA8}"/>
+                <a16:creationId xmlns:a16="http://schemas.microsoft.com/office/drawing/2014/main" id="{C0C1A6D4-E0E2-258F-B5D2-BEFCEA4BFE29}"/>
               </a:ext>
             </a:extLst>
           </p:cNvPr>
@@ -11599,24 +12492,17 @@
           <a:p>
             <a:r>
               <a:rPr lang="it-IT" dirty="0"/>
-              <a:t>The Series </a:t>
-            </a:r>
-            <a:br>
-              <a:rPr lang="it-IT" dirty="0"/>
-            </a:br>
-            <a:r>
-              <a:rPr lang="it-IT" dirty="0"/>
-              <a:t>I-V Curve</a:t>
+              <a:t>I-V Curve for the PV</a:t>
             </a:r>
           </a:p>
         </p:txBody>
       </p:sp>
       <p:sp>
         <p:nvSpPr>
-          <p:cNvPr id="11" name="Text Placeholder 10">
-            <a:extLst>
-              <a:ext uri="{FF2B5EF4-FFF2-40B4-BE49-F238E27FC236}">
-                <a16:creationId xmlns:a16="http://schemas.microsoft.com/office/drawing/2014/main" id="{0498C140-7BC8-AB23-BB2A-D69FE20058B4}"/>
+          <p:cNvPr id="5" name="Text Placeholder 4">
+            <a:extLst>
+              <a:ext uri="{FF2B5EF4-FFF2-40B4-BE49-F238E27FC236}">
+                <a16:creationId xmlns:a16="http://schemas.microsoft.com/office/drawing/2014/main" id="{16145E4B-3CF8-D0D0-7C49-97AB03DF10D3}"/>
               </a:ext>
             </a:extLst>
           </p:cNvPr>
@@ -11630,24 +12516,59 @@
         <p:spPr/>
         <p:txBody>
           <a:bodyPr>
-            <a:normAutofit fontScale="77500" lnSpcReduction="20000"/>
+            <a:normAutofit fontScale="85000" lnSpcReduction="20000"/>
           </a:bodyPr>
           <a:lstStyle/>
           <a:p>
             <a:r>
               <a:rPr lang="en-US" dirty="0"/>
-              <a:t>The I-V (current-voltage) curve for a series of PV (photovoltaic) panels represents the relationship between the current and voltage outputs when multiple panels are connected in a series configuration. It helps assess the combined performance and power generation of the interconnected panels.</a:t>
+              <a:t>The I-V (current-voltage) curve is a graphical representation that shows the relationship between the current and voltage outputs of a solar panel or any electronic device. It provides valuable information about the panel's performance, efficiency, and power generation capabilities.</a:t>
             </a:r>
             <a:endParaRPr lang="it-IT" dirty="0"/>
           </a:p>
         </p:txBody>
       </p:sp>
+      <p:pic>
+        <p:nvPicPr>
+          <p:cNvPr id="13" name="Picture 12">
+            <a:extLst>
+              <a:ext uri="{FF2B5EF4-FFF2-40B4-BE49-F238E27FC236}">
+                <a16:creationId xmlns:a16="http://schemas.microsoft.com/office/drawing/2014/main" id="{5804D2A8-4A8E-9406-BA2D-B40A64A51AEA}"/>
+              </a:ext>
+            </a:extLst>
+          </p:cNvPr>
+          <p:cNvPicPr>
+            <a:picLocks noChangeAspect="1"/>
+          </p:cNvPicPr>
+          <p:nvPr/>
+        </p:nvPicPr>
+        <p:blipFill>
+          <a:blip r:embed="rId2">
+            <a:extLst>
+              <a:ext uri="{28A0092B-C50C-407E-A947-70E740481C1C}">
+                <a14:useLocalDpi xmlns:a14="http://schemas.microsoft.com/office/drawing/2010/main" val="0"/>
+              </a:ext>
+            </a:extLst>
+          </a:blip>
+          <a:srcRect t="311" b="311"/>
+          <a:stretch/>
+        </p:blipFill>
+        <p:spPr>
+          <a:xfrm>
+            <a:off x="4801098" y="988383"/>
+            <a:ext cx="6522222" cy="4862945"/>
+          </a:xfrm>
+          <a:prstGeom prst="rect">
+            <a:avLst/>
+          </a:prstGeom>
+        </p:spPr>
+      </p:pic>
       <p:sp>
         <p:nvSpPr>
-          <p:cNvPr id="4" name="Titolo 1">
-            <a:extLst>
-              <a:ext uri="{FF2B5EF4-FFF2-40B4-BE49-F238E27FC236}">
-                <a16:creationId xmlns:a16="http://schemas.microsoft.com/office/drawing/2014/main" id="{FFA46C98-8E79-DAFE-EFEA-761E6D599A44}"/>
+          <p:cNvPr id="14" name="Titolo 1">
+            <a:extLst>
+              <a:ext uri="{FF2B5EF4-FFF2-40B4-BE49-F238E27FC236}">
+                <a16:creationId xmlns:a16="http://schemas.microsoft.com/office/drawing/2014/main" id="{7FDBCCB5-F0AF-580B-2F09-898B232B7B66}"/>
               </a:ext>
             </a:extLst>
           </p:cNvPr>
@@ -11691,51 +12612,15 @@
           <a:p>
             <a:r>
               <a:rPr lang="it-IT" dirty="0"/>
-              <a:t>Results without Shadow - 2</a:t>
-            </a:r>
-          </a:p>
-        </p:txBody>
-      </p:sp>
-      <p:pic>
-        <p:nvPicPr>
-          <p:cNvPr id="7" name="Picture 6" descr="A picture containing text, diagram, line, plot&#10;&#10;Description automatically generated">
-            <a:extLst>
-              <a:ext uri="{FF2B5EF4-FFF2-40B4-BE49-F238E27FC236}">
-                <a16:creationId xmlns:a16="http://schemas.microsoft.com/office/drawing/2014/main" id="{FDFEA6B0-193D-4155-D31D-0D420FDE31A9}"/>
-              </a:ext>
-            </a:extLst>
-          </p:cNvPr>
-          <p:cNvPicPr>
-            <a:picLocks noChangeAspect="1"/>
-          </p:cNvPicPr>
-          <p:nvPr/>
-        </p:nvPicPr>
-        <p:blipFill>
-          <a:blip r:embed="rId2">
-            <a:extLst>
-              <a:ext uri="{28A0092B-C50C-407E-A947-70E740481C1C}">
-                <a14:useLocalDpi xmlns:a14="http://schemas.microsoft.com/office/drawing/2010/main" val="0"/>
-              </a:ext>
-            </a:extLst>
-          </a:blip>
-          <a:stretch>
-            <a:fillRect/>
-          </a:stretch>
-        </p:blipFill>
-        <p:spPr>
-          <a:xfrm>
-            <a:off x="4475733" y="1045537"/>
-            <a:ext cx="7137147" cy="5318910"/>
-          </a:xfrm>
-          <a:prstGeom prst="rect">
-            <a:avLst/>
-          </a:prstGeom>
-        </p:spPr>
-      </p:pic>
+              <a:t>Results without Shadow - 1</a:t>
+            </a:r>
+          </a:p>
+        </p:txBody>
+      </p:sp>
     </p:spTree>
     <p:extLst>
       <p:ext uri="{BB962C8B-B14F-4D97-AF65-F5344CB8AC3E}">
-        <p14:creationId xmlns:p14="http://schemas.microsoft.com/office/powerpoint/2010/main" val="935037914"/>
+        <p14:creationId xmlns:p14="http://schemas.microsoft.com/office/powerpoint/2010/main" val="1539801563"/>
       </p:ext>
     </p:extLst>
   </p:cSld>
@@ -11797,14 +12682,14 @@
           <a:p>
             <a:r>
               <a:rPr lang="it-IT" dirty="0"/>
-              <a:t>The Parallel </a:t>
+              <a:t>The Series </a:t>
             </a:r>
             <a:br>
               <a:rPr lang="it-IT" dirty="0"/>
             </a:br>
             <a:r>
               <a:rPr lang="it-IT" dirty="0"/>
-              <a:t>Power curve</a:t>
+              <a:t>I-V Curve</a:t>
             </a:r>
           </a:p>
         </p:txBody>
@@ -11834,47 +12719,18 @@
           <a:p>
             <a:r>
               <a:rPr lang="en-US" dirty="0"/>
-              <a:t>A parallel configuration of PV (photovoltaic) panels involves connecting multiple panels side by side, with their positive terminals connected together and negative terminals connected together. This setup increases the overall current output while maintaining the same voltage level, resulting in higher power generation capacity.</a:t>
+              <a:t>The I-V (current-voltage) curve for a series of PV (photovoltaic) panels represents the relationship between the current and voltage outputs when multiple panels are connected in a series configuration. It helps assess the combined performance and power generation of the interconnected panels.</a:t>
             </a:r>
             <a:endParaRPr lang="it-IT" dirty="0"/>
           </a:p>
         </p:txBody>
       </p:sp>
-      <p:pic>
-        <p:nvPicPr>
-          <p:cNvPr id="7" name="Picture Placeholder 6">
-            <a:extLst>
-              <a:ext uri="{FF2B5EF4-FFF2-40B4-BE49-F238E27FC236}">
-                <a16:creationId xmlns:a16="http://schemas.microsoft.com/office/drawing/2014/main" id="{DC9040EC-9B0D-F20A-1EE2-897E9466E517}"/>
-              </a:ext>
-            </a:extLst>
-          </p:cNvPr>
-          <p:cNvPicPr>
-            <a:picLocks noGrp="1" noChangeAspect="1"/>
-          </p:cNvPicPr>
-          <p:nvPr>
-            <p:ph type="pic" idx="1"/>
-          </p:nvPr>
-        </p:nvPicPr>
-        <p:blipFill>
-          <a:blip r:embed="rId2">
-            <a:extLst>
-              <a:ext uri="{28A0092B-C50C-407E-A947-70E740481C1C}">
-                <a14:useLocalDpi xmlns:a14="http://schemas.microsoft.com/office/drawing/2010/main" val="0"/>
-              </a:ext>
-            </a:extLst>
-          </a:blip>
-          <a:srcRect t="1420" b="1420"/>
-          <a:stretch/>
-        </p:blipFill>
-        <p:spPr/>
-      </p:pic>
       <p:sp>
         <p:nvSpPr>
-          <p:cNvPr id="3" name="Titolo 1">
-            <a:extLst>
-              <a:ext uri="{FF2B5EF4-FFF2-40B4-BE49-F238E27FC236}">
-                <a16:creationId xmlns:a16="http://schemas.microsoft.com/office/drawing/2014/main" id="{894DEC22-82C4-39CE-2ED7-76DCA11066CA}"/>
+          <p:cNvPr id="4" name="Titolo 1">
+            <a:extLst>
+              <a:ext uri="{FF2B5EF4-FFF2-40B4-BE49-F238E27FC236}">
+                <a16:creationId xmlns:a16="http://schemas.microsoft.com/office/drawing/2014/main" id="{FFA46C98-8E79-DAFE-EFEA-761E6D599A44}"/>
               </a:ext>
             </a:extLst>
           </p:cNvPr>
@@ -11918,62 +12774,51 @@
           <a:p>
             <a:r>
               <a:rPr lang="it-IT" dirty="0"/>
-              <a:t>Results without Shadow - 3</a:t>
-            </a:r>
-          </a:p>
-        </p:txBody>
-      </p:sp>
-      <p:sp>
-        <p:nvSpPr>
-          <p:cNvPr id="4" name="Oval 3">
-            <a:extLst>
-              <a:ext uri="{FF2B5EF4-FFF2-40B4-BE49-F238E27FC236}">
-                <a16:creationId xmlns:a16="http://schemas.microsoft.com/office/drawing/2014/main" id="{78E2571A-B5F3-C198-21C9-94757DB5E499}"/>
-              </a:ext>
-            </a:extLst>
-          </p:cNvPr>
-          <p:cNvSpPr/>
+              <a:t>Results without Shadow - 2</a:t>
+            </a:r>
+          </a:p>
+        </p:txBody>
+      </p:sp>
+      <p:pic>
+        <p:nvPicPr>
+          <p:cNvPr id="7" name="Picture 6" descr="A picture containing text, diagram, line, plot&#10;&#10;Description automatically generated">
+            <a:extLst>
+              <a:ext uri="{FF2B5EF4-FFF2-40B4-BE49-F238E27FC236}">
+                <a16:creationId xmlns:a16="http://schemas.microsoft.com/office/drawing/2014/main" id="{FDFEA6B0-193D-4155-D31D-0D420FDE31A9}"/>
+              </a:ext>
+            </a:extLst>
+          </p:cNvPr>
+          <p:cNvPicPr>
+            <a:picLocks noChangeAspect="1"/>
+          </p:cNvPicPr>
           <p:nvPr/>
-        </p:nvSpPr>
-        <p:spPr>
-          <a:xfrm>
-            <a:off x="6838122" y="4803913"/>
-            <a:ext cx="483704" cy="450574"/>
-          </a:xfrm>
-          <a:prstGeom prst="ellipse">
+        </p:nvPicPr>
+        <p:blipFill>
+          <a:blip r:embed="rId2">
+            <a:extLst>
+              <a:ext uri="{28A0092B-C50C-407E-A947-70E740481C1C}">
+                <a14:useLocalDpi xmlns:a14="http://schemas.microsoft.com/office/drawing/2010/main" val="0"/>
+              </a:ext>
+            </a:extLst>
+          </a:blip>
+          <a:stretch>
+            <a:fillRect/>
+          </a:stretch>
+        </p:blipFill>
+        <p:spPr>
+          <a:xfrm>
+            <a:off x="4475733" y="1045537"/>
+            <a:ext cx="7137147" cy="5318910"/>
+          </a:xfrm>
+          <a:prstGeom prst="rect">
             <a:avLst/>
           </a:prstGeom>
-          <a:noFill/>
-        </p:spPr>
-        <p:style>
-          <a:lnRef idx="2">
-            <a:schemeClr val="accent1">
-              <a:shade val="50000"/>
-            </a:schemeClr>
-          </a:lnRef>
-          <a:fillRef idx="1">
-            <a:schemeClr val="accent1"/>
-          </a:fillRef>
-          <a:effectRef idx="0">
-            <a:schemeClr val="accent1"/>
-          </a:effectRef>
-          <a:fontRef idx="minor">
-            <a:schemeClr val="lt1"/>
-          </a:fontRef>
-        </p:style>
-        <p:txBody>
-          <a:bodyPr rtlCol="0" anchor="ctr"/>
-          <a:lstStyle/>
-          <a:p>
-            <a:pPr algn="ctr"/>
-            <a:endParaRPr lang="it-IT"/>
-          </a:p>
-        </p:txBody>
-      </p:sp>
+        </p:spPr>
+      </p:pic>
     </p:spTree>
     <p:extLst>
       <p:ext uri="{BB962C8B-B14F-4D97-AF65-F5344CB8AC3E}">
-        <p14:creationId xmlns:p14="http://schemas.microsoft.com/office/powerpoint/2010/main" val="2065435327"/>
+        <p14:creationId xmlns:p14="http://schemas.microsoft.com/office/powerpoint/2010/main" val="935037914"/>
       </p:ext>
     </p:extLst>
   </p:cSld>
@@ -12035,7 +12880,14 @@
           <a:p>
             <a:r>
               <a:rPr lang="it-IT" dirty="0"/>
-              <a:t>The P-V curve for the critical points</a:t>
+              <a:t>The Parallel </a:t>
+            </a:r>
+            <a:br>
+              <a:rPr lang="it-IT" dirty="0"/>
+            </a:br>
+            <a:r>
+              <a:rPr lang="it-IT" dirty="0"/>
+              <a:t>Power curve</a:t>
             </a:r>
           </a:p>
         </p:txBody>
@@ -12059,18 +12911,47 @@
         <p:spPr/>
         <p:txBody>
           <a:bodyPr>
-            <a:normAutofit/>
+            <a:normAutofit fontScale="77500" lnSpcReduction="20000"/>
           </a:bodyPr>
           <a:lstStyle/>
           <a:p>
             <a:r>
               <a:rPr lang="en-US" dirty="0"/>
-              <a:t>At every hour, optimization is calculated, and therefore we can also construct the individual P-V curve for each optimization to display the chosen peak.</a:t>
+              <a:t>A parallel configuration of PV (photovoltaic) panels involves connecting multiple panels side by side, with their positive terminals connected together and negative terminals connected together. This setup increases the overall current output while maintaining the same voltage level, resulting in higher power generation capacity.</a:t>
             </a:r>
             <a:endParaRPr lang="it-IT" dirty="0"/>
           </a:p>
         </p:txBody>
       </p:sp>
+      <p:pic>
+        <p:nvPicPr>
+          <p:cNvPr id="7" name="Picture Placeholder 6">
+            <a:extLst>
+              <a:ext uri="{FF2B5EF4-FFF2-40B4-BE49-F238E27FC236}">
+                <a16:creationId xmlns:a16="http://schemas.microsoft.com/office/drawing/2014/main" id="{DC9040EC-9B0D-F20A-1EE2-897E9466E517}"/>
+              </a:ext>
+            </a:extLst>
+          </p:cNvPr>
+          <p:cNvPicPr>
+            <a:picLocks noGrp="1" noChangeAspect="1"/>
+          </p:cNvPicPr>
+          <p:nvPr>
+            <p:ph type="pic" idx="1"/>
+          </p:nvPr>
+        </p:nvPicPr>
+        <p:blipFill>
+          <a:blip r:embed="rId2">
+            <a:extLst>
+              <a:ext uri="{28A0092B-C50C-407E-A947-70E740481C1C}">
+                <a14:useLocalDpi xmlns:a14="http://schemas.microsoft.com/office/drawing/2010/main" val="0"/>
+              </a:ext>
+            </a:extLst>
+          </a:blip>
+          <a:srcRect t="1420" b="1420"/>
+          <a:stretch/>
+        </p:blipFill>
+        <p:spPr/>
+      </p:pic>
       <p:sp>
         <p:nvSpPr>
           <p:cNvPr id="3" name="Titolo 1">
@@ -12120,48 +13001,17 @@
           <a:p>
             <a:r>
               <a:rPr lang="it-IT" dirty="0"/>
-              <a:t>Results without Shadow - 4</a:t>
-            </a:r>
-          </a:p>
-        </p:txBody>
-      </p:sp>
-      <p:pic>
-        <p:nvPicPr>
-          <p:cNvPr id="9" name="Picture Placeholder 8" descr="A picture containing text, line, plot, diagram&#10;&#10;Description automatically generated">
-            <a:extLst>
-              <a:ext uri="{FF2B5EF4-FFF2-40B4-BE49-F238E27FC236}">
-                <a16:creationId xmlns:a16="http://schemas.microsoft.com/office/drawing/2014/main" id="{80326B3B-2AB2-FD30-463A-BE6FCD450BB3}"/>
-              </a:ext>
-            </a:extLst>
-          </p:cNvPr>
-          <p:cNvPicPr>
-            <a:picLocks noGrp="1" noChangeAspect="1"/>
-          </p:cNvPicPr>
-          <p:nvPr>
-            <p:ph type="pic" idx="1"/>
-          </p:nvPr>
-        </p:nvPicPr>
-        <p:blipFill>
-          <a:blip r:embed="rId2">
-            <a:extLst>
-              <a:ext uri="{28A0092B-C50C-407E-A947-70E740481C1C}">
-                <a14:useLocalDpi xmlns:a14="http://schemas.microsoft.com/office/drawing/2010/main" val="0"/>
-              </a:ext>
-            </a:extLst>
-          </a:blip>
-          <a:srcRect t="2996" b="2996"/>
-          <a:stretch>
-            <a:fillRect/>
-          </a:stretch>
-        </p:blipFill>
-        <p:spPr/>
-      </p:pic>
+              <a:t>Results without Shadow - 3</a:t>
+            </a:r>
+          </a:p>
+        </p:txBody>
+      </p:sp>
       <p:sp>
         <p:nvSpPr>
-          <p:cNvPr id="6" name="Oval 5">
-            <a:extLst>
-              <a:ext uri="{FF2B5EF4-FFF2-40B4-BE49-F238E27FC236}">
-                <a16:creationId xmlns:a16="http://schemas.microsoft.com/office/drawing/2014/main" id="{A53E880D-3C57-9AF7-11C1-D366E7E66C04}"/>
+          <p:cNvPr id="4" name="Oval 3">
+            <a:extLst>
+              <a:ext uri="{FF2B5EF4-FFF2-40B4-BE49-F238E27FC236}">
+                <a16:creationId xmlns:a16="http://schemas.microsoft.com/office/drawing/2014/main" id="{78E2571A-B5F3-C198-21C9-94757DB5E499}"/>
               </a:ext>
             </a:extLst>
           </p:cNvPr>
@@ -12170,8 +13020,8 @@
         </p:nvSpPr>
         <p:spPr>
           <a:xfrm>
-            <a:off x="5276448" y="639285"/>
-            <a:ext cx="6107472" cy="5689158"/>
+            <a:off x="6838122" y="4803913"/>
+            <a:ext cx="483704" cy="450574"/>
           </a:xfrm>
           <a:prstGeom prst="ellipse">
             <a:avLst/>
@@ -12203,56 +13053,10 @@
           </a:p>
         </p:txBody>
       </p:sp>
-      <p:sp>
-        <p:nvSpPr>
-          <p:cNvPr id="5" name="Star: 5 Points 4">
-            <a:extLst>
-              <a:ext uri="{FF2B5EF4-FFF2-40B4-BE49-F238E27FC236}">
-                <a16:creationId xmlns:a16="http://schemas.microsoft.com/office/drawing/2014/main" id="{F3DAD4F2-9134-204E-81C9-7093D3F80E03}"/>
-              </a:ext>
-            </a:extLst>
-          </p:cNvPr>
-          <p:cNvSpPr/>
-          <p:nvPr/>
-        </p:nvSpPr>
-        <p:spPr>
-          <a:xfrm>
-            <a:off x="10420350" y="1707988"/>
-            <a:ext cx="129540" cy="114300"/>
-          </a:xfrm>
-          <a:prstGeom prst="star5">
-            <a:avLst/>
-          </a:prstGeom>
-        </p:spPr>
-        <p:style>
-          <a:lnRef idx="2">
-            <a:schemeClr val="accent1">
-              <a:shade val="50000"/>
-            </a:schemeClr>
-          </a:lnRef>
-          <a:fillRef idx="1">
-            <a:schemeClr val="accent1"/>
-          </a:fillRef>
-          <a:effectRef idx="0">
-            <a:schemeClr val="accent1"/>
-          </a:effectRef>
-          <a:fontRef idx="minor">
-            <a:schemeClr val="lt1"/>
-          </a:fontRef>
-        </p:style>
-        <p:txBody>
-          <a:bodyPr rtlCol="0" anchor="ctr"/>
-          <a:lstStyle/>
-          <a:p>
-            <a:pPr algn="ctr"/>
-            <a:endParaRPr lang="it-IT"/>
-          </a:p>
-        </p:txBody>
-      </p:sp>
     </p:spTree>
     <p:extLst>
       <p:ext uri="{BB962C8B-B14F-4D97-AF65-F5344CB8AC3E}">
-        <p14:creationId xmlns:p14="http://schemas.microsoft.com/office/powerpoint/2010/main" val="15648013"/>
+        <p14:creationId xmlns:p14="http://schemas.microsoft.com/office/powerpoint/2010/main" val="2065435327"/>
       </p:ext>
     </p:extLst>
   </p:cSld>
@@ -12291,6 +13095,285 @@
           <a:chExt cx="0" cy="0"/>
         </a:xfrm>
       </p:grpSpPr>
+      <p:sp>
+        <p:nvSpPr>
+          <p:cNvPr id="2" name="Title 1">
+            <a:extLst>
+              <a:ext uri="{FF2B5EF4-FFF2-40B4-BE49-F238E27FC236}">
+                <a16:creationId xmlns:a16="http://schemas.microsoft.com/office/drawing/2014/main" id="{D76A055C-76FC-6350-F961-8BD0E9393EA8}"/>
+              </a:ext>
+            </a:extLst>
+          </p:cNvPr>
+          <p:cNvSpPr>
+            <a:spLocks noGrp="1"/>
+          </p:cNvSpPr>
+          <p:nvPr>
+            <p:ph type="title"/>
+          </p:nvPr>
+        </p:nvSpPr>
+        <p:spPr/>
+        <p:txBody>
+          <a:bodyPr/>
+          <a:lstStyle/>
+          <a:p>
+            <a:r>
+              <a:rPr lang="it-IT" dirty="0"/>
+              <a:t>The P-V curve for the critical points</a:t>
+            </a:r>
+          </a:p>
+        </p:txBody>
+      </p:sp>
+      <p:sp>
+        <p:nvSpPr>
+          <p:cNvPr id="11" name="Text Placeholder 10">
+            <a:extLst>
+              <a:ext uri="{FF2B5EF4-FFF2-40B4-BE49-F238E27FC236}">
+                <a16:creationId xmlns:a16="http://schemas.microsoft.com/office/drawing/2014/main" id="{0498C140-7BC8-AB23-BB2A-D69FE20058B4}"/>
+              </a:ext>
+            </a:extLst>
+          </p:cNvPr>
+          <p:cNvSpPr>
+            <a:spLocks noGrp="1"/>
+          </p:cNvSpPr>
+          <p:nvPr>
+            <p:ph type="body" sz="half" idx="2"/>
+          </p:nvPr>
+        </p:nvSpPr>
+        <p:spPr/>
+        <p:txBody>
+          <a:bodyPr>
+            <a:normAutofit/>
+          </a:bodyPr>
+          <a:lstStyle/>
+          <a:p>
+            <a:r>
+              <a:rPr lang="en-US" dirty="0"/>
+              <a:t>At every hour, optimization is calculated, and therefore we can also construct the individual P-V curve for each optimization to display the chosen peak.</a:t>
+            </a:r>
+            <a:endParaRPr lang="it-IT" dirty="0"/>
+          </a:p>
+        </p:txBody>
+      </p:sp>
+      <p:sp>
+        <p:nvSpPr>
+          <p:cNvPr id="3" name="Titolo 1">
+            <a:extLst>
+              <a:ext uri="{FF2B5EF4-FFF2-40B4-BE49-F238E27FC236}">
+                <a16:creationId xmlns:a16="http://schemas.microsoft.com/office/drawing/2014/main" id="{894DEC22-82C4-39CE-2ED7-76DCA11066CA}"/>
+              </a:ext>
+            </a:extLst>
+          </p:cNvPr>
+          <p:cNvSpPr txBox="1">
+            <a:spLocks/>
+          </p:cNvSpPr>
+          <p:nvPr/>
+        </p:nvSpPr>
+        <p:spPr>
+          <a:xfrm>
+            <a:off x="616804" y="249382"/>
+            <a:ext cx="10996076" cy="623454"/>
+          </a:xfrm>
+          <a:prstGeom prst="rect">
+            <a:avLst/>
+          </a:prstGeom>
+        </p:spPr>
+        <p:txBody>
+          <a:bodyPr lIns="91440" tIns="45720" rIns="91440" bIns="45720" anchor="t">
+            <a:normAutofit/>
+          </a:bodyPr>
+          <a:lstStyle>
+            <a:lvl1pPr algn="l" defTabSz="914400" rtl="0" eaLnBrk="1" latinLnBrk="0" hangingPunct="1">
+              <a:lnSpc>
+                <a:spcPct val="100000"/>
+              </a:lnSpc>
+              <a:spcBef>
+                <a:spcPct val="0"/>
+              </a:spcBef>
+              <a:buNone/>
+              <a:defRPr sz="3400" b="1" kern="1200">
+                <a:solidFill>
+                  <a:schemeClr val="tx1"/>
+                </a:solidFill>
+                <a:latin typeface="+mj-lt"/>
+                <a:ea typeface="+mj-ea"/>
+                <a:cs typeface="+mj-cs"/>
+              </a:defRPr>
+            </a:lvl1pPr>
+          </a:lstStyle>
+          <a:p>
+            <a:r>
+              <a:rPr lang="it-IT" dirty="0"/>
+              <a:t>Results without Shadow - 4</a:t>
+            </a:r>
+          </a:p>
+        </p:txBody>
+      </p:sp>
+      <p:pic>
+        <p:nvPicPr>
+          <p:cNvPr id="9" name="Picture Placeholder 8" descr="A picture containing text, line, plot, diagram&#10;&#10;Description automatically generated">
+            <a:extLst>
+              <a:ext uri="{FF2B5EF4-FFF2-40B4-BE49-F238E27FC236}">
+                <a16:creationId xmlns:a16="http://schemas.microsoft.com/office/drawing/2014/main" id="{80326B3B-2AB2-FD30-463A-BE6FCD450BB3}"/>
+              </a:ext>
+            </a:extLst>
+          </p:cNvPr>
+          <p:cNvPicPr>
+            <a:picLocks noGrp="1" noChangeAspect="1"/>
+          </p:cNvPicPr>
+          <p:nvPr>
+            <p:ph type="pic" idx="1"/>
+          </p:nvPr>
+        </p:nvPicPr>
+        <p:blipFill>
+          <a:blip r:embed="rId2">
+            <a:extLst>
+              <a:ext uri="{28A0092B-C50C-407E-A947-70E740481C1C}">
+                <a14:useLocalDpi xmlns:a14="http://schemas.microsoft.com/office/drawing/2010/main" val="0"/>
+              </a:ext>
+            </a:extLst>
+          </a:blip>
+          <a:srcRect t="2996" b="2996"/>
+          <a:stretch>
+            <a:fillRect/>
+          </a:stretch>
+        </p:blipFill>
+        <p:spPr/>
+      </p:pic>
+      <p:sp>
+        <p:nvSpPr>
+          <p:cNvPr id="6" name="Oval 5">
+            <a:extLst>
+              <a:ext uri="{FF2B5EF4-FFF2-40B4-BE49-F238E27FC236}">
+                <a16:creationId xmlns:a16="http://schemas.microsoft.com/office/drawing/2014/main" id="{A53E880D-3C57-9AF7-11C1-D366E7E66C04}"/>
+              </a:ext>
+            </a:extLst>
+          </p:cNvPr>
+          <p:cNvSpPr/>
+          <p:nvPr/>
+        </p:nvSpPr>
+        <p:spPr>
+          <a:xfrm>
+            <a:off x="5276448" y="639285"/>
+            <a:ext cx="6107472" cy="5689158"/>
+          </a:xfrm>
+          <a:prstGeom prst="ellipse">
+            <a:avLst/>
+          </a:prstGeom>
+          <a:noFill/>
+        </p:spPr>
+        <p:style>
+          <a:lnRef idx="2">
+            <a:schemeClr val="accent1">
+              <a:shade val="50000"/>
+            </a:schemeClr>
+          </a:lnRef>
+          <a:fillRef idx="1">
+            <a:schemeClr val="accent1"/>
+          </a:fillRef>
+          <a:effectRef idx="0">
+            <a:schemeClr val="accent1"/>
+          </a:effectRef>
+          <a:fontRef idx="minor">
+            <a:schemeClr val="lt1"/>
+          </a:fontRef>
+        </p:style>
+        <p:txBody>
+          <a:bodyPr rtlCol="0" anchor="ctr"/>
+          <a:lstStyle/>
+          <a:p>
+            <a:pPr algn="ctr"/>
+            <a:endParaRPr lang="it-IT"/>
+          </a:p>
+        </p:txBody>
+      </p:sp>
+      <p:sp>
+        <p:nvSpPr>
+          <p:cNvPr id="5" name="Star: 5 Points 4">
+            <a:extLst>
+              <a:ext uri="{FF2B5EF4-FFF2-40B4-BE49-F238E27FC236}">
+                <a16:creationId xmlns:a16="http://schemas.microsoft.com/office/drawing/2014/main" id="{F3DAD4F2-9134-204E-81C9-7093D3F80E03}"/>
+              </a:ext>
+            </a:extLst>
+          </p:cNvPr>
+          <p:cNvSpPr/>
+          <p:nvPr/>
+        </p:nvSpPr>
+        <p:spPr>
+          <a:xfrm>
+            <a:off x="10420350" y="1707988"/>
+            <a:ext cx="129540" cy="114300"/>
+          </a:xfrm>
+          <a:prstGeom prst="star5">
+            <a:avLst/>
+          </a:prstGeom>
+        </p:spPr>
+        <p:style>
+          <a:lnRef idx="2">
+            <a:schemeClr val="accent1">
+              <a:shade val="50000"/>
+            </a:schemeClr>
+          </a:lnRef>
+          <a:fillRef idx="1">
+            <a:schemeClr val="accent1"/>
+          </a:fillRef>
+          <a:effectRef idx="0">
+            <a:schemeClr val="accent1"/>
+          </a:effectRef>
+          <a:fontRef idx="minor">
+            <a:schemeClr val="lt1"/>
+          </a:fontRef>
+        </p:style>
+        <p:txBody>
+          <a:bodyPr rtlCol="0" anchor="ctr"/>
+          <a:lstStyle/>
+          <a:p>
+            <a:pPr algn="ctr"/>
+            <a:endParaRPr lang="it-IT"/>
+          </a:p>
+        </p:txBody>
+      </p:sp>
+    </p:spTree>
+    <p:extLst>
+      <p:ext uri="{BB962C8B-B14F-4D97-AF65-F5344CB8AC3E}">
+        <p14:creationId xmlns:p14="http://schemas.microsoft.com/office/powerpoint/2010/main" val="15648013"/>
+      </p:ext>
+    </p:extLst>
+  </p:cSld>
+  <p:clrMapOvr>
+    <a:masterClrMapping/>
+  </p:clrMapOvr>
+  <mc:AlternateContent xmlns:mc="http://schemas.openxmlformats.org/markup-compatibility/2006" xmlns:p159="http://schemas.microsoft.com/office/powerpoint/2015/09/main">
+    <mc:Choice Requires="p159">
+      <p:transition xmlns:p14="http://schemas.microsoft.com/office/powerpoint/2010/main" spd="slow" p14:dur="2000">
+        <p159:morph option="byObject"/>
+      </p:transition>
+    </mc:Choice>
+    <mc:Fallback xmlns="">
+      <p:transition spd="slow">
+        <p:fade/>
+      </p:transition>
+    </mc:Fallback>
+  </mc:AlternateContent>
+</p:sld>
+</file>
+
+<file path=ppt/slides/slide18.xml><?xml version="1.0" encoding="utf-8"?>
+<p:sld xmlns:a="http://schemas.openxmlformats.org/drawingml/2006/main" xmlns:r="http://schemas.openxmlformats.org/officeDocument/2006/relationships" xmlns:p="http://schemas.openxmlformats.org/presentationml/2006/main">
+  <p:cSld>
+    <p:spTree>
+      <p:nvGrpSpPr>
+        <p:cNvPr id="1" name=""/>
+        <p:cNvGrpSpPr/>
+        <p:nvPr/>
+      </p:nvGrpSpPr>
+      <p:grpSpPr>
+        <a:xfrm>
+          <a:off x="0" y="0"/>
+          <a:ext cx="0" cy="0"/>
+          <a:chOff x="0" y="0"/>
+          <a:chExt cx="0" cy="0"/>
+        </a:xfrm>
+      </p:grpSpPr>
       <p:pic>
         <p:nvPicPr>
           <p:cNvPr id="23" name="Picture 22" descr="A picture containing text, diagram, line, plot&#10;&#10;Description automatically generated">
@@ -12882,7 +13965,7 @@
 </p:sld>
 </file>
 
-<file path=ppt/slides/slide18.xml><?xml version="1.0" encoding="utf-8"?>
+<file path=ppt/slides/slide19.xml><?xml version="1.0" encoding="utf-8"?>
 <p:sld xmlns:a="http://schemas.openxmlformats.org/drawingml/2006/main" xmlns:r="http://schemas.openxmlformats.org/officeDocument/2006/relationships" xmlns:p="http://schemas.openxmlformats.org/presentationml/2006/main">
   <p:cSld>
     <p:bg>
@@ -13686,210 +14769,6 @@
 </p:sld>
 </file>
 
-<file path=ppt/slides/slide19.xml><?xml version="1.0" encoding="utf-8"?>
-<p:sld xmlns:a="http://schemas.openxmlformats.org/drawingml/2006/main" xmlns:r="http://schemas.openxmlformats.org/officeDocument/2006/relationships" xmlns:p="http://schemas.openxmlformats.org/presentationml/2006/main">
-  <p:cSld>
-    <p:spTree>
-      <p:nvGrpSpPr>
-        <p:cNvPr id="1" name=""/>
-        <p:cNvGrpSpPr/>
-        <p:nvPr/>
-      </p:nvGrpSpPr>
-      <p:grpSpPr>
-        <a:xfrm>
-          <a:off x="0" y="0"/>
-          <a:ext cx="0" cy="0"/>
-          <a:chOff x="0" y="0"/>
-          <a:chExt cx="0" cy="0"/>
-        </a:xfrm>
-      </p:grpSpPr>
-      <p:sp>
-        <p:nvSpPr>
-          <p:cNvPr id="30" name="Titolo 1">
-            <a:extLst>
-              <a:ext uri="{FF2B5EF4-FFF2-40B4-BE49-F238E27FC236}">
-                <a16:creationId xmlns:a16="http://schemas.microsoft.com/office/drawing/2014/main" id="{2DF3C9FD-17B3-BA06-3EDF-3B511737C134}"/>
-              </a:ext>
-            </a:extLst>
-          </p:cNvPr>
-          <p:cNvSpPr txBox="1">
-            <a:spLocks/>
-          </p:cNvSpPr>
-          <p:nvPr/>
-        </p:nvSpPr>
-        <p:spPr>
-          <a:xfrm>
-            <a:off x="616804" y="249382"/>
-            <a:ext cx="10996076" cy="623454"/>
-          </a:xfrm>
-          <a:prstGeom prst="rect">
-            <a:avLst/>
-          </a:prstGeom>
-        </p:spPr>
-        <p:txBody>
-          <a:bodyPr lIns="91440" tIns="45720" rIns="91440" bIns="45720" anchor="t">
-            <a:normAutofit/>
-          </a:bodyPr>
-          <a:lstStyle>
-            <a:lvl1pPr algn="l" defTabSz="914400" rtl="0" eaLnBrk="1" latinLnBrk="0" hangingPunct="1">
-              <a:lnSpc>
-                <a:spcPct val="100000"/>
-              </a:lnSpc>
-              <a:spcBef>
-                <a:spcPct val="0"/>
-              </a:spcBef>
-              <a:buNone/>
-              <a:defRPr sz="3400" b="1" kern="1200">
-                <a:solidFill>
-                  <a:schemeClr val="tx1"/>
-                </a:solidFill>
-                <a:latin typeface="+mj-lt"/>
-                <a:ea typeface="+mj-ea"/>
-                <a:cs typeface="+mj-cs"/>
-              </a:defRPr>
-            </a:lvl1pPr>
-          </a:lstStyle>
-          <a:p>
-            <a:r>
-              <a:rPr lang="it-IT" dirty="0"/>
-              <a:t>Results with Shadow on a single String - 3</a:t>
-            </a:r>
-          </a:p>
-        </p:txBody>
-      </p:sp>
-      <p:pic>
-        <p:nvPicPr>
-          <p:cNvPr id="3" name="Picture 2" descr="A picture containing text, diagram, line, plot&#10;&#10;Description automatically generated">
-            <a:extLst>
-              <a:ext uri="{FF2B5EF4-FFF2-40B4-BE49-F238E27FC236}">
-                <a16:creationId xmlns:a16="http://schemas.microsoft.com/office/drawing/2014/main" id="{A15A96CB-8417-3BB7-9B9E-E5F62CC2693A}"/>
-              </a:ext>
-            </a:extLst>
-          </p:cNvPr>
-          <p:cNvPicPr>
-            <a:picLocks noChangeAspect="1"/>
-          </p:cNvPicPr>
-          <p:nvPr/>
-        </p:nvPicPr>
-        <p:blipFill>
-          <a:blip r:embed="rId2">
-            <a:extLst>
-              <a:ext uri="{28A0092B-C50C-407E-A947-70E740481C1C}">
-                <a14:useLocalDpi xmlns:a14="http://schemas.microsoft.com/office/drawing/2010/main" val="0"/>
-              </a:ext>
-            </a:extLst>
-          </a:blip>
-          <a:stretch>
-            <a:fillRect/>
-          </a:stretch>
-        </p:blipFill>
-        <p:spPr>
-          <a:xfrm>
-            <a:off x="5843965" y="2008424"/>
-            <a:ext cx="6234753" cy="4923258"/>
-          </a:xfrm>
-          <a:prstGeom prst="rect">
-            <a:avLst/>
-          </a:prstGeom>
-        </p:spPr>
-      </p:pic>
-      <p:pic>
-        <p:nvPicPr>
-          <p:cNvPr id="5" name="Picture 4" descr="A picture containing text, diagram, plot, line&#10;&#10;Description automatically generated">
-            <a:extLst>
-              <a:ext uri="{FF2B5EF4-FFF2-40B4-BE49-F238E27FC236}">
-                <a16:creationId xmlns:a16="http://schemas.microsoft.com/office/drawing/2014/main" id="{85F43D98-5682-27DA-E63C-954650E9C0A2}"/>
-              </a:ext>
-            </a:extLst>
-          </p:cNvPr>
-          <p:cNvPicPr>
-            <a:picLocks noChangeAspect="1"/>
-          </p:cNvPicPr>
-          <p:nvPr/>
-        </p:nvPicPr>
-        <p:blipFill>
-          <a:blip r:embed="rId3">
-            <a:extLst>
-              <a:ext uri="{28A0092B-C50C-407E-A947-70E740481C1C}">
-                <a14:useLocalDpi xmlns:a14="http://schemas.microsoft.com/office/drawing/2010/main" val="0"/>
-              </a:ext>
-            </a:extLst>
-          </a:blip>
-          <a:stretch>
-            <a:fillRect/>
-          </a:stretch>
-        </p:blipFill>
-        <p:spPr>
-          <a:xfrm>
-            <a:off x="0" y="2008424"/>
-            <a:ext cx="6061432" cy="4923258"/>
-          </a:xfrm>
-          <a:prstGeom prst="rect">
-            <a:avLst/>
-          </a:prstGeom>
-        </p:spPr>
-      </p:pic>
-      <p:sp>
-        <p:nvSpPr>
-          <p:cNvPr id="6" name="TextBox 5">
-            <a:extLst>
-              <a:ext uri="{FF2B5EF4-FFF2-40B4-BE49-F238E27FC236}">
-                <a16:creationId xmlns:a16="http://schemas.microsoft.com/office/drawing/2014/main" id="{6EA07CEE-1E39-6E2A-3D03-38D33B7B7E24}"/>
-              </a:ext>
-            </a:extLst>
-          </p:cNvPr>
-          <p:cNvSpPr txBox="1"/>
-          <p:nvPr/>
-        </p:nvSpPr>
-        <p:spPr>
-          <a:xfrm>
-            <a:off x="409433" y="968991"/>
-            <a:ext cx="11416352" cy="1200329"/>
-          </a:xfrm>
-          <a:prstGeom prst="rect">
-            <a:avLst/>
-          </a:prstGeom>
-          <a:noFill/>
-        </p:spPr>
-        <p:txBody>
-          <a:bodyPr wrap="square" rtlCol="0">
-            <a:spAutoFit/>
-          </a:bodyPr>
-          <a:lstStyle/>
-          <a:p>
-            <a:r>
-              <a:rPr lang="en-US" dirty="0"/>
-              <a:t>The optimized voltage remains the same as in the shade-free case, as it is easily understood that in a parallel configuration, the voltage is shared among all components. Therefore, even if one of the three strings is turned off, the voltage remains unchanged. What varies, of course, is the amount of power produced during the day.</a:t>
-            </a:r>
-            <a:endParaRPr lang="it-IT" dirty="0"/>
-          </a:p>
-        </p:txBody>
-      </p:sp>
-    </p:spTree>
-    <p:extLst>
-      <p:ext uri="{BB962C8B-B14F-4D97-AF65-F5344CB8AC3E}">
-        <p14:creationId xmlns:p14="http://schemas.microsoft.com/office/powerpoint/2010/main" val="3379788268"/>
-      </p:ext>
-    </p:extLst>
-  </p:cSld>
-  <p:clrMapOvr>
-    <a:masterClrMapping/>
-  </p:clrMapOvr>
-  <mc:AlternateContent xmlns:mc="http://schemas.openxmlformats.org/markup-compatibility/2006" xmlns:p159="http://schemas.microsoft.com/office/powerpoint/2015/09/main">
-    <mc:Choice Requires="p159">
-      <p:transition xmlns:p14="http://schemas.microsoft.com/office/powerpoint/2010/main" spd="slow" p14:dur="2000">
-        <p159:morph option="byObject"/>
-      </p:transition>
-    </mc:Choice>
-    <mc:Fallback xmlns="">
-      <p:transition spd="slow">
-        <p:fade/>
-      </p:transition>
-    </mc:Fallback>
-  </mc:AlternateContent>
-</p:sld>
-</file>
-
 <file path=ppt/slides/slide2.xml><?xml version="1.0" encoding="utf-8"?>
 <p:sld xmlns:a="http://schemas.openxmlformats.org/drawingml/2006/main" xmlns:r="http://schemas.openxmlformats.org/officeDocument/2006/relationships" xmlns:p="http://schemas.openxmlformats.org/presentationml/2006/main">
   <p:cSld>
@@ -14313,6 +15192,210 @@
       </p:grpSpPr>
       <p:sp>
         <p:nvSpPr>
+          <p:cNvPr id="30" name="Titolo 1">
+            <a:extLst>
+              <a:ext uri="{FF2B5EF4-FFF2-40B4-BE49-F238E27FC236}">
+                <a16:creationId xmlns:a16="http://schemas.microsoft.com/office/drawing/2014/main" id="{2DF3C9FD-17B3-BA06-3EDF-3B511737C134}"/>
+              </a:ext>
+            </a:extLst>
+          </p:cNvPr>
+          <p:cNvSpPr txBox="1">
+            <a:spLocks/>
+          </p:cNvSpPr>
+          <p:nvPr/>
+        </p:nvSpPr>
+        <p:spPr>
+          <a:xfrm>
+            <a:off x="616804" y="249382"/>
+            <a:ext cx="10996076" cy="623454"/>
+          </a:xfrm>
+          <a:prstGeom prst="rect">
+            <a:avLst/>
+          </a:prstGeom>
+        </p:spPr>
+        <p:txBody>
+          <a:bodyPr lIns="91440" tIns="45720" rIns="91440" bIns="45720" anchor="t">
+            <a:normAutofit/>
+          </a:bodyPr>
+          <a:lstStyle>
+            <a:lvl1pPr algn="l" defTabSz="914400" rtl="0" eaLnBrk="1" latinLnBrk="0" hangingPunct="1">
+              <a:lnSpc>
+                <a:spcPct val="100000"/>
+              </a:lnSpc>
+              <a:spcBef>
+                <a:spcPct val="0"/>
+              </a:spcBef>
+              <a:buNone/>
+              <a:defRPr sz="3400" b="1" kern="1200">
+                <a:solidFill>
+                  <a:schemeClr val="tx1"/>
+                </a:solidFill>
+                <a:latin typeface="+mj-lt"/>
+                <a:ea typeface="+mj-ea"/>
+                <a:cs typeface="+mj-cs"/>
+              </a:defRPr>
+            </a:lvl1pPr>
+          </a:lstStyle>
+          <a:p>
+            <a:r>
+              <a:rPr lang="it-IT" dirty="0"/>
+              <a:t>Results with Shadow on a single String - 3</a:t>
+            </a:r>
+          </a:p>
+        </p:txBody>
+      </p:sp>
+      <p:pic>
+        <p:nvPicPr>
+          <p:cNvPr id="3" name="Picture 2" descr="A picture containing text, diagram, line, plot&#10;&#10;Description automatically generated">
+            <a:extLst>
+              <a:ext uri="{FF2B5EF4-FFF2-40B4-BE49-F238E27FC236}">
+                <a16:creationId xmlns:a16="http://schemas.microsoft.com/office/drawing/2014/main" id="{A15A96CB-8417-3BB7-9B9E-E5F62CC2693A}"/>
+              </a:ext>
+            </a:extLst>
+          </p:cNvPr>
+          <p:cNvPicPr>
+            <a:picLocks noChangeAspect="1"/>
+          </p:cNvPicPr>
+          <p:nvPr/>
+        </p:nvPicPr>
+        <p:blipFill>
+          <a:blip r:embed="rId2">
+            <a:extLst>
+              <a:ext uri="{28A0092B-C50C-407E-A947-70E740481C1C}">
+                <a14:useLocalDpi xmlns:a14="http://schemas.microsoft.com/office/drawing/2010/main" val="0"/>
+              </a:ext>
+            </a:extLst>
+          </a:blip>
+          <a:stretch>
+            <a:fillRect/>
+          </a:stretch>
+        </p:blipFill>
+        <p:spPr>
+          <a:xfrm>
+            <a:off x="5843965" y="2008424"/>
+            <a:ext cx="6234753" cy="4923258"/>
+          </a:xfrm>
+          <a:prstGeom prst="rect">
+            <a:avLst/>
+          </a:prstGeom>
+        </p:spPr>
+      </p:pic>
+      <p:pic>
+        <p:nvPicPr>
+          <p:cNvPr id="5" name="Picture 4" descr="A picture containing text, diagram, plot, line&#10;&#10;Description automatically generated">
+            <a:extLst>
+              <a:ext uri="{FF2B5EF4-FFF2-40B4-BE49-F238E27FC236}">
+                <a16:creationId xmlns:a16="http://schemas.microsoft.com/office/drawing/2014/main" id="{85F43D98-5682-27DA-E63C-954650E9C0A2}"/>
+              </a:ext>
+            </a:extLst>
+          </p:cNvPr>
+          <p:cNvPicPr>
+            <a:picLocks noChangeAspect="1"/>
+          </p:cNvPicPr>
+          <p:nvPr/>
+        </p:nvPicPr>
+        <p:blipFill>
+          <a:blip r:embed="rId3">
+            <a:extLst>
+              <a:ext uri="{28A0092B-C50C-407E-A947-70E740481C1C}">
+                <a14:useLocalDpi xmlns:a14="http://schemas.microsoft.com/office/drawing/2010/main" val="0"/>
+              </a:ext>
+            </a:extLst>
+          </a:blip>
+          <a:stretch>
+            <a:fillRect/>
+          </a:stretch>
+        </p:blipFill>
+        <p:spPr>
+          <a:xfrm>
+            <a:off x="0" y="2008424"/>
+            <a:ext cx="6061432" cy="4923258"/>
+          </a:xfrm>
+          <a:prstGeom prst="rect">
+            <a:avLst/>
+          </a:prstGeom>
+        </p:spPr>
+      </p:pic>
+      <p:sp>
+        <p:nvSpPr>
+          <p:cNvPr id="6" name="TextBox 5">
+            <a:extLst>
+              <a:ext uri="{FF2B5EF4-FFF2-40B4-BE49-F238E27FC236}">
+                <a16:creationId xmlns:a16="http://schemas.microsoft.com/office/drawing/2014/main" id="{6EA07CEE-1E39-6E2A-3D03-38D33B7B7E24}"/>
+              </a:ext>
+            </a:extLst>
+          </p:cNvPr>
+          <p:cNvSpPr txBox="1"/>
+          <p:nvPr/>
+        </p:nvSpPr>
+        <p:spPr>
+          <a:xfrm>
+            <a:off x="409433" y="968991"/>
+            <a:ext cx="11416352" cy="1200329"/>
+          </a:xfrm>
+          <a:prstGeom prst="rect">
+            <a:avLst/>
+          </a:prstGeom>
+          <a:noFill/>
+        </p:spPr>
+        <p:txBody>
+          <a:bodyPr wrap="square" rtlCol="0">
+            <a:spAutoFit/>
+          </a:bodyPr>
+          <a:lstStyle/>
+          <a:p>
+            <a:r>
+              <a:rPr lang="en-US" dirty="0"/>
+              <a:t>The optimized voltage remains the same as in the shade-free case, as it is easily understood that in a parallel configuration, the voltage is shared among all components. Therefore, even if one of the three strings is turned off, the voltage remains unchanged. What varies, of course, is the amount of power produced during the day.</a:t>
+            </a:r>
+            <a:endParaRPr lang="it-IT" dirty="0"/>
+          </a:p>
+        </p:txBody>
+      </p:sp>
+    </p:spTree>
+    <p:extLst>
+      <p:ext uri="{BB962C8B-B14F-4D97-AF65-F5344CB8AC3E}">
+        <p14:creationId xmlns:p14="http://schemas.microsoft.com/office/powerpoint/2010/main" val="3379788268"/>
+      </p:ext>
+    </p:extLst>
+  </p:cSld>
+  <p:clrMapOvr>
+    <a:masterClrMapping/>
+  </p:clrMapOvr>
+  <mc:AlternateContent xmlns:mc="http://schemas.openxmlformats.org/markup-compatibility/2006" xmlns:p159="http://schemas.microsoft.com/office/powerpoint/2015/09/main">
+    <mc:Choice Requires="p159">
+      <p:transition xmlns:p14="http://schemas.microsoft.com/office/powerpoint/2010/main" spd="slow" p14:dur="2000">
+        <p159:morph option="byObject"/>
+      </p:transition>
+    </mc:Choice>
+    <mc:Fallback xmlns="">
+      <p:transition spd="slow">
+        <p:fade/>
+      </p:transition>
+    </mc:Fallback>
+  </mc:AlternateContent>
+</p:sld>
+</file>
+
+<file path=ppt/slides/slide21.xml><?xml version="1.0" encoding="utf-8"?>
+<p:sld xmlns:a="http://schemas.openxmlformats.org/drawingml/2006/main" xmlns:r="http://schemas.openxmlformats.org/officeDocument/2006/relationships" xmlns:p="http://schemas.openxmlformats.org/presentationml/2006/main">
+  <p:cSld>
+    <p:spTree>
+      <p:nvGrpSpPr>
+        <p:cNvPr id="1" name=""/>
+        <p:cNvGrpSpPr/>
+        <p:nvPr/>
+      </p:nvGrpSpPr>
+      <p:grpSpPr>
+        <a:xfrm>
+          <a:off x="0" y="0"/>
+          <a:ext cx="0" cy="0"/>
+          <a:chOff x="0" y="0"/>
+          <a:chExt cx="0" cy="0"/>
+        </a:xfrm>
+      </p:grpSpPr>
+      <p:sp>
+        <p:nvSpPr>
           <p:cNvPr id="2" name="Title 1">
             <a:extLst>
               <a:ext uri="{FF2B5EF4-FFF2-40B4-BE49-F238E27FC236}">
@@ -14575,7 +15658,7 @@
 </p:sld>
 </file>
 
-<file path=ppt/slides/slide21.xml><?xml version="1.0" encoding="utf-8"?>
+<file path=ppt/slides/slide22.xml><?xml version="1.0" encoding="utf-8"?>
 <p:sld xmlns:a="http://schemas.openxmlformats.org/drawingml/2006/main" xmlns:r="http://schemas.openxmlformats.org/officeDocument/2006/relationships" xmlns:p="http://schemas.openxmlformats.org/presentationml/2006/main">
   <p:cSld>
     <p:bg>
@@ -15701,7 +16784,7 @@
 </p:sld>
 </file>
 
-<file path=ppt/slides/slide22.xml><?xml version="1.0" encoding="utf-8"?>
+<file path=ppt/slides/slide23.xml><?xml version="1.0" encoding="utf-8"?>
 <p:sld xmlns:a="http://schemas.openxmlformats.org/drawingml/2006/main" xmlns:r="http://schemas.openxmlformats.org/officeDocument/2006/relationships" xmlns:p="http://schemas.openxmlformats.org/presentationml/2006/main">
   <p:cSld>
     <p:spTree>
@@ -16027,655 +17110,6 @@
     <p:extLst>
       <p:ext uri="{BB962C8B-B14F-4D97-AF65-F5344CB8AC3E}">
         <p14:creationId xmlns:p14="http://schemas.microsoft.com/office/powerpoint/2010/main" val="3852231215"/>
-      </p:ext>
-    </p:extLst>
-  </p:cSld>
-  <p:clrMapOvr>
-    <a:masterClrMapping/>
-  </p:clrMapOvr>
-  <mc:AlternateContent xmlns:mc="http://schemas.openxmlformats.org/markup-compatibility/2006" xmlns:p159="http://schemas.microsoft.com/office/powerpoint/2015/09/main">
-    <mc:Choice Requires="p159">
-      <p:transition xmlns:p14="http://schemas.microsoft.com/office/powerpoint/2010/main" spd="slow" p14:dur="2000">
-        <p159:morph option="byObject"/>
-      </p:transition>
-    </mc:Choice>
-    <mc:Fallback xmlns="">
-      <p:transition spd="slow">
-        <p:fade/>
-      </p:transition>
-    </mc:Fallback>
-  </mc:AlternateContent>
-</p:sld>
-</file>
-
-<file path=ppt/slides/slide23.xml><?xml version="1.0" encoding="utf-8"?>
-<p:sld xmlns:a="http://schemas.openxmlformats.org/drawingml/2006/main" xmlns:r="http://schemas.openxmlformats.org/officeDocument/2006/relationships" xmlns:p="http://schemas.openxmlformats.org/presentationml/2006/main">
-  <p:cSld>
-    <p:spTree>
-      <p:nvGrpSpPr>
-        <p:cNvPr id="1" name=""/>
-        <p:cNvGrpSpPr/>
-        <p:nvPr/>
-      </p:nvGrpSpPr>
-      <p:grpSpPr>
-        <a:xfrm>
-          <a:off x="0" y="0"/>
-          <a:ext cx="0" cy="0"/>
-          <a:chOff x="0" y="0"/>
-          <a:chExt cx="0" cy="0"/>
-        </a:xfrm>
-      </p:grpSpPr>
-      <p:sp>
-        <p:nvSpPr>
-          <p:cNvPr id="3" name="Rectangle: Rounded Corners 2">
-            <a:extLst>
-              <a:ext uri="{FF2B5EF4-FFF2-40B4-BE49-F238E27FC236}">
-                <a16:creationId xmlns:a16="http://schemas.microsoft.com/office/drawing/2014/main" id="{40977B52-DB31-FE4A-EA7B-B55E646DA797}"/>
-              </a:ext>
-            </a:extLst>
-          </p:cNvPr>
-          <p:cNvSpPr/>
-          <p:nvPr/>
-        </p:nvSpPr>
-        <p:spPr>
-          <a:xfrm>
-            <a:off x="8087036" y="1645784"/>
-            <a:ext cx="3397555" cy="1377195"/>
-          </a:xfrm>
-          <a:prstGeom prst="roundRect">
-            <a:avLst/>
-          </a:prstGeom>
-          <a:solidFill>
-            <a:schemeClr val="accent1"/>
-          </a:solidFill>
-          <a:ln w="57150">
-            <a:solidFill>
-              <a:srgbClr val="FFC000"/>
-            </a:solidFill>
-          </a:ln>
-        </p:spPr>
-        <p:style>
-          <a:lnRef idx="2">
-            <a:schemeClr val="accent1">
-              <a:shade val="50000"/>
-            </a:schemeClr>
-          </a:lnRef>
-          <a:fillRef idx="1">
-            <a:schemeClr val="accent1"/>
-          </a:fillRef>
-          <a:effectRef idx="0">
-            <a:schemeClr val="accent1"/>
-          </a:effectRef>
-          <a:fontRef idx="minor">
-            <a:schemeClr val="lt1"/>
-          </a:fontRef>
-        </p:style>
-        <p:txBody>
-          <a:bodyPr rtlCol="0" anchor="ctr"/>
-          <a:lstStyle/>
-          <a:p>
-            <a:pPr algn="ctr"/>
-            <a:endParaRPr lang="it-IT"/>
-          </a:p>
-        </p:txBody>
-      </p:sp>
-      <p:sp>
-        <p:nvSpPr>
-          <p:cNvPr id="2" name="Title 1">
-            <a:extLst>
-              <a:ext uri="{FF2B5EF4-FFF2-40B4-BE49-F238E27FC236}">
-                <a16:creationId xmlns:a16="http://schemas.microsoft.com/office/drawing/2014/main" id="{C0C1A6D4-E0E2-258F-B5D2-BEFCEA4BFE29}"/>
-              </a:ext>
-            </a:extLst>
-          </p:cNvPr>
-          <p:cNvSpPr>
-            <a:spLocks noGrp="1"/>
-          </p:cNvSpPr>
-          <p:nvPr>
-            <p:ph type="title" idx="4294967295"/>
-          </p:nvPr>
-        </p:nvSpPr>
-        <p:spPr>
-          <a:xfrm>
-            <a:off x="616804" y="0"/>
-            <a:ext cx="10167937" cy="1179513"/>
-          </a:xfrm>
-        </p:spPr>
-        <p:txBody>
-          <a:bodyPr/>
-          <a:lstStyle/>
-          <a:p>
-            <a:r>
-              <a:rPr lang="it-IT" dirty="0"/>
-              <a:t>Results with Dynamic Shadow - 1</a:t>
-            </a:r>
-          </a:p>
-        </p:txBody>
-      </p:sp>
-      <p:sp>
-        <p:nvSpPr>
-          <p:cNvPr id="14" name="Titolo 1">
-            <a:extLst>
-              <a:ext uri="{FF2B5EF4-FFF2-40B4-BE49-F238E27FC236}">
-                <a16:creationId xmlns:a16="http://schemas.microsoft.com/office/drawing/2014/main" id="{7FDBCCB5-F0AF-580B-2F09-898B232B7B66}"/>
-              </a:ext>
-            </a:extLst>
-          </p:cNvPr>
-          <p:cNvSpPr txBox="1">
-            <a:spLocks/>
-          </p:cNvSpPr>
-          <p:nvPr/>
-        </p:nvSpPr>
-        <p:spPr>
-          <a:xfrm>
-            <a:off x="616804" y="249382"/>
-            <a:ext cx="10996076" cy="623454"/>
-          </a:xfrm>
-          <a:prstGeom prst="rect">
-            <a:avLst/>
-          </a:prstGeom>
-        </p:spPr>
-        <p:txBody>
-          <a:bodyPr lIns="91440" tIns="45720" rIns="91440" bIns="45720" anchor="t">
-            <a:normAutofit/>
-          </a:bodyPr>
-          <a:lstStyle>
-            <a:lvl1pPr algn="l" defTabSz="914400" rtl="0" eaLnBrk="1" latinLnBrk="0" hangingPunct="1">
-              <a:lnSpc>
-                <a:spcPct val="100000"/>
-              </a:lnSpc>
-              <a:spcBef>
-                <a:spcPct val="0"/>
-              </a:spcBef>
-              <a:buNone/>
-              <a:defRPr sz="3400" b="1" kern="1200">
-                <a:solidFill>
-                  <a:schemeClr val="tx1"/>
-                </a:solidFill>
-                <a:latin typeface="+mj-lt"/>
-                <a:ea typeface="+mj-ea"/>
-                <a:cs typeface="+mj-cs"/>
-              </a:defRPr>
-            </a:lvl1pPr>
-          </a:lstStyle>
-          <a:p>
-            <a:endParaRPr lang="it-IT" dirty="0"/>
-          </a:p>
-        </p:txBody>
-      </p:sp>
-      <p:pic>
-        <p:nvPicPr>
-          <p:cNvPr id="12" name="Picture 11" descr="A picture containing text, diagram, line, plot&#10;&#10;Description automatically generated">
-            <a:extLst>
-              <a:ext uri="{FF2B5EF4-FFF2-40B4-BE49-F238E27FC236}">
-                <a16:creationId xmlns:a16="http://schemas.microsoft.com/office/drawing/2014/main" id="{797A6C93-5985-E1CE-1CC0-2593372DAE8C}"/>
-              </a:ext>
-            </a:extLst>
-          </p:cNvPr>
-          <p:cNvPicPr>
-            <a:picLocks noChangeAspect="1"/>
-          </p:cNvPicPr>
-          <p:nvPr/>
-        </p:nvPicPr>
-        <p:blipFill>
-          <a:blip r:embed="rId2">
-            <a:extLst>
-              <a:ext uri="{28A0092B-C50C-407E-A947-70E740481C1C}">
-                <a14:useLocalDpi xmlns:a14="http://schemas.microsoft.com/office/drawing/2010/main" val="0"/>
-              </a:ext>
-            </a:extLst>
-          </a:blip>
-          <a:stretch>
-            <a:fillRect/>
-          </a:stretch>
-        </p:blipFill>
-        <p:spPr>
-          <a:xfrm>
-            <a:off x="377580" y="1228293"/>
-            <a:ext cx="3116247" cy="2337185"/>
-          </a:xfrm>
-          <a:prstGeom prst="rect">
-            <a:avLst/>
-          </a:prstGeom>
-        </p:spPr>
-      </p:pic>
-      <p:pic>
-        <p:nvPicPr>
-          <p:cNvPr id="15" name="Picture 14" descr="A picture containing text, diagram, line, plot&#10;&#10;Description automatically generated">
-            <a:extLst>
-              <a:ext uri="{FF2B5EF4-FFF2-40B4-BE49-F238E27FC236}">
-                <a16:creationId xmlns:a16="http://schemas.microsoft.com/office/drawing/2014/main" id="{9DA99175-44D3-2D41-2767-6BF7CE9EDAD8}"/>
-              </a:ext>
-            </a:extLst>
-          </p:cNvPr>
-          <p:cNvPicPr>
-            <a:picLocks noChangeAspect="1"/>
-          </p:cNvPicPr>
-          <p:nvPr/>
-        </p:nvPicPr>
-        <p:blipFill>
-          <a:blip r:embed="rId3">
-            <a:extLst>
-              <a:ext uri="{28A0092B-C50C-407E-A947-70E740481C1C}">
-                <a14:useLocalDpi xmlns:a14="http://schemas.microsoft.com/office/drawing/2010/main" val="0"/>
-              </a:ext>
-            </a:extLst>
-          </a:blip>
-          <a:stretch>
-            <a:fillRect/>
-          </a:stretch>
-        </p:blipFill>
-        <p:spPr>
-          <a:xfrm>
-            <a:off x="2304193" y="4101145"/>
-            <a:ext cx="3116247" cy="2337185"/>
-          </a:xfrm>
-          <a:prstGeom prst="rect">
-            <a:avLst/>
-          </a:prstGeom>
-        </p:spPr>
-      </p:pic>
-      <p:pic>
-        <p:nvPicPr>
-          <p:cNvPr id="17" name="Picture 16" descr="A picture containing text, diagram, line, parallel&#10;&#10;Description automatically generated">
-            <a:extLst>
-              <a:ext uri="{FF2B5EF4-FFF2-40B4-BE49-F238E27FC236}">
-                <a16:creationId xmlns:a16="http://schemas.microsoft.com/office/drawing/2014/main" id="{56F7DB83-4B02-48F0-CA11-96C86E2ADFD2}"/>
-              </a:ext>
-            </a:extLst>
-          </p:cNvPr>
-          <p:cNvPicPr>
-            <a:picLocks noChangeAspect="1"/>
-          </p:cNvPicPr>
-          <p:nvPr/>
-        </p:nvPicPr>
-        <p:blipFill>
-          <a:blip r:embed="rId4">
-            <a:extLst>
-              <a:ext uri="{28A0092B-C50C-407E-A947-70E740481C1C}">
-                <a14:useLocalDpi xmlns:a14="http://schemas.microsoft.com/office/drawing/2010/main" val="0"/>
-              </a:ext>
-            </a:extLst>
-          </a:blip>
-          <a:stretch>
-            <a:fillRect/>
-          </a:stretch>
-        </p:blipFill>
-        <p:spPr>
-          <a:xfrm>
-            <a:off x="4556718" y="1228293"/>
-            <a:ext cx="3116248" cy="2337186"/>
-          </a:xfrm>
-          <a:prstGeom prst="rect">
-            <a:avLst/>
-          </a:prstGeom>
-        </p:spPr>
-      </p:pic>
-      <p:pic>
-        <p:nvPicPr>
-          <p:cNvPr id="19" name="Picture 18" descr="A picture containing text, diagram, line, parallel&#10;&#10;Description automatically generated">
-            <a:extLst>
-              <a:ext uri="{FF2B5EF4-FFF2-40B4-BE49-F238E27FC236}">
-                <a16:creationId xmlns:a16="http://schemas.microsoft.com/office/drawing/2014/main" id="{C2BF617C-1475-0ACC-7B97-AD6F78EB6810}"/>
-              </a:ext>
-            </a:extLst>
-          </p:cNvPr>
-          <p:cNvPicPr>
-            <a:picLocks noChangeAspect="1"/>
-          </p:cNvPicPr>
-          <p:nvPr/>
-        </p:nvPicPr>
-        <p:blipFill>
-          <a:blip r:embed="rId5">
-            <a:extLst>
-              <a:ext uri="{28A0092B-C50C-407E-A947-70E740481C1C}">
-                <a14:useLocalDpi xmlns:a14="http://schemas.microsoft.com/office/drawing/2010/main" val="0"/>
-              </a:ext>
-            </a:extLst>
-          </a:blip>
-          <a:stretch>
-            <a:fillRect/>
-          </a:stretch>
-        </p:blipFill>
-        <p:spPr>
-          <a:xfrm>
-            <a:off x="6880739" y="4032906"/>
-            <a:ext cx="3116247" cy="2337186"/>
-          </a:xfrm>
-          <a:prstGeom prst="rect">
-            <a:avLst/>
-          </a:prstGeom>
-        </p:spPr>
-      </p:pic>
-      <p:sp>
-        <p:nvSpPr>
-          <p:cNvPr id="20" name="TextBox 19">
-            <a:extLst>
-              <a:ext uri="{FF2B5EF4-FFF2-40B4-BE49-F238E27FC236}">
-                <a16:creationId xmlns:a16="http://schemas.microsoft.com/office/drawing/2014/main" id="{E93C6517-25D1-AEDB-9634-99C1701E0A72}"/>
-              </a:ext>
-            </a:extLst>
-          </p:cNvPr>
-          <p:cNvSpPr txBox="1"/>
-          <p:nvPr/>
-        </p:nvSpPr>
-        <p:spPr>
-          <a:xfrm>
-            <a:off x="8191921" y="1726435"/>
-            <a:ext cx="3207224" cy="1200329"/>
-          </a:xfrm>
-          <a:prstGeom prst="rect">
-            <a:avLst/>
-          </a:prstGeom>
-          <a:noFill/>
-        </p:spPr>
-        <p:txBody>
-          <a:bodyPr wrap="square" rtlCol="0">
-            <a:spAutoFit/>
-          </a:bodyPr>
-          <a:lstStyle/>
-          <a:p>
-            <a:r>
-              <a:rPr lang="en-US" dirty="0">
-                <a:solidFill>
-                  <a:schemeClr val="bg1"/>
-                </a:solidFill>
-              </a:rPr>
-              <a:t>By following the arrows, you can observe the changing conditions of the various panels in the strings.</a:t>
-            </a:r>
-            <a:endParaRPr lang="it-IT" dirty="0">
-              <a:solidFill>
-                <a:schemeClr val="bg1"/>
-              </a:solidFill>
-            </a:endParaRPr>
-          </a:p>
-        </p:txBody>
-      </p:sp>
-      <p:cxnSp>
-        <p:nvCxnSpPr>
-          <p:cNvPr id="22" name="Straight Arrow Connector 21">
-            <a:extLst>
-              <a:ext uri="{FF2B5EF4-FFF2-40B4-BE49-F238E27FC236}">
-                <a16:creationId xmlns:a16="http://schemas.microsoft.com/office/drawing/2014/main" id="{4F0BF251-C7AB-530C-8A83-E1D6BE81CA3B}"/>
-              </a:ext>
-            </a:extLst>
-          </p:cNvPr>
-          <p:cNvCxnSpPr>
-            <a:cxnSpLocks/>
-          </p:cNvCxnSpPr>
-          <p:nvPr/>
-        </p:nvCxnSpPr>
-        <p:spPr>
-          <a:xfrm>
-            <a:off x="2829833" y="3570880"/>
-            <a:ext cx="421103" cy="486886"/>
-          </a:xfrm>
-          <a:prstGeom prst="straightConnector1">
-            <a:avLst/>
-          </a:prstGeom>
-          <a:ln w="57150">
-            <a:tailEnd type="triangle"/>
-          </a:ln>
-        </p:spPr>
-        <p:style>
-          <a:lnRef idx="1">
-            <a:schemeClr val="accent1"/>
-          </a:lnRef>
-          <a:fillRef idx="0">
-            <a:schemeClr val="accent1"/>
-          </a:fillRef>
-          <a:effectRef idx="0">
-            <a:schemeClr val="accent1"/>
-          </a:effectRef>
-          <a:fontRef idx="minor">
-            <a:schemeClr val="tx1"/>
-          </a:fontRef>
-        </p:style>
-      </p:cxnSp>
-      <p:cxnSp>
-        <p:nvCxnSpPr>
-          <p:cNvPr id="24" name="Straight Arrow Connector 23">
-            <a:extLst>
-              <a:ext uri="{FF2B5EF4-FFF2-40B4-BE49-F238E27FC236}">
-                <a16:creationId xmlns:a16="http://schemas.microsoft.com/office/drawing/2014/main" id="{7B4A909A-3AAE-1259-B1DE-07772B109326}"/>
-              </a:ext>
-            </a:extLst>
-          </p:cNvPr>
-          <p:cNvCxnSpPr>
-            <a:cxnSpLocks/>
-          </p:cNvCxnSpPr>
-          <p:nvPr/>
-        </p:nvCxnSpPr>
-        <p:spPr>
-          <a:xfrm flipV="1">
-            <a:off x="4531749" y="3565444"/>
-            <a:ext cx="493990" cy="444622"/>
-          </a:xfrm>
-          <a:prstGeom prst="straightConnector1">
-            <a:avLst/>
-          </a:prstGeom>
-          <a:ln w="57150">
-            <a:tailEnd type="triangle"/>
-          </a:ln>
-        </p:spPr>
-        <p:style>
-          <a:lnRef idx="1">
-            <a:schemeClr val="accent1"/>
-          </a:lnRef>
-          <a:fillRef idx="0">
-            <a:schemeClr val="accent1"/>
-          </a:fillRef>
-          <a:effectRef idx="0">
-            <a:schemeClr val="accent1"/>
-          </a:effectRef>
-          <a:fontRef idx="minor">
-            <a:schemeClr val="tx1"/>
-          </a:fontRef>
-        </p:style>
-      </p:cxnSp>
-      <p:cxnSp>
-        <p:nvCxnSpPr>
-          <p:cNvPr id="27" name="Straight Arrow Connector 26">
-            <a:extLst>
-              <a:ext uri="{FF2B5EF4-FFF2-40B4-BE49-F238E27FC236}">
-                <a16:creationId xmlns:a16="http://schemas.microsoft.com/office/drawing/2014/main" id="{38082BBC-192E-195B-DC16-6121C1D63121}"/>
-              </a:ext>
-            </a:extLst>
-          </p:cNvPr>
-          <p:cNvCxnSpPr>
-            <a:cxnSpLocks/>
-          </p:cNvCxnSpPr>
-          <p:nvPr/>
-        </p:nvCxnSpPr>
-        <p:spPr>
-          <a:xfrm>
-            <a:off x="7166263" y="3566635"/>
-            <a:ext cx="421103" cy="486886"/>
-          </a:xfrm>
-          <a:prstGeom prst="straightConnector1">
-            <a:avLst/>
-          </a:prstGeom>
-          <a:ln w="57150">
-            <a:tailEnd type="triangle"/>
-          </a:ln>
-        </p:spPr>
-        <p:style>
-          <a:lnRef idx="1">
-            <a:schemeClr val="accent1"/>
-          </a:lnRef>
-          <a:fillRef idx="0">
-            <a:schemeClr val="accent1"/>
-          </a:fillRef>
-          <a:effectRef idx="0">
-            <a:schemeClr val="accent1"/>
-          </a:effectRef>
-          <a:fontRef idx="minor">
-            <a:schemeClr val="tx1"/>
-          </a:fontRef>
-        </p:style>
-      </p:cxnSp>
-      <p:sp>
-        <p:nvSpPr>
-          <p:cNvPr id="28" name="TextBox 27">
-            <a:extLst>
-              <a:ext uri="{FF2B5EF4-FFF2-40B4-BE49-F238E27FC236}">
-                <a16:creationId xmlns:a16="http://schemas.microsoft.com/office/drawing/2014/main" id="{10FC292E-757C-068E-6D9B-8B592D068B07}"/>
-              </a:ext>
-            </a:extLst>
-          </p:cNvPr>
-          <p:cNvSpPr txBox="1"/>
-          <p:nvPr/>
-        </p:nvSpPr>
-        <p:spPr>
-          <a:xfrm>
-            <a:off x="832262" y="1034446"/>
-            <a:ext cx="2943862" cy="307777"/>
-          </a:xfrm>
-          <a:prstGeom prst="rect">
-            <a:avLst/>
-          </a:prstGeom>
-          <a:noFill/>
-        </p:spPr>
-        <p:txBody>
-          <a:bodyPr wrap="square" rtlCol="0">
-            <a:spAutoFit/>
-          </a:bodyPr>
-          <a:lstStyle/>
-          <a:p>
-            <a:r>
-              <a:rPr lang="it-IT" sz="1400" dirty="0"/>
-              <a:t>String 1 – Panel 1 shaded</a:t>
-            </a:r>
-          </a:p>
-        </p:txBody>
-      </p:sp>
-      <p:sp>
-        <p:nvSpPr>
-          <p:cNvPr id="29" name="TextBox 28">
-            <a:extLst>
-              <a:ext uri="{FF2B5EF4-FFF2-40B4-BE49-F238E27FC236}">
-                <a16:creationId xmlns:a16="http://schemas.microsoft.com/office/drawing/2014/main" id="{96E7FF75-E96E-A2D2-FD15-8BA52AA18116}"/>
-              </a:ext>
-            </a:extLst>
-          </p:cNvPr>
-          <p:cNvSpPr txBox="1"/>
-          <p:nvPr/>
-        </p:nvSpPr>
-        <p:spPr>
-          <a:xfrm>
-            <a:off x="2756910" y="6327820"/>
-            <a:ext cx="2943862" cy="523220"/>
-          </a:xfrm>
-          <a:prstGeom prst="rect">
-            <a:avLst/>
-          </a:prstGeom>
-          <a:noFill/>
-        </p:spPr>
-        <p:txBody>
-          <a:bodyPr wrap="square" rtlCol="0">
-            <a:spAutoFit/>
-          </a:bodyPr>
-          <a:lstStyle/>
-          <a:p>
-            <a:r>
-              <a:rPr lang="it-IT" sz="1400" dirty="0"/>
-              <a:t>String 1 – Panel 1 shaded</a:t>
-            </a:r>
-          </a:p>
-          <a:p>
-            <a:r>
-              <a:rPr lang="it-IT" sz="1400" dirty="0"/>
-              <a:t>String 2 – Panel 1 shaded</a:t>
-            </a:r>
-          </a:p>
-        </p:txBody>
-      </p:sp>
-      <p:sp>
-        <p:nvSpPr>
-          <p:cNvPr id="31" name="TextBox 30">
-            <a:extLst>
-              <a:ext uri="{FF2B5EF4-FFF2-40B4-BE49-F238E27FC236}">
-                <a16:creationId xmlns:a16="http://schemas.microsoft.com/office/drawing/2014/main" id="{F7B984E4-69CC-8840-9F0A-78B23226724D}"/>
-              </a:ext>
-            </a:extLst>
-          </p:cNvPr>
-          <p:cNvSpPr txBox="1"/>
-          <p:nvPr/>
-        </p:nvSpPr>
-        <p:spPr>
-          <a:xfrm>
-            <a:off x="5143174" y="815583"/>
-            <a:ext cx="2943862" cy="523220"/>
-          </a:xfrm>
-          <a:prstGeom prst="rect">
-            <a:avLst/>
-          </a:prstGeom>
-          <a:noFill/>
-        </p:spPr>
-        <p:txBody>
-          <a:bodyPr wrap="square" rtlCol="0">
-            <a:spAutoFit/>
-          </a:bodyPr>
-          <a:lstStyle/>
-          <a:p>
-            <a:r>
-              <a:rPr lang="it-IT" sz="1400" dirty="0"/>
-              <a:t>String 2 – Panel 1 shaded</a:t>
-            </a:r>
-          </a:p>
-          <a:p>
-            <a:r>
-              <a:rPr lang="it-IT" sz="1400" dirty="0"/>
-              <a:t>String 3 – Panel 1 shaded</a:t>
-            </a:r>
-          </a:p>
-        </p:txBody>
-      </p:sp>
-      <p:sp>
-        <p:nvSpPr>
-          <p:cNvPr id="32" name="TextBox 31">
-            <a:extLst>
-              <a:ext uri="{FF2B5EF4-FFF2-40B4-BE49-F238E27FC236}">
-                <a16:creationId xmlns:a16="http://schemas.microsoft.com/office/drawing/2014/main" id="{0B7E1EFE-A49E-3F4A-0DB8-6D8EC128631A}"/>
-              </a:ext>
-            </a:extLst>
-          </p:cNvPr>
-          <p:cNvSpPr txBox="1"/>
-          <p:nvPr/>
-        </p:nvSpPr>
-        <p:spPr>
-          <a:xfrm>
-            <a:off x="7376814" y="6265805"/>
-            <a:ext cx="2943862" cy="523220"/>
-          </a:xfrm>
-          <a:prstGeom prst="rect">
-            <a:avLst/>
-          </a:prstGeom>
-          <a:noFill/>
-        </p:spPr>
-        <p:txBody>
-          <a:bodyPr wrap="square" rtlCol="0">
-            <a:spAutoFit/>
-          </a:bodyPr>
-          <a:lstStyle/>
-          <a:p>
-            <a:r>
-              <a:rPr lang="it-IT" sz="1400" dirty="0"/>
-              <a:t>String 2 – Panel 1,2 shaded</a:t>
-            </a:r>
-          </a:p>
-          <a:p>
-            <a:r>
-              <a:rPr lang="it-IT" sz="1400" dirty="0"/>
-              <a:t>String 3 – Panel 1,2 shaded</a:t>
-            </a:r>
-          </a:p>
-        </p:txBody>
-      </p:sp>
-    </p:spTree>
-    <p:extLst>
-      <p:ext uri="{BB962C8B-B14F-4D97-AF65-F5344CB8AC3E}">
-        <p14:creationId xmlns:p14="http://schemas.microsoft.com/office/powerpoint/2010/main" val="2201786432"/>
       </p:ext>
     </p:extLst>
   </p:cSld>
@@ -16716,6 +17150,60 @@
       </p:grpSpPr>
       <p:sp>
         <p:nvSpPr>
+          <p:cNvPr id="3" name="Rectangle: Rounded Corners 2">
+            <a:extLst>
+              <a:ext uri="{FF2B5EF4-FFF2-40B4-BE49-F238E27FC236}">
+                <a16:creationId xmlns:a16="http://schemas.microsoft.com/office/drawing/2014/main" id="{40977B52-DB31-FE4A-EA7B-B55E646DA797}"/>
+              </a:ext>
+            </a:extLst>
+          </p:cNvPr>
+          <p:cNvSpPr/>
+          <p:nvPr/>
+        </p:nvSpPr>
+        <p:spPr>
+          <a:xfrm>
+            <a:off x="8087036" y="1645784"/>
+            <a:ext cx="3397555" cy="1377195"/>
+          </a:xfrm>
+          <a:prstGeom prst="roundRect">
+            <a:avLst/>
+          </a:prstGeom>
+          <a:solidFill>
+            <a:schemeClr val="accent1"/>
+          </a:solidFill>
+          <a:ln w="57150">
+            <a:solidFill>
+              <a:srgbClr val="FFC000"/>
+            </a:solidFill>
+          </a:ln>
+        </p:spPr>
+        <p:style>
+          <a:lnRef idx="2">
+            <a:schemeClr val="accent1">
+              <a:shade val="50000"/>
+            </a:schemeClr>
+          </a:lnRef>
+          <a:fillRef idx="1">
+            <a:schemeClr val="accent1"/>
+          </a:fillRef>
+          <a:effectRef idx="0">
+            <a:schemeClr val="accent1"/>
+          </a:effectRef>
+          <a:fontRef idx="minor">
+            <a:schemeClr val="lt1"/>
+          </a:fontRef>
+        </p:style>
+        <p:txBody>
+          <a:bodyPr rtlCol="0" anchor="ctr"/>
+          <a:lstStyle/>
+          <a:p>
+            <a:pPr algn="ctr"/>
+            <a:endParaRPr lang="it-IT"/>
+          </a:p>
+        </p:txBody>
+      </p:sp>
+      <p:sp>
+        <p:nvSpPr>
           <p:cNvPr id="2" name="Title 1">
             <a:extLst>
               <a:ext uri="{FF2B5EF4-FFF2-40B4-BE49-F238E27FC236}">
@@ -16742,7 +17230,7 @@
           <a:p>
             <a:r>
               <a:rPr lang="it-IT" dirty="0"/>
-              <a:t>Results with Dynamic Shadow - 2</a:t>
+              <a:t>Results with Dynamic Shadow - 1</a:t>
             </a:r>
           </a:p>
         </p:txBody>
@@ -16800,7 +17288,7 @@
       </p:sp>
       <p:pic>
         <p:nvPicPr>
-          <p:cNvPr id="12" name="Picture 11">
+          <p:cNvPr id="12" name="Picture 11" descr="A picture containing text, diagram, line, plot&#10;&#10;Description automatically generated">
             <a:extLst>
               <a:ext uri="{FF2B5EF4-FFF2-40B4-BE49-F238E27FC236}">
                 <a16:creationId xmlns:a16="http://schemas.microsoft.com/office/drawing/2014/main" id="{797A6C93-5985-E1CE-1CC0-2593372DAE8C}"/>
@@ -16820,13 +17308,14 @@
               </a:ext>
             </a:extLst>
           </a:blip>
-          <a:srcRect/>
-          <a:stretch/>
+          <a:stretch>
+            <a:fillRect/>
+          </a:stretch>
         </p:blipFill>
         <p:spPr>
           <a:xfrm>
             <a:off x="377580" y="1228293"/>
-            <a:ext cx="3116246" cy="2337185"/>
+            <a:ext cx="3116247" cy="2337185"/>
           </a:xfrm>
           <a:prstGeom prst="rect">
             <a:avLst/>
@@ -16835,7 +17324,7 @@
       </p:pic>
       <p:pic>
         <p:nvPicPr>
-          <p:cNvPr id="15" name="Picture 14">
+          <p:cNvPr id="15" name="Picture 14" descr="A picture containing text, diagram, line, plot&#10;&#10;Description automatically generated">
             <a:extLst>
               <a:ext uri="{FF2B5EF4-FFF2-40B4-BE49-F238E27FC236}">
                 <a16:creationId xmlns:a16="http://schemas.microsoft.com/office/drawing/2014/main" id="{9DA99175-44D3-2D41-2767-6BF7CE9EDAD8}"/>
@@ -16855,13 +17344,14 @@
               </a:ext>
             </a:extLst>
           </a:blip>
-          <a:srcRect/>
-          <a:stretch/>
+          <a:stretch>
+            <a:fillRect/>
+          </a:stretch>
         </p:blipFill>
         <p:spPr>
           <a:xfrm>
             <a:off x="2304193" y="4101145"/>
-            <a:ext cx="3116246" cy="2337185"/>
+            <a:ext cx="3116247" cy="2337185"/>
           </a:xfrm>
           <a:prstGeom prst="rect">
             <a:avLst/>
@@ -16870,7 +17360,7 @@
       </p:pic>
       <p:pic>
         <p:nvPicPr>
-          <p:cNvPr id="17" name="Picture 16">
+          <p:cNvPr id="17" name="Picture 16" descr="A picture containing text, diagram, line, parallel&#10;&#10;Description automatically generated">
             <a:extLst>
               <a:ext uri="{FF2B5EF4-FFF2-40B4-BE49-F238E27FC236}">
                 <a16:creationId xmlns:a16="http://schemas.microsoft.com/office/drawing/2014/main" id="{56F7DB83-4B02-48F0-CA11-96C86E2ADFD2}"/>
@@ -16890,8 +17380,9 @@
               </a:ext>
             </a:extLst>
           </a:blip>
-          <a:srcRect/>
-          <a:stretch/>
+          <a:stretch>
+            <a:fillRect/>
+          </a:stretch>
         </p:blipFill>
         <p:spPr>
           <a:xfrm>
@@ -16905,7 +17396,7 @@
       </p:pic>
       <p:pic>
         <p:nvPicPr>
-          <p:cNvPr id="19" name="Picture 18">
+          <p:cNvPr id="19" name="Picture 18" descr="A picture containing text, diagram, line, parallel&#10;&#10;Description automatically generated">
             <a:extLst>
               <a:ext uri="{FF2B5EF4-FFF2-40B4-BE49-F238E27FC236}">
                 <a16:creationId xmlns:a16="http://schemas.microsoft.com/office/drawing/2014/main" id="{C2BF617C-1475-0ACC-7B97-AD6F78EB6810}"/>
@@ -16925,19 +17416,64 @@
               </a:ext>
             </a:extLst>
           </a:blip>
-          <a:srcRect/>
-          <a:stretch/>
+          <a:stretch>
+            <a:fillRect/>
+          </a:stretch>
         </p:blipFill>
         <p:spPr>
           <a:xfrm>
             <a:off x="6880739" y="4032906"/>
-            <a:ext cx="3116247" cy="2337185"/>
+            <a:ext cx="3116247" cy="2337186"/>
           </a:xfrm>
           <a:prstGeom prst="rect">
             <a:avLst/>
           </a:prstGeom>
         </p:spPr>
       </p:pic>
+      <p:sp>
+        <p:nvSpPr>
+          <p:cNvPr id="20" name="TextBox 19">
+            <a:extLst>
+              <a:ext uri="{FF2B5EF4-FFF2-40B4-BE49-F238E27FC236}">
+                <a16:creationId xmlns:a16="http://schemas.microsoft.com/office/drawing/2014/main" id="{E93C6517-25D1-AEDB-9634-99C1701E0A72}"/>
+              </a:ext>
+            </a:extLst>
+          </p:cNvPr>
+          <p:cNvSpPr txBox="1"/>
+          <p:nvPr/>
+        </p:nvSpPr>
+        <p:spPr>
+          <a:xfrm>
+            <a:off x="8191921" y="1726435"/>
+            <a:ext cx="3207224" cy="1200329"/>
+          </a:xfrm>
+          <a:prstGeom prst="rect">
+            <a:avLst/>
+          </a:prstGeom>
+          <a:noFill/>
+        </p:spPr>
+        <p:txBody>
+          <a:bodyPr wrap="square" rtlCol="0">
+            <a:spAutoFit/>
+          </a:bodyPr>
+          <a:lstStyle/>
+          <a:p>
+            <a:r>
+              <a:rPr lang="en-US" dirty="0">
+                <a:solidFill>
+                  <a:schemeClr val="bg1"/>
+                </a:solidFill>
+              </a:rPr>
+              <a:t>By following the arrows, you can observe the changing conditions of the various panels in the strings.</a:t>
+            </a:r>
+            <a:endParaRPr lang="it-IT" dirty="0">
+              <a:solidFill>
+                <a:schemeClr val="bg1"/>
+              </a:solidFill>
+            </a:endParaRPr>
+          </a:p>
+        </p:txBody>
+      </p:sp>
       <p:cxnSp>
         <p:nvCxnSpPr>
           <p:cNvPr id="22" name="Straight Arrow Connector 21">
@@ -17219,68 +17755,10 @@
           </a:p>
         </p:txBody>
       </p:sp>
-      <p:sp>
-        <p:nvSpPr>
-          <p:cNvPr id="5" name="Rectangle: Rounded Corners 4">
-            <a:extLst>
-              <a:ext uri="{FF2B5EF4-FFF2-40B4-BE49-F238E27FC236}">
-                <a16:creationId xmlns:a16="http://schemas.microsoft.com/office/drawing/2014/main" id="{8527DF4B-7770-DBDF-D3A1-CEF56862602B}"/>
-              </a:ext>
-            </a:extLst>
-          </p:cNvPr>
-          <p:cNvSpPr/>
-          <p:nvPr/>
-        </p:nvSpPr>
-        <p:spPr>
-          <a:xfrm>
-            <a:off x="8087036" y="1645784"/>
-            <a:ext cx="3397555" cy="1377195"/>
-          </a:xfrm>
-          <a:prstGeom prst="roundRect">
-            <a:avLst/>
-          </a:prstGeom>
-          <a:solidFill>
-            <a:schemeClr val="accent1"/>
-          </a:solidFill>
-          <a:ln w="57150">
-            <a:solidFill>
-              <a:srgbClr val="FFC000"/>
-            </a:solidFill>
-          </a:ln>
-        </p:spPr>
-        <p:style>
-          <a:lnRef idx="2">
-            <a:schemeClr val="accent1">
-              <a:shade val="50000"/>
-            </a:schemeClr>
-          </a:lnRef>
-          <a:fillRef idx="1">
-            <a:schemeClr val="accent1"/>
-          </a:fillRef>
-          <a:effectRef idx="0">
-            <a:schemeClr val="accent1"/>
-          </a:effectRef>
-          <a:fontRef idx="minor">
-            <a:schemeClr val="lt1"/>
-          </a:fontRef>
-        </p:style>
-        <p:txBody>
-          <a:bodyPr rtlCol="0" anchor="ctr"/>
-          <a:lstStyle/>
-          <a:p>
-            <a:pPr algn="ctr"/>
-            <a:r>
-              <a:rPr lang="en-US" sz="1400" dirty="0"/>
-              <a:t>As it was easy to deduce from the previous graphs, multiple peaks can be observed, which are obviously due to the presence of mismatch conditions among the various panels.</a:t>
-            </a:r>
-            <a:endParaRPr lang="it-IT" sz="1400" dirty="0"/>
-          </a:p>
-        </p:txBody>
-      </p:sp>
     </p:spTree>
     <p:extLst>
       <p:ext uri="{BB962C8B-B14F-4D97-AF65-F5344CB8AC3E}">
-        <p14:creationId xmlns:p14="http://schemas.microsoft.com/office/powerpoint/2010/main" val="2140160406"/>
+        <p14:creationId xmlns:p14="http://schemas.microsoft.com/office/powerpoint/2010/main" val="2201786432"/>
       </p:ext>
     </p:extLst>
   </p:cSld>
@@ -17347,7 +17825,7 @@
           <a:p>
             <a:r>
               <a:rPr lang="it-IT" dirty="0"/>
-              <a:t>Results with Dynamic Shadow - 3</a:t>
+              <a:t>Results with Dynamic Shadow - 2</a:t>
             </a:r>
           </a:p>
         </p:txBody>
@@ -17405,10 +17883,10 @@
       </p:sp>
       <p:pic>
         <p:nvPicPr>
-          <p:cNvPr id="36" name="Picture 35" descr="A picture containing text, diagram, line, plot&#10;&#10;Description automatically generated">
-            <a:extLst>
-              <a:ext uri="{FF2B5EF4-FFF2-40B4-BE49-F238E27FC236}">
-                <a16:creationId xmlns:a16="http://schemas.microsoft.com/office/drawing/2014/main" id="{A22F7449-61FC-7746-A8FC-5A97F36578D2}"/>
+          <p:cNvPr id="12" name="Picture 11">
+            <a:extLst>
+              <a:ext uri="{FF2B5EF4-FFF2-40B4-BE49-F238E27FC236}">
+                <a16:creationId xmlns:a16="http://schemas.microsoft.com/office/drawing/2014/main" id="{797A6C93-5985-E1CE-1CC0-2593372DAE8C}"/>
               </a:ext>
             </a:extLst>
           </p:cNvPr>
@@ -17425,14 +17903,13 @@
               </a:ext>
             </a:extLst>
           </a:blip>
-          <a:stretch>
-            <a:fillRect/>
-          </a:stretch>
+          <a:srcRect/>
+          <a:stretch/>
         </p:blipFill>
         <p:spPr>
           <a:xfrm>
-            <a:off x="6285709" y="1126333"/>
-            <a:ext cx="5852172" cy="4389129"/>
+            <a:off x="377580" y="1228293"/>
+            <a:ext cx="3116246" cy="2337185"/>
           </a:xfrm>
           <a:prstGeom prst="rect">
             <a:avLst/>
@@ -17441,10 +17918,10 @@
       </p:pic>
       <p:pic>
         <p:nvPicPr>
-          <p:cNvPr id="38" name="Picture 37" descr="A picture containing text, diagram, line, plot&#10;&#10;Description automatically generated">
-            <a:extLst>
-              <a:ext uri="{FF2B5EF4-FFF2-40B4-BE49-F238E27FC236}">
-                <a16:creationId xmlns:a16="http://schemas.microsoft.com/office/drawing/2014/main" id="{EFEC9F46-C5E4-C52F-B160-E8CC1D76FD1A}"/>
+          <p:cNvPr id="15" name="Picture 14">
+            <a:extLst>
+              <a:ext uri="{FF2B5EF4-FFF2-40B4-BE49-F238E27FC236}">
+                <a16:creationId xmlns:a16="http://schemas.microsoft.com/office/drawing/2014/main" id="{9DA99175-44D3-2D41-2767-6BF7CE9EDAD8}"/>
               </a:ext>
             </a:extLst>
           </p:cNvPr>
@@ -17461,24 +17938,432 @@
               </a:ext>
             </a:extLst>
           </a:blip>
-          <a:stretch>
-            <a:fillRect/>
-          </a:stretch>
+          <a:srcRect/>
+          <a:stretch/>
         </p:blipFill>
         <p:spPr>
           <a:xfrm>
-            <a:off x="433537" y="1126334"/>
-            <a:ext cx="5852172" cy="4389129"/>
+            <a:off x="2304193" y="4101145"/>
+            <a:ext cx="3116246" cy="2337185"/>
           </a:xfrm>
           <a:prstGeom prst="rect">
             <a:avLst/>
           </a:prstGeom>
         </p:spPr>
       </p:pic>
+      <p:pic>
+        <p:nvPicPr>
+          <p:cNvPr id="17" name="Picture 16">
+            <a:extLst>
+              <a:ext uri="{FF2B5EF4-FFF2-40B4-BE49-F238E27FC236}">
+                <a16:creationId xmlns:a16="http://schemas.microsoft.com/office/drawing/2014/main" id="{56F7DB83-4B02-48F0-CA11-96C86E2ADFD2}"/>
+              </a:ext>
+            </a:extLst>
+          </p:cNvPr>
+          <p:cNvPicPr>
+            <a:picLocks noChangeAspect="1"/>
+          </p:cNvPicPr>
+          <p:nvPr/>
+        </p:nvPicPr>
+        <p:blipFill>
+          <a:blip r:embed="rId4">
+            <a:extLst>
+              <a:ext uri="{28A0092B-C50C-407E-A947-70E740481C1C}">
+                <a14:useLocalDpi xmlns:a14="http://schemas.microsoft.com/office/drawing/2010/main" val="0"/>
+              </a:ext>
+            </a:extLst>
+          </a:blip>
+          <a:srcRect/>
+          <a:stretch/>
+        </p:blipFill>
+        <p:spPr>
+          <a:xfrm>
+            <a:off x="4556718" y="1228293"/>
+            <a:ext cx="3116248" cy="2337186"/>
+          </a:xfrm>
+          <a:prstGeom prst="rect">
+            <a:avLst/>
+          </a:prstGeom>
+        </p:spPr>
+      </p:pic>
+      <p:pic>
+        <p:nvPicPr>
+          <p:cNvPr id="19" name="Picture 18">
+            <a:extLst>
+              <a:ext uri="{FF2B5EF4-FFF2-40B4-BE49-F238E27FC236}">
+                <a16:creationId xmlns:a16="http://schemas.microsoft.com/office/drawing/2014/main" id="{C2BF617C-1475-0ACC-7B97-AD6F78EB6810}"/>
+              </a:ext>
+            </a:extLst>
+          </p:cNvPr>
+          <p:cNvPicPr>
+            <a:picLocks noChangeAspect="1"/>
+          </p:cNvPicPr>
+          <p:nvPr/>
+        </p:nvPicPr>
+        <p:blipFill>
+          <a:blip r:embed="rId5">
+            <a:extLst>
+              <a:ext uri="{28A0092B-C50C-407E-A947-70E740481C1C}">
+                <a14:useLocalDpi xmlns:a14="http://schemas.microsoft.com/office/drawing/2010/main" val="0"/>
+              </a:ext>
+            </a:extLst>
+          </a:blip>
+          <a:srcRect/>
+          <a:stretch/>
+        </p:blipFill>
+        <p:spPr>
+          <a:xfrm>
+            <a:off x="6880739" y="4032906"/>
+            <a:ext cx="3116247" cy="2337185"/>
+          </a:xfrm>
+          <a:prstGeom prst="rect">
+            <a:avLst/>
+          </a:prstGeom>
+        </p:spPr>
+      </p:pic>
+      <p:cxnSp>
+        <p:nvCxnSpPr>
+          <p:cNvPr id="22" name="Straight Arrow Connector 21">
+            <a:extLst>
+              <a:ext uri="{FF2B5EF4-FFF2-40B4-BE49-F238E27FC236}">
+                <a16:creationId xmlns:a16="http://schemas.microsoft.com/office/drawing/2014/main" id="{4F0BF251-C7AB-530C-8A83-E1D6BE81CA3B}"/>
+              </a:ext>
+            </a:extLst>
+          </p:cNvPr>
+          <p:cNvCxnSpPr>
+            <a:cxnSpLocks/>
+          </p:cNvCxnSpPr>
+          <p:nvPr/>
+        </p:nvCxnSpPr>
+        <p:spPr>
+          <a:xfrm>
+            <a:off x="2829833" y="3570880"/>
+            <a:ext cx="421103" cy="486886"/>
+          </a:xfrm>
+          <a:prstGeom prst="straightConnector1">
+            <a:avLst/>
+          </a:prstGeom>
+          <a:ln w="57150">
+            <a:tailEnd type="triangle"/>
+          </a:ln>
+        </p:spPr>
+        <p:style>
+          <a:lnRef idx="1">
+            <a:schemeClr val="accent1"/>
+          </a:lnRef>
+          <a:fillRef idx="0">
+            <a:schemeClr val="accent1"/>
+          </a:fillRef>
+          <a:effectRef idx="0">
+            <a:schemeClr val="accent1"/>
+          </a:effectRef>
+          <a:fontRef idx="minor">
+            <a:schemeClr val="tx1"/>
+          </a:fontRef>
+        </p:style>
+      </p:cxnSp>
+      <p:cxnSp>
+        <p:nvCxnSpPr>
+          <p:cNvPr id="24" name="Straight Arrow Connector 23">
+            <a:extLst>
+              <a:ext uri="{FF2B5EF4-FFF2-40B4-BE49-F238E27FC236}">
+                <a16:creationId xmlns:a16="http://schemas.microsoft.com/office/drawing/2014/main" id="{7B4A909A-3AAE-1259-B1DE-07772B109326}"/>
+              </a:ext>
+            </a:extLst>
+          </p:cNvPr>
+          <p:cNvCxnSpPr>
+            <a:cxnSpLocks/>
+          </p:cNvCxnSpPr>
+          <p:nvPr/>
+        </p:nvCxnSpPr>
+        <p:spPr>
+          <a:xfrm flipV="1">
+            <a:off x="4531749" y="3565444"/>
+            <a:ext cx="493990" cy="444622"/>
+          </a:xfrm>
+          <a:prstGeom prst="straightConnector1">
+            <a:avLst/>
+          </a:prstGeom>
+          <a:ln w="57150">
+            <a:tailEnd type="triangle"/>
+          </a:ln>
+        </p:spPr>
+        <p:style>
+          <a:lnRef idx="1">
+            <a:schemeClr val="accent1"/>
+          </a:lnRef>
+          <a:fillRef idx="0">
+            <a:schemeClr val="accent1"/>
+          </a:fillRef>
+          <a:effectRef idx="0">
+            <a:schemeClr val="accent1"/>
+          </a:effectRef>
+          <a:fontRef idx="minor">
+            <a:schemeClr val="tx1"/>
+          </a:fontRef>
+        </p:style>
+      </p:cxnSp>
+      <p:cxnSp>
+        <p:nvCxnSpPr>
+          <p:cNvPr id="27" name="Straight Arrow Connector 26">
+            <a:extLst>
+              <a:ext uri="{FF2B5EF4-FFF2-40B4-BE49-F238E27FC236}">
+                <a16:creationId xmlns:a16="http://schemas.microsoft.com/office/drawing/2014/main" id="{38082BBC-192E-195B-DC16-6121C1D63121}"/>
+              </a:ext>
+            </a:extLst>
+          </p:cNvPr>
+          <p:cNvCxnSpPr>
+            <a:cxnSpLocks/>
+          </p:cNvCxnSpPr>
+          <p:nvPr/>
+        </p:nvCxnSpPr>
+        <p:spPr>
+          <a:xfrm>
+            <a:off x="7166263" y="3566635"/>
+            <a:ext cx="421103" cy="486886"/>
+          </a:xfrm>
+          <a:prstGeom prst="straightConnector1">
+            <a:avLst/>
+          </a:prstGeom>
+          <a:ln w="57150">
+            <a:tailEnd type="triangle"/>
+          </a:ln>
+        </p:spPr>
+        <p:style>
+          <a:lnRef idx="1">
+            <a:schemeClr val="accent1"/>
+          </a:lnRef>
+          <a:fillRef idx="0">
+            <a:schemeClr val="accent1"/>
+          </a:fillRef>
+          <a:effectRef idx="0">
+            <a:schemeClr val="accent1"/>
+          </a:effectRef>
+          <a:fontRef idx="minor">
+            <a:schemeClr val="tx1"/>
+          </a:fontRef>
+        </p:style>
+      </p:cxnSp>
+      <p:sp>
+        <p:nvSpPr>
+          <p:cNvPr id="28" name="TextBox 27">
+            <a:extLst>
+              <a:ext uri="{FF2B5EF4-FFF2-40B4-BE49-F238E27FC236}">
+                <a16:creationId xmlns:a16="http://schemas.microsoft.com/office/drawing/2014/main" id="{10FC292E-757C-068E-6D9B-8B592D068B07}"/>
+              </a:ext>
+            </a:extLst>
+          </p:cNvPr>
+          <p:cNvSpPr txBox="1"/>
+          <p:nvPr/>
+        </p:nvSpPr>
+        <p:spPr>
+          <a:xfrm>
+            <a:off x="832262" y="1034446"/>
+            <a:ext cx="2943862" cy="307777"/>
+          </a:xfrm>
+          <a:prstGeom prst="rect">
+            <a:avLst/>
+          </a:prstGeom>
+          <a:noFill/>
+        </p:spPr>
+        <p:txBody>
+          <a:bodyPr wrap="square" rtlCol="0">
+            <a:spAutoFit/>
+          </a:bodyPr>
+          <a:lstStyle/>
+          <a:p>
+            <a:r>
+              <a:rPr lang="it-IT" sz="1400" dirty="0"/>
+              <a:t>String 1 – Panel 1 shaded</a:t>
+            </a:r>
+          </a:p>
+        </p:txBody>
+      </p:sp>
+      <p:sp>
+        <p:nvSpPr>
+          <p:cNvPr id="29" name="TextBox 28">
+            <a:extLst>
+              <a:ext uri="{FF2B5EF4-FFF2-40B4-BE49-F238E27FC236}">
+                <a16:creationId xmlns:a16="http://schemas.microsoft.com/office/drawing/2014/main" id="{96E7FF75-E96E-A2D2-FD15-8BA52AA18116}"/>
+              </a:ext>
+            </a:extLst>
+          </p:cNvPr>
+          <p:cNvSpPr txBox="1"/>
+          <p:nvPr/>
+        </p:nvSpPr>
+        <p:spPr>
+          <a:xfrm>
+            <a:off x="2756910" y="6327820"/>
+            <a:ext cx="2943862" cy="523220"/>
+          </a:xfrm>
+          <a:prstGeom prst="rect">
+            <a:avLst/>
+          </a:prstGeom>
+          <a:noFill/>
+        </p:spPr>
+        <p:txBody>
+          <a:bodyPr wrap="square" rtlCol="0">
+            <a:spAutoFit/>
+          </a:bodyPr>
+          <a:lstStyle/>
+          <a:p>
+            <a:r>
+              <a:rPr lang="it-IT" sz="1400" dirty="0"/>
+              <a:t>String 1 – Panel 1 shaded</a:t>
+            </a:r>
+          </a:p>
+          <a:p>
+            <a:r>
+              <a:rPr lang="it-IT" sz="1400" dirty="0"/>
+              <a:t>String 2 – Panel 1 shaded</a:t>
+            </a:r>
+          </a:p>
+        </p:txBody>
+      </p:sp>
+      <p:sp>
+        <p:nvSpPr>
+          <p:cNvPr id="31" name="TextBox 30">
+            <a:extLst>
+              <a:ext uri="{FF2B5EF4-FFF2-40B4-BE49-F238E27FC236}">
+                <a16:creationId xmlns:a16="http://schemas.microsoft.com/office/drawing/2014/main" id="{F7B984E4-69CC-8840-9F0A-78B23226724D}"/>
+              </a:ext>
+            </a:extLst>
+          </p:cNvPr>
+          <p:cNvSpPr txBox="1"/>
+          <p:nvPr/>
+        </p:nvSpPr>
+        <p:spPr>
+          <a:xfrm>
+            <a:off x="5143174" y="815583"/>
+            <a:ext cx="2943862" cy="523220"/>
+          </a:xfrm>
+          <a:prstGeom prst="rect">
+            <a:avLst/>
+          </a:prstGeom>
+          <a:noFill/>
+        </p:spPr>
+        <p:txBody>
+          <a:bodyPr wrap="square" rtlCol="0">
+            <a:spAutoFit/>
+          </a:bodyPr>
+          <a:lstStyle/>
+          <a:p>
+            <a:r>
+              <a:rPr lang="it-IT" sz="1400" dirty="0"/>
+              <a:t>String 2 – Panel 1 shaded</a:t>
+            </a:r>
+          </a:p>
+          <a:p>
+            <a:r>
+              <a:rPr lang="it-IT" sz="1400" dirty="0"/>
+              <a:t>String 3 – Panel 1 shaded</a:t>
+            </a:r>
+          </a:p>
+        </p:txBody>
+      </p:sp>
+      <p:sp>
+        <p:nvSpPr>
+          <p:cNvPr id="32" name="TextBox 31">
+            <a:extLst>
+              <a:ext uri="{FF2B5EF4-FFF2-40B4-BE49-F238E27FC236}">
+                <a16:creationId xmlns:a16="http://schemas.microsoft.com/office/drawing/2014/main" id="{0B7E1EFE-A49E-3F4A-0DB8-6D8EC128631A}"/>
+              </a:ext>
+            </a:extLst>
+          </p:cNvPr>
+          <p:cNvSpPr txBox="1"/>
+          <p:nvPr/>
+        </p:nvSpPr>
+        <p:spPr>
+          <a:xfrm>
+            <a:off x="7376814" y="6265805"/>
+            <a:ext cx="2943862" cy="523220"/>
+          </a:xfrm>
+          <a:prstGeom prst="rect">
+            <a:avLst/>
+          </a:prstGeom>
+          <a:noFill/>
+        </p:spPr>
+        <p:txBody>
+          <a:bodyPr wrap="square" rtlCol="0">
+            <a:spAutoFit/>
+          </a:bodyPr>
+          <a:lstStyle/>
+          <a:p>
+            <a:r>
+              <a:rPr lang="it-IT" sz="1400" dirty="0"/>
+              <a:t>String 2 – Panel 1,2 shaded</a:t>
+            </a:r>
+          </a:p>
+          <a:p>
+            <a:r>
+              <a:rPr lang="it-IT" sz="1400" dirty="0"/>
+              <a:t>String 3 – Panel 1,2 shaded</a:t>
+            </a:r>
+          </a:p>
+        </p:txBody>
+      </p:sp>
+      <p:sp>
+        <p:nvSpPr>
+          <p:cNvPr id="5" name="Rectangle: Rounded Corners 4">
+            <a:extLst>
+              <a:ext uri="{FF2B5EF4-FFF2-40B4-BE49-F238E27FC236}">
+                <a16:creationId xmlns:a16="http://schemas.microsoft.com/office/drawing/2014/main" id="{8527DF4B-7770-DBDF-D3A1-CEF56862602B}"/>
+              </a:ext>
+            </a:extLst>
+          </p:cNvPr>
+          <p:cNvSpPr/>
+          <p:nvPr/>
+        </p:nvSpPr>
+        <p:spPr>
+          <a:xfrm>
+            <a:off x="8087036" y="1645784"/>
+            <a:ext cx="3397555" cy="1377195"/>
+          </a:xfrm>
+          <a:prstGeom prst="roundRect">
+            <a:avLst/>
+          </a:prstGeom>
+          <a:solidFill>
+            <a:schemeClr val="accent1"/>
+          </a:solidFill>
+          <a:ln w="57150">
+            <a:solidFill>
+              <a:srgbClr val="FFC000"/>
+            </a:solidFill>
+          </a:ln>
+        </p:spPr>
+        <p:style>
+          <a:lnRef idx="2">
+            <a:schemeClr val="accent1">
+              <a:shade val="50000"/>
+            </a:schemeClr>
+          </a:lnRef>
+          <a:fillRef idx="1">
+            <a:schemeClr val="accent1"/>
+          </a:fillRef>
+          <a:effectRef idx="0">
+            <a:schemeClr val="accent1"/>
+          </a:effectRef>
+          <a:fontRef idx="minor">
+            <a:schemeClr val="lt1"/>
+          </a:fontRef>
+        </p:style>
+        <p:txBody>
+          <a:bodyPr rtlCol="0" anchor="ctr"/>
+          <a:lstStyle/>
+          <a:p>
+            <a:pPr algn="ctr"/>
+            <a:r>
+              <a:rPr lang="en-US" sz="1400" dirty="0"/>
+              <a:t>As it was easy to deduce from the previous graphs, multiple peaks can be observed, which are obviously due to the presence of mismatch conditions among the various panels.</a:t>
+            </a:r>
+            <a:endParaRPr lang="it-IT" sz="1400" dirty="0"/>
+          </a:p>
+        </p:txBody>
+      </p:sp>
     </p:spTree>
     <p:extLst>
       <p:ext uri="{BB962C8B-B14F-4D97-AF65-F5344CB8AC3E}">
-        <p14:creationId xmlns:p14="http://schemas.microsoft.com/office/powerpoint/2010/main" val="3431914205"/>
+        <p14:creationId xmlns:p14="http://schemas.microsoft.com/office/powerpoint/2010/main" val="2140160406"/>
       </p:ext>
     </p:extLst>
   </p:cSld>
@@ -17522,6 +18407,204 @@
           <p:cNvPr id="2" name="Title 1">
             <a:extLst>
               <a:ext uri="{FF2B5EF4-FFF2-40B4-BE49-F238E27FC236}">
+                <a16:creationId xmlns:a16="http://schemas.microsoft.com/office/drawing/2014/main" id="{C0C1A6D4-E0E2-258F-B5D2-BEFCEA4BFE29}"/>
+              </a:ext>
+            </a:extLst>
+          </p:cNvPr>
+          <p:cNvSpPr>
+            <a:spLocks noGrp="1"/>
+          </p:cNvSpPr>
+          <p:nvPr>
+            <p:ph type="title" idx="4294967295"/>
+          </p:nvPr>
+        </p:nvSpPr>
+        <p:spPr>
+          <a:xfrm>
+            <a:off x="616804" y="0"/>
+            <a:ext cx="10167937" cy="1179513"/>
+          </a:xfrm>
+        </p:spPr>
+        <p:txBody>
+          <a:bodyPr/>
+          <a:lstStyle/>
+          <a:p>
+            <a:r>
+              <a:rPr lang="it-IT" dirty="0"/>
+              <a:t>Results with Dynamic Shadow - 3</a:t>
+            </a:r>
+          </a:p>
+        </p:txBody>
+      </p:sp>
+      <p:sp>
+        <p:nvSpPr>
+          <p:cNvPr id="14" name="Titolo 1">
+            <a:extLst>
+              <a:ext uri="{FF2B5EF4-FFF2-40B4-BE49-F238E27FC236}">
+                <a16:creationId xmlns:a16="http://schemas.microsoft.com/office/drawing/2014/main" id="{7FDBCCB5-F0AF-580B-2F09-898B232B7B66}"/>
+              </a:ext>
+            </a:extLst>
+          </p:cNvPr>
+          <p:cNvSpPr txBox="1">
+            <a:spLocks/>
+          </p:cNvSpPr>
+          <p:nvPr/>
+        </p:nvSpPr>
+        <p:spPr>
+          <a:xfrm>
+            <a:off x="616804" y="249382"/>
+            <a:ext cx="10996076" cy="623454"/>
+          </a:xfrm>
+          <a:prstGeom prst="rect">
+            <a:avLst/>
+          </a:prstGeom>
+        </p:spPr>
+        <p:txBody>
+          <a:bodyPr lIns="91440" tIns="45720" rIns="91440" bIns="45720" anchor="t">
+            <a:normAutofit/>
+          </a:bodyPr>
+          <a:lstStyle>
+            <a:lvl1pPr algn="l" defTabSz="914400" rtl="0" eaLnBrk="1" latinLnBrk="0" hangingPunct="1">
+              <a:lnSpc>
+                <a:spcPct val="100000"/>
+              </a:lnSpc>
+              <a:spcBef>
+                <a:spcPct val="0"/>
+              </a:spcBef>
+              <a:buNone/>
+              <a:defRPr sz="3400" b="1" kern="1200">
+                <a:solidFill>
+                  <a:schemeClr val="tx1"/>
+                </a:solidFill>
+                <a:latin typeface="+mj-lt"/>
+                <a:ea typeface="+mj-ea"/>
+                <a:cs typeface="+mj-cs"/>
+              </a:defRPr>
+            </a:lvl1pPr>
+          </a:lstStyle>
+          <a:p>
+            <a:endParaRPr lang="it-IT" dirty="0"/>
+          </a:p>
+        </p:txBody>
+      </p:sp>
+      <p:pic>
+        <p:nvPicPr>
+          <p:cNvPr id="36" name="Picture 35" descr="A picture containing text, diagram, line, plot&#10;&#10;Description automatically generated">
+            <a:extLst>
+              <a:ext uri="{FF2B5EF4-FFF2-40B4-BE49-F238E27FC236}">
+                <a16:creationId xmlns:a16="http://schemas.microsoft.com/office/drawing/2014/main" id="{A22F7449-61FC-7746-A8FC-5A97F36578D2}"/>
+              </a:ext>
+            </a:extLst>
+          </p:cNvPr>
+          <p:cNvPicPr>
+            <a:picLocks noChangeAspect="1"/>
+          </p:cNvPicPr>
+          <p:nvPr/>
+        </p:nvPicPr>
+        <p:blipFill>
+          <a:blip r:embed="rId2">
+            <a:extLst>
+              <a:ext uri="{28A0092B-C50C-407E-A947-70E740481C1C}">
+                <a14:useLocalDpi xmlns:a14="http://schemas.microsoft.com/office/drawing/2010/main" val="0"/>
+              </a:ext>
+            </a:extLst>
+          </a:blip>
+          <a:stretch>
+            <a:fillRect/>
+          </a:stretch>
+        </p:blipFill>
+        <p:spPr>
+          <a:xfrm>
+            <a:off x="6285709" y="1126333"/>
+            <a:ext cx="5852172" cy="4389129"/>
+          </a:xfrm>
+          <a:prstGeom prst="rect">
+            <a:avLst/>
+          </a:prstGeom>
+        </p:spPr>
+      </p:pic>
+      <p:pic>
+        <p:nvPicPr>
+          <p:cNvPr id="38" name="Picture 37" descr="A picture containing text, diagram, line, plot&#10;&#10;Description automatically generated">
+            <a:extLst>
+              <a:ext uri="{FF2B5EF4-FFF2-40B4-BE49-F238E27FC236}">
+                <a16:creationId xmlns:a16="http://schemas.microsoft.com/office/drawing/2014/main" id="{EFEC9F46-C5E4-C52F-B160-E8CC1D76FD1A}"/>
+              </a:ext>
+            </a:extLst>
+          </p:cNvPr>
+          <p:cNvPicPr>
+            <a:picLocks noChangeAspect="1"/>
+          </p:cNvPicPr>
+          <p:nvPr/>
+        </p:nvPicPr>
+        <p:blipFill>
+          <a:blip r:embed="rId3">
+            <a:extLst>
+              <a:ext uri="{28A0092B-C50C-407E-A947-70E740481C1C}">
+                <a14:useLocalDpi xmlns:a14="http://schemas.microsoft.com/office/drawing/2010/main" val="0"/>
+              </a:ext>
+            </a:extLst>
+          </a:blip>
+          <a:stretch>
+            <a:fillRect/>
+          </a:stretch>
+        </p:blipFill>
+        <p:spPr>
+          <a:xfrm>
+            <a:off x="433537" y="1126334"/>
+            <a:ext cx="5852172" cy="4389129"/>
+          </a:xfrm>
+          <a:prstGeom prst="rect">
+            <a:avLst/>
+          </a:prstGeom>
+        </p:spPr>
+      </p:pic>
+    </p:spTree>
+    <p:extLst>
+      <p:ext uri="{BB962C8B-B14F-4D97-AF65-F5344CB8AC3E}">
+        <p14:creationId xmlns:p14="http://schemas.microsoft.com/office/powerpoint/2010/main" val="3431914205"/>
+      </p:ext>
+    </p:extLst>
+  </p:cSld>
+  <p:clrMapOvr>
+    <a:masterClrMapping/>
+  </p:clrMapOvr>
+  <mc:AlternateContent xmlns:mc="http://schemas.openxmlformats.org/markup-compatibility/2006" xmlns:p159="http://schemas.microsoft.com/office/powerpoint/2015/09/main">
+    <mc:Choice Requires="p159">
+      <p:transition xmlns:p14="http://schemas.microsoft.com/office/powerpoint/2010/main" spd="slow" p14:dur="2000">
+        <p159:morph option="byObject"/>
+      </p:transition>
+    </mc:Choice>
+    <mc:Fallback xmlns="">
+      <p:transition spd="slow">
+        <p:fade/>
+      </p:transition>
+    </mc:Fallback>
+  </mc:AlternateContent>
+</p:sld>
+</file>
+
+<file path=ppt/slides/slide27.xml><?xml version="1.0" encoding="utf-8"?>
+<p:sld xmlns:a="http://schemas.openxmlformats.org/drawingml/2006/main" xmlns:r="http://schemas.openxmlformats.org/officeDocument/2006/relationships" xmlns:p="http://schemas.openxmlformats.org/presentationml/2006/main">
+  <p:cSld>
+    <p:spTree>
+      <p:nvGrpSpPr>
+        <p:cNvPr id="1" name=""/>
+        <p:cNvGrpSpPr/>
+        <p:nvPr/>
+      </p:nvGrpSpPr>
+      <p:grpSpPr>
+        <a:xfrm>
+          <a:off x="0" y="0"/>
+          <a:ext cx="0" cy="0"/>
+          <a:chOff x="0" y="0"/>
+          <a:chExt cx="0" cy="0"/>
+        </a:xfrm>
+      </p:grpSpPr>
+      <p:sp>
+        <p:nvSpPr>
+          <p:cNvPr id="2" name="Title 1">
+            <a:extLst>
+              <a:ext uri="{FF2B5EF4-FFF2-40B4-BE49-F238E27FC236}">
                 <a16:creationId xmlns:a16="http://schemas.microsoft.com/office/drawing/2014/main" id="{9955D570-E43A-FEB9-DA40-9606E35E3F0F}"/>
               </a:ext>
             </a:extLst>
@@ -17761,7 +18844,7 @@
 </p:sld>
 </file>
 
-<file path=ppt/slides/slide27.xml><?xml version="1.0" encoding="utf-8"?>
+<file path=ppt/slides/slide28.xml><?xml version="1.0" encoding="utf-8"?>
 <p:sld xmlns:a="http://schemas.openxmlformats.org/drawingml/2006/main" xmlns:r="http://schemas.openxmlformats.org/officeDocument/2006/relationships" xmlns:p="http://schemas.openxmlformats.org/presentationml/2006/main">
   <p:cSld>
     <p:spTree>
@@ -17873,7 +18956,7 @@
 </p:sld>
 </file>
 
-<file path=ppt/slides/slide28.xml><?xml version="1.0" encoding="utf-8"?>
+<file path=ppt/slides/slide29.xml><?xml version="1.0" encoding="utf-8"?>
 <p:sld xmlns:a="http://schemas.openxmlformats.org/drawingml/2006/main" xmlns:r="http://schemas.openxmlformats.org/officeDocument/2006/relationships" xmlns:p="http://schemas.openxmlformats.org/presentationml/2006/main">
   <p:cSld>
     <p:spTree>
@@ -17940,7 +19023,35 @@
           <a:bodyPr/>
           <a:lstStyle/>
           <a:p>
-            <a:endParaRPr lang="it-IT"/>
+            <a:r>
+              <a:rPr lang="it-IT" dirty="0">
+                <a:hlinkClick r:id="rId2"/>
+              </a:rPr>
+              <a:t>https://pvlib-python.readthedocs.io/en/stable/</a:t>
+            </a:r>
+            <a:endParaRPr lang="it-IT" dirty="0"/>
+          </a:p>
+          <a:p>
+            <a:r>
+              <a:rPr lang="it-IT" dirty="0" err="1"/>
+              <a:t>Photovoltaic</a:t>
+            </a:r>
+            <a:r>
+              <a:rPr lang="it-IT" dirty="0"/>
+              <a:t> Sources </a:t>
+            </a:r>
+            <a:r>
+              <a:rPr lang="it-IT" dirty="0" err="1"/>
+              <a:t>Modeling</a:t>
+            </a:r>
+            <a:r>
+              <a:rPr lang="it-IT" dirty="0"/>
+              <a:t> </a:t>
+            </a:r>
+            <a:r>
+              <a:rPr lang="it-IT"/>
+              <a:t>[Wiley]</a:t>
+            </a:r>
           </a:p>
         </p:txBody>
       </p:sp>
